--- a/ppt/BI.pptx
+++ b/ppt/BI.pptx
@@ -5,14 +5,15 @@
     <p:sldMasterId id="2147483648" r:id="rId1"/>
   </p:sldMasterIdLst>
   <p:notesMasterIdLst>
-    <p:notesMasterId r:id="rId6"/>
+    <p:notesMasterId r:id="rId7"/>
   </p:notesMasterIdLst>
   <p:sldIdLst>
     <p:sldId id="257" r:id="rId3"/>
-    <p:sldId id="256" r:id="rId4"/>
-    <p:sldId id="258" r:id="rId5"/>
-    <p:sldId id="260" r:id="rId7"/>
-    <p:sldId id="261" r:id="rId8"/>
+    <p:sldId id="262" r:id="rId4"/>
+    <p:sldId id="256" r:id="rId5"/>
+    <p:sldId id="258" r:id="rId6"/>
+    <p:sldId id="260" r:id="rId8"/>
+    <p:sldId id="261" r:id="rId9"/>
   </p:sldIdLst>
   <p:sldSz cx="12192000" cy="6858000"/>
   <p:notesSz cx="6858000" cy="9144000"/>
@@ -3493,6 +3494,98 @@
 </file>
 
 <file path=ppt/slides/slide1.xml><?xml version="1.0" encoding="utf-8"?>
+<p:sld xmlns:a="http://schemas.openxmlformats.org/drawingml/2006/main" xmlns:r="http://schemas.openxmlformats.org/officeDocument/2006/relationships" xmlns:p="http://schemas.openxmlformats.org/presentationml/2006/main">
+  <p:cSld>
+    <p:spTree>
+      <p:nvGrpSpPr>
+        <p:cNvPr id="1" name=""/>
+        <p:cNvGrpSpPr/>
+        <p:nvPr/>
+      </p:nvGrpSpPr>
+      <p:grpSpPr/>
+      <p:sp>
+        <p:nvSpPr>
+          <p:cNvPr id="4" name="圆角矩形 3"/>
+          <p:cNvSpPr/>
+          <p:nvPr/>
+        </p:nvSpPr>
+        <p:spPr>
+          <a:xfrm>
+            <a:off x="565785" y="2248535"/>
+            <a:ext cx="1720215" cy="1607820"/>
+          </a:xfrm>
+          <a:prstGeom prst="roundRect">
+            <a:avLst/>
+          </a:prstGeom>
+        </p:spPr>
+        <p:style>
+          <a:lnRef idx="2">
+            <a:schemeClr val="accent6"/>
+          </a:lnRef>
+          <a:fillRef idx="1">
+            <a:schemeClr val="lt1"/>
+          </a:fillRef>
+          <a:effectRef idx="0">
+            <a:schemeClr val="accent6"/>
+          </a:effectRef>
+          <a:fontRef idx="minor">
+            <a:schemeClr val="dk1"/>
+          </a:fontRef>
+        </p:style>
+        <p:txBody>
+          <a:bodyPr rtlCol="0" anchor="ctr"/>
+          <a:p>
+            <a:pPr algn="ctr"/>
+            <a:endParaRPr lang="zh-CN" altLang="en-US"/>
+          </a:p>
+        </p:txBody>
+      </p:sp>
+      <p:sp>
+        <p:nvSpPr>
+          <p:cNvPr id="5" name="圆角矩形 4"/>
+          <p:cNvSpPr/>
+          <p:nvPr/>
+        </p:nvSpPr>
+        <p:spPr>
+          <a:xfrm>
+            <a:off x="4677410" y="2267585"/>
+            <a:ext cx="1720215" cy="1607820"/>
+          </a:xfrm>
+          <a:prstGeom prst="roundRect">
+            <a:avLst/>
+          </a:prstGeom>
+        </p:spPr>
+        <p:style>
+          <a:lnRef idx="2">
+            <a:schemeClr val="accent6"/>
+          </a:lnRef>
+          <a:fillRef idx="1">
+            <a:schemeClr val="lt1"/>
+          </a:fillRef>
+          <a:effectRef idx="0">
+            <a:schemeClr val="accent6"/>
+          </a:effectRef>
+          <a:fontRef idx="minor">
+            <a:schemeClr val="dk1"/>
+          </a:fontRef>
+        </p:style>
+        <p:txBody>
+          <a:bodyPr rtlCol="0" anchor="ctr"/>
+          <a:p>
+            <a:pPr algn="ctr"/>
+            <a:endParaRPr lang="zh-CN" altLang="en-US"/>
+          </a:p>
+        </p:txBody>
+      </p:sp>
+    </p:spTree>
+  </p:cSld>
+  <p:clrMapOvr>
+    <a:masterClrMapping/>
+  </p:clrMapOvr>
+</p:sld>
+</file>
+
+<file path=ppt/slides/slide2.xml><?xml version="1.0" encoding="utf-8"?>
 <p:sld xmlns:a="http://schemas.openxmlformats.org/drawingml/2006/main" xmlns:r="http://schemas.openxmlformats.org/officeDocument/2006/relationships" xmlns:p="http://schemas.openxmlformats.org/presentationml/2006/main">
   <p:cSld>
     <p:spTree>
@@ -4300,1150 +4393,32 @@
           </a:graphicData>
         </a:graphic>
       </p:graphicFrame>
-    </p:spTree>
-  </p:cSld>
-  <p:clrMapOvr>
-    <a:masterClrMapping/>
-  </p:clrMapOvr>
-</p:sld>
-</file>
-
-<file path=ppt/slides/slide2.xml><?xml version="1.0" encoding="utf-8"?>
-<p:sld xmlns:a="http://schemas.openxmlformats.org/drawingml/2006/main" xmlns:r="http://schemas.openxmlformats.org/officeDocument/2006/relationships" xmlns:p="http://schemas.openxmlformats.org/presentationml/2006/main">
-  <p:cSld>
-    <p:spTree>
-      <p:nvGrpSpPr>
-        <p:cNvPr id="1" name=""/>
-        <p:cNvGrpSpPr/>
-        <p:nvPr/>
-      </p:nvGrpSpPr>
-      <p:grpSpPr>
-        <a:xfrm>
-          <a:off x="0" y="0"/>
-          <a:ext cx="0" cy="0"/>
-          <a:chOff x="0" y="0"/>
-          <a:chExt cx="0" cy="0"/>
-        </a:xfrm>
-      </p:grpSpPr>
-      <p:sp>
-        <p:nvSpPr>
-          <p:cNvPr id="4" name="圆角矩形 3"/>
-          <p:cNvSpPr/>
-          <p:nvPr/>
-        </p:nvSpPr>
-        <p:spPr>
-          <a:xfrm>
-            <a:off x="4170009" y="615484"/>
-            <a:ext cx="3147463" cy="558265"/>
-          </a:xfrm>
-          <a:prstGeom prst="roundRect">
-            <a:avLst/>
-          </a:prstGeom>
-        </p:spPr>
-        <p:style>
-          <a:lnRef idx="2">
-            <a:schemeClr val="accent1"/>
-          </a:lnRef>
-          <a:fillRef idx="1">
-            <a:schemeClr val="lt1"/>
-          </a:fillRef>
-          <a:effectRef idx="0">
-            <a:schemeClr val="accent1"/>
-          </a:effectRef>
-          <a:fontRef idx="minor">
-            <a:schemeClr val="dk1"/>
-          </a:fontRef>
-        </p:style>
-        <p:txBody>
-          <a:bodyPr rtlCol="0" anchor="ctr"/>
-          <a:lstStyle/>
-          <a:p>
-            <a:pPr algn="ctr"/>
-            <a:endParaRPr lang="zh-CN" altLang="en-US" dirty="0"/>
-          </a:p>
-        </p:txBody>
-      </p:sp>
-      <p:sp>
-        <p:nvSpPr>
-          <p:cNvPr id="6" name="圆角矩形 5"/>
-          <p:cNvSpPr/>
-          <p:nvPr/>
-        </p:nvSpPr>
-        <p:spPr>
-          <a:xfrm>
-            <a:off x="5310604" y="711738"/>
-            <a:ext cx="856647" cy="385010"/>
-          </a:xfrm>
-          <a:prstGeom prst="roundRect">
-            <a:avLst/>
-          </a:prstGeom>
-        </p:spPr>
-        <p:style>
-          <a:lnRef idx="2">
-            <a:schemeClr val="accent4">
-              <a:shade val="50000"/>
-            </a:schemeClr>
-          </a:lnRef>
-          <a:fillRef idx="1">
-            <a:schemeClr val="accent4"/>
-          </a:fillRef>
-          <a:effectRef idx="0">
-            <a:schemeClr val="accent4"/>
-          </a:effectRef>
-          <a:fontRef idx="minor">
-            <a:schemeClr val="lt1"/>
-          </a:fontRef>
-        </p:style>
-        <p:txBody>
-          <a:bodyPr rtlCol="0" anchor="ctr"/>
-          <a:lstStyle/>
-          <a:p>
-            <a:pPr algn="ctr"/>
-            <a:r>
-              <a:rPr lang="en-US" altLang="zh-CN" dirty="0" smtClean="0">
-                <a:solidFill>
-                  <a:srgbClr val="0070C0"/>
-                </a:solidFill>
-              </a:rPr>
-              <a:t>ZK</a:t>
-            </a:r>
-            <a:endParaRPr lang="zh-CN" altLang="en-US" dirty="0">
-              <a:solidFill>
-                <a:srgbClr val="0070C0"/>
-              </a:solidFill>
-            </a:endParaRPr>
-          </a:p>
-        </p:txBody>
-      </p:sp>
-      <p:sp>
-        <p:nvSpPr>
-          <p:cNvPr id="8" name="圆角矩形 7"/>
-          <p:cNvSpPr/>
-          <p:nvPr/>
-        </p:nvSpPr>
-        <p:spPr>
-          <a:xfrm>
-            <a:off x="1609689" y="2126649"/>
-            <a:ext cx="1501542" cy="1241658"/>
-          </a:xfrm>
-          <a:prstGeom prst="roundRect">
-            <a:avLst/>
-          </a:prstGeom>
-        </p:spPr>
-        <p:style>
-          <a:lnRef idx="2">
-            <a:schemeClr val="accent4">
-              <a:shade val="50000"/>
-            </a:schemeClr>
-          </a:lnRef>
-          <a:fillRef idx="1">
-            <a:schemeClr val="accent4"/>
-          </a:fillRef>
-          <a:effectRef idx="0">
-            <a:schemeClr val="accent4"/>
-          </a:effectRef>
-          <a:fontRef idx="minor">
-            <a:schemeClr val="lt1"/>
-          </a:fontRef>
-        </p:style>
-        <p:txBody>
-          <a:bodyPr rtlCol="0" anchor="ctr"/>
-          <a:lstStyle/>
-          <a:p>
-            <a:pPr algn="ctr"/>
-            <a:r>
-              <a:rPr lang="en-US" altLang="zh-CN" dirty="0" err="1" smtClean="0"/>
-              <a:t>NameNode</a:t>
-            </a:r>
-            <a:r>
-              <a:rPr lang="en-US" altLang="zh-CN" dirty="0" smtClean="0"/>
-              <a:t>(active)</a:t>
-            </a:r>
-            <a:endParaRPr lang="en-US" altLang="zh-CN" dirty="0" smtClean="0"/>
-          </a:p>
-          <a:p>
-            <a:pPr algn="ctr"/>
-            <a:r>
-              <a:rPr lang="en-US" altLang="zh-CN" dirty="0" err="1" smtClean="0">
-                <a:solidFill>
-                  <a:schemeClr val="tx1"/>
-                </a:solidFill>
-              </a:rPr>
-              <a:t>ResourceManager</a:t>
-            </a:r>
-            <a:endParaRPr lang="zh-CN" altLang="en-US" dirty="0">
-              <a:solidFill>
-                <a:schemeClr val="tx1"/>
-              </a:solidFill>
-            </a:endParaRPr>
-          </a:p>
-        </p:txBody>
-      </p:sp>
-      <p:sp>
-        <p:nvSpPr>
-          <p:cNvPr id="14" name="圆角矩形 13"/>
-          <p:cNvSpPr/>
-          <p:nvPr/>
-        </p:nvSpPr>
-        <p:spPr>
-          <a:xfrm>
-            <a:off x="4911155" y="2309521"/>
-            <a:ext cx="1299411" cy="558264"/>
-          </a:xfrm>
-          <a:prstGeom prst="roundRect">
-            <a:avLst/>
-          </a:prstGeom>
-        </p:spPr>
-        <p:style>
-          <a:lnRef idx="2">
-            <a:schemeClr val="accent4">
-              <a:shade val="50000"/>
-            </a:schemeClr>
-          </a:lnRef>
-          <a:fillRef idx="1">
-            <a:schemeClr val="accent4"/>
-          </a:fillRef>
-          <a:effectRef idx="0">
-            <a:schemeClr val="accent4"/>
-          </a:effectRef>
-          <a:fontRef idx="minor">
-            <a:schemeClr val="lt1"/>
-          </a:fontRef>
-        </p:style>
-        <p:txBody>
-          <a:bodyPr rtlCol="0" anchor="ctr"/>
-          <a:lstStyle/>
-          <a:p>
-            <a:pPr algn="ctr"/>
-            <a:r>
-              <a:rPr lang="en-US" altLang="zh-CN" dirty="0" err="1" smtClean="0"/>
-              <a:t>JouralNode</a:t>
-            </a:r>
-            <a:endParaRPr lang="zh-CN" altLang="en-US" dirty="0"/>
-          </a:p>
-        </p:txBody>
-      </p:sp>
-      <p:sp>
-        <p:nvSpPr>
-          <p:cNvPr id="15" name="圆角矩形 14"/>
-          <p:cNvSpPr/>
-          <p:nvPr/>
-        </p:nvSpPr>
-        <p:spPr>
-          <a:xfrm>
-            <a:off x="5026658" y="2444279"/>
-            <a:ext cx="1299411" cy="558264"/>
-          </a:xfrm>
-          <a:prstGeom prst="roundRect">
-            <a:avLst/>
-          </a:prstGeom>
-        </p:spPr>
-        <p:style>
-          <a:lnRef idx="2">
-            <a:schemeClr val="accent4">
-              <a:shade val="50000"/>
-            </a:schemeClr>
-          </a:lnRef>
-          <a:fillRef idx="1">
-            <a:schemeClr val="accent4"/>
-          </a:fillRef>
-          <a:effectRef idx="0">
-            <a:schemeClr val="accent4"/>
-          </a:effectRef>
-          <a:fontRef idx="minor">
-            <a:schemeClr val="lt1"/>
-          </a:fontRef>
-        </p:style>
-        <p:txBody>
-          <a:bodyPr rtlCol="0" anchor="ctr"/>
-          <a:lstStyle/>
-          <a:p>
-            <a:pPr algn="ctr"/>
-            <a:r>
-              <a:rPr lang="en-US" altLang="zh-CN" dirty="0" err="1" smtClean="0"/>
-              <a:t>JouralNode</a:t>
-            </a:r>
-            <a:endParaRPr lang="zh-CN" altLang="en-US" dirty="0"/>
-          </a:p>
-        </p:txBody>
-      </p:sp>
-      <p:sp>
-        <p:nvSpPr>
-          <p:cNvPr id="16" name="圆角矩形 15"/>
-          <p:cNvSpPr/>
-          <p:nvPr/>
-        </p:nvSpPr>
-        <p:spPr>
-          <a:xfrm>
-            <a:off x="5137346" y="2588662"/>
-            <a:ext cx="1299411" cy="558264"/>
-          </a:xfrm>
-          <a:prstGeom prst="roundRect">
-            <a:avLst/>
-          </a:prstGeom>
-        </p:spPr>
-        <p:style>
-          <a:lnRef idx="2">
-            <a:schemeClr val="accent4">
-              <a:shade val="50000"/>
-            </a:schemeClr>
-          </a:lnRef>
-          <a:fillRef idx="1">
-            <a:schemeClr val="accent4"/>
-          </a:fillRef>
-          <a:effectRef idx="0">
-            <a:schemeClr val="accent4"/>
-          </a:effectRef>
-          <a:fontRef idx="minor">
-            <a:schemeClr val="lt1"/>
-          </a:fontRef>
-        </p:style>
-        <p:txBody>
-          <a:bodyPr rtlCol="0" anchor="ctr"/>
-          <a:lstStyle/>
-          <a:p>
-            <a:pPr algn="ctr"/>
-            <a:r>
-              <a:rPr lang="en-US" altLang="zh-CN" dirty="0" err="1" smtClean="0"/>
-              <a:t>JouralNode</a:t>
-            </a:r>
-            <a:endParaRPr lang="zh-CN" altLang="en-US" dirty="0"/>
-          </a:p>
-        </p:txBody>
-      </p:sp>
-      <p:sp>
-        <p:nvSpPr>
-          <p:cNvPr id="17" name="圆角矩形 16"/>
-          <p:cNvSpPr/>
-          <p:nvPr/>
-        </p:nvSpPr>
-        <p:spPr>
-          <a:xfrm>
-            <a:off x="8352184" y="2126649"/>
-            <a:ext cx="1501542" cy="1222408"/>
-          </a:xfrm>
-          <a:prstGeom prst="roundRect">
-            <a:avLst/>
-          </a:prstGeom>
-        </p:spPr>
-        <p:style>
-          <a:lnRef idx="2">
-            <a:schemeClr val="accent4">
-              <a:shade val="50000"/>
-            </a:schemeClr>
-          </a:lnRef>
-          <a:fillRef idx="1">
-            <a:schemeClr val="accent4"/>
-          </a:fillRef>
-          <a:effectRef idx="0">
-            <a:schemeClr val="accent4"/>
-          </a:effectRef>
-          <a:fontRef idx="minor">
-            <a:schemeClr val="lt1"/>
-          </a:fontRef>
-        </p:style>
-        <p:txBody>
-          <a:bodyPr rtlCol="0" anchor="ctr"/>
-          <a:lstStyle/>
-          <a:p>
-            <a:pPr algn="ctr"/>
-            <a:r>
-              <a:rPr lang="en-US" altLang="zh-CN" dirty="0" err="1" smtClean="0"/>
-              <a:t>NameNode</a:t>
-            </a:r>
-            <a:endParaRPr lang="en-US" altLang="zh-CN" dirty="0" smtClean="0"/>
-          </a:p>
-          <a:p>
-            <a:pPr algn="ctr"/>
-            <a:r>
-              <a:rPr lang="en-US" altLang="zh-CN" dirty="0" smtClean="0"/>
-              <a:t>(standby)</a:t>
-            </a:r>
-            <a:endParaRPr lang="en-US" altLang="zh-CN" dirty="0" smtClean="0"/>
-          </a:p>
-          <a:p>
-            <a:pPr algn="ctr"/>
-            <a:r>
-              <a:rPr lang="en-US" altLang="zh-CN" dirty="0" err="1" smtClean="0">
-                <a:solidFill>
-                  <a:schemeClr val="tx1"/>
-                </a:solidFill>
-              </a:rPr>
-              <a:t>ResourceManager</a:t>
-            </a:r>
-            <a:endParaRPr lang="zh-CN" altLang="en-US" dirty="0">
-              <a:solidFill>
-                <a:schemeClr val="tx1"/>
-              </a:solidFill>
-            </a:endParaRPr>
-          </a:p>
-        </p:txBody>
-      </p:sp>
-      <p:cxnSp>
-        <p:nvCxnSpPr>
-          <p:cNvPr id="19" name="直接箭头连接符 18"/>
-          <p:cNvCxnSpPr>
-            <a:stCxn id="8" idx="0"/>
-            <a:endCxn id="4" idx="1"/>
-          </p:cNvCxnSpPr>
-          <p:nvPr/>
-        </p:nvCxnSpPr>
-        <p:spPr>
-          <a:xfrm flipV="1">
-            <a:off x="2369985" y="894749"/>
-            <a:ext cx="1809115" cy="1231900"/>
-          </a:xfrm>
-          <a:prstGeom prst="straightConnector1">
-            <a:avLst/>
-          </a:prstGeom>
-          <a:ln>
-            <a:tailEnd type="triangle"/>
-          </a:ln>
-        </p:spPr>
-        <p:style>
-          <a:lnRef idx="1">
-            <a:schemeClr val="accent1"/>
-          </a:lnRef>
-          <a:fillRef idx="0">
-            <a:schemeClr val="accent1"/>
-          </a:fillRef>
-          <a:effectRef idx="0">
-            <a:schemeClr val="accent1"/>
-          </a:effectRef>
-          <a:fontRef idx="minor">
-            <a:schemeClr val="tx1"/>
-          </a:fontRef>
-        </p:style>
-      </p:cxnSp>
-      <p:cxnSp>
-        <p:nvCxnSpPr>
-          <p:cNvPr id="21" name="直接箭头连接符 20"/>
-          <p:cNvCxnSpPr>
-            <a:stCxn id="17" idx="0"/>
-            <a:endCxn id="4" idx="3"/>
-          </p:cNvCxnSpPr>
-          <p:nvPr/>
-        </p:nvCxnSpPr>
-        <p:spPr>
-          <a:xfrm flipH="1" flipV="1">
-            <a:off x="7326860" y="894749"/>
-            <a:ext cx="1785620" cy="1231900"/>
-          </a:xfrm>
-          <a:prstGeom prst="straightConnector1">
-            <a:avLst/>
-          </a:prstGeom>
-          <a:ln>
-            <a:tailEnd type="triangle"/>
-          </a:ln>
-        </p:spPr>
-        <p:style>
-          <a:lnRef idx="1">
-            <a:schemeClr val="accent1"/>
-          </a:lnRef>
-          <a:fillRef idx="0">
-            <a:schemeClr val="accent1"/>
-          </a:fillRef>
-          <a:effectRef idx="0">
-            <a:schemeClr val="accent1"/>
-          </a:effectRef>
-          <a:fontRef idx="minor">
-            <a:schemeClr val="tx1"/>
-          </a:fontRef>
-        </p:style>
-      </p:cxnSp>
-      <p:cxnSp>
-        <p:nvCxnSpPr>
-          <p:cNvPr id="23" name="直接箭头连接符 22"/>
-          <p:cNvCxnSpPr>
-            <a:stCxn id="8" idx="3"/>
-            <a:endCxn id="14" idx="1"/>
-          </p:cNvCxnSpPr>
-          <p:nvPr/>
-        </p:nvCxnSpPr>
-        <p:spPr>
-          <a:xfrm flipV="1">
-            <a:off x="3120121" y="2588728"/>
-            <a:ext cx="1799590" cy="158750"/>
-          </a:xfrm>
-          <a:prstGeom prst="straightConnector1">
-            <a:avLst/>
-          </a:prstGeom>
-          <a:ln>
-            <a:tailEnd type="triangle"/>
-          </a:ln>
-        </p:spPr>
-        <p:style>
-          <a:lnRef idx="1">
-            <a:schemeClr val="accent2"/>
-          </a:lnRef>
-          <a:fillRef idx="0">
-            <a:schemeClr val="accent2"/>
-          </a:fillRef>
-          <a:effectRef idx="0">
-            <a:schemeClr val="accent2"/>
-          </a:effectRef>
-          <a:fontRef idx="minor">
-            <a:schemeClr val="tx1"/>
-          </a:fontRef>
-        </p:style>
-      </p:cxnSp>
-      <p:cxnSp>
-        <p:nvCxnSpPr>
-          <p:cNvPr id="28" name="直接箭头连接符 27"/>
-          <p:cNvCxnSpPr>
-            <a:stCxn id="16" idx="3"/>
-            <a:endCxn id="17" idx="1"/>
-          </p:cNvCxnSpPr>
-          <p:nvPr/>
-        </p:nvCxnSpPr>
-        <p:spPr>
-          <a:xfrm flipV="1">
-            <a:off x="6445012" y="2738254"/>
-            <a:ext cx="1915795" cy="130175"/>
-          </a:xfrm>
-          <a:prstGeom prst="straightConnector1">
-            <a:avLst/>
-          </a:prstGeom>
-          <a:ln>
-            <a:tailEnd type="triangle"/>
-          </a:ln>
-        </p:spPr>
-        <p:style>
-          <a:lnRef idx="1">
-            <a:schemeClr val="accent2"/>
-          </a:lnRef>
-          <a:fillRef idx="0">
-            <a:schemeClr val="accent2"/>
-          </a:fillRef>
-          <a:effectRef idx="0">
-            <a:schemeClr val="accent2"/>
-          </a:effectRef>
-          <a:fontRef idx="minor">
-            <a:schemeClr val="tx1"/>
-          </a:fontRef>
-        </p:style>
-      </p:cxnSp>
-      <p:sp>
-        <p:nvSpPr>
-          <p:cNvPr id="31" name="圆角矩形 30"/>
-          <p:cNvSpPr/>
-          <p:nvPr/>
-        </p:nvSpPr>
-        <p:spPr>
-          <a:xfrm>
-            <a:off x="2158329" y="5505118"/>
-            <a:ext cx="1645921" cy="529388"/>
-          </a:xfrm>
-          <a:prstGeom prst="roundRect">
-            <a:avLst/>
-          </a:prstGeom>
-        </p:spPr>
-        <p:style>
-          <a:lnRef idx="1">
-            <a:schemeClr val="accent1"/>
-          </a:lnRef>
-          <a:fillRef idx="2">
-            <a:schemeClr val="accent1"/>
-          </a:fillRef>
-          <a:effectRef idx="1">
-            <a:schemeClr val="accent1"/>
-          </a:effectRef>
-          <a:fontRef idx="minor">
-            <a:schemeClr val="dk1"/>
-          </a:fontRef>
-        </p:style>
-        <p:txBody>
-          <a:bodyPr rtlCol="0" anchor="ctr"/>
-          <a:lstStyle/>
-          <a:p>
-            <a:pPr algn="ctr"/>
-            <a:r>
-              <a:rPr lang="en-US" altLang="zh-CN" dirty="0" err="1" smtClean="0">
-                <a:solidFill>
-                  <a:schemeClr val="bg1"/>
-                </a:solidFill>
-              </a:rPr>
-              <a:t>DataNode</a:t>
-            </a:r>
-            <a:endParaRPr lang="en-US" altLang="zh-CN" dirty="0" smtClean="0">
-              <a:solidFill>
-                <a:schemeClr val="bg1"/>
-              </a:solidFill>
-            </a:endParaRPr>
-          </a:p>
-          <a:p>
-            <a:pPr algn="ctr"/>
-            <a:r>
-              <a:rPr lang="en-US" altLang="zh-CN" dirty="0" err="1" smtClean="0"/>
-              <a:t>NodeManager</a:t>
-            </a:r>
-            <a:endParaRPr lang="en-US" altLang="zh-CN" dirty="0" smtClean="0"/>
-          </a:p>
-        </p:txBody>
-      </p:sp>
-      <p:sp>
-        <p:nvSpPr>
-          <p:cNvPr id="32" name="圆角矩形 31"/>
-          <p:cNvSpPr/>
-          <p:nvPr/>
-        </p:nvSpPr>
-        <p:spPr>
-          <a:xfrm>
-            <a:off x="4141134" y="5505118"/>
-            <a:ext cx="1645921" cy="529388"/>
-          </a:xfrm>
-          <a:prstGeom prst="roundRect">
-            <a:avLst/>
-          </a:prstGeom>
-        </p:spPr>
-        <p:style>
-          <a:lnRef idx="1">
-            <a:schemeClr val="accent1"/>
-          </a:lnRef>
-          <a:fillRef idx="2">
-            <a:schemeClr val="accent1"/>
-          </a:fillRef>
-          <a:effectRef idx="1">
-            <a:schemeClr val="accent1"/>
-          </a:effectRef>
-          <a:fontRef idx="minor">
-            <a:schemeClr val="dk1"/>
-          </a:fontRef>
-        </p:style>
-        <p:txBody>
-          <a:bodyPr rtlCol="0" anchor="ctr"/>
-          <a:lstStyle/>
-          <a:p>
-            <a:pPr algn="ctr"/>
-            <a:r>
-              <a:rPr lang="en-US" altLang="zh-CN" dirty="0" err="1" smtClean="0">
-                <a:solidFill>
-                  <a:schemeClr val="bg1"/>
-                </a:solidFill>
-              </a:rPr>
-              <a:t>DataNode</a:t>
-            </a:r>
-            <a:endParaRPr lang="en-US" altLang="zh-CN" dirty="0" smtClean="0">
-              <a:solidFill>
-                <a:schemeClr val="bg1"/>
-              </a:solidFill>
-            </a:endParaRPr>
-          </a:p>
-          <a:p>
-            <a:pPr algn="ctr"/>
-            <a:r>
-              <a:rPr lang="en-US" altLang="zh-CN" dirty="0" err="1" smtClean="0"/>
-              <a:t>NodeManager</a:t>
-            </a:r>
-            <a:endParaRPr lang="en-US" altLang="zh-CN" dirty="0" smtClean="0"/>
-          </a:p>
-        </p:txBody>
-      </p:sp>
-      <p:sp>
-        <p:nvSpPr>
-          <p:cNvPr id="33" name="圆角矩形 32"/>
-          <p:cNvSpPr/>
-          <p:nvPr/>
-        </p:nvSpPr>
-        <p:spPr>
-          <a:xfrm>
-            <a:off x="6090251" y="5505118"/>
-            <a:ext cx="1645921" cy="529388"/>
-          </a:xfrm>
-          <a:prstGeom prst="roundRect">
-            <a:avLst/>
-          </a:prstGeom>
-        </p:spPr>
-        <p:style>
-          <a:lnRef idx="1">
-            <a:schemeClr val="accent1"/>
-          </a:lnRef>
-          <a:fillRef idx="2">
-            <a:schemeClr val="accent1"/>
-          </a:fillRef>
-          <a:effectRef idx="1">
-            <a:schemeClr val="accent1"/>
-          </a:effectRef>
-          <a:fontRef idx="minor">
-            <a:schemeClr val="dk1"/>
-          </a:fontRef>
-        </p:style>
-        <p:txBody>
-          <a:bodyPr rtlCol="0" anchor="ctr"/>
-          <a:lstStyle/>
-          <a:p>
-            <a:pPr algn="ctr"/>
-            <a:r>
-              <a:rPr lang="en-US" altLang="zh-CN" dirty="0" err="1" smtClean="0">
-                <a:solidFill>
-                  <a:schemeClr val="bg1"/>
-                </a:solidFill>
-              </a:rPr>
-              <a:t>DataNode</a:t>
-            </a:r>
-            <a:endParaRPr lang="en-US" altLang="zh-CN" dirty="0" smtClean="0">
-              <a:solidFill>
-                <a:schemeClr val="bg1"/>
-              </a:solidFill>
-            </a:endParaRPr>
-          </a:p>
-          <a:p>
-            <a:pPr algn="ctr"/>
-            <a:r>
-              <a:rPr lang="en-US" altLang="zh-CN" dirty="0" err="1" smtClean="0"/>
-              <a:t>NodeManager</a:t>
-            </a:r>
-            <a:endParaRPr lang="en-US" altLang="zh-CN" dirty="0" smtClean="0"/>
-          </a:p>
-        </p:txBody>
-      </p:sp>
-      <p:sp>
-        <p:nvSpPr>
-          <p:cNvPr id="34" name="圆角矩形 33"/>
-          <p:cNvSpPr/>
-          <p:nvPr/>
-        </p:nvSpPr>
-        <p:spPr>
-          <a:xfrm>
-            <a:off x="8085086" y="5514741"/>
-            <a:ext cx="1645921" cy="529388"/>
-          </a:xfrm>
-          <a:prstGeom prst="roundRect">
-            <a:avLst/>
-          </a:prstGeom>
-        </p:spPr>
-        <p:style>
-          <a:lnRef idx="1">
-            <a:schemeClr val="accent1"/>
-          </a:lnRef>
-          <a:fillRef idx="2">
-            <a:schemeClr val="accent1"/>
-          </a:fillRef>
-          <a:effectRef idx="1">
-            <a:schemeClr val="accent1"/>
-          </a:effectRef>
-          <a:fontRef idx="minor">
-            <a:schemeClr val="dk1"/>
-          </a:fontRef>
-        </p:style>
-        <p:txBody>
-          <a:bodyPr rtlCol="0" anchor="ctr"/>
-          <a:lstStyle/>
-          <a:p>
-            <a:pPr algn="ctr"/>
-            <a:r>
-              <a:rPr lang="en-US" altLang="zh-CN" dirty="0" err="1" smtClean="0">
-                <a:solidFill>
-                  <a:schemeClr val="bg1"/>
-                </a:solidFill>
-              </a:rPr>
-              <a:t>DataNode</a:t>
-            </a:r>
-            <a:endParaRPr lang="en-US" altLang="zh-CN" dirty="0" smtClean="0">
-              <a:solidFill>
-                <a:schemeClr val="bg1"/>
-              </a:solidFill>
-            </a:endParaRPr>
-          </a:p>
-          <a:p>
-            <a:pPr algn="ctr"/>
-            <a:r>
-              <a:rPr lang="en-US" altLang="zh-CN" dirty="0" err="1" smtClean="0"/>
-              <a:t>NodeManager</a:t>
-            </a:r>
-            <a:endParaRPr lang="en-US" altLang="zh-CN" dirty="0" smtClean="0"/>
-          </a:p>
-        </p:txBody>
-      </p:sp>
-      <p:cxnSp>
-        <p:nvCxnSpPr>
-          <p:cNvPr id="36" name="直接箭头连接符 35"/>
-          <p:cNvCxnSpPr>
-            <a:stCxn id="31" idx="0"/>
-            <a:endCxn id="8" idx="2"/>
-          </p:cNvCxnSpPr>
-          <p:nvPr/>
-        </p:nvCxnSpPr>
-        <p:spPr>
-          <a:xfrm flipH="1" flipV="1">
-            <a:off x="2369785" y="3368343"/>
-            <a:ext cx="620395" cy="2136775"/>
-          </a:xfrm>
-          <a:prstGeom prst="straightConnector1">
-            <a:avLst/>
-          </a:prstGeom>
-          <a:ln>
-            <a:tailEnd type="triangle"/>
-          </a:ln>
-        </p:spPr>
-        <p:style>
-          <a:lnRef idx="1">
-            <a:schemeClr val="accent1"/>
-          </a:lnRef>
-          <a:fillRef idx="0">
-            <a:schemeClr val="accent1"/>
-          </a:fillRef>
-          <a:effectRef idx="0">
-            <a:schemeClr val="accent1"/>
-          </a:effectRef>
-          <a:fontRef idx="minor">
-            <a:schemeClr val="tx1"/>
-          </a:fontRef>
-        </p:style>
-      </p:cxnSp>
-      <p:cxnSp>
-        <p:nvCxnSpPr>
-          <p:cNvPr id="38" name="直接箭头连接符 37"/>
-          <p:cNvCxnSpPr>
-            <a:stCxn id="32" idx="0"/>
-            <a:endCxn id="8" idx="2"/>
-          </p:cNvCxnSpPr>
-          <p:nvPr/>
-        </p:nvCxnSpPr>
-        <p:spPr>
-          <a:xfrm flipH="1" flipV="1">
-            <a:off x="2370120" y="3368343"/>
-            <a:ext cx="2602865" cy="2136775"/>
-          </a:xfrm>
-          <a:prstGeom prst="straightConnector1">
-            <a:avLst/>
-          </a:prstGeom>
-          <a:ln>
-            <a:tailEnd type="triangle"/>
-          </a:ln>
-        </p:spPr>
-        <p:style>
-          <a:lnRef idx="1">
-            <a:schemeClr val="accent1"/>
-          </a:lnRef>
-          <a:fillRef idx="0">
-            <a:schemeClr val="accent1"/>
-          </a:fillRef>
-          <a:effectRef idx="0">
-            <a:schemeClr val="accent1"/>
-          </a:effectRef>
-          <a:fontRef idx="minor">
-            <a:schemeClr val="tx1"/>
-          </a:fontRef>
-        </p:style>
-      </p:cxnSp>
-      <p:cxnSp>
-        <p:nvCxnSpPr>
-          <p:cNvPr id="40" name="直接箭头连接符 39"/>
-          <p:cNvCxnSpPr>
-            <a:stCxn id="33" idx="0"/>
-            <a:endCxn id="8" idx="2"/>
-          </p:cNvCxnSpPr>
-          <p:nvPr/>
-        </p:nvCxnSpPr>
-        <p:spPr>
-          <a:xfrm flipH="1" flipV="1">
-            <a:off x="2369787" y="3368343"/>
-            <a:ext cx="4552315" cy="2136775"/>
-          </a:xfrm>
-          <a:prstGeom prst="straightConnector1">
-            <a:avLst/>
-          </a:prstGeom>
-          <a:ln>
-            <a:tailEnd type="triangle"/>
-          </a:ln>
-        </p:spPr>
-        <p:style>
-          <a:lnRef idx="1">
-            <a:schemeClr val="accent1"/>
-          </a:lnRef>
-          <a:fillRef idx="0">
-            <a:schemeClr val="accent1"/>
-          </a:fillRef>
-          <a:effectRef idx="0">
-            <a:schemeClr val="accent1"/>
-          </a:effectRef>
-          <a:fontRef idx="minor">
-            <a:schemeClr val="tx1"/>
-          </a:fontRef>
-        </p:style>
-      </p:cxnSp>
-      <p:cxnSp>
-        <p:nvCxnSpPr>
-          <p:cNvPr id="42" name="直接箭头连接符 41"/>
-          <p:cNvCxnSpPr>
-            <a:stCxn id="34" idx="0"/>
-            <a:endCxn id="8" idx="2"/>
-          </p:cNvCxnSpPr>
-          <p:nvPr/>
-        </p:nvCxnSpPr>
-        <p:spPr>
-          <a:xfrm flipH="1" flipV="1">
-            <a:off x="2370087" y="3367806"/>
-            <a:ext cx="6546850" cy="2146935"/>
-          </a:xfrm>
-          <a:prstGeom prst="straightConnector1">
-            <a:avLst/>
-          </a:prstGeom>
-          <a:ln>
-            <a:tailEnd type="triangle"/>
-          </a:ln>
-        </p:spPr>
-        <p:style>
-          <a:lnRef idx="1">
-            <a:schemeClr val="accent1"/>
-          </a:lnRef>
-          <a:fillRef idx="0">
-            <a:schemeClr val="accent1"/>
-          </a:fillRef>
-          <a:effectRef idx="0">
-            <a:schemeClr val="accent1"/>
-          </a:effectRef>
-          <a:fontRef idx="minor">
-            <a:schemeClr val="tx1"/>
-          </a:fontRef>
-        </p:style>
-      </p:cxnSp>
-      <p:cxnSp>
-        <p:nvCxnSpPr>
-          <p:cNvPr id="44" name="直接箭头连接符 43"/>
-          <p:cNvCxnSpPr>
-            <a:stCxn id="31" idx="0"/>
-            <a:endCxn id="17" idx="2"/>
-          </p:cNvCxnSpPr>
-          <p:nvPr/>
-        </p:nvCxnSpPr>
-        <p:spPr>
-          <a:xfrm flipV="1">
-            <a:off x="2990180" y="3349293"/>
-            <a:ext cx="6122035" cy="2155825"/>
-          </a:xfrm>
-          <a:prstGeom prst="straightConnector1">
-            <a:avLst/>
-          </a:prstGeom>
-          <a:ln>
-            <a:tailEnd type="triangle"/>
-          </a:ln>
-        </p:spPr>
-        <p:style>
-          <a:lnRef idx="1">
-            <a:schemeClr val="accent1"/>
-          </a:lnRef>
-          <a:fillRef idx="0">
-            <a:schemeClr val="accent1"/>
-          </a:fillRef>
-          <a:effectRef idx="0">
-            <a:schemeClr val="accent1"/>
-          </a:effectRef>
-          <a:fontRef idx="minor">
-            <a:schemeClr val="tx1"/>
-          </a:fontRef>
-        </p:style>
-      </p:cxnSp>
-      <p:cxnSp>
-        <p:nvCxnSpPr>
-          <p:cNvPr id="48" name="直接箭头连接符 47"/>
-          <p:cNvCxnSpPr>
-            <a:stCxn id="32" idx="0"/>
-            <a:endCxn id="17" idx="2"/>
-          </p:cNvCxnSpPr>
-          <p:nvPr/>
-        </p:nvCxnSpPr>
-        <p:spPr>
-          <a:xfrm flipV="1">
-            <a:off x="4972985" y="3349293"/>
-            <a:ext cx="4139565" cy="2155825"/>
-          </a:xfrm>
-          <a:prstGeom prst="straightConnector1">
-            <a:avLst/>
-          </a:prstGeom>
-          <a:ln>
-            <a:tailEnd type="triangle"/>
-          </a:ln>
-        </p:spPr>
-        <p:style>
-          <a:lnRef idx="1">
-            <a:schemeClr val="accent1"/>
-          </a:lnRef>
-          <a:fillRef idx="0">
-            <a:schemeClr val="accent1"/>
-          </a:fillRef>
-          <a:effectRef idx="0">
-            <a:schemeClr val="accent1"/>
-          </a:effectRef>
-          <a:fontRef idx="minor">
-            <a:schemeClr val="tx1"/>
-          </a:fontRef>
-        </p:style>
-      </p:cxnSp>
-      <p:cxnSp>
-        <p:nvCxnSpPr>
-          <p:cNvPr id="50" name="直接箭头连接符 49"/>
-          <p:cNvCxnSpPr>
-            <a:stCxn id="33" idx="0"/>
-            <a:endCxn id="17" idx="2"/>
-          </p:cNvCxnSpPr>
-          <p:nvPr/>
-        </p:nvCxnSpPr>
-        <p:spPr>
-          <a:xfrm flipV="1">
-            <a:off x="6922102" y="3349293"/>
-            <a:ext cx="2190115" cy="2155825"/>
-          </a:xfrm>
-          <a:prstGeom prst="straightConnector1">
-            <a:avLst/>
-          </a:prstGeom>
-          <a:ln>
-            <a:tailEnd type="triangle"/>
-          </a:ln>
-        </p:spPr>
-        <p:style>
-          <a:lnRef idx="1">
-            <a:schemeClr val="accent1"/>
-          </a:lnRef>
-          <a:fillRef idx="0">
-            <a:schemeClr val="accent1"/>
-          </a:fillRef>
-          <a:effectRef idx="0">
-            <a:schemeClr val="accent1"/>
-          </a:effectRef>
-          <a:fontRef idx="minor">
-            <a:schemeClr val="tx1"/>
-          </a:fontRef>
-        </p:style>
-      </p:cxnSp>
-      <p:cxnSp>
-        <p:nvCxnSpPr>
-          <p:cNvPr id="52" name="直接箭头连接符 51"/>
-          <p:cNvCxnSpPr>
-            <a:stCxn id="34" idx="0"/>
-            <a:endCxn id="17" idx="2"/>
-          </p:cNvCxnSpPr>
-          <p:nvPr/>
-        </p:nvCxnSpPr>
-        <p:spPr>
-          <a:xfrm flipV="1">
-            <a:off x="8916937" y="3348756"/>
-            <a:ext cx="195580" cy="2165985"/>
-          </a:xfrm>
-          <a:prstGeom prst="straightConnector1">
-            <a:avLst/>
-          </a:prstGeom>
-          <a:ln>
-            <a:tailEnd type="triangle"/>
-          </a:ln>
-        </p:spPr>
-        <p:style>
-          <a:lnRef idx="1">
-            <a:schemeClr val="accent1"/>
-          </a:lnRef>
-          <a:fillRef idx="0">
-            <a:schemeClr val="accent1"/>
-          </a:fillRef>
-          <a:effectRef idx="0">
-            <a:schemeClr val="accent1"/>
-          </a:effectRef>
-          <a:fontRef idx="minor">
-            <a:schemeClr val="tx1"/>
-          </a:fontRef>
-        </p:style>
-      </p:cxnSp>
-      <p:sp>
-        <p:nvSpPr>
-          <p:cNvPr id="59" name="圆角矩形 58"/>
-          <p:cNvSpPr/>
-          <p:nvPr/>
-        </p:nvSpPr>
-        <p:spPr>
-          <a:xfrm>
-            <a:off x="4299949" y="711738"/>
-            <a:ext cx="856647" cy="385010"/>
-          </a:xfrm>
-          <a:prstGeom prst="roundRect">
-            <a:avLst/>
-          </a:prstGeom>
-        </p:spPr>
-        <p:style>
-          <a:lnRef idx="2">
-            <a:schemeClr val="accent4">
-              <a:shade val="50000"/>
-            </a:schemeClr>
-          </a:lnRef>
-          <a:fillRef idx="1">
-            <a:schemeClr val="accent4"/>
-          </a:fillRef>
-          <a:effectRef idx="0">
-            <a:schemeClr val="accent4"/>
-          </a:effectRef>
-          <a:fontRef idx="minor">
-            <a:schemeClr val="lt1"/>
-          </a:fontRef>
-        </p:style>
-        <p:txBody>
-          <a:bodyPr rtlCol="0" anchor="ctr"/>
-          <a:lstStyle/>
-          <a:p>
-            <a:pPr algn="ctr"/>
-            <a:r>
-              <a:rPr lang="en-US" altLang="zh-CN" dirty="0" smtClean="0">
-                <a:solidFill>
-                  <a:srgbClr val="0070C0"/>
-                </a:solidFill>
-              </a:rPr>
-              <a:t>ZK</a:t>
-            </a:r>
-            <a:endParaRPr lang="zh-CN" altLang="en-US" dirty="0">
-              <a:solidFill>
-                <a:srgbClr val="0070C0"/>
-              </a:solidFill>
-            </a:endParaRPr>
-          </a:p>
-        </p:txBody>
-      </p:sp>
-      <p:sp>
-        <p:nvSpPr>
-          <p:cNvPr id="60" name="圆角矩形 59"/>
-          <p:cNvSpPr/>
-          <p:nvPr/>
-        </p:nvSpPr>
-        <p:spPr>
-          <a:xfrm>
-            <a:off x="6321257" y="706927"/>
-            <a:ext cx="856647" cy="385010"/>
-          </a:xfrm>
-          <a:prstGeom prst="roundRect">
-            <a:avLst/>
-          </a:prstGeom>
-        </p:spPr>
-        <p:style>
-          <a:lnRef idx="2">
-            <a:schemeClr val="accent4">
-              <a:shade val="50000"/>
-            </a:schemeClr>
-          </a:lnRef>
-          <a:fillRef idx="1">
-            <a:schemeClr val="accent4"/>
-          </a:fillRef>
-          <a:effectRef idx="0">
-            <a:schemeClr val="accent4"/>
-          </a:effectRef>
-          <a:fontRef idx="minor">
-            <a:schemeClr val="lt1"/>
-          </a:fontRef>
-        </p:style>
-        <p:txBody>
-          <a:bodyPr rtlCol="0" anchor="ctr"/>
-          <a:lstStyle/>
-          <a:p>
-            <a:pPr algn="ctr"/>
-            <a:r>
-              <a:rPr lang="en-US" altLang="zh-CN" dirty="0" smtClean="0">
-                <a:solidFill>
-                  <a:srgbClr val="0070C0"/>
-                </a:solidFill>
-              </a:rPr>
-              <a:t>ZK</a:t>
-            </a:r>
-            <a:endParaRPr lang="zh-CN" altLang="en-US" dirty="0">
-              <a:solidFill>
-                <a:srgbClr val="0070C0"/>
-              </a:solidFill>
-            </a:endParaRPr>
+      <p:sp>
+        <p:nvSpPr>
+          <p:cNvPr id="3" name="文本框 2"/>
+          <p:cNvSpPr txBox="1"/>
+          <p:nvPr/>
+        </p:nvSpPr>
+        <p:spPr>
+          <a:xfrm>
+            <a:off x="4826000" y="3244850"/>
+            <a:ext cx="2540000" cy="368300"/>
+          </a:xfrm>
+          <a:prstGeom prst="rect">
+            <a:avLst/>
+          </a:prstGeom>
+          <a:noFill/>
+        </p:spPr>
+        <p:txBody>
+          <a:bodyPr wrap="square" rtlCol="0" anchor="t">
+            <a:spAutoFit/>
+          </a:bodyPr>
+          <a:p>
+            <a:r>
+              <a:rPr lang="zh-CN" altLang="en-US"/>
+              <a:t>99-其它</a:t>
+            </a:r>
+            <a:endParaRPr lang="zh-CN" altLang="en-US"/>
           </a:p>
         </p:txBody>
       </p:sp>
@@ -5474,54 +4449,151 @@
       </p:grpSpPr>
       <p:sp>
         <p:nvSpPr>
-          <p:cNvPr id="5" name="矩形 4"/>
+          <p:cNvPr id="4" name="圆角矩形 3"/>
           <p:cNvSpPr/>
           <p:nvPr/>
         </p:nvSpPr>
         <p:spPr>
           <a:xfrm>
-            <a:off x="9748520" y="1856740"/>
-            <a:ext cx="609600" cy="3780155"/>
-          </a:xfrm>
-          <a:prstGeom prst="rect">
-            <a:avLst/>
-          </a:prstGeom>
-          <a:solidFill>
-            <a:schemeClr val="accent5">
-              <a:lumMod val="40000"/>
-              <a:lumOff val="60000"/>
-            </a:schemeClr>
-          </a:solidFill>
+            <a:off x="4170009" y="615484"/>
+            <a:ext cx="3147463" cy="558265"/>
+          </a:xfrm>
+          <a:prstGeom prst="roundRect">
+            <a:avLst/>
+          </a:prstGeom>
         </p:spPr>
         <p:style>
           <a:lnRef idx="2">
-            <a:schemeClr val="accent1">
+            <a:schemeClr val="accent1"/>
+          </a:lnRef>
+          <a:fillRef idx="1">
+            <a:schemeClr val="lt1"/>
+          </a:fillRef>
+          <a:effectRef idx="0">
+            <a:schemeClr val="accent1"/>
+          </a:effectRef>
+          <a:fontRef idx="minor">
+            <a:schemeClr val="dk1"/>
+          </a:fontRef>
+        </p:style>
+        <p:txBody>
+          <a:bodyPr rtlCol="0" anchor="ctr"/>
+          <a:lstStyle/>
+          <a:p>
+            <a:pPr algn="ctr"/>
+            <a:endParaRPr lang="zh-CN" altLang="en-US" dirty="0"/>
+          </a:p>
+        </p:txBody>
+      </p:sp>
+      <p:sp>
+        <p:nvSpPr>
+          <p:cNvPr id="6" name="圆角矩形 5"/>
+          <p:cNvSpPr/>
+          <p:nvPr/>
+        </p:nvSpPr>
+        <p:spPr>
+          <a:xfrm>
+            <a:off x="5310604" y="711738"/>
+            <a:ext cx="856647" cy="385010"/>
+          </a:xfrm>
+          <a:prstGeom prst="roundRect">
+            <a:avLst/>
+          </a:prstGeom>
+        </p:spPr>
+        <p:style>
+          <a:lnRef idx="2">
+            <a:schemeClr val="accent4">
               <a:shade val="50000"/>
             </a:schemeClr>
           </a:lnRef>
           <a:fillRef idx="1">
-            <a:schemeClr val="accent1"/>
+            <a:schemeClr val="accent4"/>
           </a:fillRef>
           <a:effectRef idx="0">
-            <a:schemeClr val="accent1"/>
+            <a:schemeClr val="accent4"/>
           </a:effectRef>
           <a:fontRef idx="minor">
             <a:schemeClr val="lt1"/>
           </a:fontRef>
         </p:style>
         <p:txBody>
-          <a:bodyPr vert="eaVert" rtlCol="0" anchor="ctr"/>
+          <a:bodyPr rtlCol="0" anchor="ctr"/>
+          <a:lstStyle/>
           <a:p>
             <a:pPr algn="ctr"/>
             <a:r>
-              <a:rPr lang="en-US" altLang="zh-CN">
+              <a:rPr lang="en-US" altLang="zh-CN" dirty="0" smtClean="0">
+                <a:solidFill>
+                  <a:srgbClr val="0070C0"/>
+                </a:solidFill>
+              </a:rPr>
+              <a:t>ZK</a:t>
+            </a:r>
+            <a:endParaRPr lang="zh-CN" altLang="en-US" dirty="0">
+              <a:solidFill>
+                <a:srgbClr val="0070C0"/>
+              </a:solidFill>
+            </a:endParaRPr>
+          </a:p>
+        </p:txBody>
+      </p:sp>
+      <p:sp>
+        <p:nvSpPr>
+          <p:cNvPr id="8" name="圆角矩形 7"/>
+          <p:cNvSpPr/>
+          <p:nvPr/>
+        </p:nvSpPr>
+        <p:spPr>
+          <a:xfrm>
+            <a:off x="1609689" y="2126649"/>
+            <a:ext cx="1501542" cy="1241658"/>
+          </a:xfrm>
+          <a:prstGeom prst="roundRect">
+            <a:avLst/>
+          </a:prstGeom>
+        </p:spPr>
+        <p:style>
+          <a:lnRef idx="2">
+            <a:schemeClr val="accent4">
+              <a:shade val="50000"/>
+            </a:schemeClr>
+          </a:lnRef>
+          <a:fillRef idx="1">
+            <a:schemeClr val="accent4"/>
+          </a:fillRef>
+          <a:effectRef idx="0">
+            <a:schemeClr val="accent4"/>
+          </a:effectRef>
+          <a:fontRef idx="minor">
+            <a:schemeClr val="lt1"/>
+          </a:fontRef>
+        </p:style>
+        <p:txBody>
+          <a:bodyPr rtlCol="0" anchor="ctr"/>
+          <a:lstStyle/>
+          <a:p>
+            <a:pPr algn="ctr"/>
+            <a:r>
+              <a:rPr lang="en-US" altLang="zh-CN" dirty="0" err="1" smtClean="0"/>
+              <a:t>NameNode</a:t>
+            </a:r>
+            <a:r>
+              <a:rPr lang="en-US" altLang="zh-CN" dirty="0" smtClean="0"/>
+              <a:t>(active)</a:t>
+            </a:r>
+            <a:endParaRPr lang="en-US" altLang="zh-CN" dirty="0" smtClean="0"/>
+          </a:p>
+          <a:p>
+            <a:pPr algn="ctr"/>
+            <a:r>
+              <a:rPr lang="en-US" altLang="zh-CN" dirty="0" err="1" smtClean="0">
                 <a:solidFill>
                   <a:schemeClr val="tx1"/>
                 </a:solidFill>
               </a:rPr>
-              <a:t>Zookeeper</a:t>
-            </a:r>
-            <a:endParaRPr lang="en-US" altLang="zh-CN">
+              <a:t>ResourceManager</a:t>
+            </a:r>
+            <a:endParaRPr lang="zh-CN" altLang="en-US" dirty="0">
               <a:solidFill>
                 <a:schemeClr val="tx1"/>
               </a:solidFill>
@@ -5531,36 +4603,30 @@
       </p:sp>
       <p:sp>
         <p:nvSpPr>
-          <p:cNvPr id="6" name="矩形 5"/>
+          <p:cNvPr id="14" name="圆角矩形 13"/>
           <p:cNvSpPr/>
           <p:nvPr/>
         </p:nvSpPr>
         <p:spPr>
           <a:xfrm>
-            <a:off x="10621010" y="1857375"/>
-            <a:ext cx="609600" cy="3778885"/>
-          </a:xfrm>
-          <a:prstGeom prst="rect">
-            <a:avLst/>
-          </a:prstGeom>
-          <a:solidFill>
-            <a:schemeClr val="accent6">
-              <a:lumMod val="40000"/>
-              <a:lumOff val="60000"/>
-            </a:schemeClr>
-          </a:solidFill>
+            <a:off x="4911155" y="2309521"/>
+            <a:ext cx="1299411" cy="558264"/>
+          </a:xfrm>
+          <a:prstGeom prst="roundRect">
+            <a:avLst/>
+          </a:prstGeom>
         </p:spPr>
         <p:style>
           <a:lnRef idx="2">
-            <a:schemeClr val="accent1">
+            <a:schemeClr val="accent4">
               <a:shade val="50000"/>
             </a:schemeClr>
           </a:lnRef>
           <a:fillRef idx="1">
-            <a:schemeClr val="accent1"/>
+            <a:schemeClr val="accent4"/>
           </a:fillRef>
           <a:effectRef idx="0">
-            <a:schemeClr val="accent1"/>
+            <a:schemeClr val="accent4"/>
           </a:effectRef>
           <a:fontRef idx="minor">
             <a:schemeClr val="lt1"/>
@@ -5568,17 +4634,166 @@
         </p:style>
         <p:txBody>
           <a:bodyPr rtlCol="0" anchor="ctr"/>
+          <a:lstStyle/>
           <a:p>
             <a:pPr algn="ctr"/>
             <a:r>
-              <a:rPr lang="zh-CN" altLang="en-US">
+              <a:rPr lang="en-US" altLang="zh-CN" dirty="0" err="1" smtClean="0"/>
+              <a:t>JouralNode</a:t>
+            </a:r>
+            <a:endParaRPr lang="zh-CN" altLang="en-US" dirty="0"/>
+          </a:p>
+        </p:txBody>
+      </p:sp>
+      <p:sp>
+        <p:nvSpPr>
+          <p:cNvPr id="15" name="圆角矩形 14"/>
+          <p:cNvSpPr/>
+          <p:nvPr/>
+        </p:nvSpPr>
+        <p:spPr>
+          <a:xfrm>
+            <a:off x="5026658" y="2444279"/>
+            <a:ext cx="1299411" cy="558264"/>
+          </a:xfrm>
+          <a:prstGeom prst="roundRect">
+            <a:avLst/>
+          </a:prstGeom>
+        </p:spPr>
+        <p:style>
+          <a:lnRef idx="2">
+            <a:schemeClr val="accent4">
+              <a:shade val="50000"/>
+            </a:schemeClr>
+          </a:lnRef>
+          <a:fillRef idx="1">
+            <a:schemeClr val="accent4"/>
+          </a:fillRef>
+          <a:effectRef idx="0">
+            <a:schemeClr val="accent4"/>
+          </a:effectRef>
+          <a:fontRef idx="minor">
+            <a:schemeClr val="lt1"/>
+          </a:fontRef>
+        </p:style>
+        <p:txBody>
+          <a:bodyPr rtlCol="0" anchor="ctr"/>
+          <a:lstStyle/>
+          <a:p>
+            <a:pPr algn="ctr"/>
+            <a:r>
+              <a:rPr lang="en-US" altLang="zh-CN" dirty="0" err="1" smtClean="0"/>
+              <a:t>JouralNode</a:t>
+            </a:r>
+            <a:endParaRPr lang="zh-CN" altLang="en-US" dirty="0"/>
+          </a:p>
+        </p:txBody>
+      </p:sp>
+      <p:sp>
+        <p:nvSpPr>
+          <p:cNvPr id="16" name="圆角矩形 15"/>
+          <p:cNvSpPr/>
+          <p:nvPr/>
+        </p:nvSpPr>
+        <p:spPr>
+          <a:xfrm>
+            <a:off x="5137346" y="2588662"/>
+            <a:ext cx="1299411" cy="558264"/>
+          </a:xfrm>
+          <a:prstGeom prst="roundRect">
+            <a:avLst/>
+          </a:prstGeom>
+        </p:spPr>
+        <p:style>
+          <a:lnRef idx="2">
+            <a:schemeClr val="accent4">
+              <a:shade val="50000"/>
+            </a:schemeClr>
+          </a:lnRef>
+          <a:fillRef idx="1">
+            <a:schemeClr val="accent4"/>
+          </a:fillRef>
+          <a:effectRef idx="0">
+            <a:schemeClr val="accent4"/>
+          </a:effectRef>
+          <a:fontRef idx="minor">
+            <a:schemeClr val="lt1"/>
+          </a:fontRef>
+        </p:style>
+        <p:txBody>
+          <a:bodyPr rtlCol="0" anchor="ctr"/>
+          <a:lstStyle/>
+          <a:p>
+            <a:pPr algn="ctr"/>
+            <a:r>
+              <a:rPr lang="en-US" altLang="zh-CN" dirty="0" err="1" smtClean="0"/>
+              <a:t>JouralNode</a:t>
+            </a:r>
+            <a:endParaRPr lang="zh-CN" altLang="en-US" dirty="0"/>
+          </a:p>
+        </p:txBody>
+      </p:sp>
+      <p:sp>
+        <p:nvSpPr>
+          <p:cNvPr id="17" name="圆角矩形 16"/>
+          <p:cNvSpPr/>
+          <p:nvPr/>
+        </p:nvSpPr>
+        <p:spPr>
+          <a:xfrm>
+            <a:off x="8352184" y="2126649"/>
+            <a:ext cx="1501542" cy="1222408"/>
+          </a:xfrm>
+          <a:prstGeom prst="roundRect">
+            <a:avLst/>
+          </a:prstGeom>
+        </p:spPr>
+        <p:style>
+          <a:lnRef idx="2">
+            <a:schemeClr val="accent4">
+              <a:shade val="50000"/>
+            </a:schemeClr>
+          </a:lnRef>
+          <a:fillRef idx="1">
+            <a:schemeClr val="accent4"/>
+          </a:fillRef>
+          <a:effectRef idx="0">
+            <a:schemeClr val="accent4"/>
+          </a:effectRef>
+          <a:fontRef idx="minor">
+            <a:schemeClr val="lt1"/>
+          </a:fontRef>
+        </p:style>
+        <p:txBody>
+          <a:bodyPr rtlCol="0" anchor="ctr"/>
+          <a:lstStyle/>
+          <a:p>
+            <a:pPr algn="ctr"/>
+            <a:r>
+              <a:rPr lang="en-US" altLang="zh-CN" dirty="0" err="1" smtClean="0"/>
+              <a:t>NameNode</a:t>
+            </a:r>
+            <a:endParaRPr lang="en-US" altLang="zh-CN" dirty="0" smtClean="0"/>
+          </a:p>
+          <a:p>
+            <a:pPr algn="ctr"/>
+            <a:r>
+              <a:rPr lang="en-US" altLang="zh-CN" dirty="0" smtClean="0"/>
+              <a:t>(standby)</a:t>
+            </a:r>
+            <a:endParaRPr lang="en-US" altLang="zh-CN" dirty="0" smtClean="0"/>
+          </a:p>
+          <a:p>
+            <a:pPr algn="ctr"/>
+            <a:r>
+              <a:rPr lang="en-US" altLang="zh-CN" dirty="0" err="1" smtClean="0">
                 <a:solidFill>
                   <a:schemeClr val="tx1"/>
                 </a:solidFill>
               </a:rPr>
-              <a:t>任务调度与监控</a:t>
-            </a:r>
-            <a:endParaRPr lang="zh-CN" altLang="en-US">
+              <a:t>ResourceManager</a:t>
+            </a:r>
+            <a:endParaRPr lang="zh-CN" altLang="en-US" dirty="0">
               <a:solidFill>
                 <a:schemeClr val="tx1"/>
               </a:solidFill>
@@ -5586,1351 +4801,26 @@
           </a:p>
         </p:txBody>
       </p:sp>
-      <p:sp>
-        <p:nvSpPr>
-          <p:cNvPr id="7" name="矩形 6"/>
-          <p:cNvSpPr/>
-          <p:nvPr/>
-        </p:nvSpPr>
-        <p:spPr>
-          <a:xfrm>
-            <a:off x="2560955" y="5636895"/>
-            <a:ext cx="6155690" cy="675640"/>
-          </a:xfrm>
-          <a:prstGeom prst="rect">
-            <a:avLst/>
-          </a:prstGeom>
-          <a:solidFill>
-            <a:schemeClr val="accent4">
-              <a:lumMod val="40000"/>
-              <a:lumOff val="60000"/>
-            </a:schemeClr>
-          </a:solidFill>
-          <a:ln>
-            <a:solidFill>
-              <a:schemeClr val="accent1"/>
-            </a:solidFill>
-          </a:ln>
-        </p:spPr>
-        <p:style>
-          <a:lnRef idx="2">
-            <a:schemeClr val="accent6"/>
-          </a:lnRef>
-          <a:fillRef idx="1">
-            <a:schemeClr val="lt1"/>
-          </a:fillRef>
-          <a:effectRef idx="0">
-            <a:schemeClr val="accent6"/>
-          </a:effectRef>
-          <a:fontRef idx="minor">
-            <a:schemeClr val="dk1"/>
-          </a:fontRef>
-        </p:style>
-        <p:txBody>
-          <a:bodyPr rtlCol="0" anchor="ctr"/>
-          <a:p>
-            <a:pPr algn="ctr"/>
-            <a:endParaRPr lang="zh-CN" altLang="en-US"/>
-          </a:p>
-        </p:txBody>
-      </p:sp>
-      <p:sp>
-        <p:nvSpPr>
-          <p:cNvPr id="11" name="矩形 10"/>
-          <p:cNvSpPr/>
-          <p:nvPr/>
-        </p:nvSpPr>
-        <p:spPr>
-          <a:xfrm>
-            <a:off x="2687320" y="5753735"/>
-            <a:ext cx="1078230" cy="441960"/>
-          </a:xfrm>
-          <a:prstGeom prst="rect">
-            <a:avLst/>
-          </a:prstGeom>
-          <a:solidFill>
-            <a:schemeClr val="bg1"/>
-          </a:solidFill>
-          <a:ln w="12700" cmpd="sng">
-            <a:solidFill>
-              <a:schemeClr val="accent1">
-                <a:shade val="50000"/>
-              </a:schemeClr>
-            </a:solidFill>
-            <a:prstDash val="solid"/>
-          </a:ln>
-        </p:spPr>
-        <p:style>
-          <a:lnRef idx="2">
-            <a:schemeClr val="accent1">
-              <a:shade val="50000"/>
-            </a:schemeClr>
-          </a:lnRef>
-          <a:fillRef idx="1">
-            <a:schemeClr val="accent1"/>
-          </a:fillRef>
-          <a:effectRef idx="0">
-            <a:schemeClr val="accent1"/>
-          </a:effectRef>
-          <a:fontRef idx="minor">
-            <a:schemeClr val="lt1"/>
-          </a:fontRef>
-        </p:style>
-        <p:txBody>
-          <a:bodyPr rtlCol="0" anchor="ctr"/>
-          <a:p>
-            <a:pPr algn="ctr"/>
-            <a:r>
-              <a:rPr lang="en-US" altLang="zh-CN">
-                <a:solidFill>
-                  <a:schemeClr val="tx1"/>
-                </a:solidFill>
-              </a:rPr>
-              <a:t>RDBMS</a:t>
-            </a:r>
-            <a:endParaRPr lang="en-US" altLang="zh-CN">
-              <a:solidFill>
-                <a:schemeClr val="tx1"/>
-              </a:solidFill>
-            </a:endParaRPr>
-          </a:p>
-        </p:txBody>
-      </p:sp>
-      <p:sp>
-        <p:nvSpPr>
-          <p:cNvPr id="12" name="矩形 11"/>
-          <p:cNvSpPr/>
-          <p:nvPr/>
-        </p:nvSpPr>
-        <p:spPr>
-          <a:xfrm>
-            <a:off x="3893820" y="5753735"/>
-            <a:ext cx="1078230" cy="441960"/>
-          </a:xfrm>
-          <a:prstGeom prst="rect">
-            <a:avLst/>
-          </a:prstGeom>
-          <a:solidFill>
-            <a:schemeClr val="bg1"/>
-          </a:solidFill>
-        </p:spPr>
-        <p:style>
-          <a:lnRef idx="2">
-            <a:schemeClr val="accent1">
-              <a:shade val="50000"/>
-            </a:schemeClr>
-          </a:lnRef>
-          <a:fillRef idx="1">
-            <a:schemeClr val="accent1"/>
-          </a:fillRef>
-          <a:effectRef idx="0">
-            <a:schemeClr val="accent1"/>
-          </a:effectRef>
-          <a:fontRef idx="minor">
-            <a:schemeClr val="lt1"/>
-          </a:fontRef>
-        </p:style>
-        <p:txBody>
-          <a:bodyPr rtlCol="0" anchor="ctr"/>
-          <a:p>
-            <a:pPr algn="ctr"/>
-            <a:r>
-              <a:rPr lang="zh-CN" altLang="en-US">
-                <a:solidFill>
-                  <a:schemeClr val="tx1"/>
-                </a:solidFill>
-              </a:rPr>
-              <a:t>日志</a:t>
-            </a:r>
-            <a:endParaRPr lang="zh-CN" altLang="en-US">
-              <a:solidFill>
-                <a:schemeClr val="tx1"/>
-              </a:solidFill>
-            </a:endParaRPr>
-          </a:p>
-        </p:txBody>
-      </p:sp>
-      <p:sp>
-        <p:nvSpPr>
-          <p:cNvPr id="13" name="矩形 12"/>
-          <p:cNvSpPr/>
-          <p:nvPr/>
-        </p:nvSpPr>
-        <p:spPr>
-          <a:xfrm>
-            <a:off x="5100955" y="5753735"/>
-            <a:ext cx="1349375" cy="441960"/>
-          </a:xfrm>
-          <a:prstGeom prst="rect">
-            <a:avLst/>
-          </a:prstGeom>
-          <a:solidFill>
-            <a:schemeClr val="bg1"/>
-          </a:solidFill>
-        </p:spPr>
-        <p:style>
-          <a:lnRef idx="2">
-            <a:schemeClr val="accent1">
-              <a:shade val="50000"/>
-            </a:schemeClr>
-          </a:lnRef>
-          <a:fillRef idx="1">
-            <a:schemeClr val="accent1"/>
-          </a:fillRef>
-          <a:effectRef idx="0">
-            <a:schemeClr val="accent1"/>
-          </a:effectRef>
-          <a:fontRef idx="minor">
-            <a:schemeClr val="lt1"/>
-          </a:fontRef>
-        </p:style>
-        <p:txBody>
-          <a:bodyPr rtlCol="0" anchor="ctr"/>
-          <a:p>
-            <a:pPr algn="ctr"/>
-            <a:r>
-              <a:rPr lang="en-US" altLang="zh-CN">
-                <a:solidFill>
-                  <a:schemeClr val="tx1"/>
-                </a:solidFill>
-              </a:rPr>
-              <a:t>HTTP/FTP</a:t>
-            </a:r>
-            <a:endParaRPr lang="zh-CN" altLang="en-US">
-              <a:solidFill>
-                <a:schemeClr val="tx1"/>
-              </a:solidFill>
-            </a:endParaRPr>
-          </a:p>
-        </p:txBody>
-      </p:sp>
-      <p:sp>
-        <p:nvSpPr>
-          <p:cNvPr id="14" name="矩形 13"/>
-          <p:cNvSpPr/>
-          <p:nvPr/>
-        </p:nvSpPr>
-        <p:spPr>
-          <a:xfrm>
-            <a:off x="2534285" y="1395095"/>
-            <a:ext cx="6155055" cy="675640"/>
-          </a:xfrm>
-          <a:prstGeom prst="rect">
-            <a:avLst/>
-          </a:prstGeom>
-          <a:solidFill>
-            <a:schemeClr val="accent4">
-              <a:lumMod val="40000"/>
-              <a:lumOff val="60000"/>
-            </a:schemeClr>
-          </a:solidFill>
-          <a:ln>
-            <a:solidFill>
-              <a:schemeClr val="accent1"/>
-            </a:solidFill>
-          </a:ln>
-        </p:spPr>
-        <p:style>
-          <a:lnRef idx="2">
-            <a:schemeClr val="accent6"/>
-          </a:lnRef>
-          <a:fillRef idx="1">
-            <a:schemeClr val="lt1"/>
-          </a:fillRef>
-          <a:effectRef idx="0">
-            <a:schemeClr val="accent6"/>
-          </a:effectRef>
-          <a:fontRef idx="minor">
-            <a:schemeClr val="dk1"/>
-          </a:fontRef>
-        </p:style>
-        <p:txBody>
-          <a:bodyPr rtlCol="0" anchor="ctr"/>
-          <a:p>
-            <a:pPr algn="ctr"/>
-            <a:endParaRPr lang="zh-CN" altLang="en-US"/>
-          </a:p>
-        </p:txBody>
-      </p:sp>
-      <p:sp>
-        <p:nvSpPr>
-          <p:cNvPr id="16" name="矩形 15"/>
-          <p:cNvSpPr/>
-          <p:nvPr/>
-        </p:nvSpPr>
-        <p:spPr>
-          <a:xfrm>
-            <a:off x="2533650" y="2625090"/>
-            <a:ext cx="6155690" cy="675640"/>
-          </a:xfrm>
-          <a:prstGeom prst="rect">
-            <a:avLst/>
-          </a:prstGeom>
-          <a:solidFill>
-            <a:schemeClr val="accent4">
-              <a:lumMod val="40000"/>
-              <a:lumOff val="60000"/>
-            </a:schemeClr>
-          </a:solidFill>
-          <a:ln>
-            <a:solidFill>
-              <a:schemeClr val="accent1"/>
-            </a:solidFill>
-          </a:ln>
-        </p:spPr>
-        <p:style>
-          <a:lnRef idx="2">
-            <a:schemeClr val="accent6"/>
-          </a:lnRef>
-          <a:fillRef idx="1">
-            <a:schemeClr val="lt1"/>
-          </a:fillRef>
-          <a:effectRef idx="0">
-            <a:schemeClr val="accent6"/>
-          </a:effectRef>
-          <a:fontRef idx="minor">
-            <a:schemeClr val="dk1"/>
-          </a:fontRef>
-        </p:style>
-        <p:txBody>
-          <a:bodyPr rtlCol="0" anchor="ctr"/>
-          <a:p>
-            <a:pPr algn="ctr"/>
-            <a:endParaRPr lang="zh-CN" altLang="en-US"/>
-          </a:p>
-        </p:txBody>
-      </p:sp>
-      <p:sp>
-        <p:nvSpPr>
-          <p:cNvPr id="17" name="矩形 16"/>
-          <p:cNvSpPr/>
-          <p:nvPr/>
-        </p:nvSpPr>
-        <p:spPr>
-          <a:xfrm>
-            <a:off x="2534285" y="3813810"/>
-            <a:ext cx="3854450" cy="1266190"/>
-          </a:xfrm>
-          <a:prstGeom prst="rect">
-            <a:avLst/>
-          </a:prstGeom>
-          <a:solidFill>
-            <a:schemeClr val="accent4">
-              <a:lumMod val="40000"/>
-              <a:lumOff val="60000"/>
-            </a:schemeClr>
-          </a:solidFill>
-        </p:spPr>
-        <p:style>
-          <a:lnRef idx="2">
-            <a:schemeClr val="accent1">
-              <a:shade val="50000"/>
-            </a:schemeClr>
-          </a:lnRef>
-          <a:fillRef idx="1">
-            <a:schemeClr val="accent1"/>
-          </a:fillRef>
-          <a:effectRef idx="0">
-            <a:schemeClr val="accent1"/>
-          </a:effectRef>
-          <a:fontRef idx="minor">
-            <a:schemeClr val="lt1"/>
-          </a:fontRef>
-        </p:style>
-        <p:txBody>
-          <a:bodyPr rtlCol="0" anchor="ctr"/>
-          <a:p>
-            <a:pPr algn="ctr"/>
-            <a:endParaRPr lang="zh-CN" altLang="en-US"/>
-          </a:p>
-        </p:txBody>
-      </p:sp>
-      <p:sp>
-        <p:nvSpPr>
-          <p:cNvPr id="18" name="矩形 17"/>
-          <p:cNvSpPr/>
-          <p:nvPr/>
-        </p:nvSpPr>
-        <p:spPr>
-          <a:xfrm>
-            <a:off x="6672580" y="3813810"/>
-            <a:ext cx="2017395" cy="1266190"/>
-          </a:xfrm>
-          <a:prstGeom prst="rect">
-            <a:avLst/>
-          </a:prstGeom>
-          <a:solidFill>
-            <a:schemeClr val="accent4">
-              <a:lumMod val="40000"/>
-              <a:lumOff val="60000"/>
-            </a:schemeClr>
-          </a:solidFill>
-        </p:spPr>
-        <p:style>
-          <a:lnRef idx="2">
-            <a:schemeClr val="accent1">
-              <a:shade val="50000"/>
-            </a:schemeClr>
-          </a:lnRef>
-          <a:fillRef idx="1">
-            <a:schemeClr val="accent1"/>
-          </a:fillRef>
-          <a:effectRef idx="0">
-            <a:schemeClr val="accent1"/>
-          </a:effectRef>
-          <a:fontRef idx="minor">
-            <a:schemeClr val="lt1"/>
-          </a:fontRef>
-        </p:style>
-        <p:txBody>
-          <a:bodyPr rtlCol="0" anchor="ctr"/>
-          <a:p>
-            <a:pPr algn="ctr"/>
-            <a:endParaRPr lang="zh-CN" altLang="en-US"/>
-          </a:p>
-        </p:txBody>
-      </p:sp>
-      <p:sp>
-        <p:nvSpPr>
-          <p:cNvPr id="19" name="矩形 18"/>
-          <p:cNvSpPr/>
-          <p:nvPr/>
-        </p:nvSpPr>
-        <p:spPr>
-          <a:xfrm>
-            <a:off x="2660650" y="4525645"/>
-            <a:ext cx="3491865" cy="441960"/>
-          </a:xfrm>
-          <a:prstGeom prst="rect">
-            <a:avLst/>
-          </a:prstGeom>
-          <a:solidFill>
-            <a:schemeClr val="bg1"/>
-          </a:solidFill>
-        </p:spPr>
-        <p:style>
-          <a:lnRef idx="2">
-            <a:schemeClr val="accent1">
-              <a:shade val="50000"/>
-            </a:schemeClr>
-          </a:lnRef>
-          <a:fillRef idx="1">
-            <a:schemeClr val="accent1"/>
-          </a:fillRef>
-          <a:effectRef idx="0">
-            <a:schemeClr val="accent1"/>
-          </a:effectRef>
-          <a:fontRef idx="minor">
-            <a:schemeClr val="lt1"/>
-          </a:fontRef>
-        </p:style>
-        <p:txBody>
-          <a:bodyPr rtlCol="0" anchor="ctr"/>
-          <a:p>
-            <a:pPr algn="ctr"/>
-            <a:r>
-              <a:rPr lang="en-US" altLang="zh-CN">
-                <a:solidFill>
-                  <a:schemeClr val="tx1"/>
-                </a:solidFill>
-              </a:rPr>
-              <a:t>HDFS</a:t>
-            </a:r>
-            <a:endParaRPr lang="en-US" altLang="zh-CN">
-              <a:solidFill>
-                <a:schemeClr val="tx1"/>
-              </a:solidFill>
-            </a:endParaRPr>
-          </a:p>
-        </p:txBody>
-      </p:sp>
-      <p:sp>
-        <p:nvSpPr>
-          <p:cNvPr id="20" name="矩形 19"/>
-          <p:cNvSpPr/>
-          <p:nvPr/>
-        </p:nvSpPr>
-        <p:spPr>
-          <a:xfrm>
-            <a:off x="2660650" y="3971290"/>
-            <a:ext cx="1078230" cy="441960"/>
-          </a:xfrm>
-          <a:prstGeom prst="rect">
-            <a:avLst/>
-          </a:prstGeom>
-          <a:solidFill>
-            <a:schemeClr val="bg1"/>
-          </a:solidFill>
-        </p:spPr>
-        <p:style>
-          <a:lnRef idx="2">
-            <a:schemeClr val="accent1">
-              <a:shade val="50000"/>
-            </a:schemeClr>
-          </a:lnRef>
-          <a:fillRef idx="1">
-            <a:schemeClr val="accent1"/>
-          </a:fillRef>
-          <a:effectRef idx="0">
-            <a:schemeClr val="accent1"/>
-          </a:effectRef>
-          <a:fontRef idx="minor">
-            <a:schemeClr val="lt1"/>
-          </a:fontRef>
-        </p:style>
-        <p:txBody>
-          <a:bodyPr rtlCol="0" anchor="ctr"/>
-          <a:p>
-            <a:pPr algn="ctr"/>
-            <a:r>
-              <a:rPr lang="en-US" altLang="zh-CN">
-                <a:solidFill>
-                  <a:schemeClr val="tx1"/>
-                </a:solidFill>
-              </a:rPr>
-              <a:t>Hive</a:t>
-            </a:r>
-            <a:endParaRPr lang="en-US" altLang="zh-CN">
-              <a:solidFill>
-                <a:schemeClr val="tx1"/>
-              </a:solidFill>
-            </a:endParaRPr>
-          </a:p>
-        </p:txBody>
-      </p:sp>
-      <p:sp>
-        <p:nvSpPr>
-          <p:cNvPr id="21" name="矩形 20"/>
-          <p:cNvSpPr/>
-          <p:nvPr/>
-        </p:nvSpPr>
-        <p:spPr>
-          <a:xfrm>
-            <a:off x="3837305" y="3971290"/>
-            <a:ext cx="1078230" cy="441960"/>
-          </a:xfrm>
-          <a:prstGeom prst="rect">
-            <a:avLst/>
-          </a:prstGeom>
-          <a:solidFill>
-            <a:schemeClr val="bg1"/>
-          </a:solidFill>
-        </p:spPr>
-        <p:style>
-          <a:lnRef idx="2">
-            <a:schemeClr val="accent1">
-              <a:shade val="50000"/>
-            </a:schemeClr>
-          </a:lnRef>
-          <a:fillRef idx="1">
-            <a:schemeClr val="accent1"/>
-          </a:fillRef>
-          <a:effectRef idx="0">
-            <a:schemeClr val="accent1"/>
-          </a:effectRef>
-          <a:fontRef idx="minor">
-            <a:schemeClr val="lt1"/>
-          </a:fontRef>
-        </p:style>
-        <p:txBody>
-          <a:bodyPr rtlCol="0" anchor="ctr"/>
-          <a:p>
-            <a:pPr algn="ctr"/>
-            <a:r>
-              <a:rPr lang="en-US" altLang="zh-CN">
-                <a:solidFill>
-                  <a:schemeClr val="tx1"/>
-                </a:solidFill>
-              </a:rPr>
-              <a:t>Spark</a:t>
-            </a:r>
-            <a:endParaRPr lang="en-US" altLang="zh-CN">
-              <a:solidFill>
-                <a:schemeClr val="tx1"/>
-              </a:solidFill>
-            </a:endParaRPr>
-          </a:p>
-          <a:p>
-            <a:pPr algn="ctr"/>
-            <a:r>
-              <a:rPr lang="en-US" altLang="zh-CN">
-                <a:solidFill>
-                  <a:schemeClr val="tx1"/>
-                </a:solidFill>
-              </a:rPr>
-              <a:t>SQL</a:t>
-            </a:r>
-            <a:endParaRPr lang="en-US" altLang="zh-CN">
-              <a:solidFill>
-                <a:schemeClr val="tx1"/>
-              </a:solidFill>
-            </a:endParaRPr>
-          </a:p>
-        </p:txBody>
-      </p:sp>
-      <p:sp>
-        <p:nvSpPr>
-          <p:cNvPr id="22" name="矩形 21"/>
-          <p:cNvSpPr/>
-          <p:nvPr/>
-        </p:nvSpPr>
-        <p:spPr>
-          <a:xfrm>
-            <a:off x="5074285" y="3971290"/>
-            <a:ext cx="1078230" cy="441960"/>
-          </a:xfrm>
-          <a:prstGeom prst="rect">
-            <a:avLst/>
-          </a:prstGeom>
-          <a:solidFill>
-            <a:schemeClr val="bg1"/>
-          </a:solidFill>
-        </p:spPr>
-        <p:style>
-          <a:lnRef idx="2">
-            <a:schemeClr val="accent1">
-              <a:shade val="50000"/>
-            </a:schemeClr>
-          </a:lnRef>
-          <a:fillRef idx="1">
-            <a:schemeClr val="accent1"/>
-          </a:fillRef>
-          <a:effectRef idx="0">
-            <a:schemeClr val="accent1"/>
-          </a:effectRef>
-          <a:fontRef idx="minor">
-            <a:schemeClr val="lt1"/>
-          </a:fontRef>
-        </p:style>
-        <p:txBody>
-          <a:bodyPr rtlCol="0" anchor="ctr"/>
-          <a:p>
-            <a:pPr algn="ctr"/>
-            <a:r>
-              <a:rPr lang="en-US" altLang="zh-CN">
-                <a:solidFill>
-                  <a:schemeClr val="tx1"/>
-                </a:solidFill>
-              </a:rPr>
-              <a:t>Spark</a:t>
-            </a:r>
-            <a:endParaRPr lang="en-US" altLang="zh-CN">
-              <a:solidFill>
-                <a:schemeClr val="tx1"/>
-              </a:solidFill>
-            </a:endParaRPr>
-          </a:p>
-          <a:p>
-            <a:pPr algn="ctr"/>
-            <a:r>
-              <a:rPr lang="en-US" altLang="zh-CN">
-                <a:solidFill>
-                  <a:schemeClr val="tx1"/>
-                </a:solidFill>
-              </a:rPr>
-              <a:t>SQL</a:t>
-            </a:r>
-            <a:endParaRPr lang="en-US" altLang="zh-CN">
-              <a:solidFill>
-                <a:schemeClr val="tx1"/>
-              </a:solidFill>
-            </a:endParaRPr>
-          </a:p>
-        </p:txBody>
-      </p:sp>
-      <p:sp>
-        <p:nvSpPr>
-          <p:cNvPr id="23" name="矩形 22"/>
-          <p:cNvSpPr/>
-          <p:nvPr/>
-        </p:nvSpPr>
-        <p:spPr>
-          <a:xfrm>
-            <a:off x="6983095" y="3971290"/>
-            <a:ext cx="1373505" cy="441960"/>
-          </a:xfrm>
-          <a:prstGeom prst="rect">
-            <a:avLst/>
-          </a:prstGeom>
-          <a:solidFill>
-            <a:schemeClr val="bg1"/>
-          </a:solidFill>
-        </p:spPr>
-        <p:style>
-          <a:lnRef idx="2">
-            <a:schemeClr val="accent1">
-              <a:shade val="50000"/>
-            </a:schemeClr>
-          </a:lnRef>
-          <a:fillRef idx="1">
-            <a:schemeClr val="accent1"/>
-          </a:fillRef>
-          <a:effectRef idx="0">
-            <a:schemeClr val="accent1"/>
-          </a:effectRef>
-          <a:fontRef idx="minor">
-            <a:schemeClr val="lt1"/>
-          </a:fontRef>
-        </p:style>
-        <p:txBody>
-          <a:bodyPr rtlCol="0" anchor="ctr"/>
-          <a:p>
-            <a:pPr algn="ctr"/>
-            <a:r>
-              <a:rPr lang="en-US" altLang="zh-CN">
-                <a:solidFill>
-                  <a:schemeClr val="tx1"/>
-                </a:solidFill>
-              </a:rPr>
-              <a:t>Spark</a:t>
-            </a:r>
-            <a:endParaRPr lang="en-US" altLang="zh-CN">
-              <a:solidFill>
-                <a:schemeClr val="tx1"/>
-              </a:solidFill>
-            </a:endParaRPr>
-          </a:p>
-          <a:p>
-            <a:pPr algn="ctr"/>
-            <a:r>
-              <a:rPr lang="en-US" altLang="zh-CN">
-                <a:solidFill>
-                  <a:schemeClr val="tx1"/>
-                </a:solidFill>
-              </a:rPr>
-              <a:t>Streming</a:t>
-            </a:r>
-            <a:endParaRPr lang="en-US" altLang="zh-CN">
-              <a:solidFill>
-                <a:schemeClr val="tx1"/>
-              </a:solidFill>
-            </a:endParaRPr>
-          </a:p>
-        </p:txBody>
-      </p:sp>
-      <p:sp>
-        <p:nvSpPr>
-          <p:cNvPr id="24" name="矩形 23"/>
-          <p:cNvSpPr/>
-          <p:nvPr/>
-        </p:nvSpPr>
-        <p:spPr>
-          <a:xfrm>
-            <a:off x="6983095" y="4525645"/>
-            <a:ext cx="1374140" cy="441960"/>
-          </a:xfrm>
-          <a:prstGeom prst="rect">
-            <a:avLst/>
-          </a:prstGeom>
-          <a:solidFill>
-            <a:schemeClr val="bg1"/>
-          </a:solidFill>
-        </p:spPr>
-        <p:style>
-          <a:lnRef idx="2">
-            <a:schemeClr val="accent1">
-              <a:shade val="50000"/>
-            </a:schemeClr>
-          </a:lnRef>
-          <a:fillRef idx="1">
-            <a:schemeClr val="accent1"/>
-          </a:fillRef>
-          <a:effectRef idx="0">
-            <a:schemeClr val="accent1"/>
-          </a:effectRef>
-          <a:fontRef idx="minor">
-            <a:schemeClr val="lt1"/>
-          </a:fontRef>
-        </p:style>
-        <p:txBody>
-          <a:bodyPr rtlCol="0" anchor="ctr"/>
-          <a:p>
-            <a:pPr algn="ctr"/>
-            <a:r>
-              <a:rPr lang="en-US" altLang="zh-CN">
-                <a:solidFill>
-                  <a:schemeClr val="tx1"/>
-                </a:solidFill>
-              </a:rPr>
-              <a:t>Kafka</a:t>
-            </a:r>
-            <a:endParaRPr lang="en-US" altLang="zh-CN">
-              <a:solidFill>
-                <a:schemeClr val="tx1"/>
-              </a:solidFill>
-            </a:endParaRPr>
-          </a:p>
-        </p:txBody>
-      </p:sp>
-      <p:sp>
-        <p:nvSpPr>
-          <p:cNvPr id="25" name="矩形 24"/>
-          <p:cNvSpPr/>
-          <p:nvPr/>
-        </p:nvSpPr>
-        <p:spPr>
-          <a:xfrm>
-            <a:off x="2660650" y="2741930"/>
-            <a:ext cx="1078230" cy="441960"/>
-          </a:xfrm>
-          <a:prstGeom prst="rect">
-            <a:avLst/>
-          </a:prstGeom>
-          <a:solidFill>
-            <a:schemeClr val="bg1"/>
-          </a:solidFill>
-        </p:spPr>
-        <p:style>
-          <a:lnRef idx="2">
-            <a:schemeClr val="accent1">
-              <a:shade val="50000"/>
-            </a:schemeClr>
-          </a:lnRef>
-          <a:fillRef idx="1">
-            <a:schemeClr val="accent1"/>
-          </a:fillRef>
-          <a:effectRef idx="0">
-            <a:schemeClr val="accent1"/>
-          </a:effectRef>
-          <a:fontRef idx="minor">
-            <a:schemeClr val="lt1"/>
-          </a:fontRef>
-        </p:style>
-        <p:txBody>
-          <a:bodyPr rtlCol="0" anchor="ctr"/>
-          <a:p>
-            <a:pPr algn="ctr"/>
-            <a:r>
-              <a:rPr lang="en-US" altLang="zh-CN">
-                <a:solidFill>
-                  <a:schemeClr val="tx1"/>
-                </a:solidFill>
-              </a:rPr>
-              <a:t>RDBMS</a:t>
-            </a:r>
-            <a:endParaRPr lang="en-US" altLang="zh-CN">
-              <a:solidFill>
-                <a:schemeClr val="tx1"/>
-              </a:solidFill>
-            </a:endParaRPr>
-          </a:p>
-        </p:txBody>
-      </p:sp>
-      <p:sp>
-        <p:nvSpPr>
-          <p:cNvPr id="26" name="矩形 25"/>
-          <p:cNvSpPr/>
-          <p:nvPr/>
-        </p:nvSpPr>
-        <p:spPr>
-          <a:xfrm>
-            <a:off x="3837305" y="2741930"/>
-            <a:ext cx="1078230" cy="441960"/>
-          </a:xfrm>
-          <a:prstGeom prst="rect">
-            <a:avLst/>
-          </a:prstGeom>
-          <a:solidFill>
-            <a:schemeClr val="bg1"/>
-          </a:solidFill>
-        </p:spPr>
-        <p:style>
-          <a:lnRef idx="2">
-            <a:schemeClr val="accent1">
-              <a:shade val="50000"/>
-            </a:schemeClr>
-          </a:lnRef>
-          <a:fillRef idx="1">
-            <a:schemeClr val="accent1"/>
-          </a:fillRef>
-          <a:effectRef idx="0">
-            <a:schemeClr val="accent1"/>
-          </a:effectRef>
-          <a:fontRef idx="minor">
-            <a:schemeClr val="lt1"/>
-          </a:fontRef>
-        </p:style>
-        <p:txBody>
-          <a:bodyPr rtlCol="0" anchor="ctr"/>
-          <a:p>
-            <a:pPr algn="ctr"/>
-            <a:r>
-              <a:rPr lang="en-US" altLang="zh-CN">
-                <a:solidFill>
-                  <a:schemeClr val="tx1"/>
-                </a:solidFill>
-              </a:rPr>
-              <a:t>Redis</a:t>
-            </a:r>
-            <a:endParaRPr lang="en-US" altLang="zh-CN">
-              <a:solidFill>
-                <a:schemeClr val="tx1"/>
-              </a:solidFill>
-            </a:endParaRPr>
-          </a:p>
-        </p:txBody>
-      </p:sp>
-      <p:sp>
-        <p:nvSpPr>
-          <p:cNvPr id="27" name="矩形 26"/>
-          <p:cNvSpPr/>
-          <p:nvPr/>
-        </p:nvSpPr>
-        <p:spPr>
-          <a:xfrm>
-            <a:off x="5074285" y="2741930"/>
-            <a:ext cx="1078230" cy="441960"/>
-          </a:xfrm>
-          <a:prstGeom prst="rect">
-            <a:avLst/>
-          </a:prstGeom>
-          <a:solidFill>
-            <a:schemeClr val="bg1"/>
-          </a:solidFill>
-        </p:spPr>
-        <p:style>
-          <a:lnRef idx="2">
-            <a:schemeClr val="accent1">
-              <a:shade val="50000"/>
-            </a:schemeClr>
-          </a:lnRef>
-          <a:fillRef idx="1">
-            <a:schemeClr val="accent1"/>
-          </a:fillRef>
-          <a:effectRef idx="0">
-            <a:schemeClr val="accent1"/>
-          </a:effectRef>
-          <a:fontRef idx="minor">
-            <a:schemeClr val="lt1"/>
-          </a:fontRef>
-        </p:style>
-        <p:txBody>
-          <a:bodyPr rtlCol="0" anchor="ctr"/>
-          <a:p>
-            <a:pPr algn="ctr"/>
-            <a:r>
-              <a:rPr lang="en-US" altLang="zh-CN">
-                <a:solidFill>
-                  <a:schemeClr val="tx1"/>
-                </a:solidFill>
-              </a:rPr>
-              <a:t>Mongo</a:t>
-            </a:r>
-            <a:endParaRPr lang="en-US" altLang="zh-CN">
-              <a:solidFill>
-                <a:schemeClr val="tx1"/>
-              </a:solidFill>
-            </a:endParaRPr>
-          </a:p>
-        </p:txBody>
-      </p:sp>
-      <p:sp>
-        <p:nvSpPr>
-          <p:cNvPr id="28" name="矩形 27"/>
-          <p:cNvSpPr/>
-          <p:nvPr/>
-        </p:nvSpPr>
-        <p:spPr>
-          <a:xfrm>
-            <a:off x="6484620" y="2741930"/>
-            <a:ext cx="1078230" cy="441960"/>
-          </a:xfrm>
-          <a:prstGeom prst="rect">
-            <a:avLst/>
-          </a:prstGeom>
-          <a:solidFill>
-            <a:schemeClr val="bg1"/>
-          </a:solidFill>
-        </p:spPr>
-        <p:style>
-          <a:lnRef idx="2">
-            <a:schemeClr val="accent1">
-              <a:shade val="50000"/>
-            </a:schemeClr>
-          </a:lnRef>
-          <a:fillRef idx="1">
-            <a:schemeClr val="accent1"/>
-          </a:fillRef>
-          <a:effectRef idx="0">
-            <a:schemeClr val="accent1"/>
-          </a:effectRef>
-          <a:fontRef idx="minor">
-            <a:schemeClr val="lt1"/>
-          </a:fontRef>
-        </p:style>
-        <p:txBody>
-          <a:bodyPr rtlCol="0" anchor="ctr"/>
-          <a:p>
-            <a:pPr algn="ctr"/>
-            <a:r>
-              <a:rPr lang="en-US" altLang="zh-CN">
-                <a:solidFill>
-                  <a:schemeClr val="tx1"/>
-                </a:solidFill>
-              </a:rPr>
-              <a:t>Hbase</a:t>
-            </a:r>
-            <a:endParaRPr lang="en-US" altLang="zh-CN">
-              <a:solidFill>
-                <a:schemeClr val="tx1"/>
-              </a:solidFill>
-            </a:endParaRPr>
-          </a:p>
-        </p:txBody>
-      </p:sp>
-      <p:sp>
-        <p:nvSpPr>
-          <p:cNvPr id="29" name="矩形 28"/>
-          <p:cNvSpPr/>
-          <p:nvPr/>
-        </p:nvSpPr>
-        <p:spPr>
-          <a:xfrm>
-            <a:off x="2660650" y="1513840"/>
-            <a:ext cx="1078230" cy="441960"/>
-          </a:xfrm>
-          <a:prstGeom prst="rect">
-            <a:avLst/>
-          </a:prstGeom>
-          <a:solidFill>
-            <a:schemeClr val="bg1"/>
-          </a:solidFill>
-        </p:spPr>
-        <p:style>
-          <a:lnRef idx="2">
-            <a:schemeClr val="accent1">
-              <a:shade val="50000"/>
-            </a:schemeClr>
-          </a:lnRef>
-          <a:fillRef idx="1">
-            <a:schemeClr val="accent1"/>
-          </a:fillRef>
-          <a:effectRef idx="0">
-            <a:schemeClr val="accent1"/>
-          </a:effectRef>
-          <a:fontRef idx="minor">
-            <a:schemeClr val="lt1"/>
-          </a:fontRef>
-        </p:style>
-        <p:txBody>
-          <a:bodyPr rtlCol="0" anchor="ctr"/>
-          <a:p>
-            <a:pPr algn="ctr"/>
-            <a:r>
-              <a:rPr lang="zh-CN" altLang="en-US">
-                <a:solidFill>
-                  <a:schemeClr val="tx1"/>
-                </a:solidFill>
-              </a:rPr>
-              <a:t>报表</a:t>
-            </a:r>
-            <a:endParaRPr lang="zh-CN" altLang="en-US">
-              <a:solidFill>
-                <a:schemeClr val="tx1"/>
-              </a:solidFill>
-            </a:endParaRPr>
-          </a:p>
-        </p:txBody>
-      </p:sp>
-      <p:sp>
-        <p:nvSpPr>
-          <p:cNvPr id="30" name="矩形 29"/>
-          <p:cNvSpPr/>
-          <p:nvPr/>
-        </p:nvSpPr>
-        <p:spPr>
-          <a:xfrm>
-            <a:off x="3837305" y="1513840"/>
-            <a:ext cx="1415415" cy="441960"/>
-          </a:xfrm>
-          <a:prstGeom prst="rect">
-            <a:avLst/>
-          </a:prstGeom>
-          <a:solidFill>
-            <a:schemeClr val="bg1"/>
-          </a:solidFill>
-        </p:spPr>
-        <p:style>
-          <a:lnRef idx="2">
-            <a:schemeClr val="accent1">
-              <a:shade val="50000"/>
-            </a:schemeClr>
-          </a:lnRef>
-          <a:fillRef idx="1">
-            <a:schemeClr val="accent1"/>
-          </a:fillRef>
-          <a:effectRef idx="0">
-            <a:schemeClr val="accent1"/>
-          </a:effectRef>
-          <a:fontRef idx="minor">
-            <a:schemeClr val="lt1"/>
-          </a:fontRef>
-        </p:style>
-        <p:txBody>
-          <a:bodyPr rtlCol="0" anchor="ctr"/>
-          <a:p>
-            <a:pPr algn="ctr"/>
-            <a:r>
-              <a:rPr lang="zh-CN" altLang="en-US">
-                <a:solidFill>
-                  <a:schemeClr val="tx1"/>
-                </a:solidFill>
-              </a:rPr>
-              <a:t>数据可视化</a:t>
-            </a:r>
-            <a:endParaRPr lang="zh-CN" altLang="en-US">
-              <a:solidFill>
-                <a:schemeClr val="tx1"/>
-              </a:solidFill>
-            </a:endParaRPr>
-          </a:p>
-        </p:txBody>
-      </p:sp>
-      <p:sp>
-        <p:nvSpPr>
-          <p:cNvPr id="31" name="矩形 30"/>
-          <p:cNvSpPr/>
-          <p:nvPr/>
-        </p:nvSpPr>
-        <p:spPr>
-          <a:xfrm>
-            <a:off x="5441315" y="1512570"/>
-            <a:ext cx="1106170" cy="441960"/>
-          </a:xfrm>
-          <a:prstGeom prst="rect">
-            <a:avLst/>
-          </a:prstGeom>
-          <a:solidFill>
-            <a:schemeClr val="bg1"/>
-          </a:solidFill>
-        </p:spPr>
-        <p:style>
-          <a:lnRef idx="2">
-            <a:schemeClr val="accent1">
-              <a:shade val="50000"/>
-            </a:schemeClr>
-          </a:lnRef>
-          <a:fillRef idx="1">
-            <a:schemeClr val="accent1"/>
-          </a:fillRef>
-          <a:effectRef idx="0">
-            <a:schemeClr val="accent1"/>
-          </a:effectRef>
-          <a:fontRef idx="minor">
-            <a:schemeClr val="lt1"/>
-          </a:fontRef>
-        </p:style>
-        <p:txBody>
-          <a:bodyPr rtlCol="0" anchor="ctr"/>
-          <a:p>
-            <a:pPr algn="ctr"/>
-            <a:r>
-              <a:rPr lang="zh-CN" altLang="en-US">
-                <a:solidFill>
-                  <a:schemeClr val="tx1"/>
-                </a:solidFill>
-              </a:rPr>
-              <a:t>接口</a:t>
-            </a:r>
-            <a:endParaRPr lang="zh-CN" altLang="en-US">
-              <a:solidFill>
-                <a:schemeClr val="tx1"/>
-              </a:solidFill>
-            </a:endParaRPr>
-          </a:p>
-        </p:txBody>
-      </p:sp>
-      <p:sp>
-        <p:nvSpPr>
-          <p:cNvPr id="32" name="矩形 31"/>
-          <p:cNvSpPr/>
-          <p:nvPr/>
-        </p:nvSpPr>
-        <p:spPr>
-          <a:xfrm>
-            <a:off x="6672580" y="1513840"/>
-            <a:ext cx="1106170" cy="441960"/>
-          </a:xfrm>
-          <a:prstGeom prst="rect">
-            <a:avLst/>
-          </a:prstGeom>
-          <a:solidFill>
-            <a:schemeClr val="bg1"/>
-          </a:solidFill>
-        </p:spPr>
-        <p:style>
-          <a:lnRef idx="2">
-            <a:schemeClr val="accent1">
-              <a:shade val="50000"/>
-            </a:schemeClr>
-          </a:lnRef>
-          <a:fillRef idx="1">
-            <a:schemeClr val="accent1"/>
-          </a:fillRef>
-          <a:effectRef idx="0">
-            <a:schemeClr val="accent1"/>
-          </a:effectRef>
-          <a:fontRef idx="minor">
-            <a:schemeClr val="lt1"/>
-          </a:fontRef>
-        </p:style>
-        <p:txBody>
-          <a:bodyPr rtlCol="0" anchor="ctr"/>
-          <a:p>
-            <a:pPr algn="ctr"/>
-            <a:r>
-              <a:rPr lang="zh-CN" altLang="en-US">
-                <a:solidFill>
-                  <a:schemeClr val="tx1"/>
-                </a:solidFill>
-              </a:rPr>
-              <a:t>实时查询</a:t>
-            </a:r>
-            <a:endParaRPr lang="zh-CN" altLang="en-US">
-              <a:solidFill>
-                <a:schemeClr val="tx1"/>
-              </a:solidFill>
-            </a:endParaRPr>
-          </a:p>
-        </p:txBody>
-      </p:sp>
-      <p:sp>
-        <p:nvSpPr>
-          <p:cNvPr id="34" name="文本框 33"/>
-          <p:cNvSpPr txBox="1"/>
-          <p:nvPr/>
-        </p:nvSpPr>
-        <p:spPr>
-          <a:xfrm>
-            <a:off x="776605" y="1646555"/>
-            <a:ext cx="1097280" cy="368300"/>
-          </a:xfrm>
-          <a:prstGeom prst="rect">
-            <a:avLst/>
-          </a:prstGeom>
-          <a:noFill/>
-        </p:spPr>
-        <p:txBody>
-          <a:bodyPr wrap="none" rtlCol="0">
-            <a:spAutoFit/>
-          </a:bodyPr>
-          <a:p>
-            <a:r>
-              <a:rPr lang="zh-CN" altLang="en-US"/>
-              <a:t>数据应用</a:t>
-            </a:r>
-            <a:endParaRPr lang="zh-CN" altLang="en-US"/>
-          </a:p>
-        </p:txBody>
-      </p:sp>
-      <p:sp>
-        <p:nvSpPr>
-          <p:cNvPr id="35" name="文本框 34"/>
-          <p:cNvSpPr txBox="1"/>
-          <p:nvPr/>
-        </p:nvSpPr>
-        <p:spPr>
-          <a:xfrm>
-            <a:off x="776605" y="2741930"/>
-            <a:ext cx="1097280" cy="368300"/>
-          </a:xfrm>
-          <a:prstGeom prst="rect">
-            <a:avLst/>
-          </a:prstGeom>
-          <a:noFill/>
-        </p:spPr>
-        <p:txBody>
-          <a:bodyPr wrap="none" rtlCol="0">
-            <a:spAutoFit/>
-          </a:bodyPr>
-          <a:p>
-            <a:r>
-              <a:rPr lang="zh-CN" altLang="en-US"/>
-              <a:t>数据共享</a:t>
-            </a:r>
-            <a:endParaRPr lang="zh-CN" altLang="en-US"/>
-          </a:p>
-        </p:txBody>
-      </p:sp>
-      <p:sp>
-        <p:nvSpPr>
-          <p:cNvPr id="36" name="文本框 35"/>
-          <p:cNvSpPr txBox="1"/>
-          <p:nvPr/>
-        </p:nvSpPr>
-        <p:spPr>
-          <a:xfrm>
-            <a:off x="776605" y="4124325"/>
-            <a:ext cx="1097280" cy="645160"/>
-          </a:xfrm>
-          <a:prstGeom prst="rect">
-            <a:avLst/>
-          </a:prstGeom>
-          <a:noFill/>
-        </p:spPr>
-        <p:txBody>
-          <a:bodyPr wrap="none" rtlCol="0">
-            <a:spAutoFit/>
-          </a:bodyPr>
-          <a:p>
-            <a:r>
-              <a:rPr lang="zh-CN" altLang="en-US"/>
-              <a:t>数据存储</a:t>
-            </a:r>
-            <a:endParaRPr lang="zh-CN" altLang="en-US"/>
-          </a:p>
-          <a:p>
-            <a:r>
-              <a:rPr lang="zh-CN" altLang="en-US"/>
-              <a:t>数据分析</a:t>
-            </a:r>
-            <a:endParaRPr lang="zh-CN" altLang="en-US"/>
-          </a:p>
-        </p:txBody>
-      </p:sp>
-      <p:sp>
-        <p:nvSpPr>
-          <p:cNvPr id="37" name="文本框 36"/>
-          <p:cNvSpPr txBox="1"/>
-          <p:nvPr/>
-        </p:nvSpPr>
-        <p:spPr>
-          <a:xfrm>
-            <a:off x="776605" y="5790565"/>
-            <a:ext cx="1097280" cy="368300"/>
-          </a:xfrm>
-          <a:prstGeom prst="rect">
-            <a:avLst/>
-          </a:prstGeom>
-          <a:noFill/>
-        </p:spPr>
-        <p:txBody>
-          <a:bodyPr wrap="none" rtlCol="0">
-            <a:spAutoFit/>
-          </a:bodyPr>
-          <a:p>
-            <a:r>
-              <a:rPr lang="zh-CN" altLang="en-US"/>
-              <a:t>数据采集</a:t>
-            </a:r>
-            <a:endParaRPr lang="zh-CN" altLang="en-US"/>
-          </a:p>
-        </p:txBody>
-      </p:sp>
       <p:cxnSp>
         <p:nvCxnSpPr>
-          <p:cNvPr id="38" name="直接连接符 37"/>
-          <p:cNvCxnSpPr/>
+          <p:cNvPr id="19" name="直接箭头连接符 18"/>
+          <p:cNvCxnSpPr>
+            <a:stCxn id="8" idx="0"/>
+            <a:endCxn id="4" idx="1"/>
+          </p:cNvCxnSpPr>
           <p:nvPr/>
         </p:nvCxnSpPr>
         <p:spPr>
           <a:xfrm flipV="1">
-            <a:off x="692150" y="5360035"/>
-            <a:ext cx="8825230" cy="9525"/>
-          </a:xfrm>
-          <a:prstGeom prst="line">
-            <a:avLst/>
-          </a:prstGeom>
+            <a:off x="2369985" y="894749"/>
+            <a:ext cx="1809115" cy="1231900"/>
+          </a:xfrm>
+          <a:prstGeom prst="straightConnector1">
+            <a:avLst/>
+          </a:prstGeom>
+          <a:ln>
+            <a:tailEnd type="triangle"/>
+          </a:ln>
         </p:spPr>
         <p:style>
           <a:lnRef idx="1">
@@ -6949,18 +4839,24 @@
       </p:cxnSp>
       <p:cxnSp>
         <p:nvCxnSpPr>
-          <p:cNvPr id="39" name="直接连接符 38"/>
-          <p:cNvCxnSpPr/>
+          <p:cNvPr id="21" name="直接箭头连接符 20"/>
+          <p:cNvCxnSpPr>
+            <a:stCxn id="17" idx="0"/>
+            <a:endCxn id="4" idx="3"/>
+          </p:cNvCxnSpPr>
           <p:nvPr/>
         </p:nvCxnSpPr>
         <p:spPr>
-          <a:xfrm flipV="1">
-            <a:off x="692150" y="3552825"/>
-            <a:ext cx="8825230" cy="9525"/>
-          </a:xfrm>
-          <a:prstGeom prst="line">
-            <a:avLst/>
-          </a:prstGeom>
+          <a:xfrm flipH="1" flipV="1">
+            <a:off x="7326860" y="894749"/>
+            <a:ext cx="1785620" cy="1231900"/>
+          </a:xfrm>
+          <a:prstGeom prst="straightConnector1">
+            <a:avLst/>
+          </a:prstGeom>
+          <a:ln>
+            <a:tailEnd type="triangle"/>
+          </a:ln>
         </p:spPr>
         <p:style>
           <a:lnRef idx="1">
@@ -6979,63 +4875,622 @@
       </p:cxnSp>
       <p:cxnSp>
         <p:nvCxnSpPr>
-          <p:cNvPr id="40" name="直接连接符 39"/>
-          <p:cNvCxnSpPr/>
+          <p:cNvPr id="23" name="直接箭头连接符 22"/>
+          <p:cNvCxnSpPr>
+            <a:stCxn id="8" idx="3"/>
+            <a:endCxn id="14" idx="1"/>
+          </p:cNvCxnSpPr>
           <p:nvPr/>
         </p:nvCxnSpPr>
         <p:spPr>
           <a:xfrm flipV="1">
-            <a:off x="692150" y="2315210"/>
-            <a:ext cx="8825230" cy="9525"/>
-          </a:xfrm>
-          <a:prstGeom prst="line">
-            <a:avLst/>
-          </a:prstGeom>
+            <a:off x="3120121" y="2588728"/>
+            <a:ext cx="1799590" cy="158750"/>
+          </a:xfrm>
+          <a:prstGeom prst="straightConnector1">
+            <a:avLst/>
+          </a:prstGeom>
+          <a:ln>
+            <a:tailEnd type="triangle"/>
+          </a:ln>
         </p:spPr>
         <p:style>
           <a:lnRef idx="1">
-            <a:schemeClr val="accent1"/>
+            <a:schemeClr val="accent2"/>
           </a:lnRef>
           <a:fillRef idx="0">
-            <a:schemeClr val="accent1"/>
+            <a:schemeClr val="accent2"/>
           </a:fillRef>
           <a:effectRef idx="0">
-            <a:schemeClr val="accent1"/>
+            <a:schemeClr val="accent2"/>
           </a:effectRef>
           <a:fontRef idx="minor">
             <a:schemeClr val="tx1"/>
           </a:fontRef>
         </p:style>
       </p:cxnSp>
-      <p:sp>
-        <p:nvSpPr>
-          <p:cNvPr id="41" name="矩形 40"/>
+      <p:cxnSp>
+        <p:nvCxnSpPr>
+          <p:cNvPr id="28" name="直接箭头连接符 27"/>
+          <p:cNvCxnSpPr>
+            <a:stCxn id="16" idx="3"/>
+            <a:endCxn id="17" idx="1"/>
+          </p:cNvCxnSpPr>
+          <p:nvPr/>
+        </p:nvCxnSpPr>
+        <p:spPr>
+          <a:xfrm flipV="1">
+            <a:off x="6445012" y="2738254"/>
+            <a:ext cx="1915795" cy="130175"/>
+          </a:xfrm>
+          <a:prstGeom prst="straightConnector1">
+            <a:avLst/>
+          </a:prstGeom>
+          <a:ln>
+            <a:tailEnd type="triangle"/>
+          </a:ln>
+        </p:spPr>
+        <p:style>
+          <a:lnRef idx="1">
+            <a:schemeClr val="accent2"/>
+          </a:lnRef>
+          <a:fillRef idx="0">
+            <a:schemeClr val="accent2"/>
+          </a:fillRef>
+          <a:effectRef idx="0">
+            <a:schemeClr val="accent2"/>
+          </a:effectRef>
+          <a:fontRef idx="minor">
+            <a:schemeClr val="tx1"/>
+          </a:fontRef>
+        </p:style>
+      </p:cxnSp>
+      <p:sp>
+        <p:nvSpPr>
+          <p:cNvPr id="31" name="圆角矩形 30"/>
           <p:cNvSpPr/>
           <p:nvPr/>
         </p:nvSpPr>
         <p:spPr>
           <a:xfrm>
-            <a:off x="2687320" y="5195570"/>
-            <a:ext cx="1078230" cy="335915"/>
-          </a:xfrm>
-          <a:prstGeom prst="rect">
-            <a:avLst/>
-          </a:prstGeom>
-          <a:solidFill>
-            <a:schemeClr val="bg1"/>
-          </a:solidFill>
+            <a:off x="2158329" y="5505118"/>
+            <a:ext cx="1645921" cy="529388"/>
+          </a:xfrm>
+          <a:prstGeom prst="roundRect">
+            <a:avLst/>
+          </a:prstGeom>
+        </p:spPr>
+        <p:style>
+          <a:lnRef idx="1">
+            <a:schemeClr val="accent1"/>
+          </a:lnRef>
+          <a:fillRef idx="2">
+            <a:schemeClr val="accent1"/>
+          </a:fillRef>
+          <a:effectRef idx="1">
+            <a:schemeClr val="accent1"/>
+          </a:effectRef>
+          <a:fontRef idx="minor">
+            <a:schemeClr val="dk1"/>
+          </a:fontRef>
+        </p:style>
+        <p:txBody>
+          <a:bodyPr rtlCol="0" anchor="ctr"/>
+          <a:lstStyle/>
+          <a:p>
+            <a:pPr algn="ctr"/>
+            <a:r>
+              <a:rPr lang="en-US" altLang="zh-CN" dirty="0" err="1" smtClean="0">
+                <a:solidFill>
+                  <a:schemeClr val="bg1"/>
+                </a:solidFill>
+              </a:rPr>
+              <a:t>DataNode</a:t>
+            </a:r>
+            <a:endParaRPr lang="en-US" altLang="zh-CN" dirty="0" smtClean="0">
+              <a:solidFill>
+                <a:schemeClr val="bg1"/>
+              </a:solidFill>
+            </a:endParaRPr>
+          </a:p>
+          <a:p>
+            <a:pPr algn="ctr"/>
+            <a:r>
+              <a:rPr lang="en-US" altLang="zh-CN" dirty="0" err="1" smtClean="0"/>
+              <a:t>NodeManager</a:t>
+            </a:r>
+            <a:endParaRPr lang="en-US" altLang="zh-CN" dirty="0" smtClean="0"/>
+          </a:p>
+        </p:txBody>
+      </p:sp>
+      <p:sp>
+        <p:nvSpPr>
+          <p:cNvPr id="32" name="圆角矩形 31"/>
+          <p:cNvSpPr/>
+          <p:nvPr/>
+        </p:nvSpPr>
+        <p:spPr>
+          <a:xfrm>
+            <a:off x="4141134" y="5505118"/>
+            <a:ext cx="1645921" cy="529388"/>
+          </a:xfrm>
+          <a:prstGeom prst="roundRect">
+            <a:avLst/>
+          </a:prstGeom>
+        </p:spPr>
+        <p:style>
+          <a:lnRef idx="1">
+            <a:schemeClr val="accent1"/>
+          </a:lnRef>
+          <a:fillRef idx="2">
+            <a:schemeClr val="accent1"/>
+          </a:fillRef>
+          <a:effectRef idx="1">
+            <a:schemeClr val="accent1"/>
+          </a:effectRef>
+          <a:fontRef idx="minor">
+            <a:schemeClr val="dk1"/>
+          </a:fontRef>
+        </p:style>
+        <p:txBody>
+          <a:bodyPr rtlCol="0" anchor="ctr"/>
+          <a:lstStyle/>
+          <a:p>
+            <a:pPr algn="ctr"/>
+            <a:r>
+              <a:rPr lang="en-US" altLang="zh-CN" dirty="0" err="1" smtClean="0">
+                <a:solidFill>
+                  <a:schemeClr val="bg1"/>
+                </a:solidFill>
+              </a:rPr>
+              <a:t>DataNode</a:t>
+            </a:r>
+            <a:endParaRPr lang="en-US" altLang="zh-CN" dirty="0" smtClean="0">
+              <a:solidFill>
+                <a:schemeClr val="bg1"/>
+              </a:solidFill>
+            </a:endParaRPr>
+          </a:p>
+          <a:p>
+            <a:pPr algn="ctr"/>
+            <a:r>
+              <a:rPr lang="en-US" altLang="zh-CN" dirty="0" err="1" smtClean="0"/>
+              <a:t>NodeManager</a:t>
+            </a:r>
+            <a:endParaRPr lang="en-US" altLang="zh-CN" dirty="0" smtClean="0"/>
+          </a:p>
+        </p:txBody>
+      </p:sp>
+      <p:sp>
+        <p:nvSpPr>
+          <p:cNvPr id="33" name="圆角矩形 32"/>
+          <p:cNvSpPr/>
+          <p:nvPr/>
+        </p:nvSpPr>
+        <p:spPr>
+          <a:xfrm>
+            <a:off x="6090251" y="5505118"/>
+            <a:ext cx="1645921" cy="529388"/>
+          </a:xfrm>
+          <a:prstGeom prst="roundRect">
+            <a:avLst/>
+          </a:prstGeom>
+        </p:spPr>
+        <p:style>
+          <a:lnRef idx="1">
+            <a:schemeClr val="accent1"/>
+          </a:lnRef>
+          <a:fillRef idx="2">
+            <a:schemeClr val="accent1"/>
+          </a:fillRef>
+          <a:effectRef idx="1">
+            <a:schemeClr val="accent1"/>
+          </a:effectRef>
+          <a:fontRef idx="minor">
+            <a:schemeClr val="dk1"/>
+          </a:fontRef>
+        </p:style>
+        <p:txBody>
+          <a:bodyPr rtlCol="0" anchor="ctr"/>
+          <a:lstStyle/>
+          <a:p>
+            <a:pPr algn="ctr"/>
+            <a:r>
+              <a:rPr lang="en-US" altLang="zh-CN" dirty="0" err="1" smtClean="0">
+                <a:solidFill>
+                  <a:schemeClr val="bg1"/>
+                </a:solidFill>
+              </a:rPr>
+              <a:t>DataNode</a:t>
+            </a:r>
+            <a:endParaRPr lang="en-US" altLang="zh-CN" dirty="0" smtClean="0">
+              <a:solidFill>
+                <a:schemeClr val="bg1"/>
+              </a:solidFill>
+            </a:endParaRPr>
+          </a:p>
+          <a:p>
+            <a:pPr algn="ctr"/>
+            <a:r>
+              <a:rPr lang="en-US" altLang="zh-CN" dirty="0" err="1" smtClean="0"/>
+              <a:t>NodeManager</a:t>
+            </a:r>
+            <a:endParaRPr lang="en-US" altLang="zh-CN" dirty="0" smtClean="0"/>
+          </a:p>
+        </p:txBody>
+      </p:sp>
+      <p:sp>
+        <p:nvSpPr>
+          <p:cNvPr id="34" name="圆角矩形 33"/>
+          <p:cNvSpPr/>
+          <p:nvPr/>
+        </p:nvSpPr>
+        <p:spPr>
+          <a:xfrm>
+            <a:off x="8085086" y="5514741"/>
+            <a:ext cx="1645921" cy="529388"/>
+          </a:xfrm>
+          <a:prstGeom prst="roundRect">
+            <a:avLst/>
+          </a:prstGeom>
+        </p:spPr>
+        <p:style>
+          <a:lnRef idx="1">
+            <a:schemeClr val="accent1"/>
+          </a:lnRef>
+          <a:fillRef idx="2">
+            <a:schemeClr val="accent1"/>
+          </a:fillRef>
+          <a:effectRef idx="1">
+            <a:schemeClr val="accent1"/>
+          </a:effectRef>
+          <a:fontRef idx="minor">
+            <a:schemeClr val="dk1"/>
+          </a:fontRef>
+        </p:style>
+        <p:txBody>
+          <a:bodyPr rtlCol="0" anchor="ctr"/>
+          <a:lstStyle/>
+          <a:p>
+            <a:pPr algn="ctr"/>
+            <a:r>
+              <a:rPr lang="en-US" altLang="zh-CN" dirty="0" err="1" smtClean="0">
+                <a:solidFill>
+                  <a:schemeClr val="bg1"/>
+                </a:solidFill>
+              </a:rPr>
+              <a:t>DataNode</a:t>
+            </a:r>
+            <a:endParaRPr lang="en-US" altLang="zh-CN" dirty="0" smtClean="0">
+              <a:solidFill>
+                <a:schemeClr val="bg1"/>
+              </a:solidFill>
+            </a:endParaRPr>
+          </a:p>
+          <a:p>
+            <a:pPr algn="ctr"/>
+            <a:r>
+              <a:rPr lang="en-US" altLang="zh-CN" dirty="0" err="1" smtClean="0"/>
+              <a:t>NodeManager</a:t>
+            </a:r>
+            <a:endParaRPr lang="en-US" altLang="zh-CN" dirty="0" smtClean="0"/>
+          </a:p>
+        </p:txBody>
+      </p:sp>
+      <p:cxnSp>
+        <p:nvCxnSpPr>
+          <p:cNvPr id="36" name="直接箭头连接符 35"/>
+          <p:cNvCxnSpPr>
+            <a:stCxn id="31" idx="0"/>
+            <a:endCxn id="8" idx="2"/>
+          </p:cNvCxnSpPr>
+          <p:nvPr/>
+        </p:nvCxnSpPr>
+        <p:spPr>
+          <a:xfrm flipH="1" flipV="1">
+            <a:off x="2369785" y="3368343"/>
+            <a:ext cx="620395" cy="2136775"/>
+          </a:xfrm>
+          <a:prstGeom prst="straightConnector1">
+            <a:avLst/>
+          </a:prstGeom>
+          <a:ln>
+            <a:tailEnd type="triangle"/>
+          </a:ln>
+        </p:spPr>
+        <p:style>
+          <a:lnRef idx="1">
+            <a:schemeClr val="accent1"/>
+          </a:lnRef>
+          <a:fillRef idx="0">
+            <a:schemeClr val="accent1"/>
+          </a:fillRef>
+          <a:effectRef idx="0">
+            <a:schemeClr val="accent1"/>
+          </a:effectRef>
+          <a:fontRef idx="minor">
+            <a:schemeClr val="tx1"/>
+          </a:fontRef>
+        </p:style>
+      </p:cxnSp>
+      <p:cxnSp>
+        <p:nvCxnSpPr>
+          <p:cNvPr id="38" name="直接箭头连接符 37"/>
+          <p:cNvCxnSpPr>
+            <a:stCxn id="32" idx="0"/>
+            <a:endCxn id="8" idx="2"/>
+          </p:cNvCxnSpPr>
+          <p:nvPr/>
+        </p:nvCxnSpPr>
+        <p:spPr>
+          <a:xfrm flipH="1" flipV="1">
+            <a:off x="2370120" y="3368343"/>
+            <a:ext cx="2602865" cy="2136775"/>
+          </a:xfrm>
+          <a:prstGeom prst="straightConnector1">
+            <a:avLst/>
+          </a:prstGeom>
+          <a:ln>
+            <a:tailEnd type="triangle"/>
+          </a:ln>
+        </p:spPr>
+        <p:style>
+          <a:lnRef idx="1">
+            <a:schemeClr val="accent1"/>
+          </a:lnRef>
+          <a:fillRef idx="0">
+            <a:schemeClr val="accent1"/>
+          </a:fillRef>
+          <a:effectRef idx="0">
+            <a:schemeClr val="accent1"/>
+          </a:effectRef>
+          <a:fontRef idx="minor">
+            <a:schemeClr val="tx1"/>
+          </a:fontRef>
+        </p:style>
+      </p:cxnSp>
+      <p:cxnSp>
+        <p:nvCxnSpPr>
+          <p:cNvPr id="40" name="直接箭头连接符 39"/>
+          <p:cNvCxnSpPr>
+            <a:stCxn id="33" idx="0"/>
+            <a:endCxn id="8" idx="2"/>
+          </p:cNvCxnSpPr>
+          <p:nvPr/>
+        </p:nvCxnSpPr>
+        <p:spPr>
+          <a:xfrm flipH="1" flipV="1">
+            <a:off x="2369787" y="3368343"/>
+            <a:ext cx="4552315" cy="2136775"/>
+          </a:xfrm>
+          <a:prstGeom prst="straightConnector1">
+            <a:avLst/>
+          </a:prstGeom>
+          <a:ln>
+            <a:tailEnd type="triangle"/>
+          </a:ln>
+        </p:spPr>
+        <p:style>
+          <a:lnRef idx="1">
+            <a:schemeClr val="accent1"/>
+          </a:lnRef>
+          <a:fillRef idx="0">
+            <a:schemeClr val="accent1"/>
+          </a:fillRef>
+          <a:effectRef idx="0">
+            <a:schemeClr val="accent1"/>
+          </a:effectRef>
+          <a:fontRef idx="minor">
+            <a:schemeClr val="tx1"/>
+          </a:fontRef>
+        </p:style>
+      </p:cxnSp>
+      <p:cxnSp>
+        <p:nvCxnSpPr>
+          <p:cNvPr id="42" name="直接箭头连接符 41"/>
+          <p:cNvCxnSpPr>
+            <a:stCxn id="34" idx="0"/>
+            <a:endCxn id="8" idx="2"/>
+          </p:cNvCxnSpPr>
+          <p:nvPr/>
+        </p:nvCxnSpPr>
+        <p:spPr>
+          <a:xfrm flipH="1" flipV="1">
+            <a:off x="2370087" y="3367806"/>
+            <a:ext cx="6546850" cy="2146935"/>
+          </a:xfrm>
+          <a:prstGeom prst="straightConnector1">
+            <a:avLst/>
+          </a:prstGeom>
+          <a:ln>
+            <a:tailEnd type="triangle"/>
+          </a:ln>
+        </p:spPr>
+        <p:style>
+          <a:lnRef idx="1">
+            <a:schemeClr val="accent1"/>
+          </a:lnRef>
+          <a:fillRef idx="0">
+            <a:schemeClr val="accent1"/>
+          </a:fillRef>
+          <a:effectRef idx="0">
+            <a:schemeClr val="accent1"/>
+          </a:effectRef>
+          <a:fontRef idx="minor">
+            <a:schemeClr val="tx1"/>
+          </a:fontRef>
+        </p:style>
+      </p:cxnSp>
+      <p:cxnSp>
+        <p:nvCxnSpPr>
+          <p:cNvPr id="44" name="直接箭头连接符 43"/>
+          <p:cNvCxnSpPr>
+            <a:stCxn id="31" idx="0"/>
+            <a:endCxn id="17" idx="2"/>
+          </p:cNvCxnSpPr>
+          <p:nvPr/>
+        </p:nvCxnSpPr>
+        <p:spPr>
+          <a:xfrm flipV="1">
+            <a:off x="2990180" y="3349293"/>
+            <a:ext cx="6122035" cy="2155825"/>
+          </a:xfrm>
+          <a:prstGeom prst="straightConnector1">
+            <a:avLst/>
+          </a:prstGeom>
+          <a:ln>
+            <a:tailEnd type="triangle"/>
+          </a:ln>
+        </p:spPr>
+        <p:style>
+          <a:lnRef idx="1">
+            <a:schemeClr val="accent1"/>
+          </a:lnRef>
+          <a:fillRef idx="0">
+            <a:schemeClr val="accent1"/>
+          </a:fillRef>
+          <a:effectRef idx="0">
+            <a:schemeClr val="accent1"/>
+          </a:effectRef>
+          <a:fontRef idx="minor">
+            <a:schemeClr val="tx1"/>
+          </a:fontRef>
+        </p:style>
+      </p:cxnSp>
+      <p:cxnSp>
+        <p:nvCxnSpPr>
+          <p:cNvPr id="48" name="直接箭头连接符 47"/>
+          <p:cNvCxnSpPr>
+            <a:stCxn id="32" idx="0"/>
+            <a:endCxn id="17" idx="2"/>
+          </p:cNvCxnSpPr>
+          <p:nvPr/>
+        </p:nvCxnSpPr>
+        <p:spPr>
+          <a:xfrm flipV="1">
+            <a:off x="4972985" y="3349293"/>
+            <a:ext cx="4139565" cy="2155825"/>
+          </a:xfrm>
+          <a:prstGeom prst="straightConnector1">
+            <a:avLst/>
+          </a:prstGeom>
+          <a:ln>
+            <a:tailEnd type="triangle"/>
+          </a:ln>
+        </p:spPr>
+        <p:style>
+          <a:lnRef idx="1">
+            <a:schemeClr val="accent1"/>
+          </a:lnRef>
+          <a:fillRef idx="0">
+            <a:schemeClr val="accent1"/>
+          </a:fillRef>
+          <a:effectRef idx="0">
+            <a:schemeClr val="accent1"/>
+          </a:effectRef>
+          <a:fontRef idx="minor">
+            <a:schemeClr val="tx1"/>
+          </a:fontRef>
+        </p:style>
+      </p:cxnSp>
+      <p:cxnSp>
+        <p:nvCxnSpPr>
+          <p:cNvPr id="50" name="直接箭头连接符 49"/>
+          <p:cNvCxnSpPr>
+            <a:stCxn id="33" idx="0"/>
+            <a:endCxn id="17" idx="2"/>
+          </p:cNvCxnSpPr>
+          <p:nvPr/>
+        </p:nvCxnSpPr>
+        <p:spPr>
+          <a:xfrm flipV="1">
+            <a:off x="6922102" y="3349293"/>
+            <a:ext cx="2190115" cy="2155825"/>
+          </a:xfrm>
+          <a:prstGeom prst="straightConnector1">
+            <a:avLst/>
+          </a:prstGeom>
+          <a:ln>
+            <a:tailEnd type="triangle"/>
+          </a:ln>
+        </p:spPr>
+        <p:style>
+          <a:lnRef idx="1">
+            <a:schemeClr val="accent1"/>
+          </a:lnRef>
+          <a:fillRef idx="0">
+            <a:schemeClr val="accent1"/>
+          </a:fillRef>
+          <a:effectRef idx="0">
+            <a:schemeClr val="accent1"/>
+          </a:effectRef>
+          <a:fontRef idx="minor">
+            <a:schemeClr val="tx1"/>
+          </a:fontRef>
+        </p:style>
+      </p:cxnSp>
+      <p:cxnSp>
+        <p:nvCxnSpPr>
+          <p:cNvPr id="52" name="直接箭头连接符 51"/>
+          <p:cNvCxnSpPr>
+            <a:stCxn id="34" idx="0"/>
+            <a:endCxn id="17" idx="2"/>
+          </p:cNvCxnSpPr>
+          <p:nvPr/>
+        </p:nvCxnSpPr>
+        <p:spPr>
+          <a:xfrm flipV="1">
+            <a:off x="8916937" y="3348756"/>
+            <a:ext cx="195580" cy="2165985"/>
+          </a:xfrm>
+          <a:prstGeom prst="straightConnector1">
+            <a:avLst/>
+          </a:prstGeom>
+          <a:ln>
+            <a:tailEnd type="triangle"/>
+          </a:ln>
+        </p:spPr>
+        <p:style>
+          <a:lnRef idx="1">
+            <a:schemeClr val="accent1"/>
+          </a:lnRef>
+          <a:fillRef idx="0">
+            <a:schemeClr val="accent1"/>
+          </a:fillRef>
+          <a:effectRef idx="0">
+            <a:schemeClr val="accent1"/>
+          </a:effectRef>
+          <a:fontRef idx="minor">
+            <a:schemeClr val="tx1"/>
+          </a:fontRef>
+        </p:style>
+      </p:cxnSp>
+      <p:sp>
+        <p:nvSpPr>
+          <p:cNvPr id="59" name="圆角矩形 58"/>
+          <p:cNvSpPr/>
+          <p:nvPr/>
+        </p:nvSpPr>
+        <p:spPr>
+          <a:xfrm>
+            <a:off x="4299949" y="711738"/>
+            <a:ext cx="856647" cy="385010"/>
+          </a:xfrm>
+          <a:prstGeom prst="roundRect">
+            <a:avLst/>
+          </a:prstGeom>
         </p:spPr>
         <p:style>
           <a:lnRef idx="2">
-            <a:schemeClr val="accent1">
+            <a:schemeClr val="accent4">
               <a:shade val="50000"/>
             </a:schemeClr>
           </a:lnRef>
           <a:fillRef idx="1">
-            <a:schemeClr val="accent1"/>
+            <a:schemeClr val="accent4"/>
           </a:fillRef>
           <a:effectRef idx="0">
-            <a:schemeClr val="accent1"/>
+            <a:schemeClr val="accent4"/>
           </a:effectRef>
           <a:fontRef idx="minor">
             <a:schemeClr val="lt1"/>
@@ -7043,19 +5498,20 @@
         </p:style>
         <p:txBody>
           <a:bodyPr rtlCol="0" anchor="ctr"/>
+          <a:lstStyle/>
           <a:p>
             <a:pPr algn="ctr"/>
             <a:r>
-              <a:rPr lang="en-US" altLang="zh-CN">
+              <a:rPr lang="en-US" altLang="zh-CN" dirty="0" smtClean="0">
                 <a:solidFill>
-                  <a:schemeClr val="tx1"/>
+                  <a:srgbClr val="0070C0"/>
                 </a:solidFill>
               </a:rPr>
-              <a:t>Sqoop</a:t>
-            </a:r>
-            <a:endParaRPr lang="en-US" altLang="zh-CN">
+              <a:t>ZK</a:t>
+            </a:r>
+            <a:endParaRPr lang="zh-CN" altLang="en-US" dirty="0">
               <a:solidFill>
-                <a:schemeClr val="tx1"/>
+                <a:srgbClr val="0070C0"/>
               </a:solidFill>
             </a:endParaRPr>
           </a:p>
@@ -7063,33 +5519,30 @@
       </p:sp>
       <p:sp>
         <p:nvSpPr>
-          <p:cNvPr id="42" name="矩形 41"/>
+          <p:cNvPr id="60" name="圆角矩形 59"/>
           <p:cNvSpPr/>
           <p:nvPr/>
         </p:nvSpPr>
         <p:spPr>
           <a:xfrm>
-            <a:off x="4006215" y="5196840"/>
-            <a:ext cx="1078230" cy="335915"/>
-          </a:xfrm>
-          <a:prstGeom prst="rect">
-            <a:avLst/>
-          </a:prstGeom>
-          <a:solidFill>
-            <a:schemeClr val="bg1"/>
-          </a:solidFill>
+            <a:off x="6321257" y="706927"/>
+            <a:ext cx="856647" cy="385010"/>
+          </a:xfrm>
+          <a:prstGeom prst="roundRect">
+            <a:avLst/>
+          </a:prstGeom>
         </p:spPr>
         <p:style>
           <a:lnRef idx="2">
-            <a:schemeClr val="accent1">
+            <a:schemeClr val="accent4">
               <a:shade val="50000"/>
             </a:schemeClr>
           </a:lnRef>
           <a:fillRef idx="1">
-            <a:schemeClr val="accent1"/>
+            <a:schemeClr val="accent4"/>
           </a:fillRef>
           <a:effectRef idx="0">
-            <a:schemeClr val="accent1"/>
+            <a:schemeClr val="accent4"/>
           </a:effectRef>
           <a:fontRef idx="minor">
             <a:schemeClr val="lt1"/>
@@ -7097,82 +5550,26 @@
         </p:style>
         <p:txBody>
           <a:bodyPr rtlCol="0" anchor="ctr"/>
+          <a:lstStyle/>
           <a:p>
             <a:pPr algn="ctr"/>
             <a:r>
-              <a:rPr lang="en-US" altLang="zh-CN">
+              <a:rPr lang="en-US" altLang="zh-CN" dirty="0" smtClean="0">
                 <a:solidFill>
-                  <a:schemeClr val="tx1"/>
+                  <a:srgbClr val="0070C0"/>
                 </a:solidFill>
               </a:rPr>
-              <a:t>Flume</a:t>
-            </a:r>
-            <a:endParaRPr lang="en-US" altLang="zh-CN">
+              <a:t>ZK</a:t>
+            </a:r>
+            <a:endParaRPr lang="zh-CN" altLang="en-US" dirty="0">
               <a:solidFill>
-                <a:schemeClr val="tx1"/>
+                <a:srgbClr val="0070C0"/>
               </a:solidFill>
             </a:endParaRPr>
           </a:p>
         </p:txBody>
       </p:sp>
-      <p:sp>
-        <p:nvSpPr>
-          <p:cNvPr id="43" name="矩形 42"/>
-          <p:cNvSpPr/>
-          <p:nvPr/>
-        </p:nvSpPr>
-        <p:spPr>
-          <a:xfrm>
-            <a:off x="2533650" y="3389630"/>
-            <a:ext cx="1078230" cy="335915"/>
-          </a:xfrm>
-          <a:prstGeom prst="rect">
-            <a:avLst/>
-          </a:prstGeom>
-          <a:solidFill>
-            <a:schemeClr val="bg1"/>
-          </a:solidFill>
-        </p:spPr>
-        <p:style>
-          <a:lnRef idx="2">
-            <a:schemeClr val="accent1">
-              <a:shade val="50000"/>
-            </a:schemeClr>
-          </a:lnRef>
-          <a:fillRef idx="1">
-            <a:schemeClr val="accent1"/>
-          </a:fillRef>
-          <a:effectRef idx="0">
-            <a:schemeClr val="accent1"/>
-          </a:effectRef>
-          <a:fontRef idx="minor">
-            <a:schemeClr val="lt1"/>
-          </a:fontRef>
-        </p:style>
-        <p:txBody>
-          <a:bodyPr rtlCol="0" anchor="ctr"/>
-          <a:p>
-            <a:pPr algn="ctr"/>
-            <a:r>
-              <a:rPr lang="en-US" altLang="zh-CN">
-                <a:solidFill>
-                  <a:schemeClr val="tx1"/>
-                </a:solidFill>
-              </a:rPr>
-              <a:t>Sqoop</a:t>
-            </a:r>
-            <a:endParaRPr lang="en-US" altLang="zh-CN">
-              <a:solidFill>
-                <a:schemeClr val="tx1"/>
-              </a:solidFill>
-            </a:endParaRPr>
-          </a:p>
-        </p:txBody>
-      </p:sp>
     </p:spTree>
-    <p:custDataLst>
-      <p:tags r:id="rId1"/>
-    </p:custDataLst>
   </p:cSld>
   <p:clrMapOvr>
     <a:masterClrMapping/>
@@ -7690,14 +6087,6 @@
               <a:lumOff val="60000"/>
             </a:schemeClr>
           </a:solidFill>
-          <a:ln w="28575" cmpd="sng">
-            <a:solidFill>
-              <a:schemeClr val="accent1">
-                <a:shade val="50000"/>
-              </a:schemeClr>
-            </a:solidFill>
-            <a:prstDash val="sysDot"/>
-          </a:ln>
         </p:spPr>
         <p:style>
           <a:lnRef idx="2">
@@ -7848,14 +6237,6 @@
           <a:solidFill>
             <a:schemeClr val="bg1"/>
           </a:solidFill>
-          <a:ln w="28575" cmpd="sng">
-            <a:solidFill>
-              <a:schemeClr val="accent1">
-                <a:shade val="50000"/>
-              </a:schemeClr>
-            </a:solidFill>
-            <a:prstDash val="sysDot"/>
-          </a:ln>
         </p:spPr>
         <p:style>
           <a:lnRef idx="2">
@@ -7926,14 +6307,6 @@
           <a:solidFill>
             <a:schemeClr val="bg1"/>
           </a:solidFill>
-          <a:ln w="28575" cmpd="sng">
-            <a:solidFill>
-              <a:schemeClr val="accent1">
-                <a:shade val="50000"/>
-              </a:schemeClr>
-            </a:solidFill>
-            <a:prstDash val="sysDot"/>
-          </a:ln>
         </p:spPr>
         <p:style>
           <a:lnRef idx="2">
@@ -8290,14 +6663,6 @@
           <a:solidFill>
             <a:schemeClr val="bg1"/>
           </a:solidFill>
-          <a:ln w="28575" cmpd="dbl">
-            <a:solidFill>
-              <a:schemeClr val="accent1">
-                <a:shade val="50000"/>
-              </a:schemeClr>
-            </a:solidFill>
-            <a:prstDash val="sysDot"/>
-          </a:ln>
         </p:spPr>
         <p:style>
           <a:lnRef idx="2">
@@ -8938,6 +7303,1763 @@
 </file>
 
 <file path=ppt/slides/slide5.xml><?xml version="1.0" encoding="utf-8"?>
+<p:sld xmlns:a="http://schemas.openxmlformats.org/drawingml/2006/main" xmlns:r="http://schemas.openxmlformats.org/officeDocument/2006/relationships" xmlns:p="http://schemas.openxmlformats.org/presentationml/2006/main">
+  <p:cSld>
+    <p:spTree>
+      <p:nvGrpSpPr>
+        <p:cNvPr id="1" name=""/>
+        <p:cNvGrpSpPr/>
+        <p:nvPr/>
+      </p:nvGrpSpPr>
+      <p:grpSpPr>
+        <a:xfrm>
+          <a:off x="0" y="0"/>
+          <a:ext cx="0" cy="0"/>
+          <a:chOff x="0" y="0"/>
+          <a:chExt cx="0" cy="0"/>
+        </a:xfrm>
+      </p:grpSpPr>
+      <p:sp>
+        <p:nvSpPr>
+          <p:cNvPr id="5" name="矩形 4"/>
+          <p:cNvSpPr/>
+          <p:nvPr/>
+        </p:nvSpPr>
+        <p:spPr>
+          <a:xfrm>
+            <a:off x="9748520" y="1856740"/>
+            <a:ext cx="609600" cy="3780155"/>
+          </a:xfrm>
+          <a:prstGeom prst="rect">
+            <a:avLst/>
+          </a:prstGeom>
+          <a:solidFill>
+            <a:schemeClr val="accent5">
+              <a:lumMod val="40000"/>
+              <a:lumOff val="60000"/>
+            </a:schemeClr>
+          </a:solidFill>
+        </p:spPr>
+        <p:style>
+          <a:lnRef idx="2">
+            <a:schemeClr val="accent1">
+              <a:shade val="50000"/>
+            </a:schemeClr>
+          </a:lnRef>
+          <a:fillRef idx="1">
+            <a:schemeClr val="accent1"/>
+          </a:fillRef>
+          <a:effectRef idx="0">
+            <a:schemeClr val="accent1"/>
+          </a:effectRef>
+          <a:fontRef idx="minor">
+            <a:schemeClr val="lt1"/>
+          </a:fontRef>
+        </p:style>
+        <p:txBody>
+          <a:bodyPr vert="eaVert" rtlCol="0" anchor="ctr"/>
+          <a:p>
+            <a:pPr algn="ctr"/>
+            <a:r>
+              <a:rPr lang="en-US" altLang="zh-CN">
+                <a:solidFill>
+                  <a:schemeClr val="tx1"/>
+                </a:solidFill>
+              </a:rPr>
+              <a:t>Zookeeper</a:t>
+            </a:r>
+            <a:endParaRPr lang="en-US" altLang="zh-CN">
+              <a:solidFill>
+                <a:schemeClr val="tx1"/>
+              </a:solidFill>
+            </a:endParaRPr>
+          </a:p>
+        </p:txBody>
+      </p:sp>
+      <p:sp>
+        <p:nvSpPr>
+          <p:cNvPr id="6" name="矩形 5"/>
+          <p:cNvSpPr/>
+          <p:nvPr/>
+        </p:nvSpPr>
+        <p:spPr>
+          <a:xfrm>
+            <a:off x="10621010" y="1857375"/>
+            <a:ext cx="609600" cy="3778885"/>
+          </a:xfrm>
+          <a:prstGeom prst="rect">
+            <a:avLst/>
+          </a:prstGeom>
+          <a:solidFill>
+            <a:schemeClr val="accent6">
+              <a:lumMod val="40000"/>
+              <a:lumOff val="60000"/>
+            </a:schemeClr>
+          </a:solidFill>
+        </p:spPr>
+        <p:style>
+          <a:lnRef idx="2">
+            <a:schemeClr val="accent1">
+              <a:shade val="50000"/>
+            </a:schemeClr>
+          </a:lnRef>
+          <a:fillRef idx="1">
+            <a:schemeClr val="accent1"/>
+          </a:fillRef>
+          <a:effectRef idx="0">
+            <a:schemeClr val="accent1"/>
+          </a:effectRef>
+          <a:fontRef idx="minor">
+            <a:schemeClr val="lt1"/>
+          </a:fontRef>
+        </p:style>
+        <p:txBody>
+          <a:bodyPr rtlCol="0" anchor="ctr"/>
+          <a:p>
+            <a:pPr algn="ctr"/>
+            <a:r>
+              <a:rPr lang="zh-CN" altLang="en-US">
+                <a:solidFill>
+                  <a:schemeClr val="tx1"/>
+                </a:solidFill>
+              </a:rPr>
+              <a:t>任务调度与监控</a:t>
+            </a:r>
+            <a:endParaRPr lang="zh-CN" altLang="en-US">
+              <a:solidFill>
+                <a:schemeClr val="tx1"/>
+              </a:solidFill>
+            </a:endParaRPr>
+          </a:p>
+        </p:txBody>
+      </p:sp>
+      <p:sp>
+        <p:nvSpPr>
+          <p:cNvPr id="7" name="矩形 6"/>
+          <p:cNvSpPr/>
+          <p:nvPr/>
+        </p:nvSpPr>
+        <p:spPr>
+          <a:xfrm>
+            <a:off x="2560955" y="5636895"/>
+            <a:ext cx="6155690" cy="675640"/>
+          </a:xfrm>
+          <a:prstGeom prst="rect">
+            <a:avLst/>
+          </a:prstGeom>
+          <a:solidFill>
+            <a:schemeClr val="accent4">
+              <a:lumMod val="40000"/>
+              <a:lumOff val="60000"/>
+            </a:schemeClr>
+          </a:solidFill>
+          <a:ln>
+            <a:solidFill>
+              <a:schemeClr val="accent1"/>
+            </a:solidFill>
+          </a:ln>
+        </p:spPr>
+        <p:style>
+          <a:lnRef idx="2">
+            <a:schemeClr val="accent6"/>
+          </a:lnRef>
+          <a:fillRef idx="1">
+            <a:schemeClr val="lt1"/>
+          </a:fillRef>
+          <a:effectRef idx="0">
+            <a:schemeClr val="accent6"/>
+          </a:effectRef>
+          <a:fontRef idx="minor">
+            <a:schemeClr val="dk1"/>
+          </a:fontRef>
+        </p:style>
+        <p:txBody>
+          <a:bodyPr rtlCol="0" anchor="ctr"/>
+          <a:p>
+            <a:pPr algn="ctr"/>
+            <a:endParaRPr lang="zh-CN" altLang="en-US"/>
+          </a:p>
+        </p:txBody>
+      </p:sp>
+      <p:sp>
+        <p:nvSpPr>
+          <p:cNvPr id="11" name="矩形 10"/>
+          <p:cNvSpPr/>
+          <p:nvPr/>
+        </p:nvSpPr>
+        <p:spPr>
+          <a:xfrm>
+            <a:off x="2687320" y="5753735"/>
+            <a:ext cx="1078230" cy="441960"/>
+          </a:xfrm>
+          <a:prstGeom prst="rect">
+            <a:avLst/>
+          </a:prstGeom>
+          <a:solidFill>
+            <a:schemeClr val="bg1"/>
+          </a:solidFill>
+          <a:ln w="12700" cmpd="sng">
+            <a:solidFill>
+              <a:schemeClr val="accent1">
+                <a:shade val="50000"/>
+              </a:schemeClr>
+            </a:solidFill>
+            <a:prstDash val="solid"/>
+          </a:ln>
+        </p:spPr>
+        <p:style>
+          <a:lnRef idx="2">
+            <a:schemeClr val="accent1">
+              <a:shade val="50000"/>
+            </a:schemeClr>
+          </a:lnRef>
+          <a:fillRef idx="1">
+            <a:schemeClr val="accent1"/>
+          </a:fillRef>
+          <a:effectRef idx="0">
+            <a:schemeClr val="accent1"/>
+          </a:effectRef>
+          <a:fontRef idx="minor">
+            <a:schemeClr val="lt1"/>
+          </a:fontRef>
+        </p:style>
+        <p:txBody>
+          <a:bodyPr rtlCol="0" anchor="ctr"/>
+          <a:p>
+            <a:pPr algn="ctr"/>
+            <a:r>
+              <a:rPr lang="en-US" altLang="zh-CN">
+                <a:solidFill>
+                  <a:schemeClr val="tx1"/>
+                </a:solidFill>
+              </a:rPr>
+              <a:t>RDBMS</a:t>
+            </a:r>
+            <a:endParaRPr lang="en-US" altLang="zh-CN">
+              <a:solidFill>
+                <a:schemeClr val="tx1"/>
+              </a:solidFill>
+            </a:endParaRPr>
+          </a:p>
+        </p:txBody>
+      </p:sp>
+      <p:sp>
+        <p:nvSpPr>
+          <p:cNvPr id="12" name="矩形 11"/>
+          <p:cNvSpPr/>
+          <p:nvPr/>
+        </p:nvSpPr>
+        <p:spPr>
+          <a:xfrm>
+            <a:off x="3893820" y="5753735"/>
+            <a:ext cx="1078230" cy="441960"/>
+          </a:xfrm>
+          <a:prstGeom prst="rect">
+            <a:avLst/>
+          </a:prstGeom>
+          <a:solidFill>
+            <a:schemeClr val="bg1"/>
+          </a:solidFill>
+        </p:spPr>
+        <p:style>
+          <a:lnRef idx="2">
+            <a:schemeClr val="accent1">
+              <a:shade val="50000"/>
+            </a:schemeClr>
+          </a:lnRef>
+          <a:fillRef idx="1">
+            <a:schemeClr val="accent1"/>
+          </a:fillRef>
+          <a:effectRef idx="0">
+            <a:schemeClr val="accent1"/>
+          </a:effectRef>
+          <a:fontRef idx="minor">
+            <a:schemeClr val="lt1"/>
+          </a:fontRef>
+        </p:style>
+        <p:txBody>
+          <a:bodyPr rtlCol="0" anchor="ctr"/>
+          <a:p>
+            <a:pPr algn="ctr"/>
+            <a:r>
+              <a:rPr lang="zh-CN" altLang="en-US">
+                <a:solidFill>
+                  <a:schemeClr val="tx1"/>
+                </a:solidFill>
+              </a:rPr>
+              <a:t>日志</a:t>
+            </a:r>
+            <a:endParaRPr lang="zh-CN" altLang="en-US">
+              <a:solidFill>
+                <a:schemeClr val="tx1"/>
+              </a:solidFill>
+            </a:endParaRPr>
+          </a:p>
+        </p:txBody>
+      </p:sp>
+      <p:sp>
+        <p:nvSpPr>
+          <p:cNvPr id="13" name="矩形 12"/>
+          <p:cNvSpPr/>
+          <p:nvPr/>
+        </p:nvSpPr>
+        <p:spPr>
+          <a:xfrm>
+            <a:off x="5100955" y="5753735"/>
+            <a:ext cx="1349375" cy="441960"/>
+          </a:xfrm>
+          <a:prstGeom prst="rect">
+            <a:avLst/>
+          </a:prstGeom>
+          <a:solidFill>
+            <a:schemeClr val="bg1"/>
+          </a:solidFill>
+        </p:spPr>
+        <p:style>
+          <a:lnRef idx="2">
+            <a:schemeClr val="accent1">
+              <a:shade val="50000"/>
+            </a:schemeClr>
+          </a:lnRef>
+          <a:fillRef idx="1">
+            <a:schemeClr val="accent1"/>
+          </a:fillRef>
+          <a:effectRef idx="0">
+            <a:schemeClr val="accent1"/>
+          </a:effectRef>
+          <a:fontRef idx="minor">
+            <a:schemeClr val="lt1"/>
+          </a:fontRef>
+        </p:style>
+        <p:txBody>
+          <a:bodyPr rtlCol="0" anchor="ctr"/>
+          <a:p>
+            <a:pPr algn="ctr"/>
+            <a:r>
+              <a:rPr lang="en-US" altLang="zh-CN">
+                <a:solidFill>
+                  <a:schemeClr val="tx1"/>
+                </a:solidFill>
+              </a:rPr>
+              <a:t>HTTP/FTP</a:t>
+            </a:r>
+            <a:endParaRPr lang="zh-CN" altLang="en-US">
+              <a:solidFill>
+                <a:schemeClr val="tx1"/>
+              </a:solidFill>
+            </a:endParaRPr>
+          </a:p>
+        </p:txBody>
+      </p:sp>
+      <p:sp>
+        <p:nvSpPr>
+          <p:cNvPr id="14" name="矩形 13"/>
+          <p:cNvSpPr/>
+          <p:nvPr/>
+        </p:nvSpPr>
+        <p:spPr>
+          <a:xfrm>
+            <a:off x="2534285" y="1395095"/>
+            <a:ext cx="6155055" cy="675640"/>
+          </a:xfrm>
+          <a:prstGeom prst="rect">
+            <a:avLst/>
+          </a:prstGeom>
+          <a:solidFill>
+            <a:schemeClr val="accent4">
+              <a:lumMod val="40000"/>
+              <a:lumOff val="60000"/>
+            </a:schemeClr>
+          </a:solidFill>
+          <a:ln>
+            <a:solidFill>
+              <a:schemeClr val="accent1"/>
+            </a:solidFill>
+          </a:ln>
+        </p:spPr>
+        <p:style>
+          <a:lnRef idx="2">
+            <a:schemeClr val="accent6"/>
+          </a:lnRef>
+          <a:fillRef idx="1">
+            <a:schemeClr val="lt1"/>
+          </a:fillRef>
+          <a:effectRef idx="0">
+            <a:schemeClr val="accent6"/>
+          </a:effectRef>
+          <a:fontRef idx="minor">
+            <a:schemeClr val="dk1"/>
+          </a:fontRef>
+        </p:style>
+        <p:txBody>
+          <a:bodyPr rtlCol="0" anchor="ctr"/>
+          <a:p>
+            <a:pPr algn="ctr"/>
+            <a:endParaRPr lang="zh-CN" altLang="en-US"/>
+          </a:p>
+        </p:txBody>
+      </p:sp>
+      <p:sp>
+        <p:nvSpPr>
+          <p:cNvPr id="16" name="矩形 15"/>
+          <p:cNvSpPr/>
+          <p:nvPr/>
+        </p:nvSpPr>
+        <p:spPr>
+          <a:xfrm>
+            <a:off x="2533650" y="2625090"/>
+            <a:ext cx="6155690" cy="675640"/>
+          </a:xfrm>
+          <a:prstGeom prst="rect">
+            <a:avLst/>
+          </a:prstGeom>
+          <a:solidFill>
+            <a:schemeClr val="accent4">
+              <a:lumMod val="40000"/>
+              <a:lumOff val="60000"/>
+            </a:schemeClr>
+          </a:solidFill>
+          <a:ln>
+            <a:solidFill>
+              <a:schemeClr val="accent1"/>
+            </a:solidFill>
+          </a:ln>
+        </p:spPr>
+        <p:style>
+          <a:lnRef idx="2">
+            <a:schemeClr val="accent6"/>
+          </a:lnRef>
+          <a:fillRef idx="1">
+            <a:schemeClr val="lt1"/>
+          </a:fillRef>
+          <a:effectRef idx="0">
+            <a:schemeClr val="accent6"/>
+          </a:effectRef>
+          <a:fontRef idx="minor">
+            <a:schemeClr val="dk1"/>
+          </a:fontRef>
+        </p:style>
+        <p:txBody>
+          <a:bodyPr rtlCol="0" anchor="ctr"/>
+          <a:p>
+            <a:pPr algn="ctr"/>
+            <a:endParaRPr lang="zh-CN" altLang="en-US"/>
+          </a:p>
+        </p:txBody>
+      </p:sp>
+      <p:sp>
+        <p:nvSpPr>
+          <p:cNvPr id="17" name="矩形 16"/>
+          <p:cNvSpPr/>
+          <p:nvPr/>
+        </p:nvSpPr>
+        <p:spPr>
+          <a:xfrm>
+            <a:off x="2534285" y="3813810"/>
+            <a:ext cx="3854450" cy="1266190"/>
+          </a:xfrm>
+          <a:prstGeom prst="rect">
+            <a:avLst/>
+          </a:prstGeom>
+          <a:solidFill>
+            <a:schemeClr val="accent4">
+              <a:lumMod val="40000"/>
+              <a:lumOff val="60000"/>
+            </a:schemeClr>
+          </a:solidFill>
+        </p:spPr>
+        <p:style>
+          <a:lnRef idx="2">
+            <a:schemeClr val="accent1">
+              <a:shade val="50000"/>
+            </a:schemeClr>
+          </a:lnRef>
+          <a:fillRef idx="1">
+            <a:schemeClr val="accent1"/>
+          </a:fillRef>
+          <a:effectRef idx="0">
+            <a:schemeClr val="accent1"/>
+          </a:effectRef>
+          <a:fontRef idx="minor">
+            <a:schemeClr val="lt1"/>
+          </a:fontRef>
+        </p:style>
+        <p:txBody>
+          <a:bodyPr rtlCol="0" anchor="ctr"/>
+          <a:p>
+            <a:pPr algn="ctr"/>
+            <a:endParaRPr lang="zh-CN" altLang="en-US"/>
+          </a:p>
+        </p:txBody>
+      </p:sp>
+      <p:sp>
+        <p:nvSpPr>
+          <p:cNvPr id="18" name="矩形 17"/>
+          <p:cNvSpPr/>
+          <p:nvPr/>
+        </p:nvSpPr>
+        <p:spPr>
+          <a:xfrm>
+            <a:off x="6672580" y="3813810"/>
+            <a:ext cx="2017395" cy="1266190"/>
+          </a:xfrm>
+          <a:prstGeom prst="rect">
+            <a:avLst/>
+          </a:prstGeom>
+          <a:solidFill>
+            <a:schemeClr val="accent4">
+              <a:lumMod val="40000"/>
+              <a:lumOff val="60000"/>
+            </a:schemeClr>
+          </a:solidFill>
+          <a:ln w="28575" cmpd="sng">
+            <a:solidFill>
+              <a:schemeClr val="accent1">
+                <a:shade val="50000"/>
+              </a:schemeClr>
+            </a:solidFill>
+            <a:prstDash val="sysDot"/>
+          </a:ln>
+        </p:spPr>
+        <p:style>
+          <a:lnRef idx="2">
+            <a:schemeClr val="accent1">
+              <a:shade val="50000"/>
+            </a:schemeClr>
+          </a:lnRef>
+          <a:fillRef idx="1">
+            <a:schemeClr val="accent1"/>
+          </a:fillRef>
+          <a:effectRef idx="0">
+            <a:schemeClr val="accent1"/>
+          </a:effectRef>
+          <a:fontRef idx="minor">
+            <a:schemeClr val="lt1"/>
+          </a:fontRef>
+        </p:style>
+        <p:txBody>
+          <a:bodyPr rtlCol="0" anchor="ctr"/>
+          <a:p>
+            <a:pPr algn="ctr"/>
+            <a:endParaRPr lang="zh-CN" altLang="en-US"/>
+          </a:p>
+        </p:txBody>
+      </p:sp>
+      <p:sp>
+        <p:nvSpPr>
+          <p:cNvPr id="19" name="矩形 18"/>
+          <p:cNvSpPr/>
+          <p:nvPr/>
+        </p:nvSpPr>
+        <p:spPr>
+          <a:xfrm>
+            <a:off x="2660650" y="4525645"/>
+            <a:ext cx="3491865" cy="441960"/>
+          </a:xfrm>
+          <a:prstGeom prst="rect">
+            <a:avLst/>
+          </a:prstGeom>
+          <a:solidFill>
+            <a:schemeClr val="bg1"/>
+          </a:solidFill>
+        </p:spPr>
+        <p:style>
+          <a:lnRef idx="2">
+            <a:schemeClr val="accent1">
+              <a:shade val="50000"/>
+            </a:schemeClr>
+          </a:lnRef>
+          <a:fillRef idx="1">
+            <a:schemeClr val="accent1"/>
+          </a:fillRef>
+          <a:effectRef idx="0">
+            <a:schemeClr val="accent1"/>
+          </a:effectRef>
+          <a:fontRef idx="minor">
+            <a:schemeClr val="lt1"/>
+          </a:fontRef>
+        </p:style>
+        <p:txBody>
+          <a:bodyPr rtlCol="0" anchor="ctr"/>
+          <a:p>
+            <a:pPr algn="ctr"/>
+            <a:r>
+              <a:rPr lang="en-US" altLang="zh-CN">
+                <a:solidFill>
+                  <a:schemeClr val="tx1"/>
+                </a:solidFill>
+              </a:rPr>
+              <a:t>HDFS</a:t>
+            </a:r>
+            <a:endParaRPr lang="en-US" altLang="zh-CN">
+              <a:solidFill>
+                <a:schemeClr val="tx1"/>
+              </a:solidFill>
+            </a:endParaRPr>
+          </a:p>
+        </p:txBody>
+      </p:sp>
+      <p:sp>
+        <p:nvSpPr>
+          <p:cNvPr id="20" name="矩形 19"/>
+          <p:cNvSpPr/>
+          <p:nvPr/>
+        </p:nvSpPr>
+        <p:spPr>
+          <a:xfrm>
+            <a:off x="2660650" y="3971290"/>
+            <a:ext cx="1078230" cy="441960"/>
+          </a:xfrm>
+          <a:prstGeom prst="rect">
+            <a:avLst/>
+          </a:prstGeom>
+          <a:solidFill>
+            <a:schemeClr val="bg1"/>
+          </a:solidFill>
+        </p:spPr>
+        <p:style>
+          <a:lnRef idx="2">
+            <a:schemeClr val="accent1">
+              <a:shade val="50000"/>
+            </a:schemeClr>
+          </a:lnRef>
+          <a:fillRef idx="1">
+            <a:schemeClr val="accent1"/>
+          </a:fillRef>
+          <a:effectRef idx="0">
+            <a:schemeClr val="accent1"/>
+          </a:effectRef>
+          <a:fontRef idx="minor">
+            <a:schemeClr val="lt1"/>
+          </a:fontRef>
+        </p:style>
+        <p:txBody>
+          <a:bodyPr rtlCol="0" anchor="ctr"/>
+          <a:p>
+            <a:pPr algn="ctr"/>
+            <a:r>
+              <a:rPr lang="en-US" altLang="zh-CN">
+                <a:solidFill>
+                  <a:schemeClr val="tx1"/>
+                </a:solidFill>
+              </a:rPr>
+              <a:t>Hive</a:t>
+            </a:r>
+            <a:endParaRPr lang="en-US" altLang="zh-CN">
+              <a:solidFill>
+                <a:schemeClr val="tx1"/>
+              </a:solidFill>
+            </a:endParaRPr>
+          </a:p>
+        </p:txBody>
+      </p:sp>
+      <p:sp>
+        <p:nvSpPr>
+          <p:cNvPr id="21" name="矩形 20"/>
+          <p:cNvSpPr/>
+          <p:nvPr/>
+        </p:nvSpPr>
+        <p:spPr>
+          <a:xfrm>
+            <a:off x="3837305" y="3971290"/>
+            <a:ext cx="1078230" cy="441960"/>
+          </a:xfrm>
+          <a:prstGeom prst="rect">
+            <a:avLst/>
+          </a:prstGeom>
+          <a:solidFill>
+            <a:schemeClr val="bg1"/>
+          </a:solidFill>
+          <a:ln w="28575" cmpd="sng">
+            <a:solidFill>
+              <a:schemeClr val="accent1">
+                <a:shade val="50000"/>
+              </a:schemeClr>
+            </a:solidFill>
+            <a:prstDash val="sysDot"/>
+          </a:ln>
+        </p:spPr>
+        <p:style>
+          <a:lnRef idx="2">
+            <a:schemeClr val="accent1">
+              <a:shade val="50000"/>
+            </a:schemeClr>
+          </a:lnRef>
+          <a:fillRef idx="1">
+            <a:schemeClr val="accent1"/>
+          </a:fillRef>
+          <a:effectRef idx="0">
+            <a:schemeClr val="accent1"/>
+          </a:effectRef>
+          <a:fontRef idx="minor">
+            <a:schemeClr val="lt1"/>
+          </a:fontRef>
+        </p:style>
+        <p:txBody>
+          <a:bodyPr rtlCol="0" anchor="ctr"/>
+          <a:p>
+            <a:pPr algn="ctr"/>
+            <a:r>
+              <a:rPr lang="en-US" altLang="zh-CN">
+                <a:solidFill>
+                  <a:schemeClr val="tx1"/>
+                </a:solidFill>
+              </a:rPr>
+              <a:t>Spark</a:t>
+            </a:r>
+            <a:endParaRPr lang="en-US" altLang="zh-CN">
+              <a:solidFill>
+                <a:schemeClr val="tx1"/>
+              </a:solidFill>
+            </a:endParaRPr>
+          </a:p>
+          <a:p>
+            <a:pPr algn="ctr"/>
+            <a:r>
+              <a:rPr lang="en-US" altLang="zh-CN">
+                <a:solidFill>
+                  <a:schemeClr val="tx1"/>
+                </a:solidFill>
+              </a:rPr>
+              <a:t>SQL</a:t>
+            </a:r>
+            <a:endParaRPr lang="en-US" altLang="zh-CN">
+              <a:solidFill>
+                <a:schemeClr val="tx1"/>
+              </a:solidFill>
+            </a:endParaRPr>
+          </a:p>
+        </p:txBody>
+      </p:sp>
+      <p:sp>
+        <p:nvSpPr>
+          <p:cNvPr id="22" name="矩形 21"/>
+          <p:cNvSpPr/>
+          <p:nvPr/>
+        </p:nvSpPr>
+        <p:spPr>
+          <a:xfrm>
+            <a:off x="5074285" y="3971290"/>
+            <a:ext cx="1078230" cy="441960"/>
+          </a:xfrm>
+          <a:prstGeom prst="rect">
+            <a:avLst/>
+          </a:prstGeom>
+          <a:solidFill>
+            <a:schemeClr val="bg1"/>
+          </a:solidFill>
+          <a:ln w="28575" cmpd="sng">
+            <a:solidFill>
+              <a:schemeClr val="accent1">
+                <a:shade val="50000"/>
+              </a:schemeClr>
+            </a:solidFill>
+            <a:prstDash val="sysDot"/>
+          </a:ln>
+        </p:spPr>
+        <p:style>
+          <a:lnRef idx="2">
+            <a:schemeClr val="accent1">
+              <a:shade val="50000"/>
+            </a:schemeClr>
+          </a:lnRef>
+          <a:fillRef idx="1">
+            <a:schemeClr val="accent1"/>
+          </a:fillRef>
+          <a:effectRef idx="0">
+            <a:schemeClr val="accent1"/>
+          </a:effectRef>
+          <a:fontRef idx="minor">
+            <a:schemeClr val="lt1"/>
+          </a:fontRef>
+        </p:style>
+        <p:txBody>
+          <a:bodyPr rtlCol="0" anchor="ctr"/>
+          <a:p>
+            <a:pPr algn="ctr"/>
+            <a:r>
+              <a:rPr lang="en-US" altLang="zh-CN">
+                <a:solidFill>
+                  <a:schemeClr val="tx1"/>
+                </a:solidFill>
+              </a:rPr>
+              <a:t>Spark</a:t>
+            </a:r>
+            <a:endParaRPr lang="en-US" altLang="zh-CN">
+              <a:solidFill>
+                <a:schemeClr val="tx1"/>
+              </a:solidFill>
+            </a:endParaRPr>
+          </a:p>
+          <a:p>
+            <a:pPr algn="ctr"/>
+            <a:r>
+              <a:rPr lang="en-US" altLang="zh-CN">
+                <a:solidFill>
+                  <a:schemeClr val="tx1"/>
+                </a:solidFill>
+              </a:rPr>
+              <a:t>SQL</a:t>
+            </a:r>
+            <a:endParaRPr lang="en-US" altLang="zh-CN">
+              <a:solidFill>
+                <a:schemeClr val="tx1"/>
+              </a:solidFill>
+            </a:endParaRPr>
+          </a:p>
+        </p:txBody>
+      </p:sp>
+      <p:sp>
+        <p:nvSpPr>
+          <p:cNvPr id="23" name="矩形 22"/>
+          <p:cNvSpPr/>
+          <p:nvPr/>
+        </p:nvSpPr>
+        <p:spPr>
+          <a:xfrm>
+            <a:off x="6983095" y="3971290"/>
+            <a:ext cx="1373505" cy="441960"/>
+          </a:xfrm>
+          <a:prstGeom prst="rect">
+            <a:avLst/>
+          </a:prstGeom>
+          <a:solidFill>
+            <a:schemeClr val="bg1"/>
+          </a:solidFill>
+        </p:spPr>
+        <p:style>
+          <a:lnRef idx="2">
+            <a:schemeClr val="accent1">
+              <a:shade val="50000"/>
+            </a:schemeClr>
+          </a:lnRef>
+          <a:fillRef idx="1">
+            <a:schemeClr val="accent1"/>
+          </a:fillRef>
+          <a:effectRef idx="0">
+            <a:schemeClr val="accent1"/>
+          </a:effectRef>
+          <a:fontRef idx="minor">
+            <a:schemeClr val="lt1"/>
+          </a:fontRef>
+        </p:style>
+        <p:txBody>
+          <a:bodyPr rtlCol="0" anchor="ctr"/>
+          <a:p>
+            <a:pPr algn="ctr"/>
+            <a:r>
+              <a:rPr lang="en-US" altLang="zh-CN">
+                <a:solidFill>
+                  <a:schemeClr val="tx1"/>
+                </a:solidFill>
+              </a:rPr>
+              <a:t>Spark</a:t>
+            </a:r>
+            <a:endParaRPr lang="en-US" altLang="zh-CN">
+              <a:solidFill>
+                <a:schemeClr val="tx1"/>
+              </a:solidFill>
+            </a:endParaRPr>
+          </a:p>
+          <a:p>
+            <a:pPr algn="ctr"/>
+            <a:r>
+              <a:rPr lang="en-US" altLang="zh-CN">
+                <a:solidFill>
+                  <a:schemeClr val="tx1"/>
+                </a:solidFill>
+              </a:rPr>
+              <a:t>Streming</a:t>
+            </a:r>
+            <a:endParaRPr lang="en-US" altLang="zh-CN">
+              <a:solidFill>
+                <a:schemeClr val="tx1"/>
+              </a:solidFill>
+            </a:endParaRPr>
+          </a:p>
+        </p:txBody>
+      </p:sp>
+      <p:sp>
+        <p:nvSpPr>
+          <p:cNvPr id="24" name="矩形 23"/>
+          <p:cNvSpPr/>
+          <p:nvPr/>
+        </p:nvSpPr>
+        <p:spPr>
+          <a:xfrm>
+            <a:off x="6983095" y="4525645"/>
+            <a:ext cx="1374140" cy="441960"/>
+          </a:xfrm>
+          <a:prstGeom prst="rect">
+            <a:avLst/>
+          </a:prstGeom>
+          <a:solidFill>
+            <a:schemeClr val="bg1"/>
+          </a:solidFill>
+        </p:spPr>
+        <p:style>
+          <a:lnRef idx="2">
+            <a:schemeClr val="accent1">
+              <a:shade val="50000"/>
+            </a:schemeClr>
+          </a:lnRef>
+          <a:fillRef idx="1">
+            <a:schemeClr val="accent1"/>
+          </a:fillRef>
+          <a:effectRef idx="0">
+            <a:schemeClr val="accent1"/>
+          </a:effectRef>
+          <a:fontRef idx="minor">
+            <a:schemeClr val="lt1"/>
+          </a:fontRef>
+        </p:style>
+        <p:txBody>
+          <a:bodyPr rtlCol="0" anchor="ctr"/>
+          <a:p>
+            <a:pPr algn="ctr"/>
+            <a:r>
+              <a:rPr lang="en-US" altLang="zh-CN">
+                <a:solidFill>
+                  <a:schemeClr val="tx1"/>
+                </a:solidFill>
+              </a:rPr>
+              <a:t>Kafka</a:t>
+            </a:r>
+            <a:endParaRPr lang="en-US" altLang="zh-CN">
+              <a:solidFill>
+                <a:schemeClr val="tx1"/>
+              </a:solidFill>
+            </a:endParaRPr>
+          </a:p>
+        </p:txBody>
+      </p:sp>
+      <p:sp>
+        <p:nvSpPr>
+          <p:cNvPr id="25" name="矩形 24"/>
+          <p:cNvSpPr/>
+          <p:nvPr/>
+        </p:nvSpPr>
+        <p:spPr>
+          <a:xfrm>
+            <a:off x="2660650" y="2741930"/>
+            <a:ext cx="1078230" cy="441960"/>
+          </a:xfrm>
+          <a:prstGeom prst="rect">
+            <a:avLst/>
+          </a:prstGeom>
+          <a:solidFill>
+            <a:schemeClr val="bg1"/>
+          </a:solidFill>
+        </p:spPr>
+        <p:style>
+          <a:lnRef idx="2">
+            <a:schemeClr val="accent1">
+              <a:shade val="50000"/>
+            </a:schemeClr>
+          </a:lnRef>
+          <a:fillRef idx="1">
+            <a:schemeClr val="accent1"/>
+          </a:fillRef>
+          <a:effectRef idx="0">
+            <a:schemeClr val="accent1"/>
+          </a:effectRef>
+          <a:fontRef idx="minor">
+            <a:schemeClr val="lt1"/>
+          </a:fontRef>
+        </p:style>
+        <p:txBody>
+          <a:bodyPr rtlCol="0" anchor="ctr"/>
+          <a:p>
+            <a:pPr algn="ctr"/>
+            <a:r>
+              <a:rPr lang="en-US" altLang="zh-CN">
+                <a:solidFill>
+                  <a:schemeClr val="tx1"/>
+                </a:solidFill>
+              </a:rPr>
+              <a:t>RDBMS</a:t>
+            </a:r>
+            <a:endParaRPr lang="en-US" altLang="zh-CN">
+              <a:solidFill>
+                <a:schemeClr val="tx1"/>
+              </a:solidFill>
+            </a:endParaRPr>
+          </a:p>
+        </p:txBody>
+      </p:sp>
+      <p:sp>
+        <p:nvSpPr>
+          <p:cNvPr id="26" name="矩形 25"/>
+          <p:cNvSpPr/>
+          <p:nvPr/>
+        </p:nvSpPr>
+        <p:spPr>
+          <a:xfrm>
+            <a:off x="3837305" y="2741930"/>
+            <a:ext cx="1078230" cy="441960"/>
+          </a:xfrm>
+          <a:prstGeom prst="rect">
+            <a:avLst/>
+          </a:prstGeom>
+          <a:solidFill>
+            <a:schemeClr val="bg1"/>
+          </a:solidFill>
+        </p:spPr>
+        <p:style>
+          <a:lnRef idx="2">
+            <a:schemeClr val="accent1">
+              <a:shade val="50000"/>
+            </a:schemeClr>
+          </a:lnRef>
+          <a:fillRef idx="1">
+            <a:schemeClr val="accent1"/>
+          </a:fillRef>
+          <a:effectRef idx="0">
+            <a:schemeClr val="accent1"/>
+          </a:effectRef>
+          <a:fontRef idx="minor">
+            <a:schemeClr val="lt1"/>
+          </a:fontRef>
+        </p:style>
+        <p:txBody>
+          <a:bodyPr rtlCol="0" anchor="ctr"/>
+          <a:p>
+            <a:pPr algn="ctr"/>
+            <a:r>
+              <a:rPr lang="en-US" altLang="zh-CN">
+                <a:solidFill>
+                  <a:schemeClr val="tx1"/>
+                </a:solidFill>
+              </a:rPr>
+              <a:t>Redis</a:t>
+            </a:r>
+            <a:endParaRPr lang="en-US" altLang="zh-CN">
+              <a:solidFill>
+                <a:schemeClr val="tx1"/>
+              </a:solidFill>
+            </a:endParaRPr>
+          </a:p>
+        </p:txBody>
+      </p:sp>
+      <p:sp>
+        <p:nvSpPr>
+          <p:cNvPr id="27" name="矩形 26"/>
+          <p:cNvSpPr/>
+          <p:nvPr/>
+        </p:nvSpPr>
+        <p:spPr>
+          <a:xfrm>
+            <a:off x="5074285" y="2741930"/>
+            <a:ext cx="1078230" cy="441960"/>
+          </a:xfrm>
+          <a:prstGeom prst="rect">
+            <a:avLst/>
+          </a:prstGeom>
+          <a:solidFill>
+            <a:schemeClr val="bg1"/>
+          </a:solidFill>
+        </p:spPr>
+        <p:style>
+          <a:lnRef idx="2">
+            <a:schemeClr val="accent1">
+              <a:shade val="50000"/>
+            </a:schemeClr>
+          </a:lnRef>
+          <a:fillRef idx="1">
+            <a:schemeClr val="accent1"/>
+          </a:fillRef>
+          <a:effectRef idx="0">
+            <a:schemeClr val="accent1"/>
+          </a:effectRef>
+          <a:fontRef idx="minor">
+            <a:schemeClr val="lt1"/>
+          </a:fontRef>
+        </p:style>
+        <p:txBody>
+          <a:bodyPr rtlCol="0" anchor="ctr"/>
+          <a:p>
+            <a:pPr algn="ctr"/>
+            <a:r>
+              <a:rPr lang="en-US" altLang="zh-CN">
+                <a:solidFill>
+                  <a:schemeClr val="tx1"/>
+                </a:solidFill>
+              </a:rPr>
+              <a:t>Mongo</a:t>
+            </a:r>
+            <a:endParaRPr lang="en-US" altLang="zh-CN">
+              <a:solidFill>
+                <a:schemeClr val="tx1"/>
+              </a:solidFill>
+            </a:endParaRPr>
+          </a:p>
+        </p:txBody>
+      </p:sp>
+      <p:sp>
+        <p:nvSpPr>
+          <p:cNvPr id="28" name="矩形 27"/>
+          <p:cNvSpPr/>
+          <p:nvPr/>
+        </p:nvSpPr>
+        <p:spPr>
+          <a:xfrm>
+            <a:off x="6484620" y="2741930"/>
+            <a:ext cx="1078230" cy="441960"/>
+          </a:xfrm>
+          <a:prstGeom prst="rect">
+            <a:avLst/>
+          </a:prstGeom>
+          <a:solidFill>
+            <a:schemeClr val="bg1"/>
+          </a:solidFill>
+          <a:ln w="28575" cmpd="dbl">
+            <a:solidFill>
+              <a:schemeClr val="accent1">
+                <a:shade val="50000"/>
+              </a:schemeClr>
+            </a:solidFill>
+            <a:prstDash val="sysDot"/>
+          </a:ln>
+        </p:spPr>
+        <p:style>
+          <a:lnRef idx="2">
+            <a:schemeClr val="accent1">
+              <a:shade val="50000"/>
+            </a:schemeClr>
+          </a:lnRef>
+          <a:fillRef idx="1">
+            <a:schemeClr val="accent1"/>
+          </a:fillRef>
+          <a:effectRef idx="0">
+            <a:schemeClr val="accent1"/>
+          </a:effectRef>
+          <a:fontRef idx="minor">
+            <a:schemeClr val="lt1"/>
+          </a:fontRef>
+        </p:style>
+        <p:txBody>
+          <a:bodyPr rtlCol="0" anchor="ctr"/>
+          <a:p>
+            <a:pPr algn="ctr"/>
+            <a:r>
+              <a:rPr lang="en-US" altLang="zh-CN">
+                <a:solidFill>
+                  <a:schemeClr val="tx1"/>
+                </a:solidFill>
+              </a:rPr>
+              <a:t>Hbase</a:t>
+            </a:r>
+            <a:endParaRPr lang="en-US" altLang="zh-CN">
+              <a:solidFill>
+                <a:schemeClr val="tx1"/>
+              </a:solidFill>
+            </a:endParaRPr>
+          </a:p>
+        </p:txBody>
+      </p:sp>
+      <p:sp>
+        <p:nvSpPr>
+          <p:cNvPr id="29" name="矩形 28"/>
+          <p:cNvSpPr/>
+          <p:nvPr/>
+        </p:nvSpPr>
+        <p:spPr>
+          <a:xfrm>
+            <a:off x="2660650" y="1513840"/>
+            <a:ext cx="1078230" cy="441960"/>
+          </a:xfrm>
+          <a:prstGeom prst="rect">
+            <a:avLst/>
+          </a:prstGeom>
+          <a:solidFill>
+            <a:schemeClr val="bg1"/>
+          </a:solidFill>
+        </p:spPr>
+        <p:style>
+          <a:lnRef idx="2">
+            <a:schemeClr val="accent1">
+              <a:shade val="50000"/>
+            </a:schemeClr>
+          </a:lnRef>
+          <a:fillRef idx="1">
+            <a:schemeClr val="accent1"/>
+          </a:fillRef>
+          <a:effectRef idx="0">
+            <a:schemeClr val="accent1"/>
+          </a:effectRef>
+          <a:fontRef idx="minor">
+            <a:schemeClr val="lt1"/>
+          </a:fontRef>
+        </p:style>
+        <p:txBody>
+          <a:bodyPr rtlCol="0" anchor="ctr"/>
+          <a:p>
+            <a:pPr algn="ctr"/>
+            <a:r>
+              <a:rPr lang="zh-CN" altLang="en-US">
+                <a:solidFill>
+                  <a:schemeClr val="tx1"/>
+                </a:solidFill>
+              </a:rPr>
+              <a:t>报表</a:t>
+            </a:r>
+            <a:endParaRPr lang="zh-CN" altLang="en-US">
+              <a:solidFill>
+                <a:schemeClr val="tx1"/>
+              </a:solidFill>
+            </a:endParaRPr>
+          </a:p>
+        </p:txBody>
+      </p:sp>
+      <p:sp>
+        <p:nvSpPr>
+          <p:cNvPr id="30" name="矩形 29"/>
+          <p:cNvSpPr/>
+          <p:nvPr/>
+        </p:nvSpPr>
+        <p:spPr>
+          <a:xfrm>
+            <a:off x="3837305" y="1513840"/>
+            <a:ext cx="1415415" cy="441960"/>
+          </a:xfrm>
+          <a:prstGeom prst="rect">
+            <a:avLst/>
+          </a:prstGeom>
+          <a:solidFill>
+            <a:schemeClr val="bg1"/>
+          </a:solidFill>
+        </p:spPr>
+        <p:style>
+          <a:lnRef idx="2">
+            <a:schemeClr val="accent1">
+              <a:shade val="50000"/>
+            </a:schemeClr>
+          </a:lnRef>
+          <a:fillRef idx="1">
+            <a:schemeClr val="accent1"/>
+          </a:fillRef>
+          <a:effectRef idx="0">
+            <a:schemeClr val="accent1"/>
+          </a:effectRef>
+          <a:fontRef idx="minor">
+            <a:schemeClr val="lt1"/>
+          </a:fontRef>
+        </p:style>
+        <p:txBody>
+          <a:bodyPr rtlCol="0" anchor="ctr"/>
+          <a:p>
+            <a:pPr algn="ctr"/>
+            <a:r>
+              <a:rPr lang="zh-CN" altLang="en-US">
+                <a:solidFill>
+                  <a:schemeClr val="tx1"/>
+                </a:solidFill>
+              </a:rPr>
+              <a:t>数据可视化</a:t>
+            </a:r>
+            <a:endParaRPr lang="zh-CN" altLang="en-US">
+              <a:solidFill>
+                <a:schemeClr val="tx1"/>
+              </a:solidFill>
+            </a:endParaRPr>
+          </a:p>
+        </p:txBody>
+      </p:sp>
+      <p:sp>
+        <p:nvSpPr>
+          <p:cNvPr id="31" name="矩形 30"/>
+          <p:cNvSpPr/>
+          <p:nvPr/>
+        </p:nvSpPr>
+        <p:spPr>
+          <a:xfrm>
+            <a:off x="5441315" y="1512570"/>
+            <a:ext cx="1106170" cy="441960"/>
+          </a:xfrm>
+          <a:prstGeom prst="rect">
+            <a:avLst/>
+          </a:prstGeom>
+          <a:solidFill>
+            <a:schemeClr val="bg1"/>
+          </a:solidFill>
+        </p:spPr>
+        <p:style>
+          <a:lnRef idx="2">
+            <a:schemeClr val="accent1">
+              <a:shade val="50000"/>
+            </a:schemeClr>
+          </a:lnRef>
+          <a:fillRef idx="1">
+            <a:schemeClr val="accent1"/>
+          </a:fillRef>
+          <a:effectRef idx="0">
+            <a:schemeClr val="accent1"/>
+          </a:effectRef>
+          <a:fontRef idx="minor">
+            <a:schemeClr val="lt1"/>
+          </a:fontRef>
+        </p:style>
+        <p:txBody>
+          <a:bodyPr rtlCol="0" anchor="ctr"/>
+          <a:p>
+            <a:pPr algn="ctr"/>
+            <a:r>
+              <a:rPr lang="zh-CN" altLang="en-US">
+                <a:solidFill>
+                  <a:schemeClr val="tx1"/>
+                </a:solidFill>
+              </a:rPr>
+              <a:t>接口</a:t>
+            </a:r>
+            <a:endParaRPr lang="zh-CN" altLang="en-US">
+              <a:solidFill>
+                <a:schemeClr val="tx1"/>
+              </a:solidFill>
+            </a:endParaRPr>
+          </a:p>
+        </p:txBody>
+      </p:sp>
+      <p:sp>
+        <p:nvSpPr>
+          <p:cNvPr id="32" name="矩形 31"/>
+          <p:cNvSpPr/>
+          <p:nvPr/>
+        </p:nvSpPr>
+        <p:spPr>
+          <a:xfrm>
+            <a:off x="6672580" y="1513840"/>
+            <a:ext cx="1106170" cy="441960"/>
+          </a:xfrm>
+          <a:prstGeom prst="rect">
+            <a:avLst/>
+          </a:prstGeom>
+          <a:solidFill>
+            <a:schemeClr val="bg1"/>
+          </a:solidFill>
+        </p:spPr>
+        <p:style>
+          <a:lnRef idx="2">
+            <a:schemeClr val="accent1">
+              <a:shade val="50000"/>
+            </a:schemeClr>
+          </a:lnRef>
+          <a:fillRef idx="1">
+            <a:schemeClr val="accent1"/>
+          </a:fillRef>
+          <a:effectRef idx="0">
+            <a:schemeClr val="accent1"/>
+          </a:effectRef>
+          <a:fontRef idx="minor">
+            <a:schemeClr val="lt1"/>
+          </a:fontRef>
+        </p:style>
+        <p:txBody>
+          <a:bodyPr rtlCol="0" anchor="ctr"/>
+          <a:p>
+            <a:pPr algn="ctr"/>
+            <a:r>
+              <a:rPr lang="zh-CN" altLang="en-US">
+                <a:solidFill>
+                  <a:schemeClr val="tx1"/>
+                </a:solidFill>
+              </a:rPr>
+              <a:t>实时查询</a:t>
+            </a:r>
+            <a:endParaRPr lang="zh-CN" altLang="en-US">
+              <a:solidFill>
+                <a:schemeClr val="tx1"/>
+              </a:solidFill>
+            </a:endParaRPr>
+          </a:p>
+        </p:txBody>
+      </p:sp>
+      <p:sp>
+        <p:nvSpPr>
+          <p:cNvPr id="34" name="文本框 33"/>
+          <p:cNvSpPr txBox="1"/>
+          <p:nvPr/>
+        </p:nvSpPr>
+        <p:spPr>
+          <a:xfrm>
+            <a:off x="776605" y="1646555"/>
+            <a:ext cx="1097280" cy="368300"/>
+          </a:xfrm>
+          <a:prstGeom prst="rect">
+            <a:avLst/>
+          </a:prstGeom>
+          <a:noFill/>
+        </p:spPr>
+        <p:txBody>
+          <a:bodyPr wrap="none" rtlCol="0">
+            <a:spAutoFit/>
+          </a:bodyPr>
+          <a:p>
+            <a:r>
+              <a:rPr lang="zh-CN" altLang="en-US"/>
+              <a:t>数据应用</a:t>
+            </a:r>
+            <a:endParaRPr lang="zh-CN" altLang="en-US"/>
+          </a:p>
+        </p:txBody>
+      </p:sp>
+      <p:sp>
+        <p:nvSpPr>
+          <p:cNvPr id="35" name="文本框 34"/>
+          <p:cNvSpPr txBox="1"/>
+          <p:nvPr/>
+        </p:nvSpPr>
+        <p:spPr>
+          <a:xfrm>
+            <a:off x="776605" y="2741930"/>
+            <a:ext cx="1097280" cy="368300"/>
+          </a:xfrm>
+          <a:prstGeom prst="rect">
+            <a:avLst/>
+          </a:prstGeom>
+          <a:noFill/>
+        </p:spPr>
+        <p:txBody>
+          <a:bodyPr wrap="none" rtlCol="0">
+            <a:spAutoFit/>
+          </a:bodyPr>
+          <a:p>
+            <a:r>
+              <a:rPr lang="zh-CN" altLang="en-US"/>
+              <a:t>数据共享</a:t>
+            </a:r>
+            <a:endParaRPr lang="zh-CN" altLang="en-US"/>
+          </a:p>
+        </p:txBody>
+      </p:sp>
+      <p:sp>
+        <p:nvSpPr>
+          <p:cNvPr id="36" name="文本框 35"/>
+          <p:cNvSpPr txBox="1"/>
+          <p:nvPr/>
+        </p:nvSpPr>
+        <p:spPr>
+          <a:xfrm>
+            <a:off x="776605" y="4124325"/>
+            <a:ext cx="1097280" cy="645160"/>
+          </a:xfrm>
+          <a:prstGeom prst="rect">
+            <a:avLst/>
+          </a:prstGeom>
+          <a:noFill/>
+        </p:spPr>
+        <p:txBody>
+          <a:bodyPr wrap="none" rtlCol="0">
+            <a:spAutoFit/>
+          </a:bodyPr>
+          <a:p>
+            <a:r>
+              <a:rPr lang="zh-CN" altLang="en-US"/>
+              <a:t>数据存储</a:t>
+            </a:r>
+            <a:endParaRPr lang="zh-CN" altLang="en-US"/>
+          </a:p>
+          <a:p>
+            <a:r>
+              <a:rPr lang="zh-CN" altLang="en-US"/>
+              <a:t>数据分析</a:t>
+            </a:r>
+            <a:endParaRPr lang="zh-CN" altLang="en-US"/>
+          </a:p>
+        </p:txBody>
+      </p:sp>
+      <p:sp>
+        <p:nvSpPr>
+          <p:cNvPr id="37" name="文本框 36"/>
+          <p:cNvSpPr txBox="1"/>
+          <p:nvPr/>
+        </p:nvSpPr>
+        <p:spPr>
+          <a:xfrm>
+            <a:off x="776605" y="5790565"/>
+            <a:ext cx="1097280" cy="368300"/>
+          </a:xfrm>
+          <a:prstGeom prst="rect">
+            <a:avLst/>
+          </a:prstGeom>
+          <a:noFill/>
+        </p:spPr>
+        <p:txBody>
+          <a:bodyPr wrap="none" rtlCol="0">
+            <a:spAutoFit/>
+          </a:bodyPr>
+          <a:p>
+            <a:r>
+              <a:rPr lang="zh-CN" altLang="en-US"/>
+              <a:t>数据采集</a:t>
+            </a:r>
+            <a:endParaRPr lang="zh-CN" altLang="en-US"/>
+          </a:p>
+        </p:txBody>
+      </p:sp>
+      <p:cxnSp>
+        <p:nvCxnSpPr>
+          <p:cNvPr id="38" name="直接连接符 37"/>
+          <p:cNvCxnSpPr/>
+          <p:nvPr/>
+        </p:nvCxnSpPr>
+        <p:spPr>
+          <a:xfrm flipV="1">
+            <a:off x="692150" y="5360035"/>
+            <a:ext cx="8825230" cy="9525"/>
+          </a:xfrm>
+          <a:prstGeom prst="line">
+            <a:avLst/>
+          </a:prstGeom>
+        </p:spPr>
+        <p:style>
+          <a:lnRef idx="1">
+            <a:schemeClr val="accent1"/>
+          </a:lnRef>
+          <a:fillRef idx="0">
+            <a:schemeClr val="accent1"/>
+          </a:fillRef>
+          <a:effectRef idx="0">
+            <a:schemeClr val="accent1"/>
+          </a:effectRef>
+          <a:fontRef idx="minor">
+            <a:schemeClr val="tx1"/>
+          </a:fontRef>
+        </p:style>
+      </p:cxnSp>
+      <p:cxnSp>
+        <p:nvCxnSpPr>
+          <p:cNvPr id="39" name="直接连接符 38"/>
+          <p:cNvCxnSpPr/>
+          <p:nvPr/>
+        </p:nvCxnSpPr>
+        <p:spPr>
+          <a:xfrm flipV="1">
+            <a:off x="692150" y="3552825"/>
+            <a:ext cx="8825230" cy="9525"/>
+          </a:xfrm>
+          <a:prstGeom prst="line">
+            <a:avLst/>
+          </a:prstGeom>
+        </p:spPr>
+        <p:style>
+          <a:lnRef idx="1">
+            <a:schemeClr val="accent1"/>
+          </a:lnRef>
+          <a:fillRef idx="0">
+            <a:schemeClr val="accent1"/>
+          </a:fillRef>
+          <a:effectRef idx="0">
+            <a:schemeClr val="accent1"/>
+          </a:effectRef>
+          <a:fontRef idx="minor">
+            <a:schemeClr val="tx1"/>
+          </a:fontRef>
+        </p:style>
+      </p:cxnSp>
+      <p:cxnSp>
+        <p:nvCxnSpPr>
+          <p:cNvPr id="40" name="直接连接符 39"/>
+          <p:cNvCxnSpPr/>
+          <p:nvPr/>
+        </p:nvCxnSpPr>
+        <p:spPr>
+          <a:xfrm flipV="1">
+            <a:off x="692150" y="2315210"/>
+            <a:ext cx="8825230" cy="9525"/>
+          </a:xfrm>
+          <a:prstGeom prst="line">
+            <a:avLst/>
+          </a:prstGeom>
+        </p:spPr>
+        <p:style>
+          <a:lnRef idx="1">
+            <a:schemeClr val="accent1"/>
+          </a:lnRef>
+          <a:fillRef idx="0">
+            <a:schemeClr val="accent1"/>
+          </a:fillRef>
+          <a:effectRef idx="0">
+            <a:schemeClr val="accent1"/>
+          </a:effectRef>
+          <a:fontRef idx="minor">
+            <a:schemeClr val="tx1"/>
+          </a:fontRef>
+        </p:style>
+      </p:cxnSp>
+      <p:sp>
+        <p:nvSpPr>
+          <p:cNvPr id="41" name="矩形 40"/>
+          <p:cNvSpPr/>
+          <p:nvPr/>
+        </p:nvSpPr>
+        <p:spPr>
+          <a:xfrm>
+            <a:off x="2687320" y="5195570"/>
+            <a:ext cx="1078230" cy="335915"/>
+          </a:xfrm>
+          <a:prstGeom prst="rect">
+            <a:avLst/>
+          </a:prstGeom>
+          <a:solidFill>
+            <a:schemeClr val="bg1"/>
+          </a:solidFill>
+        </p:spPr>
+        <p:style>
+          <a:lnRef idx="2">
+            <a:schemeClr val="accent1">
+              <a:shade val="50000"/>
+            </a:schemeClr>
+          </a:lnRef>
+          <a:fillRef idx="1">
+            <a:schemeClr val="accent1"/>
+          </a:fillRef>
+          <a:effectRef idx="0">
+            <a:schemeClr val="accent1"/>
+          </a:effectRef>
+          <a:fontRef idx="minor">
+            <a:schemeClr val="lt1"/>
+          </a:fontRef>
+        </p:style>
+        <p:txBody>
+          <a:bodyPr rtlCol="0" anchor="ctr"/>
+          <a:p>
+            <a:pPr algn="ctr"/>
+            <a:r>
+              <a:rPr lang="en-US" altLang="zh-CN">
+                <a:solidFill>
+                  <a:schemeClr val="tx1"/>
+                </a:solidFill>
+              </a:rPr>
+              <a:t>Sqoop</a:t>
+            </a:r>
+            <a:endParaRPr lang="en-US" altLang="zh-CN">
+              <a:solidFill>
+                <a:schemeClr val="tx1"/>
+              </a:solidFill>
+            </a:endParaRPr>
+          </a:p>
+        </p:txBody>
+      </p:sp>
+      <p:sp>
+        <p:nvSpPr>
+          <p:cNvPr id="42" name="矩形 41"/>
+          <p:cNvSpPr/>
+          <p:nvPr/>
+        </p:nvSpPr>
+        <p:spPr>
+          <a:xfrm>
+            <a:off x="4006215" y="5196840"/>
+            <a:ext cx="1078230" cy="335915"/>
+          </a:xfrm>
+          <a:prstGeom prst="rect">
+            <a:avLst/>
+          </a:prstGeom>
+          <a:solidFill>
+            <a:schemeClr val="bg1"/>
+          </a:solidFill>
+        </p:spPr>
+        <p:style>
+          <a:lnRef idx="2">
+            <a:schemeClr val="accent1">
+              <a:shade val="50000"/>
+            </a:schemeClr>
+          </a:lnRef>
+          <a:fillRef idx="1">
+            <a:schemeClr val="accent1"/>
+          </a:fillRef>
+          <a:effectRef idx="0">
+            <a:schemeClr val="accent1"/>
+          </a:effectRef>
+          <a:fontRef idx="minor">
+            <a:schemeClr val="lt1"/>
+          </a:fontRef>
+        </p:style>
+        <p:txBody>
+          <a:bodyPr rtlCol="0" anchor="ctr"/>
+          <a:p>
+            <a:pPr algn="ctr"/>
+            <a:r>
+              <a:rPr lang="en-US" altLang="zh-CN">
+                <a:solidFill>
+                  <a:schemeClr val="tx1"/>
+                </a:solidFill>
+              </a:rPr>
+              <a:t>Flume</a:t>
+            </a:r>
+            <a:endParaRPr lang="en-US" altLang="zh-CN">
+              <a:solidFill>
+                <a:schemeClr val="tx1"/>
+              </a:solidFill>
+            </a:endParaRPr>
+          </a:p>
+        </p:txBody>
+      </p:sp>
+      <p:sp>
+        <p:nvSpPr>
+          <p:cNvPr id="43" name="矩形 42"/>
+          <p:cNvSpPr/>
+          <p:nvPr/>
+        </p:nvSpPr>
+        <p:spPr>
+          <a:xfrm>
+            <a:off x="2533650" y="3389630"/>
+            <a:ext cx="1078230" cy="335915"/>
+          </a:xfrm>
+          <a:prstGeom prst="rect">
+            <a:avLst/>
+          </a:prstGeom>
+          <a:solidFill>
+            <a:schemeClr val="bg1"/>
+          </a:solidFill>
+        </p:spPr>
+        <p:style>
+          <a:lnRef idx="2">
+            <a:schemeClr val="accent1">
+              <a:shade val="50000"/>
+            </a:schemeClr>
+          </a:lnRef>
+          <a:fillRef idx="1">
+            <a:schemeClr val="accent1"/>
+          </a:fillRef>
+          <a:effectRef idx="0">
+            <a:schemeClr val="accent1"/>
+          </a:effectRef>
+          <a:fontRef idx="minor">
+            <a:schemeClr val="lt1"/>
+          </a:fontRef>
+        </p:style>
+        <p:txBody>
+          <a:bodyPr rtlCol="0" anchor="ctr"/>
+          <a:p>
+            <a:pPr algn="ctr"/>
+            <a:r>
+              <a:rPr lang="en-US" altLang="zh-CN">
+                <a:solidFill>
+                  <a:schemeClr val="tx1"/>
+                </a:solidFill>
+              </a:rPr>
+              <a:t>Sqoop</a:t>
+            </a:r>
+            <a:endParaRPr lang="en-US" altLang="zh-CN">
+              <a:solidFill>
+                <a:schemeClr val="tx1"/>
+              </a:solidFill>
+            </a:endParaRPr>
+          </a:p>
+        </p:txBody>
+      </p:sp>
+    </p:spTree>
+    <p:custDataLst>
+      <p:tags r:id="rId1"/>
+    </p:custDataLst>
+  </p:cSld>
+  <p:clrMapOvr>
+    <a:masterClrMapping/>
+  </p:clrMapOvr>
+</p:sld>
+</file>
+
+<file path=ppt/slides/slide6.xml><?xml version="1.0" encoding="utf-8"?>
 <p:sld xmlns:a="http://schemas.openxmlformats.org/drawingml/2006/main" xmlns:r="http://schemas.openxmlformats.org/officeDocument/2006/relationships" xmlns:p="http://schemas.openxmlformats.org/presentationml/2006/main">
   <p:cSld>
     <p:spTree>

--- a/ppt/BI.pptx
+++ b/ppt/BI.pptx
@@ -9,8 +9,8 @@
   </p:notesMasterIdLst>
   <p:sldIdLst>
     <p:sldId id="257" r:id="rId3"/>
-    <p:sldId id="262" r:id="rId4"/>
-    <p:sldId id="256" r:id="rId5"/>
+    <p:sldId id="256" r:id="rId4"/>
+    <p:sldId id="262" r:id="rId5"/>
     <p:sldId id="258" r:id="rId6"/>
     <p:sldId id="260" r:id="rId8"/>
     <p:sldId id="261" r:id="rId9"/>
@@ -3505,14 +3505,14 @@
       <p:grpSpPr/>
       <p:sp>
         <p:nvSpPr>
-          <p:cNvPr id="4" name="圆角矩形 3"/>
+          <p:cNvPr id="10" name="圆角矩形 9"/>
           <p:cNvSpPr/>
           <p:nvPr/>
         </p:nvSpPr>
         <p:spPr>
           <a:xfrm>
-            <a:off x="565785" y="2248535"/>
-            <a:ext cx="1720215" cy="1607820"/>
+            <a:off x="4117975" y="1449070"/>
+            <a:ext cx="1616075" cy="538480"/>
           </a:xfrm>
           <a:prstGeom prst="roundRect">
             <a:avLst/>
@@ -3520,63 +3520,699 @@
         </p:spPr>
         <p:style>
           <a:lnRef idx="2">
-            <a:schemeClr val="accent6"/>
+            <a:schemeClr val="accent1">
+              <a:shade val="50000"/>
+            </a:schemeClr>
           </a:lnRef>
           <a:fillRef idx="1">
+            <a:schemeClr val="accent1"/>
+          </a:fillRef>
+          <a:effectRef idx="0">
+            <a:schemeClr val="accent1"/>
+          </a:effectRef>
+          <a:fontRef idx="minor">
             <a:schemeClr val="lt1"/>
-          </a:fillRef>
-          <a:effectRef idx="0">
-            <a:schemeClr val="accent6"/>
-          </a:effectRef>
-          <a:fontRef idx="minor">
-            <a:schemeClr val="dk1"/>
           </a:fontRef>
         </p:style>
         <p:txBody>
           <a:bodyPr rtlCol="0" anchor="ctr"/>
           <a:p>
             <a:pPr algn="ctr"/>
+            <a:r>
+              <a:rPr lang="en-US" altLang="zh-CN"/>
+              <a:t>namenode</a:t>
+            </a:r>
+            <a:endParaRPr lang="en-US" altLang="zh-CN"/>
+          </a:p>
+          <a:p>
+            <a:pPr algn="ctr"/>
+            <a:r>
+              <a:rPr lang="en-US" altLang="zh-CN"/>
+              <a:t>(active)</a:t>
+            </a:r>
+            <a:endParaRPr lang="en-US" altLang="zh-CN"/>
+          </a:p>
+        </p:txBody>
+      </p:sp>
+      <p:sp>
+        <p:nvSpPr>
+          <p:cNvPr id="11" name="圆角矩形 10"/>
+          <p:cNvSpPr/>
+          <p:nvPr/>
+        </p:nvSpPr>
+        <p:spPr>
+          <a:xfrm>
+            <a:off x="6821170" y="1457960"/>
+            <a:ext cx="1616075" cy="538480"/>
+          </a:xfrm>
+          <a:prstGeom prst="roundRect">
+            <a:avLst/>
+          </a:prstGeom>
+        </p:spPr>
+        <p:style>
+          <a:lnRef idx="2">
+            <a:schemeClr val="accent1">
+              <a:shade val="50000"/>
+            </a:schemeClr>
+          </a:lnRef>
+          <a:fillRef idx="1">
+            <a:schemeClr val="accent1"/>
+          </a:fillRef>
+          <a:effectRef idx="0">
+            <a:schemeClr val="accent1"/>
+          </a:effectRef>
+          <a:fontRef idx="minor">
+            <a:schemeClr val="lt1"/>
+          </a:fontRef>
+        </p:style>
+        <p:txBody>
+          <a:bodyPr rtlCol="0" anchor="ctr"/>
+          <a:p>
+            <a:pPr algn="ctr"/>
+            <a:r>
+              <a:rPr lang="en-US" altLang="zh-CN"/>
+              <a:t>namenode</a:t>
+            </a:r>
+            <a:endParaRPr lang="en-US" altLang="zh-CN"/>
+          </a:p>
+          <a:p>
+            <a:pPr algn="ctr"/>
+            <a:r>
+              <a:rPr lang="en-US" altLang="zh-CN"/>
+              <a:t>(standby)</a:t>
+            </a:r>
+            <a:endParaRPr lang="en-US" altLang="zh-CN"/>
+          </a:p>
+        </p:txBody>
+      </p:sp>
+      <p:sp>
+        <p:nvSpPr>
+          <p:cNvPr id="12" name="圆角矩形 11"/>
+          <p:cNvSpPr/>
+          <p:nvPr/>
+        </p:nvSpPr>
+        <p:spPr>
+          <a:xfrm>
+            <a:off x="3016250" y="3390900"/>
+            <a:ext cx="1616075" cy="821690"/>
+          </a:xfrm>
+          <a:prstGeom prst="roundRect">
+            <a:avLst/>
+          </a:prstGeom>
+        </p:spPr>
+        <p:style>
+          <a:lnRef idx="2">
+            <a:schemeClr val="accent1">
+              <a:shade val="50000"/>
+            </a:schemeClr>
+          </a:lnRef>
+          <a:fillRef idx="1">
+            <a:schemeClr val="accent1"/>
+          </a:fillRef>
+          <a:effectRef idx="0">
+            <a:schemeClr val="accent1"/>
+          </a:effectRef>
+          <a:fontRef idx="minor">
+            <a:schemeClr val="lt1"/>
+          </a:fontRef>
+        </p:style>
+        <p:txBody>
+          <a:bodyPr rtlCol="0" anchor="ctr"/>
+          <a:p>
+            <a:pPr algn="ctr"/>
+            <a:r>
+              <a:rPr lang="en-US" altLang="zh-CN"/>
+              <a:t>datanode</a:t>
+            </a:r>
+            <a:endParaRPr lang="en-US" altLang="zh-CN"/>
+          </a:p>
+          <a:p>
+            <a:pPr algn="ctr"/>
+            <a:r>
+              <a:rPr lang="en-US" altLang="zh-CN">
+                <a:sym typeface="+mn-ea"/>
+              </a:rPr>
+              <a:t>zookeeper</a:t>
+            </a:r>
+            <a:endParaRPr lang="en-US" altLang="zh-CN">
+              <a:sym typeface="+mn-ea"/>
+            </a:endParaRPr>
+          </a:p>
+          <a:p>
+            <a:pPr algn="ctr"/>
+            <a:r>
+              <a:rPr lang="en-US" altLang="zh-CN"/>
+              <a:t>hive</a:t>
+            </a:r>
+            <a:endParaRPr lang="en-US" altLang="zh-CN"/>
+          </a:p>
+        </p:txBody>
+      </p:sp>
+      <p:sp>
+        <p:nvSpPr>
+          <p:cNvPr id="16" name="圆柱形 15"/>
+          <p:cNvSpPr/>
+          <p:nvPr/>
+        </p:nvSpPr>
+        <p:spPr>
+          <a:xfrm>
+            <a:off x="725805" y="3538220"/>
+            <a:ext cx="716280" cy="952500"/>
+          </a:xfrm>
+          <a:prstGeom prst="can">
+            <a:avLst/>
+          </a:prstGeom>
+        </p:spPr>
+        <p:style>
+          <a:lnRef idx="2">
+            <a:schemeClr val="accent1">
+              <a:shade val="50000"/>
+            </a:schemeClr>
+          </a:lnRef>
+          <a:fillRef idx="1">
+            <a:schemeClr val="accent1"/>
+          </a:fillRef>
+          <a:effectRef idx="0">
+            <a:schemeClr val="accent1"/>
+          </a:effectRef>
+          <a:fontRef idx="minor">
+            <a:schemeClr val="lt1"/>
+          </a:fontRef>
+        </p:style>
+        <p:txBody>
+          <a:bodyPr rtlCol="0" anchor="ctr"/>
+          <a:p>
+            <a:pPr algn="ctr"/>
+            <a:r>
+              <a:rPr lang="en-US" altLang="zh-CN"/>
+              <a:t>DB</a:t>
+            </a:r>
+            <a:endParaRPr lang="en-US" altLang="zh-CN"/>
+          </a:p>
+        </p:txBody>
+      </p:sp>
+      <p:sp>
+        <p:nvSpPr>
+          <p:cNvPr id="22" name="圆角矩形 21"/>
+          <p:cNvSpPr/>
+          <p:nvPr/>
+        </p:nvSpPr>
+        <p:spPr>
+          <a:xfrm>
+            <a:off x="5370830" y="3406140"/>
+            <a:ext cx="1616075" cy="821690"/>
+          </a:xfrm>
+          <a:prstGeom prst="roundRect">
+            <a:avLst/>
+          </a:prstGeom>
+        </p:spPr>
+        <p:style>
+          <a:lnRef idx="2">
+            <a:schemeClr val="accent1">
+              <a:shade val="50000"/>
+            </a:schemeClr>
+          </a:lnRef>
+          <a:fillRef idx="1">
+            <a:schemeClr val="accent1"/>
+          </a:fillRef>
+          <a:effectRef idx="0">
+            <a:schemeClr val="accent1"/>
+          </a:effectRef>
+          <a:fontRef idx="minor">
+            <a:schemeClr val="lt1"/>
+          </a:fontRef>
+        </p:style>
+        <p:txBody>
+          <a:bodyPr rtlCol="0" anchor="ctr"/>
+          <a:p>
+            <a:pPr algn="ctr"/>
+            <a:r>
+              <a:rPr lang="en-US" altLang="zh-CN"/>
+              <a:t>datanode</a:t>
+            </a:r>
+            <a:endParaRPr lang="en-US" altLang="zh-CN"/>
+          </a:p>
+          <a:p>
+            <a:pPr algn="ctr"/>
+            <a:r>
+              <a:rPr lang="en-US" altLang="zh-CN">
+                <a:sym typeface="+mn-ea"/>
+              </a:rPr>
+              <a:t>zookeeper</a:t>
+            </a:r>
+            <a:endParaRPr lang="en-US" altLang="zh-CN">
+              <a:sym typeface="+mn-ea"/>
+            </a:endParaRPr>
+          </a:p>
+          <a:p>
+            <a:pPr algn="ctr"/>
+            <a:r>
+              <a:rPr lang="en-US" altLang="zh-CN"/>
+              <a:t>oozie</a:t>
+            </a:r>
+            <a:endParaRPr lang="en-US" altLang="zh-CN"/>
+          </a:p>
+        </p:txBody>
+      </p:sp>
+      <p:sp>
+        <p:nvSpPr>
+          <p:cNvPr id="23" name="圆角矩形 22"/>
+          <p:cNvSpPr/>
+          <p:nvPr/>
+        </p:nvSpPr>
+        <p:spPr>
+          <a:xfrm>
+            <a:off x="7702550" y="3392805"/>
+            <a:ext cx="1616075" cy="821690"/>
+          </a:xfrm>
+          <a:prstGeom prst="roundRect">
+            <a:avLst/>
+          </a:prstGeom>
+        </p:spPr>
+        <p:style>
+          <a:lnRef idx="2">
+            <a:schemeClr val="accent1">
+              <a:shade val="50000"/>
+            </a:schemeClr>
+          </a:lnRef>
+          <a:fillRef idx="1">
+            <a:schemeClr val="accent1"/>
+          </a:fillRef>
+          <a:effectRef idx="0">
+            <a:schemeClr val="accent1"/>
+          </a:effectRef>
+          <a:fontRef idx="minor">
+            <a:schemeClr val="lt1"/>
+          </a:fontRef>
+        </p:style>
+        <p:txBody>
+          <a:bodyPr rtlCol="0" anchor="ctr"/>
+          <a:p>
+            <a:pPr algn="ctr"/>
+            <a:r>
+              <a:rPr lang="en-US" altLang="zh-CN"/>
+              <a:t>datanode</a:t>
+            </a:r>
+            <a:endParaRPr lang="en-US" altLang="zh-CN"/>
+          </a:p>
+          <a:p>
+            <a:pPr algn="ctr"/>
+            <a:r>
+              <a:rPr lang="en-US" altLang="zh-CN">
+                <a:sym typeface="+mn-ea"/>
+              </a:rPr>
+              <a:t>zookeeper</a:t>
+            </a:r>
+            <a:endParaRPr lang="en-US" altLang="zh-CN">
+              <a:sym typeface="+mn-ea"/>
+            </a:endParaRPr>
+          </a:p>
+          <a:p>
+            <a:pPr algn="ctr"/>
+            <a:r>
+              <a:rPr lang="en-US" altLang="zh-CN"/>
+              <a:t>hue</a:t>
+            </a:r>
+            <a:endParaRPr lang="en-US" altLang="zh-CN"/>
+          </a:p>
+        </p:txBody>
+      </p:sp>
+      <p:sp>
+        <p:nvSpPr>
+          <p:cNvPr id="24" name="文本框 23"/>
+          <p:cNvSpPr txBox="1"/>
+          <p:nvPr/>
+        </p:nvSpPr>
+        <p:spPr>
+          <a:xfrm>
+            <a:off x="594995" y="932815"/>
+            <a:ext cx="1671320" cy="1476375"/>
+          </a:xfrm>
+          <a:prstGeom prst="rect">
+            <a:avLst/>
+          </a:prstGeom>
+          <a:noFill/>
+        </p:spPr>
+        <p:txBody>
+          <a:bodyPr wrap="none" rtlCol="0">
+            <a:spAutoFit/>
+          </a:bodyPr>
+          <a:p>
+            <a:r>
+              <a:rPr lang="zh-CN" altLang="en-US"/>
+              <a:t>测试最小环境</a:t>
+            </a:r>
             <a:endParaRPr lang="zh-CN" altLang="en-US"/>
           </a:p>
-        </p:txBody>
-      </p:sp>
-      <p:sp>
-        <p:nvSpPr>
-          <p:cNvPr id="5" name="圆角矩形 4"/>
-          <p:cNvSpPr/>
-          <p:nvPr/>
-        </p:nvSpPr>
-        <p:spPr>
-          <a:xfrm>
-            <a:off x="4677410" y="2267585"/>
-            <a:ext cx="1720215" cy="1607820"/>
-          </a:xfrm>
-          <a:prstGeom prst="roundRect">
-            <a:avLst/>
-          </a:prstGeom>
-        </p:spPr>
-        <p:style>
-          <a:lnRef idx="2">
-            <a:schemeClr val="accent6"/>
-          </a:lnRef>
-          <a:fillRef idx="1">
-            <a:schemeClr val="lt1"/>
-          </a:fillRef>
-          <a:effectRef idx="0">
-            <a:schemeClr val="accent6"/>
-          </a:effectRef>
-          <a:fontRef idx="minor">
-            <a:schemeClr val="dk1"/>
-          </a:fontRef>
-        </p:style>
-        <p:txBody>
-          <a:bodyPr rtlCol="0" anchor="ctr"/>
-          <a:p>
-            <a:pPr algn="ctr"/>
-            <a:endParaRPr lang="zh-CN" altLang="en-US"/>
-          </a:p>
-        </p:txBody>
-      </p:sp>
+          <a:p>
+            <a:r>
+              <a:rPr lang="en-US" altLang="zh-CN"/>
+              <a:t>namenode</a:t>
+            </a:r>
+            <a:r>
+              <a:rPr lang="zh-CN" altLang="en-US"/>
+              <a:t>：</a:t>
+            </a:r>
+            <a:r>
+              <a:rPr lang="en-US" altLang="zh-CN"/>
+              <a:t>8G</a:t>
+            </a:r>
+            <a:endParaRPr lang="en-US" altLang="zh-CN"/>
+          </a:p>
+          <a:p>
+            <a:r>
+              <a:rPr lang="en-US" altLang="zh-CN"/>
+              <a:t>datanode</a:t>
+            </a:r>
+            <a:r>
+              <a:rPr lang="zh-CN" altLang="en-US"/>
+              <a:t>：</a:t>
+            </a:r>
+            <a:r>
+              <a:rPr lang="en-US" altLang="zh-CN"/>
+              <a:t>4G</a:t>
+            </a:r>
+            <a:endParaRPr lang="en-US" altLang="zh-CN"/>
+          </a:p>
+          <a:p>
+            <a:r>
+              <a:rPr lang="zh-CN" altLang="en-US"/>
+              <a:t>硬盘：</a:t>
+            </a:r>
+            <a:r>
+              <a:rPr lang="en-US" altLang="zh-CN"/>
+              <a:t>200</a:t>
+            </a:r>
+            <a:r>
+              <a:rPr lang="en-US" altLang="zh-CN"/>
+              <a:t>G</a:t>
+            </a:r>
+            <a:endParaRPr lang="en-US" altLang="zh-CN"/>
+          </a:p>
+          <a:p>
+            <a:r>
+              <a:rPr lang="zh-CN" altLang="en-US"/>
+              <a:t>分片数：</a:t>
+            </a:r>
+            <a:r>
+              <a:rPr lang="en-US" altLang="zh-CN"/>
+              <a:t>2</a:t>
+            </a:r>
+            <a:endParaRPr lang="en-US" altLang="zh-CN"/>
+          </a:p>
+        </p:txBody>
+      </p:sp>
+      <p:cxnSp>
+        <p:nvCxnSpPr>
+          <p:cNvPr id="27" name="直接箭头连接符 26"/>
+          <p:cNvCxnSpPr>
+            <a:stCxn id="22" idx="0"/>
+          </p:cNvCxnSpPr>
+          <p:nvPr/>
+        </p:nvCxnSpPr>
+        <p:spPr>
+          <a:xfrm>
+            <a:off x="6179185" y="3406140"/>
+            <a:ext cx="0" cy="0"/>
+          </a:xfrm>
+          <a:prstGeom prst="straightConnector1">
+            <a:avLst/>
+          </a:prstGeom>
+          <a:ln>
+            <a:headEnd type="arrow"/>
+            <a:tailEnd type="arrow"/>
+          </a:ln>
+        </p:spPr>
+        <p:style>
+          <a:lnRef idx="1">
+            <a:schemeClr val="accent1"/>
+          </a:lnRef>
+          <a:fillRef idx="0">
+            <a:schemeClr val="accent1"/>
+          </a:fillRef>
+          <a:effectRef idx="0">
+            <a:schemeClr val="accent1"/>
+          </a:effectRef>
+          <a:fontRef idx="minor">
+            <a:schemeClr val="tx1"/>
+          </a:fontRef>
+        </p:style>
+      </p:cxnSp>
+      <p:cxnSp>
+        <p:nvCxnSpPr>
+          <p:cNvPr id="33" name="直接箭头连接符 32"/>
+          <p:cNvCxnSpPr>
+            <a:endCxn id="12" idx="0"/>
+          </p:cNvCxnSpPr>
+          <p:nvPr/>
+        </p:nvCxnSpPr>
+        <p:spPr>
+          <a:xfrm flipH="1">
+            <a:off x="3824605" y="2019935"/>
+            <a:ext cx="1127125" cy="1370965"/>
+          </a:xfrm>
+          <a:prstGeom prst="straightConnector1">
+            <a:avLst/>
+          </a:prstGeom>
+          <a:ln>
+            <a:headEnd type="arrow"/>
+            <a:tailEnd type="arrow"/>
+          </a:ln>
+        </p:spPr>
+        <p:style>
+          <a:lnRef idx="1">
+            <a:schemeClr val="accent1"/>
+          </a:lnRef>
+          <a:fillRef idx="0">
+            <a:schemeClr val="accent1"/>
+          </a:fillRef>
+          <a:effectRef idx="0">
+            <a:schemeClr val="accent1"/>
+          </a:effectRef>
+          <a:fontRef idx="minor">
+            <a:schemeClr val="tx1"/>
+          </a:fontRef>
+        </p:style>
+      </p:cxnSp>
+      <p:cxnSp>
+        <p:nvCxnSpPr>
+          <p:cNvPr id="34" name="直接箭头连接符 33"/>
+          <p:cNvCxnSpPr>
+            <a:stCxn id="11" idx="2"/>
+            <a:endCxn id="12" idx="0"/>
+          </p:cNvCxnSpPr>
+          <p:nvPr/>
+        </p:nvCxnSpPr>
+        <p:spPr>
+          <a:xfrm flipH="1">
+            <a:off x="3824605" y="1996440"/>
+            <a:ext cx="3804920" cy="1394460"/>
+          </a:xfrm>
+          <a:prstGeom prst="straightConnector1">
+            <a:avLst/>
+          </a:prstGeom>
+          <a:ln>
+            <a:headEnd type="arrow"/>
+            <a:tailEnd type="arrow"/>
+          </a:ln>
+        </p:spPr>
+        <p:style>
+          <a:lnRef idx="1">
+            <a:schemeClr val="accent1"/>
+          </a:lnRef>
+          <a:fillRef idx="0">
+            <a:schemeClr val="accent1"/>
+          </a:fillRef>
+          <a:effectRef idx="0">
+            <a:schemeClr val="accent1"/>
+          </a:effectRef>
+          <a:fontRef idx="minor">
+            <a:schemeClr val="tx1"/>
+          </a:fontRef>
+        </p:style>
+      </p:cxnSp>
+      <p:cxnSp>
+        <p:nvCxnSpPr>
+          <p:cNvPr id="35" name="直接箭头连接符 34"/>
+          <p:cNvCxnSpPr>
+            <a:stCxn id="22" idx="0"/>
+          </p:cNvCxnSpPr>
+          <p:nvPr/>
+        </p:nvCxnSpPr>
+        <p:spPr>
+          <a:xfrm flipH="1" flipV="1">
+            <a:off x="4923155" y="1982470"/>
+            <a:ext cx="1256030" cy="1423670"/>
+          </a:xfrm>
+          <a:prstGeom prst="straightConnector1">
+            <a:avLst/>
+          </a:prstGeom>
+          <a:ln>
+            <a:headEnd type="arrow"/>
+            <a:tailEnd type="arrow"/>
+          </a:ln>
+        </p:spPr>
+        <p:style>
+          <a:lnRef idx="1">
+            <a:schemeClr val="accent1"/>
+          </a:lnRef>
+          <a:fillRef idx="0">
+            <a:schemeClr val="accent1"/>
+          </a:fillRef>
+          <a:effectRef idx="0">
+            <a:schemeClr val="accent1"/>
+          </a:effectRef>
+          <a:fontRef idx="minor">
+            <a:schemeClr val="tx1"/>
+          </a:fontRef>
+        </p:style>
+      </p:cxnSp>
+      <p:cxnSp>
+        <p:nvCxnSpPr>
+          <p:cNvPr id="36" name="直接箭头连接符 35"/>
+          <p:cNvCxnSpPr>
+            <a:stCxn id="22" idx="0"/>
+            <a:endCxn id="11" idx="2"/>
+          </p:cNvCxnSpPr>
+          <p:nvPr/>
+        </p:nvCxnSpPr>
+        <p:spPr>
+          <a:xfrm flipV="1">
+            <a:off x="6179185" y="1996440"/>
+            <a:ext cx="1450340" cy="1409700"/>
+          </a:xfrm>
+          <a:prstGeom prst="straightConnector1">
+            <a:avLst/>
+          </a:prstGeom>
+          <a:ln>
+            <a:headEnd type="arrow"/>
+            <a:tailEnd type="arrow"/>
+          </a:ln>
+        </p:spPr>
+        <p:style>
+          <a:lnRef idx="1">
+            <a:schemeClr val="accent1"/>
+          </a:lnRef>
+          <a:fillRef idx="0">
+            <a:schemeClr val="accent1"/>
+          </a:fillRef>
+          <a:effectRef idx="0">
+            <a:schemeClr val="accent1"/>
+          </a:effectRef>
+          <a:fontRef idx="minor">
+            <a:schemeClr val="tx1"/>
+          </a:fontRef>
+        </p:style>
+      </p:cxnSp>
+      <p:cxnSp>
+        <p:nvCxnSpPr>
+          <p:cNvPr id="37" name="直接箭头连接符 36"/>
+          <p:cNvCxnSpPr>
+            <a:stCxn id="23" idx="0"/>
+          </p:cNvCxnSpPr>
+          <p:nvPr/>
+        </p:nvCxnSpPr>
+        <p:spPr>
+          <a:xfrm flipH="1" flipV="1">
+            <a:off x="4923155" y="2001520"/>
+            <a:ext cx="3587750" cy="1391285"/>
+          </a:xfrm>
+          <a:prstGeom prst="straightConnector1">
+            <a:avLst/>
+          </a:prstGeom>
+          <a:ln>
+            <a:headEnd type="arrow"/>
+            <a:tailEnd type="arrow"/>
+          </a:ln>
+        </p:spPr>
+        <p:style>
+          <a:lnRef idx="1">
+            <a:schemeClr val="accent1"/>
+          </a:lnRef>
+          <a:fillRef idx="0">
+            <a:schemeClr val="accent1"/>
+          </a:fillRef>
+          <a:effectRef idx="0">
+            <a:schemeClr val="accent1"/>
+          </a:effectRef>
+          <a:fontRef idx="minor">
+            <a:schemeClr val="tx1"/>
+          </a:fontRef>
+        </p:style>
+      </p:cxnSp>
+      <p:cxnSp>
+        <p:nvCxnSpPr>
+          <p:cNvPr id="38" name="直接箭头连接符 37"/>
+          <p:cNvCxnSpPr>
+            <a:stCxn id="23" idx="0"/>
+          </p:cNvCxnSpPr>
+          <p:nvPr/>
+        </p:nvCxnSpPr>
+        <p:spPr>
+          <a:xfrm flipH="1" flipV="1">
+            <a:off x="7616825" y="1972945"/>
+            <a:ext cx="894080" cy="1419860"/>
+          </a:xfrm>
+          <a:prstGeom prst="straightConnector1">
+            <a:avLst/>
+          </a:prstGeom>
+          <a:ln>
+            <a:headEnd type="arrow"/>
+            <a:tailEnd type="arrow"/>
+          </a:ln>
+        </p:spPr>
+        <p:style>
+          <a:lnRef idx="1">
+            <a:schemeClr val="accent1"/>
+          </a:lnRef>
+          <a:fillRef idx="0">
+            <a:schemeClr val="accent1"/>
+          </a:fillRef>
+          <a:effectRef idx="0">
+            <a:schemeClr val="accent1"/>
+          </a:effectRef>
+          <a:fontRef idx="minor">
+            <a:schemeClr val="tx1"/>
+          </a:fontRef>
+        </p:style>
+      </p:cxnSp>
+      <p:cxnSp>
+        <p:nvCxnSpPr>
+          <p:cNvPr id="39" name="直接箭头连接符 38"/>
+          <p:cNvCxnSpPr>
+            <a:stCxn id="12" idx="1"/>
+            <a:endCxn id="16" idx="4"/>
+          </p:cNvCxnSpPr>
+          <p:nvPr/>
+        </p:nvCxnSpPr>
+        <p:spPr>
+          <a:xfrm flipH="1">
+            <a:off x="1442085" y="3801745"/>
+            <a:ext cx="1574165" cy="212725"/>
+          </a:xfrm>
+          <a:prstGeom prst="straightConnector1">
+            <a:avLst/>
+          </a:prstGeom>
+          <a:ln>
+            <a:headEnd type="arrow"/>
+            <a:tailEnd type="arrow"/>
+          </a:ln>
+        </p:spPr>
+        <p:style>
+          <a:lnRef idx="1">
+            <a:schemeClr val="accent1"/>
+          </a:lnRef>
+          <a:fillRef idx="0">
+            <a:schemeClr val="accent1"/>
+          </a:fillRef>
+          <a:effectRef idx="0">
+            <a:schemeClr val="accent1"/>
+          </a:effectRef>
+          <a:fontRef idx="minor">
+            <a:schemeClr val="tx1"/>
+          </a:fontRef>
+        </p:style>
+      </p:cxnSp>
     </p:spTree>
   </p:cSld>
   <p:clrMapOvr>
@@ -3586,6 +4222,1311 @@
 </file>
 
 <file path=ppt/slides/slide2.xml><?xml version="1.0" encoding="utf-8"?>
+<p:sld xmlns:a="http://schemas.openxmlformats.org/drawingml/2006/main" xmlns:r="http://schemas.openxmlformats.org/officeDocument/2006/relationships" xmlns:p="http://schemas.openxmlformats.org/presentationml/2006/main">
+  <p:cSld>
+    <p:spTree>
+      <p:nvGrpSpPr>
+        <p:cNvPr id="1" name=""/>
+        <p:cNvGrpSpPr/>
+        <p:nvPr/>
+      </p:nvGrpSpPr>
+      <p:grpSpPr>
+        <a:xfrm>
+          <a:off x="0" y="0"/>
+          <a:ext cx="0" cy="0"/>
+          <a:chOff x="0" y="0"/>
+          <a:chExt cx="0" cy="0"/>
+        </a:xfrm>
+      </p:grpSpPr>
+      <p:sp>
+        <p:nvSpPr>
+          <p:cNvPr id="4" name="圆角矩形 3"/>
+          <p:cNvSpPr/>
+          <p:nvPr/>
+        </p:nvSpPr>
+        <p:spPr>
+          <a:xfrm>
+            <a:off x="4312249" y="615484"/>
+            <a:ext cx="3147463" cy="558265"/>
+          </a:xfrm>
+          <a:prstGeom prst="roundRect">
+            <a:avLst/>
+          </a:prstGeom>
+        </p:spPr>
+        <p:style>
+          <a:lnRef idx="2">
+            <a:schemeClr val="accent1"/>
+          </a:lnRef>
+          <a:fillRef idx="1">
+            <a:schemeClr val="lt1"/>
+          </a:fillRef>
+          <a:effectRef idx="0">
+            <a:schemeClr val="accent1"/>
+          </a:effectRef>
+          <a:fontRef idx="minor">
+            <a:schemeClr val="dk1"/>
+          </a:fontRef>
+        </p:style>
+        <p:txBody>
+          <a:bodyPr rtlCol="0" anchor="ctr"/>
+          <a:lstStyle/>
+          <a:p>
+            <a:pPr algn="ctr"/>
+            <a:endParaRPr lang="zh-CN" altLang="en-US" dirty="0"/>
+          </a:p>
+        </p:txBody>
+      </p:sp>
+      <p:sp>
+        <p:nvSpPr>
+          <p:cNvPr id="6" name="圆角矩形 5"/>
+          <p:cNvSpPr/>
+          <p:nvPr/>
+        </p:nvSpPr>
+        <p:spPr>
+          <a:xfrm>
+            <a:off x="5452844" y="711738"/>
+            <a:ext cx="856647" cy="385010"/>
+          </a:xfrm>
+          <a:prstGeom prst="roundRect">
+            <a:avLst/>
+          </a:prstGeom>
+        </p:spPr>
+        <p:style>
+          <a:lnRef idx="2">
+            <a:schemeClr val="accent4">
+              <a:shade val="50000"/>
+            </a:schemeClr>
+          </a:lnRef>
+          <a:fillRef idx="1">
+            <a:schemeClr val="accent4"/>
+          </a:fillRef>
+          <a:effectRef idx="0">
+            <a:schemeClr val="accent4"/>
+          </a:effectRef>
+          <a:fontRef idx="minor">
+            <a:schemeClr val="lt1"/>
+          </a:fontRef>
+        </p:style>
+        <p:txBody>
+          <a:bodyPr rtlCol="0" anchor="ctr"/>
+          <a:lstStyle/>
+          <a:p>
+            <a:pPr algn="ctr"/>
+            <a:r>
+              <a:rPr lang="en-US" altLang="zh-CN" dirty="0" smtClean="0">
+                <a:solidFill>
+                  <a:srgbClr val="0070C0"/>
+                </a:solidFill>
+              </a:rPr>
+              <a:t>ZK</a:t>
+            </a:r>
+            <a:endParaRPr lang="zh-CN" altLang="en-US" dirty="0">
+              <a:solidFill>
+                <a:srgbClr val="0070C0"/>
+              </a:solidFill>
+            </a:endParaRPr>
+          </a:p>
+        </p:txBody>
+      </p:sp>
+      <p:sp>
+        <p:nvSpPr>
+          <p:cNvPr id="8" name="圆角矩形 7"/>
+          <p:cNvSpPr/>
+          <p:nvPr/>
+        </p:nvSpPr>
+        <p:spPr>
+          <a:xfrm>
+            <a:off x="1751929" y="2126649"/>
+            <a:ext cx="1501542" cy="1241658"/>
+          </a:xfrm>
+          <a:prstGeom prst="roundRect">
+            <a:avLst/>
+          </a:prstGeom>
+        </p:spPr>
+        <p:style>
+          <a:lnRef idx="2">
+            <a:schemeClr val="accent4">
+              <a:shade val="50000"/>
+            </a:schemeClr>
+          </a:lnRef>
+          <a:fillRef idx="1">
+            <a:schemeClr val="accent4"/>
+          </a:fillRef>
+          <a:effectRef idx="0">
+            <a:schemeClr val="accent4"/>
+          </a:effectRef>
+          <a:fontRef idx="minor">
+            <a:schemeClr val="lt1"/>
+          </a:fontRef>
+        </p:style>
+        <p:txBody>
+          <a:bodyPr rtlCol="0" anchor="ctr"/>
+          <a:lstStyle/>
+          <a:p>
+            <a:pPr algn="ctr"/>
+            <a:r>
+              <a:rPr lang="en-US" altLang="zh-CN" dirty="0" err="1" smtClean="0"/>
+              <a:t>NameNode</a:t>
+            </a:r>
+            <a:r>
+              <a:rPr lang="en-US" altLang="zh-CN" dirty="0" smtClean="0"/>
+              <a:t>(active)</a:t>
+            </a:r>
+            <a:endParaRPr lang="en-US" altLang="zh-CN" dirty="0" smtClean="0"/>
+          </a:p>
+          <a:p>
+            <a:pPr algn="ctr"/>
+            <a:r>
+              <a:rPr lang="en-US" altLang="zh-CN" dirty="0" err="1" smtClean="0">
+                <a:solidFill>
+                  <a:schemeClr val="tx1"/>
+                </a:solidFill>
+              </a:rPr>
+              <a:t>ResourceManager</a:t>
+            </a:r>
+            <a:endParaRPr lang="zh-CN" altLang="en-US" dirty="0">
+              <a:solidFill>
+                <a:schemeClr val="tx1"/>
+              </a:solidFill>
+            </a:endParaRPr>
+          </a:p>
+        </p:txBody>
+      </p:sp>
+      <p:sp>
+        <p:nvSpPr>
+          <p:cNvPr id="14" name="圆角矩形 13"/>
+          <p:cNvSpPr/>
+          <p:nvPr/>
+        </p:nvSpPr>
+        <p:spPr>
+          <a:xfrm>
+            <a:off x="5053395" y="2309521"/>
+            <a:ext cx="1299411" cy="558264"/>
+          </a:xfrm>
+          <a:prstGeom prst="roundRect">
+            <a:avLst/>
+          </a:prstGeom>
+        </p:spPr>
+        <p:style>
+          <a:lnRef idx="2">
+            <a:schemeClr val="accent4">
+              <a:shade val="50000"/>
+            </a:schemeClr>
+          </a:lnRef>
+          <a:fillRef idx="1">
+            <a:schemeClr val="accent4"/>
+          </a:fillRef>
+          <a:effectRef idx="0">
+            <a:schemeClr val="accent4"/>
+          </a:effectRef>
+          <a:fontRef idx="minor">
+            <a:schemeClr val="lt1"/>
+          </a:fontRef>
+        </p:style>
+        <p:txBody>
+          <a:bodyPr rtlCol="0" anchor="ctr"/>
+          <a:lstStyle/>
+          <a:p>
+            <a:pPr algn="ctr"/>
+            <a:r>
+              <a:rPr lang="en-US" altLang="zh-CN" dirty="0" err="1" smtClean="0"/>
+              <a:t>JouralNode</a:t>
+            </a:r>
+            <a:endParaRPr lang="zh-CN" altLang="en-US" dirty="0"/>
+          </a:p>
+        </p:txBody>
+      </p:sp>
+      <p:sp>
+        <p:nvSpPr>
+          <p:cNvPr id="15" name="圆角矩形 14"/>
+          <p:cNvSpPr/>
+          <p:nvPr/>
+        </p:nvSpPr>
+        <p:spPr>
+          <a:xfrm>
+            <a:off x="5168898" y="2444279"/>
+            <a:ext cx="1299411" cy="558264"/>
+          </a:xfrm>
+          <a:prstGeom prst="roundRect">
+            <a:avLst/>
+          </a:prstGeom>
+        </p:spPr>
+        <p:style>
+          <a:lnRef idx="2">
+            <a:schemeClr val="accent4">
+              <a:shade val="50000"/>
+            </a:schemeClr>
+          </a:lnRef>
+          <a:fillRef idx="1">
+            <a:schemeClr val="accent4"/>
+          </a:fillRef>
+          <a:effectRef idx="0">
+            <a:schemeClr val="accent4"/>
+          </a:effectRef>
+          <a:fontRef idx="minor">
+            <a:schemeClr val="lt1"/>
+          </a:fontRef>
+        </p:style>
+        <p:txBody>
+          <a:bodyPr rtlCol="0" anchor="ctr"/>
+          <a:lstStyle/>
+          <a:p>
+            <a:pPr algn="ctr"/>
+            <a:r>
+              <a:rPr lang="en-US" altLang="zh-CN" dirty="0" err="1" smtClean="0"/>
+              <a:t>JouralNode</a:t>
+            </a:r>
+            <a:endParaRPr lang="zh-CN" altLang="en-US" dirty="0"/>
+          </a:p>
+        </p:txBody>
+      </p:sp>
+      <p:sp>
+        <p:nvSpPr>
+          <p:cNvPr id="16" name="圆角矩形 15"/>
+          <p:cNvSpPr/>
+          <p:nvPr/>
+        </p:nvSpPr>
+        <p:spPr>
+          <a:xfrm>
+            <a:off x="5279586" y="2588662"/>
+            <a:ext cx="1299411" cy="558264"/>
+          </a:xfrm>
+          <a:prstGeom prst="roundRect">
+            <a:avLst/>
+          </a:prstGeom>
+        </p:spPr>
+        <p:style>
+          <a:lnRef idx="2">
+            <a:schemeClr val="accent4">
+              <a:shade val="50000"/>
+            </a:schemeClr>
+          </a:lnRef>
+          <a:fillRef idx="1">
+            <a:schemeClr val="accent4"/>
+          </a:fillRef>
+          <a:effectRef idx="0">
+            <a:schemeClr val="accent4"/>
+          </a:effectRef>
+          <a:fontRef idx="minor">
+            <a:schemeClr val="lt1"/>
+          </a:fontRef>
+        </p:style>
+        <p:txBody>
+          <a:bodyPr rtlCol="0" anchor="ctr"/>
+          <a:lstStyle/>
+          <a:p>
+            <a:pPr algn="ctr"/>
+            <a:r>
+              <a:rPr lang="en-US" altLang="zh-CN" dirty="0" err="1" smtClean="0"/>
+              <a:t>JouralNode</a:t>
+            </a:r>
+            <a:endParaRPr lang="zh-CN" altLang="en-US" dirty="0"/>
+          </a:p>
+        </p:txBody>
+      </p:sp>
+      <p:sp>
+        <p:nvSpPr>
+          <p:cNvPr id="17" name="圆角矩形 16"/>
+          <p:cNvSpPr/>
+          <p:nvPr/>
+        </p:nvSpPr>
+        <p:spPr>
+          <a:xfrm>
+            <a:off x="8494424" y="2126649"/>
+            <a:ext cx="1501542" cy="1222408"/>
+          </a:xfrm>
+          <a:prstGeom prst="roundRect">
+            <a:avLst/>
+          </a:prstGeom>
+        </p:spPr>
+        <p:style>
+          <a:lnRef idx="2">
+            <a:schemeClr val="accent4">
+              <a:shade val="50000"/>
+            </a:schemeClr>
+          </a:lnRef>
+          <a:fillRef idx="1">
+            <a:schemeClr val="accent4"/>
+          </a:fillRef>
+          <a:effectRef idx="0">
+            <a:schemeClr val="accent4"/>
+          </a:effectRef>
+          <a:fontRef idx="minor">
+            <a:schemeClr val="lt1"/>
+          </a:fontRef>
+        </p:style>
+        <p:txBody>
+          <a:bodyPr rtlCol="0" anchor="ctr"/>
+          <a:lstStyle/>
+          <a:p>
+            <a:pPr algn="ctr"/>
+            <a:r>
+              <a:rPr lang="en-US" altLang="zh-CN" dirty="0" err="1" smtClean="0"/>
+              <a:t>NameNode</a:t>
+            </a:r>
+            <a:endParaRPr lang="en-US" altLang="zh-CN" dirty="0" smtClean="0"/>
+          </a:p>
+          <a:p>
+            <a:pPr algn="ctr"/>
+            <a:r>
+              <a:rPr lang="en-US" altLang="zh-CN" dirty="0" smtClean="0"/>
+              <a:t>(standby)</a:t>
+            </a:r>
+            <a:endParaRPr lang="en-US" altLang="zh-CN" dirty="0" smtClean="0"/>
+          </a:p>
+          <a:p>
+            <a:pPr algn="ctr"/>
+            <a:r>
+              <a:rPr lang="en-US" altLang="zh-CN" dirty="0" err="1" smtClean="0">
+                <a:solidFill>
+                  <a:schemeClr val="tx1"/>
+                </a:solidFill>
+              </a:rPr>
+              <a:t>ResourceManager</a:t>
+            </a:r>
+            <a:endParaRPr lang="zh-CN" altLang="en-US" dirty="0">
+              <a:solidFill>
+                <a:schemeClr val="tx1"/>
+              </a:solidFill>
+            </a:endParaRPr>
+          </a:p>
+        </p:txBody>
+      </p:sp>
+      <p:cxnSp>
+        <p:nvCxnSpPr>
+          <p:cNvPr id="19" name="直接箭头连接符 18"/>
+          <p:cNvCxnSpPr>
+            <a:stCxn id="8" idx="0"/>
+            <a:endCxn id="4" idx="1"/>
+          </p:cNvCxnSpPr>
+          <p:nvPr/>
+        </p:nvCxnSpPr>
+        <p:spPr>
+          <a:xfrm flipV="1">
+            <a:off x="2512225" y="894749"/>
+            <a:ext cx="1809115" cy="1231900"/>
+          </a:xfrm>
+          <a:prstGeom prst="straightConnector1">
+            <a:avLst/>
+          </a:prstGeom>
+          <a:ln>
+            <a:tailEnd type="triangle"/>
+          </a:ln>
+        </p:spPr>
+        <p:style>
+          <a:lnRef idx="1">
+            <a:schemeClr val="accent1"/>
+          </a:lnRef>
+          <a:fillRef idx="0">
+            <a:schemeClr val="accent1"/>
+          </a:fillRef>
+          <a:effectRef idx="0">
+            <a:schemeClr val="accent1"/>
+          </a:effectRef>
+          <a:fontRef idx="minor">
+            <a:schemeClr val="tx1"/>
+          </a:fontRef>
+        </p:style>
+      </p:cxnSp>
+      <p:cxnSp>
+        <p:nvCxnSpPr>
+          <p:cNvPr id="21" name="直接箭头连接符 20"/>
+          <p:cNvCxnSpPr>
+            <a:stCxn id="17" idx="0"/>
+            <a:endCxn id="4" idx="3"/>
+          </p:cNvCxnSpPr>
+          <p:nvPr/>
+        </p:nvCxnSpPr>
+        <p:spPr>
+          <a:xfrm flipH="1" flipV="1">
+            <a:off x="7469100" y="894749"/>
+            <a:ext cx="1785620" cy="1231900"/>
+          </a:xfrm>
+          <a:prstGeom prst="straightConnector1">
+            <a:avLst/>
+          </a:prstGeom>
+          <a:ln>
+            <a:tailEnd type="triangle"/>
+          </a:ln>
+        </p:spPr>
+        <p:style>
+          <a:lnRef idx="1">
+            <a:schemeClr val="accent1"/>
+          </a:lnRef>
+          <a:fillRef idx="0">
+            <a:schemeClr val="accent1"/>
+          </a:fillRef>
+          <a:effectRef idx="0">
+            <a:schemeClr val="accent1"/>
+          </a:effectRef>
+          <a:fontRef idx="minor">
+            <a:schemeClr val="tx1"/>
+          </a:fontRef>
+        </p:style>
+      </p:cxnSp>
+      <p:cxnSp>
+        <p:nvCxnSpPr>
+          <p:cNvPr id="23" name="直接箭头连接符 22"/>
+          <p:cNvCxnSpPr>
+            <a:stCxn id="8" idx="3"/>
+            <a:endCxn id="14" idx="1"/>
+          </p:cNvCxnSpPr>
+          <p:nvPr/>
+        </p:nvCxnSpPr>
+        <p:spPr>
+          <a:xfrm flipV="1">
+            <a:off x="3262361" y="2588728"/>
+            <a:ext cx="1799590" cy="158750"/>
+          </a:xfrm>
+          <a:prstGeom prst="straightConnector1">
+            <a:avLst/>
+          </a:prstGeom>
+          <a:ln>
+            <a:tailEnd type="triangle"/>
+          </a:ln>
+        </p:spPr>
+        <p:style>
+          <a:lnRef idx="1">
+            <a:schemeClr val="accent2"/>
+          </a:lnRef>
+          <a:fillRef idx="0">
+            <a:schemeClr val="accent2"/>
+          </a:fillRef>
+          <a:effectRef idx="0">
+            <a:schemeClr val="accent2"/>
+          </a:effectRef>
+          <a:fontRef idx="minor">
+            <a:schemeClr val="tx1"/>
+          </a:fontRef>
+        </p:style>
+      </p:cxnSp>
+      <p:cxnSp>
+        <p:nvCxnSpPr>
+          <p:cNvPr id="28" name="直接箭头连接符 27"/>
+          <p:cNvCxnSpPr>
+            <a:stCxn id="16" idx="3"/>
+            <a:endCxn id="17" idx="1"/>
+          </p:cNvCxnSpPr>
+          <p:nvPr/>
+        </p:nvCxnSpPr>
+        <p:spPr>
+          <a:xfrm flipV="1">
+            <a:off x="6587252" y="2738254"/>
+            <a:ext cx="1915795" cy="130175"/>
+          </a:xfrm>
+          <a:prstGeom prst="straightConnector1">
+            <a:avLst/>
+          </a:prstGeom>
+          <a:ln>
+            <a:tailEnd type="triangle"/>
+          </a:ln>
+        </p:spPr>
+        <p:style>
+          <a:lnRef idx="1">
+            <a:schemeClr val="accent2"/>
+          </a:lnRef>
+          <a:fillRef idx="0">
+            <a:schemeClr val="accent2"/>
+          </a:fillRef>
+          <a:effectRef idx="0">
+            <a:schemeClr val="accent2"/>
+          </a:effectRef>
+          <a:fontRef idx="minor">
+            <a:schemeClr val="tx1"/>
+          </a:fontRef>
+        </p:style>
+      </p:cxnSp>
+      <p:sp>
+        <p:nvSpPr>
+          <p:cNvPr id="31" name="圆角矩形 30"/>
+          <p:cNvSpPr/>
+          <p:nvPr/>
+        </p:nvSpPr>
+        <p:spPr>
+          <a:xfrm>
+            <a:off x="2300569" y="5505118"/>
+            <a:ext cx="1645921" cy="529388"/>
+          </a:xfrm>
+          <a:prstGeom prst="roundRect">
+            <a:avLst/>
+          </a:prstGeom>
+        </p:spPr>
+        <p:style>
+          <a:lnRef idx="1">
+            <a:schemeClr val="accent1"/>
+          </a:lnRef>
+          <a:fillRef idx="2">
+            <a:schemeClr val="accent1"/>
+          </a:fillRef>
+          <a:effectRef idx="1">
+            <a:schemeClr val="accent1"/>
+          </a:effectRef>
+          <a:fontRef idx="minor">
+            <a:schemeClr val="dk1"/>
+          </a:fontRef>
+        </p:style>
+        <p:txBody>
+          <a:bodyPr rtlCol="0" anchor="ctr"/>
+          <a:lstStyle/>
+          <a:p>
+            <a:pPr algn="ctr"/>
+            <a:r>
+              <a:rPr lang="en-US" altLang="zh-CN" dirty="0" err="1" smtClean="0">
+                <a:solidFill>
+                  <a:schemeClr val="bg1"/>
+                </a:solidFill>
+              </a:rPr>
+              <a:t>DataNode</a:t>
+            </a:r>
+            <a:endParaRPr lang="en-US" altLang="zh-CN" dirty="0" smtClean="0">
+              <a:solidFill>
+                <a:schemeClr val="bg1"/>
+              </a:solidFill>
+            </a:endParaRPr>
+          </a:p>
+          <a:p>
+            <a:pPr algn="ctr"/>
+            <a:r>
+              <a:rPr lang="en-US" altLang="zh-CN" dirty="0" err="1" smtClean="0"/>
+              <a:t>NodeManager</a:t>
+            </a:r>
+            <a:endParaRPr lang="en-US" altLang="zh-CN" dirty="0" smtClean="0"/>
+          </a:p>
+        </p:txBody>
+      </p:sp>
+      <p:sp>
+        <p:nvSpPr>
+          <p:cNvPr id="32" name="圆角矩形 31"/>
+          <p:cNvSpPr/>
+          <p:nvPr/>
+        </p:nvSpPr>
+        <p:spPr>
+          <a:xfrm>
+            <a:off x="4283374" y="5505118"/>
+            <a:ext cx="1645921" cy="529388"/>
+          </a:xfrm>
+          <a:prstGeom prst="roundRect">
+            <a:avLst/>
+          </a:prstGeom>
+        </p:spPr>
+        <p:style>
+          <a:lnRef idx="1">
+            <a:schemeClr val="accent1"/>
+          </a:lnRef>
+          <a:fillRef idx="2">
+            <a:schemeClr val="accent1"/>
+          </a:fillRef>
+          <a:effectRef idx="1">
+            <a:schemeClr val="accent1"/>
+          </a:effectRef>
+          <a:fontRef idx="minor">
+            <a:schemeClr val="dk1"/>
+          </a:fontRef>
+        </p:style>
+        <p:txBody>
+          <a:bodyPr rtlCol="0" anchor="ctr"/>
+          <a:lstStyle/>
+          <a:p>
+            <a:pPr algn="ctr"/>
+            <a:r>
+              <a:rPr lang="en-US" altLang="zh-CN" dirty="0" err="1" smtClean="0">
+                <a:solidFill>
+                  <a:schemeClr val="bg1"/>
+                </a:solidFill>
+              </a:rPr>
+              <a:t>DataNode</a:t>
+            </a:r>
+            <a:endParaRPr lang="en-US" altLang="zh-CN" dirty="0" smtClean="0">
+              <a:solidFill>
+                <a:schemeClr val="bg1"/>
+              </a:solidFill>
+            </a:endParaRPr>
+          </a:p>
+          <a:p>
+            <a:pPr algn="ctr"/>
+            <a:r>
+              <a:rPr lang="en-US" altLang="zh-CN" dirty="0" err="1" smtClean="0"/>
+              <a:t>NodeManager</a:t>
+            </a:r>
+            <a:endParaRPr lang="en-US" altLang="zh-CN" dirty="0" smtClean="0"/>
+          </a:p>
+        </p:txBody>
+      </p:sp>
+      <p:sp>
+        <p:nvSpPr>
+          <p:cNvPr id="33" name="圆角矩形 32"/>
+          <p:cNvSpPr/>
+          <p:nvPr/>
+        </p:nvSpPr>
+        <p:spPr>
+          <a:xfrm>
+            <a:off x="6232491" y="5505118"/>
+            <a:ext cx="1645921" cy="529388"/>
+          </a:xfrm>
+          <a:prstGeom prst="roundRect">
+            <a:avLst/>
+          </a:prstGeom>
+        </p:spPr>
+        <p:style>
+          <a:lnRef idx="1">
+            <a:schemeClr val="accent1"/>
+          </a:lnRef>
+          <a:fillRef idx="2">
+            <a:schemeClr val="accent1"/>
+          </a:fillRef>
+          <a:effectRef idx="1">
+            <a:schemeClr val="accent1"/>
+          </a:effectRef>
+          <a:fontRef idx="minor">
+            <a:schemeClr val="dk1"/>
+          </a:fontRef>
+        </p:style>
+        <p:txBody>
+          <a:bodyPr rtlCol="0" anchor="ctr"/>
+          <a:lstStyle/>
+          <a:p>
+            <a:pPr algn="ctr"/>
+            <a:r>
+              <a:rPr lang="en-US" altLang="zh-CN" dirty="0" err="1" smtClean="0">
+                <a:solidFill>
+                  <a:schemeClr val="bg1"/>
+                </a:solidFill>
+              </a:rPr>
+              <a:t>DataNode</a:t>
+            </a:r>
+            <a:endParaRPr lang="en-US" altLang="zh-CN" dirty="0" smtClean="0">
+              <a:solidFill>
+                <a:schemeClr val="bg1"/>
+              </a:solidFill>
+            </a:endParaRPr>
+          </a:p>
+          <a:p>
+            <a:pPr algn="ctr"/>
+            <a:r>
+              <a:rPr lang="en-US" altLang="zh-CN" dirty="0" err="1" smtClean="0"/>
+              <a:t>NodeManager</a:t>
+            </a:r>
+            <a:endParaRPr lang="en-US" altLang="zh-CN" dirty="0" smtClean="0"/>
+          </a:p>
+        </p:txBody>
+      </p:sp>
+      <p:sp>
+        <p:nvSpPr>
+          <p:cNvPr id="34" name="圆角矩形 33"/>
+          <p:cNvSpPr/>
+          <p:nvPr/>
+        </p:nvSpPr>
+        <p:spPr>
+          <a:xfrm>
+            <a:off x="8227326" y="5514741"/>
+            <a:ext cx="1645921" cy="529388"/>
+          </a:xfrm>
+          <a:prstGeom prst="roundRect">
+            <a:avLst/>
+          </a:prstGeom>
+        </p:spPr>
+        <p:style>
+          <a:lnRef idx="1">
+            <a:schemeClr val="accent1"/>
+          </a:lnRef>
+          <a:fillRef idx="2">
+            <a:schemeClr val="accent1"/>
+          </a:fillRef>
+          <a:effectRef idx="1">
+            <a:schemeClr val="accent1"/>
+          </a:effectRef>
+          <a:fontRef idx="minor">
+            <a:schemeClr val="dk1"/>
+          </a:fontRef>
+        </p:style>
+        <p:txBody>
+          <a:bodyPr rtlCol="0" anchor="ctr"/>
+          <a:lstStyle/>
+          <a:p>
+            <a:pPr algn="ctr"/>
+            <a:r>
+              <a:rPr lang="en-US" altLang="zh-CN" dirty="0" err="1" smtClean="0">
+                <a:solidFill>
+                  <a:schemeClr val="bg1"/>
+                </a:solidFill>
+              </a:rPr>
+              <a:t>DataNode</a:t>
+            </a:r>
+            <a:endParaRPr lang="en-US" altLang="zh-CN" dirty="0" smtClean="0">
+              <a:solidFill>
+                <a:schemeClr val="bg1"/>
+              </a:solidFill>
+            </a:endParaRPr>
+          </a:p>
+          <a:p>
+            <a:pPr algn="ctr"/>
+            <a:r>
+              <a:rPr lang="en-US" altLang="zh-CN" dirty="0" err="1" smtClean="0"/>
+              <a:t>NodeManager</a:t>
+            </a:r>
+            <a:endParaRPr lang="en-US" altLang="zh-CN" dirty="0" smtClean="0"/>
+          </a:p>
+        </p:txBody>
+      </p:sp>
+      <p:cxnSp>
+        <p:nvCxnSpPr>
+          <p:cNvPr id="36" name="直接箭头连接符 35"/>
+          <p:cNvCxnSpPr>
+            <a:stCxn id="31" idx="0"/>
+            <a:endCxn id="8" idx="2"/>
+          </p:cNvCxnSpPr>
+          <p:nvPr/>
+        </p:nvCxnSpPr>
+        <p:spPr>
+          <a:xfrm flipH="1" flipV="1">
+            <a:off x="2512025" y="3368343"/>
+            <a:ext cx="620395" cy="2136775"/>
+          </a:xfrm>
+          <a:prstGeom prst="straightConnector1">
+            <a:avLst/>
+          </a:prstGeom>
+          <a:ln>
+            <a:tailEnd type="triangle"/>
+          </a:ln>
+        </p:spPr>
+        <p:style>
+          <a:lnRef idx="1">
+            <a:schemeClr val="accent1"/>
+          </a:lnRef>
+          <a:fillRef idx="0">
+            <a:schemeClr val="accent1"/>
+          </a:fillRef>
+          <a:effectRef idx="0">
+            <a:schemeClr val="accent1"/>
+          </a:effectRef>
+          <a:fontRef idx="minor">
+            <a:schemeClr val="tx1"/>
+          </a:fontRef>
+        </p:style>
+      </p:cxnSp>
+      <p:cxnSp>
+        <p:nvCxnSpPr>
+          <p:cNvPr id="38" name="直接箭头连接符 37"/>
+          <p:cNvCxnSpPr>
+            <a:stCxn id="32" idx="0"/>
+            <a:endCxn id="8" idx="2"/>
+          </p:cNvCxnSpPr>
+          <p:nvPr/>
+        </p:nvCxnSpPr>
+        <p:spPr>
+          <a:xfrm flipH="1" flipV="1">
+            <a:off x="2512360" y="3368343"/>
+            <a:ext cx="2602865" cy="2136775"/>
+          </a:xfrm>
+          <a:prstGeom prst="straightConnector1">
+            <a:avLst/>
+          </a:prstGeom>
+          <a:ln>
+            <a:tailEnd type="triangle"/>
+          </a:ln>
+        </p:spPr>
+        <p:style>
+          <a:lnRef idx="1">
+            <a:schemeClr val="accent1"/>
+          </a:lnRef>
+          <a:fillRef idx="0">
+            <a:schemeClr val="accent1"/>
+          </a:fillRef>
+          <a:effectRef idx="0">
+            <a:schemeClr val="accent1"/>
+          </a:effectRef>
+          <a:fontRef idx="minor">
+            <a:schemeClr val="tx1"/>
+          </a:fontRef>
+        </p:style>
+      </p:cxnSp>
+      <p:cxnSp>
+        <p:nvCxnSpPr>
+          <p:cNvPr id="40" name="直接箭头连接符 39"/>
+          <p:cNvCxnSpPr>
+            <a:stCxn id="33" idx="0"/>
+            <a:endCxn id="8" idx="2"/>
+          </p:cNvCxnSpPr>
+          <p:nvPr/>
+        </p:nvCxnSpPr>
+        <p:spPr>
+          <a:xfrm flipH="1" flipV="1">
+            <a:off x="2512027" y="3368343"/>
+            <a:ext cx="4552315" cy="2136775"/>
+          </a:xfrm>
+          <a:prstGeom prst="straightConnector1">
+            <a:avLst/>
+          </a:prstGeom>
+          <a:ln>
+            <a:tailEnd type="triangle"/>
+          </a:ln>
+        </p:spPr>
+        <p:style>
+          <a:lnRef idx="1">
+            <a:schemeClr val="accent1"/>
+          </a:lnRef>
+          <a:fillRef idx="0">
+            <a:schemeClr val="accent1"/>
+          </a:fillRef>
+          <a:effectRef idx="0">
+            <a:schemeClr val="accent1"/>
+          </a:effectRef>
+          <a:fontRef idx="minor">
+            <a:schemeClr val="tx1"/>
+          </a:fontRef>
+        </p:style>
+      </p:cxnSp>
+      <p:cxnSp>
+        <p:nvCxnSpPr>
+          <p:cNvPr id="42" name="直接箭头连接符 41"/>
+          <p:cNvCxnSpPr>
+            <a:stCxn id="34" idx="0"/>
+            <a:endCxn id="8" idx="2"/>
+          </p:cNvCxnSpPr>
+          <p:nvPr/>
+        </p:nvCxnSpPr>
+        <p:spPr>
+          <a:xfrm flipH="1" flipV="1">
+            <a:off x="2512327" y="3367806"/>
+            <a:ext cx="6546850" cy="2146935"/>
+          </a:xfrm>
+          <a:prstGeom prst="straightConnector1">
+            <a:avLst/>
+          </a:prstGeom>
+          <a:ln>
+            <a:tailEnd type="triangle"/>
+          </a:ln>
+        </p:spPr>
+        <p:style>
+          <a:lnRef idx="1">
+            <a:schemeClr val="accent1"/>
+          </a:lnRef>
+          <a:fillRef idx="0">
+            <a:schemeClr val="accent1"/>
+          </a:fillRef>
+          <a:effectRef idx="0">
+            <a:schemeClr val="accent1"/>
+          </a:effectRef>
+          <a:fontRef idx="minor">
+            <a:schemeClr val="tx1"/>
+          </a:fontRef>
+        </p:style>
+      </p:cxnSp>
+      <p:cxnSp>
+        <p:nvCxnSpPr>
+          <p:cNvPr id="44" name="直接箭头连接符 43"/>
+          <p:cNvCxnSpPr>
+            <a:stCxn id="31" idx="0"/>
+            <a:endCxn id="17" idx="2"/>
+          </p:cNvCxnSpPr>
+          <p:nvPr/>
+        </p:nvCxnSpPr>
+        <p:spPr>
+          <a:xfrm flipV="1">
+            <a:off x="3132420" y="3349293"/>
+            <a:ext cx="6122035" cy="2155825"/>
+          </a:xfrm>
+          <a:prstGeom prst="straightConnector1">
+            <a:avLst/>
+          </a:prstGeom>
+          <a:ln>
+            <a:tailEnd type="triangle"/>
+          </a:ln>
+        </p:spPr>
+        <p:style>
+          <a:lnRef idx="1">
+            <a:schemeClr val="accent1"/>
+          </a:lnRef>
+          <a:fillRef idx="0">
+            <a:schemeClr val="accent1"/>
+          </a:fillRef>
+          <a:effectRef idx="0">
+            <a:schemeClr val="accent1"/>
+          </a:effectRef>
+          <a:fontRef idx="minor">
+            <a:schemeClr val="tx1"/>
+          </a:fontRef>
+        </p:style>
+      </p:cxnSp>
+      <p:cxnSp>
+        <p:nvCxnSpPr>
+          <p:cNvPr id="48" name="直接箭头连接符 47"/>
+          <p:cNvCxnSpPr>
+            <a:stCxn id="32" idx="0"/>
+            <a:endCxn id="17" idx="2"/>
+          </p:cNvCxnSpPr>
+          <p:nvPr/>
+        </p:nvCxnSpPr>
+        <p:spPr>
+          <a:xfrm flipV="1">
+            <a:off x="5115225" y="3349293"/>
+            <a:ext cx="4139565" cy="2155825"/>
+          </a:xfrm>
+          <a:prstGeom prst="straightConnector1">
+            <a:avLst/>
+          </a:prstGeom>
+          <a:ln>
+            <a:tailEnd type="triangle"/>
+          </a:ln>
+        </p:spPr>
+        <p:style>
+          <a:lnRef idx="1">
+            <a:schemeClr val="accent1"/>
+          </a:lnRef>
+          <a:fillRef idx="0">
+            <a:schemeClr val="accent1"/>
+          </a:fillRef>
+          <a:effectRef idx="0">
+            <a:schemeClr val="accent1"/>
+          </a:effectRef>
+          <a:fontRef idx="minor">
+            <a:schemeClr val="tx1"/>
+          </a:fontRef>
+        </p:style>
+      </p:cxnSp>
+      <p:cxnSp>
+        <p:nvCxnSpPr>
+          <p:cNvPr id="50" name="直接箭头连接符 49"/>
+          <p:cNvCxnSpPr>
+            <a:stCxn id="33" idx="0"/>
+            <a:endCxn id="17" idx="2"/>
+          </p:cNvCxnSpPr>
+          <p:nvPr/>
+        </p:nvCxnSpPr>
+        <p:spPr>
+          <a:xfrm flipV="1">
+            <a:off x="7064342" y="3349293"/>
+            <a:ext cx="2190115" cy="2155825"/>
+          </a:xfrm>
+          <a:prstGeom prst="straightConnector1">
+            <a:avLst/>
+          </a:prstGeom>
+          <a:ln>
+            <a:tailEnd type="triangle"/>
+          </a:ln>
+        </p:spPr>
+        <p:style>
+          <a:lnRef idx="1">
+            <a:schemeClr val="accent1"/>
+          </a:lnRef>
+          <a:fillRef idx="0">
+            <a:schemeClr val="accent1"/>
+          </a:fillRef>
+          <a:effectRef idx="0">
+            <a:schemeClr val="accent1"/>
+          </a:effectRef>
+          <a:fontRef idx="minor">
+            <a:schemeClr val="tx1"/>
+          </a:fontRef>
+        </p:style>
+      </p:cxnSp>
+      <p:cxnSp>
+        <p:nvCxnSpPr>
+          <p:cNvPr id="52" name="直接箭头连接符 51"/>
+          <p:cNvCxnSpPr>
+            <a:stCxn id="34" idx="0"/>
+            <a:endCxn id="17" idx="2"/>
+          </p:cNvCxnSpPr>
+          <p:nvPr/>
+        </p:nvCxnSpPr>
+        <p:spPr>
+          <a:xfrm flipV="1">
+            <a:off x="9059177" y="3348756"/>
+            <a:ext cx="195580" cy="2165985"/>
+          </a:xfrm>
+          <a:prstGeom prst="straightConnector1">
+            <a:avLst/>
+          </a:prstGeom>
+          <a:ln>
+            <a:tailEnd type="triangle"/>
+          </a:ln>
+        </p:spPr>
+        <p:style>
+          <a:lnRef idx="1">
+            <a:schemeClr val="accent1"/>
+          </a:lnRef>
+          <a:fillRef idx="0">
+            <a:schemeClr val="accent1"/>
+          </a:fillRef>
+          <a:effectRef idx="0">
+            <a:schemeClr val="accent1"/>
+          </a:effectRef>
+          <a:fontRef idx="minor">
+            <a:schemeClr val="tx1"/>
+          </a:fontRef>
+        </p:style>
+      </p:cxnSp>
+      <p:sp>
+        <p:nvSpPr>
+          <p:cNvPr id="59" name="圆角矩形 58"/>
+          <p:cNvSpPr/>
+          <p:nvPr/>
+        </p:nvSpPr>
+        <p:spPr>
+          <a:xfrm>
+            <a:off x="4442189" y="711738"/>
+            <a:ext cx="856647" cy="385010"/>
+          </a:xfrm>
+          <a:prstGeom prst="roundRect">
+            <a:avLst/>
+          </a:prstGeom>
+        </p:spPr>
+        <p:style>
+          <a:lnRef idx="2">
+            <a:schemeClr val="accent4">
+              <a:shade val="50000"/>
+            </a:schemeClr>
+          </a:lnRef>
+          <a:fillRef idx="1">
+            <a:schemeClr val="accent4"/>
+          </a:fillRef>
+          <a:effectRef idx="0">
+            <a:schemeClr val="accent4"/>
+          </a:effectRef>
+          <a:fontRef idx="minor">
+            <a:schemeClr val="lt1"/>
+          </a:fontRef>
+        </p:style>
+        <p:txBody>
+          <a:bodyPr rtlCol="0" anchor="ctr"/>
+          <a:lstStyle/>
+          <a:p>
+            <a:pPr algn="ctr"/>
+            <a:r>
+              <a:rPr lang="en-US" altLang="zh-CN" dirty="0" smtClean="0">
+                <a:solidFill>
+                  <a:srgbClr val="0070C0"/>
+                </a:solidFill>
+              </a:rPr>
+              <a:t>ZK</a:t>
+            </a:r>
+            <a:endParaRPr lang="zh-CN" altLang="en-US" dirty="0">
+              <a:solidFill>
+                <a:srgbClr val="0070C0"/>
+              </a:solidFill>
+            </a:endParaRPr>
+          </a:p>
+        </p:txBody>
+      </p:sp>
+      <p:sp>
+        <p:nvSpPr>
+          <p:cNvPr id="60" name="圆角矩形 59"/>
+          <p:cNvSpPr/>
+          <p:nvPr/>
+        </p:nvSpPr>
+        <p:spPr>
+          <a:xfrm>
+            <a:off x="6463497" y="706927"/>
+            <a:ext cx="856647" cy="385010"/>
+          </a:xfrm>
+          <a:prstGeom prst="roundRect">
+            <a:avLst/>
+          </a:prstGeom>
+        </p:spPr>
+        <p:style>
+          <a:lnRef idx="2">
+            <a:schemeClr val="accent4">
+              <a:shade val="50000"/>
+            </a:schemeClr>
+          </a:lnRef>
+          <a:fillRef idx="1">
+            <a:schemeClr val="accent4"/>
+          </a:fillRef>
+          <a:effectRef idx="0">
+            <a:schemeClr val="accent4"/>
+          </a:effectRef>
+          <a:fontRef idx="minor">
+            <a:schemeClr val="lt1"/>
+          </a:fontRef>
+        </p:style>
+        <p:txBody>
+          <a:bodyPr rtlCol="0" anchor="ctr"/>
+          <a:lstStyle/>
+          <a:p>
+            <a:pPr algn="ctr"/>
+            <a:r>
+              <a:rPr lang="en-US" altLang="zh-CN" dirty="0" smtClean="0">
+                <a:solidFill>
+                  <a:srgbClr val="0070C0"/>
+                </a:solidFill>
+              </a:rPr>
+              <a:t>ZK</a:t>
+            </a:r>
+            <a:endParaRPr lang="zh-CN" altLang="en-US" dirty="0">
+              <a:solidFill>
+                <a:srgbClr val="0070C0"/>
+              </a:solidFill>
+            </a:endParaRPr>
+          </a:p>
+        </p:txBody>
+      </p:sp>
+      <p:sp>
+        <p:nvSpPr>
+          <p:cNvPr id="3" name="圆角矩形 2"/>
+          <p:cNvSpPr/>
+          <p:nvPr/>
+        </p:nvSpPr>
+        <p:spPr>
+          <a:xfrm>
+            <a:off x="10329545" y="1358900"/>
+            <a:ext cx="914400" cy="508635"/>
+          </a:xfrm>
+          <a:prstGeom prst="roundRect">
+            <a:avLst/>
+          </a:prstGeom>
+        </p:spPr>
+        <p:style>
+          <a:lnRef idx="2">
+            <a:schemeClr val="accent1">
+              <a:shade val="50000"/>
+            </a:schemeClr>
+          </a:lnRef>
+          <a:fillRef idx="1">
+            <a:schemeClr val="accent1"/>
+          </a:fillRef>
+          <a:effectRef idx="0">
+            <a:schemeClr val="accent1"/>
+          </a:effectRef>
+          <a:fontRef idx="minor">
+            <a:schemeClr val="lt1"/>
+          </a:fontRef>
+        </p:style>
+        <p:txBody>
+          <a:bodyPr rtlCol="0" anchor="ctr"/>
+          <a:p>
+            <a:pPr algn="ctr"/>
+            <a:r>
+              <a:rPr lang="en-US" altLang="zh-CN"/>
+              <a:t>hive</a:t>
+            </a:r>
+            <a:endParaRPr lang="en-US" altLang="zh-CN"/>
+          </a:p>
+        </p:txBody>
+      </p:sp>
+      <p:sp>
+        <p:nvSpPr>
+          <p:cNvPr id="5" name="圆角矩形 4"/>
+          <p:cNvSpPr/>
+          <p:nvPr/>
+        </p:nvSpPr>
+        <p:spPr>
+          <a:xfrm>
+            <a:off x="10329545" y="2859405"/>
+            <a:ext cx="914400" cy="508635"/>
+          </a:xfrm>
+          <a:prstGeom prst="roundRect">
+            <a:avLst/>
+          </a:prstGeom>
+        </p:spPr>
+        <p:style>
+          <a:lnRef idx="2">
+            <a:schemeClr val="accent1">
+              <a:shade val="50000"/>
+            </a:schemeClr>
+          </a:lnRef>
+          <a:fillRef idx="1">
+            <a:schemeClr val="accent1"/>
+          </a:fillRef>
+          <a:effectRef idx="0">
+            <a:schemeClr val="accent1"/>
+          </a:effectRef>
+          <a:fontRef idx="minor">
+            <a:schemeClr val="lt1"/>
+          </a:fontRef>
+        </p:style>
+        <p:txBody>
+          <a:bodyPr rtlCol="0" anchor="ctr"/>
+          <a:p>
+            <a:pPr algn="ctr"/>
+            <a:r>
+              <a:rPr lang="en-US" altLang="zh-CN"/>
+              <a:t>oozie</a:t>
+            </a:r>
+            <a:endParaRPr lang="en-US" altLang="zh-CN"/>
+          </a:p>
+        </p:txBody>
+      </p:sp>
+      <p:sp>
+        <p:nvSpPr>
+          <p:cNvPr id="7" name="圆角矩形 6"/>
+          <p:cNvSpPr/>
+          <p:nvPr/>
+        </p:nvSpPr>
+        <p:spPr>
+          <a:xfrm>
+            <a:off x="10329545" y="4088765"/>
+            <a:ext cx="914400" cy="508635"/>
+          </a:xfrm>
+          <a:prstGeom prst="roundRect">
+            <a:avLst/>
+          </a:prstGeom>
+        </p:spPr>
+        <p:style>
+          <a:lnRef idx="2">
+            <a:schemeClr val="accent1">
+              <a:shade val="50000"/>
+            </a:schemeClr>
+          </a:lnRef>
+          <a:fillRef idx="1">
+            <a:schemeClr val="accent1"/>
+          </a:fillRef>
+          <a:effectRef idx="0">
+            <a:schemeClr val="accent1"/>
+          </a:effectRef>
+          <a:fontRef idx="minor">
+            <a:schemeClr val="lt1"/>
+          </a:fontRef>
+        </p:style>
+        <p:txBody>
+          <a:bodyPr rtlCol="0" anchor="ctr"/>
+          <a:p>
+            <a:pPr algn="ctr"/>
+            <a:r>
+              <a:rPr lang="en-US" altLang="zh-CN"/>
+              <a:t>hue</a:t>
+            </a:r>
+            <a:endParaRPr lang="en-US" altLang="zh-CN"/>
+          </a:p>
+        </p:txBody>
+      </p:sp>
+      <p:sp>
+        <p:nvSpPr>
+          <p:cNvPr id="10" name="文本框 9"/>
+          <p:cNvSpPr txBox="1"/>
+          <p:nvPr/>
+        </p:nvSpPr>
+        <p:spPr>
+          <a:xfrm>
+            <a:off x="650875" y="615315"/>
+            <a:ext cx="868680" cy="368300"/>
+          </a:xfrm>
+          <a:prstGeom prst="rect">
+            <a:avLst/>
+          </a:prstGeom>
+          <a:noFill/>
+        </p:spPr>
+        <p:txBody>
+          <a:bodyPr wrap="none" rtlCol="0">
+            <a:spAutoFit/>
+          </a:bodyPr>
+          <a:p>
+            <a:r>
+              <a:rPr lang="zh-CN" altLang="en-US"/>
+              <a:t>逻辑图</a:t>
+            </a:r>
+            <a:endParaRPr lang="zh-CN" altLang="en-US"/>
+          </a:p>
+        </p:txBody>
+      </p:sp>
+    </p:spTree>
+  </p:cSld>
+  <p:clrMapOvr>
+    <a:masterClrMapping/>
+  </p:clrMapOvr>
+</p:sld>
+</file>
+
+<file path=ppt/slides/slide3.xml><?xml version="1.0" encoding="utf-8"?>
 <p:sld xmlns:a="http://schemas.openxmlformats.org/drawingml/2006/main" xmlns:r="http://schemas.openxmlformats.org/officeDocument/2006/relationships" xmlns:p="http://schemas.openxmlformats.org/presentationml/2006/main">
   <p:cSld>
     <p:spTree>
@@ -4430,1153 +6371,6 @@
 </p:sld>
 </file>
 
-<file path=ppt/slides/slide3.xml><?xml version="1.0" encoding="utf-8"?>
-<p:sld xmlns:a="http://schemas.openxmlformats.org/drawingml/2006/main" xmlns:r="http://schemas.openxmlformats.org/officeDocument/2006/relationships" xmlns:p="http://schemas.openxmlformats.org/presentationml/2006/main">
-  <p:cSld>
-    <p:spTree>
-      <p:nvGrpSpPr>
-        <p:cNvPr id="1" name=""/>
-        <p:cNvGrpSpPr/>
-        <p:nvPr/>
-      </p:nvGrpSpPr>
-      <p:grpSpPr>
-        <a:xfrm>
-          <a:off x="0" y="0"/>
-          <a:ext cx="0" cy="0"/>
-          <a:chOff x="0" y="0"/>
-          <a:chExt cx="0" cy="0"/>
-        </a:xfrm>
-      </p:grpSpPr>
-      <p:sp>
-        <p:nvSpPr>
-          <p:cNvPr id="4" name="圆角矩形 3"/>
-          <p:cNvSpPr/>
-          <p:nvPr/>
-        </p:nvSpPr>
-        <p:spPr>
-          <a:xfrm>
-            <a:off x="4170009" y="615484"/>
-            <a:ext cx="3147463" cy="558265"/>
-          </a:xfrm>
-          <a:prstGeom prst="roundRect">
-            <a:avLst/>
-          </a:prstGeom>
-        </p:spPr>
-        <p:style>
-          <a:lnRef idx="2">
-            <a:schemeClr val="accent1"/>
-          </a:lnRef>
-          <a:fillRef idx="1">
-            <a:schemeClr val="lt1"/>
-          </a:fillRef>
-          <a:effectRef idx="0">
-            <a:schemeClr val="accent1"/>
-          </a:effectRef>
-          <a:fontRef idx="minor">
-            <a:schemeClr val="dk1"/>
-          </a:fontRef>
-        </p:style>
-        <p:txBody>
-          <a:bodyPr rtlCol="0" anchor="ctr"/>
-          <a:lstStyle/>
-          <a:p>
-            <a:pPr algn="ctr"/>
-            <a:endParaRPr lang="zh-CN" altLang="en-US" dirty="0"/>
-          </a:p>
-        </p:txBody>
-      </p:sp>
-      <p:sp>
-        <p:nvSpPr>
-          <p:cNvPr id="6" name="圆角矩形 5"/>
-          <p:cNvSpPr/>
-          <p:nvPr/>
-        </p:nvSpPr>
-        <p:spPr>
-          <a:xfrm>
-            <a:off x="5310604" y="711738"/>
-            <a:ext cx="856647" cy="385010"/>
-          </a:xfrm>
-          <a:prstGeom prst="roundRect">
-            <a:avLst/>
-          </a:prstGeom>
-        </p:spPr>
-        <p:style>
-          <a:lnRef idx="2">
-            <a:schemeClr val="accent4">
-              <a:shade val="50000"/>
-            </a:schemeClr>
-          </a:lnRef>
-          <a:fillRef idx="1">
-            <a:schemeClr val="accent4"/>
-          </a:fillRef>
-          <a:effectRef idx="0">
-            <a:schemeClr val="accent4"/>
-          </a:effectRef>
-          <a:fontRef idx="minor">
-            <a:schemeClr val="lt1"/>
-          </a:fontRef>
-        </p:style>
-        <p:txBody>
-          <a:bodyPr rtlCol="0" anchor="ctr"/>
-          <a:lstStyle/>
-          <a:p>
-            <a:pPr algn="ctr"/>
-            <a:r>
-              <a:rPr lang="en-US" altLang="zh-CN" dirty="0" smtClean="0">
-                <a:solidFill>
-                  <a:srgbClr val="0070C0"/>
-                </a:solidFill>
-              </a:rPr>
-              <a:t>ZK</a:t>
-            </a:r>
-            <a:endParaRPr lang="zh-CN" altLang="en-US" dirty="0">
-              <a:solidFill>
-                <a:srgbClr val="0070C0"/>
-              </a:solidFill>
-            </a:endParaRPr>
-          </a:p>
-        </p:txBody>
-      </p:sp>
-      <p:sp>
-        <p:nvSpPr>
-          <p:cNvPr id="8" name="圆角矩形 7"/>
-          <p:cNvSpPr/>
-          <p:nvPr/>
-        </p:nvSpPr>
-        <p:spPr>
-          <a:xfrm>
-            <a:off x="1609689" y="2126649"/>
-            <a:ext cx="1501542" cy="1241658"/>
-          </a:xfrm>
-          <a:prstGeom prst="roundRect">
-            <a:avLst/>
-          </a:prstGeom>
-        </p:spPr>
-        <p:style>
-          <a:lnRef idx="2">
-            <a:schemeClr val="accent4">
-              <a:shade val="50000"/>
-            </a:schemeClr>
-          </a:lnRef>
-          <a:fillRef idx="1">
-            <a:schemeClr val="accent4"/>
-          </a:fillRef>
-          <a:effectRef idx="0">
-            <a:schemeClr val="accent4"/>
-          </a:effectRef>
-          <a:fontRef idx="minor">
-            <a:schemeClr val="lt1"/>
-          </a:fontRef>
-        </p:style>
-        <p:txBody>
-          <a:bodyPr rtlCol="0" anchor="ctr"/>
-          <a:lstStyle/>
-          <a:p>
-            <a:pPr algn="ctr"/>
-            <a:r>
-              <a:rPr lang="en-US" altLang="zh-CN" dirty="0" err="1" smtClean="0"/>
-              <a:t>NameNode</a:t>
-            </a:r>
-            <a:r>
-              <a:rPr lang="en-US" altLang="zh-CN" dirty="0" smtClean="0"/>
-              <a:t>(active)</a:t>
-            </a:r>
-            <a:endParaRPr lang="en-US" altLang="zh-CN" dirty="0" smtClean="0"/>
-          </a:p>
-          <a:p>
-            <a:pPr algn="ctr"/>
-            <a:r>
-              <a:rPr lang="en-US" altLang="zh-CN" dirty="0" err="1" smtClean="0">
-                <a:solidFill>
-                  <a:schemeClr val="tx1"/>
-                </a:solidFill>
-              </a:rPr>
-              <a:t>ResourceManager</a:t>
-            </a:r>
-            <a:endParaRPr lang="zh-CN" altLang="en-US" dirty="0">
-              <a:solidFill>
-                <a:schemeClr val="tx1"/>
-              </a:solidFill>
-            </a:endParaRPr>
-          </a:p>
-        </p:txBody>
-      </p:sp>
-      <p:sp>
-        <p:nvSpPr>
-          <p:cNvPr id="14" name="圆角矩形 13"/>
-          <p:cNvSpPr/>
-          <p:nvPr/>
-        </p:nvSpPr>
-        <p:spPr>
-          <a:xfrm>
-            <a:off x="4911155" y="2309521"/>
-            <a:ext cx="1299411" cy="558264"/>
-          </a:xfrm>
-          <a:prstGeom prst="roundRect">
-            <a:avLst/>
-          </a:prstGeom>
-        </p:spPr>
-        <p:style>
-          <a:lnRef idx="2">
-            <a:schemeClr val="accent4">
-              <a:shade val="50000"/>
-            </a:schemeClr>
-          </a:lnRef>
-          <a:fillRef idx="1">
-            <a:schemeClr val="accent4"/>
-          </a:fillRef>
-          <a:effectRef idx="0">
-            <a:schemeClr val="accent4"/>
-          </a:effectRef>
-          <a:fontRef idx="minor">
-            <a:schemeClr val="lt1"/>
-          </a:fontRef>
-        </p:style>
-        <p:txBody>
-          <a:bodyPr rtlCol="0" anchor="ctr"/>
-          <a:lstStyle/>
-          <a:p>
-            <a:pPr algn="ctr"/>
-            <a:r>
-              <a:rPr lang="en-US" altLang="zh-CN" dirty="0" err="1" smtClean="0"/>
-              <a:t>JouralNode</a:t>
-            </a:r>
-            <a:endParaRPr lang="zh-CN" altLang="en-US" dirty="0"/>
-          </a:p>
-        </p:txBody>
-      </p:sp>
-      <p:sp>
-        <p:nvSpPr>
-          <p:cNvPr id="15" name="圆角矩形 14"/>
-          <p:cNvSpPr/>
-          <p:nvPr/>
-        </p:nvSpPr>
-        <p:spPr>
-          <a:xfrm>
-            <a:off x="5026658" y="2444279"/>
-            <a:ext cx="1299411" cy="558264"/>
-          </a:xfrm>
-          <a:prstGeom prst="roundRect">
-            <a:avLst/>
-          </a:prstGeom>
-        </p:spPr>
-        <p:style>
-          <a:lnRef idx="2">
-            <a:schemeClr val="accent4">
-              <a:shade val="50000"/>
-            </a:schemeClr>
-          </a:lnRef>
-          <a:fillRef idx="1">
-            <a:schemeClr val="accent4"/>
-          </a:fillRef>
-          <a:effectRef idx="0">
-            <a:schemeClr val="accent4"/>
-          </a:effectRef>
-          <a:fontRef idx="minor">
-            <a:schemeClr val="lt1"/>
-          </a:fontRef>
-        </p:style>
-        <p:txBody>
-          <a:bodyPr rtlCol="0" anchor="ctr"/>
-          <a:lstStyle/>
-          <a:p>
-            <a:pPr algn="ctr"/>
-            <a:r>
-              <a:rPr lang="en-US" altLang="zh-CN" dirty="0" err="1" smtClean="0"/>
-              <a:t>JouralNode</a:t>
-            </a:r>
-            <a:endParaRPr lang="zh-CN" altLang="en-US" dirty="0"/>
-          </a:p>
-        </p:txBody>
-      </p:sp>
-      <p:sp>
-        <p:nvSpPr>
-          <p:cNvPr id="16" name="圆角矩形 15"/>
-          <p:cNvSpPr/>
-          <p:nvPr/>
-        </p:nvSpPr>
-        <p:spPr>
-          <a:xfrm>
-            <a:off x="5137346" y="2588662"/>
-            <a:ext cx="1299411" cy="558264"/>
-          </a:xfrm>
-          <a:prstGeom prst="roundRect">
-            <a:avLst/>
-          </a:prstGeom>
-        </p:spPr>
-        <p:style>
-          <a:lnRef idx="2">
-            <a:schemeClr val="accent4">
-              <a:shade val="50000"/>
-            </a:schemeClr>
-          </a:lnRef>
-          <a:fillRef idx="1">
-            <a:schemeClr val="accent4"/>
-          </a:fillRef>
-          <a:effectRef idx="0">
-            <a:schemeClr val="accent4"/>
-          </a:effectRef>
-          <a:fontRef idx="minor">
-            <a:schemeClr val="lt1"/>
-          </a:fontRef>
-        </p:style>
-        <p:txBody>
-          <a:bodyPr rtlCol="0" anchor="ctr"/>
-          <a:lstStyle/>
-          <a:p>
-            <a:pPr algn="ctr"/>
-            <a:r>
-              <a:rPr lang="en-US" altLang="zh-CN" dirty="0" err="1" smtClean="0"/>
-              <a:t>JouralNode</a:t>
-            </a:r>
-            <a:endParaRPr lang="zh-CN" altLang="en-US" dirty="0"/>
-          </a:p>
-        </p:txBody>
-      </p:sp>
-      <p:sp>
-        <p:nvSpPr>
-          <p:cNvPr id="17" name="圆角矩形 16"/>
-          <p:cNvSpPr/>
-          <p:nvPr/>
-        </p:nvSpPr>
-        <p:spPr>
-          <a:xfrm>
-            <a:off x="8352184" y="2126649"/>
-            <a:ext cx="1501542" cy="1222408"/>
-          </a:xfrm>
-          <a:prstGeom prst="roundRect">
-            <a:avLst/>
-          </a:prstGeom>
-        </p:spPr>
-        <p:style>
-          <a:lnRef idx="2">
-            <a:schemeClr val="accent4">
-              <a:shade val="50000"/>
-            </a:schemeClr>
-          </a:lnRef>
-          <a:fillRef idx="1">
-            <a:schemeClr val="accent4"/>
-          </a:fillRef>
-          <a:effectRef idx="0">
-            <a:schemeClr val="accent4"/>
-          </a:effectRef>
-          <a:fontRef idx="minor">
-            <a:schemeClr val="lt1"/>
-          </a:fontRef>
-        </p:style>
-        <p:txBody>
-          <a:bodyPr rtlCol="0" anchor="ctr"/>
-          <a:lstStyle/>
-          <a:p>
-            <a:pPr algn="ctr"/>
-            <a:r>
-              <a:rPr lang="en-US" altLang="zh-CN" dirty="0" err="1" smtClean="0"/>
-              <a:t>NameNode</a:t>
-            </a:r>
-            <a:endParaRPr lang="en-US" altLang="zh-CN" dirty="0" smtClean="0"/>
-          </a:p>
-          <a:p>
-            <a:pPr algn="ctr"/>
-            <a:r>
-              <a:rPr lang="en-US" altLang="zh-CN" dirty="0" smtClean="0"/>
-              <a:t>(standby)</a:t>
-            </a:r>
-            <a:endParaRPr lang="en-US" altLang="zh-CN" dirty="0" smtClean="0"/>
-          </a:p>
-          <a:p>
-            <a:pPr algn="ctr"/>
-            <a:r>
-              <a:rPr lang="en-US" altLang="zh-CN" dirty="0" err="1" smtClean="0">
-                <a:solidFill>
-                  <a:schemeClr val="tx1"/>
-                </a:solidFill>
-              </a:rPr>
-              <a:t>ResourceManager</a:t>
-            </a:r>
-            <a:endParaRPr lang="zh-CN" altLang="en-US" dirty="0">
-              <a:solidFill>
-                <a:schemeClr val="tx1"/>
-              </a:solidFill>
-            </a:endParaRPr>
-          </a:p>
-        </p:txBody>
-      </p:sp>
-      <p:cxnSp>
-        <p:nvCxnSpPr>
-          <p:cNvPr id="19" name="直接箭头连接符 18"/>
-          <p:cNvCxnSpPr>
-            <a:stCxn id="8" idx="0"/>
-            <a:endCxn id="4" idx="1"/>
-          </p:cNvCxnSpPr>
-          <p:nvPr/>
-        </p:nvCxnSpPr>
-        <p:spPr>
-          <a:xfrm flipV="1">
-            <a:off x="2369985" y="894749"/>
-            <a:ext cx="1809115" cy="1231900"/>
-          </a:xfrm>
-          <a:prstGeom prst="straightConnector1">
-            <a:avLst/>
-          </a:prstGeom>
-          <a:ln>
-            <a:tailEnd type="triangle"/>
-          </a:ln>
-        </p:spPr>
-        <p:style>
-          <a:lnRef idx="1">
-            <a:schemeClr val="accent1"/>
-          </a:lnRef>
-          <a:fillRef idx="0">
-            <a:schemeClr val="accent1"/>
-          </a:fillRef>
-          <a:effectRef idx="0">
-            <a:schemeClr val="accent1"/>
-          </a:effectRef>
-          <a:fontRef idx="minor">
-            <a:schemeClr val="tx1"/>
-          </a:fontRef>
-        </p:style>
-      </p:cxnSp>
-      <p:cxnSp>
-        <p:nvCxnSpPr>
-          <p:cNvPr id="21" name="直接箭头连接符 20"/>
-          <p:cNvCxnSpPr>
-            <a:stCxn id="17" idx="0"/>
-            <a:endCxn id="4" idx="3"/>
-          </p:cNvCxnSpPr>
-          <p:nvPr/>
-        </p:nvCxnSpPr>
-        <p:spPr>
-          <a:xfrm flipH="1" flipV="1">
-            <a:off x="7326860" y="894749"/>
-            <a:ext cx="1785620" cy="1231900"/>
-          </a:xfrm>
-          <a:prstGeom prst="straightConnector1">
-            <a:avLst/>
-          </a:prstGeom>
-          <a:ln>
-            <a:tailEnd type="triangle"/>
-          </a:ln>
-        </p:spPr>
-        <p:style>
-          <a:lnRef idx="1">
-            <a:schemeClr val="accent1"/>
-          </a:lnRef>
-          <a:fillRef idx="0">
-            <a:schemeClr val="accent1"/>
-          </a:fillRef>
-          <a:effectRef idx="0">
-            <a:schemeClr val="accent1"/>
-          </a:effectRef>
-          <a:fontRef idx="minor">
-            <a:schemeClr val="tx1"/>
-          </a:fontRef>
-        </p:style>
-      </p:cxnSp>
-      <p:cxnSp>
-        <p:nvCxnSpPr>
-          <p:cNvPr id="23" name="直接箭头连接符 22"/>
-          <p:cNvCxnSpPr>
-            <a:stCxn id="8" idx="3"/>
-            <a:endCxn id="14" idx="1"/>
-          </p:cNvCxnSpPr>
-          <p:nvPr/>
-        </p:nvCxnSpPr>
-        <p:spPr>
-          <a:xfrm flipV="1">
-            <a:off x="3120121" y="2588728"/>
-            <a:ext cx="1799590" cy="158750"/>
-          </a:xfrm>
-          <a:prstGeom prst="straightConnector1">
-            <a:avLst/>
-          </a:prstGeom>
-          <a:ln>
-            <a:tailEnd type="triangle"/>
-          </a:ln>
-        </p:spPr>
-        <p:style>
-          <a:lnRef idx="1">
-            <a:schemeClr val="accent2"/>
-          </a:lnRef>
-          <a:fillRef idx="0">
-            <a:schemeClr val="accent2"/>
-          </a:fillRef>
-          <a:effectRef idx="0">
-            <a:schemeClr val="accent2"/>
-          </a:effectRef>
-          <a:fontRef idx="minor">
-            <a:schemeClr val="tx1"/>
-          </a:fontRef>
-        </p:style>
-      </p:cxnSp>
-      <p:cxnSp>
-        <p:nvCxnSpPr>
-          <p:cNvPr id="28" name="直接箭头连接符 27"/>
-          <p:cNvCxnSpPr>
-            <a:stCxn id="16" idx="3"/>
-            <a:endCxn id="17" idx="1"/>
-          </p:cNvCxnSpPr>
-          <p:nvPr/>
-        </p:nvCxnSpPr>
-        <p:spPr>
-          <a:xfrm flipV="1">
-            <a:off x="6445012" y="2738254"/>
-            <a:ext cx="1915795" cy="130175"/>
-          </a:xfrm>
-          <a:prstGeom prst="straightConnector1">
-            <a:avLst/>
-          </a:prstGeom>
-          <a:ln>
-            <a:tailEnd type="triangle"/>
-          </a:ln>
-        </p:spPr>
-        <p:style>
-          <a:lnRef idx="1">
-            <a:schemeClr val="accent2"/>
-          </a:lnRef>
-          <a:fillRef idx="0">
-            <a:schemeClr val="accent2"/>
-          </a:fillRef>
-          <a:effectRef idx="0">
-            <a:schemeClr val="accent2"/>
-          </a:effectRef>
-          <a:fontRef idx="minor">
-            <a:schemeClr val="tx1"/>
-          </a:fontRef>
-        </p:style>
-      </p:cxnSp>
-      <p:sp>
-        <p:nvSpPr>
-          <p:cNvPr id="31" name="圆角矩形 30"/>
-          <p:cNvSpPr/>
-          <p:nvPr/>
-        </p:nvSpPr>
-        <p:spPr>
-          <a:xfrm>
-            <a:off x="2158329" y="5505118"/>
-            <a:ext cx="1645921" cy="529388"/>
-          </a:xfrm>
-          <a:prstGeom prst="roundRect">
-            <a:avLst/>
-          </a:prstGeom>
-        </p:spPr>
-        <p:style>
-          <a:lnRef idx="1">
-            <a:schemeClr val="accent1"/>
-          </a:lnRef>
-          <a:fillRef idx="2">
-            <a:schemeClr val="accent1"/>
-          </a:fillRef>
-          <a:effectRef idx="1">
-            <a:schemeClr val="accent1"/>
-          </a:effectRef>
-          <a:fontRef idx="minor">
-            <a:schemeClr val="dk1"/>
-          </a:fontRef>
-        </p:style>
-        <p:txBody>
-          <a:bodyPr rtlCol="0" anchor="ctr"/>
-          <a:lstStyle/>
-          <a:p>
-            <a:pPr algn="ctr"/>
-            <a:r>
-              <a:rPr lang="en-US" altLang="zh-CN" dirty="0" err="1" smtClean="0">
-                <a:solidFill>
-                  <a:schemeClr val="bg1"/>
-                </a:solidFill>
-              </a:rPr>
-              <a:t>DataNode</a:t>
-            </a:r>
-            <a:endParaRPr lang="en-US" altLang="zh-CN" dirty="0" smtClean="0">
-              <a:solidFill>
-                <a:schemeClr val="bg1"/>
-              </a:solidFill>
-            </a:endParaRPr>
-          </a:p>
-          <a:p>
-            <a:pPr algn="ctr"/>
-            <a:r>
-              <a:rPr lang="en-US" altLang="zh-CN" dirty="0" err="1" smtClean="0"/>
-              <a:t>NodeManager</a:t>
-            </a:r>
-            <a:endParaRPr lang="en-US" altLang="zh-CN" dirty="0" smtClean="0"/>
-          </a:p>
-        </p:txBody>
-      </p:sp>
-      <p:sp>
-        <p:nvSpPr>
-          <p:cNvPr id="32" name="圆角矩形 31"/>
-          <p:cNvSpPr/>
-          <p:nvPr/>
-        </p:nvSpPr>
-        <p:spPr>
-          <a:xfrm>
-            <a:off x="4141134" y="5505118"/>
-            <a:ext cx="1645921" cy="529388"/>
-          </a:xfrm>
-          <a:prstGeom prst="roundRect">
-            <a:avLst/>
-          </a:prstGeom>
-        </p:spPr>
-        <p:style>
-          <a:lnRef idx="1">
-            <a:schemeClr val="accent1"/>
-          </a:lnRef>
-          <a:fillRef idx="2">
-            <a:schemeClr val="accent1"/>
-          </a:fillRef>
-          <a:effectRef idx="1">
-            <a:schemeClr val="accent1"/>
-          </a:effectRef>
-          <a:fontRef idx="minor">
-            <a:schemeClr val="dk1"/>
-          </a:fontRef>
-        </p:style>
-        <p:txBody>
-          <a:bodyPr rtlCol="0" anchor="ctr"/>
-          <a:lstStyle/>
-          <a:p>
-            <a:pPr algn="ctr"/>
-            <a:r>
-              <a:rPr lang="en-US" altLang="zh-CN" dirty="0" err="1" smtClean="0">
-                <a:solidFill>
-                  <a:schemeClr val="bg1"/>
-                </a:solidFill>
-              </a:rPr>
-              <a:t>DataNode</a:t>
-            </a:r>
-            <a:endParaRPr lang="en-US" altLang="zh-CN" dirty="0" smtClean="0">
-              <a:solidFill>
-                <a:schemeClr val="bg1"/>
-              </a:solidFill>
-            </a:endParaRPr>
-          </a:p>
-          <a:p>
-            <a:pPr algn="ctr"/>
-            <a:r>
-              <a:rPr lang="en-US" altLang="zh-CN" dirty="0" err="1" smtClean="0"/>
-              <a:t>NodeManager</a:t>
-            </a:r>
-            <a:endParaRPr lang="en-US" altLang="zh-CN" dirty="0" smtClean="0"/>
-          </a:p>
-        </p:txBody>
-      </p:sp>
-      <p:sp>
-        <p:nvSpPr>
-          <p:cNvPr id="33" name="圆角矩形 32"/>
-          <p:cNvSpPr/>
-          <p:nvPr/>
-        </p:nvSpPr>
-        <p:spPr>
-          <a:xfrm>
-            <a:off x="6090251" y="5505118"/>
-            <a:ext cx="1645921" cy="529388"/>
-          </a:xfrm>
-          <a:prstGeom prst="roundRect">
-            <a:avLst/>
-          </a:prstGeom>
-        </p:spPr>
-        <p:style>
-          <a:lnRef idx="1">
-            <a:schemeClr val="accent1"/>
-          </a:lnRef>
-          <a:fillRef idx="2">
-            <a:schemeClr val="accent1"/>
-          </a:fillRef>
-          <a:effectRef idx="1">
-            <a:schemeClr val="accent1"/>
-          </a:effectRef>
-          <a:fontRef idx="minor">
-            <a:schemeClr val="dk1"/>
-          </a:fontRef>
-        </p:style>
-        <p:txBody>
-          <a:bodyPr rtlCol="0" anchor="ctr"/>
-          <a:lstStyle/>
-          <a:p>
-            <a:pPr algn="ctr"/>
-            <a:r>
-              <a:rPr lang="en-US" altLang="zh-CN" dirty="0" err="1" smtClean="0">
-                <a:solidFill>
-                  <a:schemeClr val="bg1"/>
-                </a:solidFill>
-              </a:rPr>
-              <a:t>DataNode</a:t>
-            </a:r>
-            <a:endParaRPr lang="en-US" altLang="zh-CN" dirty="0" smtClean="0">
-              <a:solidFill>
-                <a:schemeClr val="bg1"/>
-              </a:solidFill>
-            </a:endParaRPr>
-          </a:p>
-          <a:p>
-            <a:pPr algn="ctr"/>
-            <a:r>
-              <a:rPr lang="en-US" altLang="zh-CN" dirty="0" err="1" smtClean="0"/>
-              <a:t>NodeManager</a:t>
-            </a:r>
-            <a:endParaRPr lang="en-US" altLang="zh-CN" dirty="0" smtClean="0"/>
-          </a:p>
-        </p:txBody>
-      </p:sp>
-      <p:sp>
-        <p:nvSpPr>
-          <p:cNvPr id="34" name="圆角矩形 33"/>
-          <p:cNvSpPr/>
-          <p:nvPr/>
-        </p:nvSpPr>
-        <p:spPr>
-          <a:xfrm>
-            <a:off x="8085086" y="5514741"/>
-            <a:ext cx="1645921" cy="529388"/>
-          </a:xfrm>
-          <a:prstGeom prst="roundRect">
-            <a:avLst/>
-          </a:prstGeom>
-        </p:spPr>
-        <p:style>
-          <a:lnRef idx="1">
-            <a:schemeClr val="accent1"/>
-          </a:lnRef>
-          <a:fillRef idx="2">
-            <a:schemeClr val="accent1"/>
-          </a:fillRef>
-          <a:effectRef idx="1">
-            <a:schemeClr val="accent1"/>
-          </a:effectRef>
-          <a:fontRef idx="minor">
-            <a:schemeClr val="dk1"/>
-          </a:fontRef>
-        </p:style>
-        <p:txBody>
-          <a:bodyPr rtlCol="0" anchor="ctr"/>
-          <a:lstStyle/>
-          <a:p>
-            <a:pPr algn="ctr"/>
-            <a:r>
-              <a:rPr lang="en-US" altLang="zh-CN" dirty="0" err="1" smtClean="0">
-                <a:solidFill>
-                  <a:schemeClr val="bg1"/>
-                </a:solidFill>
-              </a:rPr>
-              <a:t>DataNode</a:t>
-            </a:r>
-            <a:endParaRPr lang="en-US" altLang="zh-CN" dirty="0" smtClean="0">
-              <a:solidFill>
-                <a:schemeClr val="bg1"/>
-              </a:solidFill>
-            </a:endParaRPr>
-          </a:p>
-          <a:p>
-            <a:pPr algn="ctr"/>
-            <a:r>
-              <a:rPr lang="en-US" altLang="zh-CN" dirty="0" err="1" smtClean="0"/>
-              <a:t>NodeManager</a:t>
-            </a:r>
-            <a:endParaRPr lang="en-US" altLang="zh-CN" dirty="0" smtClean="0"/>
-          </a:p>
-        </p:txBody>
-      </p:sp>
-      <p:cxnSp>
-        <p:nvCxnSpPr>
-          <p:cNvPr id="36" name="直接箭头连接符 35"/>
-          <p:cNvCxnSpPr>
-            <a:stCxn id="31" idx="0"/>
-            <a:endCxn id="8" idx="2"/>
-          </p:cNvCxnSpPr>
-          <p:nvPr/>
-        </p:nvCxnSpPr>
-        <p:spPr>
-          <a:xfrm flipH="1" flipV="1">
-            <a:off x="2369785" y="3368343"/>
-            <a:ext cx="620395" cy="2136775"/>
-          </a:xfrm>
-          <a:prstGeom prst="straightConnector1">
-            <a:avLst/>
-          </a:prstGeom>
-          <a:ln>
-            <a:tailEnd type="triangle"/>
-          </a:ln>
-        </p:spPr>
-        <p:style>
-          <a:lnRef idx="1">
-            <a:schemeClr val="accent1"/>
-          </a:lnRef>
-          <a:fillRef idx="0">
-            <a:schemeClr val="accent1"/>
-          </a:fillRef>
-          <a:effectRef idx="0">
-            <a:schemeClr val="accent1"/>
-          </a:effectRef>
-          <a:fontRef idx="minor">
-            <a:schemeClr val="tx1"/>
-          </a:fontRef>
-        </p:style>
-      </p:cxnSp>
-      <p:cxnSp>
-        <p:nvCxnSpPr>
-          <p:cNvPr id="38" name="直接箭头连接符 37"/>
-          <p:cNvCxnSpPr>
-            <a:stCxn id="32" idx="0"/>
-            <a:endCxn id="8" idx="2"/>
-          </p:cNvCxnSpPr>
-          <p:nvPr/>
-        </p:nvCxnSpPr>
-        <p:spPr>
-          <a:xfrm flipH="1" flipV="1">
-            <a:off x="2370120" y="3368343"/>
-            <a:ext cx="2602865" cy="2136775"/>
-          </a:xfrm>
-          <a:prstGeom prst="straightConnector1">
-            <a:avLst/>
-          </a:prstGeom>
-          <a:ln>
-            <a:tailEnd type="triangle"/>
-          </a:ln>
-        </p:spPr>
-        <p:style>
-          <a:lnRef idx="1">
-            <a:schemeClr val="accent1"/>
-          </a:lnRef>
-          <a:fillRef idx="0">
-            <a:schemeClr val="accent1"/>
-          </a:fillRef>
-          <a:effectRef idx="0">
-            <a:schemeClr val="accent1"/>
-          </a:effectRef>
-          <a:fontRef idx="minor">
-            <a:schemeClr val="tx1"/>
-          </a:fontRef>
-        </p:style>
-      </p:cxnSp>
-      <p:cxnSp>
-        <p:nvCxnSpPr>
-          <p:cNvPr id="40" name="直接箭头连接符 39"/>
-          <p:cNvCxnSpPr>
-            <a:stCxn id="33" idx="0"/>
-            <a:endCxn id="8" idx="2"/>
-          </p:cNvCxnSpPr>
-          <p:nvPr/>
-        </p:nvCxnSpPr>
-        <p:spPr>
-          <a:xfrm flipH="1" flipV="1">
-            <a:off x="2369787" y="3368343"/>
-            <a:ext cx="4552315" cy="2136775"/>
-          </a:xfrm>
-          <a:prstGeom prst="straightConnector1">
-            <a:avLst/>
-          </a:prstGeom>
-          <a:ln>
-            <a:tailEnd type="triangle"/>
-          </a:ln>
-        </p:spPr>
-        <p:style>
-          <a:lnRef idx="1">
-            <a:schemeClr val="accent1"/>
-          </a:lnRef>
-          <a:fillRef idx="0">
-            <a:schemeClr val="accent1"/>
-          </a:fillRef>
-          <a:effectRef idx="0">
-            <a:schemeClr val="accent1"/>
-          </a:effectRef>
-          <a:fontRef idx="minor">
-            <a:schemeClr val="tx1"/>
-          </a:fontRef>
-        </p:style>
-      </p:cxnSp>
-      <p:cxnSp>
-        <p:nvCxnSpPr>
-          <p:cNvPr id="42" name="直接箭头连接符 41"/>
-          <p:cNvCxnSpPr>
-            <a:stCxn id="34" idx="0"/>
-            <a:endCxn id="8" idx="2"/>
-          </p:cNvCxnSpPr>
-          <p:nvPr/>
-        </p:nvCxnSpPr>
-        <p:spPr>
-          <a:xfrm flipH="1" flipV="1">
-            <a:off x="2370087" y="3367806"/>
-            <a:ext cx="6546850" cy="2146935"/>
-          </a:xfrm>
-          <a:prstGeom prst="straightConnector1">
-            <a:avLst/>
-          </a:prstGeom>
-          <a:ln>
-            <a:tailEnd type="triangle"/>
-          </a:ln>
-        </p:spPr>
-        <p:style>
-          <a:lnRef idx="1">
-            <a:schemeClr val="accent1"/>
-          </a:lnRef>
-          <a:fillRef idx="0">
-            <a:schemeClr val="accent1"/>
-          </a:fillRef>
-          <a:effectRef idx="0">
-            <a:schemeClr val="accent1"/>
-          </a:effectRef>
-          <a:fontRef idx="minor">
-            <a:schemeClr val="tx1"/>
-          </a:fontRef>
-        </p:style>
-      </p:cxnSp>
-      <p:cxnSp>
-        <p:nvCxnSpPr>
-          <p:cNvPr id="44" name="直接箭头连接符 43"/>
-          <p:cNvCxnSpPr>
-            <a:stCxn id="31" idx="0"/>
-            <a:endCxn id="17" idx="2"/>
-          </p:cNvCxnSpPr>
-          <p:nvPr/>
-        </p:nvCxnSpPr>
-        <p:spPr>
-          <a:xfrm flipV="1">
-            <a:off x="2990180" y="3349293"/>
-            <a:ext cx="6122035" cy="2155825"/>
-          </a:xfrm>
-          <a:prstGeom prst="straightConnector1">
-            <a:avLst/>
-          </a:prstGeom>
-          <a:ln>
-            <a:tailEnd type="triangle"/>
-          </a:ln>
-        </p:spPr>
-        <p:style>
-          <a:lnRef idx="1">
-            <a:schemeClr val="accent1"/>
-          </a:lnRef>
-          <a:fillRef idx="0">
-            <a:schemeClr val="accent1"/>
-          </a:fillRef>
-          <a:effectRef idx="0">
-            <a:schemeClr val="accent1"/>
-          </a:effectRef>
-          <a:fontRef idx="minor">
-            <a:schemeClr val="tx1"/>
-          </a:fontRef>
-        </p:style>
-      </p:cxnSp>
-      <p:cxnSp>
-        <p:nvCxnSpPr>
-          <p:cNvPr id="48" name="直接箭头连接符 47"/>
-          <p:cNvCxnSpPr>
-            <a:stCxn id="32" idx="0"/>
-            <a:endCxn id="17" idx="2"/>
-          </p:cNvCxnSpPr>
-          <p:nvPr/>
-        </p:nvCxnSpPr>
-        <p:spPr>
-          <a:xfrm flipV="1">
-            <a:off x="4972985" y="3349293"/>
-            <a:ext cx="4139565" cy="2155825"/>
-          </a:xfrm>
-          <a:prstGeom prst="straightConnector1">
-            <a:avLst/>
-          </a:prstGeom>
-          <a:ln>
-            <a:tailEnd type="triangle"/>
-          </a:ln>
-        </p:spPr>
-        <p:style>
-          <a:lnRef idx="1">
-            <a:schemeClr val="accent1"/>
-          </a:lnRef>
-          <a:fillRef idx="0">
-            <a:schemeClr val="accent1"/>
-          </a:fillRef>
-          <a:effectRef idx="0">
-            <a:schemeClr val="accent1"/>
-          </a:effectRef>
-          <a:fontRef idx="minor">
-            <a:schemeClr val="tx1"/>
-          </a:fontRef>
-        </p:style>
-      </p:cxnSp>
-      <p:cxnSp>
-        <p:nvCxnSpPr>
-          <p:cNvPr id="50" name="直接箭头连接符 49"/>
-          <p:cNvCxnSpPr>
-            <a:stCxn id="33" idx="0"/>
-            <a:endCxn id="17" idx="2"/>
-          </p:cNvCxnSpPr>
-          <p:nvPr/>
-        </p:nvCxnSpPr>
-        <p:spPr>
-          <a:xfrm flipV="1">
-            <a:off x="6922102" y="3349293"/>
-            <a:ext cx="2190115" cy="2155825"/>
-          </a:xfrm>
-          <a:prstGeom prst="straightConnector1">
-            <a:avLst/>
-          </a:prstGeom>
-          <a:ln>
-            <a:tailEnd type="triangle"/>
-          </a:ln>
-        </p:spPr>
-        <p:style>
-          <a:lnRef idx="1">
-            <a:schemeClr val="accent1"/>
-          </a:lnRef>
-          <a:fillRef idx="0">
-            <a:schemeClr val="accent1"/>
-          </a:fillRef>
-          <a:effectRef idx="0">
-            <a:schemeClr val="accent1"/>
-          </a:effectRef>
-          <a:fontRef idx="minor">
-            <a:schemeClr val="tx1"/>
-          </a:fontRef>
-        </p:style>
-      </p:cxnSp>
-      <p:cxnSp>
-        <p:nvCxnSpPr>
-          <p:cNvPr id="52" name="直接箭头连接符 51"/>
-          <p:cNvCxnSpPr>
-            <a:stCxn id="34" idx="0"/>
-            <a:endCxn id="17" idx="2"/>
-          </p:cNvCxnSpPr>
-          <p:nvPr/>
-        </p:nvCxnSpPr>
-        <p:spPr>
-          <a:xfrm flipV="1">
-            <a:off x="8916937" y="3348756"/>
-            <a:ext cx="195580" cy="2165985"/>
-          </a:xfrm>
-          <a:prstGeom prst="straightConnector1">
-            <a:avLst/>
-          </a:prstGeom>
-          <a:ln>
-            <a:tailEnd type="triangle"/>
-          </a:ln>
-        </p:spPr>
-        <p:style>
-          <a:lnRef idx="1">
-            <a:schemeClr val="accent1"/>
-          </a:lnRef>
-          <a:fillRef idx="0">
-            <a:schemeClr val="accent1"/>
-          </a:fillRef>
-          <a:effectRef idx="0">
-            <a:schemeClr val="accent1"/>
-          </a:effectRef>
-          <a:fontRef idx="minor">
-            <a:schemeClr val="tx1"/>
-          </a:fontRef>
-        </p:style>
-      </p:cxnSp>
-      <p:sp>
-        <p:nvSpPr>
-          <p:cNvPr id="59" name="圆角矩形 58"/>
-          <p:cNvSpPr/>
-          <p:nvPr/>
-        </p:nvSpPr>
-        <p:spPr>
-          <a:xfrm>
-            <a:off x="4299949" y="711738"/>
-            <a:ext cx="856647" cy="385010"/>
-          </a:xfrm>
-          <a:prstGeom prst="roundRect">
-            <a:avLst/>
-          </a:prstGeom>
-        </p:spPr>
-        <p:style>
-          <a:lnRef idx="2">
-            <a:schemeClr val="accent4">
-              <a:shade val="50000"/>
-            </a:schemeClr>
-          </a:lnRef>
-          <a:fillRef idx="1">
-            <a:schemeClr val="accent4"/>
-          </a:fillRef>
-          <a:effectRef idx="0">
-            <a:schemeClr val="accent4"/>
-          </a:effectRef>
-          <a:fontRef idx="minor">
-            <a:schemeClr val="lt1"/>
-          </a:fontRef>
-        </p:style>
-        <p:txBody>
-          <a:bodyPr rtlCol="0" anchor="ctr"/>
-          <a:lstStyle/>
-          <a:p>
-            <a:pPr algn="ctr"/>
-            <a:r>
-              <a:rPr lang="en-US" altLang="zh-CN" dirty="0" smtClean="0">
-                <a:solidFill>
-                  <a:srgbClr val="0070C0"/>
-                </a:solidFill>
-              </a:rPr>
-              <a:t>ZK</a:t>
-            </a:r>
-            <a:endParaRPr lang="zh-CN" altLang="en-US" dirty="0">
-              <a:solidFill>
-                <a:srgbClr val="0070C0"/>
-              </a:solidFill>
-            </a:endParaRPr>
-          </a:p>
-        </p:txBody>
-      </p:sp>
-      <p:sp>
-        <p:nvSpPr>
-          <p:cNvPr id="60" name="圆角矩形 59"/>
-          <p:cNvSpPr/>
-          <p:nvPr/>
-        </p:nvSpPr>
-        <p:spPr>
-          <a:xfrm>
-            <a:off x="6321257" y="706927"/>
-            <a:ext cx="856647" cy="385010"/>
-          </a:xfrm>
-          <a:prstGeom prst="roundRect">
-            <a:avLst/>
-          </a:prstGeom>
-        </p:spPr>
-        <p:style>
-          <a:lnRef idx="2">
-            <a:schemeClr val="accent4">
-              <a:shade val="50000"/>
-            </a:schemeClr>
-          </a:lnRef>
-          <a:fillRef idx="1">
-            <a:schemeClr val="accent4"/>
-          </a:fillRef>
-          <a:effectRef idx="0">
-            <a:schemeClr val="accent4"/>
-          </a:effectRef>
-          <a:fontRef idx="minor">
-            <a:schemeClr val="lt1"/>
-          </a:fontRef>
-        </p:style>
-        <p:txBody>
-          <a:bodyPr rtlCol="0" anchor="ctr"/>
-          <a:lstStyle/>
-          <a:p>
-            <a:pPr algn="ctr"/>
-            <a:r>
-              <a:rPr lang="en-US" altLang="zh-CN" dirty="0" smtClean="0">
-                <a:solidFill>
-                  <a:srgbClr val="0070C0"/>
-                </a:solidFill>
-              </a:rPr>
-              <a:t>ZK</a:t>
-            </a:r>
-            <a:endParaRPr lang="zh-CN" altLang="en-US" dirty="0">
-              <a:solidFill>
-                <a:srgbClr val="0070C0"/>
-              </a:solidFill>
-            </a:endParaRPr>
-          </a:p>
-        </p:txBody>
-      </p:sp>
-    </p:spTree>
-  </p:cSld>
-  <p:clrMapOvr>
-    <a:masterClrMapping/>
-  </p:clrMapOvr>
-</p:sld>
-</file>
-
 <file path=ppt/slides/slide4.xml><?xml version="1.0" encoding="utf-8"?>
 <p:sld xmlns:a="http://schemas.openxmlformats.org/drawingml/2006/main" xmlns:r="http://schemas.openxmlformats.org/officeDocument/2006/relationships" xmlns:p="http://schemas.openxmlformats.org/presentationml/2006/main">
   <p:cSld>

--- a/ppt/BI.pptx
+++ b/ppt/BI.pptx
@@ -5,15 +5,18 @@
     <p:sldMasterId id="2147483648" r:id="rId1"/>
   </p:sldMasterIdLst>
   <p:notesMasterIdLst>
-    <p:notesMasterId r:id="rId7"/>
+    <p:notesMasterId r:id="rId10"/>
   </p:notesMasterIdLst>
   <p:sldIdLst>
-    <p:sldId id="257" r:id="rId3"/>
-    <p:sldId id="256" r:id="rId4"/>
-    <p:sldId id="262" r:id="rId5"/>
-    <p:sldId id="258" r:id="rId6"/>
-    <p:sldId id="260" r:id="rId8"/>
-    <p:sldId id="261" r:id="rId9"/>
+    <p:sldId id="256" r:id="rId3"/>
+    <p:sldId id="268" r:id="rId4"/>
+    <p:sldId id="257" r:id="rId5"/>
+    <p:sldId id="267" r:id="rId6"/>
+    <p:sldId id="262" r:id="rId7"/>
+    <p:sldId id="266" r:id="rId8"/>
+    <p:sldId id="258" r:id="rId9"/>
+    <p:sldId id="260" r:id="rId11"/>
+    <p:sldId id="261" r:id="rId12"/>
   </p:sldIdLst>
   <p:sldSz cx="12192000" cy="6858000"/>
   <p:notesSz cx="6858000" cy="9144000"/>
@@ -3502,21 +3505,638 @@
         <p:cNvGrpSpPr/>
         <p:nvPr/>
       </p:nvGrpSpPr>
-      <p:grpSpPr/>
-      <p:sp>
-        <p:nvSpPr>
-          <p:cNvPr id="10" name="圆角矩形 9"/>
+      <p:grpSpPr>
+        <a:xfrm>
+          <a:off x="0" y="0"/>
+          <a:ext cx="0" cy="0"/>
+          <a:chOff x="0" y="0"/>
+          <a:chExt cx="0" cy="0"/>
+        </a:xfrm>
+      </p:grpSpPr>
+      <p:sp>
+        <p:nvSpPr>
+          <p:cNvPr id="22" name="圆角矩形 21"/>
           <p:cNvSpPr/>
           <p:nvPr/>
         </p:nvSpPr>
         <p:spPr>
           <a:xfrm>
-            <a:off x="4117975" y="1449070"/>
-            <a:ext cx="1616075" cy="538480"/>
+            <a:off x="2770505" y="5379085"/>
+            <a:ext cx="8208645" cy="882015"/>
           </a:xfrm>
           <a:prstGeom prst="roundRect">
             <a:avLst/>
           </a:prstGeom>
+          <a:ln w="12700" cmpd="sng">
+            <a:solidFill>
+              <a:schemeClr val="accent1">
+                <a:shade val="50000"/>
+              </a:schemeClr>
+            </a:solidFill>
+            <a:prstDash val="lgDashDot"/>
+          </a:ln>
+        </p:spPr>
+        <p:style>
+          <a:lnRef idx="2">
+            <a:schemeClr val="accent1"/>
+          </a:lnRef>
+          <a:fillRef idx="1">
+            <a:schemeClr val="lt1"/>
+          </a:fillRef>
+          <a:effectRef idx="0">
+            <a:schemeClr val="accent1"/>
+          </a:effectRef>
+          <a:fontRef idx="minor">
+            <a:schemeClr val="dk1"/>
+          </a:fontRef>
+        </p:style>
+        <p:txBody>
+          <a:bodyPr rtlCol="0" anchor="ctr"/>
+          <a:p>
+            <a:pPr algn="ctr"/>
+            <a:endParaRPr lang="zh-CN" altLang="en-US" dirty="0"/>
+          </a:p>
+        </p:txBody>
+      </p:sp>
+      <p:sp>
+        <p:nvSpPr>
+          <p:cNvPr id="4" name="圆角矩形 3"/>
+          <p:cNvSpPr/>
+          <p:nvPr/>
+        </p:nvSpPr>
+        <p:spPr>
+          <a:xfrm>
+            <a:off x="3762375" y="769620"/>
+            <a:ext cx="6081395" cy="928370"/>
+          </a:xfrm>
+          <a:prstGeom prst="roundRect">
+            <a:avLst/>
+          </a:prstGeom>
+          <a:ln w="12700" cmpd="sng">
+            <a:solidFill>
+              <a:schemeClr val="accent1">
+                <a:shade val="50000"/>
+              </a:schemeClr>
+            </a:solidFill>
+            <a:prstDash val="lgDashDot"/>
+          </a:ln>
+        </p:spPr>
+        <p:style>
+          <a:lnRef idx="2">
+            <a:schemeClr val="accent1"/>
+          </a:lnRef>
+          <a:fillRef idx="1">
+            <a:schemeClr val="lt1"/>
+          </a:fillRef>
+          <a:effectRef idx="0">
+            <a:schemeClr val="accent1"/>
+          </a:effectRef>
+          <a:fontRef idx="minor">
+            <a:schemeClr val="dk1"/>
+          </a:fontRef>
+        </p:style>
+        <p:txBody>
+          <a:bodyPr rtlCol="0" anchor="ctr"/>
+          <a:lstStyle/>
+          <a:p>
+            <a:pPr algn="ctr"/>
+            <a:endParaRPr lang="zh-CN" altLang="en-US" dirty="0"/>
+          </a:p>
+        </p:txBody>
+      </p:sp>
+      <p:sp>
+        <p:nvSpPr>
+          <p:cNvPr id="8" name="圆角矩形 7"/>
+          <p:cNvSpPr/>
+          <p:nvPr/>
+        </p:nvSpPr>
+        <p:spPr>
+          <a:xfrm>
+            <a:off x="3443569" y="3223929"/>
+            <a:ext cx="1501542" cy="1241658"/>
+          </a:xfrm>
+          <a:prstGeom prst="roundRect">
+            <a:avLst/>
+          </a:prstGeom>
+        </p:spPr>
+        <p:style>
+          <a:lnRef idx="2">
+            <a:schemeClr val="accent4">
+              <a:shade val="50000"/>
+            </a:schemeClr>
+          </a:lnRef>
+          <a:fillRef idx="1">
+            <a:schemeClr val="accent4"/>
+          </a:fillRef>
+          <a:effectRef idx="0">
+            <a:schemeClr val="accent4"/>
+          </a:effectRef>
+          <a:fontRef idx="minor">
+            <a:schemeClr val="lt1"/>
+          </a:fontRef>
+        </p:style>
+        <p:txBody>
+          <a:bodyPr rtlCol="0" anchor="ctr"/>
+          <a:lstStyle/>
+          <a:p>
+            <a:pPr algn="ctr"/>
+            <a:r>
+              <a:rPr lang="en-US" altLang="zh-CN" dirty="0" err="1" smtClean="0"/>
+              <a:t>NameNode</a:t>
+            </a:r>
+            <a:r>
+              <a:rPr lang="en-US" altLang="zh-CN" dirty="0" smtClean="0"/>
+              <a:t>(active)</a:t>
+            </a:r>
+            <a:endParaRPr lang="en-US" altLang="zh-CN" dirty="0" smtClean="0"/>
+          </a:p>
+          <a:p>
+            <a:pPr algn="ctr"/>
+            <a:r>
+              <a:rPr lang="en-US" altLang="zh-CN" dirty="0" err="1" smtClean="0">
+                <a:solidFill>
+                  <a:schemeClr val="tx1"/>
+                </a:solidFill>
+              </a:rPr>
+              <a:t>ResourceManager</a:t>
+            </a:r>
+            <a:endParaRPr lang="zh-CN" altLang="en-US" dirty="0">
+              <a:solidFill>
+                <a:schemeClr val="tx1"/>
+              </a:solidFill>
+            </a:endParaRPr>
+          </a:p>
+        </p:txBody>
+      </p:sp>
+      <p:sp>
+        <p:nvSpPr>
+          <p:cNvPr id="17" name="圆角矩形 16"/>
+          <p:cNvSpPr/>
+          <p:nvPr/>
+        </p:nvSpPr>
+        <p:spPr>
+          <a:xfrm>
+            <a:off x="8600469" y="3098834"/>
+            <a:ext cx="1501542" cy="1222408"/>
+          </a:xfrm>
+          <a:prstGeom prst="roundRect">
+            <a:avLst/>
+          </a:prstGeom>
+        </p:spPr>
+        <p:style>
+          <a:lnRef idx="2">
+            <a:schemeClr val="accent4">
+              <a:shade val="50000"/>
+            </a:schemeClr>
+          </a:lnRef>
+          <a:fillRef idx="1">
+            <a:schemeClr val="accent4"/>
+          </a:fillRef>
+          <a:effectRef idx="0">
+            <a:schemeClr val="accent4"/>
+          </a:effectRef>
+          <a:fontRef idx="minor">
+            <a:schemeClr val="lt1"/>
+          </a:fontRef>
+        </p:style>
+        <p:txBody>
+          <a:bodyPr rtlCol="0" anchor="ctr"/>
+          <a:lstStyle/>
+          <a:p>
+            <a:pPr algn="ctr"/>
+            <a:r>
+              <a:rPr lang="en-US" altLang="zh-CN" dirty="0" err="1" smtClean="0"/>
+              <a:t>NameNode</a:t>
+            </a:r>
+            <a:endParaRPr lang="en-US" altLang="zh-CN" dirty="0" smtClean="0"/>
+          </a:p>
+          <a:p>
+            <a:pPr algn="ctr"/>
+            <a:r>
+              <a:rPr lang="en-US" altLang="zh-CN" dirty="0" smtClean="0"/>
+              <a:t>(standby)</a:t>
+            </a:r>
+            <a:endParaRPr lang="en-US" altLang="zh-CN" dirty="0" smtClean="0"/>
+          </a:p>
+          <a:p>
+            <a:pPr algn="ctr"/>
+            <a:r>
+              <a:rPr lang="en-US" altLang="zh-CN" dirty="0" err="1" smtClean="0">
+                <a:solidFill>
+                  <a:schemeClr val="tx1"/>
+                </a:solidFill>
+              </a:rPr>
+              <a:t>ResourceManager</a:t>
+            </a:r>
+            <a:endParaRPr lang="zh-CN" altLang="en-US" dirty="0">
+              <a:solidFill>
+                <a:schemeClr val="tx1"/>
+              </a:solidFill>
+            </a:endParaRPr>
+          </a:p>
+        </p:txBody>
+      </p:sp>
+      <p:sp>
+        <p:nvSpPr>
+          <p:cNvPr id="31" name="圆角矩形 30"/>
+          <p:cNvSpPr/>
+          <p:nvPr/>
+        </p:nvSpPr>
+        <p:spPr>
+          <a:xfrm>
+            <a:off x="3081619" y="5577508"/>
+            <a:ext cx="1645921" cy="529388"/>
+          </a:xfrm>
+          <a:prstGeom prst="roundRect">
+            <a:avLst/>
+          </a:prstGeom>
+        </p:spPr>
+        <p:style>
+          <a:lnRef idx="1">
+            <a:schemeClr val="accent1"/>
+          </a:lnRef>
+          <a:fillRef idx="2">
+            <a:schemeClr val="accent1"/>
+          </a:fillRef>
+          <a:effectRef idx="1">
+            <a:schemeClr val="accent1"/>
+          </a:effectRef>
+          <a:fontRef idx="minor">
+            <a:schemeClr val="dk1"/>
+          </a:fontRef>
+        </p:style>
+        <p:txBody>
+          <a:bodyPr rtlCol="0" anchor="ctr"/>
+          <a:lstStyle/>
+          <a:p>
+            <a:pPr algn="ctr"/>
+            <a:r>
+              <a:rPr lang="en-US" altLang="zh-CN" dirty="0" err="1" smtClean="0">
+                <a:solidFill>
+                  <a:schemeClr val="bg1"/>
+                </a:solidFill>
+              </a:rPr>
+              <a:t>DataNode</a:t>
+            </a:r>
+            <a:endParaRPr lang="en-US" altLang="zh-CN" dirty="0" smtClean="0">
+              <a:solidFill>
+                <a:schemeClr val="bg1"/>
+              </a:solidFill>
+            </a:endParaRPr>
+          </a:p>
+          <a:p>
+            <a:pPr algn="ctr"/>
+            <a:r>
+              <a:rPr lang="en-US" altLang="zh-CN" dirty="0" err="1" smtClean="0"/>
+              <a:t>NodeManager</a:t>
+            </a:r>
+            <a:endParaRPr lang="en-US" altLang="zh-CN" dirty="0" smtClean="0"/>
+          </a:p>
+        </p:txBody>
+      </p:sp>
+      <p:sp>
+        <p:nvSpPr>
+          <p:cNvPr id="32" name="圆角矩形 31"/>
+          <p:cNvSpPr/>
+          <p:nvPr/>
+        </p:nvSpPr>
+        <p:spPr>
+          <a:xfrm>
+            <a:off x="5007909" y="5577508"/>
+            <a:ext cx="1645921" cy="529388"/>
+          </a:xfrm>
+          <a:prstGeom prst="roundRect">
+            <a:avLst/>
+          </a:prstGeom>
+        </p:spPr>
+        <p:style>
+          <a:lnRef idx="1">
+            <a:schemeClr val="accent1"/>
+          </a:lnRef>
+          <a:fillRef idx="2">
+            <a:schemeClr val="accent1"/>
+          </a:fillRef>
+          <a:effectRef idx="1">
+            <a:schemeClr val="accent1"/>
+          </a:effectRef>
+          <a:fontRef idx="minor">
+            <a:schemeClr val="dk1"/>
+          </a:fontRef>
+        </p:style>
+        <p:txBody>
+          <a:bodyPr rtlCol="0" anchor="ctr"/>
+          <a:lstStyle/>
+          <a:p>
+            <a:pPr algn="ctr"/>
+            <a:r>
+              <a:rPr lang="en-US" altLang="zh-CN" dirty="0" err="1" smtClean="0">
+                <a:solidFill>
+                  <a:schemeClr val="bg1"/>
+                </a:solidFill>
+              </a:rPr>
+              <a:t>DataNode</a:t>
+            </a:r>
+            <a:endParaRPr lang="en-US" altLang="zh-CN" dirty="0" smtClean="0">
+              <a:solidFill>
+                <a:schemeClr val="bg1"/>
+              </a:solidFill>
+            </a:endParaRPr>
+          </a:p>
+          <a:p>
+            <a:pPr algn="ctr"/>
+            <a:r>
+              <a:rPr lang="en-US" altLang="zh-CN" dirty="0" err="1" smtClean="0"/>
+              <a:t>NodeManager</a:t>
+            </a:r>
+            <a:endParaRPr lang="en-US" altLang="zh-CN" dirty="0" smtClean="0"/>
+          </a:p>
+        </p:txBody>
+      </p:sp>
+      <p:sp>
+        <p:nvSpPr>
+          <p:cNvPr id="33" name="圆角矩形 32"/>
+          <p:cNvSpPr/>
+          <p:nvPr/>
+        </p:nvSpPr>
+        <p:spPr>
+          <a:xfrm>
+            <a:off x="6966551" y="5577508"/>
+            <a:ext cx="1645921" cy="529388"/>
+          </a:xfrm>
+          <a:prstGeom prst="roundRect">
+            <a:avLst/>
+          </a:prstGeom>
+        </p:spPr>
+        <p:style>
+          <a:lnRef idx="1">
+            <a:schemeClr val="accent1"/>
+          </a:lnRef>
+          <a:fillRef idx="2">
+            <a:schemeClr val="accent1"/>
+          </a:fillRef>
+          <a:effectRef idx="1">
+            <a:schemeClr val="accent1"/>
+          </a:effectRef>
+          <a:fontRef idx="minor">
+            <a:schemeClr val="dk1"/>
+          </a:fontRef>
+        </p:style>
+        <p:txBody>
+          <a:bodyPr rtlCol="0" anchor="ctr"/>
+          <a:lstStyle/>
+          <a:p>
+            <a:pPr algn="ctr"/>
+            <a:r>
+              <a:rPr lang="en-US" altLang="zh-CN" dirty="0" err="1" smtClean="0">
+                <a:solidFill>
+                  <a:schemeClr val="bg1"/>
+                </a:solidFill>
+              </a:rPr>
+              <a:t>DataNode</a:t>
+            </a:r>
+            <a:endParaRPr lang="en-US" altLang="zh-CN" dirty="0" smtClean="0">
+              <a:solidFill>
+                <a:schemeClr val="bg1"/>
+              </a:solidFill>
+            </a:endParaRPr>
+          </a:p>
+          <a:p>
+            <a:pPr algn="ctr"/>
+            <a:r>
+              <a:rPr lang="en-US" altLang="zh-CN" dirty="0" err="1" smtClean="0"/>
+              <a:t>NodeManager</a:t>
+            </a:r>
+            <a:endParaRPr lang="en-US" altLang="zh-CN" dirty="0" smtClean="0"/>
+          </a:p>
+        </p:txBody>
+      </p:sp>
+      <p:sp>
+        <p:nvSpPr>
+          <p:cNvPr id="34" name="圆角矩形 33"/>
+          <p:cNvSpPr/>
+          <p:nvPr/>
+        </p:nvSpPr>
+        <p:spPr>
+          <a:xfrm>
+            <a:off x="8963291" y="5576971"/>
+            <a:ext cx="1645921" cy="529388"/>
+          </a:xfrm>
+          <a:prstGeom prst="roundRect">
+            <a:avLst/>
+          </a:prstGeom>
+        </p:spPr>
+        <p:style>
+          <a:lnRef idx="1">
+            <a:schemeClr val="accent1"/>
+          </a:lnRef>
+          <a:fillRef idx="2">
+            <a:schemeClr val="accent1"/>
+          </a:fillRef>
+          <a:effectRef idx="1">
+            <a:schemeClr val="accent1"/>
+          </a:effectRef>
+          <a:fontRef idx="minor">
+            <a:schemeClr val="dk1"/>
+          </a:fontRef>
+        </p:style>
+        <p:txBody>
+          <a:bodyPr rtlCol="0" anchor="ctr"/>
+          <a:lstStyle/>
+          <a:p>
+            <a:pPr algn="ctr"/>
+            <a:r>
+              <a:rPr lang="en-US" altLang="zh-CN" dirty="0" err="1" smtClean="0">
+                <a:solidFill>
+                  <a:schemeClr val="bg1"/>
+                </a:solidFill>
+              </a:rPr>
+              <a:t>DataNode</a:t>
+            </a:r>
+            <a:endParaRPr lang="en-US" altLang="zh-CN" dirty="0" smtClean="0">
+              <a:solidFill>
+                <a:schemeClr val="bg1"/>
+              </a:solidFill>
+            </a:endParaRPr>
+          </a:p>
+          <a:p>
+            <a:pPr algn="ctr"/>
+            <a:r>
+              <a:rPr lang="en-US" altLang="zh-CN" dirty="0" err="1" smtClean="0"/>
+              <a:t>NodeManager</a:t>
+            </a:r>
+            <a:endParaRPr lang="en-US" altLang="zh-CN" dirty="0" smtClean="0"/>
+          </a:p>
+        </p:txBody>
+      </p:sp>
+      <p:sp>
+        <p:nvSpPr>
+          <p:cNvPr id="2" name="椭圆 1"/>
+          <p:cNvSpPr/>
+          <p:nvPr/>
+        </p:nvSpPr>
+        <p:spPr>
+          <a:xfrm>
+            <a:off x="3916045" y="1087120"/>
+            <a:ext cx="1720215" cy="520065"/>
+          </a:xfrm>
+          <a:prstGeom prst="ellipse">
+            <a:avLst/>
+          </a:prstGeom>
+        </p:spPr>
+        <p:style>
+          <a:lnRef idx="1">
+            <a:schemeClr val="accent1"/>
+          </a:lnRef>
+          <a:fillRef idx="2">
+            <a:schemeClr val="accent1"/>
+          </a:fillRef>
+          <a:effectRef idx="1">
+            <a:schemeClr val="accent1"/>
+          </a:effectRef>
+          <a:fontRef idx="minor">
+            <a:schemeClr val="dk1"/>
+          </a:fontRef>
+        </p:style>
+        <p:txBody>
+          <a:bodyPr rtlCol="0" anchor="ctr"/>
+          <a:p>
+            <a:pPr algn="ctr"/>
+            <a:r>
+              <a:rPr lang="en-US" altLang="zh-CN"/>
+              <a:t>Zookeeper</a:t>
+            </a:r>
+            <a:endParaRPr lang="en-US" altLang="zh-CN"/>
+          </a:p>
+        </p:txBody>
+      </p:sp>
+      <p:sp>
+        <p:nvSpPr>
+          <p:cNvPr id="9" name="椭圆 8"/>
+          <p:cNvSpPr/>
+          <p:nvPr/>
+        </p:nvSpPr>
+        <p:spPr>
+          <a:xfrm>
+            <a:off x="5934710" y="1087120"/>
+            <a:ext cx="1720215" cy="520065"/>
+          </a:xfrm>
+          <a:prstGeom prst="ellipse">
+            <a:avLst/>
+          </a:prstGeom>
+        </p:spPr>
+        <p:style>
+          <a:lnRef idx="1">
+            <a:schemeClr val="accent1"/>
+          </a:lnRef>
+          <a:fillRef idx="2">
+            <a:schemeClr val="accent1"/>
+          </a:fillRef>
+          <a:effectRef idx="1">
+            <a:schemeClr val="accent1"/>
+          </a:effectRef>
+          <a:fontRef idx="minor">
+            <a:schemeClr val="dk1"/>
+          </a:fontRef>
+        </p:style>
+        <p:txBody>
+          <a:bodyPr rtlCol="0" anchor="ctr"/>
+          <a:p>
+            <a:pPr algn="ctr"/>
+            <a:r>
+              <a:rPr lang="en-US" altLang="zh-CN"/>
+              <a:t>Zookeeper</a:t>
+            </a:r>
+            <a:endParaRPr lang="en-US" altLang="zh-CN"/>
+          </a:p>
+        </p:txBody>
+      </p:sp>
+      <p:sp>
+        <p:nvSpPr>
+          <p:cNvPr id="11" name="椭圆 10"/>
+          <p:cNvSpPr/>
+          <p:nvPr/>
+        </p:nvSpPr>
+        <p:spPr>
+          <a:xfrm>
+            <a:off x="7899400" y="1087120"/>
+            <a:ext cx="1720215" cy="520065"/>
+          </a:xfrm>
+          <a:prstGeom prst="ellipse">
+            <a:avLst/>
+          </a:prstGeom>
+        </p:spPr>
+        <p:style>
+          <a:lnRef idx="1">
+            <a:schemeClr val="accent1"/>
+          </a:lnRef>
+          <a:fillRef idx="2">
+            <a:schemeClr val="accent1"/>
+          </a:fillRef>
+          <a:effectRef idx="1">
+            <a:schemeClr val="accent1"/>
+          </a:effectRef>
+          <a:fontRef idx="minor">
+            <a:schemeClr val="dk1"/>
+          </a:fontRef>
+        </p:style>
+        <p:txBody>
+          <a:bodyPr rtlCol="0" anchor="ctr"/>
+          <a:p>
+            <a:pPr algn="ctr"/>
+            <a:r>
+              <a:rPr lang="en-US" altLang="zh-CN"/>
+              <a:t>Zookeeper</a:t>
+            </a:r>
+            <a:endParaRPr lang="en-US" altLang="zh-CN"/>
+          </a:p>
+        </p:txBody>
+      </p:sp>
+      <p:sp>
+        <p:nvSpPr>
+          <p:cNvPr id="12" name="文本框 11"/>
+          <p:cNvSpPr txBox="1"/>
+          <p:nvPr/>
+        </p:nvSpPr>
+        <p:spPr>
+          <a:xfrm>
+            <a:off x="6059170" y="772160"/>
+            <a:ext cx="1645920" cy="368300"/>
+          </a:xfrm>
+          <a:prstGeom prst="rect">
+            <a:avLst/>
+          </a:prstGeom>
+          <a:noFill/>
+        </p:spPr>
+        <p:txBody>
+          <a:bodyPr wrap="none" rtlCol="0">
+            <a:spAutoFit/>
+          </a:bodyPr>
+          <a:p>
+            <a:r>
+              <a:rPr lang="en-US" altLang="zh-CN"/>
+              <a:t>Zookper Cluster</a:t>
+            </a:r>
+            <a:endParaRPr lang="en-US" altLang="zh-CN"/>
+          </a:p>
+        </p:txBody>
+      </p:sp>
+      <p:sp>
+        <p:nvSpPr>
+          <p:cNvPr id="13" name="圆柱形 12"/>
+          <p:cNvSpPr/>
+          <p:nvPr/>
+        </p:nvSpPr>
+        <p:spPr>
+          <a:xfrm>
+            <a:off x="6176645" y="2329180"/>
+            <a:ext cx="1048385" cy="669925"/>
+          </a:xfrm>
+          <a:prstGeom prst="can">
+            <a:avLst/>
+          </a:prstGeom>
+          <a:solidFill>
+            <a:srgbClr val="FFC000"/>
+          </a:solidFill>
         </p:spPr>
         <p:style>
           <a:lnRef idx="2">
@@ -3539,35 +4159,44 @@
           <a:p>
             <a:pPr algn="ctr"/>
             <a:r>
-              <a:rPr lang="en-US" altLang="zh-CN"/>
-              <a:t>namenode</a:t>
-            </a:r>
-            <a:endParaRPr lang="en-US" altLang="zh-CN"/>
-          </a:p>
-          <a:p>
-            <a:pPr algn="ctr"/>
-            <a:r>
-              <a:rPr lang="en-US" altLang="zh-CN"/>
-              <a:t>(active)</a:t>
-            </a:r>
-            <a:endParaRPr lang="en-US" altLang="zh-CN"/>
-          </a:p>
-        </p:txBody>
-      </p:sp>
-      <p:sp>
-        <p:nvSpPr>
-          <p:cNvPr id="11" name="圆角矩形 10"/>
+              <a:rPr lang="en-US" altLang="zh-CN" dirty="0" err="1" smtClean="0">
+                <a:sym typeface="+mn-ea"/>
+              </a:rPr>
+              <a:t>Joural</a:t>
+            </a:r>
+            <a:endParaRPr lang="en-US" altLang="zh-CN" dirty="0" err="1" smtClean="0">
+              <a:sym typeface="+mn-ea"/>
+            </a:endParaRPr>
+          </a:p>
+          <a:p>
+            <a:pPr algn="ctr"/>
+            <a:r>
+              <a:rPr lang="en-US" altLang="zh-CN" dirty="0" err="1" smtClean="0">
+                <a:sym typeface="+mn-ea"/>
+              </a:rPr>
+              <a:t>Node</a:t>
+            </a:r>
+            <a:endParaRPr lang="zh-CN" altLang="en-US"/>
+          </a:p>
+        </p:txBody>
+      </p:sp>
+      <p:sp>
+        <p:nvSpPr>
+          <p:cNvPr id="18" name="椭圆 17"/>
           <p:cNvSpPr/>
           <p:nvPr/>
         </p:nvSpPr>
         <p:spPr>
           <a:xfrm>
-            <a:off x="6821170" y="1457960"/>
-            <a:ext cx="1616075" cy="538480"/>
-          </a:xfrm>
-          <a:prstGeom prst="roundRect">
-            <a:avLst/>
-          </a:prstGeom>
+            <a:off x="1988820" y="1684020"/>
+            <a:ext cx="1414145" cy="623570"/>
+          </a:xfrm>
+          <a:prstGeom prst="ellipse">
+            <a:avLst/>
+          </a:prstGeom>
+          <a:solidFill>
+            <a:srgbClr val="FFC000"/>
+          </a:solidFill>
         </p:spPr>
         <p:style>
           <a:lnRef idx="2">
@@ -3591,34 +4220,29 @@
             <a:pPr algn="ctr"/>
             <a:r>
               <a:rPr lang="en-US" altLang="zh-CN"/>
-              <a:t>namenode</a:t>
+              <a:t>DFSZKFC</a:t>
             </a:r>
             <a:endParaRPr lang="en-US" altLang="zh-CN"/>
           </a:p>
-          <a:p>
-            <a:pPr algn="ctr"/>
-            <a:r>
-              <a:rPr lang="en-US" altLang="zh-CN"/>
-              <a:t>(standby)</a:t>
-            </a:r>
-            <a:endParaRPr lang="en-US" altLang="zh-CN"/>
-          </a:p>
-        </p:txBody>
-      </p:sp>
-      <p:sp>
-        <p:nvSpPr>
-          <p:cNvPr id="12" name="圆角矩形 11"/>
+        </p:txBody>
+      </p:sp>
+      <p:sp>
+        <p:nvSpPr>
+          <p:cNvPr id="20" name="椭圆 19"/>
           <p:cNvSpPr/>
           <p:nvPr/>
         </p:nvSpPr>
         <p:spPr>
           <a:xfrm>
-            <a:off x="3016250" y="3390900"/>
-            <a:ext cx="1616075" cy="821690"/>
-          </a:xfrm>
-          <a:prstGeom prst="roundRect">
-            <a:avLst/>
-          </a:prstGeom>
+            <a:off x="10272395" y="1634490"/>
+            <a:ext cx="1414145" cy="623570"/>
+          </a:xfrm>
+          <a:prstGeom prst="ellipse">
+            <a:avLst/>
+          </a:prstGeom>
+          <a:solidFill>
+            <a:srgbClr val="FFC000"/>
+          </a:solidFill>
         </p:spPr>
         <p:style>
           <a:lnRef idx="2">
@@ -3642,211 +4266,300 @@
             <a:pPr algn="ctr"/>
             <a:r>
               <a:rPr lang="en-US" altLang="zh-CN"/>
-              <a:t>datanode</a:t>
+              <a:t>DFSZKFC</a:t>
             </a:r>
             <a:endParaRPr lang="en-US" altLang="zh-CN"/>
           </a:p>
-          <a:p>
-            <a:pPr algn="ctr"/>
-            <a:r>
-              <a:rPr lang="en-US" altLang="zh-CN">
-                <a:sym typeface="+mn-ea"/>
-              </a:rPr>
-              <a:t>zookeeper</a:t>
-            </a:r>
-            <a:endParaRPr lang="en-US" altLang="zh-CN">
-              <a:sym typeface="+mn-ea"/>
-            </a:endParaRPr>
-          </a:p>
-          <a:p>
-            <a:pPr algn="ctr"/>
-            <a:r>
-              <a:rPr lang="en-US" altLang="zh-CN"/>
-              <a:t>hive</a:t>
-            </a:r>
-            <a:endParaRPr lang="en-US" altLang="zh-CN"/>
-          </a:p>
-        </p:txBody>
-      </p:sp>
-      <p:sp>
-        <p:nvSpPr>
-          <p:cNvPr id="16" name="圆柱形 15"/>
-          <p:cNvSpPr/>
-          <p:nvPr/>
-        </p:nvSpPr>
-        <p:spPr>
-          <a:xfrm>
-            <a:off x="725805" y="3538220"/>
-            <a:ext cx="716280" cy="952500"/>
-          </a:xfrm>
-          <a:prstGeom prst="can">
-            <a:avLst/>
-          </a:prstGeom>
-        </p:spPr>
-        <p:style>
-          <a:lnRef idx="2">
-            <a:schemeClr val="accent1">
-              <a:shade val="50000"/>
-            </a:schemeClr>
-          </a:lnRef>
-          <a:fillRef idx="1">
-            <a:schemeClr val="accent1"/>
-          </a:fillRef>
-          <a:effectRef idx="0">
-            <a:schemeClr val="accent1"/>
-          </a:effectRef>
-          <a:fontRef idx="minor">
-            <a:schemeClr val="lt1"/>
-          </a:fontRef>
-        </p:style>
-        <p:txBody>
-          <a:bodyPr rtlCol="0" anchor="ctr"/>
-          <a:p>
-            <a:pPr algn="ctr"/>
-            <a:r>
-              <a:rPr lang="en-US" altLang="zh-CN"/>
-              <a:t>DB</a:t>
-            </a:r>
-            <a:endParaRPr lang="en-US" altLang="zh-CN"/>
-          </a:p>
-        </p:txBody>
-      </p:sp>
-      <p:sp>
-        <p:nvSpPr>
-          <p:cNvPr id="22" name="圆角矩形 21"/>
-          <p:cNvSpPr/>
-          <p:nvPr/>
-        </p:nvSpPr>
-        <p:spPr>
-          <a:xfrm>
-            <a:off x="5370830" y="3406140"/>
-            <a:ext cx="1616075" cy="821690"/>
-          </a:xfrm>
-          <a:prstGeom prst="roundRect">
-            <a:avLst/>
-          </a:prstGeom>
-        </p:spPr>
-        <p:style>
-          <a:lnRef idx="2">
-            <a:schemeClr val="accent1">
-              <a:shade val="50000"/>
-            </a:schemeClr>
-          </a:lnRef>
-          <a:fillRef idx="1">
-            <a:schemeClr val="accent1"/>
-          </a:fillRef>
-          <a:effectRef idx="0">
-            <a:schemeClr val="accent1"/>
-          </a:effectRef>
-          <a:fontRef idx="minor">
-            <a:schemeClr val="lt1"/>
-          </a:fontRef>
-        </p:style>
-        <p:txBody>
-          <a:bodyPr rtlCol="0" anchor="ctr"/>
-          <a:p>
-            <a:pPr algn="ctr"/>
-            <a:r>
-              <a:rPr lang="en-US" altLang="zh-CN"/>
-              <a:t>datanode</a:t>
-            </a:r>
-            <a:endParaRPr lang="en-US" altLang="zh-CN"/>
-          </a:p>
-          <a:p>
-            <a:pPr algn="ctr"/>
-            <a:r>
-              <a:rPr lang="en-US" altLang="zh-CN">
-                <a:sym typeface="+mn-ea"/>
-              </a:rPr>
-              <a:t>zookeeper</a:t>
-            </a:r>
-            <a:endParaRPr lang="en-US" altLang="zh-CN">
-              <a:sym typeface="+mn-ea"/>
-            </a:endParaRPr>
-          </a:p>
-          <a:p>
-            <a:pPr algn="ctr"/>
-            <a:r>
-              <a:rPr lang="en-US" altLang="zh-CN"/>
-              <a:t>oozie</a:t>
-            </a:r>
-            <a:endParaRPr lang="en-US" altLang="zh-CN"/>
-          </a:p>
-        </p:txBody>
-      </p:sp>
-      <p:sp>
-        <p:nvSpPr>
-          <p:cNvPr id="23" name="圆角矩形 22"/>
-          <p:cNvSpPr/>
-          <p:nvPr/>
-        </p:nvSpPr>
-        <p:spPr>
-          <a:xfrm>
-            <a:off x="7702550" y="3392805"/>
-            <a:ext cx="1616075" cy="821690"/>
-          </a:xfrm>
-          <a:prstGeom prst="roundRect">
-            <a:avLst/>
-          </a:prstGeom>
-        </p:spPr>
-        <p:style>
-          <a:lnRef idx="2">
-            <a:schemeClr val="accent1">
-              <a:shade val="50000"/>
-            </a:schemeClr>
-          </a:lnRef>
-          <a:fillRef idx="1">
-            <a:schemeClr val="accent1"/>
-          </a:fillRef>
-          <a:effectRef idx="0">
-            <a:schemeClr val="accent1"/>
-          </a:effectRef>
-          <a:fontRef idx="minor">
-            <a:schemeClr val="lt1"/>
-          </a:fontRef>
-        </p:style>
-        <p:txBody>
-          <a:bodyPr rtlCol="0" anchor="ctr"/>
-          <a:p>
-            <a:pPr algn="ctr"/>
-            <a:r>
-              <a:rPr lang="en-US" altLang="zh-CN"/>
-              <a:t>datanode</a:t>
-            </a:r>
-            <a:endParaRPr lang="en-US" altLang="zh-CN"/>
-          </a:p>
-          <a:p>
-            <a:pPr algn="ctr"/>
-            <a:r>
-              <a:rPr lang="en-US" altLang="zh-CN">
-                <a:sym typeface="+mn-ea"/>
-              </a:rPr>
-              <a:t>zookeeper</a:t>
-            </a:r>
-            <a:endParaRPr lang="en-US" altLang="zh-CN">
-              <a:sym typeface="+mn-ea"/>
-            </a:endParaRPr>
-          </a:p>
-          <a:p>
-            <a:pPr algn="ctr"/>
-            <a:r>
-              <a:rPr lang="en-US" altLang="zh-CN"/>
-              <a:t>hue</a:t>
-            </a:r>
-            <a:endParaRPr lang="en-US" altLang="zh-CN"/>
-          </a:p>
-        </p:txBody>
-      </p:sp>
-      <p:sp>
-        <p:nvSpPr>
-          <p:cNvPr id="24" name="文本框 23"/>
+        </p:txBody>
+      </p:sp>
+      <p:cxnSp>
+        <p:nvCxnSpPr>
+          <p:cNvPr id="24" name="曲线连接符 23"/>
+          <p:cNvCxnSpPr>
+            <a:stCxn id="18" idx="0"/>
+            <a:endCxn id="4" idx="1"/>
+          </p:cNvCxnSpPr>
+          <p:nvPr/>
+        </p:nvCxnSpPr>
+        <p:spPr>
+          <a:xfrm rot="16200000">
+            <a:off x="3013075" y="925830"/>
+            <a:ext cx="450215" cy="1066165"/>
+          </a:xfrm>
+          <a:prstGeom prst="curvedConnector2">
+            <a:avLst/>
+          </a:prstGeom>
+          <a:ln w="12700" cmpd="sng">
+            <a:solidFill>
+              <a:schemeClr val="accent1">
+                <a:shade val="50000"/>
+              </a:schemeClr>
+            </a:solidFill>
+            <a:prstDash val="lgDashDot"/>
+            <a:tailEnd type="arrow"/>
+          </a:ln>
+        </p:spPr>
+        <p:style>
+          <a:lnRef idx="1">
+            <a:schemeClr val="accent1"/>
+          </a:lnRef>
+          <a:fillRef idx="0">
+            <a:schemeClr val="accent1"/>
+          </a:fillRef>
+          <a:effectRef idx="0">
+            <a:schemeClr val="accent1"/>
+          </a:effectRef>
+          <a:fontRef idx="minor">
+            <a:schemeClr val="tx1"/>
+          </a:fontRef>
+        </p:style>
+      </p:cxnSp>
+      <p:cxnSp>
+        <p:nvCxnSpPr>
+          <p:cNvPr id="26" name="曲线连接符 25"/>
+          <p:cNvCxnSpPr>
+            <a:stCxn id="20" idx="0"/>
+            <a:endCxn id="4" idx="3"/>
+          </p:cNvCxnSpPr>
+          <p:nvPr/>
+        </p:nvCxnSpPr>
+        <p:spPr>
+          <a:xfrm rot="16200000" flipV="1">
+            <a:off x="10220325" y="866140"/>
+            <a:ext cx="400685" cy="1136015"/>
+          </a:xfrm>
+          <a:prstGeom prst="curvedConnector2">
+            <a:avLst/>
+          </a:prstGeom>
+          <a:ln w="12700" cmpd="sng">
+            <a:solidFill>
+              <a:schemeClr val="accent1">
+                <a:shade val="50000"/>
+              </a:schemeClr>
+            </a:solidFill>
+            <a:prstDash val="lgDashDot"/>
+            <a:tailEnd type="arrow"/>
+          </a:ln>
+        </p:spPr>
+        <p:style>
+          <a:lnRef idx="1">
+            <a:schemeClr val="accent1"/>
+          </a:lnRef>
+          <a:fillRef idx="0">
+            <a:schemeClr val="accent1"/>
+          </a:fillRef>
+          <a:effectRef idx="0">
+            <a:schemeClr val="accent1"/>
+          </a:effectRef>
+          <a:fontRef idx="minor">
+            <a:schemeClr val="tx1"/>
+          </a:fontRef>
+        </p:style>
+      </p:cxnSp>
+      <p:cxnSp>
+        <p:nvCxnSpPr>
+          <p:cNvPr id="29" name="直接箭头连接符 28"/>
+          <p:cNvCxnSpPr>
+            <a:stCxn id="8" idx="0"/>
+            <a:endCxn id="13" idx="2"/>
+          </p:cNvCxnSpPr>
+          <p:nvPr/>
+        </p:nvCxnSpPr>
+        <p:spPr>
+          <a:xfrm flipV="1">
+            <a:off x="4203700" y="2664460"/>
+            <a:ext cx="1981835" cy="559435"/>
+          </a:xfrm>
+          <a:prstGeom prst="straightConnector1">
+            <a:avLst/>
+          </a:prstGeom>
+          <a:ln>
+            <a:tailEnd type="arrow"/>
+          </a:ln>
+        </p:spPr>
+        <p:style>
+          <a:lnRef idx="1">
+            <a:schemeClr val="accent1"/>
+          </a:lnRef>
+          <a:fillRef idx="0">
+            <a:schemeClr val="accent1"/>
+          </a:fillRef>
+          <a:effectRef idx="0">
+            <a:schemeClr val="accent1"/>
+          </a:effectRef>
+          <a:fontRef idx="minor">
+            <a:schemeClr val="tx1"/>
+          </a:fontRef>
+        </p:style>
+      </p:cxnSp>
+      <p:cxnSp>
+        <p:nvCxnSpPr>
+          <p:cNvPr id="30" name="直接箭头连接符 29"/>
+          <p:cNvCxnSpPr>
+            <a:stCxn id="17" idx="0"/>
+            <a:endCxn id="13" idx="4"/>
+          </p:cNvCxnSpPr>
+          <p:nvPr/>
+        </p:nvCxnSpPr>
+        <p:spPr>
+          <a:xfrm flipH="1" flipV="1">
+            <a:off x="7233920" y="2664460"/>
+            <a:ext cx="2126615" cy="434340"/>
+          </a:xfrm>
+          <a:prstGeom prst="straightConnector1">
+            <a:avLst/>
+          </a:prstGeom>
+          <a:ln>
+            <a:tailEnd type="arrow"/>
+          </a:ln>
+        </p:spPr>
+        <p:style>
+          <a:lnRef idx="1">
+            <a:schemeClr val="accent1"/>
+          </a:lnRef>
+          <a:fillRef idx="0">
+            <a:schemeClr val="accent1"/>
+          </a:fillRef>
+          <a:effectRef idx="0">
+            <a:schemeClr val="accent1"/>
+          </a:effectRef>
+          <a:fontRef idx="minor">
+            <a:schemeClr val="tx1"/>
+          </a:fontRef>
+        </p:style>
+      </p:cxnSp>
+      <p:cxnSp>
+        <p:nvCxnSpPr>
+          <p:cNvPr id="39" name="曲线连接符 38"/>
+          <p:cNvCxnSpPr>
+            <a:stCxn id="22" idx="0"/>
+            <a:endCxn id="17" idx="2"/>
+          </p:cNvCxnSpPr>
+          <p:nvPr/>
+        </p:nvCxnSpPr>
+        <p:spPr>
+          <a:xfrm rot="16200000">
+            <a:off x="7593330" y="3611880"/>
+            <a:ext cx="1057910" cy="2476500"/>
+          </a:xfrm>
+          <a:prstGeom prst="curvedConnector3">
+            <a:avLst>
+              <a:gd name="adj1" fmla="val 50000"/>
+            </a:avLst>
+          </a:prstGeom>
+          <a:ln>
+            <a:tailEnd type="arrow"/>
+          </a:ln>
+        </p:spPr>
+        <p:style>
+          <a:lnRef idx="1">
+            <a:schemeClr val="accent1"/>
+          </a:lnRef>
+          <a:fillRef idx="0">
+            <a:schemeClr val="accent1"/>
+          </a:fillRef>
+          <a:effectRef idx="0">
+            <a:schemeClr val="accent1"/>
+          </a:effectRef>
+          <a:fontRef idx="minor">
+            <a:schemeClr val="tx1"/>
+          </a:fontRef>
+        </p:style>
+      </p:cxnSp>
+      <p:cxnSp>
+        <p:nvCxnSpPr>
+          <p:cNvPr id="41" name="直接箭头连接符 40"/>
+          <p:cNvCxnSpPr>
+            <a:stCxn id="8" idx="1"/>
+            <a:endCxn id="18" idx="4"/>
+          </p:cNvCxnSpPr>
+          <p:nvPr/>
+        </p:nvCxnSpPr>
+        <p:spPr>
+          <a:xfrm flipH="1" flipV="1">
+            <a:off x="2705100" y="2307590"/>
+            <a:ext cx="747395" cy="1537335"/>
+          </a:xfrm>
+          <a:prstGeom prst="straightConnector1">
+            <a:avLst/>
+          </a:prstGeom>
+          <a:ln w="12700" cmpd="sng">
+            <a:solidFill>
+              <a:schemeClr val="accent1">
+                <a:shade val="50000"/>
+              </a:schemeClr>
+            </a:solidFill>
+            <a:prstDash val="lgDashDot"/>
+            <a:tailEnd type="arrow"/>
+          </a:ln>
+        </p:spPr>
+        <p:style>
+          <a:lnRef idx="1">
+            <a:schemeClr val="accent1"/>
+          </a:lnRef>
+          <a:fillRef idx="0">
+            <a:schemeClr val="accent1"/>
+          </a:fillRef>
+          <a:effectRef idx="0">
+            <a:schemeClr val="accent1"/>
+          </a:effectRef>
+          <a:fontRef idx="minor">
+            <a:schemeClr val="tx1"/>
+          </a:fontRef>
+        </p:style>
+      </p:cxnSp>
+      <p:cxnSp>
+        <p:nvCxnSpPr>
+          <p:cNvPr id="43" name="直接箭头连接符 42"/>
+          <p:cNvCxnSpPr>
+            <a:stCxn id="17" idx="3"/>
+            <a:endCxn id="20" idx="4"/>
+          </p:cNvCxnSpPr>
+          <p:nvPr/>
+        </p:nvCxnSpPr>
+        <p:spPr>
+          <a:xfrm flipV="1">
+            <a:off x="10111105" y="2258060"/>
+            <a:ext cx="877570" cy="1452245"/>
+          </a:xfrm>
+          <a:prstGeom prst="straightConnector1">
+            <a:avLst/>
+          </a:prstGeom>
+          <a:ln w="12700" cmpd="sng">
+            <a:solidFill>
+              <a:schemeClr val="accent1">
+                <a:shade val="50000"/>
+              </a:schemeClr>
+            </a:solidFill>
+            <a:prstDash val="lgDashDot"/>
+            <a:tailEnd type="arrow"/>
+          </a:ln>
+        </p:spPr>
+        <p:style>
+          <a:lnRef idx="1">
+            <a:schemeClr val="accent1"/>
+          </a:lnRef>
+          <a:fillRef idx="0">
+            <a:schemeClr val="accent1"/>
+          </a:fillRef>
+          <a:effectRef idx="0">
+            <a:schemeClr val="accent1"/>
+          </a:effectRef>
+          <a:fontRef idx="minor">
+            <a:schemeClr val="tx1"/>
+          </a:fontRef>
+        </p:style>
+      </p:cxnSp>
+      <p:sp>
+        <p:nvSpPr>
+          <p:cNvPr id="45" name="文本框 44"/>
           <p:cNvSpPr txBox="1"/>
           <p:nvPr/>
         </p:nvSpPr>
         <p:spPr>
           <a:xfrm>
-            <a:off x="594995" y="932815"/>
-            <a:ext cx="1671320" cy="1476375"/>
+            <a:off x="347980" y="212090"/>
+            <a:ext cx="1325880" cy="368300"/>
           </a:xfrm>
           <a:prstGeom prst="rect">
             <a:avLst/>
@@ -3860,341 +4573,32 @@
           <a:p>
             <a:r>
               <a:rPr lang="zh-CN" altLang="en-US"/>
-              <a:t>测试最小环境</a:t>
+              <a:t>技术架构图</a:t>
             </a:r>
             <a:endParaRPr lang="zh-CN" altLang="en-US"/>
-          </a:p>
-          <a:p>
-            <a:r>
-              <a:rPr lang="en-US" altLang="zh-CN"/>
-              <a:t>namenode</a:t>
-            </a:r>
-            <a:r>
-              <a:rPr lang="zh-CN" altLang="en-US"/>
-              <a:t>：</a:t>
-            </a:r>
-            <a:r>
-              <a:rPr lang="en-US" altLang="zh-CN"/>
-              <a:t>8G</a:t>
-            </a:r>
-            <a:endParaRPr lang="en-US" altLang="zh-CN"/>
-          </a:p>
-          <a:p>
-            <a:r>
-              <a:rPr lang="en-US" altLang="zh-CN"/>
-              <a:t>datanode</a:t>
-            </a:r>
-            <a:r>
-              <a:rPr lang="zh-CN" altLang="en-US"/>
-              <a:t>：</a:t>
-            </a:r>
-            <a:r>
-              <a:rPr lang="en-US" altLang="zh-CN"/>
-              <a:t>4G</a:t>
-            </a:r>
-            <a:endParaRPr lang="en-US" altLang="zh-CN"/>
-          </a:p>
-          <a:p>
-            <a:r>
-              <a:rPr lang="zh-CN" altLang="en-US"/>
-              <a:t>硬盘：</a:t>
-            </a:r>
-            <a:r>
-              <a:rPr lang="en-US" altLang="zh-CN"/>
-              <a:t>200</a:t>
-            </a:r>
-            <a:r>
-              <a:rPr lang="en-US" altLang="zh-CN"/>
-              <a:t>G</a:t>
-            </a:r>
-            <a:endParaRPr lang="en-US" altLang="zh-CN"/>
-          </a:p>
-          <a:p>
-            <a:r>
-              <a:rPr lang="zh-CN" altLang="en-US"/>
-              <a:t>分片数：</a:t>
-            </a:r>
-            <a:r>
-              <a:rPr lang="en-US" altLang="zh-CN"/>
-              <a:t>2</a:t>
-            </a:r>
-            <a:endParaRPr lang="en-US" altLang="zh-CN"/>
           </a:p>
         </p:txBody>
       </p:sp>
       <p:cxnSp>
         <p:nvCxnSpPr>
-          <p:cNvPr id="27" name="直接箭头连接符 26"/>
+          <p:cNvPr id="46" name="曲线连接符 45"/>
           <p:cNvCxnSpPr>
             <a:stCxn id="22" idx="0"/>
+            <a:endCxn id="8" idx="2"/>
           </p:cNvCxnSpPr>
           <p:nvPr/>
         </p:nvCxnSpPr>
         <p:spPr>
-          <a:xfrm>
-            <a:off x="6179185" y="3406140"/>
-            <a:ext cx="0" cy="0"/>
-          </a:xfrm>
-          <a:prstGeom prst="straightConnector1">
-            <a:avLst/>
+          <a:xfrm rot="16200000" flipV="1">
+            <a:off x="5086985" y="3582035"/>
+            <a:ext cx="913765" cy="2680335"/>
+          </a:xfrm>
+          <a:prstGeom prst="curvedConnector3">
+            <a:avLst>
+              <a:gd name="adj1" fmla="val 49965"/>
+            </a:avLst>
           </a:prstGeom>
           <a:ln>
-            <a:headEnd type="arrow"/>
-            <a:tailEnd type="arrow"/>
-          </a:ln>
-        </p:spPr>
-        <p:style>
-          <a:lnRef idx="1">
-            <a:schemeClr val="accent1"/>
-          </a:lnRef>
-          <a:fillRef idx="0">
-            <a:schemeClr val="accent1"/>
-          </a:fillRef>
-          <a:effectRef idx="0">
-            <a:schemeClr val="accent1"/>
-          </a:effectRef>
-          <a:fontRef idx="minor">
-            <a:schemeClr val="tx1"/>
-          </a:fontRef>
-        </p:style>
-      </p:cxnSp>
-      <p:cxnSp>
-        <p:nvCxnSpPr>
-          <p:cNvPr id="33" name="直接箭头连接符 32"/>
-          <p:cNvCxnSpPr>
-            <a:endCxn id="12" idx="0"/>
-          </p:cNvCxnSpPr>
-          <p:nvPr/>
-        </p:nvCxnSpPr>
-        <p:spPr>
-          <a:xfrm flipH="1">
-            <a:off x="3824605" y="2019935"/>
-            <a:ext cx="1127125" cy="1370965"/>
-          </a:xfrm>
-          <a:prstGeom prst="straightConnector1">
-            <a:avLst/>
-          </a:prstGeom>
-          <a:ln>
-            <a:headEnd type="arrow"/>
-            <a:tailEnd type="arrow"/>
-          </a:ln>
-        </p:spPr>
-        <p:style>
-          <a:lnRef idx="1">
-            <a:schemeClr val="accent1"/>
-          </a:lnRef>
-          <a:fillRef idx="0">
-            <a:schemeClr val="accent1"/>
-          </a:fillRef>
-          <a:effectRef idx="0">
-            <a:schemeClr val="accent1"/>
-          </a:effectRef>
-          <a:fontRef idx="minor">
-            <a:schemeClr val="tx1"/>
-          </a:fontRef>
-        </p:style>
-      </p:cxnSp>
-      <p:cxnSp>
-        <p:nvCxnSpPr>
-          <p:cNvPr id="34" name="直接箭头连接符 33"/>
-          <p:cNvCxnSpPr>
-            <a:stCxn id="11" idx="2"/>
-            <a:endCxn id="12" idx="0"/>
-          </p:cNvCxnSpPr>
-          <p:nvPr/>
-        </p:nvCxnSpPr>
-        <p:spPr>
-          <a:xfrm flipH="1">
-            <a:off x="3824605" y="1996440"/>
-            <a:ext cx="3804920" cy="1394460"/>
-          </a:xfrm>
-          <a:prstGeom prst="straightConnector1">
-            <a:avLst/>
-          </a:prstGeom>
-          <a:ln>
-            <a:headEnd type="arrow"/>
-            <a:tailEnd type="arrow"/>
-          </a:ln>
-        </p:spPr>
-        <p:style>
-          <a:lnRef idx="1">
-            <a:schemeClr val="accent1"/>
-          </a:lnRef>
-          <a:fillRef idx="0">
-            <a:schemeClr val="accent1"/>
-          </a:fillRef>
-          <a:effectRef idx="0">
-            <a:schemeClr val="accent1"/>
-          </a:effectRef>
-          <a:fontRef idx="minor">
-            <a:schemeClr val="tx1"/>
-          </a:fontRef>
-        </p:style>
-      </p:cxnSp>
-      <p:cxnSp>
-        <p:nvCxnSpPr>
-          <p:cNvPr id="35" name="直接箭头连接符 34"/>
-          <p:cNvCxnSpPr>
-            <a:stCxn id="22" idx="0"/>
-          </p:cNvCxnSpPr>
-          <p:nvPr/>
-        </p:nvCxnSpPr>
-        <p:spPr>
-          <a:xfrm flipH="1" flipV="1">
-            <a:off x="4923155" y="1982470"/>
-            <a:ext cx="1256030" cy="1423670"/>
-          </a:xfrm>
-          <a:prstGeom prst="straightConnector1">
-            <a:avLst/>
-          </a:prstGeom>
-          <a:ln>
-            <a:headEnd type="arrow"/>
-            <a:tailEnd type="arrow"/>
-          </a:ln>
-        </p:spPr>
-        <p:style>
-          <a:lnRef idx="1">
-            <a:schemeClr val="accent1"/>
-          </a:lnRef>
-          <a:fillRef idx="0">
-            <a:schemeClr val="accent1"/>
-          </a:fillRef>
-          <a:effectRef idx="0">
-            <a:schemeClr val="accent1"/>
-          </a:effectRef>
-          <a:fontRef idx="minor">
-            <a:schemeClr val="tx1"/>
-          </a:fontRef>
-        </p:style>
-      </p:cxnSp>
-      <p:cxnSp>
-        <p:nvCxnSpPr>
-          <p:cNvPr id="36" name="直接箭头连接符 35"/>
-          <p:cNvCxnSpPr>
-            <a:stCxn id="22" idx="0"/>
-            <a:endCxn id="11" idx="2"/>
-          </p:cNvCxnSpPr>
-          <p:nvPr/>
-        </p:nvCxnSpPr>
-        <p:spPr>
-          <a:xfrm flipV="1">
-            <a:off x="6179185" y="1996440"/>
-            <a:ext cx="1450340" cy="1409700"/>
-          </a:xfrm>
-          <a:prstGeom prst="straightConnector1">
-            <a:avLst/>
-          </a:prstGeom>
-          <a:ln>
-            <a:headEnd type="arrow"/>
-            <a:tailEnd type="arrow"/>
-          </a:ln>
-        </p:spPr>
-        <p:style>
-          <a:lnRef idx="1">
-            <a:schemeClr val="accent1"/>
-          </a:lnRef>
-          <a:fillRef idx="0">
-            <a:schemeClr val="accent1"/>
-          </a:fillRef>
-          <a:effectRef idx="0">
-            <a:schemeClr val="accent1"/>
-          </a:effectRef>
-          <a:fontRef idx="minor">
-            <a:schemeClr val="tx1"/>
-          </a:fontRef>
-        </p:style>
-      </p:cxnSp>
-      <p:cxnSp>
-        <p:nvCxnSpPr>
-          <p:cNvPr id="37" name="直接箭头连接符 36"/>
-          <p:cNvCxnSpPr>
-            <a:stCxn id="23" idx="0"/>
-          </p:cNvCxnSpPr>
-          <p:nvPr/>
-        </p:nvCxnSpPr>
-        <p:spPr>
-          <a:xfrm flipH="1" flipV="1">
-            <a:off x="4923155" y="2001520"/>
-            <a:ext cx="3587750" cy="1391285"/>
-          </a:xfrm>
-          <a:prstGeom prst="straightConnector1">
-            <a:avLst/>
-          </a:prstGeom>
-          <a:ln>
-            <a:headEnd type="arrow"/>
-            <a:tailEnd type="arrow"/>
-          </a:ln>
-        </p:spPr>
-        <p:style>
-          <a:lnRef idx="1">
-            <a:schemeClr val="accent1"/>
-          </a:lnRef>
-          <a:fillRef idx="0">
-            <a:schemeClr val="accent1"/>
-          </a:fillRef>
-          <a:effectRef idx="0">
-            <a:schemeClr val="accent1"/>
-          </a:effectRef>
-          <a:fontRef idx="minor">
-            <a:schemeClr val="tx1"/>
-          </a:fontRef>
-        </p:style>
-      </p:cxnSp>
-      <p:cxnSp>
-        <p:nvCxnSpPr>
-          <p:cNvPr id="38" name="直接箭头连接符 37"/>
-          <p:cNvCxnSpPr>
-            <a:stCxn id="23" idx="0"/>
-          </p:cNvCxnSpPr>
-          <p:nvPr/>
-        </p:nvCxnSpPr>
-        <p:spPr>
-          <a:xfrm flipH="1" flipV="1">
-            <a:off x="7616825" y="1972945"/>
-            <a:ext cx="894080" cy="1419860"/>
-          </a:xfrm>
-          <a:prstGeom prst="straightConnector1">
-            <a:avLst/>
-          </a:prstGeom>
-          <a:ln>
-            <a:headEnd type="arrow"/>
-            <a:tailEnd type="arrow"/>
-          </a:ln>
-        </p:spPr>
-        <p:style>
-          <a:lnRef idx="1">
-            <a:schemeClr val="accent1"/>
-          </a:lnRef>
-          <a:fillRef idx="0">
-            <a:schemeClr val="accent1"/>
-          </a:fillRef>
-          <a:effectRef idx="0">
-            <a:schemeClr val="accent1"/>
-          </a:effectRef>
-          <a:fontRef idx="minor">
-            <a:schemeClr val="tx1"/>
-          </a:fontRef>
-        </p:style>
-      </p:cxnSp>
-      <p:cxnSp>
-        <p:nvCxnSpPr>
-          <p:cNvPr id="39" name="直接箭头连接符 38"/>
-          <p:cNvCxnSpPr>
-            <a:stCxn id="12" idx="1"/>
-            <a:endCxn id="16" idx="4"/>
-          </p:cNvCxnSpPr>
-          <p:nvPr/>
-        </p:nvCxnSpPr>
-        <p:spPr>
-          <a:xfrm flipH="1">
-            <a:off x="1442085" y="3801745"/>
-            <a:ext cx="1574165" cy="212725"/>
-          </a:xfrm>
-          <a:prstGeom prst="straightConnector1">
-            <a:avLst/>
-          </a:prstGeom>
-          <a:ln>
-            <a:headEnd type="arrow"/>
             <a:tailEnd type="arrow"/>
           </a:ln>
         </p:spPr>
@@ -4240,18 +4644,26 @@
       </p:grpSpPr>
       <p:sp>
         <p:nvSpPr>
-          <p:cNvPr id="4" name="圆角矩形 3"/>
+          <p:cNvPr id="24" name="圆角矩形 23"/>
           <p:cNvSpPr/>
           <p:nvPr/>
         </p:nvSpPr>
         <p:spPr>
           <a:xfrm>
-            <a:off x="4312249" y="615484"/>
-            <a:ext cx="3147463" cy="558265"/>
+            <a:off x="1610995" y="4054475"/>
+            <a:ext cx="7003415" cy="1151890"/>
           </a:xfrm>
           <a:prstGeom prst="roundRect">
             <a:avLst/>
           </a:prstGeom>
+          <a:ln w="12700" cmpd="sng">
+            <a:solidFill>
+              <a:schemeClr val="accent1">
+                <a:shade val="50000"/>
+              </a:schemeClr>
+            </a:solidFill>
+            <a:prstDash val="lgDashDot"/>
+          </a:ln>
         </p:spPr>
         <p:style>
           <a:lnRef idx="2">
@@ -4269,7 +4681,6 @@
         </p:style>
         <p:txBody>
           <a:bodyPr rtlCol="0" anchor="ctr"/>
-          <a:lstStyle/>
           <a:p>
             <a:pPr algn="ctr"/>
             <a:endParaRPr lang="zh-CN" altLang="en-US" dirty="0"/>
@@ -4278,464 +4689,49 @@
       </p:sp>
       <p:sp>
         <p:nvSpPr>
-          <p:cNvPr id="6" name="圆角矩形 5"/>
+          <p:cNvPr id="22" name="圆角矩形 21"/>
           <p:cNvSpPr/>
           <p:nvPr/>
         </p:nvSpPr>
         <p:spPr>
           <a:xfrm>
-            <a:off x="5452844" y="711738"/>
-            <a:ext cx="856647" cy="385010"/>
+            <a:off x="1610995" y="5932170"/>
+            <a:ext cx="3519170" cy="599440"/>
           </a:xfrm>
           <a:prstGeom prst="roundRect">
             <a:avLst/>
           </a:prstGeom>
+          <a:ln w="12700" cmpd="sng">
+            <a:solidFill>
+              <a:schemeClr val="accent1">
+                <a:shade val="50000"/>
+              </a:schemeClr>
+            </a:solidFill>
+            <a:prstDash val="lgDashDot"/>
+          </a:ln>
         </p:spPr>
         <p:style>
           <a:lnRef idx="2">
-            <a:schemeClr val="accent4">
-              <a:shade val="50000"/>
-            </a:schemeClr>
+            <a:schemeClr val="accent1"/>
           </a:lnRef>
           <a:fillRef idx="1">
-            <a:schemeClr val="accent4"/>
-          </a:fillRef>
-          <a:effectRef idx="0">
-            <a:schemeClr val="accent4"/>
-          </a:effectRef>
-          <a:fontRef idx="minor">
             <a:schemeClr val="lt1"/>
+          </a:fillRef>
+          <a:effectRef idx="0">
+            <a:schemeClr val="accent1"/>
+          </a:effectRef>
+          <a:fontRef idx="minor">
+            <a:schemeClr val="dk1"/>
           </a:fontRef>
         </p:style>
         <p:txBody>
           <a:bodyPr rtlCol="0" anchor="ctr"/>
-          <a:lstStyle/>
-          <a:p>
-            <a:pPr algn="ctr"/>
-            <a:r>
-              <a:rPr lang="en-US" altLang="zh-CN" dirty="0" smtClean="0">
-                <a:solidFill>
-                  <a:srgbClr val="0070C0"/>
-                </a:solidFill>
-              </a:rPr>
-              <a:t>ZK</a:t>
-            </a:r>
-            <a:endParaRPr lang="zh-CN" altLang="en-US" dirty="0">
-              <a:solidFill>
-                <a:srgbClr val="0070C0"/>
-              </a:solidFill>
-            </a:endParaRPr>
-          </a:p>
-        </p:txBody>
-      </p:sp>
-      <p:sp>
-        <p:nvSpPr>
-          <p:cNvPr id="8" name="圆角矩形 7"/>
-          <p:cNvSpPr/>
-          <p:nvPr/>
-        </p:nvSpPr>
-        <p:spPr>
-          <a:xfrm>
-            <a:off x="1751929" y="2126649"/>
-            <a:ext cx="1501542" cy="1241658"/>
-          </a:xfrm>
-          <a:prstGeom prst="roundRect">
-            <a:avLst/>
-          </a:prstGeom>
-        </p:spPr>
-        <p:style>
-          <a:lnRef idx="2">
-            <a:schemeClr val="accent4">
-              <a:shade val="50000"/>
-            </a:schemeClr>
-          </a:lnRef>
-          <a:fillRef idx="1">
-            <a:schemeClr val="accent4"/>
-          </a:fillRef>
-          <a:effectRef idx="0">
-            <a:schemeClr val="accent4"/>
-          </a:effectRef>
-          <a:fontRef idx="minor">
-            <a:schemeClr val="lt1"/>
-          </a:fontRef>
-        </p:style>
-        <p:txBody>
-          <a:bodyPr rtlCol="0" anchor="ctr"/>
-          <a:lstStyle/>
-          <a:p>
-            <a:pPr algn="ctr"/>
-            <a:r>
-              <a:rPr lang="en-US" altLang="zh-CN" dirty="0" err="1" smtClean="0"/>
-              <a:t>NameNode</a:t>
-            </a:r>
-            <a:r>
-              <a:rPr lang="en-US" altLang="zh-CN" dirty="0" smtClean="0"/>
-              <a:t>(active)</a:t>
-            </a:r>
-            <a:endParaRPr lang="en-US" altLang="zh-CN" dirty="0" smtClean="0"/>
-          </a:p>
-          <a:p>
-            <a:pPr algn="ctr"/>
-            <a:r>
-              <a:rPr lang="en-US" altLang="zh-CN" dirty="0" err="1" smtClean="0">
-                <a:solidFill>
-                  <a:schemeClr val="tx1"/>
-                </a:solidFill>
-              </a:rPr>
-              <a:t>ResourceManager</a:t>
-            </a:r>
-            <a:endParaRPr lang="zh-CN" altLang="en-US" dirty="0">
-              <a:solidFill>
-                <a:schemeClr val="tx1"/>
-              </a:solidFill>
-            </a:endParaRPr>
-          </a:p>
-        </p:txBody>
-      </p:sp>
-      <p:sp>
-        <p:nvSpPr>
-          <p:cNvPr id="14" name="圆角矩形 13"/>
-          <p:cNvSpPr/>
-          <p:nvPr/>
-        </p:nvSpPr>
-        <p:spPr>
-          <a:xfrm>
-            <a:off x="5053395" y="2309521"/>
-            <a:ext cx="1299411" cy="558264"/>
-          </a:xfrm>
-          <a:prstGeom prst="roundRect">
-            <a:avLst/>
-          </a:prstGeom>
-        </p:spPr>
-        <p:style>
-          <a:lnRef idx="2">
-            <a:schemeClr val="accent4">
-              <a:shade val="50000"/>
-            </a:schemeClr>
-          </a:lnRef>
-          <a:fillRef idx="1">
-            <a:schemeClr val="accent4"/>
-          </a:fillRef>
-          <a:effectRef idx="0">
-            <a:schemeClr val="accent4"/>
-          </a:effectRef>
-          <a:fontRef idx="minor">
-            <a:schemeClr val="lt1"/>
-          </a:fontRef>
-        </p:style>
-        <p:txBody>
-          <a:bodyPr rtlCol="0" anchor="ctr"/>
-          <a:lstStyle/>
-          <a:p>
-            <a:pPr algn="ctr"/>
-            <a:r>
-              <a:rPr lang="en-US" altLang="zh-CN" dirty="0" err="1" smtClean="0"/>
-              <a:t>JouralNode</a:t>
-            </a:r>
+          <a:p>
+            <a:pPr algn="ctr"/>
             <a:endParaRPr lang="zh-CN" altLang="en-US" dirty="0"/>
           </a:p>
         </p:txBody>
       </p:sp>
-      <p:sp>
-        <p:nvSpPr>
-          <p:cNvPr id="15" name="圆角矩形 14"/>
-          <p:cNvSpPr/>
-          <p:nvPr/>
-        </p:nvSpPr>
-        <p:spPr>
-          <a:xfrm>
-            <a:off x="5168898" y="2444279"/>
-            <a:ext cx="1299411" cy="558264"/>
-          </a:xfrm>
-          <a:prstGeom prst="roundRect">
-            <a:avLst/>
-          </a:prstGeom>
-        </p:spPr>
-        <p:style>
-          <a:lnRef idx="2">
-            <a:schemeClr val="accent4">
-              <a:shade val="50000"/>
-            </a:schemeClr>
-          </a:lnRef>
-          <a:fillRef idx="1">
-            <a:schemeClr val="accent4"/>
-          </a:fillRef>
-          <a:effectRef idx="0">
-            <a:schemeClr val="accent4"/>
-          </a:effectRef>
-          <a:fontRef idx="minor">
-            <a:schemeClr val="lt1"/>
-          </a:fontRef>
-        </p:style>
-        <p:txBody>
-          <a:bodyPr rtlCol="0" anchor="ctr"/>
-          <a:lstStyle/>
-          <a:p>
-            <a:pPr algn="ctr"/>
-            <a:r>
-              <a:rPr lang="en-US" altLang="zh-CN" dirty="0" err="1" smtClean="0"/>
-              <a:t>JouralNode</a:t>
-            </a:r>
-            <a:endParaRPr lang="zh-CN" altLang="en-US" dirty="0"/>
-          </a:p>
-        </p:txBody>
-      </p:sp>
-      <p:sp>
-        <p:nvSpPr>
-          <p:cNvPr id="16" name="圆角矩形 15"/>
-          <p:cNvSpPr/>
-          <p:nvPr/>
-        </p:nvSpPr>
-        <p:spPr>
-          <a:xfrm>
-            <a:off x="5279586" y="2588662"/>
-            <a:ext cx="1299411" cy="558264"/>
-          </a:xfrm>
-          <a:prstGeom prst="roundRect">
-            <a:avLst/>
-          </a:prstGeom>
-        </p:spPr>
-        <p:style>
-          <a:lnRef idx="2">
-            <a:schemeClr val="accent4">
-              <a:shade val="50000"/>
-            </a:schemeClr>
-          </a:lnRef>
-          <a:fillRef idx="1">
-            <a:schemeClr val="accent4"/>
-          </a:fillRef>
-          <a:effectRef idx="0">
-            <a:schemeClr val="accent4"/>
-          </a:effectRef>
-          <a:fontRef idx="minor">
-            <a:schemeClr val="lt1"/>
-          </a:fontRef>
-        </p:style>
-        <p:txBody>
-          <a:bodyPr rtlCol="0" anchor="ctr"/>
-          <a:lstStyle/>
-          <a:p>
-            <a:pPr algn="ctr"/>
-            <a:r>
-              <a:rPr lang="en-US" altLang="zh-CN" dirty="0" err="1" smtClean="0"/>
-              <a:t>JouralNode</a:t>
-            </a:r>
-            <a:endParaRPr lang="zh-CN" altLang="en-US" dirty="0"/>
-          </a:p>
-        </p:txBody>
-      </p:sp>
-      <p:sp>
-        <p:nvSpPr>
-          <p:cNvPr id="17" name="圆角矩形 16"/>
-          <p:cNvSpPr/>
-          <p:nvPr/>
-        </p:nvSpPr>
-        <p:spPr>
-          <a:xfrm>
-            <a:off x="8494424" y="2126649"/>
-            <a:ext cx="1501542" cy="1222408"/>
-          </a:xfrm>
-          <a:prstGeom prst="roundRect">
-            <a:avLst/>
-          </a:prstGeom>
-        </p:spPr>
-        <p:style>
-          <a:lnRef idx="2">
-            <a:schemeClr val="accent4">
-              <a:shade val="50000"/>
-            </a:schemeClr>
-          </a:lnRef>
-          <a:fillRef idx="1">
-            <a:schemeClr val="accent4"/>
-          </a:fillRef>
-          <a:effectRef idx="0">
-            <a:schemeClr val="accent4"/>
-          </a:effectRef>
-          <a:fontRef idx="minor">
-            <a:schemeClr val="lt1"/>
-          </a:fontRef>
-        </p:style>
-        <p:txBody>
-          <a:bodyPr rtlCol="0" anchor="ctr"/>
-          <a:lstStyle/>
-          <a:p>
-            <a:pPr algn="ctr"/>
-            <a:r>
-              <a:rPr lang="en-US" altLang="zh-CN" dirty="0" err="1" smtClean="0"/>
-              <a:t>NameNode</a:t>
-            </a:r>
-            <a:endParaRPr lang="en-US" altLang="zh-CN" dirty="0" smtClean="0"/>
-          </a:p>
-          <a:p>
-            <a:pPr algn="ctr"/>
-            <a:r>
-              <a:rPr lang="en-US" altLang="zh-CN" dirty="0" smtClean="0"/>
-              <a:t>(standby)</a:t>
-            </a:r>
-            <a:endParaRPr lang="en-US" altLang="zh-CN" dirty="0" smtClean="0"/>
-          </a:p>
-          <a:p>
-            <a:pPr algn="ctr"/>
-            <a:r>
-              <a:rPr lang="en-US" altLang="zh-CN" dirty="0" err="1" smtClean="0">
-                <a:solidFill>
-                  <a:schemeClr val="tx1"/>
-                </a:solidFill>
-              </a:rPr>
-              <a:t>ResourceManager</a:t>
-            </a:r>
-            <a:endParaRPr lang="zh-CN" altLang="en-US" dirty="0">
-              <a:solidFill>
-                <a:schemeClr val="tx1"/>
-              </a:solidFill>
-            </a:endParaRPr>
-          </a:p>
-        </p:txBody>
-      </p:sp>
-      <p:cxnSp>
-        <p:nvCxnSpPr>
-          <p:cNvPr id="19" name="直接箭头连接符 18"/>
-          <p:cNvCxnSpPr>
-            <a:stCxn id="8" idx="0"/>
-            <a:endCxn id="4" idx="1"/>
-          </p:cNvCxnSpPr>
-          <p:nvPr/>
-        </p:nvCxnSpPr>
-        <p:spPr>
-          <a:xfrm flipV="1">
-            <a:off x="2512225" y="894749"/>
-            <a:ext cx="1809115" cy="1231900"/>
-          </a:xfrm>
-          <a:prstGeom prst="straightConnector1">
-            <a:avLst/>
-          </a:prstGeom>
-          <a:ln>
-            <a:tailEnd type="triangle"/>
-          </a:ln>
-        </p:spPr>
-        <p:style>
-          <a:lnRef idx="1">
-            <a:schemeClr val="accent1"/>
-          </a:lnRef>
-          <a:fillRef idx="0">
-            <a:schemeClr val="accent1"/>
-          </a:fillRef>
-          <a:effectRef idx="0">
-            <a:schemeClr val="accent1"/>
-          </a:effectRef>
-          <a:fontRef idx="minor">
-            <a:schemeClr val="tx1"/>
-          </a:fontRef>
-        </p:style>
-      </p:cxnSp>
-      <p:cxnSp>
-        <p:nvCxnSpPr>
-          <p:cNvPr id="21" name="直接箭头连接符 20"/>
-          <p:cNvCxnSpPr>
-            <a:stCxn id="17" idx="0"/>
-            <a:endCxn id="4" idx="3"/>
-          </p:cNvCxnSpPr>
-          <p:nvPr/>
-        </p:nvCxnSpPr>
-        <p:spPr>
-          <a:xfrm flipH="1" flipV="1">
-            <a:off x="7469100" y="894749"/>
-            <a:ext cx="1785620" cy="1231900"/>
-          </a:xfrm>
-          <a:prstGeom prst="straightConnector1">
-            <a:avLst/>
-          </a:prstGeom>
-          <a:ln>
-            <a:tailEnd type="triangle"/>
-          </a:ln>
-        </p:spPr>
-        <p:style>
-          <a:lnRef idx="1">
-            <a:schemeClr val="accent1"/>
-          </a:lnRef>
-          <a:fillRef idx="0">
-            <a:schemeClr val="accent1"/>
-          </a:fillRef>
-          <a:effectRef idx="0">
-            <a:schemeClr val="accent1"/>
-          </a:effectRef>
-          <a:fontRef idx="minor">
-            <a:schemeClr val="tx1"/>
-          </a:fontRef>
-        </p:style>
-      </p:cxnSp>
-      <p:cxnSp>
-        <p:nvCxnSpPr>
-          <p:cNvPr id="23" name="直接箭头连接符 22"/>
-          <p:cNvCxnSpPr>
-            <a:stCxn id="8" idx="3"/>
-            <a:endCxn id="14" idx="1"/>
-          </p:cNvCxnSpPr>
-          <p:nvPr/>
-        </p:nvCxnSpPr>
-        <p:spPr>
-          <a:xfrm flipV="1">
-            <a:off x="3262361" y="2588728"/>
-            <a:ext cx="1799590" cy="158750"/>
-          </a:xfrm>
-          <a:prstGeom prst="straightConnector1">
-            <a:avLst/>
-          </a:prstGeom>
-          <a:ln>
-            <a:tailEnd type="triangle"/>
-          </a:ln>
-        </p:spPr>
-        <p:style>
-          <a:lnRef idx="1">
-            <a:schemeClr val="accent2"/>
-          </a:lnRef>
-          <a:fillRef idx="0">
-            <a:schemeClr val="accent2"/>
-          </a:fillRef>
-          <a:effectRef idx="0">
-            <a:schemeClr val="accent2"/>
-          </a:effectRef>
-          <a:fontRef idx="minor">
-            <a:schemeClr val="tx1"/>
-          </a:fontRef>
-        </p:style>
-      </p:cxnSp>
-      <p:cxnSp>
-        <p:nvCxnSpPr>
-          <p:cNvPr id="28" name="直接箭头连接符 27"/>
-          <p:cNvCxnSpPr>
-            <a:stCxn id="16" idx="3"/>
-            <a:endCxn id="17" idx="1"/>
-          </p:cNvCxnSpPr>
-          <p:nvPr/>
-        </p:nvCxnSpPr>
-        <p:spPr>
-          <a:xfrm flipV="1">
-            <a:off x="6587252" y="2738254"/>
-            <a:ext cx="1915795" cy="130175"/>
-          </a:xfrm>
-          <a:prstGeom prst="straightConnector1">
-            <a:avLst/>
-          </a:prstGeom>
-          <a:ln>
-            <a:tailEnd type="triangle"/>
-          </a:ln>
-        </p:spPr>
-        <p:style>
-          <a:lnRef idx="1">
-            <a:schemeClr val="accent2"/>
-          </a:lnRef>
-          <a:fillRef idx="0">
-            <a:schemeClr val="accent2"/>
-          </a:fillRef>
-          <a:effectRef idx="0">
-            <a:schemeClr val="accent2"/>
-          </a:effectRef>
-          <a:fontRef idx="minor">
-            <a:schemeClr val="tx1"/>
-          </a:fontRef>
-        </p:style>
-      </p:cxnSp>
       <p:sp>
         <p:nvSpPr>
           <p:cNvPr id="31" name="圆角矩形 30"/>
@@ -4744,8 +4740,8 @@
         </p:nvSpPr>
         <p:spPr>
           <a:xfrm>
-            <a:off x="2300569" y="5505118"/>
-            <a:ext cx="1645921" cy="529388"/>
+            <a:off x="1677035" y="6035675"/>
+            <a:ext cx="852170" cy="435610"/>
           </a:xfrm>
           <a:prstGeom prst="roundRect">
             <a:avLst/>
@@ -4767,7 +4763,6 @@
         </p:style>
         <p:txBody>
           <a:bodyPr rtlCol="0" anchor="ctr"/>
-          <a:lstStyle/>
           <a:p>
             <a:pPr algn="ctr"/>
             <a:r>
@@ -4776,7 +4771,56 @@
                   <a:schemeClr val="bg1"/>
                 </a:solidFill>
               </a:rPr>
-              <a:t>DataNode</a:t>
+              <a:t>Oracle</a:t>
+            </a:r>
+            <a:endParaRPr lang="en-US" altLang="zh-CN" dirty="0" err="1" smtClean="0">
+              <a:solidFill>
+                <a:schemeClr val="bg1"/>
+              </a:solidFill>
+            </a:endParaRPr>
+          </a:p>
+        </p:txBody>
+      </p:sp>
+      <p:sp>
+        <p:nvSpPr>
+          <p:cNvPr id="32" name="圆角矩形 31"/>
+          <p:cNvSpPr/>
+          <p:nvPr/>
+        </p:nvSpPr>
+        <p:spPr>
+          <a:xfrm>
+            <a:off x="2614295" y="6035040"/>
+            <a:ext cx="1078865" cy="436245"/>
+          </a:xfrm>
+          <a:prstGeom prst="roundRect">
+            <a:avLst/>
+          </a:prstGeom>
+        </p:spPr>
+        <p:style>
+          <a:lnRef idx="1">
+            <a:schemeClr val="accent1"/>
+          </a:lnRef>
+          <a:fillRef idx="2">
+            <a:schemeClr val="accent1"/>
+          </a:fillRef>
+          <a:effectRef idx="1">
+            <a:schemeClr val="accent1"/>
+          </a:effectRef>
+          <a:fontRef idx="minor">
+            <a:schemeClr val="dk1"/>
+          </a:fontRef>
+        </p:style>
+        <p:txBody>
+          <a:bodyPr rtlCol="0" anchor="ctr"/>
+          <a:p>
+            <a:pPr algn="ctr"/>
+            <a:r>
+              <a:rPr lang="en-US" altLang="zh-CN" dirty="0" smtClean="0">
+                <a:solidFill>
+                  <a:schemeClr val="bg1"/>
+                </a:solidFill>
+              </a:rPr>
+              <a:t>MySQL</a:t>
             </a:r>
             <a:endParaRPr lang="en-US" altLang="zh-CN" dirty="0" smtClean="0">
               <a:solidFill>
@@ -4784,26 +4828,18 @@
               </a:solidFill>
             </a:endParaRPr>
           </a:p>
-          <a:p>
-            <a:pPr algn="ctr"/>
-            <a:r>
-              <a:rPr lang="en-US" altLang="zh-CN" dirty="0" err="1" smtClean="0"/>
-              <a:t>NodeManager</a:t>
-            </a:r>
-            <a:endParaRPr lang="en-US" altLang="zh-CN" dirty="0" smtClean="0"/>
-          </a:p>
-        </p:txBody>
-      </p:sp>
-      <p:sp>
-        <p:nvSpPr>
-          <p:cNvPr id="32" name="圆角矩形 31"/>
+        </p:txBody>
+      </p:sp>
+      <p:sp>
+        <p:nvSpPr>
+          <p:cNvPr id="12" name="圆角矩形 11"/>
           <p:cNvSpPr/>
           <p:nvPr/>
         </p:nvSpPr>
         <p:spPr>
           <a:xfrm>
-            <a:off x="4283374" y="5505118"/>
-            <a:ext cx="1645921" cy="529388"/>
+            <a:off x="3795395" y="6036310"/>
+            <a:ext cx="1258570" cy="435610"/>
           </a:xfrm>
           <a:prstGeom prst="roundRect">
             <a:avLst/>
@@ -4825,7 +4861,55 @@
         </p:style>
         <p:txBody>
           <a:bodyPr rtlCol="0" anchor="ctr"/>
-          <a:lstStyle/>
+          <a:p>
+            <a:pPr algn="ctr"/>
+            <a:r>
+              <a:rPr lang="en-US" altLang="zh-CN" dirty="0" smtClean="0">
+                <a:solidFill>
+                  <a:schemeClr val="bg1"/>
+                </a:solidFill>
+              </a:rPr>
+              <a:t>SQL Server</a:t>
+            </a:r>
+            <a:endParaRPr lang="en-US" altLang="zh-CN" dirty="0" smtClean="0">
+              <a:solidFill>
+                <a:schemeClr val="bg1"/>
+              </a:solidFill>
+            </a:endParaRPr>
+          </a:p>
+        </p:txBody>
+      </p:sp>
+      <p:sp>
+        <p:nvSpPr>
+          <p:cNvPr id="13" name="圆角矩形 12"/>
+          <p:cNvSpPr/>
+          <p:nvPr/>
+        </p:nvSpPr>
+        <p:spPr>
+          <a:xfrm>
+            <a:off x="1863090" y="5464810"/>
+            <a:ext cx="1014730" cy="294005"/>
+          </a:xfrm>
+          <a:prstGeom prst="roundRect">
+            <a:avLst/>
+          </a:prstGeom>
+        </p:spPr>
+        <p:style>
+          <a:lnRef idx="1">
+            <a:schemeClr val="accent1"/>
+          </a:lnRef>
+          <a:fillRef idx="2">
+            <a:schemeClr val="accent1"/>
+          </a:fillRef>
+          <a:effectRef idx="1">
+            <a:schemeClr val="accent1"/>
+          </a:effectRef>
+          <a:fontRef idx="minor">
+            <a:schemeClr val="dk1"/>
+          </a:fontRef>
+        </p:style>
+        <p:txBody>
+          <a:bodyPr rtlCol="0" anchor="ctr"/>
           <a:p>
             <a:pPr algn="ctr"/>
             <a:r>
@@ -4834,34 +4918,34 @@
                   <a:schemeClr val="bg1"/>
                 </a:solidFill>
               </a:rPr>
-              <a:t>DataNode</a:t>
-            </a:r>
-            <a:endParaRPr lang="en-US" altLang="zh-CN" dirty="0" smtClean="0">
+              <a:t>ETL</a:t>
+            </a:r>
+            <a:r>
+              <a:rPr lang="zh-CN" altLang="en-US" dirty="0" err="1" smtClean="0">
+                <a:solidFill>
+                  <a:schemeClr val="bg1"/>
+                </a:solidFill>
+              </a:rPr>
+              <a:t>清洗</a:t>
+            </a:r>
+            <a:endParaRPr lang="zh-CN" altLang="en-US" dirty="0" err="1" smtClean="0">
               <a:solidFill>
                 <a:schemeClr val="bg1"/>
               </a:solidFill>
             </a:endParaRPr>
           </a:p>
-          <a:p>
-            <a:pPr algn="ctr"/>
-            <a:r>
-              <a:rPr lang="en-US" altLang="zh-CN" dirty="0" err="1" smtClean="0"/>
-              <a:t>NodeManager</a:t>
-            </a:r>
-            <a:endParaRPr lang="en-US" altLang="zh-CN" dirty="0" smtClean="0"/>
-          </a:p>
-        </p:txBody>
-      </p:sp>
-      <p:sp>
-        <p:nvSpPr>
-          <p:cNvPr id="33" name="圆角矩形 32"/>
+        </p:txBody>
+      </p:sp>
+      <p:sp>
+        <p:nvSpPr>
+          <p:cNvPr id="17" name="圆角矩形 16"/>
           <p:cNvSpPr/>
           <p:nvPr/>
         </p:nvSpPr>
         <p:spPr>
           <a:xfrm>
-            <a:off x="6232491" y="5505118"/>
-            <a:ext cx="1645921" cy="529388"/>
+            <a:off x="3337560" y="5465445"/>
+            <a:ext cx="1541780" cy="293370"/>
           </a:xfrm>
           <a:prstGeom prst="roundRect">
             <a:avLst/>
@@ -4883,7 +4967,6 @@
         </p:style>
         <p:txBody>
           <a:bodyPr rtlCol="0" anchor="ctr"/>
-          <a:lstStyle/>
           <a:p>
             <a:pPr algn="ctr"/>
             <a:r>
@@ -4892,34 +4975,26 @@
                   <a:schemeClr val="bg1"/>
                 </a:solidFill>
               </a:rPr>
-              <a:t>DataNode</a:t>
-            </a:r>
-            <a:endParaRPr lang="en-US" altLang="zh-CN" dirty="0" smtClean="0">
+              <a:t>Flume&amp;Sqoop</a:t>
+            </a:r>
+            <a:endParaRPr lang="en-US" altLang="zh-CN" dirty="0" err="1" smtClean="0">
               <a:solidFill>
                 <a:schemeClr val="bg1"/>
               </a:solidFill>
             </a:endParaRPr>
           </a:p>
-          <a:p>
-            <a:pPr algn="ctr"/>
-            <a:r>
-              <a:rPr lang="en-US" altLang="zh-CN" dirty="0" err="1" smtClean="0"/>
-              <a:t>NodeManager</a:t>
-            </a:r>
-            <a:endParaRPr lang="en-US" altLang="zh-CN" dirty="0" smtClean="0"/>
-          </a:p>
-        </p:txBody>
-      </p:sp>
-      <p:sp>
-        <p:nvSpPr>
-          <p:cNvPr id="34" name="圆角矩形 33"/>
+        </p:txBody>
+      </p:sp>
+      <p:sp>
+        <p:nvSpPr>
+          <p:cNvPr id="18" name="圆角矩形 17"/>
           <p:cNvSpPr/>
           <p:nvPr/>
         </p:nvSpPr>
         <p:spPr>
           <a:xfrm>
-            <a:off x="8227326" y="5514741"/>
-            <a:ext cx="1645921" cy="529388"/>
+            <a:off x="1684655" y="4624705"/>
+            <a:ext cx="6845300" cy="529590"/>
           </a:xfrm>
           <a:prstGeom prst="roundRect">
             <a:avLst/>
@@ -4941,7 +5016,63 @@
         </p:style>
         <p:txBody>
           <a:bodyPr rtlCol="0" anchor="ctr"/>
-          <a:lstStyle/>
+          <a:p>
+            <a:pPr algn="ctr"/>
+            <a:r>
+              <a:rPr lang="en-US" altLang="zh-CN" dirty="0" smtClean="0">
+                <a:solidFill>
+                  <a:schemeClr val="bg1"/>
+                </a:solidFill>
+              </a:rPr>
+              <a:t>HDFS</a:t>
+            </a:r>
+            <a:r>
+              <a:rPr lang="zh-CN" altLang="en-US" dirty="0" smtClean="0">
+                <a:solidFill>
+                  <a:schemeClr val="bg1"/>
+                </a:solidFill>
+              </a:rPr>
+              <a:t>分布式文件系统</a:t>
+            </a:r>
+            <a:endParaRPr lang="zh-CN" altLang="en-US" dirty="0" smtClean="0">
+              <a:solidFill>
+                <a:schemeClr val="bg1"/>
+              </a:solidFill>
+            </a:endParaRPr>
+          </a:p>
+        </p:txBody>
+      </p:sp>
+      <p:sp>
+        <p:nvSpPr>
+          <p:cNvPr id="19" name="圆角矩形 18"/>
+          <p:cNvSpPr/>
+          <p:nvPr/>
+        </p:nvSpPr>
+        <p:spPr>
+          <a:xfrm>
+            <a:off x="2082165" y="4180840"/>
+            <a:ext cx="1697990" cy="387985"/>
+          </a:xfrm>
+          <a:prstGeom prst="roundRect">
+            <a:avLst/>
+          </a:prstGeom>
+        </p:spPr>
+        <p:style>
+          <a:lnRef idx="1">
+            <a:schemeClr val="accent1"/>
+          </a:lnRef>
+          <a:fillRef idx="2">
+            <a:schemeClr val="accent1"/>
+          </a:fillRef>
+          <a:effectRef idx="1">
+            <a:schemeClr val="accent1"/>
+          </a:effectRef>
+          <a:fontRef idx="minor">
+            <a:schemeClr val="dk1"/>
+          </a:fontRef>
+        </p:style>
+        <p:txBody>
+          <a:bodyPr rtlCol="0" anchor="ctr"/>
           <a:p>
             <a:pPr algn="ctr"/>
             <a:r>
@@ -4950,359 +5081,76 @@
                   <a:schemeClr val="bg1"/>
                 </a:solidFill>
               </a:rPr>
-              <a:t>DataNode</a:t>
-            </a:r>
-            <a:endParaRPr lang="en-US" altLang="zh-CN" dirty="0" smtClean="0">
+              <a:t>NoSQL</a:t>
+            </a:r>
+            <a:r>
+              <a:rPr lang="zh-CN" altLang="en-US" dirty="0" err="1" smtClean="0">
+                <a:solidFill>
+                  <a:schemeClr val="bg1"/>
+                </a:solidFill>
+              </a:rPr>
+              <a:t>数据库</a:t>
+            </a:r>
+            <a:endParaRPr lang="zh-CN" altLang="en-US" dirty="0" err="1" smtClean="0">
               <a:solidFill>
                 <a:schemeClr val="bg1"/>
               </a:solidFill>
             </a:endParaRPr>
           </a:p>
-          <a:p>
-            <a:pPr algn="ctr"/>
-            <a:r>
-              <a:rPr lang="en-US" altLang="zh-CN" dirty="0" err="1" smtClean="0"/>
-              <a:t>NodeManager</a:t>
-            </a:r>
-            <a:endParaRPr lang="en-US" altLang="zh-CN" dirty="0" smtClean="0"/>
-          </a:p>
-        </p:txBody>
-      </p:sp>
-      <p:cxnSp>
-        <p:nvCxnSpPr>
-          <p:cNvPr id="36" name="直接箭头连接符 35"/>
-          <p:cNvCxnSpPr>
-            <a:stCxn id="31" idx="0"/>
-            <a:endCxn id="8" idx="2"/>
-          </p:cNvCxnSpPr>
-          <p:nvPr/>
-        </p:nvCxnSpPr>
-        <p:spPr>
-          <a:xfrm flipH="1" flipV="1">
-            <a:off x="2512025" y="3368343"/>
-            <a:ext cx="620395" cy="2136775"/>
-          </a:xfrm>
-          <a:prstGeom prst="straightConnector1">
-            <a:avLst/>
-          </a:prstGeom>
-          <a:ln>
-            <a:tailEnd type="triangle"/>
-          </a:ln>
+        </p:txBody>
+      </p:sp>
+      <p:sp>
+        <p:nvSpPr>
+          <p:cNvPr id="20" name="圆角矩形 19"/>
+          <p:cNvSpPr/>
+          <p:nvPr/>
+        </p:nvSpPr>
+        <p:spPr>
+          <a:xfrm>
+            <a:off x="4412615" y="4181475"/>
+            <a:ext cx="1662430" cy="387985"/>
+          </a:xfrm>
+          <a:prstGeom prst="roundRect">
+            <a:avLst/>
+          </a:prstGeom>
         </p:spPr>
         <p:style>
           <a:lnRef idx="1">
             <a:schemeClr val="accent1"/>
           </a:lnRef>
-          <a:fillRef idx="0">
-            <a:schemeClr val="accent1"/>
-          </a:fillRef>
-          <a:effectRef idx="0">
-            <a:schemeClr val="accent1"/>
-          </a:effectRef>
-          <a:fontRef idx="minor">
-            <a:schemeClr val="tx1"/>
-          </a:fontRef>
-        </p:style>
-      </p:cxnSp>
-      <p:cxnSp>
-        <p:nvCxnSpPr>
-          <p:cNvPr id="38" name="直接箭头连接符 37"/>
-          <p:cNvCxnSpPr>
-            <a:stCxn id="32" idx="0"/>
-            <a:endCxn id="8" idx="2"/>
-          </p:cNvCxnSpPr>
-          <p:nvPr/>
-        </p:nvCxnSpPr>
-        <p:spPr>
-          <a:xfrm flipH="1" flipV="1">
-            <a:off x="2512360" y="3368343"/>
-            <a:ext cx="2602865" cy="2136775"/>
-          </a:xfrm>
-          <a:prstGeom prst="straightConnector1">
-            <a:avLst/>
-          </a:prstGeom>
-          <a:ln>
-            <a:tailEnd type="triangle"/>
-          </a:ln>
-        </p:spPr>
-        <p:style>
-          <a:lnRef idx="1">
-            <a:schemeClr val="accent1"/>
-          </a:lnRef>
-          <a:fillRef idx="0">
-            <a:schemeClr val="accent1"/>
-          </a:fillRef>
-          <a:effectRef idx="0">
-            <a:schemeClr val="accent1"/>
-          </a:effectRef>
-          <a:fontRef idx="minor">
-            <a:schemeClr val="tx1"/>
-          </a:fontRef>
-        </p:style>
-      </p:cxnSp>
-      <p:cxnSp>
-        <p:nvCxnSpPr>
-          <p:cNvPr id="40" name="直接箭头连接符 39"/>
-          <p:cNvCxnSpPr>
-            <a:stCxn id="33" idx="0"/>
-            <a:endCxn id="8" idx="2"/>
-          </p:cNvCxnSpPr>
-          <p:nvPr/>
-        </p:nvCxnSpPr>
-        <p:spPr>
-          <a:xfrm flipH="1" flipV="1">
-            <a:off x="2512027" y="3368343"/>
-            <a:ext cx="4552315" cy="2136775"/>
-          </a:xfrm>
-          <a:prstGeom prst="straightConnector1">
-            <a:avLst/>
-          </a:prstGeom>
-          <a:ln>
-            <a:tailEnd type="triangle"/>
-          </a:ln>
-        </p:spPr>
-        <p:style>
-          <a:lnRef idx="1">
-            <a:schemeClr val="accent1"/>
-          </a:lnRef>
-          <a:fillRef idx="0">
-            <a:schemeClr val="accent1"/>
-          </a:fillRef>
-          <a:effectRef idx="0">
-            <a:schemeClr val="accent1"/>
-          </a:effectRef>
-          <a:fontRef idx="minor">
-            <a:schemeClr val="tx1"/>
-          </a:fontRef>
-        </p:style>
-      </p:cxnSp>
-      <p:cxnSp>
-        <p:nvCxnSpPr>
-          <p:cNvPr id="42" name="直接箭头连接符 41"/>
-          <p:cNvCxnSpPr>
-            <a:stCxn id="34" idx="0"/>
-            <a:endCxn id="8" idx="2"/>
-          </p:cNvCxnSpPr>
-          <p:nvPr/>
-        </p:nvCxnSpPr>
-        <p:spPr>
-          <a:xfrm flipH="1" flipV="1">
-            <a:off x="2512327" y="3367806"/>
-            <a:ext cx="6546850" cy="2146935"/>
-          </a:xfrm>
-          <a:prstGeom prst="straightConnector1">
-            <a:avLst/>
-          </a:prstGeom>
-          <a:ln>
-            <a:tailEnd type="triangle"/>
-          </a:ln>
-        </p:spPr>
-        <p:style>
-          <a:lnRef idx="1">
-            <a:schemeClr val="accent1"/>
-          </a:lnRef>
-          <a:fillRef idx="0">
-            <a:schemeClr val="accent1"/>
-          </a:fillRef>
-          <a:effectRef idx="0">
-            <a:schemeClr val="accent1"/>
-          </a:effectRef>
-          <a:fontRef idx="minor">
-            <a:schemeClr val="tx1"/>
-          </a:fontRef>
-        </p:style>
-      </p:cxnSp>
-      <p:cxnSp>
-        <p:nvCxnSpPr>
-          <p:cNvPr id="44" name="直接箭头连接符 43"/>
-          <p:cNvCxnSpPr>
-            <a:stCxn id="31" idx="0"/>
-            <a:endCxn id="17" idx="2"/>
-          </p:cNvCxnSpPr>
-          <p:nvPr/>
-        </p:nvCxnSpPr>
-        <p:spPr>
-          <a:xfrm flipV="1">
-            <a:off x="3132420" y="3349293"/>
-            <a:ext cx="6122035" cy="2155825"/>
-          </a:xfrm>
-          <a:prstGeom prst="straightConnector1">
-            <a:avLst/>
-          </a:prstGeom>
-          <a:ln>
-            <a:tailEnd type="triangle"/>
-          </a:ln>
-        </p:spPr>
-        <p:style>
-          <a:lnRef idx="1">
-            <a:schemeClr val="accent1"/>
-          </a:lnRef>
-          <a:fillRef idx="0">
-            <a:schemeClr val="accent1"/>
-          </a:fillRef>
-          <a:effectRef idx="0">
-            <a:schemeClr val="accent1"/>
-          </a:effectRef>
-          <a:fontRef idx="minor">
-            <a:schemeClr val="tx1"/>
-          </a:fontRef>
-        </p:style>
-      </p:cxnSp>
-      <p:cxnSp>
-        <p:nvCxnSpPr>
-          <p:cNvPr id="48" name="直接箭头连接符 47"/>
-          <p:cNvCxnSpPr>
-            <a:stCxn id="32" idx="0"/>
-            <a:endCxn id="17" idx="2"/>
-          </p:cNvCxnSpPr>
-          <p:nvPr/>
-        </p:nvCxnSpPr>
-        <p:spPr>
-          <a:xfrm flipV="1">
-            <a:off x="5115225" y="3349293"/>
-            <a:ext cx="4139565" cy="2155825"/>
-          </a:xfrm>
-          <a:prstGeom prst="straightConnector1">
-            <a:avLst/>
-          </a:prstGeom>
-          <a:ln>
-            <a:tailEnd type="triangle"/>
-          </a:ln>
-        </p:spPr>
-        <p:style>
-          <a:lnRef idx="1">
-            <a:schemeClr val="accent1"/>
-          </a:lnRef>
-          <a:fillRef idx="0">
-            <a:schemeClr val="accent1"/>
-          </a:fillRef>
-          <a:effectRef idx="0">
-            <a:schemeClr val="accent1"/>
-          </a:effectRef>
-          <a:fontRef idx="minor">
-            <a:schemeClr val="tx1"/>
-          </a:fontRef>
-        </p:style>
-      </p:cxnSp>
-      <p:cxnSp>
-        <p:nvCxnSpPr>
-          <p:cNvPr id="50" name="直接箭头连接符 49"/>
-          <p:cNvCxnSpPr>
-            <a:stCxn id="33" idx="0"/>
-            <a:endCxn id="17" idx="2"/>
-          </p:cNvCxnSpPr>
-          <p:nvPr/>
-        </p:nvCxnSpPr>
-        <p:spPr>
-          <a:xfrm flipV="1">
-            <a:off x="7064342" y="3349293"/>
-            <a:ext cx="2190115" cy="2155825"/>
-          </a:xfrm>
-          <a:prstGeom prst="straightConnector1">
-            <a:avLst/>
-          </a:prstGeom>
-          <a:ln>
-            <a:tailEnd type="triangle"/>
-          </a:ln>
-        </p:spPr>
-        <p:style>
-          <a:lnRef idx="1">
-            <a:schemeClr val="accent1"/>
-          </a:lnRef>
-          <a:fillRef idx="0">
-            <a:schemeClr val="accent1"/>
-          </a:fillRef>
-          <a:effectRef idx="0">
-            <a:schemeClr val="accent1"/>
-          </a:effectRef>
-          <a:fontRef idx="minor">
-            <a:schemeClr val="tx1"/>
-          </a:fontRef>
-        </p:style>
-      </p:cxnSp>
-      <p:cxnSp>
-        <p:nvCxnSpPr>
-          <p:cNvPr id="52" name="直接箭头连接符 51"/>
-          <p:cNvCxnSpPr>
-            <a:stCxn id="34" idx="0"/>
-            <a:endCxn id="17" idx="2"/>
-          </p:cNvCxnSpPr>
-          <p:nvPr/>
-        </p:nvCxnSpPr>
-        <p:spPr>
-          <a:xfrm flipV="1">
-            <a:off x="9059177" y="3348756"/>
-            <a:ext cx="195580" cy="2165985"/>
-          </a:xfrm>
-          <a:prstGeom prst="straightConnector1">
-            <a:avLst/>
-          </a:prstGeom>
-          <a:ln>
-            <a:tailEnd type="triangle"/>
-          </a:ln>
-        </p:spPr>
-        <p:style>
-          <a:lnRef idx="1">
-            <a:schemeClr val="accent1"/>
-          </a:lnRef>
-          <a:fillRef idx="0">
-            <a:schemeClr val="accent1"/>
-          </a:fillRef>
-          <a:effectRef idx="0">
-            <a:schemeClr val="accent1"/>
-          </a:effectRef>
-          <a:fontRef idx="minor">
-            <a:schemeClr val="tx1"/>
-          </a:fontRef>
-        </p:style>
-      </p:cxnSp>
-      <p:sp>
-        <p:nvSpPr>
-          <p:cNvPr id="59" name="圆角矩形 58"/>
-          <p:cNvSpPr/>
-          <p:nvPr/>
-        </p:nvSpPr>
-        <p:spPr>
-          <a:xfrm>
-            <a:off x="4442189" y="711738"/>
-            <a:ext cx="856647" cy="385010"/>
-          </a:xfrm>
-          <a:prstGeom prst="roundRect">
-            <a:avLst/>
-          </a:prstGeom>
-        </p:spPr>
-        <p:style>
-          <a:lnRef idx="2">
-            <a:schemeClr val="accent4">
-              <a:shade val="50000"/>
-            </a:schemeClr>
-          </a:lnRef>
-          <a:fillRef idx="1">
-            <a:schemeClr val="accent4"/>
-          </a:fillRef>
-          <a:effectRef idx="0">
-            <a:schemeClr val="accent4"/>
-          </a:effectRef>
-          <a:fontRef idx="minor">
-            <a:schemeClr val="lt1"/>
+          <a:fillRef idx="2">
+            <a:schemeClr val="accent1"/>
+          </a:fillRef>
+          <a:effectRef idx="1">
+            <a:schemeClr val="accent1"/>
+          </a:effectRef>
+          <a:fontRef idx="minor">
+            <a:schemeClr val="dk1"/>
           </a:fontRef>
         </p:style>
         <p:txBody>
           <a:bodyPr rtlCol="0" anchor="ctr"/>
-          <a:lstStyle/>
-          <a:p>
-            <a:pPr algn="ctr"/>
-            <a:r>
-              <a:rPr lang="en-US" altLang="zh-CN" dirty="0" smtClean="0">
+          <a:p>
+            <a:pPr algn="ctr"/>
+            <a:r>
+              <a:rPr lang="en-US" altLang="zh-CN" dirty="0" err="1" smtClean="0">
                 <a:solidFill>
-                  <a:srgbClr val="0070C0"/>
+                  <a:schemeClr val="bg1"/>
                 </a:solidFill>
               </a:rPr>
-              <a:t>ZK</a:t>
-            </a:r>
-            <a:endParaRPr lang="zh-CN" altLang="en-US" dirty="0">
+              <a:t>HBase</a:t>
+            </a:r>
+            <a:r>
+              <a:rPr lang="zh-CN" altLang="en-US" dirty="0" err="1" smtClean="0">
+                <a:solidFill>
+                  <a:schemeClr val="bg1"/>
+                </a:solidFill>
+              </a:rPr>
+              <a:t>数据库</a:t>
+            </a:r>
+            <a:endParaRPr lang="zh-CN" altLang="en-US" dirty="0" err="1" smtClean="0">
               <a:solidFill>
-                <a:srgbClr val="0070C0"/>
+                <a:schemeClr val="bg1"/>
               </a:solidFill>
             </a:endParaRPr>
           </a:p>
@@ -5310,51 +5158,56 @@
       </p:sp>
       <p:sp>
         <p:nvSpPr>
-          <p:cNvPr id="60" name="圆角矩形 59"/>
+          <p:cNvPr id="21" name="圆角矩形 20"/>
           <p:cNvSpPr/>
           <p:nvPr/>
         </p:nvSpPr>
         <p:spPr>
           <a:xfrm>
-            <a:off x="6463497" y="706927"/>
-            <a:ext cx="856647" cy="385010"/>
+            <a:off x="6627495" y="4180840"/>
+            <a:ext cx="1488440" cy="388620"/>
           </a:xfrm>
           <a:prstGeom prst="roundRect">
             <a:avLst/>
           </a:prstGeom>
         </p:spPr>
         <p:style>
-          <a:lnRef idx="2">
-            <a:schemeClr val="accent4">
-              <a:shade val="50000"/>
-            </a:schemeClr>
-          </a:lnRef>
-          <a:fillRef idx="1">
-            <a:schemeClr val="accent4"/>
-          </a:fillRef>
-          <a:effectRef idx="0">
-            <a:schemeClr val="accent4"/>
-          </a:effectRef>
-          <a:fontRef idx="minor">
-            <a:schemeClr val="lt1"/>
+          <a:lnRef idx="1">
+            <a:schemeClr val="accent1"/>
+          </a:lnRef>
+          <a:fillRef idx="2">
+            <a:schemeClr val="accent1"/>
+          </a:fillRef>
+          <a:effectRef idx="1">
+            <a:schemeClr val="accent1"/>
+          </a:effectRef>
+          <a:fontRef idx="minor">
+            <a:schemeClr val="dk1"/>
           </a:fontRef>
         </p:style>
         <p:txBody>
           <a:bodyPr rtlCol="0" anchor="ctr"/>
-          <a:lstStyle/>
-          <a:p>
-            <a:pPr algn="ctr"/>
-            <a:r>
-              <a:rPr lang="en-US" altLang="zh-CN" dirty="0" smtClean="0">
+          <a:p>
+            <a:pPr algn="ctr"/>
+            <a:r>
+              <a:rPr lang="en-US" altLang="zh-CN" dirty="0" err="1" smtClean="0">
                 <a:solidFill>
-                  <a:srgbClr val="0070C0"/>
+                  <a:schemeClr val="bg1"/>
                 </a:solidFill>
               </a:rPr>
-              <a:t>ZK</a:t>
-            </a:r>
-            <a:endParaRPr lang="zh-CN" altLang="en-US" dirty="0">
+              <a:t>Hive</a:t>
+            </a:r>
+            <a:r>
+              <a:rPr lang="zh-CN" altLang="en-US" dirty="0" err="1" smtClean="0">
+                <a:solidFill>
+                  <a:schemeClr val="bg1"/>
+                </a:solidFill>
+              </a:rPr>
+              <a:t>仓库</a:t>
+            </a:r>
+            <a:endParaRPr lang="zh-CN" altLang="en-US" dirty="0" err="1" smtClean="0">
               <a:solidFill>
-                <a:srgbClr val="0070C0"/>
+                <a:schemeClr val="bg1"/>
               </a:solidFill>
             </a:endParaRPr>
           </a:p>
@@ -5362,18 +5215,509 @@
       </p:sp>
       <p:sp>
         <p:nvSpPr>
-          <p:cNvPr id="3" name="圆角矩形 2"/>
+          <p:cNvPr id="25" name="圆角矩形 24"/>
           <p:cNvSpPr/>
           <p:nvPr/>
         </p:nvSpPr>
         <p:spPr>
           <a:xfrm>
-            <a:off x="10329545" y="1358900"/>
-            <a:ext cx="914400" cy="508635"/>
+            <a:off x="1616710" y="2990215"/>
+            <a:ext cx="7092315" cy="666750"/>
           </a:xfrm>
           <a:prstGeom prst="roundRect">
             <a:avLst/>
           </a:prstGeom>
+          <a:ln w="12700" cmpd="sng">
+            <a:solidFill>
+              <a:schemeClr val="accent1">
+                <a:shade val="50000"/>
+              </a:schemeClr>
+            </a:solidFill>
+            <a:prstDash val="lgDashDot"/>
+          </a:ln>
+        </p:spPr>
+        <p:style>
+          <a:lnRef idx="2">
+            <a:schemeClr val="accent1"/>
+          </a:lnRef>
+          <a:fillRef idx="1">
+            <a:schemeClr val="lt1"/>
+          </a:fillRef>
+          <a:effectRef idx="0">
+            <a:schemeClr val="accent1"/>
+          </a:effectRef>
+          <a:fontRef idx="minor">
+            <a:schemeClr val="dk1"/>
+          </a:fontRef>
+        </p:style>
+        <p:txBody>
+          <a:bodyPr rtlCol="0" anchor="ctr"/>
+          <a:p>
+            <a:pPr algn="ctr"/>
+            <a:endParaRPr lang="zh-CN" altLang="en-US" dirty="0"/>
+          </a:p>
+        </p:txBody>
+      </p:sp>
+      <p:sp>
+        <p:nvSpPr>
+          <p:cNvPr id="27" name="圆角矩形 26"/>
+          <p:cNvSpPr/>
+          <p:nvPr/>
+        </p:nvSpPr>
+        <p:spPr>
+          <a:xfrm>
+            <a:off x="1676400" y="3128010"/>
+            <a:ext cx="946150" cy="434975"/>
+          </a:xfrm>
+          <a:prstGeom prst="roundRect">
+            <a:avLst/>
+          </a:prstGeom>
+        </p:spPr>
+        <p:style>
+          <a:lnRef idx="1">
+            <a:schemeClr val="accent1"/>
+          </a:lnRef>
+          <a:fillRef idx="2">
+            <a:schemeClr val="accent1"/>
+          </a:fillRef>
+          <a:effectRef idx="1">
+            <a:schemeClr val="accent1"/>
+          </a:effectRef>
+          <a:fontRef idx="minor">
+            <a:schemeClr val="dk1"/>
+          </a:fontRef>
+        </p:style>
+        <p:txBody>
+          <a:bodyPr rtlCol="0" anchor="ctr"/>
+          <a:p>
+            <a:pPr algn="ctr"/>
+            <a:r>
+              <a:rPr lang="zh-CN" altLang="en-US" dirty="0" err="1" smtClean="0">
+                <a:solidFill>
+                  <a:schemeClr val="bg1"/>
+                </a:solidFill>
+              </a:rPr>
+              <a:t>算法库</a:t>
+            </a:r>
+            <a:endParaRPr lang="zh-CN" altLang="en-US" dirty="0" err="1" smtClean="0">
+              <a:solidFill>
+                <a:schemeClr val="bg1"/>
+              </a:solidFill>
+            </a:endParaRPr>
+          </a:p>
+        </p:txBody>
+      </p:sp>
+      <p:sp>
+        <p:nvSpPr>
+          <p:cNvPr id="35" name="圆角矩形 34"/>
+          <p:cNvSpPr/>
+          <p:nvPr/>
+        </p:nvSpPr>
+        <p:spPr>
+          <a:xfrm>
+            <a:off x="2703830" y="3128010"/>
+            <a:ext cx="1156970" cy="434975"/>
+          </a:xfrm>
+          <a:prstGeom prst="roundRect">
+            <a:avLst/>
+          </a:prstGeom>
+        </p:spPr>
+        <p:style>
+          <a:lnRef idx="1">
+            <a:schemeClr val="accent1"/>
+          </a:lnRef>
+          <a:fillRef idx="2">
+            <a:schemeClr val="accent1"/>
+          </a:fillRef>
+          <a:effectRef idx="1">
+            <a:schemeClr val="accent1"/>
+          </a:effectRef>
+          <a:fontRef idx="minor">
+            <a:schemeClr val="dk1"/>
+          </a:fontRef>
+        </p:style>
+        <p:txBody>
+          <a:bodyPr rtlCol="0" anchor="ctr"/>
+          <a:p>
+            <a:pPr algn="ctr"/>
+            <a:r>
+              <a:rPr lang="zh-CN" altLang="en-US" dirty="0" err="1" smtClean="0">
+                <a:solidFill>
+                  <a:schemeClr val="bg1"/>
+                </a:solidFill>
+              </a:rPr>
+              <a:t>机器学习</a:t>
+            </a:r>
+            <a:endParaRPr lang="zh-CN" altLang="en-US" dirty="0" err="1" smtClean="0">
+              <a:solidFill>
+                <a:schemeClr val="bg1"/>
+              </a:solidFill>
+            </a:endParaRPr>
+          </a:p>
+        </p:txBody>
+      </p:sp>
+      <p:sp>
+        <p:nvSpPr>
+          <p:cNvPr id="36" name="圆角矩形 35"/>
+          <p:cNvSpPr/>
+          <p:nvPr/>
+        </p:nvSpPr>
+        <p:spPr>
+          <a:xfrm>
+            <a:off x="3944620" y="3100070"/>
+            <a:ext cx="1510665" cy="491490"/>
+          </a:xfrm>
+          <a:prstGeom prst="roundRect">
+            <a:avLst/>
+          </a:prstGeom>
+        </p:spPr>
+        <p:style>
+          <a:lnRef idx="1">
+            <a:schemeClr val="accent1"/>
+          </a:lnRef>
+          <a:fillRef idx="2">
+            <a:schemeClr val="accent1"/>
+          </a:fillRef>
+          <a:effectRef idx="1">
+            <a:schemeClr val="accent1"/>
+          </a:effectRef>
+          <a:fontRef idx="minor">
+            <a:schemeClr val="dk1"/>
+          </a:fontRef>
+        </p:style>
+        <p:txBody>
+          <a:bodyPr rtlCol="0" anchor="ctr"/>
+          <a:p>
+            <a:pPr algn="ctr"/>
+            <a:r>
+              <a:rPr lang="en-US" altLang="zh-CN" dirty="0" err="1" smtClean="0">
+                <a:solidFill>
+                  <a:schemeClr val="bg1"/>
+                </a:solidFill>
+              </a:rPr>
+              <a:t>Storm</a:t>
+            </a:r>
+            <a:r>
+              <a:rPr lang="zh-CN" altLang="en-US" dirty="0" err="1" smtClean="0">
+                <a:solidFill>
+                  <a:schemeClr val="bg1"/>
+                </a:solidFill>
+              </a:rPr>
+              <a:t>内存流式计算框架</a:t>
+            </a:r>
+            <a:endParaRPr lang="zh-CN" altLang="en-US" dirty="0" err="1" smtClean="0">
+              <a:solidFill>
+                <a:schemeClr val="bg1"/>
+              </a:solidFill>
+            </a:endParaRPr>
+          </a:p>
+        </p:txBody>
+      </p:sp>
+      <p:sp>
+        <p:nvSpPr>
+          <p:cNvPr id="37" name="圆角矩形 36"/>
+          <p:cNvSpPr/>
+          <p:nvPr/>
+        </p:nvSpPr>
+        <p:spPr>
+          <a:xfrm>
+            <a:off x="5530850" y="3117215"/>
+            <a:ext cx="1607185" cy="491490"/>
+          </a:xfrm>
+          <a:prstGeom prst="roundRect">
+            <a:avLst/>
+          </a:prstGeom>
+        </p:spPr>
+        <p:style>
+          <a:lnRef idx="1">
+            <a:schemeClr val="accent1"/>
+          </a:lnRef>
+          <a:fillRef idx="2">
+            <a:schemeClr val="accent1"/>
+          </a:fillRef>
+          <a:effectRef idx="1">
+            <a:schemeClr val="accent1"/>
+          </a:effectRef>
+          <a:fontRef idx="minor">
+            <a:schemeClr val="dk1"/>
+          </a:fontRef>
+        </p:style>
+        <p:txBody>
+          <a:bodyPr rtlCol="0" anchor="ctr"/>
+          <a:p>
+            <a:pPr algn="ctr"/>
+            <a:r>
+              <a:rPr lang="en-US" altLang="zh-CN" dirty="0" err="1" smtClean="0">
+                <a:solidFill>
+                  <a:schemeClr val="bg1"/>
+                </a:solidFill>
+              </a:rPr>
+              <a:t>MapReduce</a:t>
+            </a:r>
+            <a:r>
+              <a:rPr lang="zh-CN" altLang="en-US" dirty="0" err="1" smtClean="0">
+                <a:solidFill>
+                  <a:schemeClr val="bg1"/>
+                </a:solidFill>
+              </a:rPr>
+              <a:t>离线计算框架</a:t>
+            </a:r>
+            <a:endParaRPr lang="zh-CN" altLang="en-US" dirty="0" err="1" smtClean="0">
+              <a:solidFill>
+                <a:schemeClr val="bg1"/>
+              </a:solidFill>
+            </a:endParaRPr>
+          </a:p>
+        </p:txBody>
+      </p:sp>
+      <p:sp>
+        <p:nvSpPr>
+          <p:cNvPr id="38" name="圆角矩形 37"/>
+          <p:cNvSpPr/>
+          <p:nvPr/>
+        </p:nvSpPr>
+        <p:spPr>
+          <a:xfrm>
+            <a:off x="7240270" y="3117850"/>
+            <a:ext cx="1384935" cy="491490"/>
+          </a:xfrm>
+          <a:prstGeom prst="roundRect">
+            <a:avLst/>
+          </a:prstGeom>
+        </p:spPr>
+        <p:style>
+          <a:lnRef idx="1">
+            <a:schemeClr val="accent1"/>
+          </a:lnRef>
+          <a:fillRef idx="2">
+            <a:schemeClr val="accent1"/>
+          </a:fillRef>
+          <a:effectRef idx="1">
+            <a:schemeClr val="accent1"/>
+          </a:effectRef>
+          <a:fontRef idx="minor">
+            <a:schemeClr val="dk1"/>
+          </a:fontRef>
+        </p:style>
+        <p:txBody>
+          <a:bodyPr rtlCol="0" anchor="ctr"/>
+          <a:p>
+            <a:pPr algn="ctr"/>
+            <a:r>
+              <a:rPr lang="en-US" altLang="zh-CN" dirty="0" err="1" smtClean="0">
+                <a:solidFill>
+                  <a:schemeClr val="bg1"/>
+                </a:solidFill>
+              </a:rPr>
+              <a:t>Spark</a:t>
+            </a:r>
+            <a:r>
+              <a:rPr lang="zh-CN" altLang="en-US" dirty="0" err="1" smtClean="0">
+                <a:solidFill>
+                  <a:schemeClr val="bg1"/>
+                </a:solidFill>
+              </a:rPr>
+              <a:t>并行计算框架</a:t>
+            </a:r>
+            <a:endParaRPr lang="zh-CN" altLang="en-US" dirty="0" err="1" smtClean="0">
+              <a:solidFill>
+                <a:schemeClr val="bg1"/>
+              </a:solidFill>
+            </a:endParaRPr>
+          </a:p>
+        </p:txBody>
+      </p:sp>
+      <p:sp>
+        <p:nvSpPr>
+          <p:cNvPr id="46" name="文本框 45"/>
+          <p:cNvSpPr txBox="1"/>
+          <p:nvPr/>
+        </p:nvSpPr>
+        <p:spPr>
+          <a:xfrm>
+            <a:off x="547370" y="5541010"/>
+            <a:ext cx="459740" cy="777240"/>
+          </a:xfrm>
+          <a:prstGeom prst="rect">
+            <a:avLst/>
+          </a:prstGeom>
+        </p:spPr>
+        <p:style>
+          <a:lnRef idx="1">
+            <a:schemeClr val="accent1"/>
+          </a:lnRef>
+          <a:fillRef idx="2">
+            <a:schemeClr val="accent1"/>
+          </a:fillRef>
+          <a:effectRef idx="1">
+            <a:schemeClr val="accent1"/>
+          </a:effectRef>
+          <a:fontRef idx="minor">
+            <a:schemeClr val="dk1"/>
+          </a:fontRef>
+        </p:style>
+        <p:txBody>
+          <a:bodyPr vert="eaVert" wrap="none" rtlCol="0">
+            <a:spAutoFit/>
+          </a:bodyPr>
+          <a:p>
+            <a:r>
+              <a:rPr lang="zh-CN" altLang="en-US"/>
+              <a:t>抽取层</a:t>
+            </a:r>
+            <a:endParaRPr lang="zh-CN" altLang="en-US"/>
+          </a:p>
+        </p:txBody>
+      </p:sp>
+      <p:sp>
+        <p:nvSpPr>
+          <p:cNvPr id="47" name="文本框 46"/>
+          <p:cNvSpPr txBox="1"/>
+          <p:nvPr/>
+        </p:nvSpPr>
+        <p:spPr>
+          <a:xfrm>
+            <a:off x="547370" y="4180840"/>
+            <a:ext cx="459740" cy="777240"/>
+          </a:xfrm>
+          <a:prstGeom prst="rect">
+            <a:avLst/>
+          </a:prstGeom>
+        </p:spPr>
+        <p:style>
+          <a:lnRef idx="1">
+            <a:schemeClr val="accent1"/>
+          </a:lnRef>
+          <a:fillRef idx="2">
+            <a:schemeClr val="accent1"/>
+          </a:fillRef>
+          <a:effectRef idx="1">
+            <a:schemeClr val="accent1"/>
+          </a:effectRef>
+          <a:fontRef idx="minor">
+            <a:schemeClr val="dk1"/>
+          </a:fontRef>
+        </p:style>
+        <p:txBody>
+          <a:bodyPr vert="eaVert" wrap="none" rtlCol="0">
+            <a:spAutoFit/>
+          </a:bodyPr>
+          <a:p>
+            <a:r>
+              <a:rPr lang="zh-CN" altLang="en-US"/>
+              <a:t>数据层</a:t>
+            </a:r>
+            <a:endParaRPr lang="zh-CN" altLang="en-US"/>
+          </a:p>
+        </p:txBody>
+      </p:sp>
+      <p:sp>
+        <p:nvSpPr>
+          <p:cNvPr id="48" name="文本框 47"/>
+          <p:cNvSpPr txBox="1"/>
+          <p:nvPr/>
+        </p:nvSpPr>
+        <p:spPr>
+          <a:xfrm>
+            <a:off x="547370" y="2879725"/>
+            <a:ext cx="459740" cy="777240"/>
+          </a:xfrm>
+          <a:prstGeom prst="rect">
+            <a:avLst/>
+          </a:prstGeom>
+        </p:spPr>
+        <p:style>
+          <a:lnRef idx="1">
+            <a:schemeClr val="accent1"/>
+          </a:lnRef>
+          <a:fillRef idx="2">
+            <a:schemeClr val="accent1"/>
+          </a:fillRef>
+          <a:effectRef idx="1">
+            <a:schemeClr val="accent1"/>
+          </a:effectRef>
+          <a:fontRef idx="minor">
+            <a:schemeClr val="dk1"/>
+          </a:fontRef>
+        </p:style>
+        <p:txBody>
+          <a:bodyPr vert="eaVert" wrap="none" rtlCol="0">
+            <a:spAutoFit/>
+          </a:bodyPr>
+          <a:p>
+            <a:r>
+              <a:rPr lang="zh-CN" altLang="en-US"/>
+              <a:t>计算层</a:t>
+            </a:r>
+            <a:endParaRPr lang="zh-CN" altLang="en-US"/>
+          </a:p>
+        </p:txBody>
+      </p:sp>
+      <p:sp>
+        <p:nvSpPr>
+          <p:cNvPr id="49" name="圆角矩形 48"/>
+          <p:cNvSpPr/>
+          <p:nvPr/>
+        </p:nvSpPr>
+        <p:spPr>
+          <a:xfrm>
+            <a:off x="1598930" y="1519555"/>
+            <a:ext cx="4082415" cy="1054100"/>
+          </a:xfrm>
+          <a:prstGeom prst="roundRect">
+            <a:avLst/>
+          </a:prstGeom>
+          <a:ln w="12700" cmpd="sng">
+            <a:solidFill>
+              <a:schemeClr val="accent1">
+                <a:shade val="50000"/>
+              </a:schemeClr>
+            </a:solidFill>
+            <a:prstDash val="lgDashDot"/>
+          </a:ln>
+        </p:spPr>
+        <p:style>
+          <a:lnRef idx="2">
+            <a:schemeClr val="accent1"/>
+          </a:lnRef>
+          <a:fillRef idx="1">
+            <a:schemeClr val="lt1"/>
+          </a:fillRef>
+          <a:effectRef idx="0">
+            <a:schemeClr val="accent1"/>
+          </a:effectRef>
+          <a:fontRef idx="minor">
+            <a:schemeClr val="dk1"/>
+          </a:fontRef>
+        </p:style>
+        <p:txBody>
+          <a:bodyPr rtlCol="0" anchor="ctr"/>
+          <a:p>
+            <a:pPr algn="ctr"/>
+            <a:endParaRPr lang="zh-CN" altLang="en-US" dirty="0"/>
+          </a:p>
+        </p:txBody>
+      </p:sp>
+      <p:sp>
+        <p:nvSpPr>
+          <p:cNvPr id="53" name="椭圆 52"/>
+          <p:cNvSpPr/>
+          <p:nvPr/>
+        </p:nvSpPr>
+        <p:spPr>
+          <a:xfrm>
+            <a:off x="1646555" y="1589405"/>
+            <a:ext cx="914400" cy="914400"/>
+          </a:xfrm>
+          <a:prstGeom prst="ellipse">
+            <a:avLst/>
+          </a:prstGeom>
+          <a:solidFill>
+            <a:schemeClr val="accent1">
+              <a:lumMod val="60000"/>
+              <a:lumOff val="40000"/>
+            </a:schemeClr>
+          </a:solidFill>
         </p:spPr>
         <p:style>
           <a:lnRef idx="2">
@@ -5396,27 +5740,33 @@
           <a:p>
             <a:pPr algn="ctr"/>
             <a:r>
-              <a:rPr lang="en-US" altLang="zh-CN"/>
-              <a:t>hive</a:t>
-            </a:r>
-            <a:endParaRPr lang="en-US" altLang="zh-CN"/>
-          </a:p>
-        </p:txBody>
-      </p:sp>
-      <p:sp>
-        <p:nvSpPr>
-          <p:cNvPr id="5" name="圆角矩形 4"/>
+              <a:rPr lang="zh-CN" altLang="en-US"/>
+              <a:t>运营分析</a:t>
+            </a:r>
+            <a:endParaRPr lang="zh-CN" altLang="en-US"/>
+          </a:p>
+        </p:txBody>
+      </p:sp>
+      <p:sp>
+        <p:nvSpPr>
+          <p:cNvPr id="54" name="椭圆 53"/>
           <p:cNvSpPr/>
           <p:nvPr/>
         </p:nvSpPr>
         <p:spPr>
           <a:xfrm>
-            <a:off x="10329545" y="2859405"/>
-            <a:ext cx="914400" cy="508635"/>
-          </a:xfrm>
-          <a:prstGeom prst="roundRect">
-            <a:avLst/>
-          </a:prstGeom>
+            <a:off x="2637790" y="1589405"/>
+            <a:ext cx="914400" cy="914400"/>
+          </a:xfrm>
+          <a:prstGeom prst="ellipse">
+            <a:avLst/>
+          </a:prstGeom>
+          <a:solidFill>
+            <a:schemeClr val="accent1">
+              <a:lumMod val="60000"/>
+              <a:lumOff val="40000"/>
+            </a:schemeClr>
+          </a:solidFill>
         </p:spPr>
         <p:style>
           <a:lnRef idx="2">
@@ -5439,27 +5789,33 @@
           <a:p>
             <a:pPr algn="ctr"/>
             <a:r>
-              <a:rPr lang="en-US" altLang="zh-CN"/>
-              <a:t>oozie</a:t>
-            </a:r>
-            <a:endParaRPr lang="en-US" altLang="zh-CN"/>
-          </a:p>
-        </p:txBody>
-      </p:sp>
-      <p:sp>
-        <p:nvSpPr>
-          <p:cNvPr id="7" name="圆角矩形 6"/>
+              <a:rPr lang="zh-CN" altLang="en-US"/>
+              <a:t>日志分析</a:t>
+            </a:r>
+            <a:endParaRPr lang="zh-CN" altLang="en-US"/>
+          </a:p>
+        </p:txBody>
+      </p:sp>
+      <p:sp>
+        <p:nvSpPr>
+          <p:cNvPr id="55" name="椭圆 54"/>
           <p:cNvSpPr/>
           <p:nvPr/>
         </p:nvSpPr>
         <p:spPr>
           <a:xfrm>
-            <a:off x="10329545" y="4088765"/>
-            <a:ext cx="914400" cy="508635"/>
-          </a:xfrm>
-          <a:prstGeom prst="roundRect">
-            <a:avLst/>
-          </a:prstGeom>
+            <a:off x="3620770" y="1589405"/>
+            <a:ext cx="914400" cy="914400"/>
+          </a:xfrm>
+          <a:prstGeom prst="ellipse">
+            <a:avLst/>
+          </a:prstGeom>
+          <a:solidFill>
+            <a:schemeClr val="accent1">
+              <a:lumMod val="60000"/>
+              <a:lumOff val="40000"/>
+            </a:schemeClr>
+          </a:solidFill>
         </p:spPr>
         <p:style>
           <a:lnRef idx="2">
@@ -5482,23 +5838,658 @@
           <a:p>
             <a:pPr algn="ctr"/>
             <a:r>
-              <a:rPr lang="en-US" altLang="zh-CN"/>
-              <a:t>hue</a:t>
-            </a:r>
-            <a:endParaRPr lang="en-US" altLang="zh-CN"/>
-          </a:p>
-        </p:txBody>
-      </p:sp>
-      <p:sp>
-        <p:nvSpPr>
-          <p:cNvPr id="10" name="文本框 9"/>
+              <a:rPr lang="zh-CN" altLang="en-US"/>
+              <a:t>个性化推荐</a:t>
+            </a:r>
+            <a:endParaRPr lang="zh-CN" altLang="en-US"/>
+          </a:p>
+        </p:txBody>
+      </p:sp>
+      <p:sp>
+        <p:nvSpPr>
+          <p:cNvPr id="56" name="椭圆 55"/>
+          <p:cNvSpPr/>
+          <p:nvPr/>
+        </p:nvSpPr>
+        <p:spPr>
+          <a:xfrm>
+            <a:off x="4600575" y="1589405"/>
+            <a:ext cx="914400" cy="914400"/>
+          </a:xfrm>
+          <a:prstGeom prst="ellipse">
+            <a:avLst/>
+          </a:prstGeom>
+          <a:solidFill>
+            <a:schemeClr val="accent1">
+              <a:lumMod val="60000"/>
+              <a:lumOff val="40000"/>
+            </a:schemeClr>
+          </a:solidFill>
+        </p:spPr>
+        <p:style>
+          <a:lnRef idx="2">
+            <a:schemeClr val="accent1">
+              <a:shade val="50000"/>
+            </a:schemeClr>
+          </a:lnRef>
+          <a:fillRef idx="1">
+            <a:schemeClr val="accent1"/>
+          </a:fillRef>
+          <a:effectRef idx="0">
+            <a:schemeClr val="accent1"/>
+          </a:effectRef>
+          <a:fontRef idx="minor">
+            <a:schemeClr val="lt1"/>
+          </a:fontRef>
+        </p:style>
+        <p:txBody>
+          <a:bodyPr rtlCol="0" anchor="ctr"/>
+          <a:p>
+            <a:pPr algn="ctr"/>
+            <a:r>
+              <a:rPr lang="zh-CN" altLang="en-US"/>
+              <a:t>供应链分析</a:t>
+            </a:r>
+            <a:endParaRPr lang="zh-CN" altLang="en-US"/>
+          </a:p>
+        </p:txBody>
+      </p:sp>
+      <p:sp>
+        <p:nvSpPr>
+          <p:cNvPr id="62" name="圆角矩形 61"/>
+          <p:cNvSpPr/>
+          <p:nvPr/>
+        </p:nvSpPr>
+        <p:spPr>
+          <a:xfrm>
+            <a:off x="5429250" y="5979795"/>
+            <a:ext cx="970280" cy="491490"/>
+          </a:xfrm>
+          <a:prstGeom prst="roundRect">
+            <a:avLst/>
+          </a:prstGeom>
+        </p:spPr>
+        <p:style>
+          <a:lnRef idx="1">
+            <a:schemeClr val="accent1"/>
+          </a:lnRef>
+          <a:fillRef idx="2">
+            <a:schemeClr val="accent1"/>
+          </a:fillRef>
+          <a:effectRef idx="1">
+            <a:schemeClr val="accent1"/>
+          </a:effectRef>
+          <a:fontRef idx="minor">
+            <a:schemeClr val="dk1"/>
+          </a:fontRef>
+        </p:style>
+        <p:txBody>
+          <a:bodyPr rtlCol="0" anchor="ctr"/>
+          <a:p>
+            <a:pPr algn="ctr"/>
+            <a:r>
+              <a:rPr lang="zh-CN" altLang="en-US" dirty="0" err="1" smtClean="0">
+                <a:solidFill>
+                  <a:schemeClr val="bg1"/>
+                </a:solidFill>
+              </a:rPr>
+              <a:t>日志</a:t>
+            </a:r>
+            <a:endParaRPr lang="zh-CN" altLang="en-US" dirty="0" err="1" smtClean="0">
+              <a:solidFill>
+                <a:schemeClr val="bg1"/>
+              </a:solidFill>
+            </a:endParaRPr>
+          </a:p>
+        </p:txBody>
+      </p:sp>
+      <p:sp>
+        <p:nvSpPr>
+          <p:cNvPr id="63" name="圆角矩形 62"/>
+          <p:cNvSpPr/>
+          <p:nvPr/>
+        </p:nvSpPr>
+        <p:spPr>
+          <a:xfrm>
+            <a:off x="6623050" y="5979795"/>
+            <a:ext cx="970280" cy="491490"/>
+          </a:xfrm>
+          <a:prstGeom prst="roundRect">
+            <a:avLst/>
+          </a:prstGeom>
+        </p:spPr>
+        <p:style>
+          <a:lnRef idx="1">
+            <a:schemeClr val="accent1"/>
+          </a:lnRef>
+          <a:fillRef idx="2">
+            <a:schemeClr val="accent1"/>
+          </a:fillRef>
+          <a:effectRef idx="1">
+            <a:schemeClr val="accent1"/>
+          </a:effectRef>
+          <a:fontRef idx="minor">
+            <a:schemeClr val="dk1"/>
+          </a:fontRef>
+        </p:style>
+        <p:txBody>
+          <a:bodyPr rtlCol="0" anchor="ctr"/>
+          <a:p>
+            <a:pPr algn="ctr"/>
+            <a:r>
+              <a:rPr lang="zh-CN" altLang="en-US" dirty="0" err="1" smtClean="0">
+                <a:solidFill>
+                  <a:schemeClr val="bg1"/>
+                </a:solidFill>
+              </a:rPr>
+              <a:t>点击率</a:t>
+            </a:r>
+            <a:endParaRPr lang="zh-CN" altLang="en-US" dirty="0" err="1" smtClean="0">
+              <a:solidFill>
+                <a:schemeClr val="bg1"/>
+              </a:solidFill>
+            </a:endParaRPr>
+          </a:p>
+        </p:txBody>
+      </p:sp>
+      <p:sp>
+        <p:nvSpPr>
+          <p:cNvPr id="64" name="圆角矩形 63"/>
+          <p:cNvSpPr/>
+          <p:nvPr/>
+        </p:nvSpPr>
+        <p:spPr>
+          <a:xfrm>
+            <a:off x="7843520" y="5979795"/>
+            <a:ext cx="970280" cy="491490"/>
+          </a:xfrm>
+          <a:prstGeom prst="roundRect">
+            <a:avLst/>
+          </a:prstGeom>
+        </p:spPr>
+        <p:style>
+          <a:lnRef idx="1">
+            <a:schemeClr val="accent1"/>
+          </a:lnRef>
+          <a:fillRef idx="2">
+            <a:schemeClr val="accent1"/>
+          </a:fillRef>
+          <a:effectRef idx="1">
+            <a:schemeClr val="accent1"/>
+          </a:effectRef>
+          <a:fontRef idx="minor">
+            <a:schemeClr val="dk1"/>
+          </a:fontRef>
+        </p:style>
+        <p:txBody>
+          <a:bodyPr rtlCol="0" anchor="ctr"/>
+          <a:p>
+            <a:pPr algn="ctr"/>
+            <a:r>
+              <a:rPr lang="zh-CN" altLang="en-US" dirty="0" err="1" smtClean="0">
+                <a:solidFill>
+                  <a:schemeClr val="bg1"/>
+                </a:solidFill>
+              </a:rPr>
+              <a:t>其它数据接口</a:t>
+            </a:r>
+            <a:endParaRPr lang="zh-CN" altLang="en-US" dirty="0" err="1" smtClean="0">
+              <a:solidFill>
+                <a:schemeClr val="bg1"/>
+              </a:solidFill>
+            </a:endParaRPr>
+          </a:p>
+        </p:txBody>
+      </p:sp>
+      <p:sp>
+        <p:nvSpPr>
+          <p:cNvPr id="72" name="圆角矩形 71"/>
+          <p:cNvSpPr/>
+          <p:nvPr/>
+        </p:nvSpPr>
+        <p:spPr>
+          <a:xfrm>
+            <a:off x="1610995" y="255270"/>
+            <a:ext cx="4070985" cy="1054100"/>
+          </a:xfrm>
+          <a:prstGeom prst="roundRect">
+            <a:avLst/>
+          </a:prstGeom>
+          <a:ln w="12700" cmpd="sng">
+            <a:solidFill>
+              <a:schemeClr val="accent1">
+                <a:shade val="50000"/>
+              </a:schemeClr>
+            </a:solidFill>
+            <a:prstDash val="lgDashDot"/>
+          </a:ln>
+        </p:spPr>
+        <p:style>
+          <a:lnRef idx="2">
+            <a:schemeClr val="accent1"/>
+          </a:lnRef>
+          <a:fillRef idx="1">
+            <a:schemeClr val="lt1"/>
+          </a:fillRef>
+          <a:effectRef idx="0">
+            <a:schemeClr val="accent1"/>
+          </a:effectRef>
+          <a:fontRef idx="minor">
+            <a:schemeClr val="dk1"/>
+          </a:fontRef>
+        </p:style>
+        <p:txBody>
+          <a:bodyPr rtlCol="0" anchor="ctr"/>
+          <a:p>
+            <a:pPr algn="ctr"/>
+            <a:endParaRPr lang="zh-CN" altLang="en-US" dirty="0"/>
+          </a:p>
+        </p:txBody>
+      </p:sp>
+      <p:sp>
+        <p:nvSpPr>
+          <p:cNvPr id="73" name="椭圆 72"/>
+          <p:cNvSpPr/>
+          <p:nvPr/>
+        </p:nvSpPr>
+        <p:spPr>
+          <a:xfrm>
+            <a:off x="1667510" y="325120"/>
+            <a:ext cx="914400" cy="914400"/>
+          </a:xfrm>
+          <a:prstGeom prst="ellipse">
+            <a:avLst/>
+          </a:prstGeom>
+          <a:solidFill>
+            <a:schemeClr val="accent1">
+              <a:lumMod val="60000"/>
+              <a:lumOff val="40000"/>
+            </a:schemeClr>
+          </a:solidFill>
+        </p:spPr>
+        <p:style>
+          <a:lnRef idx="2">
+            <a:schemeClr val="accent1">
+              <a:shade val="50000"/>
+            </a:schemeClr>
+          </a:lnRef>
+          <a:fillRef idx="1">
+            <a:schemeClr val="accent1"/>
+          </a:fillRef>
+          <a:effectRef idx="0">
+            <a:schemeClr val="accent1"/>
+          </a:effectRef>
+          <a:fontRef idx="minor">
+            <a:schemeClr val="lt1"/>
+          </a:fontRef>
+        </p:style>
+        <p:txBody>
+          <a:bodyPr rtlCol="0" anchor="ctr"/>
+          <a:p>
+            <a:pPr algn="ctr"/>
+            <a:r>
+              <a:rPr lang="zh-CN" altLang="en-US"/>
+              <a:t>数据库</a:t>
+            </a:r>
+            <a:endParaRPr lang="zh-CN" altLang="en-US"/>
+          </a:p>
+        </p:txBody>
+      </p:sp>
+      <p:sp>
+        <p:nvSpPr>
+          <p:cNvPr id="74" name="椭圆 73"/>
+          <p:cNvSpPr/>
+          <p:nvPr/>
+        </p:nvSpPr>
+        <p:spPr>
+          <a:xfrm>
+            <a:off x="2667635" y="325120"/>
+            <a:ext cx="914400" cy="914400"/>
+          </a:xfrm>
+          <a:prstGeom prst="ellipse">
+            <a:avLst/>
+          </a:prstGeom>
+          <a:solidFill>
+            <a:schemeClr val="accent1">
+              <a:lumMod val="60000"/>
+              <a:lumOff val="40000"/>
+            </a:schemeClr>
+          </a:solidFill>
+        </p:spPr>
+        <p:style>
+          <a:lnRef idx="2">
+            <a:schemeClr val="accent1">
+              <a:shade val="50000"/>
+            </a:schemeClr>
+          </a:lnRef>
+          <a:fillRef idx="1">
+            <a:schemeClr val="accent1"/>
+          </a:fillRef>
+          <a:effectRef idx="0">
+            <a:schemeClr val="accent1"/>
+          </a:effectRef>
+          <a:fontRef idx="minor">
+            <a:schemeClr val="lt1"/>
+          </a:fontRef>
+        </p:style>
+        <p:txBody>
+          <a:bodyPr rtlCol="0" anchor="ctr"/>
+          <a:p>
+            <a:pPr algn="ctr"/>
+            <a:r>
+              <a:rPr lang="zh-CN" altLang="en-US"/>
+              <a:t>分布式缓存</a:t>
+            </a:r>
+            <a:endParaRPr lang="zh-CN" altLang="en-US"/>
+          </a:p>
+        </p:txBody>
+      </p:sp>
+      <p:sp>
+        <p:nvSpPr>
+          <p:cNvPr id="75" name="椭圆 74"/>
+          <p:cNvSpPr/>
+          <p:nvPr/>
+        </p:nvSpPr>
+        <p:spPr>
+          <a:xfrm>
+            <a:off x="3677285" y="325120"/>
+            <a:ext cx="914400" cy="914400"/>
+          </a:xfrm>
+          <a:prstGeom prst="ellipse">
+            <a:avLst/>
+          </a:prstGeom>
+          <a:solidFill>
+            <a:schemeClr val="accent1">
+              <a:lumMod val="60000"/>
+              <a:lumOff val="40000"/>
+            </a:schemeClr>
+          </a:solidFill>
+        </p:spPr>
+        <p:style>
+          <a:lnRef idx="2">
+            <a:schemeClr val="accent1">
+              <a:shade val="50000"/>
+            </a:schemeClr>
+          </a:lnRef>
+          <a:fillRef idx="1">
+            <a:schemeClr val="accent1"/>
+          </a:fillRef>
+          <a:effectRef idx="0">
+            <a:schemeClr val="accent1"/>
+          </a:effectRef>
+          <a:fontRef idx="minor">
+            <a:schemeClr val="lt1"/>
+          </a:fontRef>
+        </p:style>
+        <p:txBody>
+          <a:bodyPr rtlCol="0" anchor="ctr"/>
+          <a:p>
+            <a:pPr algn="ctr"/>
+            <a:r>
+              <a:rPr lang="zh-CN" altLang="en-US"/>
+              <a:t>外部数据接口</a:t>
+            </a:r>
+            <a:endParaRPr lang="zh-CN" altLang="en-US"/>
+          </a:p>
+        </p:txBody>
+      </p:sp>
+      <p:sp>
+        <p:nvSpPr>
+          <p:cNvPr id="76" name="椭圆 75"/>
+          <p:cNvSpPr/>
+          <p:nvPr/>
+        </p:nvSpPr>
+        <p:spPr>
+          <a:xfrm>
+            <a:off x="4683760" y="325120"/>
+            <a:ext cx="914400" cy="914400"/>
+          </a:xfrm>
+          <a:prstGeom prst="ellipse">
+            <a:avLst/>
+          </a:prstGeom>
+          <a:solidFill>
+            <a:schemeClr val="accent1">
+              <a:lumMod val="60000"/>
+              <a:lumOff val="40000"/>
+            </a:schemeClr>
+          </a:solidFill>
+        </p:spPr>
+        <p:style>
+          <a:lnRef idx="2">
+            <a:schemeClr val="accent1">
+              <a:shade val="50000"/>
+            </a:schemeClr>
+          </a:lnRef>
+          <a:fillRef idx="1">
+            <a:schemeClr val="accent1"/>
+          </a:fillRef>
+          <a:effectRef idx="0">
+            <a:schemeClr val="accent1"/>
+          </a:effectRef>
+          <a:fontRef idx="minor">
+            <a:schemeClr val="lt1"/>
+          </a:fontRef>
+        </p:style>
+        <p:txBody>
+          <a:bodyPr rtlCol="0" anchor="ctr"/>
+          <a:p>
+            <a:pPr algn="ctr"/>
+            <a:r>
+              <a:rPr lang="zh-CN" altLang="en-US"/>
+              <a:t>文件系统</a:t>
+            </a:r>
+            <a:endParaRPr lang="zh-CN" altLang="en-US"/>
+          </a:p>
+        </p:txBody>
+      </p:sp>
+      <p:sp>
+        <p:nvSpPr>
+          <p:cNvPr id="77" name="文本框 76"/>
           <p:cNvSpPr txBox="1"/>
           <p:nvPr/>
         </p:nvSpPr>
         <p:spPr>
           <a:xfrm>
-            <a:off x="650875" y="615315"/>
-            <a:ext cx="868680" cy="368300"/>
+            <a:off x="547370" y="1589405"/>
+            <a:ext cx="459740" cy="777240"/>
+          </a:xfrm>
+          <a:prstGeom prst="rect">
+            <a:avLst/>
+          </a:prstGeom>
+        </p:spPr>
+        <p:style>
+          <a:lnRef idx="1">
+            <a:schemeClr val="accent1"/>
+          </a:lnRef>
+          <a:fillRef idx="2">
+            <a:schemeClr val="accent1"/>
+          </a:fillRef>
+          <a:effectRef idx="1">
+            <a:schemeClr val="accent1"/>
+          </a:effectRef>
+          <a:fontRef idx="minor">
+            <a:schemeClr val="dk1"/>
+          </a:fontRef>
+        </p:style>
+        <p:txBody>
+          <a:bodyPr vert="eaVert" wrap="none" rtlCol="0">
+            <a:spAutoFit/>
+          </a:bodyPr>
+          <a:p>
+            <a:r>
+              <a:rPr lang="zh-CN" altLang="en-US"/>
+              <a:t>引擎层</a:t>
+            </a:r>
+            <a:endParaRPr lang="zh-CN" altLang="en-US"/>
+          </a:p>
+        </p:txBody>
+      </p:sp>
+      <p:sp>
+        <p:nvSpPr>
+          <p:cNvPr id="78" name="文本框 77"/>
+          <p:cNvSpPr txBox="1"/>
+          <p:nvPr/>
+        </p:nvSpPr>
+        <p:spPr>
+          <a:xfrm>
+            <a:off x="547370" y="325120"/>
+            <a:ext cx="459740" cy="1005840"/>
+          </a:xfrm>
+          <a:prstGeom prst="rect">
+            <a:avLst/>
+          </a:prstGeom>
+        </p:spPr>
+        <p:style>
+          <a:lnRef idx="1">
+            <a:schemeClr val="accent1"/>
+          </a:lnRef>
+          <a:fillRef idx="2">
+            <a:schemeClr val="accent1"/>
+          </a:fillRef>
+          <a:effectRef idx="1">
+            <a:schemeClr val="accent1"/>
+          </a:effectRef>
+          <a:fontRef idx="minor">
+            <a:schemeClr val="dk1"/>
+          </a:fontRef>
+        </p:style>
+        <p:txBody>
+          <a:bodyPr vert="eaVert" wrap="none" rtlCol="0">
+            <a:spAutoFit/>
+          </a:bodyPr>
+          <a:p>
+            <a:r>
+              <a:rPr lang="zh-CN" altLang="en-US"/>
+              <a:t>可视化层</a:t>
+            </a:r>
+            <a:endParaRPr lang="zh-CN" altLang="en-US"/>
+          </a:p>
+        </p:txBody>
+      </p:sp>
+      <p:sp>
+        <p:nvSpPr>
+          <p:cNvPr id="79" name="圆角矩形 78"/>
+          <p:cNvSpPr/>
+          <p:nvPr/>
+        </p:nvSpPr>
+        <p:spPr>
+          <a:xfrm>
+            <a:off x="5523865" y="3099435"/>
+            <a:ext cx="1607185" cy="491490"/>
+          </a:xfrm>
+          <a:prstGeom prst="roundRect">
+            <a:avLst/>
+          </a:prstGeom>
+        </p:spPr>
+        <p:style>
+          <a:lnRef idx="1">
+            <a:schemeClr val="accent1"/>
+          </a:lnRef>
+          <a:fillRef idx="2">
+            <a:schemeClr val="accent1"/>
+          </a:fillRef>
+          <a:effectRef idx="1">
+            <a:schemeClr val="accent1"/>
+          </a:effectRef>
+          <a:fontRef idx="minor">
+            <a:schemeClr val="dk1"/>
+          </a:fontRef>
+        </p:style>
+        <p:txBody>
+          <a:bodyPr rtlCol="0" anchor="ctr"/>
+          <a:p>
+            <a:pPr algn="ctr"/>
+            <a:r>
+              <a:rPr lang="en-US" altLang="zh-CN" dirty="0" err="1" smtClean="0">
+                <a:solidFill>
+                  <a:schemeClr val="bg1"/>
+                </a:solidFill>
+              </a:rPr>
+              <a:t>MapReduce</a:t>
+            </a:r>
+            <a:r>
+              <a:rPr lang="zh-CN" altLang="en-US" dirty="0" err="1" smtClean="0">
+                <a:solidFill>
+                  <a:schemeClr val="bg1"/>
+                </a:solidFill>
+              </a:rPr>
+              <a:t>离线计算框架</a:t>
+            </a:r>
+            <a:endParaRPr lang="zh-CN" altLang="en-US" dirty="0" err="1" smtClean="0">
+              <a:solidFill>
+                <a:schemeClr val="bg1"/>
+              </a:solidFill>
+            </a:endParaRPr>
+          </a:p>
+        </p:txBody>
+      </p:sp>
+      <p:sp>
+        <p:nvSpPr>
+          <p:cNvPr id="80" name="圆角矩形 79"/>
+          <p:cNvSpPr/>
+          <p:nvPr/>
+        </p:nvSpPr>
+        <p:spPr>
+          <a:xfrm>
+            <a:off x="7233285" y="3100070"/>
+            <a:ext cx="1384935" cy="491490"/>
+          </a:xfrm>
+          <a:prstGeom prst="roundRect">
+            <a:avLst/>
+          </a:prstGeom>
+        </p:spPr>
+        <p:style>
+          <a:lnRef idx="1">
+            <a:schemeClr val="accent1"/>
+          </a:lnRef>
+          <a:fillRef idx="2">
+            <a:schemeClr val="accent1"/>
+          </a:fillRef>
+          <a:effectRef idx="1">
+            <a:schemeClr val="accent1"/>
+          </a:effectRef>
+          <a:fontRef idx="minor">
+            <a:schemeClr val="dk1"/>
+          </a:fontRef>
+        </p:style>
+        <p:txBody>
+          <a:bodyPr rtlCol="0" anchor="ctr"/>
+          <a:p>
+            <a:pPr algn="ctr"/>
+            <a:r>
+              <a:rPr lang="en-US" altLang="zh-CN" dirty="0" err="1" smtClean="0">
+                <a:solidFill>
+                  <a:schemeClr val="bg1"/>
+                </a:solidFill>
+              </a:rPr>
+              <a:t>Spark</a:t>
+            </a:r>
+            <a:r>
+              <a:rPr lang="zh-CN" altLang="en-US" dirty="0" err="1" smtClean="0">
+                <a:solidFill>
+                  <a:schemeClr val="bg1"/>
+                </a:solidFill>
+              </a:rPr>
+              <a:t>并行计算框架</a:t>
+            </a:r>
+            <a:endParaRPr lang="zh-CN" altLang="en-US" dirty="0" err="1" smtClean="0">
+              <a:solidFill>
+                <a:schemeClr val="bg1"/>
+              </a:solidFill>
+            </a:endParaRPr>
+          </a:p>
+        </p:txBody>
+      </p:sp>
+      <p:sp>
+        <p:nvSpPr>
+          <p:cNvPr id="81" name="文本框 80"/>
+          <p:cNvSpPr txBox="1"/>
+          <p:nvPr/>
+        </p:nvSpPr>
+        <p:spPr>
+          <a:xfrm>
+            <a:off x="7299325" y="255270"/>
+            <a:ext cx="1325880" cy="368300"/>
           </a:xfrm>
           <a:prstGeom prst="rect">
             <a:avLst/>
@@ -5512,7 +6503,7 @@
           <a:p>
             <a:r>
               <a:rPr lang="zh-CN" altLang="en-US"/>
-              <a:t>逻辑图</a:t>
+              <a:t>平台架构图</a:t>
             </a:r>
             <a:endParaRPr lang="zh-CN" altLang="en-US"/>
           </a:p>
@@ -5527,6 +6518,1167 @@
 </file>
 
 <file path=ppt/slides/slide3.xml><?xml version="1.0" encoding="utf-8"?>
+<p:sld xmlns:a="http://schemas.openxmlformats.org/drawingml/2006/main" xmlns:r="http://schemas.openxmlformats.org/officeDocument/2006/relationships" xmlns:p="http://schemas.openxmlformats.org/presentationml/2006/main">
+  <p:cSld>
+    <p:spTree>
+      <p:nvGrpSpPr>
+        <p:cNvPr id="1" name=""/>
+        <p:cNvGrpSpPr/>
+        <p:nvPr/>
+      </p:nvGrpSpPr>
+      <p:grpSpPr/>
+      <p:sp>
+        <p:nvSpPr>
+          <p:cNvPr id="10" name="圆角矩形 9"/>
+          <p:cNvSpPr/>
+          <p:nvPr/>
+        </p:nvSpPr>
+        <p:spPr>
+          <a:xfrm>
+            <a:off x="4117975" y="1449070"/>
+            <a:ext cx="1616075" cy="538480"/>
+          </a:xfrm>
+          <a:prstGeom prst="roundRect">
+            <a:avLst/>
+          </a:prstGeom>
+        </p:spPr>
+        <p:style>
+          <a:lnRef idx="2">
+            <a:schemeClr val="accent1">
+              <a:shade val="50000"/>
+            </a:schemeClr>
+          </a:lnRef>
+          <a:fillRef idx="1">
+            <a:schemeClr val="accent1"/>
+          </a:fillRef>
+          <a:effectRef idx="0">
+            <a:schemeClr val="accent1"/>
+          </a:effectRef>
+          <a:fontRef idx="minor">
+            <a:schemeClr val="lt1"/>
+          </a:fontRef>
+        </p:style>
+        <p:txBody>
+          <a:bodyPr rtlCol="0" anchor="ctr"/>
+          <a:p>
+            <a:pPr algn="ctr"/>
+            <a:r>
+              <a:rPr lang="en-US" altLang="zh-CN"/>
+              <a:t>namenode</a:t>
+            </a:r>
+            <a:endParaRPr lang="en-US" altLang="zh-CN"/>
+          </a:p>
+          <a:p>
+            <a:pPr algn="ctr"/>
+            <a:r>
+              <a:rPr lang="en-US" altLang="zh-CN"/>
+              <a:t>(active)</a:t>
+            </a:r>
+            <a:endParaRPr lang="en-US" altLang="zh-CN"/>
+          </a:p>
+        </p:txBody>
+      </p:sp>
+      <p:sp>
+        <p:nvSpPr>
+          <p:cNvPr id="11" name="圆角矩形 10"/>
+          <p:cNvSpPr/>
+          <p:nvPr/>
+        </p:nvSpPr>
+        <p:spPr>
+          <a:xfrm>
+            <a:off x="6821170" y="1457960"/>
+            <a:ext cx="1616075" cy="538480"/>
+          </a:xfrm>
+          <a:prstGeom prst="roundRect">
+            <a:avLst/>
+          </a:prstGeom>
+        </p:spPr>
+        <p:style>
+          <a:lnRef idx="2">
+            <a:schemeClr val="accent1">
+              <a:shade val="50000"/>
+            </a:schemeClr>
+          </a:lnRef>
+          <a:fillRef idx="1">
+            <a:schemeClr val="accent1"/>
+          </a:fillRef>
+          <a:effectRef idx="0">
+            <a:schemeClr val="accent1"/>
+          </a:effectRef>
+          <a:fontRef idx="minor">
+            <a:schemeClr val="lt1"/>
+          </a:fontRef>
+        </p:style>
+        <p:txBody>
+          <a:bodyPr rtlCol="0" anchor="ctr"/>
+          <a:p>
+            <a:pPr algn="ctr"/>
+            <a:r>
+              <a:rPr lang="en-US" altLang="zh-CN"/>
+              <a:t>namenode</a:t>
+            </a:r>
+            <a:endParaRPr lang="en-US" altLang="zh-CN"/>
+          </a:p>
+          <a:p>
+            <a:pPr algn="ctr"/>
+            <a:r>
+              <a:rPr lang="en-US" altLang="zh-CN"/>
+              <a:t>(standby)</a:t>
+            </a:r>
+            <a:endParaRPr lang="en-US" altLang="zh-CN"/>
+          </a:p>
+        </p:txBody>
+      </p:sp>
+      <p:sp>
+        <p:nvSpPr>
+          <p:cNvPr id="12" name="圆角矩形 11"/>
+          <p:cNvSpPr/>
+          <p:nvPr/>
+        </p:nvSpPr>
+        <p:spPr>
+          <a:xfrm>
+            <a:off x="3016250" y="3390900"/>
+            <a:ext cx="1616075" cy="821690"/>
+          </a:xfrm>
+          <a:prstGeom prst="roundRect">
+            <a:avLst/>
+          </a:prstGeom>
+        </p:spPr>
+        <p:style>
+          <a:lnRef idx="2">
+            <a:schemeClr val="accent1">
+              <a:shade val="50000"/>
+            </a:schemeClr>
+          </a:lnRef>
+          <a:fillRef idx="1">
+            <a:schemeClr val="accent1"/>
+          </a:fillRef>
+          <a:effectRef idx="0">
+            <a:schemeClr val="accent1"/>
+          </a:effectRef>
+          <a:fontRef idx="minor">
+            <a:schemeClr val="lt1"/>
+          </a:fontRef>
+        </p:style>
+        <p:txBody>
+          <a:bodyPr rtlCol="0" anchor="ctr"/>
+          <a:p>
+            <a:pPr algn="ctr"/>
+            <a:r>
+              <a:rPr lang="en-US" altLang="zh-CN"/>
+              <a:t>datanode</a:t>
+            </a:r>
+            <a:endParaRPr lang="en-US" altLang="zh-CN"/>
+          </a:p>
+          <a:p>
+            <a:pPr algn="ctr"/>
+            <a:r>
+              <a:rPr lang="en-US" altLang="zh-CN">
+                <a:sym typeface="+mn-ea"/>
+              </a:rPr>
+              <a:t>zookeeper</a:t>
+            </a:r>
+            <a:endParaRPr lang="en-US" altLang="zh-CN">
+              <a:sym typeface="+mn-ea"/>
+            </a:endParaRPr>
+          </a:p>
+          <a:p>
+            <a:pPr algn="ctr"/>
+            <a:r>
+              <a:rPr lang="en-US" altLang="zh-CN"/>
+              <a:t>hive</a:t>
+            </a:r>
+            <a:endParaRPr lang="en-US" altLang="zh-CN"/>
+          </a:p>
+        </p:txBody>
+      </p:sp>
+      <p:sp>
+        <p:nvSpPr>
+          <p:cNvPr id="16" name="圆柱形 15"/>
+          <p:cNvSpPr/>
+          <p:nvPr/>
+        </p:nvSpPr>
+        <p:spPr>
+          <a:xfrm>
+            <a:off x="725805" y="3538220"/>
+            <a:ext cx="716280" cy="952500"/>
+          </a:xfrm>
+          <a:prstGeom prst="can">
+            <a:avLst/>
+          </a:prstGeom>
+        </p:spPr>
+        <p:style>
+          <a:lnRef idx="2">
+            <a:schemeClr val="accent1">
+              <a:shade val="50000"/>
+            </a:schemeClr>
+          </a:lnRef>
+          <a:fillRef idx="1">
+            <a:schemeClr val="accent1"/>
+          </a:fillRef>
+          <a:effectRef idx="0">
+            <a:schemeClr val="accent1"/>
+          </a:effectRef>
+          <a:fontRef idx="minor">
+            <a:schemeClr val="lt1"/>
+          </a:fontRef>
+        </p:style>
+        <p:txBody>
+          <a:bodyPr rtlCol="0" anchor="ctr"/>
+          <a:p>
+            <a:pPr algn="ctr"/>
+            <a:r>
+              <a:rPr lang="en-US" altLang="zh-CN"/>
+              <a:t>DB</a:t>
+            </a:r>
+            <a:endParaRPr lang="en-US" altLang="zh-CN"/>
+          </a:p>
+        </p:txBody>
+      </p:sp>
+      <p:sp>
+        <p:nvSpPr>
+          <p:cNvPr id="22" name="圆角矩形 21"/>
+          <p:cNvSpPr/>
+          <p:nvPr/>
+        </p:nvSpPr>
+        <p:spPr>
+          <a:xfrm>
+            <a:off x="5370830" y="3406140"/>
+            <a:ext cx="1616075" cy="821690"/>
+          </a:xfrm>
+          <a:prstGeom prst="roundRect">
+            <a:avLst/>
+          </a:prstGeom>
+        </p:spPr>
+        <p:style>
+          <a:lnRef idx="2">
+            <a:schemeClr val="accent1">
+              <a:shade val="50000"/>
+            </a:schemeClr>
+          </a:lnRef>
+          <a:fillRef idx="1">
+            <a:schemeClr val="accent1"/>
+          </a:fillRef>
+          <a:effectRef idx="0">
+            <a:schemeClr val="accent1"/>
+          </a:effectRef>
+          <a:fontRef idx="minor">
+            <a:schemeClr val="lt1"/>
+          </a:fontRef>
+        </p:style>
+        <p:txBody>
+          <a:bodyPr rtlCol="0" anchor="ctr"/>
+          <a:p>
+            <a:pPr algn="ctr"/>
+            <a:r>
+              <a:rPr lang="en-US" altLang="zh-CN"/>
+              <a:t>datanode</a:t>
+            </a:r>
+            <a:endParaRPr lang="en-US" altLang="zh-CN"/>
+          </a:p>
+          <a:p>
+            <a:pPr algn="ctr"/>
+            <a:r>
+              <a:rPr lang="en-US" altLang="zh-CN">
+                <a:sym typeface="+mn-ea"/>
+              </a:rPr>
+              <a:t>zookeeper</a:t>
+            </a:r>
+            <a:endParaRPr lang="en-US" altLang="zh-CN">
+              <a:sym typeface="+mn-ea"/>
+            </a:endParaRPr>
+          </a:p>
+          <a:p>
+            <a:pPr algn="ctr"/>
+            <a:r>
+              <a:rPr lang="en-US" altLang="zh-CN"/>
+              <a:t>oozie</a:t>
+            </a:r>
+            <a:endParaRPr lang="en-US" altLang="zh-CN"/>
+          </a:p>
+        </p:txBody>
+      </p:sp>
+      <p:sp>
+        <p:nvSpPr>
+          <p:cNvPr id="23" name="圆角矩形 22"/>
+          <p:cNvSpPr/>
+          <p:nvPr/>
+        </p:nvSpPr>
+        <p:spPr>
+          <a:xfrm>
+            <a:off x="7702550" y="3392805"/>
+            <a:ext cx="1616075" cy="821690"/>
+          </a:xfrm>
+          <a:prstGeom prst="roundRect">
+            <a:avLst/>
+          </a:prstGeom>
+        </p:spPr>
+        <p:style>
+          <a:lnRef idx="2">
+            <a:schemeClr val="accent1">
+              <a:shade val="50000"/>
+            </a:schemeClr>
+          </a:lnRef>
+          <a:fillRef idx="1">
+            <a:schemeClr val="accent1"/>
+          </a:fillRef>
+          <a:effectRef idx="0">
+            <a:schemeClr val="accent1"/>
+          </a:effectRef>
+          <a:fontRef idx="minor">
+            <a:schemeClr val="lt1"/>
+          </a:fontRef>
+        </p:style>
+        <p:txBody>
+          <a:bodyPr rtlCol="0" anchor="ctr"/>
+          <a:p>
+            <a:pPr algn="ctr"/>
+            <a:r>
+              <a:rPr lang="en-US" altLang="zh-CN"/>
+              <a:t>datanode</a:t>
+            </a:r>
+            <a:endParaRPr lang="en-US" altLang="zh-CN"/>
+          </a:p>
+          <a:p>
+            <a:pPr algn="ctr"/>
+            <a:r>
+              <a:rPr lang="en-US" altLang="zh-CN">
+                <a:sym typeface="+mn-ea"/>
+              </a:rPr>
+              <a:t>zookeeper</a:t>
+            </a:r>
+            <a:endParaRPr lang="en-US" altLang="zh-CN">
+              <a:sym typeface="+mn-ea"/>
+            </a:endParaRPr>
+          </a:p>
+          <a:p>
+            <a:pPr algn="ctr"/>
+            <a:r>
+              <a:rPr lang="en-US" altLang="zh-CN"/>
+              <a:t>hue</a:t>
+            </a:r>
+            <a:endParaRPr lang="en-US" altLang="zh-CN"/>
+          </a:p>
+        </p:txBody>
+      </p:sp>
+      <p:sp>
+        <p:nvSpPr>
+          <p:cNvPr id="24" name="文本框 23"/>
+          <p:cNvSpPr txBox="1"/>
+          <p:nvPr/>
+        </p:nvSpPr>
+        <p:spPr>
+          <a:xfrm>
+            <a:off x="594995" y="932815"/>
+            <a:ext cx="1671320" cy="1476375"/>
+          </a:xfrm>
+          <a:prstGeom prst="rect">
+            <a:avLst/>
+          </a:prstGeom>
+          <a:noFill/>
+        </p:spPr>
+        <p:txBody>
+          <a:bodyPr wrap="none" rtlCol="0">
+            <a:spAutoFit/>
+          </a:bodyPr>
+          <a:p>
+            <a:r>
+              <a:rPr lang="zh-CN" altLang="en-US"/>
+              <a:t>测试最小环境</a:t>
+            </a:r>
+            <a:endParaRPr lang="zh-CN" altLang="en-US"/>
+          </a:p>
+          <a:p>
+            <a:r>
+              <a:rPr lang="en-US" altLang="zh-CN"/>
+              <a:t>namenode</a:t>
+            </a:r>
+            <a:r>
+              <a:rPr lang="zh-CN" altLang="en-US"/>
+              <a:t>：</a:t>
+            </a:r>
+            <a:r>
+              <a:rPr lang="en-US" altLang="zh-CN"/>
+              <a:t>8G</a:t>
+            </a:r>
+            <a:endParaRPr lang="en-US" altLang="zh-CN"/>
+          </a:p>
+          <a:p>
+            <a:r>
+              <a:rPr lang="en-US" altLang="zh-CN"/>
+              <a:t>datanode</a:t>
+            </a:r>
+            <a:r>
+              <a:rPr lang="zh-CN" altLang="en-US"/>
+              <a:t>：</a:t>
+            </a:r>
+            <a:r>
+              <a:rPr lang="en-US" altLang="zh-CN"/>
+              <a:t>4G</a:t>
+            </a:r>
+            <a:endParaRPr lang="en-US" altLang="zh-CN"/>
+          </a:p>
+          <a:p>
+            <a:r>
+              <a:rPr lang="zh-CN" altLang="en-US"/>
+              <a:t>硬盘：</a:t>
+            </a:r>
+            <a:r>
+              <a:rPr lang="en-US" altLang="zh-CN"/>
+              <a:t>200G</a:t>
+            </a:r>
+            <a:endParaRPr lang="en-US" altLang="zh-CN"/>
+          </a:p>
+          <a:p>
+            <a:r>
+              <a:rPr lang="zh-CN" altLang="en-US"/>
+              <a:t>分片数：</a:t>
+            </a:r>
+            <a:r>
+              <a:rPr lang="en-US" altLang="zh-CN"/>
+              <a:t>2</a:t>
+            </a:r>
+            <a:endParaRPr lang="en-US" altLang="zh-CN"/>
+          </a:p>
+        </p:txBody>
+      </p:sp>
+      <p:cxnSp>
+        <p:nvCxnSpPr>
+          <p:cNvPr id="27" name="直接箭头连接符 26"/>
+          <p:cNvCxnSpPr>
+            <a:stCxn id="22" idx="0"/>
+          </p:cNvCxnSpPr>
+          <p:nvPr/>
+        </p:nvCxnSpPr>
+        <p:spPr>
+          <a:xfrm>
+            <a:off x="6179185" y="3406140"/>
+            <a:ext cx="0" cy="0"/>
+          </a:xfrm>
+          <a:prstGeom prst="straightConnector1">
+            <a:avLst/>
+          </a:prstGeom>
+          <a:ln>
+            <a:headEnd type="arrow"/>
+            <a:tailEnd type="arrow"/>
+          </a:ln>
+        </p:spPr>
+        <p:style>
+          <a:lnRef idx="1">
+            <a:schemeClr val="accent1"/>
+          </a:lnRef>
+          <a:fillRef idx="0">
+            <a:schemeClr val="accent1"/>
+          </a:fillRef>
+          <a:effectRef idx="0">
+            <a:schemeClr val="accent1"/>
+          </a:effectRef>
+          <a:fontRef idx="minor">
+            <a:schemeClr val="tx1"/>
+          </a:fontRef>
+        </p:style>
+      </p:cxnSp>
+      <p:cxnSp>
+        <p:nvCxnSpPr>
+          <p:cNvPr id="33" name="直接箭头连接符 32"/>
+          <p:cNvCxnSpPr>
+            <a:endCxn id="12" idx="0"/>
+          </p:cNvCxnSpPr>
+          <p:nvPr/>
+        </p:nvCxnSpPr>
+        <p:spPr>
+          <a:xfrm flipH="1">
+            <a:off x="3824605" y="2019935"/>
+            <a:ext cx="1127125" cy="1370965"/>
+          </a:xfrm>
+          <a:prstGeom prst="straightConnector1">
+            <a:avLst/>
+          </a:prstGeom>
+          <a:ln>
+            <a:headEnd type="arrow"/>
+            <a:tailEnd type="arrow"/>
+          </a:ln>
+        </p:spPr>
+        <p:style>
+          <a:lnRef idx="1">
+            <a:schemeClr val="accent1"/>
+          </a:lnRef>
+          <a:fillRef idx="0">
+            <a:schemeClr val="accent1"/>
+          </a:fillRef>
+          <a:effectRef idx="0">
+            <a:schemeClr val="accent1"/>
+          </a:effectRef>
+          <a:fontRef idx="minor">
+            <a:schemeClr val="tx1"/>
+          </a:fontRef>
+        </p:style>
+      </p:cxnSp>
+      <p:cxnSp>
+        <p:nvCxnSpPr>
+          <p:cNvPr id="34" name="直接箭头连接符 33"/>
+          <p:cNvCxnSpPr>
+            <a:stCxn id="11" idx="2"/>
+            <a:endCxn id="12" idx="0"/>
+          </p:cNvCxnSpPr>
+          <p:nvPr/>
+        </p:nvCxnSpPr>
+        <p:spPr>
+          <a:xfrm flipH="1">
+            <a:off x="3824605" y="1996440"/>
+            <a:ext cx="3804920" cy="1394460"/>
+          </a:xfrm>
+          <a:prstGeom prst="straightConnector1">
+            <a:avLst/>
+          </a:prstGeom>
+          <a:ln>
+            <a:headEnd type="arrow"/>
+            <a:tailEnd type="arrow"/>
+          </a:ln>
+        </p:spPr>
+        <p:style>
+          <a:lnRef idx="1">
+            <a:schemeClr val="accent1"/>
+          </a:lnRef>
+          <a:fillRef idx="0">
+            <a:schemeClr val="accent1"/>
+          </a:fillRef>
+          <a:effectRef idx="0">
+            <a:schemeClr val="accent1"/>
+          </a:effectRef>
+          <a:fontRef idx="minor">
+            <a:schemeClr val="tx1"/>
+          </a:fontRef>
+        </p:style>
+      </p:cxnSp>
+      <p:cxnSp>
+        <p:nvCxnSpPr>
+          <p:cNvPr id="35" name="直接箭头连接符 34"/>
+          <p:cNvCxnSpPr>
+            <a:stCxn id="22" idx="0"/>
+          </p:cNvCxnSpPr>
+          <p:nvPr/>
+        </p:nvCxnSpPr>
+        <p:spPr>
+          <a:xfrm flipH="1" flipV="1">
+            <a:off x="4923155" y="1982470"/>
+            <a:ext cx="1256030" cy="1423670"/>
+          </a:xfrm>
+          <a:prstGeom prst="straightConnector1">
+            <a:avLst/>
+          </a:prstGeom>
+          <a:ln>
+            <a:headEnd type="arrow"/>
+            <a:tailEnd type="arrow"/>
+          </a:ln>
+        </p:spPr>
+        <p:style>
+          <a:lnRef idx="1">
+            <a:schemeClr val="accent1"/>
+          </a:lnRef>
+          <a:fillRef idx="0">
+            <a:schemeClr val="accent1"/>
+          </a:fillRef>
+          <a:effectRef idx="0">
+            <a:schemeClr val="accent1"/>
+          </a:effectRef>
+          <a:fontRef idx="minor">
+            <a:schemeClr val="tx1"/>
+          </a:fontRef>
+        </p:style>
+      </p:cxnSp>
+      <p:cxnSp>
+        <p:nvCxnSpPr>
+          <p:cNvPr id="36" name="直接箭头连接符 35"/>
+          <p:cNvCxnSpPr>
+            <a:stCxn id="22" idx="0"/>
+            <a:endCxn id="11" idx="2"/>
+          </p:cNvCxnSpPr>
+          <p:nvPr/>
+        </p:nvCxnSpPr>
+        <p:spPr>
+          <a:xfrm flipV="1">
+            <a:off x="6179185" y="1996440"/>
+            <a:ext cx="1450340" cy="1409700"/>
+          </a:xfrm>
+          <a:prstGeom prst="straightConnector1">
+            <a:avLst/>
+          </a:prstGeom>
+          <a:ln>
+            <a:headEnd type="arrow"/>
+            <a:tailEnd type="arrow"/>
+          </a:ln>
+        </p:spPr>
+        <p:style>
+          <a:lnRef idx="1">
+            <a:schemeClr val="accent1"/>
+          </a:lnRef>
+          <a:fillRef idx="0">
+            <a:schemeClr val="accent1"/>
+          </a:fillRef>
+          <a:effectRef idx="0">
+            <a:schemeClr val="accent1"/>
+          </a:effectRef>
+          <a:fontRef idx="minor">
+            <a:schemeClr val="tx1"/>
+          </a:fontRef>
+        </p:style>
+      </p:cxnSp>
+      <p:cxnSp>
+        <p:nvCxnSpPr>
+          <p:cNvPr id="37" name="直接箭头连接符 36"/>
+          <p:cNvCxnSpPr>
+            <a:stCxn id="23" idx="0"/>
+          </p:cNvCxnSpPr>
+          <p:nvPr/>
+        </p:nvCxnSpPr>
+        <p:spPr>
+          <a:xfrm flipH="1" flipV="1">
+            <a:off x="4923155" y="2001520"/>
+            <a:ext cx="3587750" cy="1391285"/>
+          </a:xfrm>
+          <a:prstGeom prst="straightConnector1">
+            <a:avLst/>
+          </a:prstGeom>
+          <a:ln>
+            <a:headEnd type="arrow"/>
+            <a:tailEnd type="arrow"/>
+          </a:ln>
+        </p:spPr>
+        <p:style>
+          <a:lnRef idx="1">
+            <a:schemeClr val="accent1"/>
+          </a:lnRef>
+          <a:fillRef idx="0">
+            <a:schemeClr val="accent1"/>
+          </a:fillRef>
+          <a:effectRef idx="0">
+            <a:schemeClr val="accent1"/>
+          </a:effectRef>
+          <a:fontRef idx="minor">
+            <a:schemeClr val="tx1"/>
+          </a:fontRef>
+        </p:style>
+      </p:cxnSp>
+      <p:cxnSp>
+        <p:nvCxnSpPr>
+          <p:cNvPr id="38" name="直接箭头连接符 37"/>
+          <p:cNvCxnSpPr>
+            <a:stCxn id="23" idx="0"/>
+          </p:cNvCxnSpPr>
+          <p:nvPr/>
+        </p:nvCxnSpPr>
+        <p:spPr>
+          <a:xfrm flipH="1" flipV="1">
+            <a:off x="7616825" y="1972945"/>
+            <a:ext cx="894080" cy="1419860"/>
+          </a:xfrm>
+          <a:prstGeom prst="straightConnector1">
+            <a:avLst/>
+          </a:prstGeom>
+          <a:ln>
+            <a:headEnd type="arrow"/>
+            <a:tailEnd type="arrow"/>
+          </a:ln>
+        </p:spPr>
+        <p:style>
+          <a:lnRef idx="1">
+            <a:schemeClr val="accent1"/>
+          </a:lnRef>
+          <a:fillRef idx="0">
+            <a:schemeClr val="accent1"/>
+          </a:fillRef>
+          <a:effectRef idx="0">
+            <a:schemeClr val="accent1"/>
+          </a:effectRef>
+          <a:fontRef idx="minor">
+            <a:schemeClr val="tx1"/>
+          </a:fontRef>
+        </p:style>
+      </p:cxnSp>
+      <p:cxnSp>
+        <p:nvCxnSpPr>
+          <p:cNvPr id="39" name="直接箭头连接符 38"/>
+          <p:cNvCxnSpPr>
+            <a:stCxn id="12" idx="1"/>
+            <a:endCxn id="16" idx="4"/>
+          </p:cNvCxnSpPr>
+          <p:nvPr/>
+        </p:nvCxnSpPr>
+        <p:spPr>
+          <a:xfrm flipH="1">
+            <a:off x="1442085" y="3801745"/>
+            <a:ext cx="1574165" cy="212725"/>
+          </a:xfrm>
+          <a:prstGeom prst="straightConnector1">
+            <a:avLst/>
+          </a:prstGeom>
+          <a:ln>
+            <a:headEnd type="arrow"/>
+            <a:tailEnd type="arrow"/>
+          </a:ln>
+        </p:spPr>
+        <p:style>
+          <a:lnRef idx="1">
+            <a:schemeClr val="accent1"/>
+          </a:lnRef>
+          <a:fillRef idx="0">
+            <a:schemeClr val="accent1"/>
+          </a:fillRef>
+          <a:effectRef idx="0">
+            <a:schemeClr val="accent1"/>
+          </a:effectRef>
+          <a:fontRef idx="minor">
+            <a:schemeClr val="tx1"/>
+          </a:fontRef>
+        </p:style>
+      </p:cxnSp>
+    </p:spTree>
+  </p:cSld>
+  <p:clrMapOvr>
+    <a:masterClrMapping/>
+  </p:clrMapOvr>
+</p:sld>
+</file>
+
+<file path=ppt/slides/slide4.xml><?xml version="1.0" encoding="utf-8"?>
+<p:sld xmlns:a="http://schemas.openxmlformats.org/drawingml/2006/main" xmlns:r="http://schemas.openxmlformats.org/officeDocument/2006/relationships" xmlns:p="http://schemas.openxmlformats.org/presentationml/2006/main">
+  <p:cSld>
+    <p:spTree>
+      <p:nvGrpSpPr>
+        <p:cNvPr id="1" name=""/>
+        <p:cNvGrpSpPr/>
+        <p:nvPr/>
+      </p:nvGrpSpPr>
+      <p:grpSpPr>
+        <a:xfrm>
+          <a:off x="0" y="0"/>
+          <a:ext cx="0" cy="0"/>
+          <a:chOff x="0" y="0"/>
+          <a:chExt cx="0" cy="0"/>
+        </a:xfrm>
+      </p:grpSpPr>
+      <p:sp>
+        <p:nvSpPr>
+          <p:cNvPr id="3" name="流程图: 摘录 2"/>
+          <p:cNvSpPr/>
+          <p:nvPr/>
+        </p:nvSpPr>
+        <p:spPr>
+          <a:xfrm>
+            <a:off x="3249930" y="260350"/>
+            <a:ext cx="5340350" cy="2620645"/>
+          </a:xfrm>
+          <a:prstGeom prst="flowChartExtract">
+            <a:avLst/>
+          </a:prstGeom>
+          <a:solidFill>
+            <a:schemeClr val="accent1">
+              <a:lumMod val="40000"/>
+              <a:lumOff val="60000"/>
+            </a:schemeClr>
+          </a:solidFill>
+        </p:spPr>
+        <p:style>
+          <a:lnRef idx="2">
+            <a:schemeClr val="accent1">
+              <a:shade val="50000"/>
+            </a:schemeClr>
+          </a:lnRef>
+          <a:fillRef idx="1">
+            <a:schemeClr val="accent1"/>
+          </a:fillRef>
+          <a:effectRef idx="0">
+            <a:schemeClr val="accent1"/>
+          </a:effectRef>
+          <a:fontRef idx="minor">
+            <a:schemeClr val="lt1"/>
+          </a:fontRef>
+        </p:style>
+        <p:txBody>
+          <a:bodyPr rtlCol="0" anchor="ctr"/>
+          <a:p>
+            <a:pPr algn="ctr"/>
+            <a:endParaRPr lang="zh-CN" altLang="en-US"/>
+          </a:p>
+        </p:txBody>
+      </p:sp>
+      <p:sp>
+        <p:nvSpPr>
+          <p:cNvPr id="5" name="流程图: 摘录 4"/>
+          <p:cNvSpPr/>
+          <p:nvPr/>
+        </p:nvSpPr>
+        <p:spPr>
+          <a:xfrm>
+            <a:off x="4336415" y="167005"/>
+            <a:ext cx="3167380" cy="1554480"/>
+          </a:xfrm>
+          <a:prstGeom prst="flowChartExtract">
+            <a:avLst/>
+          </a:prstGeom>
+          <a:solidFill>
+            <a:schemeClr val="accent4">
+              <a:lumMod val="40000"/>
+              <a:lumOff val="60000"/>
+            </a:schemeClr>
+          </a:solidFill>
+        </p:spPr>
+        <p:style>
+          <a:lnRef idx="2">
+            <a:schemeClr val="accent1">
+              <a:shade val="50000"/>
+            </a:schemeClr>
+          </a:lnRef>
+          <a:fillRef idx="1">
+            <a:schemeClr val="accent1"/>
+          </a:fillRef>
+          <a:effectRef idx="0">
+            <a:schemeClr val="accent1"/>
+          </a:effectRef>
+          <a:fontRef idx="minor">
+            <a:schemeClr val="lt1"/>
+          </a:fontRef>
+        </p:style>
+        <p:txBody>
+          <a:bodyPr rtlCol="0" anchor="ctr"/>
+          <a:p>
+            <a:pPr algn="ctr"/>
+            <a:r>
+              <a:rPr lang="zh-CN" altLang="en-US" b="1">
+                <a:solidFill>
+                  <a:schemeClr val="bg1"/>
+                </a:solidFill>
+              </a:rPr>
+              <a:t>应用支持</a:t>
+            </a:r>
+            <a:endParaRPr lang="zh-CN" altLang="en-US" b="1">
+              <a:solidFill>
+                <a:schemeClr val="bg1"/>
+              </a:solidFill>
+            </a:endParaRPr>
+          </a:p>
+          <a:p>
+            <a:pPr algn="ctr"/>
+            <a:r>
+              <a:rPr lang="zh-CN" altLang="en-US" b="1">
+                <a:solidFill>
+                  <a:schemeClr val="bg1"/>
+                </a:solidFill>
+              </a:rPr>
+              <a:t>风控、运营、营销</a:t>
+            </a:r>
+            <a:endParaRPr lang="zh-CN" altLang="en-US" b="1">
+              <a:solidFill>
+                <a:schemeClr val="bg1"/>
+              </a:solidFill>
+            </a:endParaRPr>
+          </a:p>
+          <a:p>
+            <a:pPr algn="ctr"/>
+            <a:r>
+              <a:rPr lang="zh-CN" altLang="en-US" b="1">
+                <a:solidFill>
+                  <a:schemeClr val="bg1"/>
+                </a:solidFill>
+              </a:rPr>
+              <a:t>推荐、安全</a:t>
+            </a:r>
+            <a:endParaRPr lang="zh-CN" altLang="en-US" b="1">
+              <a:solidFill>
+                <a:schemeClr val="bg1"/>
+              </a:solidFill>
+            </a:endParaRPr>
+          </a:p>
+        </p:txBody>
+      </p:sp>
+      <p:sp>
+        <p:nvSpPr>
+          <p:cNvPr id="6" name="矩形 5"/>
+          <p:cNvSpPr/>
+          <p:nvPr/>
+        </p:nvSpPr>
+        <p:spPr>
+          <a:xfrm>
+            <a:off x="3175000" y="2625090"/>
+            <a:ext cx="5490845" cy="501650"/>
+          </a:xfrm>
+          <a:prstGeom prst="rect">
+            <a:avLst/>
+          </a:prstGeom>
+          <a:solidFill>
+            <a:schemeClr val="accent1">
+              <a:lumMod val="20000"/>
+              <a:lumOff val="80000"/>
+            </a:schemeClr>
+          </a:solidFill>
+        </p:spPr>
+        <p:style>
+          <a:lnRef idx="2">
+            <a:schemeClr val="accent1">
+              <a:shade val="50000"/>
+            </a:schemeClr>
+          </a:lnRef>
+          <a:fillRef idx="1">
+            <a:schemeClr val="accent1"/>
+          </a:fillRef>
+          <a:effectRef idx="0">
+            <a:schemeClr val="accent1"/>
+          </a:effectRef>
+          <a:fontRef idx="minor">
+            <a:schemeClr val="lt1"/>
+          </a:fontRef>
+        </p:style>
+        <p:txBody>
+          <a:bodyPr rtlCol="0" anchor="ctr"/>
+          <a:p>
+            <a:pPr algn="ctr"/>
+            <a:r>
+              <a:rPr lang="zh-CN" altLang="en-US" b="1">
+                <a:solidFill>
+                  <a:schemeClr val="bg1"/>
+                </a:solidFill>
+              </a:rPr>
+              <a:t>数据开放品台</a:t>
+            </a:r>
+            <a:endParaRPr lang="zh-CN" altLang="en-US" b="1">
+              <a:solidFill>
+                <a:schemeClr val="bg1"/>
+              </a:solidFill>
+            </a:endParaRPr>
+          </a:p>
+        </p:txBody>
+      </p:sp>
+      <p:sp>
+        <p:nvSpPr>
+          <p:cNvPr id="7" name="矩形 6"/>
+          <p:cNvSpPr/>
+          <p:nvPr/>
+        </p:nvSpPr>
+        <p:spPr>
+          <a:xfrm>
+            <a:off x="2513330" y="3242310"/>
+            <a:ext cx="6814185" cy="548640"/>
+          </a:xfrm>
+          <a:prstGeom prst="rect">
+            <a:avLst/>
+          </a:prstGeom>
+          <a:solidFill>
+            <a:schemeClr val="tx2">
+              <a:lumMod val="40000"/>
+              <a:lumOff val="60000"/>
+            </a:schemeClr>
+          </a:solidFill>
+        </p:spPr>
+        <p:style>
+          <a:lnRef idx="2">
+            <a:schemeClr val="accent1">
+              <a:shade val="50000"/>
+            </a:schemeClr>
+          </a:lnRef>
+          <a:fillRef idx="1">
+            <a:schemeClr val="accent1"/>
+          </a:fillRef>
+          <a:effectRef idx="0">
+            <a:schemeClr val="accent1"/>
+          </a:effectRef>
+          <a:fontRef idx="minor">
+            <a:schemeClr val="lt1"/>
+          </a:fontRef>
+        </p:style>
+        <p:txBody>
+          <a:bodyPr rtlCol="0" anchor="ctr"/>
+          <a:p>
+            <a:pPr algn="ctr"/>
+            <a:endParaRPr lang="zh-CN" altLang="en-US" b="1">
+              <a:solidFill>
+                <a:schemeClr val="bg1"/>
+              </a:solidFill>
+            </a:endParaRPr>
+          </a:p>
+        </p:txBody>
+      </p:sp>
+      <p:sp>
+        <p:nvSpPr>
+          <p:cNvPr id="10" name="圆角矩形 9"/>
+          <p:cNvSpPr/>
+          <p:nvPr/>
+        </p:nvSpPr>
+        <p:spPr>
+          <a:xfrm>
+            <a:off x="2787015" y="3308985"/>
+            <a:ext cx="1257300" cy="481965"/>
+          </a:xfrm>
+          <a:prstGeom prst="roundRect">
+            <a:avLst/>
+          </a:prstGeom>
+        </p:spPr>
+        <p:style>
+          <a:lnRef idx="2">
+            <a:schemeClr val="accent1">
+              <a:shade val="50000"/>
+            </a:schemeClr>
+          </a:lnRef>
+          <a:fillRef idx="1">
+            <a:schemeClr val="accent1"/>
+          </a:fillRef>
+          <a:effectRef idx="0">
+            <a:schemeClr val="accent1"/>
+          </a:effectRef>
+          <a:fontRef idx="minor">
+            <a:schemeClr val="lt1"/>
+          </a:fontRef>
+        </p:style>
+        <p:txBody>
+          <a:bodyPr rtlCol="0" anchor="ctr"/>
+          <a:p>
+            <a:pPr algn="ctr"/>
+            <a:r>
+              <a:rPr lang="zh-CN" altLang="en-US"/>
+              <a:t>机器学习平台</a:t>
+            </a:r>
+            <a:endParaRPr lang="zh-CN" altLang="en-US"/>
+          </a:p>
+        </p:txBody>
+      </p:sp>
+      <p:sp>
+        <p:nvSpPr>
+          <p:cNvPr id="14" name="圆角矩形 13"/>
+          <p:cNvSpPr/>
+          <p:nvPr/>
+        </p:nvSpPr>
+        <p:spPr>
+          <a:xfrm>
+            <a:off x="4545330" y="3308985"/>
+            <a:ext cx="1257300" cy="481965"/>
+          </a:xfrm>
+          <a:prstGeom prst="roundRect">
+            <a:avLst/>
+          </a:prstGeom>
+        </p:spPr>
+        <p:style>
+          <a:lnRef idx="2">
+            <a:schemeClr val="accent1">
+              <a:shade val="50000"/>
+            </a:schemeClr>
+          </a:lnRef>
+          <a:fillRef idx="1">
+            <a:schemeClr val="accent1"/>
+          </a:fillRef>
+          <a:effectRef idx="0">
+            <a:schemeClr val="accent1"/>
+          </a:effectRef>
+          <a:fontRef idx="minor">
+            <a:schemeClr val="lt1"/>
+          </a:fontRef>
+        </p:style>
+        <p:txBody>
+          <a:bodyPr rtlCol="0" anchor="ctr"/>
+          <a:p>
+            <a:pPr algn="ctr"/>
+            <a:r>
+              <a:rPr lang="zh-CN" altLang="en-US"/>
+              <a:t>实时推荐引擎</a:t>
+            </a:r>
+            <a:endParaRPr lang="zh-CN" altLang="en-US"/>
+          </a:p>
+        </p:txBody>
+      </p:sp>
+      <p:sp>
+        <p:nvSpPr>
+          <p:cNvPr id="15" name="圆角矩形 14"/>
+          <p:cNvSpPr/>
+          <p:nvPr/>
+        </p:nvSpPr>
+        <p:spPr>
+          <a:xfrm>
+            <a:off x="6170930" y="3275330"/>
+            <a:ext cx="1257300" cy="481965"/>
+          </a:xfrm>
+          <a:prstGeom prst="roundRect">
+            <a:avLst/>
+          </a:prstGeom>
+        </p:spPr>
+        <p:style>
+          <a:lnRef idx="2">
+            <a:schemeClr val="accent1">
+              <a:shade val="50000"/>
+            </a:schemeClr>
+          </a:lnRef>
+          <a:fillRef idx="1">
+            <a:schemeClr val="accent1"/>
+          </a:fillRef>
+          <a:effectRef idx="0">
+            <a:schemeClr val="accent1"/>
+          </a:effectRef>
+          <a:fontRef idx="minor">
+            <a:schemeClr val="lt1"/>
+          </a:fontRef>
+        </p:style>
+        <p:txBody>
+          <a:bodyPr rtlCol="0" anchor="ctr"/>
+          <a:p>
+            <a:pPr algn="ctr"/>
+            <a:r>
+              <a:rPr lang="zh-CN" altLang="en-US"/>
+              <a:t>数据检索引擎</a:t>
+            </a:r>
+            <a:endParaRPr lang="zh-CN" altLang="en-US"/>
+          </a:p>
+        </p:txBody>
+      </p:sp>
+      <p:sp>
+        <p:nvSpPr>
+          <p:cNvPr id="16" name="圆角矩形 15"/>
+          <p:cNvSpPr/>
+          <p:nvPr/>
+        </p:nvSpPr>
+        <p:spPr>
+          <a:xfrm>
+            <a:off x="7806055" y="3308985"/>
+            <a:ext cx="1257300" cy="481965"/>
+          </a:xfrm>
+          <a:prstGeom prst="roundRect">
+            <a:avLst/>
+          </a:prstGeom>
+        </p:spPr>
+        <p:style>
+          <a:lnRef idx="2">
+            <a:schemeClr val="accent1">
+              <a:shade val="50000"/>
+            </a:schemeClr>
+          </a:lnRef>
+          <a:fillRef idx="1">
+            <a:schemeClr val="accent1"/>
+          </a:fillRef>
+          <a:effectRef idx="0">
+            <a:schemeClr val="accent1"/>
+          </a:effectRef>
+          <a:fontRef idx="minor">
+            <a:schemeClr val="lt1"/>
+          </a:fontRef>
+        </p:style>
+        <p:txBody>
+          <a:bodyPr rtlCol="0" anchor="ctr"/>
+          <a:p>
+            <a:pPr algn="ctr"/>
+            <a:r>
+              <a:rPr lang="zh-CN" altLang="en-US"/>
+              <a:t>数据可视化</a:t>
+            </a:r>
+            <a:endParaRPr lang="zh-CN" altLang="en-US"/>
+          </a:p>
+        </p:txBody>
+      </p:sp>
+    </p:spTree>
+  </p:cSld>
+  <p:clrMapOvr>
+    <a:masterClrMapping/>
+  </p:clrMapOvr>
+</p:sld>
+</file>
+
+<file path=ppt/slides/slide5.xml><?xml version="1.0" encoding="utf-8"?>
 <p:sld xmlns:a="http://schemas.openxmlformats.org/drawingml/2006/main" xmlns:r="http://schemas.openxmlformats.org/officeDocument/2006/relationships" xmlns:p="http://schemas.openxmlformats.org/presentationml/2006/main">
   <p:cSld>
     <p:spTree>
@@ -6371,7 +8523,7 @@
 </p:sld>
 </file>
 
-<file path=ppt/slides/slide4.xml><?xml version="1.0" encoding="utf-8"?>
+<file path=ppt/slides/slide6.xml><?xml version="1.0" encoding="utf-8"?>
 <p:sld xmlns:a="http://schemas.openxmlformats.org/drawingml/2006/main" xmlns:r="http://schemas.openxmlformats.org/officeDocument/2006/relationships" xmlns:p="http://schemas.openxmlformats.org/presentationml/2006/main">
   <p:cSld>
     <p:spTree>
@@ -6390,24 +8542,1140 @@
       </p:grpSpPr>
       <p:sp>
         <p:nvSpPr>
-          <p:cNvPr id="5" name="矩形 4"/>
+          <p:cNvPr id="4" name="圆角矩形 3"/>
           <p:cNvSpPr/>
           <p:nvPr/>
         </p:nvSpPr>
         <p:spPr>
           <a:xfrm>
-            <a:off x="9748520" y="1856740"/>
-            <a:ext cx="609600" cy="3780155"/>
-          </a:xfrm>
-          <a:prstGeom prst="rect">
-            <a:avLst/>
-          </a:prstGeom>
-          <a:solidFill>
-            <a:schemeClr val="accent5">
-              <a:lumMod val="40000"/>
-              <a:lumOff val="60000"/>
+            <a:off x="4312249" y="615484"/>
+            <a:ext cx="3147463" cy="558265"/>
+          </a:xfrm>
+          <a:prstGeom prst="roundRect">
+            <a:avLst/>
+          </a:prstGeom>
+        </p:spPr>
+        <p:style>
+          <a:lnRef idx="2">
+            <a:schemeClr val="accent1"/>
+          </a:lnRef>
+          <a:fillRef idx="1">
+            <a:schemeClr val="lt1"/>
+          </a:fillRef>
+          <a:effectRef idx="0">
+            <a:schemeClr val="accent1"/>
+          </a:effectRef>
+          <a:fontRef idx="minor">
+            <a:schemeClr val="dk1"/>
+          </a:fontRef>
+        </p:style>
+        <p:txBody>
+          <a:bodyPr rtlCol="0" anchor="ctr"/>
+          <a:lstStyle/>
+          <a:p>
+            <a:pPr algn="ctr"/>
+            <a:endParaRPr lang="zh-CN" altLang="en-US" dirty="0"/>
+          </a:p>
+        </p:txBody>
+      </p:sp>
+      <p:sp>
+        <p:nvSpPr>
+          <p:cNvPr id="6" name="圆角矩形 5"/>
+          <p:cNvSpPr/>
+          <p:nvPr/>
+        </p:nvSpPr>
+        <p:spPr>
+          <a:xfrm>
+            <a:off x="5452844" y="711738"/>
+            <a:ext cx="856647" cy="385010"/>
+          </a:xfrm>
+          <a:prstGeom prst="roundRect">
+            <a:avLst/>
+          </a:prstGeom>
+        </p:spPr>
+        <p:style>
+          <a:lnRef idx="2">
+            <a:schemeClr val="accent4">
+              <a:shade val="50000"/>
             </a:schemeClr>
-          </a:solidFill>
+          </a:lnRef>
+          <a:fillRef idx="1">
+            <a:schemeClr val="accent4"/>
+          </a:fillRef>
+          <a:effectRef idx="0">
+            <a:schemeClr val="accent4"/>
+          </a:effectRef>
+          <a:fontRef idx="minor">
+            <a:schemeClr val="lt1"/>
+          </a:fontRef>
+        </p:style>
+        <p:txBody>
+          <a:bodyPr rtlCol="0" anchor="ctr"/>
+          <a:lstStyle/>
+          <a:p>
+            <a:pPr algn="ctr"/>
+            <a:r>
+              <a:rPr lang="en-US" altLang="zh-CN" dirty="0" smtClean="0">
+                <a:solidFill>
+                  <a:srgbClr val="0070C0"/>
+                </a:solidFill>
+              </a:rPr>
+              <a:t>ZK</a:t>
+            </a:r>
+            <a:endParaRPr lang="zh-CN" altLang="en-US" dirty="0">
+              <a:solidFill>
+                <a:srgbClr val="0070C0"/>
+              </a:solidFill>
+            </a:endParaRPr>
+          </a:p>
+        </p:txBody>
+      </p:sp>
+      <p:sp>
+        <p:nvSpPr>
+          <p:cNvPr id="8" name="圆角矩形 7"/>
+          <p:cNvSpPr/>
+          <p:nvPr/>
+        </p:nvSpPr>
+        <p:spPr>
+          <a:xfrm>
+            <a:off x="1751929" y="2126649"/>
+            <a:ext cx="1501542" cy="1241658"/>
+          </a:xfrm>
+          <a:prstGeom prst="roundRect">
+            <a:avLst/>
+          </a:prstGeom>
+        </p:spPr>
+        <p:style>
+          <a:lnRef idx="2">
+            <a:schemeClr val="accent4">
+              <a:shade val="50000"/>
+            </a:schemeClr>
+          </a:lnRef>
+          <a:fillRef idx="1">
+            <a:schemeClr val="accent4"/>
+          </a:fillRef>
+          <a:effectRef idx="0">
+            <a:schemeClr val="accent4"/>
+          </a:effectRef>
+          <a:fontRef idx="minor">
+            <a:schemeClr val="lt1"/>
+          </a:fontRef>
+        </p:style>
+        <p:txBody>
+          <a:bodyPr rtlCol="0" anchor="ctr"/>
+          <a:lstStyle/>
+          <a:p>
+            <a:pPr algn="ctr"/>
+            <a:r>
+              <a:rPr lang="en-US" altLang="zh-CN" dirty="0" err="1" smtClean="0"/>
+              <a:t>NameNode</a:t>
+            </a:r>
+            <a:r>
+              <a:rPr lang="en-US" altLang="zh-CN" dirty="0" smtClean="0"/>
+              <a:t>(active)</a:t>
+            </a:r>
+            <a:endParaRPr lang="en-US" altLang="zh-CN" dirty="0" smtClean="0"/>
+          </a:p>
+          <a:p>
+            <a:pPr algn="ctr"/>
+            <a:r>
+              <a:rPr lang="en-US" altLang="zh-CN" dirty="0" err="1" smtClean="0">
+                <a:solidFill>
+                  <a:schemeClr val="tx1"/>
+                </a:solidFill>
+              </a:rPr>
+              <a:t>ResourceManager</a:t>
+            </a:r>
+            <a:endParaRPr lang="zh-CN" altLang="en-US" dirty="0">
+              <a:solidFill>
+                <a:schemeClr val="tx1"/>
+              </a:solidFill>
+            </a:endParaRPr>
+          </a:p>
+        </p:txBody>
+      </p:sp>
+      <p:sp>
+        <p:nvSpPr>
+          <p:cNvPr id="14" name="圆角矩形 13"/>
+          <p:cNvSpPr/>
+          <p:nvPr/>
+        </p:nvSpPr>
+        <p:spPr>
+          <a:xfrm>
+            <a:off x="5053395" y="2309521"/>
+            <a:ext cx="1299411" cy="558264"/>
+          </a:xfrm>
+          <a:prstGeom prst="roundRect">
+            <a:avLst/>
+          </a:prstGeom>
+        </p:spPr>
+        <p:style>
+          <a:lnRef idx="2">
+            <a:schemeClr val="accent4">
+              <a:shade val="50000"/>
+            </a:schemeClr>
+          </a:lnRef>
+          <a:fillRef idx="1">
+            <a:schemeClr val="accent4"/>
+          </a:fillRef>
+          <a:effectRef idx="0">
+            <a:schemeClr val="accent4"/>
+          </a:effectRef>
+          <a:fontRef idx="minor">
+            <a:schemeClr val="lt1"/>
+          </a:fontRef>
+        </p:style>
+        <p:txBody>
+          <a:bodyPr rtlCol="0" anchor="ctr"/>
+          <a:lstStyle/>
+          <a:p>
+            <a:pPr algn="ctr"/>
+            <a:r>
+              <a:rPr lang="en-US" altLang="zh-CN" dirty="0" err="1" smtClean="0"/>
+              <a:t>JouralNode</a:t>
+            </a:r>
+            <a:endParaRPr lang="zh-CN" altLang="en-US" dirty="0"/>
+          </a:p>
+        </p:txBody>
+      </p:sp>
+      <p:sp>
+        <p:nvSpPr>
+          <p:cNvPr id="15" name="圆角矩形 14"/>
+          <p:cNvSpPr/>
+          <p:nvPr/>
+        </p:nvSpPr>
+        <p:spPr>
+          <a:xfrm>
+            <a:off x="5168898" y="2444279"/>
+            <a:ext cx="1299411" cy="558264"/>
+          </a:xfrm>
+          <a:prstGeom prst="roundRect">
+            <a:avLst/>
+          </a:prstGeom>
+        </p:spPr>
+        <p:style>
+          <a:lnRef idx="2">
+            <a:schemeClr val="accent4">
+              <a:shade val="50000"/>
+            </a:schemeClr>
+          </a:lnRef>
+          <a:fillRef idx="1">
+            <a:schemeClr val="accent4"/>
+          </a:fillRef>
+          <a:effectRef idx="0">
+            <a:schemeClr val="accent4"/>
+          </a:effectRef>
+          <a:fontRef idx="minor">
+            <a:schemeClr val="lt1"/>
+          </a:fontRef>
+        </p:style>
+        <p:txBody>
+          <a:bodyPr rtlCol="0" anchor="ctr"/>
+          <a:lstStyle/>
+          <a:p>
+            <a:pPr algn="ctr"/>
+            <a:r>
+              <a:rPr lang="en-US" altLang="zh-CN" dirty="0" err="1" smtClean="0"/>
+              <a:t>JouralNode</a:t>
+            </a:r>
+            <a:endParaRPr lang="zh-CN" altLang="en-US" dirty="0"/>
+          </a:p>
+        </p:txBody>
+      </p:sp>
+      <p:sp>
+        <p:nvSpPr>
+          <p:cNvPr id="16" name="圆角矩形 15"/>
+          <p:cNvSpPr/>
+          <p:nvPr/>
+        </p:nvSpPr>
+        <p:spPr>
+          <a:xfrm>
+            <a:off x="5279586" y="2588662"/>
+            <a:ext cx="1299411" cy="558264"/>
+          </a:xfrm>
+          <a:prstGeom prst="roundRect">
+            <a:avLst/>
+          </a:prstGeom>
+        </p:spPr>
+        <p:style>
+          <a:lnRef idx="2">
+            <a:schemeClr val="accent4">
+              <a:shade val="50000"/>
+            </a:schemeClr>
+          </a:lnRef>
+          <a:fillRef idx="1">
+            <a:schemeClr val="accent4"/>
+          </a:fillRef>
+          <a:effectRef idx="0">
+            <a:schemeClr val="accent4"/>
+          </a:effectRef>
+          <a:fontRef idx="minor">
+            <a:schemeClr val="lt1"/>
+          </a:fontRef>
+        </p:style>
+        <p:txBody>
+          <a:bodyPr rtlCol="0" anchor="ctr"/>
+          <a:lstStyle/>
+          <a:p>
+            <a:pPr algn="ctr"/>
+            <a:r>
+              <a:rPr lang="en-US" altLang="zh-CN" dirty="0" err="1" smtClean="0"/>
+              <a:t>JouralNode</a:t>
+            </a:r>
+            <a:endParaRPr lang="zh-CN" altLang="en-US" dirty="0"/>
+          </a:p>
+        </p:txBody>
+      </p:sp>
+      <p:sp>
+        <p:nvSpPr>
+          <p:cNvPr id="17" name="圆角矩形 16"/>
+          <p:cNvSpPr/>
+          <p:nvPr/>
+        </p:nvSpPr>
+        <p:spPr>
+          <a:xfrm>
+            <a:off x="8494424" y="2126649"/>
+            <a:ext cx="1501542" cy="1222408"/>
+          </a:xfrm>
+          <a:prstGeom prst="roundRect">
+            <a:avLst/>
+          </a:prstGeom>
+        </p:spPr>
+        <p:style>
+          <a:lnRef idx="2">
+            <a:schemeClr val="accent4">
+              <a:shade val="50000"/>
+            </a:schemeClr>
+          </a:lnRef>
+          <a:fillRef idx="1">
+            <a:schemeClr val="accent4"/>
+          </a:fillRef>
+          <a:effectRef idx="0">
+            <a:schemeClr val="accent4"/>
+          </a:effectRef>
+          <a:fontRef idx="minor">
+            <a:schemeClr val="lt1"/>
+          </a:fontRef>
+        </p:style>
+        <p:txBody>
+          <a:bodyPr rtlCol="0" anchor="ctr"/>
+          <a:lstStyle/>
+          <a:p>
+            <a:pPr algn="ctr"/>
+            <a:r>
+              <a:rPr lang="en-US" altLang="zh-CN" dirty="0" err="1" smtClean="0"/>
+              <a:t>NameNode</a:t>
+            </a:r>
+            <a:endParaRPr lang="en-US" altLang="zh-CN" dirty="0" smtClean="0"/>
+          </a:p>
+          <a:p>
+            <a:pPr algn="ctr"/>
+            <a:r>
+              <a:rPr lang="en-US" altLang="zh-CN" dirty="0" smtClean="0"/>
+              <a:t>(standby)</a:t>
+            </a:r>
+            <a:endParaRPr lang="en-US" altLang="zh-CN" dirty="0" smtClean="0"/>
+          </a:p>
+          <a:p>
+            <a:pPr algn="ctr"/>
+            <a:r>
+              <a:rPr lang="en-US" altLang="zh-CN" dirty="0" err="1" smtClean="0">
+                <a:solidFill>
+                  <a:schemeClr val="tx1"/>
+                </a:solidFill>
+              </a:rPr>
+              <a:t>ResourceManager</a:t>
+            </a:r>
+            <a:endParaRPr lang="zh-CN" altLang="en-US" dirty="0">
+              <a:solidFill>
+                <a:schemeClr val="tx1"/>
+              </a:solidFill>
+            </a:endParaRPr>
+          </a:p>
+        </p:txBody>
+      </p:sp>
+      <p:cxnSp>
+        <p:nvCxnSpPr>
+          <p:cNvPr id="19" name="直接箭头连接符 18"/>
+          <p:cNvCxnSpPr>
+            <a:stCxn id="8" idx="0"/>
+            <a:endCxn id="4" idx="1"/>
+          </p:cNvCxnSpPr>
+          <p:nvPr/>
+        </p:nvCxnSpPr>
+        <p:spPr>
+          <a:xfrm flipV="1">
+            <a:off x="2512225" y="894749"/>
+            <a:ext cx="1809115" cy="1231900"/>
+          </a:xfrm>
+          <a:prstGeom prst="straightConnector1">
+            <a:avLst/>
+          </a:prstGeom>
+          <a:ln>
+            <a:tailEnd type="triangle"/>
+          </a:ln>
+        </p:spPr>
+        <p:style>
+          <a:lnRef idx="1">
+            <a:schemeClr val="accent1"/>
+          </a:lnRef>
+          <a:fillRef idx="0">
+            <a:schemeClr val="accent1"/>
+          </a:fillRef>
+          <a:effectRef idx="0">
+            <a:schemeClr val="accent1"/>
+          </a:effectRef>
+          <a:fontRef idx="minor">
+            <a:schemeClr val="tx1"/>
+          </a:fontRef>
+        </p:style>
+      </p:cxnSp>
+      <p:cxnSp>
+        <p:nvCxnSpPr>
+          <p:cNvPr id="21" name="直接箭头连接符 20"/>
+          <p:cNvCxnSpPr>
+            <a:stCxn id="17" idx="0"/>
+            <a:endCxn id="4" idx="3"/>
+          </p:cNvCxnSpPr>
+          <p:nvPr/>
+        </p:nvCxnSpPr>
+        <p:spPr>
+          <a:xfrm flipH="1" flipV="1">
+            <a:off x="7469100" y="894749"/>
+            <a:ext cx="1785620" cy="1231900"/>
+          </a:xfrm>
+          <a:prstGeom prst="straightConnector1">
+            <a:avLst/>
+          </a:prstGeom>
+          <a:ln>
+            <a:tailEnd type="triangle"/>
+          </a:ln>
+        </p:spPr>
+        <p:style>
+          <a:lnRef idx="1">
+            <a:schemeClr val="accent1"/>
+          </a:lnRef>
+          <a:fillRef idx="0">
+            <a:schemeClr val="accent1"/>
+          </a:fillRef>
+          <a:effectRef idx="0">
+            <a:schemeClr val="accent1"/>
+          </a:effectRef>
+          <a:fontRef idx="minor">
+            <a:schemeClr val="tx1"/>
+          </a:fontRef>
+        </p:style>
+      </p:cxnSp>
+      <p:cxnSp>
+        <p:nvCxnSpPr>
+          <p:cNvPr id="23" name="直接箭头连接符 22"/>
+          <p:cNvCxnSpPr>
+            <a:stCxn id="8" idx="3"/>
+            <a:endCxn id="14" idx="1"/>
+          </p:cNvCxnSpPr>
+          <p:nvPr/>
+        </p:nvCxnSpPr>
+        <p:spPr>
+          <a:xfrm flipV="1">
+            <a:off x="3262361" y="2588728"/>
+            <a:ext cx="1799590" cy="158750"/>
+          </a:xfrm>
+          <a:prstGeom prst="straightConnector1">
+            <a:avLst/>
+          </a:prstGeom>
+          <a:ln>
+            <a:tailEnd type="triangle"/>
+          </a:ln>
+        </p:spPr>
+        <p:style>
+          <a:lnRef idx="1">
+            <a:schemeClr val="accent2"/>
+          </a:lnRef>
+          <a:fillRef idx="0">
+            <a:schemeClr val="accent2"/>
+          </a:fillRef>
+          <a:effectRef idx="0">
+            <a:schemeClr val="accent2"/>
+          </a:effectRef>
+          <a:fontRef idx="minor">
+            <a:schemeClr val="tx1"/>
+          </a:fontRef>
+        </p:style>
+      </p:cxnSp>
+      <p:cxnSp>
+        <p:nvCxnSpPr>
+          <p:cNvPr id="28" name="直接箭头连接符 27"/>
+          <p:cNvCxnSpPr>
+            <a:stCxn id="16" idx="3"/>
+            <a:endCxn id="17" idx="1"/>
+          </p:cNvCxnSpPr>
+          <p:nvPr/>
+        </p:nvCxnSpPr>
+        <p:spPr>
+          <a:xfrm flipV="1">
+            <a:off x="6587252" y="2738254"/>
+            <a:ext cx="1915795" cy="130175"/>
+          </a:xfrm>
+          <a:prstGeom prst="straightConnector1">
+            <a:avLst/>
+          </a:prstGeom>
+          <a:ln>
+            <a:tailEnd type="triangle"/>
+          </a:ln>
+        </p:spPr>
+        <p:style>
+          <a:lnRef idx="1">
+            <a:schemeClr val="accent2"/>
+          </a:lnRef>
+          <a:fillRef idx="0">
+            <a:schemeClr val="accent2"/>
+          </a:fillRef>
+          <a:effectRef idx="0">
+            <a:schemeClr val="accent2"/>
+          </a:effectRef>
+          <a:fontRef idx="minor">
+            <a:schemeClr val="tx1"/>
+          </a:fontRef>
+        </p:style>
+      </p:cxnSp>
+      <p:sp>
+        <p:nvSpPr>
+          <p:cNvPr id="31" name="圆角矩形 30"/>
+          <p:cNvSpPr/>
+          <p:nvPr/>
+        </p:nvSpPr>
+        <p:spPr>
+          <a:xfrm>
+            <a:off x="2300569" y="5505118"/>
+            <a:ext cx="1645921" cy="529388"/>
+          </a:xfrm>
+          <a:prstGeom prst="roundRect">
+            <a:avLst/>
+          </a:prstGeom>
+        </p:spPr>
+        <p:style>
+          <a:lnRef idx="1">
+            <a:schemeClr val="accent1"/>
+          </a:lnRef>
+          <a:fillRef idx="2">
+            <a:schemeClr val="accent1"/>
+          </a:fillRef>
+          <a:effectRef idx="1">
+            <a:schemeClr val="accent1"/>
+          </a:effectRef>
+          <a:fontRef idx="minor">
+            <a:schemeClr val="dk1"/>
+          </a:fontRef>
+        </p:style>
+        <p:txBody>
+          <a:bodyPr rtlCol="0" anchor="ctr"/>
+          <a:lstStyle/>
+          <a:p>
+            <a:pPr algn="ctr"/>
+            <a:r>
+              <a:rPr lang="en-US" altLang="zh-CN" dirty="0" err="1" smtClean="0">
+                <a:solidFill>
+                  <a:schemeClr val="bg1"/>
+                </a:solidFill>
+              </a:rPr>
+              <a:t>DataNode</a:t>
+            </a:r>
+            <a:endParaRPr lang="en-US" altLang="zh-CN" dirty="0" smtClean="0">
+              <a:solidFill>
+                <a:schemeClr val="bg1"/>
+              </a:solidFill>
+            </a:endParaRPr>
+          </a:p>
+          <a:p>
+            <a:pPr algn="ctr"/>
+            <a:r>
+              <a:rPr lang="en-US" altLang="zh-CN" dirty="0" err="1" smtClean="0"/>
+              <a:t>NodeManager</a:t>
+            </a:r>
+            <a:endParaRPr lang="en-US" altLang="zh-CN" dirty="0" smtClean="0"/>
+          </a:p>
+        </p:txBody>
+      </p:sp>
+      <p:sp>
+        <p:nvSpPr>
+          <p:cNvPr id="32" name="圆角矩形 31"/>
+          <p:cNvSpPr/>
+          <p:nvPr/>
+        </p:nvSpPr>
+        <p:spPr>
+          <a:xfrm>
+            <a:off x="4283374" y="5505118"/>
+            <a:ext cx="1645921" cy="529388"/>
+          </a:xfrm>
+          <a:prstGeom prst="roundRect">
+            <a:avLst/>
+          </a:prstGeom>
+        </p:spPr>
+        <p:style>
+          <a:lnRef idx="1">
+            <a:schemeClr val="accent1"/>
+          </a:lnRef>
+          <a:fillRef idx="2">
+            <a:schemeClr val="accent1"/>
+          </a:fillRef>
+          <a:effectRef idx="1">
+            <a:schemeClr val="accent1"/>
+          </a:effectRef>
+          <a:fontRef idx="minor">
+            <a:schemeClr val="dk1"/>
+          </a:fontRef>
+        </p:style>
+        <p:txBody>
+          <a:bodyPr rtlCol="0" anchor="ctr"/>
+          <a:lstStyle/>
+          <a:p>
+            <a:pPr algn="ctr"/>
+            <a:r>
+              <a:rPr lang="en-US" altLang="zh-CN" dirty="0" err="1" smtClean="0">
+                <a:solidFill>
+                  <a:schemeClr val="bg1"/>
+                </a:solidFill>
+              </a:rPr>
+              <a:t>DataNode</a:t>
+            </a:r>
+            <a:endParaRPr lang="en-US" altLang="zh-CN" dirty="0" smtClean="0">
+              <a:solidFill>
+                <a:schemeClr val="bg1"/>
+              </a:solidFill>
+            </a:endParaRPr>
+          </a:p>
+          <a:p>
+            <a:pPr algn="ctr"/>
+            <a:r>
+              <a:rPr lang="en-US" altLang="zh-CN" dirty="0" err="1" smtClean="0"/>
+              <a:t>NodeManager</a:t>
+            </a:r>
+            <a:endParaRPr lang="en-US" altLang="zh-CN" dirty="0" smtClean="0"/>
+          </a:p>
+        </p:txBody>
+      </p:sp>
+      <p:sp>
+        <p:nvSpPr>
+          <p:cNvPr id="33" name="圆角矩形 32"/>
+          <p:cNvSpPr/>
+          <p:nvPr/>
+        </p:nvSpPr>
+        <p:spPr>
+          <a:xfrm>
+            <a:off x="6232491" y="5505118"/>
+            <a:ext cx="1645921" cy="529388"/>
+          </a:xfrm>
+          <a:prstGeom prst="roundRect">
+            <a:avLst/>
+          </a:prstGeom>
+        </p:spPr>
+        <p:style>
+          <a:lnRef idx="1">
+            <a:schemeClr val="accent1"/>
+          </a:lnRef>
+          <a:fillRef idx="2">
+            <a:schemeClr val="accent1"/>
+          </a:fillRef>
+          <a:effectRef idx="1">
+            <a:schemeClr val="accent1"/>
+          </a:effectRef>
+          <a:fontRef idx="minor">
+            <a:schemeClr val="dk1"/>
+          </a:fontRef>
+        </p:style>
+        <p:txBody>
+          <a:bodyPr rtlCol="0" anchor="ctr"/>
+          <a:lstStyle/>
+          <a:p>
+            <a:pPr algn="ctr"/>
+            <a:r>
+              <a:rPr lang="en-US" altLang="zh-CN" dirty="0" err="1" smtClean="0">
+                <a:solidFill>
+                  <a:schemeClr val="bg1"/>
+                </a:solidFill>
+              </a:rPr>
+              <a:t>DataNode</a:t>
+            </a:r>
+            <a:endParaRPr lang="en-US" altLang="zh-CN" dirty="0" smtClean="0">
+              <a:solidFill>
+                <a:schemeClr val="bg1"/>
+              </a:solidFill>
+            </a:endParaRPr>
+          </a:p>
+          <a:p>
+            <a:pPr algn="ctr"/>
+            <a:r>
+              <a:rPr lang="en-US" altLang="zh-CN" dirty="0" err="1" smtClean="0"/>
+              <a:t>NodeManager</a:t>
+            </a:r>
+            <a:endParaRPr lang="en-US" altLang="zh-CN" dirty="0" smtClean="0"/>
+          </a:p>
+        </p:txBody>
+      </p:sp>
+      <p:sp>
+        <p:nvSpPr>
+          <p:cNvPr id="34" name="圆角矩形 33"/>
+          <p:cNvSpPr/>
+          <p:nvPr/>
+        </p:nvSpPr>
+        <p:spPr>
+          <a:xfrm>
+            <a:off x="8227326" y="5514741"/>
+            <a:ext cx="1645921" cy="529388"/>
+          </a:xfrm>
+          <a:prstGeom prst="roundRect">
+            <a:avLst/>
+          </a:prstGeom>
+        </p:spPr>
+        <p:style>
+          <a:lnRef idx="1">
+            <a:schemeClr val="accent1"/>
+          </a:lnRef>
+          <a:fillRef idx="2">
+            <a:schemeClr val="accent1"/>
+          </a:fillRef>
+          <a:effectRef idx="1">
+            <a:schemeClr val="accent1"/>
+          </a:effectRef>
+          <a:fontRef idx="minor">
+            <a:schemeClr val="dk1"/>
+          </a:fontRef>
+        </p:style>
+        <p:txBody>
+          <a:bodyPr rtlCol="0" anchor="ctr"/>
+          <a:lstStyle/>
+          <a:p>
+            <a:pPr algn="ctr"/>
+            <a:r>
+              <a:rPr lang="en-US" altLang="zh-CN" dirty="0" err="1" smtClean="0">
+                <a:solidFill>
+                  <a:schemeClr val="bg1"/>
+                </a:solidFill>
+              </a:rPr>
+              <a:t>DataNode</a:t>
+            </a:r>
+            <a:endParaRPr lang="en-US" altLang="zh-CN" dirty="0" smtClean="0">
+              <a:solidFill>
+                <a:schemeClr val="bg1"/>
+              </a:solidFill>
+            </a:endParaRPr>
+          </a:p>
+          <a:p>
+            <a:pPr algn="ctr"/>
+            <a:r>
+              <a:rPr lang="en-US" altLang="zh-CN" dirty="0" err="1" smtClean="0"/>
+              <a:t>NodeManager</a:t>
+            </a:r>
+            <a:endParaRPr lang="en-US" altLang="zh-CN" dirty="0" smtClean="0"/>
+          </a:p>
+        </p:txBody>
+      </p:sp>
+      <p:cxnSp>
+        <p:nvCxnSpPr>
+          <p:cNvPr id="36" name="直接箭头连接符 35"/>
+          <p:cNvCxnSpPr>
+            <a:stCxn id="31" idx="0"/>
+            <a:endCxn id="8" idx="2"/>
+          </p:cNvCxnSpPr>
+          <p:nvPr/>
+        </p:nvCxnSpPr>
+        <p:spPr>
+          <a:xfrm flipH="1" flipV="1">
+            <a:off x="2512025" y="3368343"/>
+            <a:ext cx="620395" cy="2136775"/>
+          </a:xfrm>
+          <a:prstGeom prst="straightConnector1">
+            <a:avLst/>
+          </a:prstGeom>
+          <a:ln>
+            <a:tailEnd type="triangle"/>
+          </a:ln>
+        </p:spPr>
+        <p:style>
+          <a:lnRef idx="1">
+            <a:schemeClr val="accent1"/>
+          </a:lnRef>
+          <a:fillRef idx="0">
+            <a:schemeClr val="accent1"/>
+          </a:fillRef>
+          <a:effectRef idx="0">
+            <a:schemeClr val="accent1"/>
+          </a:effectRef>
+          <a:fontRef idx="minor">
+            <a:schemeClr val="tx1"/>
+          </a:fontRef>
+        </p:style>
+      </p:cxnSp>
+      <p:cxnSp>
+        <p:nvCxnSpPr>
+          <p:cNvPr id="38" name="直接箭头连接符 37"/>
+          <p:cNvCxnSpPr>
+            <a:stCxn id="32" idx="0"/>
+            <a:endCxn id="8" idx="2"/>
+          </p:cNvCxnSpPr>
+          <p:nvPr/>
+        </p:nvCxnSpPr>
+        <p:spPr>
+          <a:xfrm flipH="1" flipV="1">
+            <a:off x="2512360" y="3368343"/>
+            <a:ext cx="2602865" cy="2136775"/>
+          </a:xfrm>
+          <a:prstGeom prst="straightConnector1">
+            <a:avLst/>
+          </a:prstGeom>
+          <a:ln>
+            <a:tailEnd type="triangle"/>
+          </a:ln>
+        </p:spPr>
+        <p:style>
+          <a:lnRef idx="1">
+            <a:schemeClr val="accent1"/>
+          </a:lnRef>
+          <a:fillRef idx="0">
+            <a:schemeClr val="accent1"/>
+          </a:fillRef>
+          <a:effectRef idx="0">
+            <a:schemeClr val="accent1"/>
+          </a:effectRef>
+          <a:fontRef idx="minor">
+            <a:schemeClr val="tx1"/>
+          </a:fontRef>
+        </p:style>
+      </p:cxnSp>
+      <p:cxnSp>
+        <p:nvCxnSpPr>
+          <p:cNvPr id="40" name="直接箭头连接符 39"/>
+          <p:cNvCxnSpPr>
+            <a:stCxn id="33" idx="0"/>
+            <a:endCxn id="8" idx="2"/>
+          </p:cNvCxnSpPr>
+          <p:nvPr/>
+        </p:nvCxnSpPr>
+        <p:spPr>
+          <a:xfrm flipH="1" flipV="1">
+            <a:off x="2512027" y="3368343"/>
+            <a:ext cx="4552315" cy="2136775"/>
+          </a:xfrm>
+          <a:prstGeom prst="straightConnector1">
+            <a:avLst/>
+          </a:prstGeom>
+          <a:ln>
+            <a:tailEnd type="triangle"/>
+          </a:ln>
+        </p:spPr>
+        <p:style>
+          <a:lnRef idx="1">
+            <a:schemeClr val="accent1"/>
+          </a:lnRef>
+          <a:fillRef idx="0">
+            <a:schemeClr val="accent1"/>
+          </a:fillRef>
+          <a:effectRef idx="0">
+            <a:schemeClr val="accent1"/>
+          </a:effectRef>
+          <a:fontRef idx="minor">
+            <a:schemeClr val="tx1"/>
+          </a:fontRef>
+        </p:style>
+      </p:cxnSp>
+      <p:cxnSp>
+        <p:nvCxnSpPr>
+          <p:cNvPr id="42" name="直接箭头连接符 41"/>
+          <p:cNvCxnSpPr>
+            <a:stCxn id="34" idx="0"/>
+            <a:endCxn id="8" idx="2"/>
+          </p:cNvCxnSpPr>
+          <p:nvPr/>
+        </p:nvCxnSpPr>
+        <p:spPr>
+          <a:xfrm flipH="1" flipV="1">
+            <a:off x="2512327" y="3367806"/>
+            <a:ext cx="6546850" cy="2146935"/>
+          </a:xfrm>
+          <a:prstGeom prst="straightConnector1">
+            <a:avLst/>
+          </a:prstGeom>
+          <a:ln>
+            <a:tailEnd type="triangle"/>
+          </a:ln>
+        </p:spPr>
+        <p:style>
+          <a:lnRef idx="1">
+            <a:schemeClr val="accent1"/>
+          </a:lnRef>
+          <a:fillRef idx="0">
+            <a:schemeClr val="accent1"/>
+          </a:fillRef>
+          <a:effectRef idx="0">
+            <a:schemeClr val="accent1"/>
+          </a:effectRef>
+          <a:fontRef idx="minor">
+            <a:schemeClr val="tx1"/>
+          </a:fontRef>
+        </p:style>
+      </p:cxnSp>
+      <p:cxnSp>
+        <p:nvCxnSpPr>
+          <p:cNvPr id="44" name="直接箭头连接符 43"/>
+          <p:cNvCxnSpPr>
+            <a:stCxn id="31" idx="0"/>
+            <a:endCxn id="17" idx="2"/>
+          </p:cNvCxnSpPr>
+          <p:nvPr/>
+        </p:nvCxnSpPr>
+        <p:spPr>
+          <a:xfrm flipV="1">
+            <a:off x="3132420" y="3349293"/>
+            <a:ext cx="6122035" cy="2155825"/>
+          </a:xfrm>
+          <a:prstGeom prst="straightConnector1">
+            <a:avLst/>
+          </a:prstGeom>
+          <a:ln>
+            <a:tailEnd type="triangle"/>
+          </a:ln>
+        </p:spPr>
+        <p:style>
+          <a:lnRef idx="1">
+            <a:schemeClr val="accent1"/>
+          </a:lnRef>
+          <a:fillRef idx="0">
+            <a:schemeClr val="accent1"/>
+          </a:fillRef>
+          <a:effectRef idx="0">
+            <a:schemeClr val="accent1"/>
+          </a:effectRef>
+          <a:fontRef idx="minor">
+            <a:schemeClr val="tx1"/>
+          </a:fontRef>
+        </p:style>
+      </p:cxnSp>
+      <p:cxnSp>
+        <p:nvCxnSpPr>
+          <p:cNvPr id="48" name="直接箭头连接符 47"/>
+          <p:cNvCxnSpPr>
+            <a:stCxn id="32" idx="0"/>
+            <a:endCxn id="17" idx="2"/>
+          </p:cNvCxnSpPr>
+          <p:nvPr/>
+        </p:nvCxnSpPr>
+        <p:spPr>
+          <a:xfrm flipV="1">
+            <a:off x="5115225" y="3349293"/>
+            <a:ext cx="4139565" cy="2155825"/>
+          </a:xfrm>
+          <a:prstGeom prst="straightConnector1">
+            <a:avLst/>
+          </a:prstGeom>
+          <a:ln>
+            <a:tailEnd type="triangle"/>
+          </a:ln>
+        </p:spPr>
+        <p:style>
+          <a:lnRef idx="1">
+            <a:schemeClr val="accent1"/>
+          </a:lnRef>
+          <a:fillRef idx="0">
+            <a:schemeClr val="accent1"/>
+          </a:fillRef>
+          <a:effectRef idx="0">
+            <a:schemeClr val="accent1"/>
+          </a:effectRef>
+          <a:fontRef idx="minor">
+            <a:schemeClr val="tx1"/>
+          </a:fontRef>
+        </p:style>
+      </p:cxnSp>
+      <p:cxnSp>
+        <p:nvCxnSpPr>
+          <p:cNvPr id="50" name="直接箭头连接符 49"/>
+          <p:cNvCxnSpPr>
+            <a:stCxn id="33" idx="0"/>
+            <a:endCxn id="17" idx="2"/>
+          </p:cNvCxnSpPr>
+          <p:nvPr/>
+        </p:nvCxnSpPr>
+        <p:spPr>
+          <a:xfrm flipV="1">
+            <a:off x="7064342" y="3349293"/>
+            <a:ext cx="2190115" cy="2155825"/>
+          </a:xfrm>
+          <a:prstGeom prst="straightConnector1">
+            <a:avLst/>
+          </a:prstGeom>
+          <a:ln>
+            <a:tailEnd type="triangle"/>
+          </a:ln>
+        </p:spPr>
+        <p:style>
+          <a:lnRef idx="1">
+            <a:schemeClr val="accent1"/>
+          </a:lnRef>
+          <a:fillRef idx="0">
+            <a:schemeClr val="accent1"/>
+          </a:fillRef>
+          <a:effectRef idx="0">
+            <a:schemeClr val="accent1"/>
+          </a:effectRef>
+          <a:fontRef idx="minor">
+            <a:schemeClr val="tx1"/>
+          </a:fontRef>
+        </p:style>
+      </p:cxnSp>
+      <p:cxnSp>
+        <p:nvCxnSpPr>
+          <p:cNvPr id="52" name="直接箭头连接符 51"/>
+          <p:cNvCxnSpPr>
+            <a:stCxn id="34" idx="0"/>
+            <a:endCxn id="17" idx="2"/>
+          </p:cNvCxnSpPr>
+          <p:nvPr/>
+        </p:nvCxnSpPr>
+        <p:spPr>
+          <a:xfrm flipV="1">
+            <a:off x="9059177" y="3348756"/>
+            <a:ext cx="195580" cy="2165985"/>
+          </a:xfrm>
+          <a:prstGeom prst="straightConnector1">
+            <a:avLst/>
+          </a:prstGeom>
+          <a:ln>
+            <a:tailEnd type="triangle"/>
+          </a:ln>
+        </p:spPr>
+        <p:style>
+          <a:lnRef idx="1">
+            <a:schemeClr val="accent1"/>
+          </a:lnRef>
+          <a:fillRef idx="0">
+            <a:schemeClr val="accent1"/>
+          </a:fillRef>
+          <a:effectRef idx="0">
+            <a:schemeClr val="accent1"/>
+          </a:effectRef>
+          <a:fontRef idx="minor">
+            <a:schemeClr val="tx1"/>
+          </a:fontRef>
+        </p:style>
+      </p:cxnSp>
+      <p:sp>
+        <p:nvSpPr>
+          <p:cNvPr id="59" name="圆角矩形 58"/>
+          <p:cNvSpPr/>
+          <p:nvPr/>
+        </p:nvSpPr>
+        <p:spPr>
+          <a:xfrm>
+            <a:off x="4442189" y="711738"/>
+            <a:ext cx="856647" cy="385010"/>
+          </a:xfrm>
+          <a:prstGeom prst="roundRect">
+            <a:avLst/>
+          </a:prstGeom>
+        </p:spPr>
+        <p:style>
+          <a:lnRef idx="2">
+            <a:schemeClr val="accent4">
+              <a:shade val="50000"/>
+            </a:schemeClr>
+          </a:lnRef>
+          <a:fillRef idx="1">
+            <a:schemeClr val="accent4"/>
+          </a:fillRef>
+          <a:effectRef idx="0">
+            <a:schemeClr val="accent4"/>
+          </a:effectRef>
+          <a:fontRef idx="minor">
+            <a:schemeClr val="lt1"/>
+          </a:fontRef>
+        </p:style>
+        <p:txBody>
+          <a:bodyPr rtlCol="0" anchor="ctr"/>
+          <a:lstStyle/>
+          <a:p>
+            <a:pPr algn="ctr"/>
+            <a:r>
+              <a:rPr lang="en-US" altLang="zh-CN" dirty="0" smtClean="0">
+                <a:solidFill>
+                  <a:srgbClr val="0070C0"/>
+                </a:solidFill>
+              </a:rPr>
+              <a:t>ZK</a:t>
+            </a:r>
+            <a:endParaRPr lang="zh-CN" altLang="en-US" dirty="0">
+              <a:solidFill>
+                <a:srgbClr val="0070C0"/>
+              </a:solidFill>
+            </a:endParaRPr>
+          </a:p>
+        </p:txBody>
+      </p:sp>
+      <p:sp>
+        <p:nvSpPr>
+          <p:cNvPr id="60" name="圆角矩形 59"/>
+          <p:cNvSpPr/>
+          <p:nvPr/>
+        </p:nvSpPr>
+        <p:spPr>
+          <a:xfrm>
+            <a:off x="6463497" y="706927"/>
+            <a:ext cx="856647" cy="385010"/>
+          </a:xfrm>
+          <a:prstGeom prst="roundRect">
+            <a:avLst/>
+          </a:prstGeom>
+        </p:spPr>
+        <p:style>
+          <a:lnRef idx="2">
+            <a:schemeClr val="accent4">
+              <a:shade val="50000"/>
+            </a:schemeClr>
+          </a:lnRef>
+          <a:fillRef idx="1">
+            <a:schemeClr val="accent4"/>
+          </a:fillRef>
+          <a:effectRef idx="0">
+            <a:schemeClr val="accent4"/>
+          </a:effectRef>
+          <a:fontRef idx="minor">
+            <a:schemeClr val="lt1"/>
+          </a:fontRef>
+        </p:style>
+        <p:txBody>
+          <a:bodyPr rtlCol="0" anchor="ctr"/>
+          <a:lstStyle/>
+          <a:p>
+            <a:pPr algn="ctr"/>
+            <a:r>
+              <a:rPr lang="en-US" altLang="zh-CN" dirty="0" smtClean="0">
+                <a:solidFill>
+                  <a:srgbClr val="0070C0"/>
+                </a:solidFill>
+              </a:rPr>
+              <a:t>ZK</a:t>
+            </a:r>
+            <a:endParaRPr lang="zh-CN" altLang="en-US" dirty="0">
+              <a:solidFill>
+                <a:srgbClr val="0070C0"/>
+              </a:solidFill>
+            </a:endParaRPr>
+          </a:p>
+        </p:txBody>
+      </p:sp>
+      <p:sp>
+        <p:nvSpPr>
+          <p:cNvPr id="3" name="圆角矩形 2"/>
+          <p:cNvSpPr/>
+          <p:nvPr/>
+        </p:nvSpPr>
+        <p:spPr>
+          <a:xfrm>
+            <a:off x="10329545" y="1358900"/>
+            <a:ext cx="914400" cy="508635"/>
+          </a:xfrm>
+          <a:prstGeom prst="roundRect">
+            <a:avLst/>
+          </a:prstGeom>
         </p:spPr>
         <p:style>
           <a:lnRef idx="2">
@@ -6426,45 +9694,31 @@
           </a:fontRef>
         </p:style>
         <p:txBody>
-          <a:bodyPr vert="eaVert" rtlCol="0" anchor="ctr"/>
-          <a:p>
-            <a:pPr algn="ctr"/>
-            <a:r>
-              <a:rPr lang="en-US" altLang="zh-CN">
-                <a:solidFill>
-                  <a:schemeClr val="tx1"/>
-                </a:solidFill>
-              </a:rPr>
-              <a:t>Zookeeper</a:t>
-            </a:r>
-            <a:endParaRPr lang="en-US" altLang="zh-CN">
-              <a:solidFill>
-                <a:schemeClr val="tx1"/>
-              </a:solidFill>
-            </a:endParaRPr>
-          </a:p>
-        </p:txBody>
-      </p:sp>
-      <p:sp>
-        <p:nvSpPr>
-          <p:cNvPr id="6" name="矩形 5"/>
+          <a:bodyPr rtlCol="0" anchor="ctr"/>
+          <a:p>
+            <a:pPr algn="ctr"/>
+            <a:r>
+              <a:rPr lang="en-US" altLang="zh-CN"/>
+              <a:t>hive</a:t>
+            </a:r>
+            <a:endParaRPr lang="en-US" altLang="zh-CN"/>
+          </a:p>
+        </p:txBody>
+      </p:sp>
+      <p:sp>
+        <p:nvSpPr>
+          <p:cNvPr id="5" name="圆角矩形 4"/>
           <p:cNvSpPr/>
           <p:nvPr/>
         </p:nvSpPr>
         <p:spPr>
           <a:xfrm>
-            <a:off x="10621010" y="1857375"/>
-            <a:ext cx="609600" cy="3778885"/>
-          </a:xfrm>
-          <a:prstGeom prst="rect">
-            <a:avLst/>
-          </a:prstGeom>
-          <a:solidFill>
-            <a:schemeClr val="accent6">
-              <a:lumMod val="40000"/>
-              <a:lumOff val="60000"/>
-            </a:schemeClr>
-          </a:solidFill>
+            <a:off x="10329545" y="2859405"/>
+            <a:ext cx="914400" cy="508635"/>
+          </a:xfrm>
+          <a:prstGeom prst="roundRect">
+            <a:avLst/>
+          </a:prstGeom>
         </p:spPr>
         <p:style>
           <a:lnRef idx="2">
@@ -6487,94 +9741,27 @@
           <a:p>
             <a:pPr algn="ctr"/>
             <a:r>
-              <a:rPr lang="zh-CN" altLang="en-US">
-                <a:solidFill>
-                  <a:schemeClr val="tx1"/>
-                </a:solidFill>
-              </a:rPr>
-              <a:t>任务调度与监控</a:t>
-            </a:r>
-            <a:endParaRPr lang="zh-CN" altLang="en-US">
-              <a:solidFill>
-                <a:schemeClr val="tx1"/>
-              </a:solidFill>
-            </a:endParaRPr>
-          </a:p>
-        </p:txBody>
-      </p:sp>
-      <p:sp>
-        <p:nvSpPr>
-          <p:cNvPr id="7" name="矩形 6"/>
+              <a:rPr lang="en-US" altLang="zh-CN"/>
+              <a:t>oozie</a:t>
+            </a:r>
+            <a:endParaRPr lang="en-US" altLang="zh-CN"/>
+          </a:p>
+        </p:txBody>
+      </p:sp>
+      <p:sp>
+        <p:nvSpPr>
+          <p:cNvPr id="7" name="圆角矩形 6"/>
           <p:cNvSpPr/>
           <p:nvPr/>
         </p:nvSpPr>
         <p:spPr>
           <a:xfrm>
-            <a:off x="2560955" y="5636895"/>
-            <a:ext cx="6155690" cy="675640"/>
-          </a:xfrm>
-          <a:prstGeom prst="rect">
-            <a:avLst/>
-          </a:prstGeom>
-          <a:solidFill>
-            <a:schemeClr val="accent4">
-              <a:lumMod val="40000"/>
-              <a:lumOff val="60000"/>
-            </a:schemeClr>
-          </a:solidFill>
-          <a:ln>
-            <a:solidFill>
-              <a:schemeClr val="accent1"/>
-            </a:solidFill>
-          </a:ln>
-        </p:spPr>
-        <p:style>
-          <a:lnRef idx="2">
-            <a:schemeClr val="accent6"/>
-          </a:lnRef>
-          <a:fillRef idx="1">
-            <a:schemeClr val="lt1"/>
-          </a:fillRef>
-          <a:effectRef idx="0">
-            <a:schemeClr val="accent6"/>
-          </a:effectRef>
-          <a:fontRef idx="minor">
-            <a:schemeClr val="dk1"/>
-          </a:fontRef>
-        </p:style>
-        <p:txBody>
-          <a:bodyPr rtlCol="0" anchor="ctr"/>
-          <a:p>
-            <a:pPr algn="ctr"/>
-            <a:endParaRPr lang="zh-CN" altLang="en-US"/>
-          </a:p>
-        </p:txBody>
-      </p:sp>
-      <p:sp>
-        <p:nvSpPr>
-          <p:cNvPr id="11" name="矩形 10"/>
-          <p:cNvSpPr/>
-          <p:nvPr/>
-        </p:nvSpPr>
-        <p:spPr>
-          <a:xfrm>
-            <a:off x="2687320" y="5753735"/>
-            <a:ext cx="1078230" cy="441960"/>
-          </a:xfrm>
-          <a:prstGeom prst="rect">
-            <a:avLst/>
-          </a:prstGeom>
-          <a:solidFill>
-            <a:schemeClr val="bg1"/>
-          </a:solidFill>
-          <a:ln w="12700" cmpd="sng">
-            <a:solidFill>
-              <a:schemeClr val="accent1">
-                <a:shade val="50000"/>
-              </a:schemeClr>
-            </a:solidFill>
-            <a:prstDash val="solid"/>
-          </a:ln>
+            <a:off x="10329545" y="4088765"/>
+            <a:ext cx="914400" cy="508635"/>
+          </a:xfrm>
+          <a:prstGeom prst="roundRect">
+            <a:avLst/>
+          </a:prstGeom>
         </p:spPr>
         <p:style>
           <a:lnRef idx="2">
@@ -6597,1129 +9784,23 @@
           <a:p>
             <a:pPr algn="ctr"/>
             <a:r>
-              <a:rPr lang="en-US" altLang="zh-CN">
-                <a:solidFill>
-                  <a:schemeClr val="tx1"/>
-                </a:solidFill>
-              </a:rPr>
-              <a:t>RDBMS</a:t>
-            </a:r>
-            <a:endParaRPr lang="en-US" altLang="zh-CN">
-              <a:solidFill>
-                <a:schemeClr val="tx1"/>
-              </a:solidFill>
-            </a:endParaRPr>
-          </a:p>
-        </p:txBody>
-      </p:sp>
-      <p:sp>
-        <p:nvSpPr>
-          <p:cNvPr id="12" name="矩形 11"/>
-          <p:cNvSpPr/>
-          <p:nvPr/>
-        </p:nvSpPr>
-        <p:spPr>
-          <a:xfrm>
-            <a:off x="3893820" y="5753735"/>
-            <a:ext cx="1078230" cy="441960"/>
-          </a:xfrm>
-          <a:prstGeom prst="rect">
-            <a:avLst/>
-          </a:prstGeom>
-          <a:solidFill>
-            <a:schemeClr val="bg1"/>
-          </a:solidFill>
-        </p:spPr>
-        <p:style>
-          <a:lnRef idx="2">
-            <a:schemeClr val="accent1">
-              <a:shade val="50000"/>
-            </a:schemeClr>
-          </a:lnRef>
-          <a:fillRef idx="1">
-            <a:schemeClr val="accent1"/>
-          </a:fillRef>
-          <a:effectRef idx="0">
-            <a:schemeClr val="accent1"/>
-          </a:effectRef>
-          <a:fontRef idx="minor">
-            <a:schemeClr val="lt1"/>
-          </a:fontRef>
-        </p:style>
-        <p:txBody>
-          <a:bodyPr rtlCol="0" anchor="ctr"/>
-          <a:p>
-            <a:pPr algn="ctr"/>
-            <a:r>
-              <a:rPr lang="zh-CN" altLang="en-US">
-                <a:solidFill>
-                  <a:schemeClr val="tx1"/>
-                </a:solidFill>
-              </a:rPr>
-              <a:t>日志</a:t>
-            </a:r>
-            <a:endParaRPr lang="zh-CN" altLang="en-US">
-              <a:solidFill>
-                <a:schemeClr val="tx1"/>
-              </a:solidFill>
-            </a:endParaRPr>
-          </a:p>
-        </p:txBody>
-      </p:sp>
-      <p:sp>
-        <p:nvSpPr>
-          <p:cNvPr id="13" name="矩形 12"/>
-          <p:cNvSpPr/>
-          <p:nvPr/>
-        </p:nvSpPr>
-        <p:spPr>
-          <a:xfrm>
-            <a:off x="5100955" y="5753735"/>
-            <a:ext cx="1349375" cy="441960"/>
-          </a:xfrm>
-          <a:prstGeom prst="rect">
-            <a:avLst/>
-          </a:prstGeom>
-          <a:solidFill>
-            <a:schemeClr val="bg1"/>
-          </a:solidFill>
-        </p:spPr>
-        <p:style>
-          <a:lnRef idx="2">
-            <a:schemeClr val="accent1">
-              <a:shade val="50000"/>
-            </a:schemeClr>
-          </a:lnRef>
-          <a:fillRef idx="1">
-            <a:schemeClr val="accent1"/>
-          </a:fillRef>
-          <a:effectRef idx="0">
-            <a:schemeClr val="accent1"/>
-          </a:effectRef>
-          <a:fontRef idx="minor">
-            <a:schemeClr val="lt1"/>
-          </a:fontRef>
-        </p:style>
-        <p:txBody>
-          <a:bodyPr rtlCol="0" anchor="ctr"/>
-          <a:p>
-            <a:pPr algn="ctr"/>
-            <a:r>
-              <a:rPr lang="en-US" altLang="zh-CN">
-                <a:solidFill>
-                  <a:schemeClr val="tx1"/>
-                </a:solidFill>
-              </a:rPr>
-              <a:t>HTTP/FTP</a:t>
-            </a:r>
-            <a:endParaRPr lang="zh-CN" altLang="en-US">
-              <a:solidFill>
-                <a:schemeClr val="tx1"/>
-              </a:solidFill>
-            </a:endParaRPr>
-          </a:p>
-        </p:txBody>
-      </p:sp>
-      <p:sp>
-        <p:nvSpPr>
-          <p:cNvPr id="14" name="矩形 13"/>
-          <p:cNvSpPr/>
-          <p:nvPr/>
-        </p:nvSpPr>
-        <p:spPr>
-          <a:xfrm>
-            <a:off x="2534285" y="1395095"/>
-            <a:ext cx="6155055" cy="675640"/>
-          </a:xfrm>
-          <a:prstGeom prst="rect">
-            <a:avLst/>
-          </a:prstGeom>
-          <a:solidFill>
-            <a:schemeClr val="accent4">
-              <a:lumMod val="40000"/>
-              <a:lumOff val="60000"/>
-            </a:schemeClr>
-          </a:solidFill>
-          <a:ln>
-            <a:solidFill>
-              <a:schemeClr val="accent1"/>
-            </a:solidFill>
-          </a:ln>
-        </p:spPr>
-        <p:style>
-          <a:lnRef idx="2">
-            <a:schemeClr val="accent6"/>
-          </a:lnRef>
-          <a:fillRef idx="1">
-            <a:schemeClr val="lt1"/>
-          </a:fillRef>
-          <a:effectRef idx="0">
-            <a:schemeClr val="accent6"/>
-          </a:effectRef>
-          <a:fontRef idx="minor">
-            <a:schemeClr val="dk1"/>
-          </a:fontRef>
-        </p:style>
-        <p:txBody>
-          <a:bodyPr rtlCol="0" anchor="ctr"/>
-          <a:p>
-            <a:pPr algn="ctr"/>
-            <a:endParaRPr lang="zh-CN" altLang="en-US"/>
-          </a:p>
-        </p:txBody>
-      </p:sp>
-      <p:sp>
-        <p:nvSpPr>
-          <p:cNvPr id="16" name="矩形 15"/>
-          <p:cNvSpPr/>
-          <p:nvPr/>
-        </p:nvSpPr>
-        <p:spPr>
-          <a:xfrm>
-            <a:off x="2533650" y="2625090"/>
-            <a:ext cx="6155690" cy="675640"/>
-          </a:xfrm>
-          <a:prstGeom prst="rect">
-            <a:avLst/>
-          </a:prstGeom>
-          <a:solidFill>
-            <a:schemeClr val="accent4">
-              <a:lumMod val="40000"/>
-              <a:lumOff val="60000"/>
-            </a:schemeClr>
-          </a:solidFill>
-          <a:ln>
-            <a:solidFill>
-              <a:schemeClr val="accent1"/>
-            </a:solidFill>
-          </a:ln>
-        </p:spPr>
-        <p:style>
-          <a:lnRef idx="2">
-            <a:schemeClr val="accent6"/>
-          </a:lnRef>
-          <a:fillRef idx="1">
-            <a:schemeClr val="lt1"/>
-          </a:fillRef>
-          <a:effectRef idx="0">
-            <a:schemeClr val="accent6"/>
-          </a:effectRef>
-          <a:fontRef idx="minor">
-            <a:schemeClr val="dk1"/>
-          </a:fontRef>
-        </p:style>
-        <p:txBody>
-          <a:bodyPr rtlCol="0" anchor="ctr"/>
-          <a:p>
-            <a:pPr algn="ctr"/>
-            <a:endParaRPr lang="zh-CN" altLang="en-US"/>
-          </a:p>
-        </p:txBody>
-      </p:sp>
-      <p:sp>
-        <p:nvSpPr>
-          <p:cNvPr id="17" name="矩形 16"/>
-          <p:cNvSpPr/>
-          <p:nvPr/>
-        </p:nvSpPr>
-        <p:spPr>
-          <a:xfrm>
-            <a:off x="2534285" y="3813810"/>
-            <a:ext cx="3854450" cy="1266190"/>
-          </a:xfrm>
-          <a:prstGeom prst="rect">
-            <a:avLst/>
-          </a:prstGeom>
-          <a:solidFill>
-            <a:schemeClr val="accent4">
-              <a:lumMod val="40000"/>
-              <a:lumOff val="60000"/>
-            </a:schemeClr>
-          </a:solidFill>
-        </p:spPr>
-        <p:style>
-          <a:lnRef idx="2">
-            <a:schemeClr val="accent1">
-              <a:shade val="50000"/>
-            </a:schemeClr>
-          </a:lnRef>
-          <a:fillRef idx="1">
-            <a:schemeClr val="accent1"/>
-          </a:fillRef>
-          <a:effectRef idx="0">
-            <a:schemeClr val="accent1"/>
-          </a:effectRef>
-          <a:fontRef idx="minor">
-            <a:schemeClr val="lt1"/>
-          </a:fontRef>
-        </p:style>
-        <p:txBody>
-          <a:bodyPr rtlCol="0" anchor="ctr"/>
-          <a:p>
-            <a:pPr algn="ctr"/>
-            <a:endParaRPr lang="zh-CN" altLang="en-US"/>
-          </a:p>
-        </p:txBody>
-      </p:sp>
-      <p:sp>
-        <p:nvSpPr>
-          <p:cNvPr id="18" name="矩形 17"/>
-          <p:cNvSpPr/>
-          <p:nvPr/>
-        </p:nvSpPr>
-        <p:spPr>
-          <a:xfrm>
-            <a:off x="6672580" y="3813810"/>
-            <a:ext cx="2017395" cy="1266190"/>
-          </a:xfrm>
-          <a:prstGeom prst="rect">
-            <a:avLst/>
-          </a:prstGeom>
-          <a:solidFill>
-            <a:schemeClr val="accent4">
-              <a:lumMod val="40000"/>
-              <a:lumOff val="60000"/>
-            </a:schemeClr>
-          </a:solidFill>
-        </p:spPr>
-        <p:style>
-          <a:lnRef idx="2">
-            <a:schemeClr val="accent1">
-              <a:shade val="50000"/>
-            </a:schemeClr>
-          </a:lnRef>
-          <a:fillRef idx="1">
-            <a:schemeClr val="accent1"/>
-          </a:fillRef>
-          <a:effectRef idx="0">
-            <a:schemeClr val="accent1"/>
-          </a:effectRef>
-          <a:fontRef idx="minor">
-            <a:schemeClr val="lt1"/>
-          </a:fontRef>
-        </p:style>
-        <p:txBody>
-          <a:bodyPr rtlCol="0" anchor="ctr"/>
-          <a:p>
-            <a:pPr algn="ctr"/>
-            <a:endParaRPr lang="zh-CN" altLang="en-US"/>
-          </a:p>
-        </p:txBody>
-      </p:sp>
-      <p:sp>
-        <p:nvSpPr>
-          <p:cNvPr id="19" name="矩形 18"/>
-          <p:cNvSpPr/>
-          <p:nvPr/>
-        </p:nvSpPr>
-        <p:spPr>
-          <a:xfrm>
-            <a:off x="2660650" y="4525645"/>
-            <a:ext cx="3491865" cy="441960"/>
-          </a:xfrm>
-          <a:prstGeom prst="rect">
-            <a:avLst/>
-          </a:prstGeom>
-          <a:solidFill>
-            <a:schemeClr val="bg1"/>
-          </a:solidFill>
-        </p:spPr>
-        <p:style>
-          <a:lnRef idx="2">
-            <a:schemeClr val="accent1">
-              <a:shade val="50000"/>
-            </a:schemeClr>
-          </a:lnRef>
-          <a:fillRef idx="1">
-            <a:schemeClr val="accent1"/>
-          </a:fillRef>
-          <a:effectRef idx="0">
-            <a:schemeClr val="accent1"/>
-          </a:effectRef>
-          <a:fontRef idx="minor">
-            <a:schemeClr val="lt1"/>
-          </a:fontRef>
-        </p:style>
-        <p:txBody>
-          <a:bodyPr rtlCol="0" anchor="ctr"/>
-          <a:p>
-            <a:pPr algn="ctr"/>
-            <a:r>
-              <a:rPr lang="en-US" altLang="zh-CN">
-                <a:solidFill>
-                  <a:schemeClr val="tx1"/>
-                </a:solidFill>
-              </a:rPr>
-              <a:t>HDFS</a:t>
-            </a:r>
-            <a:endParaRPr lang="en-US" altLang="zh-CN">
-              <a:solidFill>
-                <a:schemeClr val="tx1"/>
-              </a:solidFill>
-            </a:endParaRPr>
-          </a:p>
-        </p:txBody>
-      </p:sp>
-      <p:sp>
-        <p:nvSpPr>
-          <p:cNvPr id="20" name="矩形 19"/>
-          <p:cNvSpPr/>
-          <p:nvPr/>
-        </p:nvSpPr>
-        <p:spPr>
-          <a:xfrm>
-            <a:off x="2660650" y="3971290"/>
-            <a:ext cx="1078230" cy="441960"/>
-          </a:xfrm>
-          <a:prstGeom prst="rect">
-            <a:avLst/>
-          </a:prstGeom>
-          <a:solidFill>
-            <a:schemeClr val="bg1"/>
-          </a:solidFill>
-        </p:spPr>
-        <p:style>
-          <a:lnRef idx="2">
-            <a:schemeClr val="accent1">
-              <a:shade val="50000"/>
-            </a:schemeClr>
-          </a:lnRef>
-          <a:fillRef idx="1">
-            <a:schemeClr val="accent1"/>
-          </a:fillRef>
-          <a:effectRef idx="0">
-            <a:schemeClr val="accent1"/>
-          </a:effectRef>
-          <a:fontRef idx="minor">
-            <a:schemeClr val="lt1"/>
-          </a:fontRef>
-        </p:style>
-        <p:txBody>
-          <a:bodyPr rtlCol="0" anchor="ctr"/>
-          <a:p>
-            <a:pPr algn="ctr"/>
-            <a:r>
-              <a:rPr lang="en-US" altLang="zh-CN">
-                <a:solidFill>
-                  <a:schemeClr val="tx1"/>
-                </a:solidFill>
-              </a:rPr>
-              <a:t>Hive</a:t>
-            </a:r>
-            <a:endParaRPr lang="en-US" altLang="zh-CN">
-              <a:solidFill>
-                <a:schemeClr val="tx1"/>
-              </a:solidFill>
-            </a:endParaRPr>
-          </a:p>
-        </p:txBody>
-      </p:sp>
-      <p:sp>
-        <p:nvSpPr>
-          <p:cNvPr id="21" name="矩形 20"/>
-          <p:cNvSpPr/>
-          <p:nvPr/>
-        </p:nvSpPr>
-        <p:spPr>
-          <a:xfrm>
-            <a:off x="3837305" y="3971290"/>
-            <a:ext cx="1078230" cy="441960"/>
-          </a:xfrm>
-          <a:prstGeom prst="rect">
-            <a:avLst/>
-          </a:prstGeom>
-          <a:solidFill>
-            <a:schemeClr val="bg1"/>
-          </a:solidFill>
-        </p:spPr>
-        <p:style>
-          <a:lnRef idx="2">
-            <a:schemeClr val="accent1">
-              <a:shade val="50000"/>
-            </a:schemeClr>
-          </a:lnRef>
-          <a:fillRef idx="1">
-            <a:schemeClr val="accent1"/>
-          </a:fillRef>
-          <a:effectRef idx="0">
-            <a:schemeClr val="accent1"/>
-          </a:effectRef>
-          <a:fontRef idx="minor">
-            <a:schemeClr val="lt1"/>
-          </a:fontRef>
-        </p:style>
-        <p:txBody>
-          <a:bodyPr rtlCol="0" anchor="ctr"/>
-          <a:p>
-            <a:pPr algn="ctr"/>
-            <a:r>
-              <a:rPr lang="en-US" altLang="zh-CN">
-                <a:solidFill>
-                  <a:schemeClr val="tx1"/>
-                </a:solidFill>
-              </a:rPr>
-              <a:t>Spark</a:t>
-            </a:r>
-            <a:endParaRPr lang="en-US" altLang="zh-CN">
-              <a:solidFill>
-                <a:schemeClr val="tx1"/>
-              </a:solidFill>
-            </a:endParaRPr>
-          </a:p>
-          <a:p>
-            <a:pPr algn="ctr"/>
-            <a:r>
-              <a:rPr lang="en-US" altLang="zh-CN">
-                <a:solidFill>
-                  <a:schemeClr val="tx1"/>
-                </a:solidFill>
-              </a:rPr>
-              <a:t>SQL</a:t>
-            </a:r>
-            <a:endParaRPr lang="en-US" altLang="zh-CN">
-              <a:solidFill>
-                <a:schemeClr val="tx1"/>
-              </a:solidFill>
-            </a:endParaRPr>
-          </a:p>
-        </p:txBody>
-      </p:sp>
-      <p:sp>
-        <p:nvSpPr>
-          <p:cNvPr id="22" name="矩形 21"/>
-          <p:cNvSpPr/>
-          <p:nvPr/>
-        </p:nvSpPr>
-        <p:spPr>
-          <a:xfrm>
-            <a:off x="5074285" y="3971290"/>
-            <a:ext cx="1078230" cy="441960"/>
-          </a:xfrm>
-          <a:prstGeom prst="rect">
-            <a:avLst/>
-          </a:prstGeom>
-          <a:solidFill>
-            <a:schemeClr val="bg1"/>
-          </a:solidFill>
-        </p:spPr>
-        <p:style>
-          <a:lnRef idx="2">
-            <a:schemeClr val="accent1">
-              <a:shade val="50000"/>
-            </a:schemeClr>
-          </a:lnRef>
-          <a:fillRef idx="1">
-            <a:schemeClr val="accent1"/>
-          </a:fillRef>
-          <a:effectRef idx="0">
-            <a:schemeClr val="accent1"/>
-          </a:effectRef>
-          <a:fontRef idx="minor">
-            <a:schemeClr val="lt1"/>
-          </a:fontRef>
-        </p:style>
-        <p:txBody>
-          <a:bodyPr rtlCol="0" anchor="ctr"/>
-          <a:p>
-            <a:pPr algn="ctr"/>
-            <a:r>
-              <a:rPr lang="en-US" altLang="zh-CN">
-                <a:solidFill>
-                  <a:schemeClr val="tx1"/>
-                </a:solidFill>
-              </a:rPr>
-              <a:t>Spark</a:t>
-            </a:r>
-            <a:endParaRPr lang="en-US" altLang="zh-CN">
-              <a:solidFill>
-                <a:schemeClr val="tx1"/>
-              </a:solidFill>
-            </a:endParaRPr>
-          </a:p>
-          <a:p>
-            <a:pPr algn="ctr"/>
-            <a:r>
-              <a:rPr lang="en-US" altLang="zh-CN">
-                <a:solidFill>
-                  <a:schemeClr val="tx1"/>
-                </a:solidFill>
-              </a:rPr>
-              <a:t>SQL</a:t>
-            </a:r>
-            <a:endParaRPr lang="en-US" altLang="zh-CN">
-              <a:solidFill>
-                <a:schemeClr val="tx1"/>
-              </a:solidFill>
-            </a:endParaRPr>
-          </a:p>
-        </p:txBody>
-      </p:sp>
-      <p:sp>
-        <p:nvSpPr>
-          <p:cNvPr id="23" name="矩形 22"/>
-          <p:cNvSpPr/>
-          <p:nvPr/>
-        </p:nvSpPr>
-        <p:spPr>
-          <a:xfrm>
-            <a:off x="6983095" y="3971290"/>
-            <a:ext cx="1373505" cy="441960"/>
-          </a:xfrm>
-          <a:prstGeom prst="rect">
-            <a:avLst/>
-          </a:prstGeom>
-          <a:solidFill>
-            <a:schemeClr val="bg1"/>
-          </a:solidFill>
-        </p:spPr>
-        <p:style>
-          <a:lnRef idx="2">
-            <a:schemeClr val="accent1">
-              <a:shade val="50000"/>
-            </a:schemeClr>
-          </a:lnRef>
-          <a:fillRef idx="1">
-            <a:schemeClr val="accent1"/>
-          </a:fillRef>
-          <a:effectRef idx="0">
-            <a:schemeClr val="accent1"/>
-          </a:effectRef>
-          <a:fontRef idx="minor">
-            <a:schemeClr val="lt1"/>
-          </a:fontRef>
-        </p:style>
-        <p:txBody>
-          <a:bodyPr rtlCol="0" anchor="ctr"/>
-          <a:p>
-            <a:pPr algn="ctr"/>
-            <a:r>
-              <a:rPr lang="en-US" altLang="zh-CN">
-                <a:solidFill>
-                  <a:schemeClr val="tx1"/>
-                </a:solidFill>
-              </a:rPr>
-              <a:t>Spark</a:t>
-            </a:r>
-            <a:endParaRPr lang="en-US" altLang="zh-CN">
-              <a:solidFill>
-                <a:schemeClr val="tx1"/>
-              </a:solidFill>
-            </a:endParaRPr>
-          </a:p>
-          <a:p>
-            <a:pPr algn="ctr"/>
-            <a:r>
-              <a:rPr lang="en-US" altLang="zh-CN">
-                <a:solidFill>
-                  <a:schemeClr val="tx1"/>
-                </a:solidFill>
-              </a:rPr>
-              <a:t>Streming</a:t>
-            </a:r>
-            <a:endParaRPr lang="en-US" altLang="zh-CN">
-              <a:solidFill>
-                <a:schemeClr val="tx1"/>
-              </a:solidFill>
-            </a:endParaRPr>
-          </a:p>
-        </p:txBody>
-      </p:sp>
-      <p:sp>
-        <p:nvSpPr>
-          <p:cNvPr id="24" name="矩形 23"/>
-          <p:cNvSpPr/>
-          <p:nvPr/>
-        </p:nvSpPr>
-        <p:spPr>
-          <a:xfrm>
-            <a:off x="6983095" y="4525645"/>
-            <a:ext cx="1374140" cy="441960"/>
-          </a:xfrm>
-          <a:prstGeom prst="rect">
-            <a:avLst/>
-          </a:prstGeom>
-          <a:solidFill>
-            <a:schemeClr val="bg1"/>
-          </a:solidFill>
-        </p:spPr>
-        <p:style>
-          <a:lnRef idx="2">
-            <a:schemeClr val="accent1">
-              <a:shade val="50000"/>
-            </a:schemeClr>
-          </a:lnRef>
-          <a:fillRef idx="1">
-            <a:schemeClr val="accent1"/>
-          </a:fillRef>
-          <a:effectRef idx="0">
-            <a:schemeClr val="accent1"/>
-          </a:effectRef>
-          <a:fontRef idx="minor">
-            <a:schemeClr val="lt1"/>
-          </a:fontRef>
-        </p:style>
-        <p:txBody>
-          <a:bodyPr rtlCol="0" anchor="ctr"/>
-          <a:p>
-            <a:pPr algn="ctr"/>
-            <a:r>
-              <a:rPr lang="en-US" altLang="zh-CN">
-                <a:solidFill>
-                  <a:schemeClr val="tx1"/>
-                </a:solidFill>
-              </a:rPr>
-              <a:t>Kafka</a:t>
-            </a:r>
-            <a:endParaRPr lang="en-US" altLang="zh-CN">
-              <a:solidFill>
-                <a:schemeClr val="tx1"/>
-              </a:solidFill>
-            </a:endParaRPr>
-          </a:p>
-        </p:txBody>
-      </p:sp>
-      <p:sp>
-        <p:nvSpPr>
-          <p:cNvPr id="25" name="矩形 24"/>
-          <p:cNvSpPr/>
-          <p:nvPr/>
-        </p:nvSpPr>
-        <p:spPr>
-          <a:xfrm>
-            <a:off x="2660650" y="2741930"/>
-            <a:ext cx="1078230" cy="441960"/>
-          </a:xfrm>
-          <a:prstGeom prst="rect">
-            <a:avLst/>
-          </a:prstGeom>
-          <a:solidFill>
-            <a:schemeClr val="bg1"/>
-          </a:solidFill>
-        </p:spPr>
-        <p:style>
-          <a:lnRef idx="2">
-            <a:schemeClr val="accent1">
-              <a:shade val="50000"/>
-            </a:schemeClr>
-          </a:lnRef>
-          <a:fillRef idx="1">
-            <a:schemeClr val="accent1"/>
-          </a:fillRef>
-          <a:effectRef idx="0">
-            <a:schemeClr val="accent1"/>
-          </a:effectRef>
-          <a:fontRef idx="minor">
-            <a:schemeClr val="lt1"/>
-          </a:fontRef>
-        </p:style>
-        <p:txBody>
-          <a:bodyPr rtlCol="0" anchor="ctr"/>
-          <a:p>
-            <a:pPr algn="ctr"/>
-            <a:r>
-              <a:rPr lang="en-US" altLang="zh-CN">
-                <a:solidFill>
-                  <a:schemeClr val="tx1"/>
-                </a:solidFill>
-              </a:rPr>
-              <a:t>RDBMS</a:t>
-            </a:r>
-            <a:endParaRPr lang="en-US" altLang="zh-CN">
-              <a:solidFill>
-                <a:schemeClr val="tx1"/>
-              </a:solidFill>
-            </a:endParaRPr>
-          </a:p>
-        </p:txBody>
-      </p:sp>
-      <p:sp>
-        <p:nvSpPr>
-          <p:cNvPr id="26" name="矩形 25"/>
-          <p:cNvSpPr/>
-          <p:nvPr/>
-        </p:nvSpPr>
-        <p:spPr>
-          <a:xfrm>
-            <a:off x="3837305" y="2741930"/>
-            <a:ext cx="1078230" cy="441960"/>
-          </a:xfrm>
-          <a:prstGeom prst="rect">
-            <a:avLst/>
-          </a:prstGeom>
-          <a:solidFill>
-            <a:schemeClr val="bg1"/>
-          </a:solidFill>
-        </p:spPr>
-        <p:style>
-          <a:lnRef idx="2">
-            <a:schemeClr val="accent1">
-              <a:shade val="50000"/>
-            </a:schemeClr>
-          </a:lnRef>
-          <a:fillRef idx="1">
-            <a:schemeClr val="accent1"/>
-          </a:fillRef>
-          <a:effectRef idx="0">
-            <a:schemeClr val="accent1"/>
-          </a:effectRef>
-          <a:fontRef idx="minor">
-            <a:schemeClr val="lt1"/>
-          </a:fontRef>
-        </p:style>
-        <p:txBody>
-          <a:bodyPr rtlCol="0" anchor="ctr"/>
-          <a:p>
-            <a:pPr algn="ctr"/>
-            <a:r>
-              <a:rPr lang="en-US" altLang="zh-CN">
-                <a:solidFill>
-                  <a:schemeClr val="tx1"/>
-                </a:solidFill>
-              </a:rPr>
-              <a:t>Redis</a:t>
-            </a:r>
-            <a:endParaRPr lang="en-US" altLang="zh-CN">
-              <a:solidFill>
-                <a:schemeClr val="tx1"/>
-              </a:solidFill>
-            </a:endParaRPr>
-          </a:p>
-        </p:txBody>
-      </p:sp>
-      <p:sp>
-        <p:nvSpPr>
-          <p:cNvPr id="27" name="矩形 26"/>
-          <p:cNvSpPr/>
-          <p:nvPr/>
-        </p:nvSpPr>
-        <p:spPr>
-          <a:xfrm>
-            <a:off x="5074285" y="2741930"/>
-            <a:ext cx="1078230" cy="441960"/>
-          </a:xfrm>
-          <a:prstGeom prst="rect">
-            <a:avLst/>
-          </a:prstGeom>
-          <a:solidFill>
-            <a:schemeClr val="bg1"/>
-          </a:solidFill>
-        </p:spPr>
-        <p:style>
-          <a:lnRef idx="2">
-            <a:schemeClr val="accent1">
-              <a:shade val="50000"/>
-            </a:schemeClr>
-          </a:lnRef>
-          <a:fillRef idx="1">
-            <a:schemeClr val="accent1"/>
-          </a:fillRef>
-          <a:effectRef idx="0">
-            <a:schemeClr val="accent1"/>
-          </a:effectRef>
-          <a:fontRef idx="minor">
-            <a:schemeClr val="lt1"/>
-          </a:fontRef>
-        </p:style>
-        <p:txBody>
-          <a:bodyPr rtlCol="0" anchor="ctr"/>
-          <a:p>
-            <a:pPr algn="ctr"/>
-            <a:r>
-              <a:rPr lang="en-US" altLang="zh-CN">
-                <a:solidFill>
-                  <a:schemeClr val="tx1"/>
-                </a:solidFill>
-              </a:rPr>
-              <a:t>Mongo</a:t>
-            </a:r>
-            <a:endParaRPr lang="en-US" altLang="zh-CN">
-              <a:solidFill>
-                <a:schemeClr val="tx1"/>
-              </a:solidFill>
-            </a:endParaRPr>
-          </a:p>
-        </p:txBody>
-      </p:sp>
-      <p:sp>
-        <p:nvSpPr>
-          <p:cNvPr id="28" name="矩形 27"/>
-          <p:cNvSpPr/>
-          <p:nvPr/>
-        </p:nvSpPr>
-        <p:spPr>
-          <a:xfrm>
-            <a:off x="6484620" y="2741930"/>
-            <a:ext cx="1078230" cy="441960"/>
-          </a:xfrm>
-          <a:prstGeom prst="rect">
-            <a:avLst/>
-          </a:prstGeom>
-          <a:solidFill>
-            <a:schemeClr val="bg1"/>
-          </a:solidFill>
-        </p:spPr>
-        <p:style>
-          <a:lnRef idx="2">
-            <a:schemeClr val="accent1">
-              <a:shade val="50000"/>
-            </a:schemeClr>
-          </a:lnRef>
-          <a:fillRef idx="1">
-            <a:schemeClr val="accent1"/>
-          </a:fillRef>
-          <a:effectRef idx="0">
-            <a:schemeClr val="accent1"/>
-          </a:effectRef>
-          <a:fontRef idx="minor">
-            <a:schemeClr val="lt1"/>
-          </a:fontRef>
-        </p:style>
-        <p:txBody>
-          <a:bodyPr rtlCol="0" anchor="ctr"/>
-          <a:p>
-            <a:pPr algn="ctr"/>
-            <a:r>
-              <a:rPr lang="en-US" altLang="zh-CN">
-                <a:solidFill>
-                  <a:schemeClr val="tx1"/>
-                </a:solidFill>
-              </a:rPr>
-              <a:t>Hbase</a:t>
-            </a:r>
-            <a:endParaRPr lang="en-US" altLang="zh-CN">
-              <a:solidFill>
-                <a:schemeClr val="tx1"/>
-              </a:solidFill>
-            </a:endParaRPr>
-          </a:p>
-        </p:txBody>
-      </p:sp>
-      <p:sp>
-        <p:nvSpPr>
-          <p:cNvPr id="29" name="矩形 28"/>
-          <p:cNvSpPr/>
-          <p:nvPr/>
-        </p:nvSpPr>
-        <p:spPr>
-          <a:xfrm>
-            <a:off x="2660650" y="1513840"/>
-            <a:ext cx="1078230" cy="441960"/>
-          </a:xfrm>
-          <a:prstGeom prst="rect">
-            <a:avLst/>
-          </a:prstGeom>
-          <a:solidFill>
-            <a:schemeClr val="bg1"/>
-          </a:solidFill>
-        </p:spPr>
-        <p:style>
-          <a:lnRef idx="2">
-            <a:schemeClr val="accent1">
-              <a:shade val="50000"/>
-            </a:schemeClr>
-          </a:lnRef>
-          <a:fillRef idx="1">
-            <a:schemeClr val="accent1"/>
-          </a:fillRef>
-          <a:effectRef idx="0">
-            <a:schemeClr val="accent1"/>
-          </a:effectRef>
-          <a:fontRef idx="minor">
-            <a:schemeClr val="lt1"/>
-          </a:fontRef>
-        </p:style>
-        <p:txBody>
-          <a:bodyPr rtlCol="0" anchor="ctr"/>
-          <a:p>
-            <a:pPr algn="ctr"/>
-            <a:r>
-              <a:rPr lang="zh-CN" altLang="en-US">
-                <a:solidFill>
-                  <a:schemeClr val="tx1"/>
-                </a:solidFill>
-              </a:rPr>
-              <a:t>报表</a:t>
-            </a:r>
-            <a:endParaRPr lang="zh-CN" altLang="en-US">
-              <a:solidFill>
-                <a:schemeClr val="tx1"/>
-              </a:solidFill>
-            </a:endParaRPr>
-          </a:p>
-        </p:txBody>
-      </p:sp>
-      <p:sp>
-        <p:nvSpPr>
-          <p:cNvPr id="30" name="矩形 29"/>
-          <p:cNvSpPr/>
-          <p:nvPr/>
-        </p:nvSpPr>
-        <p:spPr>
-          <a:xfrm>
-            <a:off x="3837305" y="1513840"/>
-            <a:ext cx="1415415" cy="441960"/>
-          </a:xfrm>
-          <a:prstGeom prst="rect">
-            <a:avLst/>
-          </a:prstGeom>
-          <a:solidFill>
-            <a:schemeClr val="bg1"/>
-          </a:solidFill>
-        </p:spPr>
-        <p:style>
-          <a:lnRef idx="2">
-            <a:schemeClr val="accent1">
-              <a:shade val="50000"/>
-            </a:schemeClr>
-          </a:lnRef>
-          <a:fillRef idx="1">
-            <a:schemeClr val="accent1"/>
-          </a:fillRef>
-          <a:effectRef idx="0">
-            <a:schemeClr val="accent1"/>
-          </a:effectRef>
-          <a:fontRef idx="minor">
-            <a:schemeClr val="lt1"/>
-          </a:fontRef>
-        </p:style>
-        <p:txBody>
-          <a:bodyPr rtlCol="0" anchor="ctr"/>
-          <a:p>
-            <a:pPr algn="ctr"/>
-            <a:r>
-              <a:rPr lang="zh-CN" altLang="en-US">
-                <a:solidFill>
-                  <a:schemeClr val="tx1"/>
-                </a:solidFill>
-              </a:rPr>
-              <a:t>数据可视化</a:t>
-            </a:r>
-            <a:endParaRPr lang="zh-CN" altLang="en-US">
-              <a:solidFill>
-                <a:schemeClr val="tx1"/>
-              </a:solidFill>
-            </a:endParaRPr>
-          </a:p>
-        </p:txBody>
-      </p:sp>
-      <p:sp>
-        <p:nvSpPr>
-          <p:cNvPr id="31" name="矩形 30"/>
-          <p:cNvSpPr/>
-          <p:nvPr/>
-        </p:nvSpPr>
-        <p:spPr>
-          <a:xfrm>
-            <a:off x="5441315" y="1512570"/>
-            <a:ext cx="1106170" cy="441960"/>
-          </a:xfrm>
-          <a:prstGeom prst="rect">
-            <a:avLst/>
-          </a:prstGeom>
-          <a:solidFill>
-            <a:schemeClr val="bg1"/>
-          </a:solidFill>
-        </p:spPr>
-        <p:style>
-          <a:lnRef idx="2">
-            <a:schemeClr val="accent1">
-              <a:shade val="50000"/>
-            </a:schemeClr>
-          </a:lnRef>
-          <a:fillRef idx="1">
-            <a:schemeClr val="accent1"/>
-          </a:fillRef>
-          <a:effectRef idx="0">
-            <a:schemeClr val="accent1"/>
-          </a:effectRef>
-          <a:fontRef idx="minor">
-            <a:schemeClr val="lt1"/>
-          </a:fontRef>
-        </p:style>
-        <p:txBody>
-          <a:bodyPr rtlCol="0" anchor="ctr"/>
-          <a:p>
-            <a:pPr algn="ctr"/>
-            <a:r>
-              <a:rPr lang="zh-CN" altLang="en-US">
-                <a:solidFill>
-                  <a:schemeClr val="tx1"/>
-                </a:solidFill>
-              </a:rPr>
-              <a:t>接口</a:t>
-            </a:r>
-            <a:endParaRPr lang="zh-CN" altLang="en-US">
-              <a:solidFill>
-                <a:schemeClr val="tx1"/>
-              </a:solidFill>
-            </a:endParaRPr>
-          </a:p>
-        </p:txBody>
-      </p:sp>
-      <p:sp>
-        <p:nvSpPr>
-          <p:cNvPr id="32" name="矩形 31"/>
-          <p:cNvSpPr/>
-          <p:nvPr/>
-        </p:nvSpPr>
-        <p:spPr>
-          <a:xfrm>
-            <a:off x="6672580" y="1513840"/>
-            <a:ext cx="1106170" cy="441960"/>
-          </a:xfrm>
-          <a:prstGeom prst="rect">
-            <a:avLst/>
-          </a:prstGeom>
-          <a:solidFill>
-            <a:schemeClr val="bg1"/>
-          </a:solidFill>
-        </p:spPr>
-        <p:style>
-          <a:lnRef idx="2">
-            <a:schemeClr val="accent1">
-              <a:shade val="50000"/>
-            </a:schemeClr>
-          </a:lnRef>
-          <a:fillRef idx="1">
-            <a:schemeClr val="accent1"/>
-          </a:fillRef>
-          <a:effectRef idx="0">
-            <a:schemeClr val="accent1"/>
-          </a:effectRef>
-          <a:fontRef idx="minor">
-            <a:schemeClr val="lt1"/>
-          </a:fontRef>
-        </p:style>
-        <p:txBody>
-          <a:bodyPr rtlCol="0" anchor="ctr"/>
-          <a:p>
-            <a:pPr algn="ctr"/>
-            <a:r>
-              <a:rPr lang="zh-CN" altLang="en-US">
-                <a:solidFill>
-                  <a:schemeClr val="tx1"/>
-                </a:solidFill>
-              </a:rPr>
-              <a:t>实时查询</a:t>
-            </a:r>
-            <a:endParaRPr lang="zh-CN" altLang="en-US">
-              <a:solidFill>
-                <a:schemeClr val="tx1"/>
-              </a:solidFill>
-            </a:endParaRPr>
-          </a:p>
-        </p:txBody>
-      </p:sp>
-      <p:sp>
-        <p:nvSpPr>
-          <p:cNvPr id="34" name="文本框 33"/>
+              <a:rPr lang="en-US" altLang="zh-CN"/>
+              <a:t>hue</a:t>
+            </a:r>
+            <a:endParaRPr lang="en-US" altLang="zh-CN"/>
+          </a:p>
+        </p:txBody>
+      </p:sp>
+      <p:sp>
+        <p:nvSpPr>
+          <p:cNvPr id="10" name="文本框 9"/>
           <p:cNvSpPr txBox="1"/>
           <p:nvPr/>
         </p:nvSpPr>
         <p:spPr>
           <a:xfrm>
-            <a:off x="776605" y="1646555"/>
-            <a:ext cx="1097280" cy="368300"/>
+            <a:off x="650875" y="615315"/>
+            <a:ext cx="868680" cy="368300"/>
           </a:xfrm>
           <a:prstGeom prst="rect">
             <a:avLst/>
@@ -7733,362 +9814,13 @@
           <a:p>
             <a:r>
               <a:rPr lang="zh-CN" altLang="en-US"/>
-              <a:t>数据应用</a:t>
+              <a:t>逻辑图</a:t>
             </a:r>
             <a:endParaRPr lang="zh-CN" altLang="en-US"/>
           </a:p>
         </p:txBody>
       </p:sp>
-      <p:sp>
-        <p:nvSpPr>
-          <p:cNvPr id="35" name="文本框 34"/>
-          <p:cNvSpPr txBox="1"/>
-          <p:nvPr/>
-        </p:nvSpPr>
-        <p:spPr>
-          <a:xfrm>
-            <a:off x="776605" y="2741930"/>
-            <a:ext cx="1097280" cy="368300"/>
-          </a:xfrm>
-          <a:prstGeom prst="rect">
-            <a:avLst/>
-          </a:prstGeom>
-          <a:noFill/>
-        </p:spPr>
-        <p:txBody>
-          <a:bodyPr wrap="none" rtlCol="0">
-            <a:spAutoFit/>
-          </a:bodyPr>
-          <a:p>
-            <a:r>
-              <a:rPr lang="zh-CN" altLang="en-US"/>
-              <a:t>数据共享</a:t>
-            </a:r>
-            <a:endParaRPr lang="zh-CN" altLang="en-US"/>
-          </a:p>
-        </p:txBody>
-      </p:sp>
-      <p:sp>
-        <p:nvSpPr>
-          <p:cNvPr id="36" name="文本框 35"/>
-          <p:cNvSpPr txBox="1"/>
-          <p:nvPr/>
-        </p:nvSpPr>
-        <p:spPr>
-          <a:xfrm>
-            <a:off x="776605" y="4124325"/>
-            <a:ext cx="1097280" cy="645160"/>
-          </a:xfrm>
-          <a:prstGeom prst="rect">
-            <a:avLst/>
-          </a:prstGeom>
-          <a:noFill/>
-        </p:spPr>
-        <p:txBody>
-          <a:bodyPr wrap="none" rtlCol="0">
-            <a:spAutoFit/>
-          </a:bodyPr>
-          <a:p>
-            <a:r>
-              <a:rPr lang="zh-CN" altLang="en-US"/>
-              <a:t>数据存储</a:t>
-            </a:r>
-            <a:endParaRPr lang="zh-CN" altLang="en-US"/>
-          </a:p>
-          <a:p>
-            <a:r>
-              <a:rPr lang="zh-CN" altLang="en-US"/>
-              <a:t>数据分析</a:t>
-            </a:r>
-            <a:endParaRPr lang="zh-CN" altLang="en-US"/>
-          </a:p>
-        </p:txBody>
-      </p:sp>
-      <p:sp>
-        <p:nvSpPr>
-          <p:cNvPr id="37" name="文本框 36"/>
-          <p:cNvSpPr txBox="1"/>
-          <p:nvPr/>
-        </p:nvSpPr>
-        <p:spPr>
-          <a:xfrm>
-            <a:off x="776605" y="5790565"/>
-            <a:ext cx="1097280" cy="368300"/>
-          </a:xfrm>
-          <a:prstGeom prst="rect">
-            <a:avLst/>
-          </a:prstGeom>
-          <a:noFill/>
-        </p:spPr>
-        <p:txBody>
-          <a:bodyPr wrap="none" rtlCol="0">
-            <a:spAutoFit/>
-          </a:bodyPr>
-          <a:p>
-            <a:r>
-              <a:rPr lang="zh-CN" altLang="en-US"/>
-              <a:t>数据采集</a:t>
-            </a:r>
-            <a:endParaRPr lang="zh-CN" altLang="en-US"/>
-          </a:p>
-        </p:txBody>
-      </p:sp>
-      <p:cxnSp>
-        <p:nvCxnSpPr>
-          <p:cNvPr id="38" name="直接连接符 37"/>
-          <p:cNvCxnSpPr/>
-          <p:nvPr/>
-        </p:nvCxnSpPr>
-        <p:spPr>
-          <a:xfrm flipV="1">
-            <a:off x="692150" y="5360035"/>
-            <a:ext cx="8825230" cy="9525"/>
-          </a:xfrm>
-          <a:prstGeom prst="line">
-            <a:avLst/>
-          </a:prstGeom>
-        </p:spPr>
-        <p:style>
-          <a:lnRef idx="1">
-            <a:schemeClr val="accent1"/>
-          </a:lnRef>
-          <a:fillRef idx="0">
-            <a:schemeClr val="accent1"/>
-          </a:fillRef>
-          <a:effectRef idx="0">
-            <a:schemeClr val="accent1"/>
-          </a:effectRef>
-          <a:fontRef idx="minor">
-            <a:schemeClr val="tx1"/>
-          </a:fontRef>
-        </p:style>
-      </p:cxnSp>
-      <p:cxnSp>
-        <p:nvCxnSpPr>
-          <p:cNvPr id="39" name="直接连接符 38"/>
-          <p:cNvCxnSpPr/>
-          <p:nvPr/>
-        </p:nvCxnSpPr>
-        <p:spPr>
-          <a:xfrm flipV="1">
-            <a:off x="692150" y="3552825"/>
-            <a:ext cx="8825230" cy="9525"/>
-          </a:xfrm>
-          <a:prstGeom prst="line">
-            <a:avLst/>
-          </a:prstGeom>
-        </p:spPr>
-        <p:style>
-          <a:lnRef idx="1">
-            <a:schemeClr val="accent1"/>
-          </a:lnRef>
-          <a:fillRef idx="0">
-            <a:schemeClr val="accent1"/>
-          </a:fillRef>
-          <a:effectRef idx="0">
-            <a:schemeClr val="accent1"/>
-          </a:effectRef>
-          <a:fontRef idx="minor">
-            <a:schemeClr val="tx1"/>
-          </a:fontRef>
-        </p:style>
-      </p:cxnSp>
-      <p:cxnSp>
-        <p:nvCxnSpPr>
-          <p:cNvPr id="40" name="直接连接符 39"/>
-          <p:cNvCxnSpPr/>
-          <p:nvPr/>
-        </p:nvCxnSpPr>
-        <p:spPr>
-          <a:xfrm flipV="1">
-            <a:off x="692150" y="2315210"/>
-            <a:ext cx="8825230" cy="9525"/>
-          </a:xfrm>
-          <a:prstGeom prst="line">
-            <a:avLst/>
-          </a:prstGeom>
-        </p:spPr>
-        <p:style>
-          <a:lnRef idx="1">
-            <a:schemeClr val="accent1"/>
-          </a:lnRef>
-          <a:fillRef idx="0">
-            <a:schemeClr val="accent1"/>
-          </a:fillRef>
-          <a:effectRef idx="0">
-            <a:schemeClr val="accent1"/>
-          </a:effectRef>
-          <a:fontRef idx="minor">
-            <a:schemeClr val="tx1"/>
-          </a:fontRef>
-        </p:style>
-      </p:cxnSp>
-      <p:sp>
-        <p:nvSpPr>
-          <p:cNvPr id="41" name="矩形 40"/>
-          <p:cNvSpPr/>
-          <p:nvPr/>
-        </p:nvSpPr>
-        <p:spPr>
-          <a:xfrm>
-            <a:off x="2687320" y="5195570"/>
-            <a:ext cx="1078230" cy="335915"/>
-          </a:xfrm>
-          <a:prstGeom prst="rect">
-            <a:avLst/>
-          </a:prstGeom>
-          <a:solidFill>
-            <a:schemeClr val="bg1"/>
-          </a:solidFill>
-        </p:spPr>
-        <p:style>
-          <a:lnRef idx="2">
-            <a:schemeClr val="accent1">
-              <a:shade val="50000"/>
-            </a:schemeClr>
-          </a:lnRef>
-          <a:fillRef idx="1">
-            <a:schemeClr val="accent1"/>
-          </a:fillRef>
-          <a:effectRef idx="0">
-            <a:schemeClr val="accent1"/>
-          </a:effectRef>
-          <a:fontRef idx="minor">
-            <a:schemeClr val="lt1"/>
-          </a:fontRef>
-        </p:style>
-        <p:txBody>
-          <a:bodyPr rtlCol="0" anchor="ctr"/>
-          <a:p>
-            <a:pPr algn="ctr"/>
-            <a:r>
-              <a:rPr lang="en-US" altLang="zh-CN">
-                <a:solidFill>
-                  <a:schemeClr val="tx1"/>
-                </a:solidFill>
-              </a:rPr>
-              <a:t>Sqoop</a:t>
-            </a:r>
-            <a:endParaRPr lang="en-US" altLang="zh-CN">
-              <a:solidFill>
-                <a:schemeClr val="tx1"/>
-              </a:solidFill>
-            </a:endParaRPr>
-          </a:p>
-        </p:txBody>
-      </p:sp>
-      <p:sp>
-        <p:nvSpPr>
-          <p:cNvPr id="42" name="矩形 41"/>
-          <p:cNvSpPr/>
-          <p:nvPr/>
-        </p:nvSpPr>
-        <p:spPr>
-          <a:xfrm>
-            <a:off x="4006215" y="5196840"/>
-            <a:ext cx="1078230" cy="335915"/>
-          </a:xfrm>
-          <a:prstGeom prst="rect">
-            <a:avLst/>
-          </a:prstGeom>
-          <a:solidFill>
-            <a:schemeClr val="bg1"/>
-          </a:solidFill>
-        </p:spPr>
-        <p:style>
-          <a:lnRef idx="2">
-            <a:schemeClr val="accent1">
-              <a:shade val="50000"/>
-            </a:schemeClr>
-          </a:lnRef>
-          <a:fillRef idx="1">
-            <a:schemeClr val="accent1"/>
-          </a:fillRef>
-          <a:effectRef idx="0">
-            <a:schemeClr val="accent1"/>
-          </a:effectRef>
-          <a:fontRef idx="minor">
-            <a:schemeClr val="lt1"/>
-          </a:fontRef>
-        </p:style>
-        <p:txBody>
-          <a:bodyPr rtlCol="0" anchor="ctr"/>
-          <a:p>
-            <a:pPr algn="ctr"/>
-            <a:r>
-              <a:rPr lang="en-US" altLang="zh-CN">
-                <a:solidFill>
-                  <a:schemeClr val="tx1"/>
-                </a:solidFill>
-              </a:rPr>
-              <a:t>Flume</a:t>
-            </a:r>
-            <a:endParaRPr lang="en-US" altLang="zh-CN">
-              <a:solidFill>
-                <a:schemeClr val="tx1"/>
-              </a:solidFill>
-            </a:endParaRPr>
-          </a:p>
-        </p:txBody>
-      </p:sp>
-      <p:sp>
-        <p:nvSpPr>
-          <p:cNvPr id="43" name="矩形 42"/>
-          <p:cNvSpPr/>
-          <p:nvPr/>
-        </p:nvSpPr>
-        <p:spPr>
-          <a:xfrm>
-            <a:off x="2533650" y="3389630"/>
-            <a:ext cx="1078230" cy="335915"/>
-          </a:xfrm>
-          <a:prstGeom prst="rect">
-            <a:avLst/>
-          </a:prstGeom>
-          <a:solidFill>
-            <a:schemeClr val="bg1"/>
-          </a:solidFill>
-        </p:spPr>
-        <p:style>
-          <a:lnRef idx="2">
-            <a:schemeClr val="accent1">
-              <a:shade val="50000"/>
-            </a:schemeClr>
-          </a:lnRef>
-          <a:fillRef idx="1">
-            <a:schemeClr val="accent1"/>
-          </a:fillRef>
-          <a:effectRef idx="0">
-            <a:schemeClr val="accent1"/>
-          </a:effectRef>
-          <a:fontRef idx="minor">
-            <a:schemeClr val="lt1"/>
-          </a:fontRef>
-        </p:style>
-        <p:txBody>
-          <a:bodyPr rtlCol="0" anchor="ctr"/>
-          <a:p>
-            <a:pPr algn="ctr"/>
-            <a:r>
-              <a:rPr lang="en-US" altLang="zh-CN">
-                <a:solidFill>
-                  <a:schemeClr val="tx1"/>
-                </a:solidFill>
-              </a:rPr>
-              <a:t>Sqoop</a:t>
-            </a:r>
-            <a:endParaRPr lang="en-US" altLang="zh-CN">
-              <a:solidFill>
-                <a:schemeClr val="tx1"/>
-              </a:solidFill>
-            </a:endParaRPr>
-          </a:p>
-        </p:txBody>
-      </p:sp>
     </p:spTree>
-    <p:custDataLst>
-      <p:tags r:id="rId1"/>
-    </p:custDataLst>
   </p:cSld>
   <p:clrMapOvr>
     <a:masterClrMapping/>
@@ -8096,7 +9828,7 @@
 </p:sld>
 </file>
 
-<file path=ppt/slides/slide5.xml><?xml version="1.0" encoding="utf-8"?>
+<file path=ppt/slides/slide7.xml><?xml version="1.0" encoding="utf-8"?>
 <p:sld xmlns:a="http://schemas.openxmlformats.org/drawingml/2006/main" xmlns:r="http://schemas.openxmlformats.org/officeDocument/2006/relationships" xmlns:p="http://schemas.openxmlformats.org/presentationml/2006/main">
   <p:cSld>
     <p:spTree>
@@ -8115,6 +9847,1570 @@
       </p:grpSpPr>
       <p:sp>
         <p:nvSpPr>
+          <p:cNvPr id="62" name="圆角矩形 61"/>
+          <p:cNvSpPr/>
+          <p:nvPr/>
+        </p:nvSpPr>
+        <p:spPr>
+          <a:xfrm>
+            <a:off x="6786880" y="3262630"/>
+            <a:ext cx="1328420" cy="1122680"/>
+          </a:xfrm>
+          <a:prstGeom prst="roundRect">
+            <a:avLst/>
+          </a:prstGeom>
+          <a:ln w="12700" cmpd="sng">
+            <a:solidFill>
+              <a:schemeClr val="accent1">
+                <a:shade val="50000"/>
+              </a:schemeClr>
+            </a:solidFill>
+            <a:prstDash val="lgDashDot"/>
+          </a:ln>
+        </p:spPr>
+        <p:style>
+          <a:lnRef idx="2">
+            <a:schemeClr val="accent1"/>
+          </a:lnRef>
+          <a:fillRef idx="1">
+            <a:schemeClr val="lt1"/>
+          </a:fillRef>
+          <a:effectRef idx="0">
+            <a:schemeClr val="accent1"/>
+          </a:effectRef>
+          <a:fontRef idx="minor">
+            <a:schemeClr val="dk1"/>
+          </a:fontRef>
+        </p:style>
+        <p:txBody>
+          <a:bodyPr rtlCol="0" anchor="ctr"/>
+          <a:p>
+            <a:pPr algn="ctr"/>
+            <a:endParaRPr lang="zh-CN" altLang="en-US" dirty="0"/>
+          </a:p>
+        </p:txBody>
+      </p:sp>
+      <p:sp>
+        <p:nvSpPr>
+          <p:cNvPr id="53" name="圆角矩形 52"/>
+          <p:cNvSpPr/>
+          <p:nvPr/>
+        </p:nvSpPr>
+        <p:spPr>
+          <a:xfrm>
+            <a:off x="2618105" y="3246755"/>
+            <a:ext cx="3804920" cy="1138555"/>
+          </a:xfrm>
+          <a:prstGeom prst="roundRect">
+            <a:avLst/>
+          </a:prstGeom>
+          <a:ln w="12700" cmpd="sng">
+            <a:solidFill>
+              <a:schemeClr val="accent1">
+                <a:shade val="50000"/>
+              </a:schemeClr>
+            </a:solidFill>
+            <a:prstDash val="lgDashDot"/>
+          </a:ln>
+        </p:spPr>
+        <p:style>
+          <a:lnRef idx="2">
+            <a:schemeClr val="accent1"/>
+          </a:lnRef>
+          <a:fillRef idx="1">
+            <a:schemeClr val="lt1"/>
+          </a:fillRef>
+          <a:effectRef idx="0">
+            <a:schemeClr val="accent1"/>
+          </a:effectRef>
+          <a:fontRef idx="minor">
+            <a:schemeClr val="dk1"/>
+          </a:fontRef>
+        </p:style>
+        <p:txBody>
+          <a:bodyPr rtlCol="0" anchor="ctr"/>
+          <a:p>
+            <a:pPr algn="ctr"/>
+            <a:endParaRPr lang="zh-CN" altLang="en-US" dirty="0"/>
+          </a:p>
+        </p:txBody>
+      </p:sp>
+      <p:sp>
+        <p:nvSpPr>
+          <p:cNvPr id="4" name="圆角矩形 3"/>
+          <p:cNvSpPr/>
+          <p:nvPr/>
+        </p:nvSpPr>
+        <p:spPr>
+          <a:xfrm>
+            <a:off x="2618105" y="1043940"/>
+            <a:ext cx="5496560" cy="647065"/>
+          </a:xfrm>
+          <a:prstGeom prst="roundRect">
+            <a:avLst/>
+          </a:prstGeom>
+          <a:ln w="12700" cmpd="sng">
+            <a:solidFill>
+              <a:schemeClr val="accent1">
+                <a:shade val="50000"/>
+              </a:schemeClr>
+            </a:solidFill>
+            <a:prstDash val="lgDashDot"/>
+          </a:ln>
+        </p:spPr>
+        <p:style>
+          <a:lnRef idx="2">
+            <a:schemeClr val="accent1"/>
+          </a:lnRef>
+          <a:fillRef idx="1">
+            <a:schemeClr val="lt1"/>
+          </a:fillRef>
+          <a:effectRef idx="0">
+            <a:schemeClr val="accent1"/>
+          </a:effectRef>
+          <a:fontRef idx="minor">
+            <a:schemeClr val="dk1"/>
+          </a:fontRef>
+        </p:style>
+        <p:txBody>
+          <a:bodyPr rtlCol="0" anchor="ctr"/>
+          <a:p>
+            <a:pPr algn="ctr"/>
+            <a:endParaRPr lang="zh-CN" altLang="en-US" dirty="0"/>
+          </a:p>
+        </p:txBody>
+      </p:sp>
+      <p:sp>
+        <p:nvSpPr>
+          <p:cNvPr id="5" name="矩形 4"/>
+          <p:cNvSpPr/>
+          <p:nvPr/>
+        </p:nvSpPr>
+        <p:spPr>
+          <a:xfrm>
+            <a:off x="9028430" y="1438910"/>
+            <a:ext cx="609600" cy="3780155"/>
+          </a:xfrm>
+          <a:prstGeom prst="rect">
+            <a:avLst/>
+          </a:prstGeom>
+          <a:solidFill>
+            <a:schemeClr val="accent5">
+              <a:lumMod val="40000"/>
+              <a:lumOff val="60000"/>
+            </a:schemeClr>
+          </a:solidFill>
+        </p:spPr>
+        <p:style>
+          <a:lnRef idx="2">
+            <a:schemeClr val="accent1">
+              <a:shade val="50000"/>
+            </a:schemeClr>
+          </a:lnRef>
+          <a:fillRef idx="1">
+            <a:schemeClr val="accent1"/>
+          </a:fillRef>
+          <a:effectRef idx="0">
+            <a:schemeClr val="accent1"/>
+          </a:effectRef>
+          <a:fontRef idx="minor">
+            <a:schemeClr val="lt1"/>
+          </a:fontRef>
+        </p:style>
+        <p:txBody>
+          <a:bodyPr vert="eaVert" rtlCol="0" anchor="ctr"/>
+          <a:p>
+            <a:pPr algn="ctr"/>
+            <a:r>
+              <a:rPr lang="en-US" altLang="zh-CN">
+                <a:solidFill>
+                  <a:schemeClr val="tx1"/>
+                </a:solidFill>
+              </a:rPr>
+              <a:t>Zookeeper</a:t>
+            </a:r>
+            <a:endParaRPr lang="en-US" altLang="zh-CN">
+              <a:solidFill>
+                <a:schemeClr val="tx1"/>
+              </a:solidFill>
+            </a:endParaRPr>
+          </a:p>
+        </p:txBody>
+      </p:sp>
+      <p:sp>
+        <p:nvSpPr>
+          <p:cNvPr id="6" name="矩形 5"/>
+          <p:cNvSpPr/>
+          <p:nvPr/>
+        </p:nvSpPr>
+        <p:spPr>
+          <a:xfrm>
+            <a:off x="9900920" y="1421765"/>
+            <a:ext cx="609600" cy="3778885"/>
+          </a:xfrm>
+          <a:prstGeom prst="rect">
+            <a:avLst/>
+          </a:prstGeom>
+          <a:solidFill>
+            <a:schemeClr val="accent6">
+              <a:lumMod val="40000"/>
+              <a:lumOff val="60000"/>
+            </a:schemeClr>
+          </a:solidFill>
+        </p:spPr>
+        <p:style>
+          <a:lnRef idx="2">
+            <a:schemeClr val="accent1">
+              <a:shade val="50000"/>
+            </a:schemeClr>
+          </a:lnRef>
+          <a:fillRef idx="1">
+            <a:schemeClr val="accent1"/>
+          </a:fillRef>
+          <a:effectRef idx="0">
+            <a:schemeClr val="accent1"/>
+          </a:effectRef>
+          <a:fontRef idx="minor">
+            <a:schemeClr val="lt1"/>
+          </a:fontRef>
+        </p:style>
+        <p:txBody>
+          <a:bodyPr rtlCol="0" anchor="ctr"/>
+          <a:p>
+            <a:pPr algn="ctr"/>
+            <a:r>
+              <a:rPr lang="zh-CN" altLang="en-US">
+                <a:solidFill>
+                  <a:schemeClr val="tx1"/>
+                </a:solidFill>
+              </a:rPr>
+              <a:t>任务调度与监控</a:t>
+            </a:r>
+            <a:endParaRPr lang="zh-CN" altLang="en-US">
+              <a:solidFill>
+                <a:schemeClr val="tx1"/>
+              </a:solidFill>
+            </a:endParaRPr>
+          </a:p>
+        </p:txBody>
+      </p:sp>
+      <p:sp>
+        <p:nvSpPr>
+          <p:cNvPr id="34" name="文本框 33"/>
+          <p:cNvSpPr txBox="1"/>
+          <p:nvPr/>
+        </p:nvSpPr>
+        <p:spPr>
+          <a:xfrm>
+            <a:off x="998855" y="1122045"/>
+            <a:ext cx="1097280" cy="368300"/>
+          </a:xfrm>
+          <a:prstGeom prst="rect">
+            <a:avLst/>
+          </a:prstGeom>
+          <a:noFill/>
+        </p:spPr>
+        <p:txBody>
+          <a:bodyPr wrap="none" rtlCol="0">
+            <a:spAutoFit/>
+          </a:bodyPr>
+          <a:p>
+            <a:r>
+              <a:rPr lang="zh-CN" altLang="en-US"/>
+              <a:t>数据应用</a:t>
+            </a:r>
+            <a:endParaRPr lang="zh-CN" altLang="en-US"/>
+          </a:p>
+        </p:txBody>
+      </p:sp>
+      <p:sp>
+        <p:nvSpPr>
+          <p:cNvPr id="35" name="文本框 34"/>
+          <p:cNvSpPr txBox="1"/>
+          <p:nvPr/>
+        </p:nvSpPr>
+        <p:spPr>
+          <a:xfrm>
+            <a:off x="998855" y="2110740"/>
+            <a:ext cx="1097280" cy="368300"/>
+          </a:xfrm>
+          <a:prstGeom prst="rect">
+            <a:avLst/>
+          </a:prstGeom>
+          <a:noFill/>
+        </p:spPr>
+        <p:txBody>
+          <a:bodyPr wrap="none" rtlCol="0">
+            <a:spAutoFit/>
+          </a:bodyPr>
+          <a:p>
+            <a:r>
+              <a:rPr lang="zh-CN" altLang="en-US"/>
+              <a:t>数据共享</a:t>
+            </a:r>
+            <a:endParaRPr lang="zh-CN" altLang="en-US"/>
+          </a:p>
+        </p:txBody>
+      </p:sp>
+      <p:sp>
+        <p:nvSpPr>
+          <p:cNvPr id="36" name="文本框 35"/>
+          <p:cNvSpPr txBox="1"/>
+          <p:nvPr/>
+        </p:nvSpPr>
+        <p:spPr>
+          <a:xfrm>
+            <a:off x="998855" y="3493135"/>
+            <a:ext cx="1097280" cy="645160"/>
+          </a:xfrm>
+          <a:prstGeom prst="rect">
+            <a:avLst/>
+          </a:prstGeom>
+          <a:noFill/>
+        </p:spPr>
+        <p:txBody>
+          <a:bodyPr wrap="none" rtlCol="0">
+            <a:spAutoFit/>
+          </a:bodyPr>
+          <a:p>
+            <a:r>
+              <a:rPr lang="zh-CN" altLang="en-US"/>
+              <a:t>数据存储</a:t>
+            </a:r>
+            <a:endParaRPr lang="zh-CN" altLang="en-US"/>
+          </a:p>
+          <a:p>
+            <a:r>
+              <a:rPr lang="zh-CN" altLang="en-US"/>
+              <a:t>数据分析</a:t>
+            </a:r>
+            <a:endParaRPr lang="zh-CN" altLang="en-US"/>
+          </a:p>
+        </p:txBody>
+      </p:sp>
+      <p:sp>
+        <p:nvSpPr>
+          <p:cNvPr id="37" name="文本框 36"/>
+          <p:cNvSpPr txBox="1"/>
+          <p:nvPr/>
+        </p:nvSpPr>
+        <p:spPr>
+          <a:xfrm>
+            <a:off x="998855" y="5141595"/>
+            <a:ext cx="1097280" cy="368300"/>
+          </a:xfrm>
+          <a:prstGeom prst="rect">
+            <a:avLst/>
+          </a:prstGeom>
+          <a:noFill/>
+        </p:spPr>
+        <p:txBody>
+          <a:bodyPr wrap="none" rtlCol="0">
+            <a:spAutoFit/>
+          </a:bodyPr>
+          <a:p>
+            <a:r>
+              <a:rPr lang="zh-CN" altLang="en-US"/>
+              <a:t>数据采集</a:t>
+            </a:r>
+            <a:endParaRPr lang="zh-CN" altLang="en-US"/>
+          </a:p>
+        </p:txBody>
+      </p:sp>
+      <p:cxnSp>
+        <p:nvCxnSpPr>
+          <p:cNvPr id="38" name="直接连接符 37"/>
+          <p:cNvCxnSpPr/>
+          <p:nvPr/>
+        </p:nvCxnSpPr>
+        <p:spPr>
+          <a:xfrm flipV="1">
+            <a:off x="692150" y="4732655"/>
+            <a:ext cx="8115300" cy="5715"/>
+          </a:xfrm>
+          <a:prstGeom prst="line">
+            <a:avLst/>
+          </a:prstGeom>
+        </p:spPr>
+        <p:style>
+          <a:lnRef idx="1">
+            <a:schemeClr val="accent1"/>
+          </a:lnRef>
+          <a:fillRef idx="0">
+            <a:schemeClr val="accent1"/>
+          </a:fillRef>
+          <a:effectRef idx="0">
+            <a:schemeClr val="accent1"/>
+          </a:effectRef>
+          <a:fontRef idx="minor">
+            <a:schemeClr val="tx1"/>
+          </a:fontRef>
+        </p:style>
+      </p:cxnSp>
+      <p:cxnSp>
+        <p:nvCxnSpPr>
+          <p:cNvPr id="39" name="直接连接符 38"/>
+          <p:cNvCxnSpPr/>
+          <p:nvPr/>
+        </p:nvCxnSpPr>
+        <p:spPr>
+          <a:xfrm flipV="1">
+            <a:off x="692150" y="2917825"/>
+            <a:ext cx="8039735" cy="13335"/>
+          </a:xfrm>
+          <a:prstGeom prst="line">
+            <a:avLst/>
+          </a:prstGeom>
+        </p:spPr>
+        <p:style>
+          <a:lnRef idx="1">
+            <a:schemeClr val="accent1"/>
+          </a:lnRef>
+          <a:fillRef idx="0">
+            <a:schemeClr val="accent1"/>
+          </a:fillRef>
+          <a:effectRef idx="0">
+            <a:schemeClr val="accent1"/>
+          </a:effectRef>
+          <a:fontRef idx="minor">
+            <a:schemeClr val="tx1"/>
+          </a:fontRef>
+        </p:style>
+      </p:cxnSp>
+      <p:cxnSp>
+        <p:nvCxnSpPr>
+          <p:cNvPr id="40" name="直接连接符 39"/>
+          <p:cNvCxnSpPr/>
+          <p:nvPr/>
+        </p:nvCxnSpPr>
+        <p:spPr>
+          <a:xfrm flipV="1">
+            <a:off x="692150" y="1776730"/>
+            <a:ext cx="8105775" cy="23495"/>
+          </a:xfrm>
+          <a:prstGeom prst="line">
+            <a:avLst/>
+          </a:prstGeom>
+        </p:spPr>
+        <p:style>
+          <a:lnRef idx="1">
+            <a:schemeClr val="accent1"/>
+          </a:lnRef>
+          <a:fillRef idx="0">
+            <a:schemeClr val="accent1"/>
+          </a:fillRef>
+          <a:effectRef idx="0">
+            <a:schemeClr val="accent1"/>
+          </a:effectRef>
+          <a:fontRef idx="minor">
+            <a:schemeClr val="tx1"/>
+          </a:fontRef>
+        </p:style>
+      </p:cxnSp>
+      <p:sp>
+        <p:nvSpPr>
+          <p:cNvPr id="2" name="圆角矩形 1"/>
+          <p:cNvSpPr/>
+          <p:nvPr/>
+        </p:nvSpPr>
+        <p:spPr>
+          <a:xfrm>
+            <a:off x="2701290" y="1152525"/>
+            <a:ext cx="1232535" cy="444500"/>
+          </a:xfrm>
+          <a:prstGeom prst="roundRect">
+            <a:avLst/>
+          </a:prstGeom>
+          <a:solidFill>
+            <a:schemeClr val="accent1">
+              <a:lumMod val="40000"/>
+              <a:lumOff val="60000"/>
+            </a:schemeClr>
+          </a:solidFill>
+        </p:spPr>
+        <p:style>
+          <a:lnRef idx="2">
+            <a:schemeClr val="accent1">
+              <a:shade val="50000"/>
+            </a:schemeClr>
+          </a:lnRef>
+          <a:fillRef idx="1">
+            <a:schemeClr val="accent1"/>
+          </a:fillRef>
+          <a:effectRef idx="0">
+            <a:schemeClr val="accent1"/>
+          </a:effectRef>
+          <a:fontRef idx="minor">
+            <a:schemeClr val="lt1"/>
+          </a:fontRef>
+        </p:style>
+        <p:txBody>
+          <a:bodyPr rtlCol="0" anchor="ctr"/>
+          <a:p>
+            <a:pPr algn="ctr"/>
+            <a:r>
+              <a:rPr lang="zh-CN" altLang="en-US"/>
+              <a:t>报表统计</a:t>
+            </a:r>
+            <a:endParaRPr lang="zh-CN" altLang="en-US"/>
+          </a:p>
+        </p:txBody>
+      </p:sp>
+      <p:sp>
+        <p:nvSpPr>
+          <p:cNvPr id="3" name="圆角矩形 2"/>
+          <p:cNvSpPr/>
+          <p:nvPr/>
+        </p:nvSpPr>
+        <p:spPr>
+          <a:xfrm>
+            <a:off x="4062730" y="1152525"/>
+            <a:ext cx="1398270" cy="444500"/>
+          </a:xfrm>
+          <a:prstGeom prst="roundRect">
+            <a:avLst/>
+          </a:prstGeom>
+          <a:solidFill>
+            <a:schemeClr val="accent1">
+              <a:lumMod val="40000"/>
+              <a:lumOff val="60000"/>
+            </a:schemeClr>
+          </a:solidFill>
+        </p:spPr>
+        <p:style>
+          <a:lnRef idx="2">
+            <a:schemeClr val="accent1">
+              <a:shade val="50000"/>
+            </a:schemeClr>
+          </a:lnRef>
+          <a:fillRef idx="1">
+            <a:schemeClr val="accent1"/>
+          </a:fillRef>
+          <a:effectRef idx="0">
+            <a:schemeClr val="accent1"/>
+          </a:effectRef>
+          <a:fontRef idx="minor">
+            <a:schemeClr val="lt1"/>
+          </a:fontRef>
+        </p:style>
+        <p:txBody>
+          <a:bodyPr rtlCol="0" anchor="ctr"/>
+          <a:p>
+            <a:pPr algn="ctr"/>
+            <a:r>
+              <a:rPr lang="zh-CN" altLang="en-US"/>
+              <a:t>数据可视化</a:t>
+            </a:r>
+            <a:endParaRPr lang="zh-CN" altLang="en-US"/>
+          </a:p>
+        </p:txBody>
+      </p:sp>
+      <p:sp>
+        <p:nvSpPr>
+          <p:cNvPr id="9" name="圆角矩形 8"/>
+          <p:cNvSpPr/>
+          <p:nvPr/>
+        </p:nvSpPr>
+        <p:spPr>
+          <a:xfrm>
+            <a:off x="5572760" y="1152525"/>
+            <a:ext cx="1139825" cy="444500"/>
+          </a:xfrm>
+          <a:prstGeom prst="roundRect">
+            <a:avLst/>
+          </a:prstGeom>
+          <a:solidFill>
+            <a:schemeClr val="accent1">
+              <a:lumMod val="40000"/>
+              <a:lumOff val="60000"/>
+            </a:schemeClr>
+          </a:solidFill>
+        </p:spPr>
+        <p:style>
+          <a:lnRef idx="2">
+            <a:schemeClr val="accent1">
+              <a:shade val="50000"/>
+            </a:schemeClr>
+          </a:lnRef>
+          <a:fillRef idx="1">
+            <a:schemeClr val="accent1"/>
+          </a:fillRef>
+          <a:effectRef idx="0">
+            <a:schemeClr val="accent1"/>
+          </a:effectRef>
+          <a:fontRef idx="minor">
+            <a:schemeClr val="lt1"/>
+          </a:fontRef>
+        </p:style>
+        <p:txBody>
+          <a:bodyPr rtlCol="0" anchor="ctr"/>
+          <a:p>
+            <a:pPr algn="ctr"/>
+            <a:r>
+              <a:rPr lang="en-US" altLang="zh-CN"/>
+              <a:t>API</a:t>
+            </a:r>
+            <a:r>
+              <a:rPr lang="zh-CN" altLang="en-US"/>
+              <a:t>接口</a:t>
+            </a:r>
+            <a:endParaRPr lang="zh-CN" altLang="en-US"/>
+          </a:p>
+        </p:txBody>
+      </p:sp>
+      <p:sp>
+        <p:nvSpPr>
+          <p:cNvPr id="10" name="圆角矩形 9"/>
+          <p:cNvSpPr/>
+          <p:nvPr/>
+        </p:nvSpPr>
+        <p:spPr>
+          <a:xfrm>
+            <a:off x="6838315" y="1152525"/>
+            <a:ext cx="1153160" cy="444500"/>
+          </a:xfrm>
+          <a:prstGeom prst="roundRect">
+            <a:avLst/>
+          </a:prstGeom>
+          <a:solidFill>
+            <a:schemeClr val="accent1">
+              <a:lumMod val="40000"/>
+              <a:lumOff val="60000"/>
+            </a:schemeClr>
+          </a:solidFill>
+        </p:spPr>
+        <p:style>
+          <a:lnRef idx="2">
+            <a:schemeClr val="accent1">
+              <a:shade val="50000"/>
+            </a:schemeClr>
+          </a:lnRef>
+          <a:fillRef idx="1">
+            <a:schemeClr val="accent1"/>
+          </a:fillRef>
+          <a:effectRef idx="0">
+            <a:schemeClr val="accent1"/>
+          </a:effectRef>
+          <a:fontRef idx="minor">
+            <a:schemeClr val="lt1"/>
+          </a:fontRef>
+        </p:style>
+        <p:txBody>
+          <a:bodyPr rtlCol="0" anchor="ctr"/>
+          <a:p>
+            <a:pPr algn="ctr"/>
+            <a:r>
+              <a:rPr lang="zh-CN" altLang="en-US"/>
+              <a:t>实时查询</a:t>
+            </a:r>
+            <a:endParaRPr lang="zh-CN" altLang="en-US"/>
+          </a:p>
+        </p:txBody>
+      </p:sp>
+      <p:sp>
+        <p:nvSpPr>
+          <p:cNvPr id="15" name="圆角矩形 14"/>
+          <p:cNvSpPr/>
+          <p:nvPr/>
+        </p:nvSpPr>
+        <p:spPr>
+          <a:xfrm>
+            <a:off x="2618105" y="1971040"/>
+            <a:ext cx="5496560" cy="647065"/>
+          </a:xfrm>
+          <a:prstGeom prst="roundRect">
+            <a:avLst/>
+          </a:prstGeom>
+          <a:ln w="12700" cmpd="sng">
+            <a:solidFill>
+              <a:schemeClr val="accent1">
+                <a:shade val="50000"/>
+              </a:schemeClr>
+            </a:solidFill>
+            <a:prstDash val="lgDashDot"/>
+          </a:ln>
+        </p:spPr>
+        <p:style>
+          <a:lnRef idx="2">
+            <a:schemeClr val="accent1"/>
+          </a:lnRef>
+          <a:fillRef idx="1">
+            <a:schemeClr val="lt1"/>
+          </a:fillRef>
+          <a:effectRef idx="0">
+            <a:schemeClr val="accent1"/>
+          </a:effectRef>
+          <a:fontRef idx="minor">
+            <a:schemeClr val="dk1"/>
+          </a:fontRef>
+        </p:style>
+        <p:txBody>
+          <a:bodyPr rtlCol="0" anchor="ctr"/>
+          <a:p>
+            <a:pPr algn="ctr"/>
+            <a:endParaRPr lang="zh-CN" altLang="en-US" dirty="0"/>
+          </a:p>
+        </p:txBody>
+      </p:sp>
+      <p:sp>
+        <p:nvSpPr>
+          <p:cNvPr id="33" name="圆角矩形 32"/>
+          <p:cNvSpPr/>
+          <p:nvPr/>
+        </p:nvSpPr>
+        <p:spPr>
+          <a:xfrm>
+            <a:off x="2701290" y="2079625"/>
+            <a:ext cx="1232535" cy="444500"/>
+          </a:xfrm>
+          <a:prstGeom prst="roundRect">
+            <a:avLst/>
+          </a:prstGeom>
+          <a:solidFill>
+            <a:schemeClr val="accent1">
+              <a:lumMod val="40000"/>
+              <a:lumOff val="60000"/>
+            </a:schemeClr>
+          </a:solidFill>
+        </p:spPr>
+        <p:style>
+          <a:lnRef idx="2">
+            <a:schemeClr val="accent1">
+              <a:shade val="50000"/>
+            </a:schemeClr>
+          </a:lnRef>
+          <a:fillRef idx="1">
+            <a:schemeClr val="accent1"/>
+          </a:fillRef>
+          <a:effectRef idx="0">
+            <a:schemeClr val="accent1"/>
+          </a:effectRef>
+          <a:fontRef idx="minor">
+            <a:schemeClr val="lt1"/>
+          </a:fontRef>
+        </p:style>
+        <p:txBody>
+          <a:bodyPr rtlCol="0" anchor="ctr"/>
+          <a:p>
+            <a:pPr algn="ctr"/>
+            <a:r>
+              <a:rPr lang="en-US" altLang="zh-CN"/>
+              <a:t>RDBMS</a:t>
+            </a:r>
+            <a:endParaRPr lang="en-US" altLang="zh-CN"/>
+          </a:p>
+        </p:txBody>
+      </p:sp>
+      <p:sp>
+        <p:nvSpPr>
+          <p:cNvPr id="44" name="圆角矩形 43"/>
+          <p:cNvSpPr/>
+          <p:nvPr/>
+        </p:nvSpPr>
+        <p:spPr>
+          <a:xfrm>
+            <a:off x="4062730" y="2079625"/>
+            <a:ext cx="1398270" cy="444500"/>
+          </a:xfrm>
+          <a:prstGeom prst="roundRect">
+            <a:avLst/>
+          </a:prstGeom>
+          <a:solidFill>
+            <a:schemeClr val="accent1">
+              <a:lumMod val="40000"/>
+              <a:lumOff val="60000"/>
+            </a:schemeClr>
+          </a:solidFill>
+        </p:spPr>
+        <p:style>
+          <a:lnRef idx="2">
+            <a:schemeClr val="accent1">
+              <a:shade val="50000"/>
+            </a:schemeClr>
+          </a:lnRef>
+          <a:fillRef idx="1">
+            <a:schemeClr val="accent1"/>
+          </a:fillRef>
+          <a:effectRef idx="0">
+            <a:schemeClr val="accent1"/>
+          </a:effectRef>
+          <a:fontRef idx="minor">
+            <a:schemeClr val="lt1"/>
+          </a:fontRef>
+        </p:style>
+        <p:txBody>
+          <a:bodyPr rtlCol="0" anchor="ctr"/>
+          <a:p>
+            <a:pPr algn="ctr"/>
+            <a:r>
+              <a:rPr lang="en-US" altLang="zh-CN"/>
+              <a:t>Redis</a:t>
+            </a:r>
+            <a:endParaRPr lang="en-US" altLang="zh-CN"/>
+          </a:p>
+        </p:txBody>
+      </p:sp>
+      <p:sp>
+        <p:nvSpPr>
+          <p:cNvPr id="45" name="圆角矩形 44"/>
+          <p:cNvSpPr/>
+          <p:nvPr/>
+        </p:nvSpPr>
+        <p:spPr>
+          <a:xfrm>
+            <a:off x="5572760" y="2079625"/>
+            <a:ext cx="1155700" cy="444500"/>
+          </a:xfrm>
+          <a:prstGeom prst="roundRect">
+            <a:avLst/>
+          </a:prstGeom>
+          <a:solidFill>
+            <a:schemeClr val="accent1">
+              <a:lumMod val="40000"/>
+              <a:lumOff val="60000"/>
+            </a:schemeClr>
+          </a:solidFill>
+        </p:spPr>
+        <p:style>
+          <a:lnRef idx="2">
+            <a:schemeClr val="accent1">
+              <a:shade val="50000"/>
+            </a:schemeClr>
+          </a:lnRef>
+          <a:fillRef idx="1">
+            <a:schemeClr val="accent1"/>
+          </a:fillRef>
+          <a:effectRef idx="0">
+            <a:schemeClr val="accent1"/>
+          </a:effectRef>
+          <a:fontRef idx="minor">
+            <a:schemeClr val="lt1"/>
+          </a:fontRef>
+        </p:style>
+        <p:txBody>
+          <a:bodyPr rtlCol="0" anchor="ctr"/>
+          <a:p>
+            <a:pPr algn="ctr"/>
+            <a:r>
+              <a:rPr lang="en-US" altLang="zh-CN"/>
+              <a:t>MongoDB</a:t>
+            </a:r>
+            <a:endParaRPr lang="en-US" altLang="zh-CN"/>
+          </a:p>
+        </p:txBody>
+      </p:sp>
+      <p:sp>
+        <p:nvSpPr>
+          <p:cNvPr id="46" name="圆角矩形 45"/>
+          <p:cNvSpPr/>
+          <p:nvPr/>
+        </p:nvSpPr>
+        <p:spPr>
+          <a:xfrm>
+            <a:off x="6838315" y="2079625"/>
+            <a:ext cx="1153160" cy="444500"/>
+          </a:xfrm>
+          <a:prstGeom prst="roundRect">
+            <a:avLst/>
+          </a:prstGeom>
+          <a:solidFill>
+            <a:schemeClr val="accent1">
+              <a:lumMod val="40000"/>
+              <a:lumOff val="60000"/>
+            </a:schemeClr>
+          </a:solidFill>
+        </p:spPr>
+        <p:style>
+          <a:lnRef idx="2">
+            <a:schemeClr val="accent1">
+              <a:shade val="50000"/>
+            </a:schemeClr>
+          </a:lnRef>
+          <a:fillRef idx="1">
+            <a:schemeClr val="accent1"/>
+          </a:fillRef>
+          <a:effectRef idx="0">
+            <a:schemeClr val="accent1"/>
+          </a:effectRef>
+          <a:fontRef idx="minor">
+            <a:schemeClr val="lt1"/>
+          </a:fontRef>
+        </p:style>
+        <p:txBody>
+          <a:bodyPr rtlCol="0" anchor="ctr"/>
+          <a:p>
+            <a:pPr algn="ctr"/>
+            <a:r>
+              <a:rPr lang="en-US" altLang="zh-CN"/>
+              <a:t>HBase</a:t>
+            </a:r>
+            <a:endParaRPr lang="en-US" altLang="zh-CN"/>
+          </a:p>
+        </p:txBody>
+      </p:sp>
+      <p:sp>
+        <p:nvSpPr>
+          <p:cNvPr id="47" name="圆角矩形 46"/>
+          <p:cNvSpPr/>
+          <p:nvPr/>
+        </p:nvSpPr>
+        <p:spPr>
+          <a:xfrm>
+            <a:off x="2687320" y="2713355"/>
+            <a:ext cx="1053465" cy="375285"/>
+          </a:xfrm>
+          <a:prstGeom prst="roundRect">
+            <a:avLst/>
+          </a:prstGeom>
+          <a:solidFill>
+            <a:schemeClr val="accent1">
+              <a:lumMod val="40000"/>
+              <a:lumOff val="60000"/>
+            </a:schemeClr>
+          </a:solidFill>
+        </p:spPr>
+        <p:style>
+          <a:lnRef idx="2">
+            <a:schemeClr val="accent1">
+              <a:shade val="50000"/>
+            </a:schemeClr>
+          </a:lnRef>
+          <a:fillRef idx="1">
+            <a:schemeClr val="accent1"/>
+          </a:fillRef>
+          <a:effectRef idx="0">
+            <a:schemeClr val="accent1"/>
+          </a:effectRef>
+          <a:fontRef idx="minor">
+            <a:schemeClr val="lt1"/>
+          </a:fontRef>
+        </p:style>
+        <p:txBody>
+          <a:bodyPr rtlCol="0" anchor="ctr"/>
+          <a:p>
+            <a:pPr algn="ctr"/>
+            <a:r>
+              <a:rPr lang="en-US" altLang="zh-CN"/>
+              <a:t>Sqoop</a:t>
+            </a:r>
+            <a:endParaRPr lang="en-US" altLang="zh-CN"/>
+          </a:p>
+        </p:txBody>
+      </p:sp>
+      <p:sp>
+        <p:nvSpPr>
+          <p:cNvPr id="49" name="圆角矩形 48"/>
+          <p:cNvSpPr/>
+          <p:nvPr/>
+        </p:nvSpPr>
+        <p:spPr>
+          <a:xfrm>
+            <a:off x="2767965" y="3851910"/>
+            <a:ext cx="3521710" cy="444500"/>
+          </a:xfrm>
+          <a:prstGeom prst="roundRect">
+            <a:avLst/>
+          </a:prstGeom>
+          <a:solidFill>
+            <a:schemeClr val="accent1">
+              <a:lumMod val="40000"/>
+              <a:lumOff val="60000"/>
+            </a:schemeClr>
+          </a:solidFill>
+        </p:spPr>
+        <p:style>
+          <a:lnRef idx="2">
+            <a:schemeClr val="accent1">
+              <a:shade val="50000"/>
+            </a:schemeClr>
+          </a:lnRef>
+          <a:fillRef idx="1">
+            <a:schemeClr val="accent1"/>
+          </a:fillRef>
+          <a:effectRef idx="0">
+            <a:schemeClr val="accent1"/>
+          </a:effectRef>
+          <a:fontRef idx="minor">
+            <a:schemeClr val="lt1"/>
+          </a:fontRef>
+        </p:style>
+        <p:txBody>
+          <a:bodyPr rtlCol="0" anchor="ctr"/>
+          <a:p>
+            <a:pPr algn="ctr"/>
+            <a:r>
+              <a:rPr lang="en-US" altLang="zh-CN"/>
+              <a:t>HDFS</a:t>
+            </a:r>
+            <a:endParaRPr lang="en-US" altLang="zh-CN"/>
+          </a:p>
+        </p:txBody>
+      </p:sp>
+      <p:sp>
+        <p:nvSpPr>
+          <p:cNvPr id="50" name="圆角矩形 49"/>
+          <p:cNvSpPr/>
+          <p:nvPr/>
+        </p:nvSpPr>
+        <p:spPr>
+          <a:xfrm>
+            <a:off x="2753995" y="3326765"/>
+            <a:ext cx="788670" cy="444500"/>
+          </a:xfrm>
+          <a:prstGeom prst="roundRect">
+            <a:avLst/>
+          </a:prstGeom>
+          <a:solidFill>
+            <a:schemeClr val="accent1">
+              <a:lumMod val="40000"/>
+              <a:lumOff val="60000"/>
+            </a:schemeClr>
+          </a:solidFill>
+        </p:spPr>
+        <p:style>
+          <a:lnRef idx="2">
+            <a:schemeClr val="accent1">
+              <a:shade val="50000"/>
+            </a:schemeClr>
+          </a:lnRef>
+          <a:fillRef idx="1">
+            <a:schemeClr val="accent1"/>
+          </a:fillRef>
+          <a:effectRef idx="0">
+            <a:schemeClr val="accent1"/>
+          </a:effectRef>
+          <a:fontRef idx="minor">
+            <a:schemeClr val="lt1"/>
+          </a:fontRef>
+        </p:style>
+        <p:txBody>
+          <a:bodyPr rtlCol="0" anchor="ctr"/>
+          <a:p>
+            <a:pPr algn="ctr"/>
+            <a:r>
+              <a:rPr lang="en-US" altLang="zh-CN"/>
+              <a:t>Hive</a:t>
+            </a:r>
+            <a:endParaRPr lang="en-US" altLang="zh-CN"/>
+          </a:p>
+        </p:txBody>
+      </p:sp>
+      <p:sp>
+        <p:nvSpPr>
+          <p:cNvPr id="51" name="圆角矩形 50"/>
+          <p:cNvSpPr/>
+          <p:nvPr/>
+        </p:nvSpPr>
+        <p:spPr>
+          <a:xfrm>
+            <a:off x="3669030" y="3326765"/>
+            <a:ext cx="1141095" cy="444500"/>
+          </a:xfrm>
+          <a:prstGeom prst="roundRect">
+            <a:avLst/>
+          </a:prstGeom>
+          <a:solidFill>
+            <a:schemeClr val="accent1">
+              <a:lumMod val="40000"/>
+              <a:lumOff val="60000"/>
+            </a:schemeClr>
+          </a:solidFill>
+        </p:spPr>
+        <p:style>
+          <a:lnRef idx="2">
+            <a:schemeClr val="accent1">
+              <a:shade val="50000"/>
+            </a:schemeClr>
+          </a:lnRef>
+          <a:fillRef idx="1">
+            <a:schemeClr val="accent1"/>
+          </a:fillRef>
+          <a:effectRef idx="0">
+            <a:schemeClr val="accent1"/>
+          </a:effectRef>
+          <a:fontRef idx="minor">
+            <a:schemeClr val="lt1"/>
+          </a:fontRef>
+        </p:style>
+        <p:txBody>
+          <a:bodyPr rtlCol="0" anchor="ctr"/>
+          <a:p>
+            <a:pPr algn="ctr"/>
+            <a:r>
+              <a:rPr lang="en-US" altLang="zh-CN"/>
+              <a:t>SparkSQL</a:t>
+            </a:r>
+            <a:endParaRPr lang="en-US" altLang="zh-CN"/>
+          </a:p>
+        </p:txBody>
+      </p:sp>
+      <p:sp>
+        <p:nvSpPr>
+          <p:cNvPr id="52" name="圆角矩形 51"/>
+          <p:cNvSpPr/>
+          <p:nvPr/>
+        </p:nvSpPr>
+        <p:spPr>
+          <a:xfrm>
+            <a:off x="4886325" y="3326765"/>
+            <a:ext cx="1402715" cy="444500"/>
+          </a:xfrm>
+          <a:prstGeom prst="roundRect">
+            <a:avLst/>
+          </a:prstGeom>
+          <a:solidFill>
+            <a:schemeClr val="accent1">
+              <a:lumMod val="40000"/>
+              <a:lumOff val="60000"/>
+            </a:schemeClr>
+          </a:solidFill>
+        </p:spPr>
+        <p:style>
+          <a:lnRef idx="2">
+            <a:schemeClr val="accent1">
+              <a:shade val="50000"/>
+            </a:schemeClr>
+          </a:lnRef>
+          <a:fillRef idx="1">
+            <a:schemeClr val="accent1"/>
+          </a:fillRef>
+          <a:effectRef idx="0">
+            <a:schemeClr val="accent1"/>
+          </a:effectRef>
+          <a:fontRef idx="minor">
+            <a:schemeClr val="lt1"/>
+          </a:fontRef>
+        </p:style>
+        <p:txBody>
+          <a:bodyPr rtlCol="0" anchor="ctr"/>
+          <a:p>
+            <a:pPr algn="ctr"/>
+            <a:r>
+              <a:rPr lang="en-US" altLang="zh-CN"/>
+              <a:t>MapReduce</a:t>
+            </a:r>
+            <a:endParaRPr lang="en-US" altLang="zh-CN"/>
+          </a:p>
+        </p:txBody>
+      </p:sp>
+      <p:sp>
+        <p:nvSpPr>
+          <p:cNvPr id="54" name="圆角矩形 53"/>
+          <p:cNvSpPr/>
+          <p:nvPr/>
+        </p:nvSpPr>
+        <p:spPr>
+          <a:xfrm>
+            <a:off x="2618105" y="5065395"/>
+            <a:ext cx="4234180" cy="647065"/>
+          </a:xfrm>
+          <a:prstGeom prst="roundRect">
+            <a:avLst/>
+          </a:prstGeom>
+          <a:ln w="12700" cmpd="sng">
+            <a:solidFill>
+              <a:schemeClr val="accent1">
+                <a:shade val="50000"/>
+              </a:schemeClr>
+            </a:solidFill>
+            <a:prstDash val="lgDashDot"/>
+          </a:ln>
+        </p:spPr>
+        <p:style>
+          <a:lnRef idx="2">
+            <a:schemeClr val="accent1"/>
+          </a:lnRef>
+          <a:fillRef idx="1">
+            <a:schemeClr val="lt1"/>
+          </a:fillRef>
+          <a:effectRef idx="0">
+            <a:schemeClr val="accent1"/>
+          </a:effectRef>
+          <a:fontRef idx="minor">
+            <a:schemeClr val="dk1"/>
+          </a:fontRef>
+        </p:style>
+        <p:txBody>
+          <a:bodyPr rtlCol="0" anchor="ctr"/>
+          <a:p>
+            <a:pPr algn="ctr"/>
+            <a:endParaRPr lang="zh-CN" altLang="en-US" dirty="0"/>
+          </a:p>
+        </p:txBody>
+      </p:sp>
+      <p:sp>
+        <p:nvSpPr>
+          <p:cNvPr id="55" name="圆角矩形 54"/>
+          <p:cNvSpPr/>
+          <p:nvPr/>
+        </p:nvSpPr>
+        <p:spPr>
+          <a:xfrm>
+            <a:off x="2701290" y="5173980"/>
+            <a:ext cx="1232535" cy="444500"/>
+          </a:xfrm>
+          <a:prstGeom prst="roundRect">
+            <a:avLst/>
+          </a:prstGeom>
+          <a:solidFill>
+            <a:schemeClr val="accent1">
+              <a:lumMod val="40000"/>
+              <a:lumOff val="60000"/>
+            </a:schemeClr>
+          </a:solidFill>
+        </p:spPr>
+        <p:style>
+          <a:lnRef idx="2">
+            <a:schemeClr val="accent1">
+              <a:shade val="50000"/>
+            </a:schemeClr>
+          </a:lnRef>
+          <a:fillRef idx="1">
+            <a:schemeClr val="accent1"/>
+          </a:fillRef>
+          <a:effectRef idx="0">
+            <a:schemeClr val="accent1"/>
+          </a:effectRef>
+          <a:fontRef idx="minor">
+            <a:schemeClr val="lt1"/>
+          </a:fontRef>
+        </p:style>
+        <p:txBody>
+          <a:bodyPr rtlCol="0" anchor="ctr"/>
+          <a:p>
+            <a:pPr algn="ctr"/>
+            <a:r>
+              <a:rPr lang="en-US" altLang="zh-CN"/>
+              <a:t>RDBMS</a:t>
+            </a:r>
+            <a:endParaRPr lang="en-US" altLang="zh-CN"/>
+          </a:p>
+        </p:txBody>
+      </p:sp>
+      <p:sp>
+        <p:nvSpPr>
+          <p:cNvPr id="56" name="圆角矩形 55"/>
+          <p:cNvSpPr/>
+          <p:nvPr/>
+        </p:nvSpPr>
+        <p:spPr>
+          <a:xfrm>
+            <a:off x="4062730" y="5173980"/>
+            <a:ext cx="1398270" cy="444500"/>
+          </a:xfrm>
+          <a:prstGeom prst="roundRect">
+            <a:avLst/>
+          </a:prstGeom>
+          <a:solidFill>
+            <a:schemeClr val="accent1">
+              <a:lumMod val="40000"/>
+              <a:lumOff val="60000"/>
+            </a:schemeClr>
+          </a:solidFill>
+        </p:spPr>
+        <p:style>
+          <a:lnRef idx="2">
+            <a:schemeClr val="accent1">
+              <a:shade val="50000"/>
+            </a:schemeClr>
+          </a:lnRef>
+          <a:fillRef idx="1">
+            <a:schemeClr val="accent1"/>
+          </a:fillRef>
+          <a:effectRef idx="0">
+            <a:schemeClr val="accent1"/>
+          </a:effectRef>
+          <a:fontRef idx="minor">
+            <a:schemeClr val="lt1"/>
+          </a:fontRef>
+        </p:style>
+        <p:txBody>
+          <a:bodyPr rtlCol="0" anchor="ctr"/>
+          <a:p>
+            <a:pPr algn="ctr"/>
+            <a:r>
+              <a:rPr lang="zh-CN" altLang="en-US"/>
+              <a:t>日志</a:t>
+            </a:r>
+            <a:endParaRPr lang="zh-CN" altLang="en-US"/>
+          </a:p>
+        </p:txBody>
+      </p:sp>
+      <p:sp>
+        <p:nvSpPr>
+          <p:cNvPr id="57" name="圆角矩形 56"/>
+          <p:cNvSpPr/>
+          <p:nvPr/>
+        </p:nvSpPr>
+        <p:spPr>
+          <a:xfrm>
+            <a:off x="5572760" y="5173980"/>
+            <a:ext cx="1155700" cy="444500"/>
+          </a:xfrm>
+          <a:prstGeom prst="roundRect">
+            <a:avLst/>
+          </a:prstGeom>
+          <a:solidFill>
+            <a:schemeClr val="accent1">
+              <a:lumMod val="40000"/>
+              <a:lumOff val="60000"/>
+            </a:schemeClr>
+          </a:solidFill>
+        </p:spPr>
+        <p:style>
+          <a:lnRef idx="2">
+            <a:schemeClr val="accent1">
+              <a:shade val="50000"/>
+            </a:schemeClr>
+          </a:lnRef>
+          <a:fillRef idx="1">
+            <a:schemeClr val="accent1"/>
+          </a:fillRef>
+          <a:effectRef idx="0">
+            <a:schemeClr val="accent1"/>
+          </a:effectRef>
+          <a:fontRef idx="minor">
+            <a:schemeClr val="lt1"/>
+          </a:fontRef>
+        </p:style>
+        <p:txBody>
+          <a:bodyPr rtlCol="0" anchor="ctr"/>
+          <a:p>
+            <a:pPr algn="ctr"/>
+            <a:r>
+              <a:rPr lang="en-US" altLang="zh-CN"/>
+              <a:t>HTTP/FTP</a:t>
+            </a:r>
+            <a:endParaRPr lang="zh-CN" altLang="en-US"/>
+          </a:p>
+        </p:txBody>
+      </p:sp>
+      <p:sp>
+        <p:nvSpPr>
+          <p:cNvPr id="59" name="圆角矩形 58"/>
+          <p:cNvSpPr/>
+          <p:nvPr/>
+        </p:nvSpPr>
+        <p:spPr>
+          <a:xfrm>
+            <a:off x="6929120" y="3306445"/>
+            <a:ext cx="1053465" cy="520065"/>
+          </a:xfrm>
+          <a:prstGeom prst="roundRect">
+            <a:avLst/>
+          </a:prstGeom>
+          <a:solidFill>
+            <a:schemeClr val="accent1">
+              <a:lumMod val="40000"/>
+              <a:lumOff val="60000"/>
+            </a:schemeClr>
+          </a:solidFill>
+        </p:spPr>
+        <p:style>
+          <a:lnRef idx="2">
+            <a:schemeClr val="accent1">
+              <a:shade val="50000"/>
+            </a:schemeClr>
+          </a:lnRef>
+          <a:fillRef idx="1">
+            <a:schemeClr val="accent1"/>
+          </a:fillRef>
+          <a:effectRef idx="0">
+            <a:schemeClr val="accent1"/>
+          </a:effectRef>
+          <a:fontRef idx="minor">
+            <a:schemeClr val="lt1"/>
+          </a:fontRef>
+        </p:style>
+        <p:txBody>
+          <a:bodyPr rtlCol="0" anchor="ctr"/>
+          <a:p>
+            <a:pPr algn="ctr"/>
+            <a:r>
+              <a:rPr lang="en-US" altLang="zh-CN"/>
+              <a:t>Spark Stremin</a:t>
+            </a:r>
+            <a:endParaRPr lang="en-US" altLang="zh-CN"/>
+          </a:p>
+        </p:txBody>
+      </p:sp>
+      <p:sp>
+        <p:nvSpPr>
+          <p:cNvPr id="61" name="圆角矩形 60"/>
+          <p:cNvSpPr/>
+          <p:nvPr/>
+        </p:nvSpPr>
+        <p:spPr>
+          <a:xfrm>
+            <a:off x="6938010" y="3883025"/>
+            <a:ext cx="1053465" cy="426085"/>
+          </a:xfrm>
+          <a:prstGeom prst="roundRect">
+            <a:avLst/>
+          </a:prstGeom>
+          <a:solidFill>
+            <a:schemeClr val="accent1">
+              <a:lumMod val="40000"/>
+              <a:lumOff val="60000"/>
+            </a:schemeClr>
+          </a:solidFill>
+        </p:spPr>
+        <p:style>
+          <a:lnRef idx="2">
+            <a:schemeClr val="accent1">
+              <a:shade val="50000"/>
+            </a:schemeClr>
+          </a:lnRef>
+          <a:fillRef idx="1">
+            <a:schemeClr val="accent1"/>
+          </a:fillRef>
+          <a:effectRef idx="0">
+            <a:schemeClr val="accent1"/>
+          </a:effectRef>
+          <a:fontRef idx="minor">
+            <a:schemeClr val="lt1"/>
+          </a:fontRef>
+        </p:style>
+        <p:txBody>
+          <a:bodyPr rtlCol="0" anchor="ctr"/>
+          <a:p>
+            <a:pPr algn="ctr"/>
+            <a:r>
+              <a:rPr lang="en-US" altLang="zh-CN"/>
+              <a:t>Kafka</a:t>
+            </a:r>
+            <a:endParaRPr lang="en-US" altLang="zh-CN"/>
+          </a:p>
+        </p:txBody>
+      </p:sp>
+      <p:sp>
+        <p:nvSpPr>
+          <p:cNvPr id="63" name="圆角矩形 62"/>
+          <p:cNvSpPr/>
+          <p:nvPr/>
+        </p:nvSpPr>
+        <p:spPr>
+          <a:xfrm>
+            <a:off x="2936875" y="4545965"/>
+            <a:ext cx="1053465" cy="375285"/>
+          </a:xfrm>
+          <a:prstGeom prst="roundRect">
+            <a:avLst/>
+          </a:prstGeom>
+          <a:solidFill>
+            <a:schemeClr val="accent1">
+              <a:lumMod val="40000"/>
+              <a:lumOff val="60000"/>
+            </a:schemeClr>
+          </a:solidFill>
+        </p:spPr>
+        <p:style>
+          <a:lnRef idx="2">
+            <a:schemeClr val="accent1">
+              <a:shade val="50000"/>
+            </a:schemeClr>
+          </a:lnRef>
+          <a:fillRef idx="1">
+            <a:schemeClr val="accent1"/>
+          </a:fillRef>
+          <a:effectRef idx="0">
+            <a:schemeClr val="accent1"/>
+          </a:effectRef>
+          <a:fontRef idx="minor">
+            <a:schemeClr val="lt1"/>
+          </a:fontRef>
+        </p:style>
+        <p:txBody>
+          <a:bodyPr rtlCol="0" anchor="ctr"/>
+          <a:p>
+            <a:pPr algn="ctr"/>
+            <a:r>
+              <a:rPr lang="en-US" altLang="zh-CN"/>
+              <a:t>Sqoop</a:t>
+            </a:r>
+            <a:endParaRPr lang="en-US" altLang="zh-CN"/>
+          </a:p>
+        </p:txBody>
+      </p:sp>
+      <p:sp>
+        <p:nvSpPr>
+          <p:cNvPr id="64" name="圆角矩形 63"/>
+          <p:cNvSpPr/>
+          <p:nvPr/>
+        </p:nvSpPr>
+        <p:spPr>
+          <a:xfrm>
+            <a:off x="4942840" y="4547870"/>
+            <a:ext cx="1053465" cy="375285"/>
+          </a:xfrm>
+          <a:prstGeom prst="roundRect">
+            <a:avLst/>
+          </a:prstGeom>
+          <a:solidFill>
+            <a:schemeClr val="accent1">
+              <a:lumMod val="40000"/>
+              <a:lumOff val="60000"/>
+            </a:schemeClr>
+          </a:solidFill>
+        </p:spPr>
+        <p:style>
+          <a:lnRef idx="2">
+            <a:schemeClr val="accent1">
+              <a:shade val="50000"/>
+            </a:schemeClr>
+          </a:lnRef>
+          <a:fillRef idx="1">
+            <a:schemeClr val="accent1"/>
+          </a:fillRef>
+          <a:effectRef idx="0">
+            <a:schemeClr val="accent1"/>
+          </a:effectRef>
+          <a:fontRef idx="minor">
+            <a:schemeClr val="lt1"/>
+          </a:fontRef>
+        </p:style>
+        <p:txBody>
+          <a:bodyPr rtlCol="0" anchor="ctr"/>
+          <a:p>
+            <a:pPr algn="ctr"/>
+            <a:r>
+              <a:rPr lang="en-US" altLang="zh-CN"/>
+              <a:t>Flume</a:t>
+            </a:r>
+            <a:endParaRPr lang="en-US" altLang="zh-CN"/>
+          </a:p>
+        </p:txBody>
+      </p:sp>
+    </p:spTree>
+    <p:custDataLst>
+      <p:tags r:id="rId1"/>
+    </p:custDataLst>
+  </p:cSld>
+  <p:clrMapOvr>
+    <a:masterClrMapping/>
+  </p:clrMapOvr>
+</p:sld>
+</file>
+
+<file path=ppt/slides/slide8.xml><?xml version="1.0" encoding="utf-8"?>
+<p:sld xmlns:a="http://schemas.openxmlformats.org/drawingml/2006/main" xmlns:r="http://schemas.openxmlformats.org/officeDocument/2006/relationships" xmlns:p="http://schemas.openxmlformats.org/presentationml/2006/main">
+  <p:cSld>
+    <p:spTree>
+      <p:nvGrpSpPr>
+        <p:cNvPr id="1" name=""/>
+        <p:cNvGrpSpPr/>
+        <p:nvPr/>
+      </p:nvGrpSpPr>
+      <p:grpSpPr>
+        <a:xfrm>
+          <a:off x="0" y="0"/>
+          <a:ext cx="0" cy="0"/>
+          <a:chOff x="0" y="0"/>
+          <a:chExt cx="0" cy="0"/>
+        </a:xfrm>
+      </p:grpSpPr>
+      <p:sp>
+        <p:nvSpPr>
           <p:cNvPr id="5" name="矩形 4"/>
           <p:cNvSpPr/>
           <p:nvPr/>
@@ -9853,7 +13149,7 @@
 </p:sld>
 </file>
 
-<file path=ppt/slides/slide6.xml><?xml version="1.0" encoding="utf-8"?>
+<file path=ppt/slides/slide9.xml><?xml version="1.0" encoding="utf-8"?>
 <p:sld xmlns:a="http://schemas.openxmlformats.org/drawingml/2006/main" xmlns:r="http://schemas.openxmlformats.org/officeDocument/2006/relationships" xmlns:p="http://schemas.openxmlformats.org/presentationml/2006/main">
   <p:cSld>
     <p:spTree>

--- a/ppt/BI.pptx
+++ b/ppt/BI.pptx
@@ -5,7 +5,7 @@
     <p:sldMasterId id="2147483648" r:id="rId1"/>
   </p:sldMasterIdLst>
   <p:notesMasterIdLst>
-    <p:notesMasterId r:id="rId10"/>
+    <p:notesMasterId r:id="rId11"/>
   </p:notesMasterIdLst>
   <p:sldIdLst>
     <p:sldId id="256" r:id="rId3"/>
@@ -13,10 +13,11 @@
     <p:sldId id="257" r:id="rId5"/>
     <p:sldId id="267" r:id="rId6"/>
     <p:sldId id="262" r:id="rId7"/>
-    <p:sldId id="266" r:id="rId8"/>
-    <p:sldId id="258" r:id="rId9"/>
-    <p:sldId id="260" r:id="rId11"/>
-    <p:sldId id="261" r:id="rId12"/>
+    <p:sldId id="276" r:id="rId8"/>
+    <p:sldId id="266" r:id="rId9"/>
+    <p:sldId id="258" r:id="rId10"/>
+    <p:sldId id="260" r:id="rId12"/>
+    <p:sldId id="261" r:id="rId13"/>
   </p:sldIdLst>
   <p:sldSz cx="12192000" cy="6858000"/>
   <p:notesSz cx="6858000" cy="9144000"/>
@@ -4625,6 +4626,1422 @@
 </p:sld>
 </file>
 
+<file path=ppt/slides/slide10.xml><?xml version="1.0" encoding="utf-8"?>
+<p:sld xmlns:a="http://schemas.openxmlformats.org/drawingml/2006/main" xmlns:r="http://schemas.openxmlformats.org/officeDocument/2006/relationships" xmlns:p="http://schemas.openxmlformats.org/presentationml/2006/main">
+  <p:cSld>
+    <p:spTree>
+      <p:nvGrpSpPr>
+        <p:cNvPr id="1" name=""/>
+        <p:cNvGrpSpPr/>
+        <p:nvPr/>
+      </p:nvGrpSpPr>
+      <p:grpSpPr>
+        <a:xfrm>
+          <a:off x="0" y="0"/>
+          <a:ext cx="0" cy="0"/>
+          <a:chOff x="0" y="0"/>
+          <a:chExt cx="0" cy="0"/>
+        </a:xfrm>
+      </p:grpSpPr>
+      <p:sp>
+        <p:nvSpPr>
+          <p:cNvPr id="5" name="矩形 4"/>
+          <p:cNvSpPr/>
+          <p:nvPr/>
+        </p:nvSpPr>
+        <p:spPr>
+          <a:xfrm>
+            <a:off x="9748520" y="1856740"/>
+            <a:ext cx="609600" cy="3780155"/>
+          </a:xfrm>
+          <a:prstGeom prst="rect">
+            <a:avLst/>
+          </a:prstGeom>
+          <a:solidFill>
+            <a:schemeClr val="accent5">
+              <a:lumMod val="40000"/>
+              <a:lumOff val="60000"/>
+            </a:schemeClr>
+          </a:solidFill>
+        </p:spPr>
+        <p:style>
+          <a:lnRef idx="2">
+            <a:schemeClr val="accent1">
+              <a:shade val="50000"/>
+            </a:schemeClr>
+          </a:lnRef>
+          <a:fillRef idx="1">
+            <a:schemeClr val="accent1"/>
+          </a:fillRef>
+          <a:effectRef idx="0">
+            <a:schemeClr val="accent1"/>
+          </a:effectRef>
+          <a:fontRef idx="minor">
+            <a:schemeClr val="lt1"/>
+          </a:fontRef>
+        </p:style>
+        <p:txBody>
+          <a:bodyPr vert="eaVert" rtlCol="0" anchor="ctr"/>
+          <a:p>
+            <a:pPr algn="ctr"/>
+            <a:r>
+              <a:rPr lang="en-US" altLang="zh-CN">
+                <a:solidFill>
+                  <a:schemeClr val="tx1"/>
+                </a:solidFill>
+              </a:rPr>
+              <a:t>Zookeeper</a:t>
+            </a:r>
+            <a:endParaRPr lang="en-US" altLang="zh-CN">
+              <a:solidFill>
+                <a:schemeClr val="tx1"/>
+              </a:solidFill>
+            </a:endParaRPr>
+          </a:p>
+        </p:txBody>
+      </p:sp>
+      <p:sp>
+        <p:nvSpPr>
+          <p:cNvPr id="6" name="矩形 5"/>
+          <p:cNvSpPr/>
+          <p:nvPr/>
+        </p:nvSpPr>
+        <p:spPr>
+          <a:xfrm>
+            <a:off x="10621010" y="1857375"/>
+            <a:ext cx="609600" cy="3778885"/>
+          </a:xfrm>
+          <a:prstGeom prst="rect">
+            <a:avLst/>
+          </a:prstGeom>
+          <a:solidFill>
+            <a:schemeClr val="accent6">
+              <a:lumMod val="40000"/>
+              <a:lumOff val="60000"/>
+            </a:schemeClr>
+          </a:solidFill>
+        </p:spPr>
+        <p:style>
+          <a:lnRef idx="2">
+            <a:schemeClr val="accent1">
+              <a:shade val="50000"/>
+            </a:schemeClr>
+          </a:lnRef>
+          <a:fillRef idx="1">
+            <a:schemeClr val="accent1"/>
+          </a:fillRef>
+          <a:effectRef idx="0">
+            <a:schemeClr val="accent1"/>
+          </a:effectRef>
+          <a:fontRef idx="minor">
+            <a:schemeClr val="lt1"/>
+          </a:fontRef>
+        </p:style>
+        <p:txBody>
+          <a:bodyPr rtlCol="0" anchor="ctr"/>
+          <a:p>
+            <a:pPr algn="ctr"/>
+            <a:r>
+              <a:rPr lang="zh-CN" altLang="en-US">
+                <a:solidFill>
+                  <a:schemeClr val="tx1"/>
+                </a:solidFill>
+              </a:rPr>
+              <a:t>任务调度与监控</a:t>
+            </a:r>
+            <a:endParaRPr lang="zh-CN" altLang="en-US">
+              <a:solidFill>
+                <a:schemeClr val="tx1"/>
+              </a:solidFill>
+            </a:endParaRPr>
+          </a:p>
+        </p:txBody>
+      </p:sp>
+      <p:sp>
+        <p:nvSpPr>
+          <p:cNvPr id="7" name="矩形 6"/>
+          <p:cNvSpPr/>
+          <p:nvPr/>
+        </p:nvSpPr>
+        <p:spPr>
+          <a:xfrm>
+            <a:off x="2560955" y="5636895"/>
+            <a:ext cx="6155690" cy="675640"/>
+          </a:xfrm>
+          <a:prstGeom prst="rect">
+            <a:avLst/>
+          </a:prstGeom>
+          <a:solidFill>
+            <a:schemeClr val="accent4">
+              <a:lumMod val="40000"/>
+              <a:lumOff val="60000"/>
+            </a:schemeClr>
+          </a:solidFill>
+          <a:ln>
+            <a:solidFill>
+              <a:schemeClr val="accent1"/>
+            </a:solidFill>
+          </a:ln>
+        </p:spPr>
+        <p:style>
+          <a:lnRef idx="2">
+            <a:schemeClr val="accent6"/>
+          </a:lnRef>
+          <a:fillRef idx="1">
+            <a:schemeClr val="lt1"/>
+          </a:fillRef>
+          <a:effectRef idx="0">
+            <a:schemeClr val="accent6"/>
+          </a:effectRef>
+          <a:fontRef idx="minor">
+            <a:schemeClr val="dk1"/>
+          </a:fontRef>
+        </p:style>
+        <p:txBody>
+          <a:bodyPr rtlCol="0" anchor="ctr"/>
+          <a:p>
+            <a:pPr algn="ctr"/>
+            <a:endParaRPr lang="zh-CN" altLang="en-US"/>
+          </a:p>
+        </p:txBody>
+      </p:sp>
+      <p:sp>
+        <p:nvSpPr>
+          <p:cNvPr id="11" name="矩形 10"/>
+          <p:cNvSpPr/>
+          <p:nvPr/>
+        </p:nvSpPr>
+        <p:spPr>
+          <a:xfrm>
+            <a:off x="2687320" y="5753735"/>
+            <a:ext cx="1078230" cy="441960"/>
+          </a:xfrm>
+          <a:prstGeom prst="rect">
+            <a:avLst/>
+          </a:prstGeom>
+          <a:solidFill>
+            <a:schemeClr val="bg1"/>
+          </a:solidFill>
+          <a:ln w="12700" cmpd="sng">
+            <a:solidFill>
+              <a:schemeClr val="accent1">
+                <a:shade val="50000"/>
+              </a:schemeClr>
+            </a:solidFill>
+            <a:prstDash val="solid"/>
+          </a:ln>
+        </p:spPr>
+        <p:style>
+          <a:lnRef idx="2">
+            <a:schemeClr val="accent1">
+              <a:shade val="50000"/>
+            </a:schemeClr>
+          </a:lnRef>
+          <a:fillRef idx="1">
+            <a:schemeClr val="accent1"/>
+          </a:fillRef>
+          <a:effectRef idx="0">
+            <a:schemeClr val="accent1"/>
+          </a:effectRef>
+          <a:fontRef idx="minor">
+            <a:schemeClr val="lt1"/>
+          </a:fontRef>
+        </p:style>
+        <p:txBody>
+          <a:bodyPr rtlCol="0" anchor="ctr"/>
+          <a:p>
+            <a:pPr algn="ctr"/>
+            <a:r>
+              <a:rPr lang="en-US" altLang="zh-CN">
+                <a:solidFill>
+                  <a:schemeClr val="tx1"/>
+                </a:solidFill>
+              </a:rPr>
+              <a:t>RDBMS</a:t>
+            </a:r>
+            <a:endParaRPr lang="en-US" altLang="zh-CN">
+              <a:solidFill>
+                <a:schemeClr val="tx1"/>
+              </a:solidFill>
+            </a:endParaRPr>
+          </a:p>
+        </p:txBody>
+      </p:sp>
+      <p:sp>
+        <p:nvSpPr>
+          <p:cNvPr id="12" name="矩形 11"/>
+          <p:cNvSpPr/>
+          <p:nvPr/>
+        </p:nvSpPr>
+        <p:spPr>
+          <a:xfrm>
+            <a:off x="3893820" y="5753735"/>
+            <a:ext cx="1078230" cy="441960"/>
+          </a:xfrm>
+          <a:prstGeom prst="rect">
+            <a:avLst/>
+          </a:prstGeom>
+          <a:solidFill>
+            <a:schemeClr val="bg1"/>
+          </a:solidFill>
+        </p:spPr>
+        <p:style>
+          <a:lnRef idx="2">
+            <a:schemeClr val="accent1">
+              <a:shade val="50000"/>
+            </a:schemeClr>
+          </a:lnRef>
+          <a:fillRef idx="1">
+            <a:schemeClr val="accent1"/>
+          </a:fillRef>
+          <a:effectRef idx="0">
+            <a:schemeClr val="accent1"/>
+          </a:effectRef>
+          <a:fontRef idx="minor">
+            <a:schemeClr val="lt1"/>
+          </a:fontRef>
+        </p:style>
+        <p:txBody>
+          <a:bodyPr rtlCol="0" anchor="ctr"/>
+          <a:p>
+            <a:pPr algn="ctr"/>
+            <a:r>
+              <a:rPr lang="zh-CN" altLang="en-US">
+                <a:solidFill>
+                  <a:schemeClr val="tx1"/>
+                </a:solidFill>
+              </a:rPr>
+              <a:t>日志</a:t>
+            </a:r>
+            <a:endParaRPr lang="zh-CN" altLang="en-US">
+              <a:solidFill>
+                <a:schemeClr val="tx1"/>
+              </a:solidFill>
+            </a:endParaRPr>
+          </a:p>
+        </p:txBody>
+      </p:sp>
+      <p:sp>
+        <p:nvSpPr>
+          <p:cNvPr id="13" name="矩形 12"/>
+          <p:cNvSpPr/>
+          <p:nvPr/>
+        </p:nvSpPr>
+        <p:spPr>
+          <a:xfrm>
+            <a:off x="5100955" y="5753735"/>
+            <a:ext cx="1349375" cy="441960"/>
+          </a:xfrm>
+          <a:prstGeom prst="rect">
+            <a:avLst/>
+          </a:prstGeom>
+          <a:solidFill>
+            <a:schemeClr val="bg1"/>
+          </a:solidFill>
+        </p:spPr>
+        <p:style>
+          <a:lnRef idx="2">
+            <a:schemeClr val="accent1">
+              <a:shade val="50000"/>
+            </a:schemeClr>
+          </a:lnRef>
+          <a:fillRef idx="1">
+            <a:schemeClr val="accent1"/>
+          </a:fillRef>
+          <a:effectRef idx="0">
+            <a:schemeClr val="accent1"/>
+          </a:effectRef>
+          <a:fontRef idx="minor">
+            <a:schemeClr val="lt1"/>
+          </a:fontRef>
+        </p:style>
+        <p:txBody>
+          <a:bodyPr rtlCol="0" anchor="ctr"/>
+          <a:p>
+            <a:pPr algn="ctr"/>
+            <a:r>
+              <a:rPr lang="en-US" altLang="zh-CN">
+                <a:solidFill>
+                  <a:schemeClr val="tx1"/>
+                </a:solidFill>
+              </a:rPr>
+              <a:t>HTTP/FTP</a:t>
+            </a:r>
+            <a:endParaRPr lang="zh-CN" altLang="en-US">
+              <a:solidFill>
+                <a:schemeClr val="tx1"/>
+              </a:solidFill>
+            </a:endParaRPr>
+          </a:p>
+        </p:txBody>
+      </p:sp>
+      <p:sp>
+        <p:nvSpPr>
+          <p:cNvPr id="14" name="矩形 13"/>
+          <p:cNvSpPr/>
+          <p:nvPr/>
+        </p:nvSpPr>
+        <p:spPr>
+          <a:xfrm>
+            <a:off x="2534285" y="1395095"/>
+            <a:ext cx="6155055" cy="675640"/>
+          </a:xfrm>
+          <a:prstGeom prst="rect">
+            <a:avLst/>
+          </a:prstGeom>
+          <a:solidFill>
+            <a:schemeClr val="accent4">
+              <a:lumMod val="40000"/>
+              <a:lumOff val="60000"/>
+            </a:schemeClr>
+          </a:solidFill>
+          <a:ln>
+            <a:solidFill>
+              <a:schemeClr val="accent1"/>
+            </a:solidFill>
+          </a:ln>
+        </p:spPr>
+        <p:style>
+          <a:lnRef idx="2">
+            <a:schemeClr val="accent6"/>
+          </a:lnRef>
+          <a:fillRef idx="1">
+            <a:schemeClr val="lt1"/>
+          </a:fillRef>
+          <a:effectRef idx="0">
+            <a:schemeClr val="accent6"/>
+          </a:effectRef>
+          <a:fontRef idx="minor">
+            <a:schemeClr val="dk1"/>
+          </a:fontRef>
+        </p:style>
+        <p:txBody>
+          <a:bodyPr rtlCol="0" anchor="ctr"/>
+          <a:p>
+            <a:pPr algn="ctr"/>
+            <a:endParaRPr lang="zh-CN" altLang="en-US"/>
+          </a:p>
+        </p:txBody>
+      </p:sp>
+      <p:sp>
+        <p:nvSpPr>
+          <p:cNvPr id="16" name="矩形 15"/>
+          <p:cNvSpPr/>
+          <p:nvPr/>
+        </p:nvSpPr>
+        <p:spPr>
+          <a:xfrm>
+            <a:off x="2533650" y="2625090"/>
+            <a:ext cx="6155690" cy="675640"/>
+          </a:xfrm>
+          <a:prstGeom prst="rect">
+            <a:avLst/>
+          </a:prstGeom>
+          <a:solidFill>
+            <a:schemeClr val="accent4">
+              <a:lumMod val="40000"/>
+              <a:lumOff val="60000"/>
+            </a:schemeClr>
+          </a:solidFill>
+          <a:ln>
+            <a:solidFill>
+              <a:schemeClr val="accent1"/>
+            </a:solidFill>
+          </a:ln>
+        </p:spPr>
+        <p:style>
+          <a:lnRef idx="2">
+            <a:schemeClr val="accent6"/>
+          </a:lnRef>
+          <a:fillRef idx="1">
+            <a:schemeClr val="lt1"/>
+          </a:fillRef>
+          <a:effectRef idx="0">
+            <a:schemeClr val="accent6"/>
+          </a:effectRef>
+          <a:fontRef idx="minor">
+            <a:schemeClr val="dk1"/>
+          </a:fontRef>
+        </p:style>
+        <p:txBody>
+          <a:bodyPr rtlCol="0" anchor="ctr"/>
+          <a:p>
+            <a:pPr algn="ctr"/>
+            <a:endParaRPr lang="zh-CN" altLang="en-US"/>
+          </a:p>
+        </p:txBody>
+      </p:sp>
+      <p:sp>
+        <p:nvSpPr>
+          <p:cNvPr id="17" name="矩形 16"/>
+          <p:cNvSpPr/>
+          <p:nvPr/>
+        </p:nvSpPr>
+        <p:spPr>
+          <a:xfrm>
+            <a:off x="2534285" y="3813810"/>
+            <a:ext cx="6154420" cy="1266190"/>
+          </a:xfrm>
+          <a:prstGeom prst="rect">
+            <a:avLst/>
+          </a:prstGeom>
+          <a:solidFill>
+            <a:schemeClr val="accent4">
+              <a:lumMod val="40000"/>
+              <a:lumOff val="60000"/>
+            </a:schemeClr>
+          </a:solidFill>
+        </p:spPr>
+        <p:style>
+          <a:lnRef idx="2">
+            <a:schemeClr val="accent1">
+              <a:shade val="50000"/>
+            </a:schemeClr>
+          </a:lnRef>
+          <a:fillRef idx="1">
+            <a:schemeClr val="accent1"/>
+          </a:fillRef>
+          <a:effectRef idx="0">
+            <a:schemeClr val="accent1"/>
+          </a:effectRef>
+          <a:fontRef idx="minor">
+            <a:schemeClr val="lt1"/>
+          </a:fontRef>
+        </p:style>
+        <p:txBody>
+          <a:bodyPr rtlCol="0" anchor="ctr"/>
+          <a:p>
+            <a:pPr algn="ctr"/>
+            <a:endParaRPr lang="zh-CN" altLang="en-US"/>
+          </a:p>
+        </p:txBody>
+      </p:sp>
+      <p:sp>
+        <p:nvSpPr>
+          <p:cNvPr id="19" name="矩形 18"/>
+          <p:cNvSpPr/>
+          <p:nvPr/>
+        </p:nvSpPr>
+        <p:spPr>
+          <a:xfrm>
+            <a:off x="2660650" y="4525645"/>
+            <a:ext cx="5695315" cy="441960"/>
+          </a:xfrm>
+          <a:prstGeom prst="rect">
+            <a:avLst/>
+          </a:prstGeom>
+          <a:solidFill>
+            <a:schemeClr val="bg1"/>
+          </a:solidFill>
+        </p:spPr>
+        <p:style>
+          <a:lnRef idx="2">
+            <a:schemeClr val="accent1">
+              <a:shade val="50000"/>
+            </a:schemeClr>
+          </a:lnRef>
+          <a:fillRef idx="1">
+            <a:schemeClr val="accent1"/>
+          </a:fillRef>
+          <a:effectRef idx="0">
+            <a:schemeClr val="accent1"/>
+          </a:effectRef>
+          <a:fontRef idx="minor">
+            <a:schemeClr val="lt1"/>
+          </a:fontRef>
+        </p:style>
+        <p:txBody>
+          <a:bodyPr rtlCol="0" anchor="ctr"/>
+          <a:p>
+            <a:pPr algn="ctr"/>
+            <a:r>
+              <a:rPr lang="en-US" altLang="zh-CN">
+                <a:solidFill>
+                  <a:schemeClr val="tx1"/>
+                </a:solidFill>
+              </a:rPr>
+              <a:t>HDFS</a:t>
+            </a:r>
+            <a:endParaRPr lang="en-US" altLang="zh-CN">
+              <a:solidFill>
+                <a:schemeClr val="tx1"/>
+              </a:solidFill>
+            </a:endParaRPr>
+          </a:p>
+        </p:txBody>
+      </p:sp>
+      <p:sp>
+        <p:nvSpPr>
+          <p:cNvPr id="20" name="矩形 19"/>
+          <p:cNvSpPr/>
+          <p:nvPr/>
+        </p:nvSpPr>
+        <p:spPr>
+          <a:xfrm>
+            <a:off x="2660650" y="3971290"/>
+            <a:ext cx="2780030" cy="441960"/>
+          </a:xfrm>
+          <a:prstGeom prst="rect">
+            <a:avLst/>
+          </a:prstGeom>
+          <a:solidFill>
+            <a:schemeClr val="bg1"/>
+          </a:solidFill>
+        </p:spPr>
+        <p:style>
+          <a:lnRef idx="2">
+            <a:schemeClr val="accent1">
+              <a:shade val="50000"/>
+            </a:schemeClr>
+          </a:lnRef>
+          <a:fillRef idx="1">
+            <a:schemeClr val="accent1"/>
+          </a:fillRef>
+          <a:effectRef idx="0">
+            <a:schemeClr val="accent1"/>
+          </a:effectRef>
+          <a:fontRef idx="minor">
+            <a:schemeClr val="lt1"/>
+          </a:fontRef>
+        </p:style>
+        <p:txBody>
+          <a:bodyPr rtlCol="0" anchor="ctr"/>
+          <a:p>
+            <a:pPr algn="ctr"/>
+            <a:r>
+              <a:rPr lang="en-US" altLang="zh-CN">
+                <a:solidFill>
+                  <a:schemeClr val="tx1"/>
+                </a:solidFill>
+              </a:rPr>
+              <a:t>Hive</a:t>
+            </a:r>
+            <a:endParaRPr lang="en-US" altLang="zh-CN">
+              <a:solidFill>
+                <a:schemeClr val="tx1"/>
+              </a:solidFill>
+            </a:endParaRPr>
+          </a:p>
+        </p:txBody>
+      </p:sp>
+      <p:sp>
+        <p:nvSpPr>
+          <p:cNvPr id="25" name="矩形 24"/>
+          <p:cNvSpPr/>
+          <p:nvPr/>
+        </p:nvSpPr>
+        <p:spPr>
+          <a:xfrm>
+            <a:off x="2815590" y="2741930"/>
+            <a:ext cx="1078230" cy="441960"/>
+          </a:xfrm>
+          <a:prstGeom prst="rect">
+            <a:avLst/>
+          </a:prstGeom>
+          <a:solidFill>
+            <a:schemeClr val="bg1"/>
+          </a:solidFill>
+        </p:spPr>
+        <p:style>
+          <a:lnRef idx="2">
+            <a:schemeClr val="accent1">
+              <a:shade val="50000"/>
+            </a:schemeClr>
+          </a:lnRef>
+          <a:fillRef idx="1">
+            <a:schemeClr val="accent1"/>
+          </a:fillRef>
+          <a:effectRef idx="0">
+            <a:schemeClr val="accent1"/>
+          </a:effectRef>
+          <a:fontRef idx="minor">
+            <a:schemeClr val="lt1"/>
+          </a:fontRef>
+        </p:style>
+        <p:txBody>
+          <a:bodyPr rtlCol="0" anchor="ctr"/>
+          <a:p>
+            <a:pPr algn="ctr"/>
+            <a:r>
+              <a:rPr lang="en-US" altLang="zh-CN">
+                <a:solidFill>
+                  <a:schemeClr val="tx1"/>
+                </a:solidFill>
+              </a:rPr>
+              <a:t>RDBMS</a:t>
+            </a:r>
+            <a:endParaRPr lang="en-US" altLang="zh-CN">
+              <a:solidFill>
+                <a:schemeClr val="tx1"/>
+              </a:solidFill>
+            </a:endParaRPr>
+          </a:p>
+        </p:txBody>
+      </p:sp>
+      <p:sp>
+        <p:nvSpPr>
+          <p:cNvPr id="26" name="矩形 25"/>
+          <p:cNvSpPr/>
+          <p:nvPr/>
+        </p:nvSpPr>
+        <p:spPr>
+          <a:xfrm>
+            <a:off x="4727575" y="2741930"/>
+            <a:ext cx="1078230" cy="441960"/>
+          </a:xfrm>
+          <a:prstGeom prst="rect">
+            <a:avLst/>
+          </a:prstGeom>
+          <a:solidFill>
+            <a:schemeClr val="bg1"/>
+          </a:solidFill>
+        </p:spPr>
+        <p:style>
+          <a:lnRef idx="2">
+            <a:schemeClr val="accent1">
+              <a:shade val="50000"/>
+            </a:schemeClr>
+          </a:lnRef>
+          <a:fillRef idx="1">
+            <a:schemeClr val="accent1"/>
+          </a:fillRef>
+          <a:effectRef idx="0">
+            <a:schemeClr val="accent1"/>
+          </a:effectRef>
+          <a:fontRef idx="minor">
+            <a:schemeClr val="lt1"/>
+          </a:fontRef>
+        </p:style>
+        <p:txBody>
+          <a:bodyPr rtlCol="0" anchor="ctr"/>
+          <a:p>
+            <a:pPr algn="ctr"/>
+            <a:r>
+              <a:rPr lang="en-US" altLang="zh-CN">
+                <a:solidFill>
+                  <a:schemeClr val="tx1"/>
+                </a:solidFill>
+              </a:rPr>
+              <a:t>Redis</a:t>
+            </a:r>
+            <a:endParaRPr lang="en-US" altLang="zh-CN">
+              <a:solidFill>
+                <a:schemeClr val="tx1"/>
+              </a:solidFill>
+            </a:endParaRPr>
+          </a:p>
+        </p:txBody>
+      </p:sp>
+      <p:sp>
+        <p:nvSpPr>
+          <p:cNvPr id="27" name="矩形 26"/>
+          <p:cNvSpPr/>
+          <p:nvPr/>
+        </p:nvSpPr>
+        <p:spPr>
+          <a:xfrm>
+            <a:off x="6793230" y="2741930"/>
+            <a:ext cx="1078230" cy="441960"/>
+          </a:xfrm>
+          <a:prstGeom prst="rect">
+            <a:avLst/>
+          </a:prstGeom>
+          <a:solidFill>
+            <a:schemeClr val="bg1"/>
+          </a:solidFill>
+        </p:spPr>
+        <p:style>
+          <a:lnRef idx="2">
+            <a:schemeClr val="accent1">
+              <a:shade val="50000"/>
+            </a:schemeClr>
+          </a:lnRef>
+          <a:fillRef idx="1">
+            <a:schemeClr val="accent1"/>
+          </a:fillRef>
+          <a:effectRef idx="0">
+            <a:schemeClr val="accent1"/>
+          </a:effectRef>
+          <a:fontRef idx="minor">
+            <a:schemeClr val="lt1"/>
+          </a:fontRef>
+        </p:style>
+        <p:txBody>
+          <a:bodyPr rtlCol="0" anchor="ctr"/>
+          <a:p>
+            <a:pPr algn="ctr"/>
+            <a:r>
+              <a:rPr lang="en-US" altLang="zh-CN">
+                <a:solidFill>
+                  <a:schemeClr val="tx1"/>
+                </a:solidFill>
+              </a:rPr>
+              <a:t>Mongo</a:t>
+            </a:r>
+            <a:endParaRPr lang="en-US" altLang="zh-CN">
+              <a:solidFill>
+                <a:schemeClr val="tx1"/>
+              </a:solidFill>
+            </a:endParaRPr>
+          </a:p>
+        </p:txBody>
+      </p:sp>
+      <p:sp>
+        <p:nvSpPr>
+          <p:cNvPr id="29" name="矩形 28"/>
+          <p:cNvSpPr/>
+          <p:nvPr/>
+        </p:nvSpPr>
+        <p:spPr>
+          <a:xfrm>
+            <a:off x="2660650" y="1513840"/>
+            <a:ext cx="1078230" cy="441960"/>
+          </a:xfrm>
+          <a:prstGeom prst="rect">
+            <a:avLst/>
+          </a:prstGeom>
+          <a:solidFill>
+            <a:schemeClr val="bg1"/>
+          </a:solidFill>
+        </p:spPr>
+        <p:style>
+          <a:lnRef idx="2">
+            <a:schemeClr val="accent1">
+              <a:shade val="50000"/>
+            </a:schemeClr>
+          </a:lnRef>
+          <a:fillRef idx="1">
+            <a:schemeClr val="accent1"/>
+          </a:fillRef>
+          <a:effectRef idx="0">
+            <a:schemeClr val="accent1"/>
+          </a:effectRef>
+          <a:fontRef idx="minor">
+            <a:schemeClr val="lt1"/>
+          </a:fontRef>
+        </p:style>
+        <p:txBody>
+          <a:bodyPr rtlCol="0" anchor="ctr"/>
+          <a:p>
+            <a:pPr algn="ctr"/>
+            <a:r>
+              <a:rPr lang="zh-CN" altLang="en-US">
+                <a:solidFill>
+                  <a:schemeClr val="tx1"/>
+                </a:solidFill>
+              </a:rPr>
+              <a:t>报表</a:t>
+            </a:r>
+            <a:endParaRPr lang="zh-CN" altLang="en-US">
+              <a:solidFill>
+                <a:schemeClr val="tx1"/>
+              </a:solidFill>
+            </a:endParaRPr>
+          </a:p>
+        </p:txBody>
+      </p:sp>
+      <p:sp>
+        <p:nvSpPr>
+          <p:cNvPr id="30" name="矩形 29"/>
+          <p:cNvSpPr/>
+          <p:nvPr/>
+        </p:nvSpPr>
+        <p:spPr>
+          <a:xfrm>
+            <a:off x="3837305" y="1513840"/>
+            <a:ext cx="1415415" cy="441960"/>
+          </a:xfrm>
+          <a:prstGeom prst="rect">
+            <a:avLst/>
+          </a:prstGeom>
+          <a:solidFill>
+            <a:schemeClr val="bg1"/>
+          </a:solidFill>
+        </p:spPr>
+        <p:style>
+          <a:lnRef idx="2">
+            <a:schemeClr val="accent1">
+              <a:shade val="50000"/>
+            </a:schemeClr>
+          </a:lnRef>
+          <a:fillRef idx="1">
+            <a:schemeClr val="accent1"/>
+          </a:fillRef>
+          <a:effectRef idx="0">
+            <a:schemeClr val="accent1"/>
+          </a:effectRef>
+          <a:fontRef idx="minor">
+            <a:schemeClr val="lt1"/>
+          </a:fontRef>
+        </p:style>
+        <p:txBody>
+          <a:bodyPr rtlCol="0" anchor="ctr"/>
+          <a:p>
+            <a:pPr algn="ctr"/>
+            <a:r>
+              <a:rPr lang="zh-CN" altLang="en-US">
+                <a:solidFill>
+                  <a:schemeClr val="tx1"/>
+                </a:solidFill>
+              </a:rPr>
+              <a:t>数据可视化</a:t>
+            </a:r>
+            <a:endParaRPr lang="zh-CN" altLang="en-US">
+              <a:solidFill>
+                <a:schemeClr val="tx1"/>
+              </a:solidFill>
+            </a:endParaRPr>
+          </a:p>
+        </p:txBody>
+      </p:sp>
+      <p:sp>
+        <p:nvSpPr>
+          <p:cNvPr id="31" name="矩形 30"/>
+          <p:cNvSpPr/>
+          <p:nvPr/>
+        </p:nvSpPr>
+        <p:spPr>
+          <a:xfrm>
+            <a:off x="5441315" y="1512570"/>
+            <a:ext cx="1106170" cy="441960"/>
+          </a:xfrm>
+          <a:prstGeom prst="rect">
+            <a:avLst/>
+          </a:prstGeom>
+          <a:solidFill>
+            <a:schemeClr val="bg1"/>
+          </a:solidFill>
+        </p:spPr>
+        <p:style>
+          <a:lnRef idx="2">
+            <a:schemeClr val="accent1">
+              <a:shade val="50000"/>
+            </a:schemeClr>
+          </a:lnRef>
+          <a:fillRef idx="1">
+            <a:schemeClr val="accent1"/>
+          </a:fillRef>
+          <a:effectRef idx="0">
+            <a:schemeClr val="accent1"/>
+          </a:effectRef>
+          <a:fontRef idx="minor">
+            <a:schemeClr val="lt1"/>
+          </a:fontRef>
+        </p:style>
+        <p:txBody>
+          <a:bodyPr rtlCol="0" anchor="ctr"/>
+          <a:p>
+            <a:pPr algn="ctr"/>
+            <a:r>
+              <a:rPr lang="zh-CN" altLang="en-US">
+                <a:solidFill>
+                  <a:schemeClr val="tx1"/>
+                </a:solidFill>
+              </a:rPr>
+              <a:t>接口</a:t>
+            </a:r>
+            <a:endParaRPr lang="zh-CN" altLang="en-US">
+              <a:solidFill>
+                <a:schemeClr val="tx1"/>
+              </a:solidFill>
+            </a:endParaRPr>
+          </a:p>
+        </p:txBody>
+      </p:sp>
+      <p:sp>
+        <p:nvSpPr>
+          <p:cNvPr id="32" name="矩形 31"/>
+          <p:cNvSpPr/>
+          <p:nvPr/>
+        </p:nvSpPr>
+        <p:spPr>
+          <a:xfrm>
+            <a:off x="6672580" y="1513840"/>
+            <a:ext cx="1106170" cy="441960"/>
+          </a:xfrm>
+          <a:prstGeom prst="rect">
+            <a:avLst/>
+          </a:prstGeom>
+          <a:solidFill>
+            <a:schemeClr val="bg1"/>
+          </a:solidFill>
+        </p:spPr>
+        <p:style>
+          <a:lnRef idx="2">
+            <a:schemeClr val="accent1">
+              <a:shade val="50000"/>
+            </a:schemeClr>
+          </a:lnRef>
+          <a:fillRef idx="1">
+            <a:schemeClr val="accent1"/>
+          </a:fillRef>
+          <a:effectRef idx="0">
+            <a:schemeClr val="accent1"/>
+          </a:effectRef>
+          <a:fontRef idx="minor">
+            <a:schemeClr val="lt1"/>
+          </a:fontRef>
+        </p:style>
+        <p:txBody>
+          <a:bodyPr rtlCol="0" anchor="ctr"/>
+          <a:p>
+            <a:pPr algn="ctr"/>
+            <a:r>
+              <a:rPr lang="zh-CN" altLang="en-US">
+                <a:solidFill>
+                  <a:schemeClr val="tx1"/>
+                </a:solidFill>
+              </a:rPr>
+              <a:t>实时查询</a:t>
+            </a:r>
+            <a:endParaRPr lang="zh-CN" altLang="en-US">
+              <a:solidFill>
+                <a:schemeClr val="tx1"/>
+              </a:solidFill>
+            </a:endParaRPr>
+          </a:p>
+        </p:txBody>
+      </p:sp>
+      <p:sp>
+        <p:nvSpPr>
+          <p:cNvPr id="34" name="文本框 33"/>
+          <p:cNvSpPr txBox="1"/>
+          <p:nvPr/>
+        </p:nvSpPr>
+        <p:spPr>
+          <a:xfrm>
+            <a:off x="776605" y="1646555"/>
+            <a:ext cx="1097280" cy="368300"/>
+          </a:xfrm>
+          <a:prstGeom prst="rect">
+            <a:avLst/>
+          </a:prstGeom>
+          <a:noFill/>
+        </p:spPr>
+        <p:txBody>
+          <a:bodyPr wrap="none" rtlCol="0">
+            <a:spAutoFit/>
+          </a:bodyPr>
+          <a:p>
+            <a:r>
+              <a:rPr lang="zh-CN" altLang="en-US"/>
+              <a:t>数据应用</a:t>
+            </a:r>
+            <a:endParaRPr lang="zh-CN" altLang="en-US"/>
+          </a:p>
+        </p:txBody>
+      </p:sp>
+      <p:sp>
+        <p:nvSpPr>
+          <p:cNvPr id="35" name="文本框 34"/>
+          <p:cNvSpPr txBox="1"/>
+          <p:nvPr/>
+        </p:nvSpPr>
+        <p:spPr>
+          <a:xfrm>
+            <a:off x="776605" y="2741930"/>
+            <a:ext cx="1097280" cy="368300"/>
+          </a:xfrm>
+          <a:prstGeom prst="rect">
+            <a:avLst/>
+          </a:prstGeom>
+          <a:noFill/>
+        </p:spPr>
+        <p:txBody>
+          <a:bodyPr wrap="none" rtlCol="0">
+            <a:spAutoFit/>
+          </a:bodyPr>
+          <a:p>
+            <a:r>
+              <a:rPr lang="zh-CN" altLang="en-US"/>
+              <a:t>数据共享</a:t>
+            </a:r>
+            <a:endParaRPr lang="zh-CN" altLang="en-US"/>
+          </a:p>
+        </p:txBody>
+      </p:sp>
+      <p:sp>
+        <p:nvSpPr>
+          <p:cNvPr id="36" name="文本框 35"/>
+          <p:cNvSpPr txBox="1"/>
+          <p:nvPr/>
+        </p:nvSpPr>
+        <p:spPr>
+          <a:xfrm>
+            <a:off x="776605" y="4124325"/>
+            <a:ext cx="1097280" cy="645160"/>
+          </a:xfrm>
+          <a:prstGeom prst="rect">
+            <a:avLst/>
+          </a:prstGeom>
+          <a:noFill/>
+        </p:spPr>
+        <p:txBody>
+          <a:bodyPr wrap="none" rtlCol="0">
+            <a:spAutoFit/>
+          </a:bodyPr>
+          <a:p>
+            <a:r>
+              <a:rPr lang="zh-CN" altLang="en-US"/>
+              <a:t>数据存储</a:t>
+            </a:r>
+            <a:endParaRPr lang="zh-CN" altLang="en-US"/>
+          </a:p>
+          <a:p>
+            <a:r>
+              <a:rPr lang="zh-CN" altLang="en-US"/>
+              <a:t>数据分析</a:t>
+            </a:r>
+            <a:endParaRPr lang="zh-CN" altLang="en-US"/>
+          </a:p>
+        </p:txBody>
+      </p:sp>
+      <p:sp>
+        <p:nvSpPr>
+          <p:cNvPr id="37" name="文本框 36"/>
+          <p:cNvSpPr txBox="1"/>
+          <p:nvPr/>
+        </p:nvSpPr>
+        <p:spPr>
+          <a:xfrm>
+            <a:off x="776605" y="5790565"/>
+            <a:ext cx="1097280" cy="368300"/>
+          </a:xfrm>
+          <a:prstGeom prst="rect">
+            <a:avLst/>
+          </a:prstGeom>
+          <a:noFill/>
+        </p:spPr>
+        <p:txBody>
+          <a:bodyPr wrap="none" rtlCol="0">
+            <a:spAutoFit/>
+          </a:bodyPr>
+          <a:p>
+            <a:r>
+              <a:rPr lang="zh-CN" altLang="en-US"/>
+              <a:t>数据采集</a:t>
+            </a:r>
+            <a:endParaRPr lang="zh-CN" altLang="en-US"/>
+          </a:p>
+        </p:txBody>
+      </p:sp>
+      <p:cxnSp>
+        <p:nvCxnSpPr>
+          <p:cNvPr id="38" name="直接连接符 37"/>
+          <p:cNvCxnSpPr/>
+          <p:nvPr/>
+        </p:nvCxnSpPr>
+        <p:spPr>
+          <a:xfrm flipV="1">
+            <a:off x="692150" y="5360035"/>
+            <a:ext cx="8825230" cy="9525"/>
+          </a:xfrm>
+          <a:prstGeom prst="line">
+            <a:avLst/>
+          </a:prstGeom>
+        </p:spPr>
+        <p:style>
+          <a:lnRef idx="1">
+            <a:schemeClr val="accent1"/>
+          </a:lnRef>
+          <a:fillRef idx="0">
+            <a:schemeClr val="accent1"/>
+          </a:fillRef>
+          <a:effectRef idx="0">
+            <a:schemeClr val="accent1"/>
+          </a:effectRef>
+          <a:fontRef idx="minor">
+            <a:schemeClr val="tx1"/>
+          </a:fontRef>
+        </p:style>
+      </p:cxnSp>
+      <p:cxnSp>
+        <p:nvCxnSpPr>
+          <p:cNvPr id="39" name="直接连接符 38"/>
+          <p:cNvCxnSpPr/>
+          <p:nvPr/>
+        </p:nvCxnSpPr>
+        <p:spPr>
+          <a:xfrm flipV="1">
+            <a:off x="692150" y="3552825"/>
+            <a:ext cx="8825230" cy="9525"/>
+          </a:xfrm>
+          <a:prstGeom prst="line">
+            <a:avLst/>
+          </a:prstGeom>
+        </p:spPr>
+        <p:style>
+          <a:lnRef idx="1">
+            <a:schemeClr val="accent1"/>
+          </a:lnRef>
+          <a:fillRef idx="0">
+            <a:schemeClr val="accent1"/>
+          </a:fillRef>
+          <a:effectRef idx="0">
+            <a:schemeClr val="accent1"/>
+          </a:effectRef>
+          <a:fontRef idx="minor">
+            <a:schemeClr val="tx1"/>
+          </a:fontRef>
+        </p:style>
+      </p:cxnSp>
+      <p:cxnSp>
+        <p:nvCxnSpPr>
+          <p:cNvPr id="40" name="直接连接符 39"/>
+          <p:cNvCxnSpPr/>
+          <p:nvPr/>
+        </p:nvCxnSpPr>
+        <p:spPr>
+          <a:xfrm flipV="1">
+            <a:off x="692150" y="2315210"/>
+            <a:ext cx="8825230" cy="9525"/>
+          </a:xfrm>
+          <a:prstGeom prst="line">
+            <a:avLst/>
+          </a:prstGeom>
+        </p:spPr>
+        <p:style>
+          <a:lnRef idx="1">
+            <a:schemeClr val="accent1"/>
+          </a:lnRef>
+          <a:fillRef idx="0">
+            <a:schemeClr val="accent1"/>
+          </a:fillRef>
+          <a:effectRef idx="0">
+            <a:schemeClr val="accent1"/>
+          </a:effectRef>
+          <a:fontRef idx="minor">
+            <a:schemeClr val="tx1"/>
+          </a:fontRef>
+        </p:style>
+      </p:cxnSp>
+      <p:sp>
+        <p:nvSpPr>
+          <p:cNvPr id="41" name="矩形 40"/>
+          <p:cNvSpPr/>
+          <p:nvPr/>
+        </p:nvSpPr>
+        <p:spPr>
+          <a:xfrm>
+            <a:off x="2687320" y="5195570"/>
+            <a:ext cx="1078230" cy="335915"/>
+          </a:xfrm>
+          <a:prstGeom prst="rect">
+            <a:avLst/>
+          </a:prstGeom>
+          <a:solidFill>
+            <a:schemeClr val="bg1"/>
+          </a:solidFill>
+        </p:spPr>
+        <p:style>
+          <a:lnRef idx="2">
+            <a:schemeClr val="accent1">
+              <a:shade val="50000"/>
+            </a:schemeClr>
+          </a:lnRef>
+          <a:fillRef idx="1">
+            <a:schemeClr val="accent1"/>
+          </a:fillRef>
+          <a:effectRef idx="0">
+            <a:schemeClr val="accent1"/>
+          </a:effectRef>
+          <a:fontRef idx="minor">
+            <a:schemeClr val="lt1"/>
+          </a:fontRef>
+        </p:style>
+        <p:txBody>
+          <a:bodyPr rtlCol="0" anchor="ctr"/>
+          <a:p>
+            <a:pPr algn="ctr"/>
+            <a:r>
+              <a:rPr lang="en-US" altLang="zh-CN">
+                <a:solidFill>
+                  <a:schemeClr val="tx1"/>
+                </a:solidFill>
+              </a:rPr>
+              <a:t>Sqoop</a:t>
+            </a:r>
+            <a:endParaRPr lang="en-US" altLang="zh-CN">
+              <a:solidFill>
+                <a:schemeClr val="tx1"/>
+              </a:solidFill>
+            </a:endParaRPr>
+          </a:p>
+        </p:txBody>
+      </p:sp>
+      <p:sp>
+        <p:nvSpPr>
+          <p:cNvPr id="42" name="矩形 41"/>
+          <p:cNvSpPr/>
+          <p:nvPr/>
+        </p:nvSpPr>
+        <p:spPr>
+          <a:xfrm>
+            <a:off x="4006215" y="5196840"/>
+            <a:ext cx="1078230" cy="335915"/>
+          </a:xfrm>
+          <a:prstGeom prst="rect">
+            <a:avLst/>
+          </a:prstGeom>
+          <a:solidFill>
+            <a:schemeClr val="bg1"/>
+          </a:solidFill>
+        </p:spPr>
+        <p:style>
+          <a:lnRef idx="2">
+            <a:schemeClr val="accent1">
+              <a:shade val="50000"/>
+            </a:schemeClr>
+          </a:lnRef>
+          <a:fillRef idx="1">
+            <a:schemeClr val="accent1"/>
+          </a:fillRef>
+          <a:effectRef idx="0">
+            <a:schemeClr val="accent1"/>
+          </a:effectRef>
+          <a:fontRef idx="minor">
+            <a:schemeClr val="lt1"/>
+          </a:fontRef>
+        </p:style>
+        <p:txBody>
+          <a:bodyPr rtlCol="0" anchor="ctr"/>
+          <a:p>
+            <a:pPr algn="ctr"/>
+            <a:r>
+              <a:rPr lang="en-US" altLang="zh-CN">
+                <a:solidFill>
+                  <a:schemeClr val="tx1"/>
+                </a:solidFill>
+              </a:rPr>
+              <a:t>Flume</a:t>
+            </a:r>
+            <a:endParaRPr lang="en-US" altLang="zh-CN">
+              <a:solidFill>
+                <a:schemeClr val="tx1"/>
+              </a:solidFill>
+            </a:endParaRPr>
+          </a:p>
+        </p:txBody>
+      </p:sp>
+      <p:sp>
+        <p:nvSpPr>
+          <p:cNvPr id="43" name="矩形 42"/>
+          <p:cNvSpPr/>
+          <p:nvPr/>
+        </p:nvSpPr>
+        <p:spPr>
+          <a:xfrm>
+            <a:off x="2533650" y="3389630"/>
+            <a:ext cx="1078230" cy="335915"/>
+          </a:xfrm>
+          <a:prstGeom prst="rect">
+            <a:avLst/>
+          </a:prstGeom>
+          <a:solidFill>
+            <a:schemeClr val="bg1"/>
+          </a:solidFill>
+        </p:spPr>
+        <p:style>
+          <a:lnRef idx="2">
+            <a:schemeClr val="accent1">
+              <a:shade val="50000"/>
+            </a:schemeClr>
+          </a:lnRef>
+          <a:fillRef idx="1">
+            <a:schemeClr val="accent1"/>
+          </a:fillRef>
+          <a:effectRef idx="0">
+            <a:schemeClr val="accent1"/>
+          </a:effectRef>
+          <a:fontRef idx="minor">
+            <a:schemeClr val="lt1"/>
+          </a:fontRef>
+        </p:style>
+        <p:txBody>
+          <a:bodyPr rtlCol="0" anchor="ctr"/>
+          <a:p>
+            <a:pPr algn="ctr"/>
+            <a:r>
+              <a:rPr lang="en-US" altLang="zh-CN">
+                <a:solidFill>
+                  <a:schemeClr val="tx1"/>
+                </a:solidFill>
+              </a:rPr>
+              <a:t>Sqoop</a:t>
+            </a:r>
+            <a:endParaRPr lang="en-US" altLang="zh-CN">
+              <a:solidFill>
+                <a:schemeClr val="tx1"/>
+              </a:solidFill>
+            </a:endParaRPr>
+          </a:p>
+        </p:txBody>
+      </p:sp>
+      <p:sp>
+        <p:nvSpPr>
+          <p:cNvPr id="2" name="矩形 1"/>
+          <p:cNvSpPr/>
+          <p:nvPr/>
+        </p:nvSpPr>
+        <p:spPr>
+          <a:xfrm>
+            <a:off x="5805805" y="3971290"/>
+            <a:ext cx="2550160" cy="441960"/>
+          </a:xfrm>
+          <a:prstGeom prst="rect">
+            <a:avLst/>
+          </a:prstGeom>
+          <a:solidFill>
+            <a:schemeClr val="bg1"/>
+          </a:solidFill>
+        </p:spPr>
+        <p:style>
+          <a:lnRef idx="2">
+            <a:schemeClr val="accent1">
+              <a:shade val="50000"/>
+            </a:schemeClr>
+          </a:lnRef>
+          <a:fillRef idx="1">
+            <a:schemeClr val="accent1"/>
+          </a:fillRef>
+          <a:effectRef idx="0">
+            <a:schemeClr val="accent1"/>
+          </a:effectRef>
+          <a:fontRef idx="minor">
+            <a:schemeClr val="lt1"/>
+          </a:fontRef>
+        </p:style>
+        <p:txBody>
+          <a:bodyPr rtlCol="0" anchor="ctr"/>
+          <a:p>
+            <a:pPr algn="ctr"/>
+            <a:r>
+              <a:rPr lang="en-US" altLang="zh-CN">
+                <a:solidFill>
+                  <a:schemeClr val="tx1"/>
+                </a:solidFill>
+              </a:rPr>
+              <a:t>MapReduce</a:t>
+            </a:r>
+            <a:endParaRPr lang="en-US" altLang="zh-CN">
+              <a:solidFill>
+                <a:schemeClr val="tx1"/>
+              </a:solidFill>
+            </a:endParaRPr>
+          </a:p>
+        </p:txBody>
+      </p:sp>
+    </p:spTree>
+    <p:custDataLst>
+      <p:tags r:id="rId1"/>
+    </p:custDataLst>
+  </p:cSld>
+  <p:clrMapOvr>
+    <a:masterClrMapping/>
+  </p:clrMapOvr>
+</p:sld>
+</file>
+
 <file path=ppt/slides/slide2.xml><?xml version="1.0" encoding="utf-8"?>
 <p:sld xmlns:a="http://schemas.openxmlformats.org/drawingml/2006/main" xmlns:r="http://schemas.openxmlformats.org/officeDocument/2006/relationships" xmlns:p="http://schemas.openxmlformats.org/presentationml/2006/main">
   <p:cSld>
@@ -7695,7 +9112,1108 @@
           <p:nvPr/>
         </p:nvGraphicFramePr>
         <p:xfrm>
-          <a:off x="130175" y="1320165"/>
+          <a:off x="74930" y="17145"/>
+          <a:ext cx="10982325" cy="2926080"/>
+        </p:xfrm>
+        <a:graphic>
+          <a:graphicData uri="http://schemas.openxmlformats.org/drawingml/2006/table">
+            <a:tbl>
+              <a:tblPr firstRow="1" bandRow="1">
+                <a:tableStyleId>{5C22544A-7EE6-4342-B048-85BDC9FD1C3A}</a:tableStyleId>
+              </a:tblPr>
+              <a:tblGrid>
+                <a:gridCol w="2196465"/>
+                <a:gridCol w="2196465"/>
+                <a:gridCol w="2196465"/>
+                <a:gridCol w="2196465"/>
+                <a:gridCol w="2196465"/>
+              </a:tblGrid>
+              <a:tr h="365760">
+                <a:tc>
+                  <a:txBody>
+                    <a:bodyPr/>
+                    <a:p>
+                      <a:pPr>
+                        <a:buNone/>
+                      </a:pPr>
+                      <a:r>
+                        <a:rPr lang="en-US" altLang="zh-CN"/>
+                        <a:t>node1</a:t>
+                      </a:r>
+                      <a:endParaRPr lang="en-US" altLang="zh-CN"/>
+                    </a:p>
+                  </a:txBody>
+                  <a:tcPr/>
+                </a:tc>
+                <a:tc>
+                  <a:txBody>
+                    <a:bodyPr/>
+                    <a:p>
+                      <a:pPr>
+                        <a:buNone/>
+                      </a:pPr>
+                      <a:r>
+                        <a:rPr lang="en-US" altLang="zh-CN"/>
+                        <a:t>node2</a:t>
+                      </a:r>
+                      <a:endParaRPr lang="en-US" altLang="zh-CN"/>
+                    </a:p>
+                  </a:txBody>
+                  <a:tcPr/>
+                </a:tc>
+                <a:tc>
+                  <a:txBody>
+                    <a:bodyPr/>
+                    <a:p>
+                      <a:pPr>
+                        <a:buNone/>
+                      </a:pPr>
+                      <a:r>
+                        <a:rPr lang="en-US" altLang="zh-CN"/>
+                        <a:t>node3</a:t>
+                      </a:r>
+                      <a:endParaRPr lang="en-US" altLang="zh-CN"/>
+                    </a:p>
+                  </a:txBody>
+                  <a:tcPr/>
+                </a:tc>
+                <a:tc>
+                  <a:txBody>
+                    <a:bodyPr/>
+                    <a:p>
+                      <a:pPr>
+                        <a:buNone/>
+                      </a:pPr>
+                      <a:r>
+                        <a:rPr lang="en-US" altLang="zh-CN"/>
+                        <a:t>node4</a:t>
+                      </a:r>
+                      <a:endParaRPr lang="en-US" altLang="zh-CN"/>
+                    </a:p>
+                  </a:txBody>
+                  <a:tcPr/>
+                </a:tc>
+                <a:tc>
+                  <a:txBody>
+                    <a:bodyPr/>
+                    <a:p>
+                      <a:pPr>
+                        <a:buNone/>
+                      </a:pPr>
+                      <a:r>
+                        <a:rPr lang="en-US" altLang="zh-CN"/>
+                        <a:t>node5</a:t>
+                      </a:r>
+                      <a:endParaRPr lang="en-US" altLang="zh-CN"/>
+                    </a:p>
+                  </a:txBody>
+                  <a:tcPr/>
+                </a:tc>
+              </a:tr>
+              <a:tr h="365760">
+                <a:tc>
+                  <a:txBody>
+                    <a:bodyPr/>
+                    <a:p>
+                      <a:pPr>
+                        <a:buNone/>
+                      </a:pPr>
+                      <a:r>
+                        <a:rPr lang="zh-CN" altLang="en-US"/>
+                        <a:t>DataNode</a:t>
+                      </a:r>
+                      <a:endParaRPr lang="zh-CN" altLang="en-US"/>
+                    </a:p>
+                  </a:txBody>
+                  <a:tcPr/>
+                </a:tc>
+                <a:tc>
+                  <a:txBody>
+                    <a:bodyPr/>
+                    <a:p>
+                      <a:pPr>
+                        <a:buNone/>
+                      </a:pPr>
+                      <a:r>
+                        <a:rPr lang="zh-CN" altLang="en-US"/>
+                        <a:t>DataNode</a:t>
+                      </a:r>
+                      <a:endParaRPr lang="zh-CN" altLang="en-US"/>
+                    </a:p>
+                  </a:txBody>
+                  <a:tcPr/>
+                </a:tc>
+                <a:tc>
+                  <a:txBody>
+                    <a:bodyPr/>
+                    <a:p>
+                      <a:pPr>
+                        <a:buNone/>
+                      </a:pPr>
+                      <a:r>
+                        <a:rPr lang="zh-CN" altLang="en-US"/>
+                        <a:t>DataNode</a:t>
+                      </a:r>
+                      <a:endParaRPr lang="zh-CN" altLang="en-US"/>
+                    </a:p>
+                  </a:txBody>
+                  <a:tcPr/>
+                </a:tc>
+                <a:tc>
+                  <a:txBody>
+                    <a:bodyPr/>
+                    <a:p>
+                      <a:pPr>
+                        <a:buNone/>
+                      </a:pPr>
+                      <a:r>
+                        <a:rPr lang="zh-CN" altLang="en-US" sz="1800">
+                          <a:sym typeface="+mn-ea"/>
+                        </a:rPr>
+                        <a:t>DataNode</a:t>
+                      </a:r>
+                      <a:endParaRPr lang="zh-CN" altLang="en-US"/>
+                    </a:p>
+                  </a:txBody>
+                  <a:tcPr/>
+                </a:tc>
+                <a:tc>
+                  <a:txBody>
+                    <a:bodyPr/>
+                    <a:p>
+                      <a:pPr>
+                        <a:buNone/>
+                      </a:pPr>
+                      <a:r>
+                        <a:rPr lang="zh-CN" altLang="en-US" sz="1800">
+                          <a:sym typeface="+mn-ea"/>
+                        </a:rPr>
+                        <a:t>DataNode</a:t>
+                      </a:r>
+                      <a:endParaRPr lang="zh-CN" altLang="en-US"/>
+                    </a:p>
+                  </a:txBody>
+                  <a:tcPr/>
+                </a:tc>
+              </a:tr>
+              <a:tr h="365760">
+                <a:tc>
+                  <a:txBody>
+                    <a:bodyPr/>
+                    <a:p>
+                      <a:pPr>
+                        <a:buNone/>
+                      </a:pPr>
+                      <a:r>
+                        <a:rPr lang="zh-CN" altLang="en-US"/>
+                        <a:t>NodeManager</a:t>
+                      </a:r>
+                      <a:endParaRPr lang="zh-CN" altLang="en-US"/>
+                    </a:p>
+                  </a:txBody>
+                  <a:tcPr/>
+                </a:tc>
+                <a:tc>
+                  <a:txBody>
+                    <a:bodyPr/>
+                    <a:p>
+                      <a:pPr>
+                        <a:buNone/>
+                      </a:pPr>
+                      <a:r>
+                        <a:rPr lang="zh-CN" altLang="en-US"/>
+                        <a:t>NodeManager</a:t>
+                      </a:r>
+                      <a:endParaRPr lang="zh-CN" altLang="en-US"/>
+                    </a:p>
+                  </a:txBody>
+                  <a:tcPr/>
+                </a:tc>
+                <a:tc>
+                  <a:txBody>
+                    <a:bodyPr/>
+                    <a:p>
+                      <a:pPr>
+                        <a:buNone/>
+                      </a:pPr>
+                      <a:r>
+                        <a:rPr lang="zh-CN" altLang="en-US"/>
+                        <a:t>NodeManager</a:t>
+                      </a:r>
+                      <a:endParaRPr lang="zh-CN" altLang="en-US"/>
+                    </a:p>
+                  </a:txBody>
+                  <a:tcPr/>
+                </a:tc>
+                <a:tc>
+                  <a:txBody>
+                    <a:bodyPr/>
+                    <a:p>
+                      <a:pPr>
+                        <a:buNone/>
+                      </a:pPr>
+                      <a:r>
+                        <a:rPr lang="zh-CN" altLang="en-US" sz="1800">
+                          <a:sym typeface="+mn-ea"/>
+                        </a:rPr>
+                        <a:t>NodeManager</a:t>
+                      </a:r>
+                      <a:endParaRPr lang="zh-CN" altLang="en-US"/>
+                    </a:p>
+                  </a:txBody>
+                  <a:tcPr/>
+                </a:tc>
+                <a:tc>
+                  <a:txBody>
+                    <a:bodyPr/>
+                    <a:p>
+                      <a:pPr>
+                        <a:buNone/>
+                      </a:pPr>
+                      <a:r>
+                        <a:rPr lang="zh-CN" altLang="en-US" sz="1800">
+                          <a:sym typeface="+mn-ea"/>
+                        </a:rPr>
+                        <a:t>NodeManager</a:t>
+                      </a:r>
+                      <a:endParaRPr lang="zh-CN" altLang="en-US"/>
+                    </a:p>
+                  </a:txBody>
+                  <a:tcPr/>
+                </a:tc>
+              </a:tr>
+              <a:tr h="365760">
+                <a:tc>
+                  <a:txBody>
+                    <a:bodyPr/>
+                    <a:p>
+                      <a:pPr>
+                        <a:buNone/>
+                      </a:pPr>
+                      <a:r>
+                        <a:rPr lang="zh-CN" altLang="en-US"/>
+                        <a:t>Zookeeper</a:t>
+                      </a:r>
+                      <a:endParaRPr lang="zh-CN" altLang="en-US"/>
+                    </a:p>
+                  </a:txBody>
+                  <a:tcPr/>
+                </a:tc>
+                <a:tc>
+                  <a:txBody>
+                    <a:bodyPr/>
+                    <a:p>
+                      <a:pPr>
+                        <a:buNone/>
+                      </a:pPr>
+                      <a:r>
+                        <a:rPr lang="zh-CN" altLang="en-US"/>
+                        <a:t>Zookeeper</a:t>
+                      </a:r>
+                      <a:endParaRPr lang="zh-CN" altLang="en-US"/>
+                    </a:p>
+                  </a:txBody>
+                  <a:tcPr/>
+                </a:tc>
+                <a:tc>
+                  <a:txBody>
+                    <a:bodyPr/>
+                    <a:p>
+                      <a:pPr>
+                        <a:buNone/>
+                      </a:pPr>
+                      <a:r>
+                        <a:rPr lang="zh-CN" altLang="en-US"/>
+                        <a:t>Zookeeper</a:t>
+                      </a:r>
+                      <a:endParaRPr lang="zh-CN" altLang="en-US"/>
+                    </a:p>
+                  </a:txBody>
+                  <a:tcPr/>
+                </a:tc>
+                <a:tc>
+                  <a:txBody>
+                    <a:bodyPr/>
+                    <a:p>
+                      <a:pPr>
+                        <a:buNone/>
+                      </a:pPr>
+                      <a:r>
+                        <a:rPr lang="zh-CN" altLang="en-US"/>
+                        <a:t>NameNode(S)</a:t>
+                      </a:r>
+                      <a:endParaRPr lang="zh-CN" altLang="en-US"/>
+                    </a:p>
+                  </a:txBody>
+                  <a:tcPr/>
+                </a:tc>
+                <a:tc>
+                  <a:txBody>
+                    <a:bodyPr/>
+                    <a:p>
+                      <a:pPr>
+                        <a:buNone/>
+                      </a:pPr>
+                      <a:r>
+                        <a:rPr lang="zh-CN" altLang="en-US"/>
+                        <a:t>NameNode(A)</a:t>
+                      </a:r>
+                      <a:endParaRPr lang="zh-CN" altLang="en-US"/>
+                    </a:p>
+                  </a:txBody>
+                  <a:tcPr/>
+                </a:tc>
+              </a:tr>
+              <a:tr h="365760">
+                <a:tc>
+                  <a:txBody>
+                    <a:bodyPr/>
+                    <a:p>
+                      <a:pPr>
+                        <a:buNone/>
+                      </a:pPr>
+                      <a:endParaRPr lang="zh-CN" altLang="en-US"/>
+                    </a:p>
+                  </a:txBody>
+                  <a:tcPr/>
+                </a:tc>
+                <a:tc>
+                  <a:txBody>
+                    <a:bodyPr/>
+                    <a:p>
+                      <a:pPr>
+                        <a:buNone/>
+                      </a:pPr>
+                      <a:endParaRPr lang="zh-CN" altLang="en-US"/>
+                    </a:p>
+                  </a:txBody>
+                  <a:tcPr/>
+                </a:tc>
+                <a:tc>
+                  <a:txBody>
+                    <a:bodyPr/>
+                    <a:p>
+                      <a:pPr>
+                        <a:buNone/>
+                      </a:pPr>
+                      <a:endParaRPr lang="zh-CN" altLang="en-US"/>
+                    </a:p>
+                  </a:txBody>
+                  <a:tcPr/>
+                </a:tc>
+                <a:tc>
+                  <a:txBody>
+                    <a:bodyPr/>
+                    <a:p>
+                      <a:pPr>
+                        <a:buNone/>
+                      </a:pPr>
+                      <a:r>
+                        <a:rPr lang="zh-CN" altLang="en-US"/>
+                        <a:t>JournalNode</a:t>
+                      </a:r>
+                      <a:endParaRPr lang="zh-CN" altLang="en-US"/>
+                    </a:p>
+                  </a:txBody>
+                  <a:tcPr/>
+                </a:tc>
+                <a:tc>
+                  <a:txBody>
+                    <a:bodyPr/>
+                    <a:p>
+                      <a:pPr>
+                        <a:buNone/>
+                      </a:pPr>
+                      <a:r>
+                        <a:rPr lang="zh-CN" altLang="en-US"/>
+                        <a:t>JournalNode</a:t>
+                      </a:r>
+                      <a:endParaRPr lang="zh-CN" altLang="en-US"/>
+                    </a:p>
+                  </a:txBody>
+                  <a:tcPr/>
+                </a:tc>
+              </a:tr>
+              <a:tr h="365760">
+                <a:tc>
+                  <a:txBody>
+                    <a:bodyPr/>
+                    <a:p>
+                      <a:pPr>
+                        <a:buNone/>
+                      </a:pPr>
+                      <a:endParaRPr lang="zh-CN" altLang="en-US"/>
+                    </a:p>
+                  </a:txBody>
+                  <a:tcPr/>
+                </a:tc>
+                <a:tc>
+                  <a:txBody>
+                    <a:bodyPr/>
+                    <a:p>
+                      <a:pPr>
+                        <a:buNone/>
+                      </a:pPr>
+                      <a:endParaRPr lang="zh-CN" altLang="en-US"/>
+                    </a:p>
+                  </a:txBody>
+                  <a:tcPr/>
+                </a:tc>
+                <a:tc>
+                  <a:txBody>
+                    <a:bodyPr/>
+                    <a:p>
+                      <a:pPr>
+                        <a:buNone/>
+                      </a:pPr>
+                      <a:endParaRPr lang="zh-CN" altLang="en-US"/>
+                    </a:p>
+                  </a:txBody>
+                  <a:tcPr/>
+                </a:tc>
+                <a:tc>
+                  <a:txBody>
+                    <a:bodyPr/>
+                    <a:p>
+                      <a:pPr>
+                        <a:buNone/>
+                      </a:pPr>
+                      <a:r>
+                        <a:rPr lang="zh-CN" altLang="en-US"/>
+                        <a:t>ResourceManager(S)</a:t>
+                      </a:r>
+                      <a:endParaRPr lang="zh-CN" altLang="en-US"/>
+                    </a:p>
+                  </a:txBody>
+                  <a:tcPr/>
+                </a:tc>
+                <a:tc>
+                  <a:txBody>
+                    <a:bodyPr/>
+                    <a:p>
+                      <a:pPr>
+                        <a:buNone/>
+                      </a:pPr>
+                      <a:r>
+                        <a:rPr lang="zh-CN" altLang="en-US"/>
+                        <a:t>ResourceManager(A)</a:t>
+                      </a:r>
+                      <a:endParaRPr lang="zh-CN" altLang="en-US"/>
+                    </a:p>
+                  </a:txBody>
+                  <a:tcPr/>
+                </a:tc>
+              </a:tr>
+              <a:tr h="365760">
+                <a:tc>
+                  <a:txBody>
+                    <a:bodyPr/>
+                    <a:p>
+                      <a:pPr>
+                        <a:buNone/>
+                      </a:pPr>
+                      <a:endParaRPr lang="zh-CN" altLang="en-US"/>
+                    </a:p>
+                  </a:txBody>
+                  <a:tcPr/>
+                </a:tc>
+                <a:tc>
+                  <a:txBody>
+                    <a:bodyPr/>
+                    <a:p>
+                      <a:pPr>
+                        <a:buNone/>
+                      </a:pPr>
+                      <a:endParaRPr lang="zh-CN" altLang="en-US"/>
+                    </a:p>
+                  </a:txBody>
+                  <a:tcPr/>
+                </a:tc>
+                <a:tc>
+                  <a:txBody>
+                    <a:bodyPr/>
+                    <a:p>
+                      <a:pPr>
+                        <a:buNone/>
+                      </a:pPr>
+                      <a:endParaRPr lang="zh-CN" altLang="en-US"/>
+                    </a:p>
+                  </a:txBody>
+                  <a:tcPr/>
+                </a:tc>
+                <a:tc>
+                  <a:txBody>
+                    <a:bodyPr/>
+                    <a:p>
+                      <a:pPr>
+                        <a:buNone/>
+                      </a:pPr>
+                      <a:r>
+                        <a:rPr lang="en-US" altLang="zh-CN" sz="1800">
+                          <a:sym typeface="+mn-ea"/>
+                        </a:rPr>
+                        <a:t>Oozie/</a:t>
+                      </a:r>
+                      <a:r>
+                        <a:rPr lang="en-US" altLang="zh-CN" sz="1800">
+                          <a:sym typeface="+mn-ea"/>
+                        </a:rPr>
+                        <a:t>Hive</a:t>
+                      </a:r>
+                      <a:endParaRPr lang="zh-CN" altLang="en-US"/>
+                    </a:p>
+                  </a:txBody>
+                  <a:tcPr/>
+                </a:tc>
+                <a:tc>
+                  <a:txBody>
+                    <a:bodyPr/>
+                    <a:p>
+                      <a:pPr>
+                        <a:buNone/>
+                      </a:pPr>
+                      <a:r>
+                        <a:rPr lang="zh-CN" altLang="en-US" sz="1800">
+                          <a:sym typeface="+mn-ea"/>
+                        </a:rPr>
+                        <a:t>HistoryManager</a:t>
+                      </a:r>
+                      <a:endParaRPr lang="en-US" altLang="zh-CN" sz="1800">
+                        <a:sym typeface="+mn-ea"/>
+                      </a:endParaRPr>
+                    </a:p>
+                  </a:txBody>
+                  <a:tcPr/>
+                </a:tc>
+              </a:tr>
+              <a:tr h="365760">
+                <a:tc>
+                  <a:txBody>
+                    <a:bodyPr/>
+                    <a:p>
+                      <a:pPr>
+                        <a:buNone/>
+                      </a:pPr>
+                      <a:endParaRPr lang="zh-CN" altLang="en-US"/>
+                    </a:p>
+                  </a:txBody>
+                  <a:tcPr/>
+                </a:tc>
+                <a:tc>
+                  <a:txBody>
+                    <a:bodyPr/>
+                    <a:p>
+                      <a:pPr>
+                        <a:buNone/>
+                      </a:pPr>
+                      <a:endParaRPr lang="zh-CN" altLang="en-US"/>
+                    </a:p>
+                  </a:txBody>
+                  <a:tcPr/>
+                </a:tc>
+                <a:tc>
+                  <a:txBody>
+                    <a:bodyPr/>
+                    <a:p>
+                      <a:pPr>
+                        <a:buNone/>
+                      </a:pPr>
+                      <a:endParaRPr lang="zh-CN" altLang="en-US"/>
+                    </a:p>
+                  </a:txBody>
+                  <a:tcPr/>
+                </a:tc>
+                <a:tc>
+                  <a:txBody>
+                    <a:bodyPr/>
+                    <a:p>
+                      <a:pPr>
+                        <a:buNone/>
+                      </a:pPr>
+                      <a:r>
+                        <a:rPr lang="en-US" altLang="zh-CN" sz="1800">
+                          <a:sym typeface="+mn-ea"/>
+                        </a:rPr>
+                        <a:t>Sqoop</a:t>
+                      </a:r>
+                      <a:endParaRPr lang="zh-CN" altLang="en-US"/>
+                    </a:p>
+                  </a:txBody>
+                  <a:tcPr/>
+                </a:tc>
+                <a:tc>
+                  <a:txBody>
+                    <a:bodyPr/>
+                    <a:p>
+                      <a:pPr>
+                        <a:buNone/>
+                      </a:pPr>
+                      <a:r>
+                        <a:rPr lang="en-US" altLang="zh-CN" sz="1800">
+                          <a:sym typeface="+mn-ea"/>
+                        </a:rPr>
+                        <a:t>Hue</a:t>
+                      </a:r>
+                      <a:endParaRPr lang="en-US" altLang="zh-CN" sz="1800">
+                        <a:sym typeface="+mn-ea"/>
+                      </a:endParaRPr>
+                    </a:p>
+                  </a:txBody>
+                  <a:tcPr/>
+                </a:tc>
+              </a:tr>
+            </a:tbl>
+          </a:graphicData>
+        </a:graphic>
+      </p:graphicFrame>
+      <p:graphicFrame>
+        <p:nvGraphicFramePr>
+          <p:cNvPr id="8" name="表格 7"/>
+          <p:cNvGraphicFramePr/>
+          <p:nvPr/>
+        </p:nvGraphicFramePr>
+        <p:xfrm>
+          <a:off x="140970" y="3253105"/>
+          <a:ext cx="8531225" cy="2667000"/>
+        </p:xfrm>
+        <a:graphic>
+          <a:graphicData uri="http://schemas.openxmlformats.org/drawingml/2006/table">
+            <a:tbl>
+              <a:tblPr firstRow="1" bandRow="1">
+                <a:tableStyleId>{5C22544A-7EE6-4342-B048-85BDC9FD1C3A}</a:tableStyleId>
+              </a:tblPr>
+              <a:tblGrid>
+                <a:gridCol w="1706245"/>
+                <a:gridCol w="1706245"/>
+                <a:gridCol w="1706245"/>
+                <a:gridCol w="1706245"/>
+              </a:tblGrid>
+              <a:tr h="381000">
+                <a:tc>
+                  <a:txBody>
+                    <a:bodyPr/>
+                    <a:p>
+                      <a:pPr>
+                        <a:buNone/>
+                      </a:pPr>
+                      <a:endParaRPr lang="zh-CN" altLang="en-US"/>
+                    </a:p>
+                  </a:txBody>
+                  <a:tcPr/>
+                </a:tc>
+                <a:tc>
+                  <a:txBody>
+                    <a:bodyPr/>
+                    <a:p>
+                      <a:pPr>
+                        <a:buNone/>
+                      </a:pPr>
+                      <a:r>
+                        <a:rPr lang="en-US" altLang="zh-CN"/>
+                        <a:t>cup</a:t>
+                      </a:r>
+                      <a:endParaRPr lang="en-US" altLang="zh-CN"/>
+                    </a:p>
+                  </a:txBody>
+                  <a:tcPr/>
+                </a:tc>
+                <a:tc>
+                  <a:txBody>
+                    <a:bodyPr/>
+                    <a:p>
+                      <a:pPr>
+                        <a:buNone/>
+                      </a:pPr>
+                      <a:r>
+                        <a:rPr lang="zh-CN" altLang="en-US"/>
+                        <a:t>内存</a:t>
+                      </a:r>
+                      <a:endParaRPr lang="zh-CN" altLang="en-US"/>
+                    </a:p>
+                  </a:txBody>
+                  <a:tcPr/>
+                </a:tc>
+                <a:tc>
+                  <a:txBody>
+                    <a:bodyPr/>
+                    <a:p>
+                      <a:pPr>
+                        <a:buNone/>
+                      </a:pPr>
+                      <a:r>
+                        <a:rPr lang="zh-CN" altLang="en-US"/>
+                        <a:t>硬盘</a:t>
+                      </a:r>
+                      <a:endParaRPr lang="zh-CN" altLang="en-US"/>
+                    </a:p>
+                  </a:txBody>
+                  <a:tcPr/>
+                </a:tc>
+              </a:tr>
+              <a:tr h="381000">
+                <a:tc>
+                  <a:txBody>
+                    <a:bodyPr/>
+                    <a:p>
+                      <a:pPr>
+                        <a:buNone/>
+                      </a:pPr>
+                      <a:r>
+                        <a:rPr lang="en-US" altLang="zh-CN"/>
+                        <a:t>node1</a:t>
+                      </a:r>
+                      <a:endParaRPr lang="en-US" altLang="zh-CN"/>
+                    </a:p>
+                  </a:txBody>
+                  <a:tcPr/>
+                </a:tc>
+                <a:tc>
+                  <a:txBody>
+                    <a:bodyPr/>
+                    <a:p>
+                      <a:pPr>
+                        <a:buNone/>
+                      </a:pPr>
+                      <a:r>
+                        <a:rPr lang="en-US" altLang="zh-CN"/>
+                        <a:t>4</a:t>
+                      </a:r>
+                      <a:endParaRPr lang="en-US" altLang="zh-CN"/>
+                    </a:p>
+                  </a:txBody>
+                  <a:tcPr/>
+                </a:tc>
+                <a:tc>
+                  <a:txBody>
+                    <a:bodyPr/>
+                    <a:p>
+                      <a:pPr>
+                        <a:buNone/>
+                      </a:pPr>
+                      <a:r>
+                        <a:rPr lang="en-US" altLang="zh-CN"/>
+                        <a:t>8</a:t>
+                      </a:r>
+                      <a:endParaRPr lang="en-US" altLang="zh-CN"/>
+                    </a:p>
+                  </a:txBody>
+                  <a:tcPr/>
+                </a:tc>
+                <a:tc>
+                  <a:txBody>
+                    <a:bodyPr/>
+                    <a:p>
+                      <a:pPr>
+                        <a:buNone/>
+                      </a:pPr>
+                      <a:r>
+                        <a:rPr lang="en-US" altLang="zh-CN"/>
+                        <a:t>1T</a:t>
+                      </a:r>
+                      <a:endParaRPr lang="en-US" altLang="zh-CN"/>
+                    </a:p>
+                  </a:txBody>
+                  <a:tcPr/>
+                </a:tc>
+              </a:tr>
+              <a:tr h="381000">
+                <a:tc>
+                  <a:txBody>
+                    <a:bodyPr/>
+                    <a:p>
+                      <a:pPr>
+                        <a:buNone/>
+                      </a:pPr>
+                      <a:r>
+                        <a:rPr lang="en-US" altLang="zh-CN" sz="1800">
+                          <a:sym typeface="+mn-ea"/>
+                        </a:rPr>
+                        <a:t>node2</a:t>
+                      </a:r>
+                      <a:endParaRPr lang="zh-CN" altLang="en-US"/>
+                    </a:p>
+                  </a:txBody>
+                  <a:tcPr/>
+                </a:tc>
+                <a:tc>
+                  <a:txBody>
+                    <a:bodyPr/>
+                    <a:p>
+                      <a:pPr>
+                        <a:buNone/>
+                      </a:pPr>
+                      <a:r>
+                        <a:rPr lang="en-US" altLang="zh-CN"/>
+                        <a:t>4</a:t>
+                      </a:r>
+                      <a:endParaRPr lang="en-US" altLang="zh-CN"/>
+                    </a:p>
+                  </a:txBody>
+                  <a:tcPr/>
+                </a:tc>
+                <a:tc>
+                  <a:txBody>
+                    <a:bodyPr/>
+                    <a:p>
+                      <a:pPr>
+                        <a:buNone/>
+                      </a:pPr>
+                      <a:r>
+                        <a:rPr lang="en-US" altLang="zh-CN"/>
+                        <a:t>8</a:t>
+                      </a:r>
+                      <a:endParaRPr lang="en-US" altLang="zh-CN"/>
+                    </a:p>
+                  </a:txBody>
+                  <a:tcPr/>
+                </a:tc>
+                <a:tc>
+                  <a:txBody>
+                    <a:bodyPr/>
+                    <a:p>
+                      <a:pPr>
+                        <a:buNone/>
+                      </a:pPr>
+                      <a:r>
+                        <a:rPr lang="en-US" altLang="zh-CN"/>
+                        <a:t>1T</a:t>
+                      </a:r>
+                      <a:endParaRPr lang="en-US" altLang="zh-CN"/>
+                    </a:p>
+                  </a:txBody>
+                  <a:tcPr/>
+                </a:tc>
+              </a:tr>
+              <a:tr h="381000">
+                <a:tc>
+                  <a:txBody>
+                    <a:bodyPr/>
+                    <a:p>
+                      <a:pPr>
+                        <a:buNone/>
+                      </a:pPr>
+                      <a:r>
+                        <a:rPr lang="en-US" altLang="zh-CN" sz="1800">
+                          <a:sym typeface="+mn-ea"/>
+                        </a:rPr>
+                        <a:t>node3</a:t>
+                      </a:r>
+                      <a:endParaRPr lang="zh-CN" altLang="en-US"/>
+                    </a:p>
+                  </a:txBody>
+                  <a:tcPr/>
+                </a:tc>
+                <a:tc>
+                  <a:txBody>
+                    <a:bodyPr/>
+                    <a:p>
+                      <a:pPr>
+                        <a:buNone/>
+                      </a:pPr>
+                      <a:r>
+                        <a:rPr lang="en-US" altLang="zh-CN"/>
+                        <a:t>4</a:t>
+                      </a:r>
+                      <a:endParaRPr lang="en-US" altLang="zh-CN"/>
+                    </a:p>
+                  </a:txBody>
+                  <a:tcPr/>
+                </a:tc>
+                <a:tc>
+                  <a:txBody>
+                    <a:bodyPr/>
+                    <a:p>
+                      <a:pPr>
+                        <a:buNone/>
+                      </a:pPr>
+                      <a:r>
+                        <a:rPr lang="en-US" altLang="zh-CN"/>
+                        <a:t>8</a:t>
+                      </a:r>
+                      <a:endParaRPr lang="en-US" altLang="zh-CN"/>
+                    </a:p>
+                  </a:txBody>
+                  <a:tcPr/>
+                </a:tc>
+                <a:tc>
+                  <a:txBody>
+                    <a:bodyPr/>
+                    <a:p>
+                      <a:pPr>
+                        <a:buNone/>
+                      </a:pPr>
+                      <a:r>
+                        <a:rPr lang="en-US" altLang="zh-CN"/>
+                        <a:t>1T</a:t>
+                      </a:r>
+                      <a:endParaRPr lang="en-US" altLang="zh-CN"/>
+                    </a:p>
+                  </a:txBody>
+                  <a:tcPr/>
+                </a:tc>
+              </a:tr>
+              <a:tr h="381000">
+                <a:tc>
+                  <a:txBody>
+                    <a:bodyPr/>
+                    <a:p>
+                      <a:pPr>
+                        <a:buNone/>
+                      </a:pPr>
+                      <a:r>
+                        <a:rPr lang="en-US" altLang="zh-CN"/>
+                        <a:t>node4</a:t>
+                      </a:r>
+                      <a:endParaRPr lang="en-US" altLang="zh-CN"/>
+                    </a:p>
+                  </a:txBody>
+                  <a:tcPr/>
+                </a:tc>
+                <a:tc>
+                  <a:txBody>
+                    <a:bodyPr/>
+                    <a:p>
+                      <a:pPr>
+                        <a:buNone/>
+                      </a:pPr>
+                      <a:r>
+                        <a:rPr lang="en-US" altLang="zh-CN"/>
+                        <a:t>8</a:t>
+                      </a:r>
+                      <a:endParaRPr lang="en-US" altLang="zh-CN"/>
+                    </a:p>
+                  </a:txBody>
+                  <a:tcPr/>
+                </a:tc>
+                <a:tc>
+                  <a:txBody>
+                    <a:bodyPr/>
+                    <a:p>
+                      <a:pPr>
+                        <a:buNone/>
+                      </a:pPr>
+                      <a:r>
+                        <a:rPr lang="en-US" altLang="zh-CN"/>
+                        <a:t>16</a:t>
+                      </a:r>
+                      <a:endParaRPr lang="en-US" altLang="zh-CN"/>
+                    </a:p>
+                  </a:txBody>
+                  <a:tcPr/>
+                </a:tc>
+                <a:tc>
+                  <a:txBody>
+                    <a:bodyPr/>
+                    <a:p>
+                      <a:pPr>
+                        <a:buNone/>
+                      </a:pPr>
+                      <a:r>
+                        <a:rPr lang="en-US" altLang="zh-CN"/>
+                        <a:t>1T</a:t>
+                      </a:r>
+                      <a:endParaRPr lang="en-US" altLang="zh-CN"/>
+                    </a:p>
+                  </a:txBody>
+                  <a:tcPr/>
+                </a:tc>
+              </a:tr>
+              <a:tr h="381000">
+                <a:tc>
+                  <a:txBody>
+                    <a:bodyPr/>
+                    <a:p>
+                      <a:pPr>
+                        <a:buNone/>
+                      </a:pPr>
+                      <a:r>
+                        <a:rPr lang="en-US" altLang="zh-CN"/>
+                        <a:t>node5</a:t>
+                      </a:r>
+                      <a:endParaRPr lang="en-US" altLang="zh-CN"/>
+                    </a:p>
+                  </a:txBody>
+                  <a:tcPr/>
+                </a:tc>
+                <a:tc>
+                  <a:txBody>
+                    <a:bodyPr/>
+                    <a:p>
+                      <a:pPr>
+                        <a:buNone/>
+                      </a:pPr>
+                      <a:r>
+                        <a:rPr lang="en-US" altLang="zh-CN"/>
+                        <a:t>8</a:t>
+                      </a:r>
+                      <a:endParaRPr lang="en-US" altLang="zh-CN"/>
+                    </a:p>
+                  </a:txBody>
+                  <a:tcPr/>
+                </a:tc>
+                <a:tc>
+                  <a:txBody>
+                    <a:bodyPr/>
+                    <a:p>
+                      <a:pPr>
+                        <a:buNone/>
+                      </a:pPr>
+                      <a:r>
+                        <a:rPr lang="en-US" altLang="zh-CN"/>
+                        <a:t>16</a:t>
+                      </a:r>
+                      <a:endParaRPr lang="en-US" altLang="zh-CN"/>
+                    </a:p>
+                  </a:txBody>
+                  <a:tcPr/>
+                </a:tc>
+                <a:tc>
+                  <a:txBody>
+                    <a:bodyPr/>
+                    <a:p>
+                      <a:pPr>
+                        <a:buNone/>
+                      </a:pPr>
+                      <a:r>
+                        <a:rPr lang="en-US" altLang="zh-CN"/>
+                        <a:t>1T</a:t>
+                      </a:r>
+                      <a:endParaRPr lang="en-US" altLang="zh-CN"/>
+                    </a:p>
+                  </a:txBody>
+                  <a:tcPr/>
+                </a:tc>
+              </a:tr>
+            </a:tbl>
+          </a:graphicData>
+        </a:graphic>
+      </p:graphicFrame>
+    </p:spTree>
+  </p:cSld>
+  <p:clrMapOvr>
+    <a:masterClrMapping/>
+  </p:clrMapOvr>
+</p:sld>
+</file>
+
+<file path=ppt/slides/slide6.xml><?xml version="1.0" encoding="utf-8"?>
+<p:sld xmlns:a="http://schemas.openxmlformats.org/drawingml/2006/main" xmlns:r="http://schemas.openxmlformats.org/officeDocument/2006/relationships" xmlns:p="http://schemas.openxmlformats.org/presentationml/2006/main">
+  <p:cSld>
+    <p:spTree>
+      <p:nvGrpSpPr>
+        <p:cNvPr id="1" name=""/>
+        <p:cNvGrpSpPr/>
+        <p:nvPr/>
+      </p:nvGrpSpPr>
+      <p:grpSpPr/>
+      <p:graphicFrame>
+        <p:nvGraphicFramePr>
+          <p:cNvPr id="2" name="表格 1"/>
+          <p:cNvGraphicFramePr/>
+          <p:nvPr/>
+        </p:nvGraphicFramePr>
+        <p:xfrm>
+          <a:off x="36195" y="148590"/>
           <a:ext cx="11929110" cy="3688080"/>
         </p:xfrm>
         <a:graphic>
@@ -8244,7 +10762,7 @@
                   <a:tcPr/>
                 </a:tc>
               </a:tr>
-              <a:tr h="381000">
+              <a:tr h="640080">
                 <a:tc>
                   <a:txBody>
                     <a:bodyPr/>
@@ -8486,1340 +11004,6 @@
           </a:graphicData>
         </a:graphic>
       </p:graphicFrame>
-      <p:sp>
-        <p:nvSpPr>
-          <p:cNvPr id="3" name="文本框 2"/>
-          <p:cNvSpPr txBox="1"/>
-          <p:nvPr/>
-        </p:nvSpPr>
-        <p:spPr>
-          <a:xfrm>
-            <a:off x="4826000" y="3244850"/>
-            <a:ext cx="2540000" cy="368300"/>
-          </a:xfrm>
-          <a:prstGeom prst="rect">
-            <a:avLst/>
-          </a:prstGeom>
-          <a:noFill/>
-        </p:spPr>
-        <p:txBody>
-          <a:bodyPr wrap="square" rtlCol="0" anchor="t">
-            <a:spAutoFit/>
-          </a:bodyPr>
-          <a:p>
-            <a:r>
-              <a:rPr lang="zh-CN" altLang="en-US"/>
-              <a:t>99-其它</a:t>
-            </a:r>
-            <a:endParaRPr lang="zh-CN" altLang="en-US"/>
-          </a:p>
-        </p:txBody>
-      </p:sp>
-    </p:spTree>
-  </p:cSld>
-  <p:clrMapOvr>
-    <a:masterClrMapping/>
-  </p:clrMapOvr>
-</p:sld>
-</file>
-
-<file path=ppt/slides/slide6.xml><?xml version="1.0" encoding="utf-8"?>
-<p:sld xmlns:a="http://schemas.openxmlformats.org/drawingml/2006/main" xmlns:r="http://schemas.openxmlformats.org/officeDocument/2006/relationships" xmlns:p="http://schemas.openxmlformats.org/presentationml/2006/main">
-  <p:cSld>
-    <p:spTree>
-      <p:nvGrpSpPr>
-        <p:cNvPr id="1" name=""/>
-        <p:cNvGrpSpPr/>
-        <p:nvPr/>
-      </p:nvGrpSpPr>
-      <p:grpSpPr>
-        <a:xfrm>
-          <a:off x="0" y="0"/>
-          <a:ext cx="0" cy="0"/>
-          <a:chOff x="0" y="0"/>
-          <a:chExt cx="0" cy="0"/>
-        </a:xfrm>
-      </p:grpSpPr>
-      <p:sp>
-        <p:nvSpPr>
-          <p:cNvPr id="4" name="圆角矩形 3"/>
-          <p:cNvSpPr/>
-          <p:nvPr/>
-        </p:nvSpPr>
-        <p:spPr>
-          <a:xfrm>
-            <a:off x="4312249" y="615484"/>
-            <a:ext cx="3147463" cy="558265"/>
-          </a:xfrm>
-          <a:prstGeom prst="roundRect">
-            <a:avLst/>
-          </a:prstGeom>
-        </p:spPr>
-        <p:style>
-          <a:lnRef idx="2">
-            <a:schemeClr val="accent1"/>
-          </a:lnRef>
-          <a:fillRef idx="1">
-            <a:schemeClr val="lt1"/>
-          </a:fillRef>
-          <a:effectRef idx="0">
-            <a:schemeClr val="accent1"/>
-          </a:effectRef>
-          <a:fontRef idx="minor">
-            <a:schemeClr val="dk1"/>
-          </a:fontRef>
-        </p:style>
-        <p:txBody>
-          <a:bodyPr rtlCol="0" anchor="ctr"/>
-          <a:lstStyle/>
-          <a:p>
-            <a:pPr algn="ctr"/>
-            <a:endParaRPr lang="zh-CN" altLang="en-US" dirty="0"/>
-          </a:p>
-        </p:txBody>
-      </p:sp>
-      <p:sp>
-        <p:nvSpPr>
-          <p:cNvPr id="6" name="圆角矩形 5"/>
-          <p:cNvSpPr/>
-          <p:nvPr/>
-        </p:nvSpPr>
-        <p:spPr>
-          <a:xfrm>
-            <a:off x="5452844" y="711738"/>
-            <a:ext cx="856647" cy="385010"/>
-          </a:xfrm>
-          <a:prstGeom prst="roundRect">
-            <a:avLst/>
-          </a:prstGeom>
-        </p:spPr>
-        <p:style>
-          <a:lnRef idx="2">
-            <a:schemeClr val="accent4">
-              <a:shade val="50000"/>
-            </a:schemeClr>
-          </a:lnRef>
-          <a:fillRef idx="1">
-            <a:schemeClr val="accent4"/>
-          </a:fillRef>
-          <a:effectRef idx="0">
-            <a:schemeClr val="accent4"/>
-          </a:effectRef>
-          <a:fontRef idx="minor">
-            <a:schemeClr val="lt1"/>
-          </a:fontRef>
-        </p:style>
-        <p:txBody>
-          <a:bodyPr rtlCol="0" anchor="ctr"/>
-          <a:lstStyle/>
-          <a:p>
-            <a:pPr algn="ctr"/>
-            <a:r>
-              <a:rPr lang="en-US" altLang="zh-CN" dirty="0" smtClean="0">
-                <a:solidFill>
-                  <a:srgbClr val="0070C0"/>
-                </a:solidFill>
-              </a:rPr>
-              <a:t>ZK</a:t>
-            </a:r>
-            <a:endParaRPr lang="zh-CN" altLang="en-US" dirty="0">
-              <a:solidFill>
-                <a:srgbClr val="0070C0"/>
-              </a:solidFill>
-            </a:endParaRPr>
-          </a:p>
-        </p:txBody>
-      </p:sp>
-      <p:sp>
-        <p:nvSpPr>
-          <p:cNvPr id="8" name="圆角矩形 7"/>
-          <p:cNvSpPr/>
-          <p:nvPr/>
-        </p:nvSpPr>
-        <p:spPr>
-          <a:xfrm>
-            <a:off x="1751929" y="2126649"/>
-            <a:ext cx="1501542" cy="1241658"/>
-          </a:xfrm>
-          <a:prstGeom prst="roundRect">
-            <a:avLst/>
-          </a:prstGeom>
-        </p:spPr>
-        <p:style>
-          <a:lnRef idx="2">
-            <a:schemeClr val="accent4">
-              <a:shade val="50000"/>
-            </a:schemeClr>
-          </a:lnRef>
-          <a:fillRef idx="1">
-            <a:schemeClr val="accent4"/>
-          </a:fillRef>
-          <a:effectRef idx="0">
-            <a:schemeClr val="accent4"/>
-          </a:effectRef>
-          <a:fontRef idx="minor">
-            <a:schemeClr val="lt1"/>
-          </a:fontRef>
-        </p:style>
-        <p:txBody>
-          <a:bodyPr rtlCol="0" anchor="ctr"/>
-          <a:lstStyle/>
-          <a:p>
-            <a:pPr algn="ctr"/>
-            <a:r>
-              <a:rPr lang="en-US" altLang="zh-CN" dirty="0" err="1" smtClean="0"/>
-              <a:t>NameNode</a:t>
-            </a:r>
-            <a:r>
-              <a:rPr lang="en-US" altLang="zh-CN" dirty="0" smtClean="0"/>
-              <a:t>(active)</a:t>
-            </a:r>
-            <a:endParaRPr lang="en-US" altLang="zh-CN" dirty="0" smtClean="0"/>
-          </a:p>
-          <a:p>
-            <a:pPr algn="ctr"/>
-            <a:r>
-              <a:rPr lang="en-US" altLang="zh-CN" dirty="0" err="1" smtClean="0">
-                <a:solidFill>
-                  <a:schemeClr val="tx1"/>
-                </a:solidFill>
-              </a:rPr>
-              <a:t>ResourceManager</a:t>
-            </a:r>
-            <a:endParaRPr lang="zh-CN" altLang="en-US" dirty="0">
-              <a:solidFill>
-                <a:schemeClr val="tx1"/>
-              </a:solidFill>
-            </a:endParaRPr>
-          </a:p>
-        </p:txBody>
-      </p:sp>
-      <p:sp>
-        <p:nvSpPr>
-          <p:cNvPr id="14" name="圆角矩形 13"/>
-          <p:cNvSpPr/>
-          <p:nvPr/>
-        </p:nvSpPr>
-        <p:spPr>
-          <a:xfrm>
-            <a:off x="5053395" y="2309521"/>
-            <a:ext cx="1299411" cy="558264"/>
-          </a:xfrm>
-          <a:prstGeom prst="roundRect">
-            <a:avLst/>
-          </a:prstGeom>
-        </p:spPr>
-        <p:style>
-          <a:lnRef idx="2">
-            <a:schemeClr val="accent4">
-              <a:shade val="50000"/>
-            </a:schemeClr>
-          </a:lnRef>
-          <a:fillRef idx="1">
-            <a:schemeClr val="accent4"/>
-          </a:fillRef>
-          <a:effectRef idx="0">
-            <a:schemeClr val="accent4"/>
-          </a:effectRef>
-          <a:fontRef idx="minor">
-            <a:schemeClr val="lt1"/>
-          </a:fontRef>
-        </p:style>
-        <p:txBody>
-          <a:bodyPr rtlCol="0" anchor="ctr"/>
-          <a:lstStyle/>
-          <a:p>
-            <a:pPr algn="ctr"/>
-            <a:r>
-              <a:rPr lang="en-US" altLang="zh-CN" dirty="0" err="1" smtClean="0"/>
-              <a:t>JouralNode</a:t>
-            </a:r>
-            <a:endParaRPr lang="zh-CN" altLang="en-US" dirty="0"/>
-          </a:p>
-        </p:txBody>
-      </p:sp>
-      <p:sp>
-        <p:nvSpPr>
-          <p:cNvPr id="15" name="圆角矩形 14"/>
-          <p:cNvSpPr/>
-          <p:nvPr/>
-        </p:nvSpPr>
-        <p:spPr>
-          <a:xfrm>
-            <a:off x="5168898" y="2444279"/>
-            <a:ext cx="1299411" cy="558264"/>
-          </a:xfrm>
-          <a:prstGeom prst="roundRect">
-            <a:avLst/>
-          </a:prstGeom>
-        </p:spPr>
-        <p:style>
-          <a:lnRef idx="2">
-            <a:schemeClr val="accent4">
-              <a:shade val="50000"/>
-            </a:schemeClr>
-          </a:lnRef>
-          <a:fillRef idx="1">
-            <a:schemeClr val="accent4"/>
-          </a:fillRef>
-          <a:effectRef idx="0">
-            <a:schemeClr val="accent4"/>
-          </a:effectRef>
-          <a:fontRef idx="minor">
-            <a:schemeClr val="lt1"/>
-          </a:fontRef>
-        </p:style>
-        <p:txBody>
-          <a:bodyPr rtlCol="0" anchor="ctr"/>
-          <a:lstStyle/>
-          <a:p>
-            <a:pPr algn="ctr"/>
-            <a:r>
-              <a:rPr lang="en-US" altLang="zh-CN" dirty="0" err="1" smtClean="0"/>
-              <a:t>JouralNode</a:t>
-            </a:r>
-            <a:endParaRPr lang="zh-CN" altLang="en-US" dirty="0"/>
-          </a:p>
-        </p:txBody>
-      </p:sp>
-      <p:sp>
-        <p:nvSpPr>
-          <p:cNvPr id="16" name="圆角矩形 15"/>
-          <p:cNvSpPr/>
-          <p:nvPr/>
-        </p:nvSpPr>
-        <p:spPr>
-          <a:xfrm>
-            <a:off x="5279586" y="2588662"/>
-            <a:ext cx="1299411" cy="558264"/>
-          </a:xfrm>
-          <a:prstGeom prst="roundRect">
-            <a:avLst/>
-          </a:prstGeom>
-        </p:spPr>
-        <p:style>
-          <a:lnRef idx="2">
-            <a:schemeClr val="accent4">
-              <a:shade val="50000"/>
-            </a:schemeClr>
-          </a:lnRef>
-          <a:fillRef idx="1">
-            <a:schemeClr val="accent4"/>
-          </a:fillRef>
-          <a:effectRef idx="0">
-            <a:schemeClr val="accent4"/>
-          </a:effectRef>
-          <a:fontRef idx="minor">
-            <a:schemeClr val="lt1"/>
-          </a:fontRef>
-        </p:style>
-        <p:txBody>
-          <a:bodyPr rtlCol="0" anchor="ctr"/>
-          <a:lstStyle/>
-          <a:p>
-            <a:pPr algn="ctr"/>
-            <a:r>
-              <a:rPr lang="en-US" altLang="zh-CN" dirty="0" err="1" smtClean="0"/>
-              <a:t>JouralNode</a:t>
-            </a:r>
-            <a:endParaRPr lang="zh-CN" altLang="en-US" dirty="0"/>
-          </a:p>
-        </p:txBody>
-      </p:sp>
-      <p:sp>
-        <p:nvSpPr>
-          <p:cNvPr id="17" name="圆角矩形 16"/>
-          <p:cNvSpPr/>
-          <p:nvPr/>
-        </p:nvSpPr>
-        <p:spPr>
-          <a:xfrm>
-            <a:off x="8494424" y="2126649"/>
-            <a:ext cx="1501542" cy="1222408"/>
-          </a:xfrm>
-          <a:prstGeom prst="roundRect">
-            <a:avLst/>
-          </a:prstGeom>
-        </p:spPr>
-        <p:style>
-          <a:lnRef idx="2">
-            <a:schemeClr val="accent4">
-              <a:shade val="50000"/>
-            </a:schemeClr>
-          </a:lnRef>
-          <a:fillRef idx="1">
-            <a:schemeClr val="accent4"/>
-          </a:fillRef>
-          <a:effectRef idx="0">
-            <a:schemeClr val="accent4"/>
-          </a:effectRef>
-          <a:fontRef idx="minor">
-            <a:schemeClr val="lt1"/>
-          </a:fontRef>
-        </p:style>
-        <p:txBody>
-          <a:bodyPr rtlCol="0" anchor="ctr"/>
-          <a:lstStyle/>
-          <a:p>
-            <a:pPr algn="ctr"/>
-            <a:r>
-              <a:rPr lang="en-US" altLang="zh-CN" dirty="0" err="1" smtClean="0"/>
-              <a:t>NameNode</a:t>
-            </a:r>
-            <a:endParaRPr lang="en-US" altLang="zh-CN" dirty="0" smtClean="0"/>
-          </a:p>
-          <a:p>
-            <a:pPr algn="ctr"/>
-            <a:r>
-              <a:rPr lang="en-US" altLang="zh-CN" dirty="0" smtClean="0"/>
-              <a:t>(standby)</a:t>
-            </a:r>
-            <a:endParaRPr lang="en-US" altLang="zh-CN" dirty="0" smtClean="0"/>
-          </a:p>
-          <a:p>
-            <a:pPr algn="ctr"/>
-            <a:r>
-              <a:rPr lang="en-US" altLang="zh-CN" dirty="0" err="1" smtClean="0">
-                <a:solidFill>
-                  <a:schemeClr val="tx1"/>
-                </a:solidFill>
-              </a:rPr>
-              <a:t>ResourceManager</a:t>
-            </a:r>
-            <a:endParaRPr lang="zh-CN" altLang="en-US" dirty="0">
-              <a:solidFill>
-                <a:schemeClr val="tx1"/>
-              </a:solidFill>
-            </a:endParaRPr>
-          </a:p>
-        </p:txBody>
-      </p:sp>
-      <p:cxnSp>
-        <p:nvCxnSpPr>
-          <p:cNvPr id="19" name="直接箭头连接符 18"/>
-          <p:cNvCxnSpPr>
-            <a:stCxn id="8" idx="0"/>
-            <a:endCxn id="4" idx="1"/>
-          </p:cNvCxnSpPr>
-          <p:nvPr/>
-        </p:nvCxnSpPr>
-        <p:spPr>
-          <a:xfrm flipV="1">
-            <a:off x="2512225" y="894749"/>
-            <a:ext cx="1809115" cy="1231900"/>
-          </a:xfrm>
-          <a:prstGeom prst="straightConnector1">
-            <a:avLst/>
-          </a:prstGeom>
-          <a:ln>
-            <a:tailEnd type="triangle"/>
-          </a:ln>
-        </p:spPr>
-        <p:style>
-          <a:lnRef idx="1">
-            <a:schemeClr val="accent1"/>
-          </a:lnRef>
-          <a:fillRef idx="0">
-            <a:schemeClr val="accent1"/>
-          </a:fillRef>
-          <a:effectRef idx="0">
-            <a:schemeClr val="accent1"/>
-          </a:effectRef>
-          <a:fontRef idx="minor">
-            <a:schemeClr val="tx1"/>
-          </a:fontRef>
-        </p:style>
-      </p:cxnSp>
-      <p:cxnSp>
-        <p:nvCxnSpPr>
-          <p:cNvPr id="21" name="直接箭头连接符 20"/>
-          <p:cNvCxnSpPr>
-            <a:stCxn id="17" idx="0"/>
-            <a:endCxn id="4" idx="3"/>
-          </p:cNvCxnSpPr>
-          <p:nvPr/>
-        </p:nvCxnSpPr>
-        <p:spPr>
-          <a:xfrm flipH="1" flipV="1">
-            <a:off x="7469100" y="894749"/>
-            <a:ext cx="1785620" cy="1231900"/>
-          </a:xfrm>
-          <a:prstGeom prst="straightConnector1">
-            <a:avLst/>
-          </a:prstGeom>
-          <a:ln>
-            <a:tailEnd type="triangle"/>
-          </a:ln>
-        </p:spPr>
-        <p:style>
-          <a:lnRef idx="1">
-            <a:schemeClr val="accent1"/>
-          </a:lnRef>
-          <a:fillRef idx="0">
-            <a:schemeClr val="accent1"/>
-          </a:fillRef>
-          <a:effectRef idx="0">
-            <a:schemeClr val="accent1"/>
-          </a:effectRef>
-          <a:fontRef idx="minor">
-            <a:schemeClr val="tx1"/>
-          </a:fontRef>
-        </p:style>
-      </p:cxnSp>
-      <p:cxnSp>
-        <p:nvCxnSpPr>
-          <p:cNvPr id="23" name="直接箭头连接符 22"/>
-          <p:cNvCxnSpPr>
-            <a:stCxn id="8" idx="3"/>
-            <a:endCxn id="14" idx="1"/>
-          </p:cNvCxnSpPr>
-          <p:nvPr/>
-        </p:nvCxnSpPr>
-        <p:spPr>
-          <a:xfrm flipV="1">
-            <a:off x="3262361" y="2588728"/>
-            <a:ext cx="1799590" cy="158750"/>
-          </a:xfrm>
-          <a:prstGeom prst="straightConnector1">
-            <a:avLst/>
-          </a:prstGeom>
-          <a:ln>
-            <a:tailEnd type="triangle"/>
-          </a:ln>
-        </p:spPr>
-        <p:style>
-          <a:lnRef idx="1">
-            <a:schemeClr val="accent2"/>
-          </a:lnRef>
-          <a:fillRef idx="0">
-            <a:schemeClr val="accent2"/>
-          </a:fillRef>
-          <a:effectRef idx="0">
-            <a:schemeClr val="accent2"/>
-          </a:effectRef>
-          <a:fontRef idx="minor">
-            <a:schemeClr val="tx1"/>
-          </a:fontRef>
-        </p:style>
-      </p:cxnSp>
-      <p:cxnSp>
-        <p:nvCxnSpPr>
-          <p:cNvPr id="28" name="直接箭头连接符 27"/>
-          <p:cNvCxnSpPr>
-            <a:stCxn id="16" idx="3"/>
-            <a:endCxn id="17" idx="1"/>
-          </p:cNvCxnSpPr>
-          <p:nvPr/>
-        </p:nvCxnSpPr>
-        <p:spPr>
-          <a:xfrm flipV="1">
-            <a:off x="6587252" y="2738254"/>
-            <a:ext cx="1915795" cy="130175"/>
-          </a:xfrm>
-          <a:prstGeom prst="straightConnector1">
-            <a:avLst/>
-          </a:prstGeom>
-          <a:ln>
-            <a:tailEnd type="triangle"/>
-          </a:ln>
-        </p:spPr>
-        <p:style>
-          <a:lnRef idx="1">
-            <a:schemeClr val="accent2"/>
-          </a:lnRef>
-          <a:fillRef idx="0">
-            <a:schemeClr val="accent2"/>
-          </a:fillRef>
-          <a:effectRef idx="0">
-            <a:schemeClr val="accent2"/>
-          </a:effectRef>
-          <a:fontRef idx="minor">
-            <a:schemeClr val="tx1"/>
-          </a:fontRef>
-        </p:style>
-      </p:cxnSp>
-      <p:sp>
-        <p:nvSpPr>
-          <p:cNvPr id="31" name="圆角矩形 30"/>
-          <p:cNvSpPr/>
-          <p:nvPr/>
-        </p:nvSpPr>
-        <p:spPr>
-          <a:xfrm>
-            <a:off x="2300569" y="5505118"/>
-            <a:ext cx="1645921" cy="529388"/>
-          </a:xfrm>
-          <a:prstGeom prst="roundRect">
-            <a:avLst/>
-          </a:prstGeom>
-        </p:spPr>
-        <p:style>
-          <a:lnRef idx="1">
-            <a:schemeClr val="accent1"/>
-          </a:lnRef>
-          <a:fillRef idx="2">
-            <a:schemeClr val="accent1"/>
-          </a:fillRef>
-          <a:effectRef idx="1">
-            <a:schemeClr val="accent1"/>
-          </a:effectRef>
-          <a:fontRef idx="minor">
-            <a:schemeClr val="dk1"/>
-          </a:fontRef>
-        </p:style>
-        <p:txBody>
-          <a:bodyPr rtlCol="0" anchor="ctr"/>
-          <a:lstStyle/>
-          <a:p>
-            <a:pPr algn="ctr"/>
-            <a:r>
-              <a:rPr lang="en-US" altLang="zh-CN" dirty="0" err="1" smtClean="0">
-                <a:solidFill>
-                  <a:schemeClr val="bg1"/>
-                </a:solidFill>
-              </a:rPr>
-              <a:t>DataNode</a:t>
-            </a:r>
-            <a:endParaRPr lang="en-US" altLang="zh-CN" dirty="0" smtClean="0">
-              <a:solidFill>
-                <a:schemeClr val="bg1"/>
-              </a:solidFill>
-            </a:endParaRPr>
-          </a:p>
-          <a:p>
-            <a:pPr algn="ctr"/>
-            <a:r>
-              <a:rPr lang="en-US" altLang="zh-CN" dirty="0" err="1" smtClean="0"/>
-              <a:t>NodeManager</a:t>
-            </a:r>
-            <a:endParaRPr lang="en-US" altLang="zh-CN" dirty="0" smtClean="0"/>
-          </a:p>
-        </p:txBody>
-      </p:sp>
-      <p:sp>
-        <p:nvSpPr>
-          <p:cNvPr id="32" name="圆角矩形 31"/>
-          <p:cNvSpPr/>
-          <p:nvPr/>
-        </p:nvSpPr>
-        <p:spPr>
-          <a:xfrm>
-            <a:off x="4283374" y="5505118"/>
-            <a:ext cx="1645921" cy="529388"/>
-          </a:xfrm>
-          <a:prstGeom prst="roundRect">
-            <a:avLst/>
-          </a:prstGeom>
-        </p:spPr>
-        <p:style>
-          <a:lnRef idx="1">
-            <a:schemeClr val="accent1"/>
-          </a:lnRef>
-          <a:fillRef idx="2">
-            <a:schemeClr val="accent1"/>
-          </a:fillRef>
-          <a:effectRef idx="1">
-            <a:schemeClr val="accent1"/>
-          </a:effectRef>
-          <a:fontRef idx="minor">
-            <a:schemeClr val="dk1"/>
-          </a:fontRef>
-        </p:style>
-        <p:txBody>
-          <a:bodyPr rtlCol="0" anchor="ctr"/>
-          <a:lstStyle/>
-          <a:p>
-            <a:pPr algn="ctr"/>
-            <a:r>
-              <a:rPr lang="en-US" altLang="zh-CN" dirty="0" err="1" smtClean="0">
-                <a:solidFill>
-                  <a:schemeClr val="bg1"/>
-                </a:solidFill>
-              </a:rPr>
-              <a:t>DataNode</a:t>
-            </a:r>
-            <a:endParaRPr lang="en-US" altLang="zh-CN" dirty="0" smtClean="0">
-              <a:solidFill>
-                <a:schemeClr val="bg1"/>
-              </a:solidFill>
-            </a:endParaRPr>
-          </a:p>
-          <a:p>
-            <a:pPr algn="ctr"/>
-            <a:r>
-              <a:rPr lang="en-US" altLang="zh-CN" dirty="0" err="1" smtClean="0"/>
-              <a:t>NodeManager</a:t>
-            </a:r>
-            <a:endParaRPr lang="en-US" altLang="zh-CN" dirty="0" smtClean="0"/>
-          </a:p>
-        </p:txBody>
-      </p:sp>
-      <p:sp>
-        <p:nvSpPr>
-          <p:cNvPr id="33" name="圆角矩形 32"/>
-          <p:cNvSpPr/>
-          <p:nvPr/>
-        </p:nvSpPr>
-        <p:spPr>
-          <a:xfrm>
-            <a:off x="6232491" y="5505118"/>
-            <a:ext cx="1645921" cy="529388"/>
-          </a:xfrm>
-          <a:prstGeom prst="roundRect">
-            <a:avLst/>
-          </a:prstGeom>
-        </p:spPr>
-        <p:style>
-          <a:lnRef idx="1">
-            <a:schemeClr val="accent1"/>
-          </a:lnRef>
-          <a:fillRef idx="2">
-            <a:schemeClr val="accent1"/>
-          </a:fillRef>
-          <a:effectRef idx="1">
-            <a:schemeClr val="accent1"/>
-          </a:effectRef>
-          <a:fontRef idx="minor">
-            <a:schemeClr val="dk1"/>
-          </a:fontRef>
-        </p:style>
-        <p:txBody>
-          <a:bodyPr rtlCol="0" anchor="ctr"/>
-          <a:lstStyle/>
-          <a:p>
-            <a:pPr algn="ctr"/>
-            <a:r>
-              <a:rPr lang="en-US" altLang="zh-CN" dirty="0" err="1" smtClean="0">
-                <a:solidFill>
-                  <a:schemeClr val="bg1"/>
-                </a:solidFill>
-              </a:rPr>
-              <a:t>DataNode</a:t>
-            </a:r>
-            <a:endParaRPr lang="en-US" altLang="zh-CN" dirty="0" smtClean="0">
-              <a:solidFill>
-                <a:schemeClr val="bg1"/>
-              </a:solidFill>
-            </a:endParaRPr>
-          </a:p>
-          <a:p>
-            <a:pPr algn="ctr"/>
-            <a:r>
-              <a:rPr lang="en-US" altLang="zh-CN" dirty="0" err="1" smtClean="0"/>
-              <a:t>NodeManager</a:t>
-            </a:r>
-            <a:endParaRPr lang="en-US" altLang="zh-CN" dirty="0" smtClean="0"/>
-          </a:p>
-        </p:txBody>
-      </p:sp>
-      <p:sp>
-        <p:nvSpPr>
-          <p:cNvPr id="34" name="圆角矩形 33"/>
-          <p:cNvSpPr/>
-          <p:nvPr/>
-        </p:nvSpPr>
-        <p:spPr>
-          <a:xfrm>
-            <a:off x="8227326" y="5514741"/>
-            <a:ext cx="1645921" cy="529388"/>
-          </a:xfrm>
-          <a:prstGeom prst="roundRect">
-            <a:avLst/>
-          </a:prstGeom>
-        </p:spPr>
-        <p:style>
-          <a:lnRef idx="1">
-            <a:schemeClr val="accent1"/>
-          </a:lnRef>
-          <a:fillRef idx="2">
-            <a:schemeClr val="accent1"/>
-          </a:fillRef>
-          <a:effectRef idx="1">
-            <a:schemeClr val="accent1"/>
-          </a:effectRef>
-          <a:fontRef idx="minor">
-            <a:schemeClr val="dk1"/>
-          </a:fontRef>
-        </p:style>
-        <p:txBody>
-          <a:bodyPr rtlCol="0" anchor="ctr"/>
-          <a:lstStyle/>
-          <a:p>
-            <a:pPr algn="ctr"/>
-            <a:r>
-              <a:rPr lang="en-US" altLang="zh-CN" dirty="0" err="1" smtClean="0">
-                <a:solidFill>
-                  <a:schemeClr val="bg1"/>
-                </a:solidFill>
-              </a:rPr>
-              <a:t>DataNode</a:t>
-            </a:r>
-            <a:endParaRPr lang="en-US" altLang="zh-CN" dirty="0" smtClean="0">
-              <a:solidFill>
-                <a:schemeClr val="bg1"/>
-              </a:solidFill>
-            </a:endParaRPr>
-          </a:p>
-          <a:p>
-            <a:pPr algn="ctr"/>
-            <a:r>
-              <a:rPr lang="en-US" altLang="zh-CN" dirty="0" err="1" smtClean="0"/>
-              <a:t>NodeManager</a:t>
-            </a:r>
-            <a:endParaRPr lang="en-US" altLang="zh-CN" dirty="0" smtClean="0"/>
-          </a:p>
-        </p:txBody>
-      </p:sp>
-      <p:cxnSp>
-        <p:nvCxnSpPr>
-          <p:cNvPr id="36" name="直接箭头连接符 35"/>
-          <p:cNvCxnSpPr>
-            <a:stCxn id="31" idx="0"/>
-            <a:endCxn id="8" idx="2"/>
-          </p:cNvCxnSpPr>
-          <p:nvPr/>
-        </p:nvCxnSpPr>
-        <p:spPr>
-          <a:xfrm flipH="1" flipV="1">
-            <a:off x="2512025" y="3368343"/>
-            <a:ext cx="620395" cy="2136775"/>
-          </a:xfrm>
-          <a:prstGeom prst="straightConnector1">
-            <a:avLst/>
-          </a:prstGeom>
-          <a:ln>
-            <a:tailEnd type="triangle"/>
-          </a:ln>
-        </p:spPr>
-        <p:style>
-          <a:lnRef idx="1">
-            <a:schemeClr val="accent1"/>
-          </a:lnRef>
-          <a:fillRef idx="0">
-            <a:schemeClr val="accent1"/>
-          </a:fillRef>
-          <a:effectRef idx="0">
-            <a:schemeClr val="accent1"/>
-          </a:effectRef>
-          <a:fontRef idx="minor">
-            <a:schemeClr val="tx1"/>
-          </a:fontRef>
-        </p:style>
-      </p:cxnSp>
-      <p:cxnSp>
-        <p:nvCxnSpPr>
-          <p:cNvPr id="38" name="直接箭头连接符 37"/>
-          <p:cNvCxnSpPr>
-            <a:stCxn id="32" idx="0"/>
-            <a:endCxn id="8" idx="2"/>
-          </p:cNvCxnSpPr>
-          <p:nvPr/>
-        </p:nvCxnSpPr>
-        <p:spPr>
-          <a:xfrm flipH="1" flipV="1">
-            <a:off x="2512360" y="3368343"/>
-            <a:ext cx="2602865" cy="2136775"/>
-          </a:xfrm>
-          <a:prstGeom prst="straightConnector1">
-            <a:avLst/>
-          </a:prstGeom>
-          <a:ln>
-            <a:tailEnd type="triangle"/>
-          </a:ln>
-        </p:spPr>
-        <p:style>
-          <a:lnRef idx="1">
-            <a:schemeClr val="accent1"/>
-          </a:lnRef>
-          <a:fillRef idx="0">
-            <a:schemeClr val="accent1"/>
-          </a:fillRef>
-          <a:effectRef idx="0">
-            <a:schemeClr val="accent1"/>
-          </a:effectRef>
-          <a:fontRef idx="minor">
-            <a:schemeClr val="tx1"/>
-          </a:fontRef>
-        </p:style>
-      </p:cxnSp>
-      <p:cxnSp>
-        <p:nvCxnSpPr>
-          <p:cNvPr id="40" name="直接箭头连接符 39"/>
-          <p:cNvCxnSpPr>
-            <a:stCxn id="33" idx="0"/>
-            <a:endCxn id="8" idx="2"/>
-          </p:cNvCxnSpPr>
-          <p:nvPr/>
-        </p:nvCxnSpPr>
-        <p:spPr>
-          <a:xfrm flipH="1" flipV="1">
-            <a:off x="2512027" y="3368343"/>
-            <a:ext cx="4552315" cy="2136775"/>
-          </a:xfrm>
-          <a:prstGeom prst="straightConnector1">
-            <a:avLst/>
-          </a:prstGeom>
-          <a:ln>
-            <a:tailEnd type="triangle"/>
-          </a:ln>
-        </p:spPr>
-        <p:style>
-          <a:lnRef idx="1">
-            <a:schemeClr val="accent1"/>
-          </a:lnRef>
-          <a:fillRef idx="0">
-            <a:schemeClr val="accent1"/>
-          </a:fillRef>
-          <a:effectRef idx="0">
-            <a:schemeClr val="accent1"/>
-          </a:effectRef>
-          <a:fontRef idx="minor">
-            <a:schemeClr val="tx1"/>
-          </a:fontRef>
-        </p:style>
-      </p:cxnSp>
-      <p:cxnSp>
-        <p:nvCxnSpPr>
-          <p:cNvPr id="42" name="直接箭头连接符 41"/>
-          <p:cNvCxnSpPr>
-            <a:stCxn id="34" idx="0"/>
-            <a:endCxn id="8" idx="2"/>
-          </p:cNvCxnSpPr>
-          <p:nvPr/>
-        </p:nvCxnSpPr>
-        <p:spPr>
-          <a:xfrm flipH="1" flipV="1">
-            <a:off x="2512327" y="3367806"/>
-            <a:ext cx="6546850" cy="2146935"/>
-          </a:xfrm>
-          <a:prstGeom prst="straightConnector1">
-            <a:avLst/>
-          </a:prstGeom>
-          <a:ln>
-            <a:tailEnd type="triangle"/>
-          </a:ln>
-        </p:spPr>
-        <p:style>
-          <a:lnRef idx="1">
-            <a:schemeClr val="accent1"/>
-          </a:lnRef>
-          <a:fillRef idx="0">
-            <a:schemeClr val="accent1"/>
-          </a:fillRef>
-          <a:effectRef idx="0">
-            <a:schemeClr val="accent1"/>
-          </a:effectRef>
-          <a:fontRef idx="minor">
-            <a:schemeClr val="tx1"/>
-          </a:fontRef>
-        </p:style>
-      </p:cxnSp>
-      <p:cxnSp>
-        <p:nvCxnSpPr>
-          <p:cNvPr id="44" name="直接箭头连接符 43"/>
-          <p:cNvCxnSpPr>
-            <a:stCxn id="31" idx="0"/>
-            <a:endCxn id="17" idx="2"/>
-          </p:cNvCxnSpPr>
-          <p:nvPr/>
-        </p:nvCxnSpPr>
-        <p:spPr>
-          <a:xfrm flipV="1">
-            <a:off x="3132420" y="3349293"/>
-            <a:ext cx="6122035" cy="2155825"/>
-          </a:xfrm>
-          <a:prstGeom prst="straightConnector1">
-            <a:avLst/>
-          </a:prstGeom>
-          <a:ln>
-            <a:tailEnd type="triangle"/>
-          </a:ln>
-        </p:spPr>
-        <p:style>
-          <a:lnRef idx="1">
-            <a:schemeClr val="accent1"/>
-          </a:lnRef>
-          <a:fillRef idx="0">
-            <a:schemeClr val="accent1"/>
-          </a:fillRef>
-          <a:effectRef idx="0">
-            <a:schemeClr val="accent1"/>
-          </a:effectRef>
-          <a:fontRef idx="minor">
-            <a:schemeClr val="tx1"/>
-          </a:fontRef>
-        </p:style>
-      </p:cxnSp>
-      <p:cxnSp>
-        <p:nvCxnSpPr>
-          <p:cNvPr id="48" name="直接箭头连接符 47"/>
-          <p:cNvCxnSpPr>
-            <a:stCxn id="32" idx="0"/>
-            <a:endCxn id="17" idx="2"/>
-          </p:cNvCxnSpPr>
-          <p:nvPr/>
-        </p:nvCxnSpPr>
-        <p:spPr>
-          <a:xfrm flipV="1">
-            <a:off x="5115225" y="3349293"/>
-            <a:ext cx="4139565" cy="2155825"/>
-          </a:xfrm>
-          <a:prstGeom prst="straightConnector1">
-            <a:avLst/>
-          </a:prstGeom>
-          <a:ln>
-            <a:tailEnd type="triangle"/>
-          </a:ln>
-        </p:spPr>
-        <p:style>
-          <a:lnRef idx="1">
-            <a:schemeClr val="accent1"/>
-          </a:lnRef>
-          <a:fillRef idx="0">
-            <a:schemeClr val="accent1"/>
-          </a:fillRef>
-          <a:effectRef idx="0">
-            <a:schemeClr val="accent1"/>
-          </a:effectRef>
-          <a:fontRef idx="minor">
-            <a:schemeClr val="tx1"/>
-          </a:fontRef>
-        </p:style>
-      </p:cxnSp>
-      <p:cxnSp>
-        <p:nvCxnSpPr>
-          <p:cNvPr id="50" name="直接箭头连接符 49"/>
-          <p:cNvCxnSpPr>
-            <a:stCxn id="33" idx="0"/>
-            <a:endCxn id="17" idx="2"/>
-          </p:cNvCxnSpPr>
-          <p:nvPr/>
-        </p:nvCxnSpPr>
-        <p:spPr>
-          <a:xfrm flipV="1">
-            <a:off x="7064342" y="3349293"/>
-            <a:ext cx="2190115" cy="2155825"/>
-          </a:xfrm>
-          <a:prstGeom prst="straightConnector1">
-            <a:avLst/>
-          </a:prstGeom>
-          <a:ln>
-            <a:tailEnd type="triangle"/>
-          </a:ln>
-        </p:spPr>
-        <p:style>
-          <a:lnRef idx="1">
-            <a:schemeClr val="accent1"/>
-          </a:lnRef>
-          <a:fillRef idx="0">
-            <a:schemeClr val="accent1"/>
-          </a:fillRef>
-          <a:effectRef idx="0">
-            <a:schemeClr val="accent1"/>
-          </a:effectRef>
-          <a:fontRef idx="minor">
-            <a:schemeClr val="tx1"/>
-          </a:fontRef>
-        </p:style>
-      </p:cxnSp>
-      <p:cxnSp>
-        <p:nvCxnSpPr>
-          <p:cNvPr id="52" name="直接箭头连接符 51"/>
-          <p:cNvCxnSpPr>
-            <a:stCxn id="34" idx="0"/>
-            <a:endCxn id="17" idx="2"/>
-          </p:cNvCxnSpPr>
-          <p:nvPr/>
-        </p:nvCxnSpPr>
-        <p:spPr>
-          <a:xfrm flipV="1">
-            <a:off x="9059177" y="3348756"/>
-            <a:ext cx="195580" cy="2165985"/>
-          </a:xfrm>
-          <a:prstGeom prst="straightConnector1">
-            <a:avLst/>
-          </a:prstGeom>
-          <a:ln>
-            <a:tailEnd type="triangle"/>
-          </a:ln>
-        </p:spPr>
-        <p:style>
-          <a:lnRef idx="1">
-            <a:schemeClr val="accent1"/>
-          </a:lnRef>
-          <a:fillRef idx="0">
-            <a:schemeClr val="accent1"/>
-          </a:fillRef>
-          <a:effectRef idx="0">
-            <a:schemeClr val="accent1"/>
-          </a:effectRef>
-          <a:fontRef idx="minor">
-            <a:schemeClr val="tx1"/>
-          </a:fontRef>
-        </p:style>
-      </p:cxnSp>
-      <p:sp>
-        <p:nvSpPr>
-          <p:cNvPr id="59" name="圆角矩形 58"/>
-          <p:cNvSpPr/>
-          <p:nvPr/>
-        </p:nvSpPr>
-        <p:spPr>
-          <a:xfrm>
-            <a:off x="4442189" y="711738"/>
-            <a:ext cx="856647" cy="385010"/>
-          </a:xfrm>
-          <a:prstGeom prst="roundRect">
-            <a:avLst/>
-          </a:prstGeom>
-        </p:spPr>
-        <p:style>
-          <a:lnRef idx="2">
-            <a:schemeClr val="accent4">
-              <a:shade val="50000"/>
-            </a:schemeClr>
-          </a:lnRef>
-          <a:fillRef idx="1">
-            <a:schemeClr val="accent4"/>
-          </a:fillRef>
-          <a:effectRef idx="0">
-            <a:schemeClr val="accent4"/>
-          </a:effectRef>
-          <a:fontRef idx="minor">
-            <a:schemeClr val="lt1"/>
-          </a:fontRef>
-        </p:style>
-        <p:txBody>
-          <a:bodyPr rtlCol="0" anchor="ctr"/>
-          <a:lstStyle/>
-          <a:p>
-            <a:pPr algn="ctr"/>
-            <a:r>
-              <a:rPr lang="en-US" altLang="zh-CN" dirty="0" smtClean="0">
-                <a:solidFill>
-                  <a:srgbClr val="0070C0"/>
-                </a:solidFill>
-              </a:rPr>
-              <a:t>ZK</a:t>
-            </a:r>
-            <a:endParaRPr lang="zh-CN" altLang="en-US" dirty="0">
-              <a:solidFill>
-                <a:srgbClr val="0070C0"/>
-              </a:solidFill>
-            </a:endParaRPr>
-          </a:p>
-        </p:txBody>
-      </p:sp>
-      <p:sp>
-        <p:nvSpPr>
-          <p:cNvPr id="60" name="圆角矩形 59"/>
-          <p:cNvSpPr/>
-          <p:nvPr/>
-        </p:nvSpPr>
-        <p:spPr>
-          <a:xfrm>
-            <a:off x="6463497" y="706927"/>
-            <a:ext cx="856647" cy="385010"/>
-          </a:xfrm>
-          <a:prstGeom prst="roundRect">
-            <a:avLst/>
-          </a:prstGeom>
-        </p:spPr>
-        <p:style>
-          <a:lnRef idx="2">
-            <a:schemeClr val="accent4">
-              <a:shade val="50000"/>
-            </a:schemeClr>
-          </a:lnRef>
-          <a:fillRef idx="1">
-            <a:schemeClr val="accent4"/>
-          </a:fillRef>
-          <a:effectRef idx="0">
-            <a:schemeClr val="accent4"/>
-          </a:effectRef>
-          <a:fontRef idx="minor">
-            <a:schemeClr val="lt1"/>
-          </a:fontRef>
-        </p:style>
-        <p:txBody>
-          <a:bodyPr rtlCol="0" anchor="ctr"/>
-          <a:lstStyle/>
-          <a:p>
-            <a:pPr algn="ctr"/>
-            <a:r>
-              <a:rPr lang="en-US" altLang="zh-CN" dirty="0" smtClean="0">
-                <a:solidFill>
-                  <a:srgbClr val="0070C0"/>
-                </a:solidFill>
-              </a:rPr>
-              <a:t>ZK</a:t>
-            </a:r>
-            <a:endParaRPr lang="zh-CN" altLang="en-US" dirty="0">
-              <a:solidFill>
-                <a:srgbClr val="0070C0"/>
-              </a:solidFill>
-            </a:endParaRPr>
-          </a:p>
-        </p:txBody>
-      </p:sp>
-      <p:sp>
-        <p:nvSpPr>
-          <p:cNvPr id="3" name="圆角矩形 2"/>
-          <p:cNvSpPr/>
-          <p:nvPr/>
-        </p:nvSpPr>
-        <p:spPr>
-          <a:xfrm>
-            <a:off x="10329545" y="1358900"/>
-            <a:ext cx="914400" cy="508635"/>
-          </a:xfrm>
-          <a:prstGeom prst="roundRect">
-            <a:avLst/>
-          </a:prstGeom>
-        </p:spPr>
-        <p:style>
-          <a:lnRef idx="2">
-            <a:schemeClr val="accent1">
-              <a:shade val="50000"/>
-            </a:schemeClr>
-          </a:lnRef>
-          <a:fillRef idx="1">
-            <a:schemeClr val="accent1"/>
-          </a:fillRef>
-          <a:effectRef idx="0">
-            <a:schemeClr val="accent1"/>
-          </a:effectRef>
-          <a:fontRef idx="minor">
-            <a:schemeClr val="lt1"/>
-          </a:fontRef>
-        </p:style>
-        <p:txBody>
-          <a:bodyPr rtlCol="0" anchor="ctr"/>
-          <a:p>
-            <a:pPr algn="ctr"/>
-            <a:r>
-              <a:rPr lang="en-US" altLang="zh-CN"/>
-              <a:t>hive</a:t>
-            </a:r>
-            <a:endParaRPr lang="en-US" altLang="zh-CN"/>
-          </a:p>
-        </p:txBody>
-      </p:sp>
-      <p:sp>
-        <p:nvSpPr>
-          <p:cNvPr id="5" name="圆角矩形 4"/>
-          <p:cNvSpPr/>
-          <p:nvPr/>
-        </p:nvSpPr>
-        <p:spPr>
-          <a:xfrm>
-            <a:off x="10329545" y="2859405"/>
-            <a:ext cx="914400" cy="508635"/>
-          </a:xfrm>
-          <a:prstGeom prst="roundRect">
-            <a:avLst/>
-          </a:prstGeom>
-        </p:spPr>
-        <p:style>
-          <a:lnRef idx="2">
-            <a:schemeClr val="accent1">
-              <a:shade val="50000"/>
-            </a:schemeClr>
-          </a:lnRef>
-          <a:fillRef idx="1">
-            <a:schemeClr val="accent1"/>
-          </a:fillRef>
-          <a:effectRef idx="0">
-            <a:schemeClr val="accent1"/>
-          </a:effectRef>
-          <a:fontRef idx="minor">
-            <a:schemeClr val="lt1"/>
-          </a:fontRef>
-        </p:style>
-        <p:txBody>
-          <a:bodyPr rtlCol="0" anchor="ctr"/>
-          <a:p>
-            <a:pPr algn="ctr"/>
-            <a:r>
-              <a:rPr lang="en-US" altLang="zh-CN"/>
-              <a:t>oozie</a:t>
-            </a:r>
-            <a:endParaRPr lang="en-US" altLang="zh-CN"/>
-          </a:p>
-        </p:txBody>
-      </p:sp>
-      <p:sp>
-        <p:nvSpPr>
-          <p:cNvPr id="7" name="圆角矩形 6"/>
-          <p:cNvSpPr/>
-          <p:nvPr/>
-        </p:nvSpPr>
-        <p:spPr>
-          <a:xfrm>
-            <a:off x="10329545" y="4088765"/>
-            <a:ext cx="914400" cy="508635"/>
-          </a:xfrm>
-          <a:prstGeom prst="roundRect">
-            <a:avLst/>
-          </a:prstGeom>
-        </p:spPr>
-        <p:style>
-          <a:lnRef idx="2">
-            <a:schemeClr val="accent1">
-              <a:shade val="50000"/>
-            </a:schemeClr>
-          </a:lnRef>
-          <a:fillRef idx="1">
-            <a:schemeClr val="accent1"/>
-          </a:fillRef>
-          <a:effectRef idx="0">
-            <a:schemeClr val="accent1"/>
-          </a:effectRef>
-          <a:fontRef idx="minor">
-            <a:schemeClr val="lt1"/>
-          </a:fontRef>
-        </p:style>
-        <p:txBody>
-          <a:bodyPr rtlCol="0" anchor="ctr"/>
-          <a:p>
-            <a:pPr algn="ctr"/>
-            <a:r>
-              <a:rPr lang="en-US" altLang="zh-CN"/>
-              <a:t>hue</a:t>
-            </a:r>
-            <a:endParaRPr lang="en-US" altLang="zh-CN"/>
-          </a:p>
-        </p:txBody>
-      </p:sp>
-      <p:sp>
-        <p:nvSpPr>
-          <p:cNvPr id="10" name="文本框 9"/>
-          <p:cNvSpPr txBox="1"/>
-          <p:nvPr/>
-        </p:nvSpPr>
-        <p:spPr>
-          <a:xfrm>
-            <a:off x="650875" y="615315"/>
-            <a:ext cx="868680" cy="368300"/>
-          </a:xfrm>
-          <a:prstGeom prst="rect">
-            <a:avLst/>
-          </a:prstGeom>
-          <a:noFill/>
-        </p:spPr>
-        <p:txBody>
-          <a:bodyPr wrap="none" rtlCol="0">
-            <a:spAutoFit/>
-          </a:bodyPr>
-          <a:p>
-            <a:r>
-              <a:rPr lang="zh-CN" altLang="en-US"/>
-              <a:t>逻辑图</a:t>
-            </a:r>
-            <a:endParaRPr lang="zh-CN" altLang="en-US"/>
-          </a:p>
-        </p:txBody>
-      </p:sp>
     </p:spTree>
   </p:cSld>
   <p:clrMapOvr>
@@ -9847,26 +11031,18 @@
       </p:grpSpPr>
       <p:sp>
         <p:nvSpPr>
-          <p:cNvPr id="62" name="圆角矩形 61"/>
+          <p:cNvPr id="4" name="圆角矩形 3"/>
           <p:cNvSpPr/>
           <p:nvPr/>
         </p:nvSpPr>
         <p:spPr>
           <a:xfrm>
-            <a:off x="6786880" y="3262630"/>
-            <a:ext cx="1328420" cy="1122680"/>
+            <a:off x="4312249" y="615484"/>
+            <a:ext cx="3147463" cy="558265"/>
           </a:xfrm>
           <a:prstGeom prst="roundRect">
             <a:avLst/>
           </a:prstGeom>
-          <a:ln w="12700" cmpd="sng">
-            <a:solidFill>
-              <a:schemeClr val="accent1">
-                <a:shade val="50000"/>
-              </a:schemeClr>
-            </a:solidFill>
-            <a:prstDash val="lgDashDot"/>
-          </a:ln>
         </p:spPr>
         <p:style>
           <a:lnRef idx="2">
@@ -9884,6 +11060,7 @@
         </p:style>
         <p:txBody>
           <a:bodyPr rtlCol="0" anchor="ctr"/>
+          <a:lstStyle/>
           <a:p>
             <a:pPr algn="ctr"/>
             <a:endParaRPr lang="zh-CN" altLang="en-US" dirty="0"/>
@@ -9892,114 +11069,1102 @@
       </p:sp>
       <p:sp>
         <p:nvSpPr>
-          <p:cNvPr id="53" name="圆角矩形 52"/>
+          <p:cNvPr id="6" name="圆角矩形 5"/>
           <p:cNvSpPr/>
           <p:nvPr/>
         </p:nvSpPr>
         <p:spPr>
           <a:xfrm>
-            <a:off x="2618105" y="3246755"/>
-            <a:ext cx="3804920" cy="1138555"/>
+            <a:off x="5452844" y="711738"/>
+            <a:ext cx="856647" cy="385010"/>
           </a:xfrm>
           <a:prstGeom prst="roundRect">
             <a:avLst/>
           </a:prstGeom>
-          <a:ln w="12700" cmpd="sng">
-            <a:solidFill>
-              <a:schemeClr val="accent1">
-                <a:shade val="50000"/>
-              </a:schemeClr>
-            </a:solidFill>
-            <a:prstDash val="lgDashDot"/>
+        </p:spPr>
+        <p:style>
+          <a:lnRef idx="2">
+            <a:schemeClr val="accent4">
+              <a:shade val="50000"/>
+            </a:schemeClr>
+          </a:lnRef>
+          <a:fillRef idx="1">
+            <a:schemeClr val="accent4"/>
+          </a:fillRef>
+          <a:effectRef idx="0">
+            <a:schemeClr val="accent4"/>
+          </a:effectRef>
+          <a:fontRef idx="minor">
+            <a:schemeClr val="lt1"/>
+          </a:fontRef>
+        </p:style>
+        <p:txBody>
+          <a:bodyPr rtlCol="0" anchor="ctr"/>
+          <a:lstStyle/>
+          <a:p>
+            <a:pPr algn="ctr"/>
+            <a:r>
+              <a:rPr lang="en-US" altLang="zh-CN" dirty="0" smtClean="0">
+                <a:solidFill>
+                  <a:srgbClr val="0070C0"/>
+                </a:solidFill>
+              </a:rPr>
+              <a:t>ZK</a:t>
+            </a:r>
+            <a:endParaRPr lang="zh-CN" altLang="en-US" dirty="0">
+              <a:solidFill>
+                <a:srgbClr val="0070C0"/>
+              </a:solidFill>
+            </a:endParaRPr>
+          </a:p>
+        </p:txBody>
+      </p:sp>
+      <p:sp>
+        <p:nvSpPr>
+          <p:cNvPr id="8" name="圆角矩形 7"/>
+          <p:cNvSpPr/>
+          <p:nvPr/>
+        </p:nvSpPr>
+        <p:spPr>
+          <a:xfrm>
+            <a:off x="1751929" y="2126649"/>
+            <a:ext cx="1501542" cy="1241658"/>
+          </a:xfrm>
+          <a:prstGeom prst="roundRect">
+            <a:avLst/>
+          </a:prstGeom>
+        </p:spPr>
+        <p:style>
+          <a:lnRef idx="2">
+            <a:schemeClr val="accent4">
+              <a:shade val="50000"/>
+            </a:schemeClr>
+          </a:lnRef>
+          <a:fillRef idx="1">
+            <a:schemeClr val="accent4"/>
+          </a:fillRef>
+          <a:effectRef idx="0">
+            <a:schemeClr val="accent4"/>
+          </a:effectRef>
+          <a:fontRef idx="minor">
+            <a:schemeClr val="lt1"/>
+          </a:fontRef>
+        </p:style>
+        <p:txBody>
+          <a:bodyPr rtlCol="0" anchor="ctr"/>
+          <a:lstStyle/>
+          <a:p>
+            <a:pPr algn="ctr"/>
+            <a:r>
+              <a:rPr lang="en-US" altLang="zh-CN" dirty="0" err="1" smtClean="0"/>
+              <a:t>NameNode</a:t>
+            </a:r>
+            <a:r>
+              <a:rPr lang="en-US" altLang="zh-CN" dirty="0" smtClean="0"/>
+              <a:t>(active)</a:t>
+            </a:r>
+            <a:endParaRPr lang="en-US" altLang="zh-CN" dirty="0" smtClean="0"/>
+          </a:p>
+          <a:p>
+            <a:pPr algn="ctr"/>
+            <a:r>
+              <a:rPr lang="en-US" altLang="zh-CN" dirty="0" err="1" smtClean="0">
+                <a:solidFill>
+                  <a:schemeClr val="tx1"/>
+                </a:solidFill>
+              </a:rPr>
+              <a:t>ResourceManager</a:t>
+            </a:r>
+            <a:endParaRPr lang="zh-CN" altLang="en-US" dirty="0">
+              <a:solidFill>
+                <a:schemeClr val="tx1"/>
+              </a:solidFill>
+            </a:endParaRPr>
+          </a:p>
+        </p:txBody>
+      </p:sp>
+      <p:sp>
+        <p:nvSpPr>
+          <p:cNvPr id="14" name="圆角矩形 13"/>
+          <p:cNvSpPr/>
+          <p:nvPr/>
+        </p:nvSpPr>
+        <p:spPr>
+          <a:xfrm>
+            <a:off x="5053395" y="2309521"/>
+            <a:ext cx="1299411" cy="558264"/>
+          </a:xfrm>
+          <a:prstGeom prst="roundRect">
+            <a:avLst/>
+          </a:prstGeom>
+        </p:spPr>
+        <p:style>
+          <a:lnRef idx="2">
+            <a:schemeClr val="accent4">
+              <a:shade val="50000"/>
+            </a:schemeClr>
+          </a:lnRef>
+          <a:fillRef idx="1">
+            <a:schemeClr val="accent4"/>
+          </a:fillRef>
+          <a:effectRef idx="0">
+            <a:schemeClr val="accent4"/>
+          </a:effectRef>
+          <a:fontRef idx="minor">
+            <a:schemeClr val="lt1"/>
+          </a:fontRef>
+        </p:style>
+        <p:txBody>
+          <a:bodyPr rtlCol="0" anchor="ctr"/>
+          <a:lstStyle/>
+          <a:p>
+            <a:pPr algn="ctr"/>
+            <a:r>
+              <a:rPr lang="en-US" altLang="zh-CN" dirty="0" err="1" smtClean="0"/>
+              <a:t>JouralNode</a:t>
+            </a:r>
+            <a:endParaRPr lang="zh-CN" altLang="en-US" dirty="0"/>
+          </a:p>
+        </p:txBody>
+      </p:sp>
+      <p:sp>
+        <p:nvSpPr>
+          <p:cNvPr id="15" name="圆角矩形 14"/>
+          <p:cNvSpPr/>
+          <p:nvPr/>
+        </p:nvSpPr>
+        <p:spPr>
+          <a:xfrm>
+            <a:off x="5168898" y="2444279"/>
+            <a:ext cx="1299411" cy="558264"/>
+          </a:xfrm>
+          <a:prstGeom prst="roundRect">
+            <a:avLst/>
+          </a:prstGeom>
+        </p:spPr>
+        <p:style>
+          <a:lnRef idx="2">
+            <a:schemeClr val="accent4">
+              <a:shade val="50000"/>
+            </a:schemeClr>
+          </a:lnRef>
+          <a:fillRef idx="1">
+            <a:schemeClr val="accent4"/>
+          </a:fillRef>
+          <a:effectRef idx="0">
+            <a:schemeClr val="accent4"/>
+          </a:effectRef>
+          <a:fontRef idx="minor">
+            <a:schemeClr val="lt1"/>
+          </a:fontRef>
+        </p:style>
+        <p:txBody>
+          <a:bodyPr rtlCol="0" anchor="ctr"/>
+          <a:lstStyle/>
+          <a:p>
+            <a:pPr algn="ctr"/>
+            <a:r>
+              <a:rPr lang="en-US" altLang="zh-CN" dirty="0" err="1" smtClean="0"/>
+              <a:t>JouralNode</a:t>
+            </a:r>
+            <a:endParaRPr lang="zh-CN" altLang="en-US" dirty="0"/>
+          </a:p>
+        </p:txBody>
+      </p:sp>
+      <p:sp>
+        <p:nvSpPr>
+          <p:cNvPr id="16" name="圆角矩形 15"/>
+          <p:cNvSpPr/>
+          <p:nvPr/>
+        </p:nvSpPr>
+        <p:spPr>
+          <a:xfrm>
+            <a:off x="5279586" y="2588662"/>
+            <a:ext cx="1299411" cy="558264"/>
+          </a:xfrm>
+          <a:prstGeom prst="roundRect">
+            <a:avLst/>
+          </a:prstGeom>
+        </p:spPr>
+        <p:style>
+          <a:lnRef idx="2">
+            <a:schemeClr val="accent4">
+              <a:shade val="50000"/>
+            </a:schemeClr>
+          </a:lnRef>
+          <a:fillRef idx="1">
+            <a:schemeClr val="accent4"/>
+          </a:fillRef>
+          <a:effectRef idx="0">
+            <a:schemeClr val="accent4"/>
+          </a:effectRef>
+          <a:fontRef idx="minor">
+            <a:schemeClr val="lt1"/>
+          </a:fontRef>
+        </p:style>
+        <p:txBody>
+          <a:bodyPr rtlCol="0" anchor="ctr"/>
+          <a:lstStyle/>
+          <a:p>
+            <a:pPr algn="ctr"/>
+            <a:r>
+              <a:rPr lang="en-US" altLang="zh-CN" dirty="0" err="1" smtClean="0"/>
+              <a:t>JouralNode</a:t>
+            </a:r>
+            <a:endParaRPr lang="zh-CN" altLang="en-US" dirty="0"/>
+          </a:p>
+        </p:txBody>
+      </p:sp>
+      <p:sp>
+        <p:nvSpPr>
+          <p:cNvPr id="17" name="圆角矩形 16"/>
+          <p:cNvSpPr/>
+          <p:nvPr/>
+        </p:nvSpPr>
+        <p:spPr>
+          <a:xfrm>
+            <a:off x="8494424" y="2126649"/>
+            <a:ext cx="1501542" cy="1222408"/>
+          </a:xfrm>
+          <a:prstGeom prst="roundRect">
+            <a:avLst/>
+          </a:prstGeom>
+        </p:spPr>
+        <p:style>
+          <a:lnRef idx="2">
+            <a:schemeClr val="accent4">
+              <a:shade val="50000"/>
+            </a:schemeClr>
+          </a:lnRef>
+          <a:fillRef idx="1">
+            <a:schemeClr val="accent4"/>
+          </a:fillRef>
+          <a:effectRef idx="0">
+            <a:schemeClr val="accent4"/>
+          </a:effectRef>
+          <a:fontRef idx="minor">
+            <a:schemeClr val="lt1"/>
+          </a:fontRef>
+        </p:style>
+        <p:txBody>
+          <a:bodyPr rtlCol="0" anchor="ctr"/>
+          <a:lstStyle/>
+          <a:p>
+            <a:pPr algn="ctr"/>
+            <a:r>
+              <a:rPr lang="en-US" altLang="zh-CN" dirty="0" err="1" smtClean="0"/>
+              <a:t>NameNode</a:t>
+            </a:r>
+            <a:endParaRPr lang="en-US" altLang="zh-CN" dirty="0" smtClean="0"/>
+          </a:p>
+          <a:p>
+            <a:pPr algn="ctr"/>
+            <a:r>
+              <a:rPr lang="en-US" altLang="zh-CN" dirty="0" smtClean="0"/>
+              <a:t>(standby)</a:t>
+            </a:r>
+            <a:endParaRPr lang="en-US" altLang="zh-CN" dirty="0" smtClean="0"/>
+          </a:p>
+          <a:p>
+            <a:pPr algn="ctr"/>
+            <a:r>
+              <a:rPr lang="en-US" altLang="zh-CN" dirty="0" err="1" smtClean="0">
+                <a:solidFill>
+                  <a:schemeClr val="tx1"/>
+                </a:solidFill>
+              </a:rPr>
+              <a:t>ResourceManager</a:t>
+            </a:r>
+            <a:endParaRPr lang="zh-CN" altLang="en-US" dirty="0">
+              <a:solidFill>
+                <a:schemeClr val="tx1"/>
+              </a:solidFill>
+            </a:endParaRPr>
+          </a:p>
+        </p:txBody>
+      </p:sp>
+      <p:cxnSp>
+        <p:nvCxnSpPr>
+          <p:cNvPr id="19" name="直接箭头连接符 18"/>
+          <p:cNvCxnSpPr>
+            <a:stCxn id="8" idx="0"/>
+            <a:endCxn id="4" idx="1"/>
+          </p:cNvCxnSpPr>
+          <p:nvPr/>
+        </p:nvCxnSpPr>
+        <p:spPr>
+          <a:xfrm flipV="1">
+            <a:off x="2512225" y="894749"/>
+            <a:ext cx="1809115" cy="1231900"/>
+          </a:xfrm>
+          <a:prstGeom prst="straightConnector1">
+            <a:avLst/>
+          </a:prstGeom>
+          <a:ln>
+            <a:tailEnd type="triangle"/>
           </a:ln>
         </p:spPr>
         <p:style>
+          <a:lnRef idx="1">
+            <a:schemeClr val="accent1"/>
+          </a:lnRef>
+          <a:fillRef idx="0">
+            <a:schemeClr val="accent1"/>
+          </a:fillRef>
+          <a:effectRef idx="0">
+            <a:schemeClr val="accent1"/>
+          </a:effectRef>
+          <a:fontRef idx="minor">
+            <a:schemeClr val="tx1"/>
+          </a:fontRef>
+        </p:style>
+      </p:cxnSp>
+      <p:cxnSp>
+        <p:nvCxnSpPr>
+          <p:cNvPr id="21" name="直接箭头连接符 20"/>
+          <p:cNvCxnSpPr>
+            <a:stCxn id="17" idx="0"/>
+            <a:endCxn id="4" idx="3"/>
+          </p:cNvCxnSpPr>
+          <p:nvPr/>
+        </p:nvCxnSpPr>
+        <p:spPr>
+          <a:xfrm flipH="1" flipV="1">
+            <a:off x="7469100" y="894749"/>
+            <a:ext cx="1785620" cy="1231900"/>
+          </a:xfrm>
+          <a:prstGeom prst="straightConnector1">
+            <a:avLst/>
+          </a:prstGeom>
+          <a:ln>
+            <a:tailEnd type="triangle"/>
+          </a:ln>
+        </p:spPr>
+        <p:style>
+          <a:lnRef idx="1">
+            <a:schemeClr val="accent1"/>
+          </a:lnRef>
+          <a:fillRef idx="0">
+            <a:schemeClr val="accent1"/>
+          </a:fillRef>
+          <a:effectRef idx="0">
+            <a:schemeClr val="accent1"/>
+          </a:effectRef>
+          <a:fontRef idx="minor">
+            <a:schemeClr val="tx1"/>
+          </a:fontRef>
+        </p:style>
+      </p:cxnSp>
+      <p:cxnSp>
+        <p:nvCxnSpPr>
+          <p:cNvPr id="23" name="直接箭头连接符 22"/>
+          <p:cNvCxnSpPr>
+            <a:stCxn id="8" idx="3"/>
+            <a:endCxn id="14" idx="1"/>
+          </p:cNvCxnSpPr>
+          <p:nvPr/>
+        </p:nvCxnSpPr>
+        <p:spPr>
+          <a:xfrm flipV="1">
+            <a:off x="3262361" y="2588728"/>
+            <a:ext cx="1799590" cy="158750"/>
+          </a:xfrm>
+          <a:prstGeom prst="straightConnector1">
+            <a:avLst/>
+          </a:prstGeom>
+          <a:ln>
+            <a:tailEnd type="triangle"/>
+          </a:ln>
+        </p:spPr>
+        <p:style>
+          <a:lnRef idx="1">
+            <a:schemeClr val="accent2"/>
+          </a:lnRef>
+          <a:fillRef idx="0">
+            <a:schemeClr val="accent2"/>
+          </a:fillRef>
+          <a:effectRef idx="0">
+            <a:schemeClr val="accent2"/>
+          </a:effectRef>
+          <a:fontRef idx="minor">
+            <a:schemeClr val="tx1"/>
+          </a:fontRef>
+        </p:style>
+      </p:cxnSp>
+      <p:cxnSp>
+        <p:nvCxnSpPr>
+          <p:cNvPr id="28" name="直接箭头连接符 27"/>
+          <p:cNvCxnSpPr>
+            <a:stCxn id="16" idx="3"/>
+            <a:endCxn id="17" idx="1"/>
+          </p:cNvCxnSpPr>
+          <p:nvPr/>
+        </p:nvCxnSpPr>
+        <p:spPr>
+          <a:xfrm flipV="1">
+            <a:off x="6587252" y="2738254"/>
+            <a:ext cx="1915795" cy="130175"/>
+          </a:xfrm>
+          <a:prstGeom prst="straightConnector1">
+            <a:avLst/>
+          </a:prstGeom>
+          <a:ln>
+            <a:tailEnd type="triangle"/>
+          </a:ln>
+        </p:spPr>
+        <p:style>
+          <a:lnRef idx="1">
+            <a:schemeClr val="accent2"/>
+          </a:lnRef>
+          <a:fillRef idx="0">
+            <a:schemeClr val="accent2"/>
+          </a:fillRef>
+          <a:effectRef idx="0">
+            <a:schemeClr val="accent2"/>
+          </a:effectRef>
+          <a:fontRef idx="minor">
+            <a:schemeClr val="tx1"/>
+          </a:fontRef>
+        </p:style>
+      </p:cxnSp>
+      <p:sp>
+        <p:nvSpPr>
+          <p:cNvPr id="31" name="圆角矩形 30"/>
+          <p:cNvSpPr/>
+          <p:nvPr/>
+        </p:nvSpPr>
+        <p:spPr>
+          <a:xfrm>
+            <a:off x="2300569" y="5505118"/>
+            <a:ext cx="1645921" cy="529388"/>
+          </a:xfrm>
+          <a:prstGeom prst="roundRect">
+            <a:avLst/>
+          </a:prstGeom>
+        </p:spPr>
+        <p:style>
+          <a:lnRef idx="1">
+            <a:schemeClr val="accent1"/>
+          </a:lnRef>
+          <a:fillRef idx="2">
+            <a:schemeClr val="accent1"/>
+          </a:fillRef>
+          <a:effectRef idx="1">
+            <a:schemeClr val="accent1"/>
+          </a:effectRef>
+          <a:fontRef idx="minor">
+            <a:schemeClr val="dk1"/>
+          </a:fontRef>
+        </p:style>
+        <p:txBody>
+          <a:bodyPr rtlCol="0" anchor="ctr"/>
+          <a:lstStyle/>
+          <a:p>
+            <a:pPr algn="ctr"/>
+            <a:r>
+              <a:rPr lang="en-US" altLang="zh-CN" dirty="0" err="1" smtClean="0">
+                <a:solidFill>
+                  <a:schemeClr val="bg1"/>
+                </a:solidFill>
+              </a:rPr>
+              <a:t>DataNode</a:t>
+            </a:r>
+            <a:endParaRPr lang="en-US" altLang="zh-CN" dirty="0" smtClean="0">
+              <a:solidFill>
+                <a:schemeClr val="bg1"/>
+              </a:solidFill>
+            </a:endParaRPr>
+          </a:p>
+          <a:p>
+            <a:pPr algn="ctr"/>
+            <a:r>
+              <a:rPr lang="en-US" altLang="zh-CN" dirty="0" err="1" smtClean="0"/>
+              <a:t>NodeManager</a:t>
+            </a:r>
+            <a:endParaRPr lang="en-US" altLang="zh-CN" dirty="0" smtClean="0"/>
+          </a:p>
+        </p:txBody>
+      </p:sp>
+      <p:sp>
+        <p:nvSpPr>
+          <p:cNvPr id="32" name="圆角矩形 31"/>
+          <p:cNvSpPr/>
+          <p:nvPr/>
+        </p:nvSpPr>
+        <p:spPr>
+          <a:xfrm>
+            <a:off x="4283374" y="5505118"/>
+            <a:ext cx="1645921" cy="529388"/>
+          </a:xfrm>
+          <a:prstGeom prst="roundRect">
+            <a:avLst/>
+          </a:prstGeom>
+        </p:spPr>
+        <p:style>
+          <a:lnRef idx="1">
+            <a:schemeClr val="accent1"/>
+          </a:lnRef>
+          <a:fillRef idx="2">
+            <a:schemeClr val="accent1"/>
+          </a:fillRef>
+          <a:effectRef idx="1">
+            <a:schemeClr val="accent1"/>
+          </a:effectRef>
+          <a:fontRef idx="minor">
+            <a:schemeClr val="dk1"/>
+          </a:fontRef>
+        </p:style>
+        <p:txBody>
+          <a:bodyPr rtlCol="0" anchor="ctr"/>
+          <a:lstStyle/>
+          <a:p>
+            <a:pPr algn="ctr"/>
+            <a:r>
+              <a:rPr lang="en-US" altLang="zh-CN" dirty="0" err="1" smtClean="0">
+                <a:solidFill>
+                  <a:schemeClr val="bg1"/>
+                </a:solidFill>
+              </a:rPr>
+              <a:t>DataNode</a:t>
+            </a:r>
+            <a:endParaRPr lang="en-US" altLang="zh-CN" dirty="0" smtClean="0">
+              <a:solidFill>
+                <a:schemeClr val="bg1"/>
+              </a:solidFill>
+            </a:endParaRPr>
+          </a:p>
+          <a:p>
+            <a:pPr algn="ctr"/>
+            <a:r>
+              <a:rPr lang="en-US" altLang="zh-CN" dirty="0" err="1" smtClean="0"/>
+              <a:t>NodeManager</a:t>
+            </a:r>
+            <a:endParaRPr lang="en-US" altLang="zh-CN" dirty="0" smtClean="0"/>
+          </a:p>
+        </p:txBody>
+      </p:sp>
+      <p:sp>
+        <p:nvSpPr>
+          <p:cNvPr id="33" name="圆角矩形 32"/>
+          <p:cNvSpPr/>
+          <p:nvPr/>
+        </p:nvSpPr>
+        <p:spPr>
+          <a:xfrm>
+            <a:off x="6232491" y="5505118"/>
+            <a:ext cx="1645921" cy="529388"/>
+          </a:xfrm>
+          <a:prstGeom prst="roundRect">
+            <a:avLst/>
+          </a:prstGeom>
+        </p:spPr>
+        <p:style>
+          <a:lnRef idx="1">
+            <a:schemeClr val="accent1"/>
+          </a:lnRef>
+          <a:fillRef idx="2">
+            <a:schemeClr val="accent1"/>
+          </a:fillRef>
+          <a:effectRef idx="1">
+            <a:schemeClr val="accent1"/>
+          </a:effectRef>
+          <a:fontRef idx="minor">
+            <a:schemeClr val="dk1"/>
+          </a:fontRef>
+        </p:style>
+        <p:txBody>
+          <a:bodyPr rtlCol="0" anchor="ctr"/>
+          <a:lstStyle/>
+          <a:p>
+            <a:pPr algn="ctr"/>
+            <a:r>
+              <a:rPr lang="en-US" altLang="zh-CN" dirty="0" err="1" smtClean="0">
+                <a:solidFill>
+                  <a:schemeClr val="bg1"/>
+                </a:solidFill>
+              </a:rPr>
+              <a:t>DataNode</a:t>
+            </a:r>
+            <a:endParaRPr lang="en-US" altLang="zh-CN" dirty="0" smtClean="0">
+              <a:solidFill>
+                <a:schemeClr val="bg1"/>
+              </a:solidFill>
+            </a:endParaRPr>
+          </a:p>
+          <a:p>
+            <a:pPr algn="ctr"/>
+            <a:r>
+              <a:rPr lang="en-US" altLang="zh-CN" dirty="0" err="1" smtClean="0"/>
+              <a:t>NodeManager</a:t>
+            </a:r>
+            <a:endParaRPr lang="en-US" altLang="zh-CN" dirty="0" smtClean="0"/>
+          </a:p>
+        </p:txBody>
+      </p:sp>
+      <p:sp>
+        <p:nvSpPr>
+          <p:cNvPr id="34" name="圆角矩形 33"/>
+          <p:cNvSpPr/>
+          <p:nvPr/>
+        </p:nvSpPr>
+        <p:spPr>
+          <a:xfrm>
+            <a:off x="8227326" y="5514741"/>
+            <a:ext cx="1645921" cy="529388"/>
+          </a:xfrm>
+          <a:prstGeom prst="roundRect">
+            <a:avLst/>
+          </a:prstGeom>
+        </p:spPr>
+        <p:style>
+          <a:lnRef idx="1">
+            <a:schemeClr val="accent1"/>
+          </a:lnRef>
+          <a:fillRef idx="2">
+            <a:schemeClr val="accent1"/>
+          </a:fillRef>
+          <a:effectRef idx="1">
+            <a:schemeClr val="accent1"/>
+          </a:effectRef>
+          <a:fontRef idx="minor">
+            <a:schemeClr val="dk1"/>
+          </a:fontRef>
+        </p:style>
+        <p:txBody>
+          <a:bodyPr rtlCol="0" anchor="ctr"/>
+          <a:lstStyle/>
+          <a:p>
+            <a:pPr algn="ctr"/>
+            <a:r>
+              <a:rPr lang="en-US" altLang="zh-CN" dirty="0" err="1" smtClean="0">
+                <a:solidFill>
+                  <a:schemeClr val="bg1"/>
+                </a:solidFill>
+              </a:rPr>
+              <a:t>DataNode</a:t>
+            </a:r>
+            <a:endParaRPr lang="en-US" altLang="zh-CN" dirty="0" smtClean="0">
+              <a:solidFill>
+                <a:schemeClr val="bg1"/>
+              </a:solidFill>
+            </a:endParaRPr>
+          </a:p>
+          <a:p>
+            <a:pPr algn="ctr"/>
+            <a:r>
+              <a:rPr lang="en-US" altLang="zh-CN" dirty="0" err="1" smtClean="0"/>
+              <a:t>NodeManager</a:t>
+            </a:r>
+            <a:endParaRPr lang="en-US" altLang="zh-CN" dirty="0" smtClean="0"/>
+          </a:p>
+        </p:txBody>
+      </p:sp>
+      <p:cxnSp>
+        <p:nvCxnSpPr>
+          <p:cNvPr id="36" name="直接箭头连接符 35"/>
+          <p:cNvCxnSpPr>
+            <a:stCxn id="31" idx="0"/>
+            <a:endCxn id="8" idx="2"/>
+          </p:cNvCxnSpPr>
+          <p:nvPr/>
+        </p:nvCxnSpPr>
+        <p:spPr>
+          <a:xfrm flipH="1" flipV="1">
+            <a:off x="2512025" y="3368343"/>
+            <a:ext cx="620395" cy="2136775"/>
+          </a:xfrm>
+          <a:prstGeom prst="straightConnector1">
+            <a:avLst/>
+          </a:prstGeom>
+          <a:ln>
+            <a:tailEnd type="triangle"/>
+          </a:ln>
+        </p:spPr>
+        <p:style>
+          <a:lnRef idx="1">
+            <a:schemeClr val="accent1"/>
+          </a:lnRef>
+          <a:fillRef idx="0">
+            <a:schemeClr val="accent1"/>
+          </a:fillRef>
+          <a:effectRef idx="0">
+            <a:schemeClr val="accent1"/>
+          </a:effectRef>
+          <a:fontRef idx="minor">
+            <a:schemeClr val="tx1"/>
+          </a:fontRef>
+        </p:style>
+      </p:cxnSp>
+      <p:cxnSp>
+        <p:nvCxnSpPr>
+          <p:cNvPr id="38" name="直接箭头连接符 37"/>
+          <p:cNvCxnSpPr>
+            <a:stCxn id="32" idx="0"/>
+            <a:endCxn id="8" idx="2"/>
+          </p:cNvCxnSpPr>
+          <p:nvPr/>
+        </p:nvCxnSpPr>
+        <p:spPr>
+          <a:xfrm flipH="1" flipV="1">
+            <a:off x="2512360" y="3368343"/>
+            <a:ext cx="2602865" cy="2136775"/>
+          </a:xfrm>
+          <a:prstGeom prst="straightConnector1">
+            <a:avLst/>
+          </a:prstGeom>
+          <a:ln>
+            <a:tailEnd type="triangle"/>
+          </a:ln>
+        </p:spPr>
+        <p:style>
+          <a:lnRef idx="1">
+            <a:schemeClr val="accent1"/>
+          </a:lnRef>
+          <a:fillRef idx="0">
+            <a:schemeClr val="accent1"/>
+          </a:fillRef>
+          <a:effectRef idx="0">
+            <a:schemeClr val="accent1"/>
+          </a:effectRef>
+          <a:fontRef idx="minor">
+            <a:schemeClr val="tx1"/>
+          </a:fontRef>
+        </p:style>
+      </p:cxnSp>
+      <p:cxnSp>
+        <p:nvCxnSpPr>
+          <p:cNvPr id="40" name="直接箭头连接符 39"/>
+          <p:cNvCxnSpPr>
+            <a:stCxn id="33" idx="0"/>
+            <a:endCxn id="8" idx="2"/>
+          </p:cNvCxnSpPr>
+          <p:nvPr/>
+        </p:nvCxnSpPr>
+        <p:spPr>
+          <a:xfrm flipH="1" flipV="1">
+            <a:off x="2512027" y="3368343"/>
+            <a:ext cx="4552315" cy="2136775"/>
+          </a:xfrm>
+          <a:prstGeom prst="straightConnector1">
+            <a:avLst/>
+          </a:prstGeom>
+          <a:ln>
+            <a:tailEnd type="triangle"/>
+          </a:ln>
+        </p:spPr>
+        <p:style>
+          <a:lnRef idx="1">
+            <a:schemeClr val="accent1"/>
+          </a:lnRef>
+          <a:fillRef idx="0">
+            <a:schemeClr val="accent1"/>
+          </a:fillRef>
+          <a:effectRef idx="0">
+            <a:schemeClr val="accent1"/>
+          </a:effectRef>
+          <a:fontRef idx="minor">
+            <a:schemeClr val="tx1"/>
+          </a:fontRef>
+        </p:style>
+      </p:cxnSp>
+      <p:cxnSp>
+        <p:nvCxnSpPr>
+          <p:cNvPr id="42" name="直接箭头连接符 41"/>
+          <p:cNvCxnSpPr>
+            <a:stCxn id="34" idx="0"/>
+            <a:endCxn id="8" idx="2"/>
+          </p:cNvCxnSpPr>
+          <p:nvPr/>
+        </p:nvCxnSpPr>
+        <p:spPr>
+          <a:xfrm flipH="1" flipV="1">
+            <a:off x="2512327" y="3367806"/>
+            <a:ext cx="6546850" cy="2146935"/>
+          </a:xfrm>
+          <a:prstGeom prst="straightConnector1">
+            <a:avLst/>
+          </a:prstGeom>
+          <a:ln>
+            <a:tailEnd type="triangle"/>
+          </a:ln>
+        </p:spPr>
+        <p:style>
+          <a:lnRef idx="1">
+            <a:schemeClr val="accent1"/>
+          </a:lnRef>
+          <a:fillRef idx="0">
+            <a:schemeClr val="accent1"/>
+          </a:fillRef>
+          <a:effectRef idx="0">
+            <a:schemeClr val="accent1"/>
+          </a:effectRef>
+          <a:fontRef idx="minor">
+            <a:schemeClr val="tx1"/>
+          </a:fontRef>
+        </p:style>
+      </p:cxnSp>
+      <p:cxnSp>
+        <p:nvCxnSpPr>
+          <p:cNvPr id="44" name="直接箭头连接符 43"/>
+          <p:cNvCxnSpPr>
+            <a:stCxn id="31" idx="0"/>
+            <a:endCxn id="17" idx="2"/>
+          </p:cNvCxnSpPr>
+          <p:nvPr/>
+        </p:nvCxnSpPr>
+        <p:spPr>
+          <a:xfrm flipV="1">
+            <a:off x="3132420" y="3349293"/>
+            <a:ext cx="6122035" cy="2155825"/>
+          </a:xfrm>
+          <a:prstGeom prst="straightConnector1">
+            <a:avLst/>
+          </a:prstGeom>
+          <a:ln>
+            <a:tailEnd type="triangle"/>
+          </a:ln>
+        </p:spPr>
+        <p:style>
+          <a:lnRef idx="1">
+            <a:schemeClr val="accent1"/>
+          </a:lnRef>
+          <a:fillRef idx="0">
+            <a:schemeClr val="accent1"/>
+          </a:fillRef>
+          <a:effectRef idx="0">
+            <a:schemeClr val="accent1"/>
+          </a:effectRef>
+          <a:fontRef idx="minor">
+            <a:schemeClr val="tx1"/>
+          </a:fontRef>
+        </p:style>
+      </p:cxnSp>
+      <p:cxnSp>
+        <p:nvCxnSpPr>
+          <p:cNvPr id="48" name="直接箭头连接符 47"/>
+          <p:cNvCxnSpPr>
+            <a:stCxn id="32" idx="0"/>
+            <a:endCxn id="17" idx="2"/>
+          </p:cNvCxnSpPr>
+          <p:nvPr/>
+        </p:nvCxnSpPr>
+        <p:spPr>
+          <a:xfrm flipV="1">
+            <a:off x="5115225" y="3349293"/>
+            <a:ext cx="4139565" cy="2155825"/>
+          </a:xfrm>
+          <a:prstGeom prst="straightConnector1">
+            <a:avLst/>
+          </a:prstGeom>
+          <a:ln>
+            <a:tailEnd type="triangle"/>
+          </a:ln>
+        </p:spPr>
+        <p:style>
+          <a:lnRef idx="1">
+            <a:schemeClr val="accent1"/>
+          </a:lnRef>
+          <a:fillRef idx="0">
+            <a:schemeClr val="accent1"/>
+          </a:fillRef>
+          <a:effectRef idx="0">
+            <a:schemeClr val="accent1"/>
+          </a:effectRef>
+          <a:fontRef idx="minor">
+            <a:schemeClr val="tx1"/>
+          </a:fontRef>
+        </p:style>
+      </p:cxnSp>
+      <p:cxnSp>
+        <p:nvCxnSpPr>
+          <p:cNvPr id="50" name="直接箭头连接符 49"/>
+          <p:cNvCxnSpPr>
+            <a:stCxn id="33" idx="0"/>
+            <a:endCxn id="17" idx="2"/>
+          </p:cNvCxnSpPr>
+          <p:nvPr/>
+        </p:nvCxnSpPr>
+        <p:spPr>
+          <a:xfrm flipV="1">
+            <a:off x="7064342" y="3349293"/>
+            <a:ext cx="2190115" cy="2155825"/>
+          </a:xfrm>
+          <a:prstGeom prst="straightConnector1">
+            <a:avLst/>
+          </a:prstGeom>
+          <a:ln>
+            <a:tailEnd type="triangle"/>
+          </a:ln>
+        </p:spPr>
+        <p:style>
+          <a:lnRef idx="1">
+            <a:schemeClr val="accent1"/>
+          </a:lnRef>
+          <a:fillRef idx="0">
+            <a:schemeClr val="accent1"/>
+          </a:fillRef>
+          <a:effectRef idx="0">
+            <a:schemeClr val="accent1"/>
+          </a:effectRef>
+          <a:fontRef idx="minor">
+            <a:schemeClr val="tx1"/>
+          </a:fontRef>
+        </p:style>
+      </p:cxnSp>
+      <p:cxnSp>
+        <p:nvCxnSpPr>
+          <p:cNvPr id="52" name="直接箭头连接符 51"/>
+          <p:cNvCxnSpPr>
+            <a:stCxn id="34" idx="0"/>
+            <a:endCxn id="17" idx="2"/>
+          </p:cNvCxnSpPr>
+          <p:nvPr/>
+        </p:nvCxnSpPr>
+        <p:spPr>
+          <a:xfrm flipV="1">
+            <a:off x="9059177" y="3348756"/>
+            <a:ext cx="195580" cy="2165985"/>
+          </a:xfrm>
+          <a:prstGeom prst="straightConnector1">
+            <a:avLst/>
+          </a:prstGeom>
+          <a:ln>
+            <a:tailEnd type="triangle"/>
+          </a:ln>
+        </p:spPr>
+        <p:style>
+          <a:lnRef idx="1">
+            <a:schemeClr val="accent1"/>
+          </a:lnRef>
+          <a:fillRef idx="0">
+            <a:schemeClr val="accent1"/>
+          </a:fillRef>
+          <a:effectRef idx="0">
+            <a:schemeClr val="accent1"/>
+          </a:effectRef>
+          <a:fontRef idx="minor">
+            <a:schemeClr val="tx1"/>
+          </a:fontRef>
+        </p:style>
+      </p:cxnSp>
+      <p:sp>
+        <p:nvSpPr>
+          <p:cNvPr id="59" name="圆角矩形 58"/>
+          <p:cNvSpPr/>
+          <p:nvPr/>
+        </p:nvSpPr>
+        <p:spPr>
+          <a:xfrm>
+            <a:off x="4442189" y="711738"/>
+            <a:ext cx="856647" cy="385010"/>
+          </a:xfrm>
+          <a:prstGeom prst="roundRect">
+            <a:avLst/>
+          </a:prstGeom>
+        </p:spPr>
+        <p:style>
           <a:lnRef idx="2">
-            <a:schemeClr val="accent1"/>
+            <a:schemeClr val="accent4">
+              <a:shade val="50000"/>
+            </a:schemeClr>
           </a:lnRef>
           <a:fillRef idx="1">
+            <a:schemeClr val="accent4"/>
+          </a:fillRef>
+          <a:effectRef idx="0">
+            <a:schemeClr val="accent4"/>
+          </a:effectRef>
+          <a:fontRef idx="minor">
             <a:schemeClr val="lt1"/>
+          </a:fontRef>
+        </p:style>
+        <p:txBody>
+          <a:bodyPr rtlCol="0" anchor="ctr"/>
+          <a:lstStyle/>
+          <a:p>
+            <a:pPr algn="ctr"/>
+            <a:r>
+              <a:rPr lang="en-US" altLang="zh-CN" dirty="0" smtClean="0">
+                <a:solidFill>
+                  <a:srgbClr val="0070C0"/>
+                </a:solidFill>
+              </a:rPr>
+              <a:t>ZK</a:t>
+            </a:r>
+            <a:endParaRPr lang="zh-CN" altLang="en-US" dirty="0">
+              <a:solidFill>
+                <a:srgbClr val="0070C0"/>
+              </a:solidFill>
+            </a:endParaRPr>
+          </a:p>
+        </p:txBody>
+      </p:sp>
+      <p:sp>
+        <p:nvSpPr>
+          <p:cNvPr id="60" name="圆角矩形 59"/>
+          <p:cNvSpPr/>
+          <p:nvPr/>
+        </p:nvSpPr>
+        <p:spPr>
+          <a:xfrm>
+            <a:off x="6463497" y="706927"/>
+            <a:ext cx="856647" cy="385010"/>
+          </a:xfrm>
+          <a:prstGeom prst="roundRect">
+            <a:avLst/>
+          </a:prstGeom>
+        </p:spPr>
+        <p:style>
+          <a:lnRef idx="2">
+            <a:schemeClr val="accent4">
+              <a:shade val="50000"/>
+            </a:schemeClr>
+          </a:lnRef>
+          <a:fillRef idx="1">
+            <a:schemeClr val="accent4"/>
           </a:fillRef>
           <a:effectRef idx="0">
-            <a:schemeClr val="accent1"/>
-          </a:effectRef>
-          <a:fontRef idx="minor">
-            <a:schemeClr val="dk1"/>
+            <a:schemeClr val="accent4"/>
+          </a:effectRef>
+          <a:fontRef idx="minor">
+            <a:schemeClr val="lt1"/>
           </a:fontRef>
         </p:style>
         <p:txBody>
           <a:bodyPr rtlCol="0" anchor="ctr"/>
-          <a:p>
-            <a:pPr algn="ctr"/>
-            <a:endParaRPr lang="zh-CN" altLang="en-US" dirty="0"/>
-          </a:p>
-        </p:txBody>
-      </p:sp>
-      <p:sp>
-        <p:nvSpPr>
-          <p:cNvPr id="4" name="圆角矩形 3"/>
+          <a:lstStyle/>
+          <a:p>
+            <a:pPr algn="ctr"/>
+            <a:r>
+              <a:rPr lang="en-US" altLang="zh-CN" dirty="0" smtClean="0">
+                <a:solidFill>
+                  <a:srgbClr val="0070C0"/>
+                </a:solidFill>
+              </a:rPr>
+              <a:t>ZK</a:t>
+            </a:r>
+            <a:endParaRPr lang="zh-CN" altLang="en-US" dirty="0">
+              <a:solidFill>
+                <a:srgbClr val="0070C0"/>
+              </a:solidFill>
+            </a:endParaRPr>
+          </a:p>
+        </p:txBody>
+      </p:sp>
+      <p:sp>
+        <p:nvSpPr>
+          <p:cNvPr id="3" name="圆角矩形 2"/>
           <p:cNvSpPr/>
           <p:nvPr/>
         </p:nvSpPr>
         <p:spPr>
           <a:xfrm>
-            <a:off x="2618105" y="1043940"/>
-            <a:ext cx="5496560" cy="647065"/>
+            <a:off x="10329545" y="1358900"/>
+            <a:ext cx="914400" cy="508635"/>
           </a:xfrm>
           <a:prstGeom prst="roundRect">
             <a:avLst/>
           </a:prstGeom>
-          <a:ln w="12700" cmpd="sng">
-            <a:solidFill>
-              <a:schemeClr val="accent1">
-                <a:shade val="50000"/>
-              </a:schemeClr>
-            </a:solidFill>
-            <a:prstDash val="lgDashDot"/>
-          </a:ln>
-        </p:spPr>
-        <p:style>
-          <a:lnRef idx="2">
-            <a:schemeClr val="accent1"/>
-          </a:lnRef>
-          <a:fillRef idx="1">
-            <a:schemeClr val="lt1"/>
-          </a:fillRef>
-          <a:effectRef idx="0">
-            <a:schemeClr val="accent1"/>
-          </a:effectRef>
-          <a:fontRef idx="minor">
-            <a:schemeClr val="dk1"/>
-          </a:fontRef>
-        </p:style>
-        <p:txBody>
-          <a:bodyPr rtlCol="0" anchor="ctr"/>
-          <a:p>
-            <a:pPr algn="ctr"/>
-            <a:endParaRPr lang="zh-CN" altLang="en-US" dirty="0"/>
-          </a:p>
-        </p:txBody>
-      </p:sp>
-      <p:sp>
-        <p:nvSpPr>
-          <p:cNvPr id="5" name="矩形 4"/>
-          <p:cNvSpPr/>
-          <p:nvPr/>
-        </p:nvSpPr>
-        <p:spPr>
-          <a:xfrm>
-            <a:off x="9028430" y="1438910"/>
-            <a:ext cx="609600" cy="3780155"/>
-          </a:xfrm>
-          <a:prstGeom prst="rect">
-            <a:avLst/>
-          </a:prstGeom>
-          <a:solidFill>
-            <a:schemeClr val="accent5">
-              <a:lumMod val="40000"/>
-              <a:lumOff val="60000"/>
-            </a:schemeClr>
-          </a:solidFill>
         </p:spPr>
         <p:style>
           <a:lnRef idx="2">
@@ -10018,45 +12183,31 @@
           </a:fontRef>
         </p:style>
         <p:txBody>
-          <a:bodyPr vert="eaVert" rtlCol="0" anchor="ctr"/>
-          <a:p>
-            <a:pPr algn="ctr"/>
-            <a:r>
-              <a:rPr lang="en-US" altLang="zh-CN">
-                <a:solidFill>
-                  <a:schemeClr val="tx1"/>
-                </a:solidFill>
-              </a:rPr>
-              <a:t>Zookeeper</a:t>
-            </a:r>
-            <a:endParaRPr lang="en-US" altLang="zh-CN">
-              <a:solidFill>
-                <a:schemeClr val="tx1"/>
-              </a:solidFill>
-            </a:endParaRPr>
-          </a:p>
-        </p:txBody>
-      </p:sp>
-      <p:sp>
-        <p:nvSpPr>
-          <p:cNvPr id="6" name="矩形 5"/>
+          <a:bodyPr rtlCol="0" anchor="ctr"/>
+          <a:p>
+            <a:pPr algn="ctr"/>
+            <a:r>
+              <a:rPr lang="en-US" altLang="zh-CN"/>
+              <a:t>hive</a:t>
+            </a:r>
+            <a:endParaRPr lang="en-US" altLang="zh-CN"/>
+          </a:p>
+        </p:txBody>
+      </p:sp>
+      <p:sp>
+        <p:nvSpPr>
+          <p:cNvPr id="5" name="圆角矩形 4"/>
           <p:cNvSpPr/>
           <p:nvPr/>
         </p:nvSpPr>
         <p:spPr>
           <a:xfrm>
-            <a:off x="9900920" y="1421765"/>
-            <a:ext cx="609600" cy="3778885"/>
-          </a:xfrm>
-          <a:prstGeom prst="rect">
-            <a:avLst/>
-          </a:prstGeom>
-          <a:solidFill>
-            <a:schemeClr val="accent6">
-              <a:lumMod val="40000"/>
-              <a:lumOff val="60000"/>
-            </a:schemeClr>
-          </a:solidFill>
+            <a:off x="10329545" y="2859405"/>
+            <a:ext cx="914400" cy="508635"/>
+          </a:xfrm>
+          <a:prstGeom prst="roundRect">
+            <a:avLst/>
+          </a:prstGeom>
         </p:spPr>
         <p:style>
           <a:lnRef idx="2">
@@ -10079,254 +12230,27 @@
           <a:p>
             <a:pPr algn="ctr"/>
             <a:r>
-              <a:rPr lang="zh-CN" altLang="en-US">
-                <a:solidFill>
-                  <a:schemeClr val="tx1"/>
-                </a:solidFill>
-              </a:rPr>
-              <a:t>任务调度与监控</a:t>
-            </a:r>
-            <a:endParaRPr lang="zh-CN" altLang="en-US">
-              <a:solidFill>
-                <a:schemeClr val="tx1"/>
-              </a:solidFill>
-            </a:endParaRPr>
-          </a:p>
-        </p:txBody>
-      </p:sp>
-      <p:sp>
-        <p:nvSpPr>
-          <p:cNvPr id="34" name="文本框 33"/>
-          <p:cNvSpPr txBox="1"/>
-          <p:nvPr/>
-        </p:nvSpPr>
-        <p:spPr>
-          <a:xfrm>
-            <a:off x="998855" y="1122045"/>
-            <a:ext cx="1097280" cy="368300"/>
-          </a:xfrm>
-          <a:prstGeom prst="rect">
-            <a:avLst/>
-          </a:prstGeom>
-          <a:noFill/>
-        </p:spPr>
-        <p:txBody>
-          <a:bodyPr wrap="none" rtlCol="0">
-            <a:spAutoFit/>
-          </a:bodyPr>
-          <a:p>
-            <a:r>
-              <a:rPr lang="zh-CN" altLang="en-US"/>
-              <a:t>数据应用</a:t>
-            </a:r>
-            <a:endParaRPr lang="zh-CN" altLang="en-US"/>
-          </a:p>
-        </p:txBody>
-      </p:sp>
-      <p:sp>
-        <p:nvSpPr>
-          <p:cNvPr id="35" name="文本框 34"/>
-          <p:cNvSpPr txBox="1"/>
-          <p:nvPr/>
-        </p:nvSpPr>
-        <p:spPr>
-          <a:xfrm>
-            <a:off x="998855" y="2110740"/>
-            <a:ext cx="1097280" cy="368300"/>
-          </a:xfrm>
-          <a:prstGeom prst="rect">
-            <a:avLst/>
-          </a:prstGeom>
-          <a:noFill/>
-        </p:spPr>
-        <p:txBody>
-          <a:bodyPr wrap="none" rtlCol="0">
-            <a:spAutoFit/>
-          </a:bodyPr>
-          <a:p>
-            <a:r>
-              <a:rPr lang="zh-CN" altLang="en-US"/>
-              <a:t>数据共享</a:t>
-            </a:r>
-            <a:endParaRPr lang="zh-CN" altLang="en-US"/>
-          </a:p>
-        </p:txBody>
-      </p:sp>
-      <p:sp>
-        <p:nvSpPr>
-          <p:cNvPr id="36" name="文本框 35"/>
-          <p:cNvSpPr txBox="1"/>
-          <p:nvPr/>
-        </p:nvSpPr>
-        <p:spPr>
-          <a:xfrm>
-            <a:off x="998855" y="3493135"/>
-            <a:ext cx="1097280" cy="645160"/>
-          </a:xfrm>
-          <a:prstGeom prst="rect">
-            <a:avLst/>
-          </a:prstGeom>
-          <a:noFill/>
-        </p:spPr>
-        <p:txBody>
-          <a:bodyPr wrap="none" rtlCol="0">
-            <a:spAutoFit/>
-          </a:bodyPr>
-          <a:p>
-            <a:r>
-              <a:rPr lang="zh-CN" altLang="en-US"/>
-              <a:t>数据存储</a:t>
-            </a:r>
-            <a:endParaRPr lang="zh-CN" altLang="en-US"/>
-          </a:p>
-          <a:p>
-            <a:r>
-              <a:rPr lang="zh-CN" altLang="en-US"/>
-              <a:t>数据分析</a:t>
-            </a:r>
-            <a:endParaRPr lang="zh-CN" altLang="en-US"/>
-          </a:p>
-        </p:txBody>
-      </p:sp>
-      <p:sp>
-        <p:nvSpPr>
-          <p:cNvPr id="37" name="文本框 36"/>
-          <p:cNvSpPr txBox="1"/>
-          <p:nvPr/>
-        </p:nvSpPr>
-        <p:spPr>
-          <a:xfrm>
-            <a:off x="998855" y="5141595"/>
-            <a:ext cx="1097280" cy="368300"/>
-          </a:xfrm>
-          <a:prstGeom prst="rect">
-            <a:avLst/>
-          </a:prstGeom>
-          <a:noFill/>
-        </p:spPr>
-        <p:txBody>
-          <a:bodyPr wrap="none" rtlCol="0">
-            <a:spAutoFit/>
-          </a:bodyPr>
-          <a:p>
-            <a:r>
-              <a:rPr lang="zh-CN" altLang="en-US"/>
-              <a:t>数据采集</a:t>
-            </a:r>
-            <a:endParaRPr lang="zh-CN" altLang="en-US"/>
-          </a:p>
-        </p:txBody>
-      </p:sp>
-      <p:cxnSp>
-        <p:nvCxnSpPr>
-          <p:cNvPr id="38" name="直接连接符 37"/>
-          <p:cNvCxnSpPr/>
-          <p:nvPr/>
-        </p:nvCxnSpPr>
-        <p:spPr>
-          <a:xfrm flipV="1">
-            <a:off x="692150" y="4732655"/>
-            <a:ext cx="8115300" cy="5715"/>
-          </a:xfrm>
-          <a:prstGeom prst="line">
-            <a:avLst/>
-          </a:prstGeom>
-        </p:spPr>
-        <p:style>
-          <a:lnRef idx="1">
-            <a:schemeClr val="accent1"/>
-          </a:lnRef>
-          <a:fillRef idx="0">
-            <a:schemeClr val="accent1"/>
-          </a:fillRef>
-          <a:effectRef idx="0">
-            <a:schemeClr val="accent1"/>
-          </a:effectRef>
-          <a:fontRef idx="minor">
-            <a:schemeClr val="tx1"/>
-          </a:fontRef>
-        </p:style>
-      </p:cxnSp>
-      <p:cxnSp>
-        <p:nvCxnSpPr>
-          <p:cNvPr id="39" name="直接连接符 38"/>
-          <p:cNvCxnSpPr/>
-          <p:nvPr/>
-        </p:nvCxnSpPr>
-        <p:spPr>
-          <a:xfrm flipV="1">
-            <a:off x="692150" y="2917825"/>
-            <a:ext cx="8039735" cy="13335"/>
-          </a:xfrm>
-          <a:prstGeom prst="line">
-            <a:avLst/>
-          </a:prstGeom>
-        </p:spPr>
-        <p:style>
-          <a:lnRef idx="1">
-            <a:schemeClr val="accent1"/>
-          </a:lnRef>
-          <a:fillRef idx="0">
-            <a:schemeClr val="accent1"/>
-          </a:fillRef>
-          <a:effectRef idx="0">
-            <a:schemeClr val="accent1"/>
-          </a:effectRef>
-          <a:fontRef idx="minor">
-            <a:schemeClr val="tx1"/>
-          </a:fontRef>
-        </p:style>
-      </p:cxnSp>
-      <p:cxnSp>
-        <p:nvCxnSpPr>
-          <p:cNvPr id="40" name="直接连接符 39"/>
-          <p:cNvCxnSpPr/>
-          <p:nvPr/>
-        </p:nvCxnSpPr>
-        <p:spPr>
-          <a:xfrm flipV="1">
-            <a:off x="692150" y="1776730"/>
-            <a:ext cx="8105775" cy="23495"/>
-          </a:xfrm>
-          <a:prstGeom prst="line">
-            <a:avLst/>
-          </a:prstGeom>
-        </p:spPr>
-        <p:style>
-          <a:lnRef idx="1">
-            <a:schemeClr val="accent1"/>
-          </a:lnRef>
-          <a:fillRef idx="0">
-            <a:schemeClr val="accent1"/>
-          </a:fillRef>
-          <a:effectRef idx="0">
-            <a:schemeClr val="accent1"/>
-          </a:effectRef>
-          <a:fontRef idx="minor">
-            <a:schemeClr val="tx1"/>
-          </a:fontRef>
-        </p:style>
-      </p:cxnSp>
-      <p:sp>
-        <p:nvSpPr>
-          <p:cNvPr id="2" name="圆角矩形 1"/>
+              <a:rPr lang="en-US" altLang="zh-CN"/>
+              <a:t>oozie</a:t>
+            </a:r>
+            <a:endParaRPr lang="en-US" altLang="zh-CN"/>
+          </a:p>
+        </p:txBody>
+      </p:sp>
+      <p:sp>
+        <p:nvSpPr>
+          <p:cNvPr id="7" name="圆角矩形 6"/>
           <p:cNvSpPr/>
           <p:nvPr/>
         </p:nvSpPr>
         <p:spPr>
           <a:xfrm>
-            <a:off x="2701290" y="1152525"/>
-            <a:ext cx="1232535" cy="444500"/>
+            <a:off x="10329545" y="4088765"/>
+            <a:ext cx="914400" cy="508635"/>
           </a:xfrm>
           <a:prstGeom prst="roundRect">
             <a:avLst/>
           </a:prstGeom>
-          <a:solidFill>
-            <a:schemeClr val="accent1">
-              <a:lumMod val="40000"/>
-              <a:lumOff val="60000"/>
-            </a:schemeClr>
-          </a:solidFill>
         </p:spPr>
         <p:style>
           <a:lnRef idx="2">
@@ -10349,1042 +12273,43 @@
           <a:p>
             <a:pPr algn="ctr"/>
             <a:r>
+              <a:rPr lang="en-US" altLang="zh-CN"/>
+              <a:t>hue</a:t>
+            </a:r>
+            <a:endParaRPr lang="en-US" altLang="zh-CN"/>
+          </a:p>
+        </p:txBody>
+      </p:sp>
+      <p:sp>
+        <p:nvSpPr>
+          <p:cNvPr id="10" name="文本框 9"/>
+          <p:cNvSpPr txBox="1"/>
+          <p:nvPr/>
+        </p:nvSpPr>
+        <p:spPr>
+          <a:xfrm>
+            <a:off x="650875" y="615315"/>
+            <a:ext cx="868680" cy="368300"/>
+          </a:xfrm>
+          <a:prstGeom prst="rect">
+            <a:avLst/>
+          </a:prstGeom>
+          <a:noFill/>
+        </p:spPr>
+        <p:txBody>
+          <a:bodyPr wrap="none" rtlCol="0">
+            <a:spAutoFit/>
+          </a:bodyPr>
+          <a:p>
+            <a:r>
               <a:rPr lang="zh-CN" altLang="en-US"/>
-              <a:t>报表统计</a:t>
+              <a:t>逻辑图</a:t>
             </a:r>
             <a:endParaRPr lang="zh-CN" altLang="en-US"/>
           </a:p>
         </p:txBody>
       </p:sp>
-      <p:sp>
-        <p:nvSpPr>
-          <p:cNvPr id="3" name="圆角矩形 2"/>
-          <p:cNvSpPr/>
-          <p:nvPr/>
-        </p:nvSpPr>
-        <p:spPr>
-          <a:xfrm>
-            <a:off x="4062730" y="1152525"/>
-            <a:ext cx="1398270" cy="444500"/>
-          </a:xfrm>
-          <a:prstGeom prst="roundRect">
-            <a:avLst/>
-          </a:prstGeom>
-          <a:solidFill>
-            <a:schemeClr val="accent1">
-              <a:lumMod val="40000"/>
-              <a:lumOff val="60000"/>
-            </a:schemeClr>
-          </a:solidFill>
-        </p:spPr>
-        <p:style>
-          <a:lnRef idx="2">
-            <a:schemeClr val="accent1">
-              <a:shade val="50000"/>
-            </a:schemeClr>
-          </a:lnRef>
-          <a:fillRef idx="1">
-            <a:schemeClr val="accent1"/>
-          </a:fillRef>
-          <a:effectRef idx="0">
-            <a:schemeClr val="accent1"/>
-          </a:effectRef>
-          <a:fontRef idx="minor">
-            <a:schemeClr val="lt1"/>
-          </a:fontRef>
-        </p:style>
-        <p:txBody>
-          <a:bodyPr rtlCol="0" anchor="ctr"/>
-          <a:p>
-            <a:pPr algn="ctr"/>
-            <a:r>
-              <a:rPr lang="zh-CN" altLang="en-US"/>
-              <a:t>数据可视化</a:t>
-            </a:r>
-            <a:endParaRPr lang="zh-CN" altLang="en-US"/>
-          </a:p>
-        </p:txBody>
-      </p:sp>
-      <p:sp>
-        <p:nvSpPr>
-          <p:cNvPr id="9" name="圆角矩形 8"/>
-          <p:cNvSpPr/>
-          <p:nvPr/>
-        </p:nvSpPr>
-        <p:spPr>
-          <a:xfrm>
-            <a:off x="5572760" y="1152525"/>
-            <a:ext cx="1139825" cy="444500"/>
-          </a:xfrm>
-          <a:prstGeom prst="roundRect">
-            <a:avLst/>
-          </a:prstGeom>
-          <a:solidFill>
-            <a:schemeClr val="accent1">
-              <a:lumMod val="40000"/>
-              <a:lumOff val="60000"/>
-            </a:schemeClr>
-          </a:solidFill>
-        </p:spPr>
-        <p:style>
-          <a:lnRef idx="2">
-            <a:schemeClr val="accent1">
-              <a:shade val="50000"/>
-            </a:schemeClr>
-          </a:lnRef>
-          <a:fillRef idx="1">
-            <a:schemeClr val="accent1"/>
-          </a:fillRef>
-          <a:effectRef idx="0">
-            <a:schemeClr val="accent1"/>
-          </a:effectRef>
-          <a:fontRef idx="minor">
-            <a:schemeClr val="lt1"/>
-          </a:fontRef>
-        </p:style>
-        <p:txBody>
-          <a:bodyPr rtlCol="0" anchor="ctr"/>
-          <a:p>
-            <a:pPr algn="ctr"/>
-            <a:r>
-              <a:rPr lang="en-US" altLang="zh-CN"/>
-              <a:t>API</a:t>
-            </a:r>
-            <a:r>
-              <a:rPr lang="zh-CN" altLang="en-US"/>
-              <a:t>接口</a:t>
-            </a:r>
-            <a:endParaRPr lang="zh-CN" altLang="en-US"/>
-          </a:p>
-        </p:txBody>
-      </p:sp>
-      <p:sp>
-        <p:nvSpPr>
-          <p:cNvPr id="10" name="圆角矩形 9"/>
-          <p:cNvSpPr/>
-          <p:nvPr/>
-        </p:nvSpPr>
-        <p:spPr>
-          <a:xfrm>
-            <a:off x="6838315" y="1152525"/>
-            <a:ext cx="1153160" cy="444500"/>
-          </a:xfrm>
-          <a:prstGeom prst="roundRect">
-            <a:avLst/>
-          </a:prstGeom>
-          <a:solidFill>
-            <a:schemeClr val="accent1">
-              <a:lumMod val="40000"/>
-              <a:lumOff val="60000"/>
-            </a:schemeClr>
-          </a:solidFill>
-        </p:spPr>
-        <p:style>
-          <a:lnRef idx="2">
-            <a:schemeClr val="accent1">
-              <a:shade val="50000"/>
-            </a:schemeClr>
-          </a:lnRef>
-          <a:fillRef idx="1">
-            <a:schemeClr val="accent1"/>
-          </a:fillRef>
-          <a:effectRef idx="0">
-            <a:schemeClr val="accent1"/>
-          </a:effectRef>
-          <a:fontRef idx="minor">
-            <a:schemeClr val="lt1"/>
-          </a:fontRef>
-        </p:style>
-        <p:txBody>
-          <a:bodyPr rtlCol="0" anchor="ctr"/>
-          <a:p>
-            <a:pPr algn="ctr"/>
-            <a:r>
-              <a:rPr lang="zh-CN" altLang="en-US"/>
-              <a:t>实时查询</a:t>
-            </a:r>
-            <a:endParaRPr lang="zh-CN" altLang="en-US"/>
-          </a:p>
-        </p:txBody>
-      </p:sp>
-      <p:sp>
-        <p:nvSpPr>
-          <p:cNvPr id="15" name="圆角矩形 14"/>
-          <p:cNvSpPr/>
-          <p:nvPr/>
-        </p:nvSpPr>
-        <p:spPr>
-          <a:xfrm>
-            <a:off x="2618105" y="1971040"/>
-            <a:ext cx="5496560" cy="647065"/>
-          </a:xfrm>
-          <a:prstGeom prst="roundRect">
-            <a:avLst/>
-          </a:prstGeom>
-          <a:ln w="12700" cmpd="sng">
-            <a:solidFill>
-              <a:schemeClr val="accent1">
-                <a:shade val="50000"/>
-              </a:schemeClr>
-            </a:solidFill>
-            <a:prstDash val="lgDashDot"/>
-          </a:ln>
-        </p:spPr>
-        <p:style>
-          <a:lnRef idx="2">
-            <a:schemeClr val="accent1"/>
-          </a:lnRef>
-          <a:fillRef idx="1">
-            <a:schemeClr val="lt1"/>
-          </a:fillRef>
-          <a:effectRef idx="0">
-            <a:schemeClr val="accent1"/>
-          </a:effectRef>
-          <a:fontRef idx="minor">
-            <a:schemeClr val="dk1"/>
-          </a:fontRef>
-        </p:style>
-        <p:txBody>
-          <a:bodyPr rtlCol="0" anchor="ctr"/>
-          <a:p>
-            <a:pPr algn="ctr"/>
-            <a:endParaRPr lang="zh-CN" altLang="en-US" dirty="0"/>
-          </a:p>
-        </p:txBody>
-      </p:sp>
-      <p:sp>
-        <p:nvSpPr>
-          <p:cNvPr id="33" name="圆角矩形 32"/>
-          <p:cNvSpPr/>
-          <p:nvPr/>
-        </p:nvSpPr>
-        <p:spPr>
-          <a:xfrm>
-            <a:off x="2701290" y="2079625"/>
-            <a:ext cx="1232535" cy="444500"/>
-          </a:xfrm>
-          <a:prstGeom prst="roundRect">
-            <a:avLst/>
-          </a:prstGeom>
-          <a:solidFill>
-            <a:schemeClr val="accent1">
-              <a:lumMod val="40000"/>
-              <a:lumOff val="60000"/>
-            </a:schemeClr>
-          </a:solidFill>
-        </p:spPr>
-        <p:style>
-          <a:lnRef idx="2">
-            <a:schemeClr val="accent1">
-              <a:shade val="50000"/>
-            </a:schemeClr>
-          </a:lnRef>
-          <a:fillRef idx="1">
-            <a:schemeClr val="accent1"/>
-          </a:fillRef>
-          <a:effectRef idx="0">
-            <a:schemeClr val="accent1"/>
-          </a:effectRef>
-          <a:fontRef idx="minor">
-            <a:schemeClr val="lt1"/>
-          </a:fontRef>
-        </p:style>
-        <p:txBody>
-          <a:bodyPr rtlCol="0" anchor="ctr"/>
-          <a:p>
-            <a:pPr algn="ctr"/>
-            <a:r>
-              <a:rPr lang="en-US" altLang="zh-CN"/>
-              <a:t>RDBMS</a:t>
-            </a:r>
-            <a:endParaRPr lang="en-US" altLang="zh-CN"/>
-          </a:p>
-        </p:txBody>
-      </p:sp>
-      <p:sp>
-        <p:nvSpPr>
-          <p:cNvPr id="44" name="圆角矩形 43"/>
-          <p:cNvSpPr/>
-          <p:nvPr/>
-        </p:nvSpPr>
-        <p:spPr>
-          <a:xfrm>
-            <a:off x="4062730" y="2079625"/>
-            <a:ext cx="1398270" cy="444500"/>
-          </a:xfrm>
-          <a:prstGeom prst="roundRect">
-            <a:avLst/>
-          </a:prstGeom>
-          <a:solidFill>
-            <a:schemeClr val="accent1">
-              <a:lumMod val="40000"/>
-              <a:lumOff val="60000"/>
-            </a:schemeClr>
-          </a:solidFill>
-        </p:spPr>
-        <p:style>
-          <a:lnRef idx="2">
-            <a:schemeClr val="accent1">
-              <a:shade val="50000"/>
-            </a:schemeClr>
-          </a:lnRef>
-          <a:fillRef idx="1">
-            <a:schemeClr val="accent1"/>
-          </a:fillRef>
-          <a:effectRef idx="0">
-            <a:schemeClr val="accent1"/>
-          </a:effectRef>
-          <a:fontRef idx="minor">
-            <a:schemeClr val="lt1"/>
-          </a:fontRef>
-        </p:style>
-        <p:txBody>
-          <a:bodyPr rtlCol="0" anchor="ctr"/>
-          <a:p>
-            <a:pPr algn="ctr"/>
-            <a:r>
-              <a:rPr lang="en-US" altLang="zh-CN"/>
-              <a:t>Redis</a:t>
-            </a:r>
-            <a:endParaRPr lang="en-US" altLang="zh-CN"/>
-          </a:p>
-        </p:txBody>
-      </p:sp>
-      <p:sp>
-        <p:nvSpPr>
-          <p:cNvPr id="45" name="圆角矩形 44"/>
-          <p:cNvSpPr/>
-          <p:nvPr/>
-        </p:nvSpPr>
-        <p:spPr>
-          <a:xfrm>
-            <a:off x="5572760" y="2079625"/>
-            <a:ext cx="1155700" cy="444500"/>
-          </a:xfrm>
-          <a:prstGeom prst="roundRect">
-            <a:avLst/>
-          </a:prstGeom>
-          <a:solidFill>
-            <a:schemeClr val="accent1">
-              <a:lumMod val="40000"/>
-              <a:lumOff val="60000"/>
-            </a:schemeClr>
-          </a:solidFill>
-        </p:spPr>
-        <p:style>
-          <a:lnRef idx="2">
-            <a:schemeClr val="accent1">
-              <a:shade val="50000"/>
-            </a:schemeClr>
-          </a:lnRef>
-          <a:fillRef idx="1">
-            <a:schemeClr val="accent1"/>
-          </a:fillRef>
-          <a:effectRef idx="0">
-            <a:schemeClr val="accent1"/>
-          </a:effectRef>
-          <a:fontRef idx="minor">
-            <a:schemeClr val="lt1"/>
-          </a:fontRef>
-        </p:style>
-        <p:txBody>
-          <a:bodyPr rtlCol="0" anchor="ctr"/>
-          <a:p>
-            <a:pPr algn="ctr"/>
-            <a:r>
-              <a:rPr lang="en-US" altLang="zh-CN"/>
-              <a:t>MongoDB</a:t>
-            </a:r>
-            <a:endParaRPr lang="en-US" altLang="zh-CN"/>
-          </a:p>
-        </p:txBody>
-      </p:sp>
-      <p:sp>
-        <p:nvSpPr>
-          <p:cNvPr id="46" name="圆角矩形 45"/>
-          <p:cNvSpPr/>
-          <p:nvPr/>
-        </p:nvSpPr>
-        <p:spPr>
-          <a:xfrm>
-            <a:off x="6838315" y="2079625"/>
-            <a:ext cx="1153160" cy="444500"/>
-          </a:xfrm>
-          <a:prstGeom prst="roundRect">
-            <a:avLst/>
-          </a:prstGeom>
-          <a:solidFill>
-            <a:schemeClr val="accent1">
-              <a:lumMod val="40000"/>
-              <a:lumOff val="60000"/>
-            </a:schemeClr>
-          </a:solidFill>
-        </p:spPr>
-        <p:style>
-          <a:lnRef idx="2">
-            <a:schemeClr val="accent1">
-              <a:shade val="50000"/>
-            </a:schemeClr>
-          </a:lnRef>
-          <a:fillRef idx="1">
-            <a:schemeClr val="accent1"/>
-          </a:fillRef>
-          <a:effectRef idx="0">
-            <a:schemeClr val="accent1"/>
-          </a:effectRef>
-          <a:fontRef idx="minor">
-            <a:schemeClr val="lt1"/>
-          </a:fontRef>
-        </p:style>
-        <p:txBody>
-          <a:bodyPr rtlCol="0" anchor="ctr"/>
-          <a:p>
-            <a:pPr algn="ctr"/>
-            <a:r>
-              <a:rPr lang="en-US" altLang="zh-CN"/>
-              <a:t>HBase</a:t>
-            </a:r>
-            <a:endParaRPr lang="en-US" altLang="zh-CN"/>
-          </a:p>
-        </p:txBody>
-      </p:sp>
-      <p:sp>
-        <p:nvSpPr>
-          <p:cNvPr id="47" name="圆角矩形 46"/>
-          <p:cNvSpPr/>
-          <p:nvPr/>
-        </p:nvSpPr>
-        <p:spPr>
-          <a:xfrm>
-            <a:off x="2687320" y="2713355"/>
-            <a:ext cx="1053465" cy="375285"/>
-          </a:xfrm>
-          <a:prstGeom prst="roundRect">
-            <a:avLst/>
-          </a:prstGeom>
-          <a:solidFill>
-            <a:schemeClr val="accent1">
-              <a:lumMod val="40000"/>
-              <a:lumOff val="60000"/>
-            </a:schemeClr>
-          </a:solidFill>
-        </p:spPr>
-        <p:style>
-          <a:lnRef idx="2">
-            <a:schemeClr val="accent1">
-              <a:shade val="50000"/>
-            </a:schemeClr>
-          </a:lnRef>
-          <a:fillRef idx="1">
-            <a:schemeClr val="accent1"/>
-          </a:fillRef>
-          <a:effectRef idx="0">
-            <a:schemeClr val="accent1"/>
-          </a:effectRef>
-          <a:fontRef idx="minor">
-            <a:schemeClr val="lt1"/>
-          </a:fontRef>
-        </p:style>
-        <p:txBody>
-          <a:bodyPr rtlCol="0" anchor="ctr"/>
-          <a:p>
-            <a:pPr algn="ctr"/>
-            <a:r>
-              <a:rPr lang="en-US" altLang="zh-CN"/>
-              <a:t>Sqoop</a:t>
-            </a:r>
-            <a:endParaRPr lang="en-US" altLang="zh-CN"/>
-          </a:p>
-        </p:txBody>
-      </p:sp>
-      <p:sp>
-        <p:nvSpPr>
-          <p:cNvPr id="49" name="圆角矩形 48"/>
-          <p:cNvSpPr/>
-          <p:nvPr/>
-        </p:nvSpPr>
-        <p:spPr>
-          <a:xfrm>
-            <a:off x="2767965" y="3851910"/>
-            <a:ext cx="3521710" cy="444500"/>
-          </a:xfrm>
-          <a:prstGeom prst="roundRect">
-            <a:avLst/>
-          </a:prstGeom>
-          <a:solidFill>
-            <a:schemeClr val="accent1">
-              <a:lumMod val="40000"/>
-              <a:lumOff val="60000"/>
-            </a:schemeClr>
-          </a:solidFill>
-        </p:spPr>
-        <p:style>
-          <a:lnRef idx="2">
-            <a:schemeClr val="accent1">
-              <a:shade val="50000"/>
-            </a:schemeClr>
-          </a:lnRef>
-          <a:fillRef idx="1">
-            <a:schemeClr val="accent1"/>
-          </a:fillRef>
-          <a:effectRef idx="0">
-            <a:schemeClr val="accent1"/>
-          </a:effectRef>
-          <a:fontRef idx="minor">
-            <a:schemeClr val="lt1"/>
-          </a:fontRef>
-        </p:style>
-        <p:txBody>
-          <a:bodyPr rtlCol="0" anchor="ctr"/>
-          <a:p>
-            <a:pPr algn="ctr"/>
-            <a:r>
-              <a:rPr lang="en-US" altLang="zh-CN"/>
-              <a:t>HDFS</a:t>
-            </a:r>
-            <a:endParaRPr lang="en-US" altLang="zh-CN"/>
-          </a:p>
-        </p:txBody>
-      </p:sp>
-      <p:sp>
-        <p:nvSpPr>
-          <p:cNvPr id="50" name="圆角矩形 49"/>
-          <p:cNvSpPr/>
-          <p:nvPr/>
-        </p:nvSpPr>
-        <p:spPr>
-          <a:xfrm>
-            <a:off x="2753995" y="3326765"/>
-            <a:ext cx="788670" cy="444500"/>
-          </a:xfrm>
-          <a:prstGeom prst="roundRect">
-            <a:avLst/>
-          </a:prstGeom>
-          <a:solidFill>
-            <a:schemeClr val="accent1">
-              <a:lumMod val="40000"/>
-              <a:lumOff val="60000"/>
-            </a:schemeClr>
-          </a:solidFill>
-        </p:spPr>
-        <p:style>
-          <a:lnRef idx="2">
-            <a:schemeClr val="accent1">
-              <a:shade val="50000"/>
-            </a:schemeClr>
-          </a:lnRef>
-          <a:fillRef idx="1">
-            <a:schemeClr val="accent1"/>
-          </a:fillRef>
-          <a:effectRef idx="0">
-            <a:schemeClr val="accent1"/>
-          </a:effectRef>
-          <a:fontRef idx="minor">
-            <a:schemeClr val="lt1"/>
-          </a:fontRef>
-        </p:style>
-        <p:txBody>
-          <a:bodyPr rtlCol="0" anchor="ctr"/>
-          <a:p>
-            <a:pPr algn="ctr"/>
-            <a:r>
-              <a:rPr lang="en-US" altLang="zh-CN"/>
-              <a:t>Hive</a:t>
-            </a:r>
-            <a:endParaRPr lang="en-US" altLang="zh-CN"/>
-          </a:p>
-        </p:txBody>
-      </p:sp>
-      <p:sp>
-        <p:nvSpPr>
-          <p:cNvPr id="51" name="圆角矩形 50"/>
-          <p:cNvSpPr/>
-          <p:nvPr/>
-        </p:nvSpPr>
-        <p:spPr>
-          <a:xfrm>
-            <a:off x="3669030" y="3326765"/>
-            <a:ext cx="1141095" cy="444500"/>
-          </a:xfrm>
-          <a:prstGeom prst="roundRect">
-            <a:avLst/>
-          </a:prstGeom>
-          <a:solidFill>
-            <a:schemeClr val="accent1">
-              <a:lumMod val="40000"/>
-              <a:lumOff val="60000"/>
-            </a:schemeClr>
-          </a:solidFill>
-        </p:spPr>
-        <p:style>
-          <a:lnRef idx="2">
-            <a:schemeClr val="accent1">
-              <a:shade val="50000"/>
-            </a:schemeClr>
-          </a:lnRef>
-          <a:fillRef idx="1">
-            <a:schemeClr val="accent1"/>
-          </a:fillRef>
-          <a:effectRef idx="0">
-            <a:schemeClr val="accent1"/>
-          </a:effectRef>
-          <a:fontRef idx="minor">
-            <a:schemeClr val="lt1"/>
-          </a:fontRef>
-        </p:style>
-        <p:txBody>
-          <a:bodyPr rtlCol="0" anchor="ctr"/>
-          <a:p>
-            <a:pPr algn="ctr"/>
-            <a:r>
-              <a:rPr lang="en-US" altLang="zh-CN"/>
-              <a:t>SparkSQL</a:t>
-            </a:r>
-            <a:endParaRPr lang="en-US" altLang="zh-CN"/>
-          </a:p>
-        </p:txBody>
-      </p:sp>
-      <p:sp>
-        <p:nvSpPr>
-          <p:cNvPr id="52" name="圆角矩形 51"/>
-          <p:cNvSpPr/>
-          <p:nvPr/>
-        </p:nvSpPr>
-        <p:spPr>
-          <a:xfrm>
-            <a:off x="4886325" y="3326765"/>
-            <a:ext cx="1402715" cy="444500"/>
-          </a:xfrm>
-          <a:prstGeom prst="roundRect">
-            <a:avLst/>
-          </a:prstGeom>
-          <a:solidFill>
-            <a:schemeClr val="accent1">
-              <a:lumMod val="40000"/>
-              <a:lumOff val="60000"/>
-            </a:schemeClr>
-          </a:solidFill>
-        </p:spPr>
-        <p:style>
-          <a:lnRef idx="2">
-            <a:schemeClr val="accent1">
-              <a:shade val="50000"/>
-            </a:schemeClr>
-          </a:lnRef>
-          <a:fillRef idx="1">
-            <a:schemeClr val="accent1"/>
-          </a:fillRef>
-          <a:effectRef idx="0">
-            <a:schemeClr val="accent1"/>
-          </a:effectRef>
-          <a:fontRef idx="minor">
-            <a:schemeClr val="lt1"/>
-          </a:fontRef>
-        </p:style>
-        <p:txBody>
-          <a:bodyPr rtlCol="0" anchor="ctr"/>
-          <a:p>
-            <a:pPr algn="ctr"/>
-            <a:r>
-              <a:rPr lang="en-US" altLang="zh-CN"/>
-              <a:t>MapReduce</a:t>
-            </a:r>
-            <a:endParaRPr lang="en-US" altLang="zh-CN"/>
-          </a:p>
-        </p:txBody>
-      </p:sp>
-      <p:sp>
-        <p:nvSpPr>
-          <p:cNvPr id="54" name="圆角矩形 53"/>
-          <p:cNvSpPr/>
-          <p:nvPr/>
-        </p:nvSpPr>
-        <p:spPr>
-          <a:xfrm>
-            <a:off x="2618105" y="5065395"/>
-            <a:ext cx="4234180" cy="647065"/>
-          </a:xfrm>
-          <a:prstGeom prst="roundRect">
-            <a:avLst/>
-          </a:prstGeom>
-          <a:ln w="12700" cmpd="sng">
-            <a:solidFill>
-              <a:schemeClr val="accent1">
-                <a:shade val="50000"/>
-              </a:schemeClr>
-            </a:solidFill>
-            <a:prstDash val="lgDashDot"/>
-          </a:ln>
-        </p:spPr>
-        <p:style>
-          <a:lnRef idx="2">
-            <a:schemeClr val="accent1"/>
-          </a:lnRef>
-          <a:fillRef idx="1">
-            <a:schemeClr val="lt1"/>
-          </a:fillRef>
-          <a:effectRef idx="0">
-            <a:schemeClr val="accent1"/>
-          </a:effectRef>
-          <a:fontRef idx="minor">
-            <a:schemeClr val="dk1"/>
-          </a:fontRef>
-        </p:style>
-        <p:txBody>
-          <a:bodyPr rtlCol="0" anchor="ctr"/>
-          <a:p>
-            <a:pPr algn="ctr"/>
-            <a:endParaRPr lang="zh-CN" altLang="en-US" dirty="0"/>
-          </a:p>
-        </p:txBody>
-      </p:sp>
-      <p:sp>
-        <p:nvSpPr>
-          <p:cNvPr id="55" name="圆角矩形 54"/>
-          <p:cNvSpPr/>
-          <p:nvPr/>
-        </p:nvSpPr>
-        <p:spPr>
-          <a:xfrm>
-            <a:off x="2701290" y="5173980"/>
-            <a:ext cx="1232535" cy="444500"/>
-          </a:xfrm>
-          <a:prstGeom prst="roundRect">
-            <a:avLst/>
-          </a:prstGeom>
-          <a:solidFill>
-            <a:schemeClr val="accent1">
-              <a:lumMod val="40000"/>
-              <a:lumOff val="60000"/>
-            </a:schemeClr>
-          </a:solidFill>
-        </p:spPr>
-        <p:style>
-          <a:lnRef idx="2">
-            <a:schemeClr val="accent1">
-              <a:shade val="50000"/>
-            </a:schemeClr>
-          </a:lnRef>
-          <a:fillRef idx="1">
-            <a:schemeClr val="accent1"/>
-          </a:fillRef>
-          <a:effectRef idx="0">
-            <a:schemeClr val="accent1"/>
-          </a:effectRef>
-          <a:fontRef idx="minor">
-            <a:schemeClr val="lt1"/>
-          </a:fontRef>
-        </p:style>
-        <p:txBody>
-          <a:bodyPr rtlCol="0" anchor="ctr"/>
-          <a:p>
-            <a:pPr algn="ctr"/>
-            <a:r>
-              <a:rPr lang="en-US" altLang="zh-CN"/>
-              <a:t>RDBMS</a:t>
-            </a:r>
-            <a:endParaRPr lang="en-US" altLang="zh-CN"/>
-          </a:p>
-        </p:txBody>
-      </p:sp>
-      <p:sp>
-        <p:nvSpPr>
-          <p:cNvPr id="56" name="圆角矩形 55"/>
-          <p:cNvSpPr/>
-          <p:nvPr/>
-        </p:nvSpPr>
-        <p:spPr>
-          <a:xfrm>
-            <a:off x="4062730" y="5173980"/>
-            <a:ext cx="1398270" cy="444500"/>
-          </a:xfrm>
-          <a:prstGeom prst="roundRect">
-            <a:avLst/>
-          </a:prstGeom>
-          <a:solidFill>
-            <a:schemeClr val="accent1">
-              <a:lumMod val="40000"/>
-              <a:lumOff val="60000"/>
-            </a:schemeClr>
-          </a:solidFill>
-        </p:spPr>
-        <p:style>
-          <a:lnRef idx="2">
-            <a:schemeClr val="accent1">
-              <a:shade val="50000"/>
-            </a:schemeClr>
-          </a:lnRef>
-          <a:fillRef idx="1">
-            <a:schemeClr val="accent1"/>
-          </a:fillRef>
-          <a:effectRef idx="0">
-            <a:schemeClr val="accent1"/>
-          </a:effectRef>
-          <a:fontRef idx="minor">
-            <a:schemeClr val="lt1"/>
-          </a:fontRef>
-        </p:style>
-        <p:txBody>
-          <a:bodyPr rtlCol="0" anchor="ctr"/>
-          <a:p>
-            <a:pPr algn="ctr"/>
-            <a:r>
-              <a:rPr lang="zh-CN" altLang="en-US"/>
-              <a:t>日志</a:t>
-            </a:r>
-            <a:endParaRPr lang="zh-CN" altLang="en-US"/>
-          </a:p>
-        </p:txBody>
-      </p:sp>
-      <p:sp>
-        <p:nvSpPr>
-          <p:cNvPr id="57" name="圆角矩形 56"/>
-          <p:cNvSpPr/>
-          <p:nvPr/>
-        </p:nvSpPr>
-        <p:spPr>
-          <a:xfrm>
-            <a:off x="5572760" y="5173980"/>
-            <a:ext cx="1155700" cy="444500"/>
-          </a:xfrm>
-          <a:prstGeom prst="roundRect">
-            <a:avLst/>
-          </a:prstGeom>
-          <a:solidFill>
-            <a:schemeClr val="accent1">
-              <a:lumMod val="40000"/>
-              <a:lumOff val="60000"/>
-            </a:schemeClr>
-          </a:solidFill>
-        </p:spPr>
-        <p:style>
-          <a:lnRef idx="2">
-            <a:schemeClr val="accent1">
-              <a:shade val="50000"/>
-            </a:schemeClr>
-          </a:lnRef>
-          <a:fillRef idx="1">
-            <a:schemeClr val="accent1"/>
-          </a:fillRef>
-          <a:effectRef idx="0">
-            <a:schemeClr val="accent1"/>
-          </a:effectRef>
-          <a:fontRef idx="minor">
-            <a:schemeClr val="lt1"/>
-          </a:fontRef>
-        </p:style>
-        <p:txBody>
-          <a:bodyPr rtlCol="0" anchor="ctr"/>
-          <a:p>
-            <a:pPr algn="ctr"/>
-            <a:r>
-              <a:rPr lang="en-US" altLang="zh-CN"/>
-              <a:t>HTTP/FTP</a:t>
-            </a:r>
-            <a:endParaRPr lang="zh-CN" altLang="en-US"/>
-          </a:p>
-        </p:txBody>
-      </p:sp>
-      <p:sp>
-        <p:nvSpPr>
-          <p:cNvPr id="59" name="圆角矩形 58"/>
-          <p:cNvSpPr/>
-          <p:nvPr/>
-        </p:nvSpPr>
-        <p:spPr>
-          <a:xfrm>
-            <a:off x="6929120" y="3306445"/>
-            <a:ext cx="1053465" cy="520065"/>
-          </a:xfrm>
-          <a:prstGeom prst="roundRect">
-            <a:avLst/>
-          </a:prstGeom>
-          <a:solidFill>
-            <a:schemeClr val="accent1">
-              <a:lumMod val="40000"/>
-              <a:lumOff val="60000"/>
-            </a:schemeClr>
-          </a:solidFill>
-        </p:spPr>
-        <p:style>
-          <a:lnRef idx="2">
-            <a:schemeClr val="accent1">
-              <a:shade val="50000"/>
-            </a:schemeClr>
-          </a:lnRef>
-          <a:fillRef idx="1">
-            <a:schemeClr val="accent1"/>
-          </a:fillRef>
-          <a:effectRef idx="0">
-            <a:schemeClr val="accent1"/>
-          </a:effectRef>
-          <a:fontRef idx="minor">
-            <a:schemeClr val="lt1"/>
-          </a:fontRef>
-        </p:style>
-        <p:txBody>
-          <a:bodyPr rtlCol="0" anchor="ctr"/>
-          <a:p>
-            <a:pPr algn="ctr"/>
-            <a:r>
-              <a:rPr lang="en-US" altLang="zh-CN"/>
-              <a:t>Spark Stremin</a:t>
-            </a:r>
-            <a:endParaRPr lang="en-US" altLang="zh-CN"/>
-          </a:p>
-        </p:txBody>
-      </p:sp>
-      <p:sp>
-        <p:nvSpPr>
-          <p:cNvPr id="61" name="圆角矩形 60"/>
-          <p:cNvSpPr/>
-          <p:nvPr/>
-        </p:nvSpPr>
-        <p:spPr>
-          <a:xfrm>
-            <a:off x="6938010" y="3883025"/>
-            <a:ext cx="1053465" cy="426085"/>
-          </a:xfrm>
-          <a:prstGeom prst="roundRect">
-            <a:avLst/>
-          </a:prstGeom>
-          <a:solidFill>
-            <a:schemeClr val="accent1">
-              <a:lumMod val="40000"/>
-              <a:lumOff val="60000"/>
-            </a:schemeClr>
-          </a:solidFill>
-        </p:spPr>
-        <p:style>
-          <a:lnRef idx="2">
-            <a:schemeClr val="accent1">
-              <a:shade val="50000"/>
-            </a:schemeClr>
-          </a:lnRef>
-          <a:fillRef idx="1">
-            <a:schemeClr val="accent1"/>
-          </a:fillRef>
-          <a:effectRef idx="0">
-            <a:schemeClr val="accent1"/>
-          </a:effectRef>
-          <a:fontRef idx="minor">
-            <a:schemeClr val="lt1"/>
-          </a:fontRef>
-        </p:style>
-        <p:txBody>
-          <a:bodyPr rtlCol="0" anchor="ctr"/>
-          <a:p>
-            <a:pPr algn="ctr"/>
-            <a:r>
-              <a:rPr lang="en-US" altLang="zh-CN"/>
-              <a:t>Kafka</a:t>
-            </a:r>
-            <a:endParaRPr lang="en-US" altLang="zh-CN"/>
-          </a:p>
-        </p:txBody>
-      </p:sp>
-      <p:sp>
-        <p:nvSpPr>
-          <p:cNvPr id="63" name="圆角矩形 62"/>
-          <p:cNvSpPr/>
-          <p:nvPr/>
-        </p:nvSpPr>
-        <p:spPr>
-          <a:xfrm>
-            <a:off x="2936875" y="4545965"/>
-            <a:ext cx="1053465" cy="375285"/>
-          </a:xfrm>
-          <a:prstGeom prst="roundRect">
-            <a:avLst/>
-          </a:prstGeom>
-          <a:solidFill>
-            <a:schemeClr val="accent1">
-              <a:lumMod val="40000"/>
-              <a:lumOff val="60000"/>
-            </a:schemeClr>
-          </a:solidFill>
-        </p:spPr>
-        <p:style>
-          <a:lnRef idx="2">
-            <a:schemeClr val="accent1">
-              <a:shade val="50000"/>
-            </a:schemeClr>
-          </a:lnRef>
-          <a:fillRef idx="1">
-            <a:schemeClr val="accent1"/>
-          </a:fillRef>
-          <a:effectRef idx="0">
-            <a:schemeClr val="accent1"/>
-          </a:effectRef>
-          <a:fontRef idx="minor">
-            <a:schemeClr val="lt1"/>
-          </a:fontRef>
-        </p:style>
-        <p:txBody>
-          <a:bodyPr rtlCol="0" anchor="ctr"/>
-          <a:p>
-            <a:pPr algn="ctr"/>
-            <a:r>
-              <a:rPr lang="en-US" altLang="zh-CN"/>
-              <a:t>Sqoop</a:t>
-            </a:r>
-            <a:endParaRPr lang="en-US" altLang="zh-CN"/>
-          </a:p>
-        </p:txBody>
-      </p:sp>
-      <p:sp>
-        <p:nvSpPr>
-          <p:cNvPr id="64" name="圆角矩形 63"/>
-          <p:cNvSpPr/>
-          <p:nvPr/>
-        </p:nvSpPr>
-        <p:spPr>
-          <a:xfrm>
-            <a:off x="4942840" y="4547870"/>
-            <a:ext cx="1053465" cy="375285"/>
-          </a:xfrm>
-          <a:prstGeom prst="roundRect">
-            <a:avLst/>
-          </a:prstGeom>
-          <a:solidFill>
-            <a:schemeClr val="accent1">
-              <a:lumMod val="40000"/>
-              <a:lumOff val="60000"/>
-            </a:schemeClr>
-          </a:solidFill>
-        </p:spPr>
-        <p:style>
-          <a:lnRef idx="2">
-            <a:schemeClr val="accent1">
-              <a:shade val="50000"/>
-            </a:schemeClr>
-          </a:lnRef>
-          <a:fillRef idx="1">
-            <a:schemeClr val="accent1"/>
-          </a:fillRef>
-          <a:effectRef idx="0">
-            <a:schemeClr val="accent1"/>
-          </a:effectRef>
-          <a:fontRef idx="minor">
-            <a:schemeClr val="lt1"/>
-          </a:fontRef>
-        </p:style>
-        <p:txBody>
-          <a:bodyPr rtlCol="0" anchor="ctr"/>
-          <a:p>
-            <a:pPr algn="ctr"/>
-            <a:r>
-              <a:rPr lang="en-US" altLang="zh-CN"/>
-              <a:t>Flume</a:t>
-            </a:r>
-            <a:endParaRPr lang="en-US" altLang="zh-CN"/>
-          </a:p>
-        </p:txBody>
-      </p:sp>
     </p:spTree>
-    <p:custDataLst>
-      <p:tags r:id="rId1"/>
-    </p:custDataLst>
   </p:cSld>
   <p:clrMapOvr>
     <a:masterClrMapping/>
@@ -11411,13 +12336,148 @@
       </p:grpSpPr>
       <p:sp>
         <p:nvSpPr>
+          <p:cNvPr id="62" name="圆角矩形 61"/>
+          <p:cNvSpPr/>
+          <p:nvPr/>
+        </p:nvSpPr>
+        <p:spPr>
+          <a:xfrm>
+            <a:off x="6786880" y="3262630"/>
+            <a:ext cx="1328420" cy="1122680"/>
+          </a:xfrm>
+          <a:prstGeom prst="roundRect">
+            <a:avLst/>
+          </a:prstGeom>
+          <a:ln w="12700" cmpd="sng">
+            <a:solidFill>
+              <a:schemeClr val="accent1">
+                <a:shade val="50000"/>
+              </a:schemeClr>
+            </a:solidFill>
+            <a:prstDash val="lgDashDot"/>
+          </a:ln>
+        </p:spPr>
+        <p:style>
+          <a:lnRef idx="2">
+            <a:schemeClr val="accent1"/>
+          </a:lnRef>
+          <a:fillRef idx="1">
+            <a:schemeClr val="lt1"/>
+          </a:fillRef>
+          <a:effectRef idx="0">
+            <a:schemeClr val="accent1"/>
+          </a:effectRef>
+          <a:fontRef idx="minor">
+            <a:schemeClr val="dk1"/>
+          </a:fontRef>
+        </p:style>
+        <p:txBody>
+          <a:bodyPr rtlCol="0" anchor="ctr"/>
+          <a:p>
+            <a:pPr algn="ctr"/>
+            <a:endParaRPr lang="zh-CN" altLang="en-US" dirty="0"/>
+          </a:p>
+        </p:txBody>
+      </p:sp>
+      <p:sp>
+        <p:nvSpPr>
+          <p:cNvPr id="53" name="圆角矩形 52"/>
+          <p:cNvSpPr/>
+          <p:nvPr/>
+        </p:nvSpPr>
+        <p:spPr>
+          <a:xfrm>
+            <a:off x="2618105" y="3246755"/>
+            <a:ext cx="3804920" cy="1138555"/>
+          </a:xfrm>
+          <a:prstGeom prst="roundRect">
+            <a:avLst/>
+          </a:prstGeom>
+          <a:ln w="12700" cmpd="sng">
+            <a:solidFill>
+              <a:schemeClr val="accent1">
+                <a:shade val="50000"/>
+              </a:schemeClr>
+            </a:solidFill>
+            <a:prstDash val="lgDashDot"/>
+          </a:ln>
+        </p:spPr>
+        <p:style>
+          <a:lnRef idx="2">
+            <a:schemeClr val="accent1"/>
+          </a:lnRef>
+          <a:fillRef idx="1">
+            <a:schemeClr val="lt1"/>
+          </a:fillRef>
+          <a:effectRef idx="0">
+            <a:schemeClr val="accent1"/>
+          </a:effectRef>
+          <a:fontRef idx="minor">
+            <a:schemeClr val="dk1"/>
+          </a:fontRef>
+        </p:style>
+        <p:txBody>
+          <a:bodyPr rtlCol="0" anchor="ctr"/>
+          <a:p>
+            <a:pPr algn="ctr"/>
+            <a:endParaRPr lang="zh-CN" altLang="en-US" dirty="0"/>
+          </a:p>
+        </p:txBody>
+      </p:sp>
+      <p:sp>
+        <p:nvSpPr>
+          <p:cNvPr id="4" name="圆角矩形 3"/>
+          <p:cNvSpPr/>
+          <p:nvPr/>
+        </p:nvSpPr>
+        <p:spPr>
+          <a:xfrm>
+            <a:off x="2618105" y="1043940"/>
+            <a:ext cx="5496560" cy="647065"/>
+          </a:xfrm>
+          <a:prstGeom prst="roundRect">
+            <a:avLst/>
+          </a:prstGeom>
+          <a:ln w="12700" cmpd="sng">
+            <a:solidFill>
+              <a:schemeClr val="accent1">
+                <a:shade val="50000"/>
+              </a:schemeClr>
+            </a:solidFill>
+            <a:prstDash val="lgDashDot"/>
+          </a:ln>
+        </p:spPr>
+        <p:style>
+          <a:lnRef idx="2">
+            <a:schemeClr val="accent1"/>
+          </a:lnRef>
+          <a:fillRef idx="1">
+            <a:schemeClr val="lt1"/>
+          </a:fillRef>
+          <a:effectRef idx="0">
+            <a:schemeClr val="accent1"/>
+          </a:effectRef>
+          <a:fontRef idx="minor">
+            <a:schemeClr val="dk1"/>
+          </a:fontRef>
+        </p:style>
+        <p:txBody>
+          <a:bodyPr rtlCol="0" anchor="ctr"/>
+          <a:p>
+            <a:pPr algn="ctr"/>
+            <a:endParaRPr lang="zh-CN" altLang="en-US" dirty="0"/>
+          </a:p>
+        </p:txBody>
+      </p:sp>
+      <p:sp>
+        <p:nvSpPr>
           <p:cNvPr id="5" name="矩形 4"/>
           <p:cNvSpPr/>
           <p:nvPr/>
         </p:nvSpPr>
         <p:spPr>
           <a:xfrm>
-            <a:off x="9748520" y="1856740"/>
+            <a:off x="9028430" y="1438910"/>
             <a:ext cx="609600" cy="3780155"/>
           </a:xfrm>
           <a:prstGeom prst="rect">
@@ -11474,7 +12534,7 @@
         </p:nvSpPr>
         <p:spPr>
           <a:xfrm>
-            <a:off x="10621010" y="1857375"/>
+            <a:off x="9900920" y="1421765"/>
             <a:ext cx="609600" cy="3778885"/>
           </a:xfrm>
           <a:prstGeom prst="rect">
@@ -11525,77 +12585,482 @@
       </p:sp>
       <p:sp>
         <p:nvSpPr>
-          <p:cNvPr id="7" name="矩形 6"/>
+          <p:cNvPr id="34" name="文本框 33"/>
+          <p:cNvSpPr txBox="1"/>
+          <p:nvPr/>
+        </p:nvSpPr>
+        <p:spPr>
+          <a:xfrm>
+            <a:off x="998855" y="1122045"/>
+            <a:ext cx="1097280" cy="368300"/>
+          </a:xfrm>
+          <a:prstGeom prst="rect">
+            <a:avLst/>
+          </a:prstGeom>
+          <a:noFill/>
+        </p:spPr>
+        <p:txBody>
+          <a:bodyPr wrap="none" rtlCol="0">
+            <a:spAutoFit/>
+          </a:bodyPr>
+          <a:p>
+            <a:r>
+              <a:rPr lang="zh-CN" altLang="en-US"/>
+              <a:t>数据应用</a:t>
+            </a:r>
+            <a:endParaRPr lang="zh-CN" altLang="en-US"/>
+          </a:p>
+        </p:txBody>
+      </p:sp>
+      <p:sp>
+        <p:nvSpPr>
+          <p:cNvPr id="35" name="文本框 34"/>
+          <p:cNvSpPr txBox="1"/>
+          <p:nvPr/>
+        </p:nvSpPr>
+        <p:spPr>
+          <a:xfrm>
+            <a:off x="998855" y="2110740"/>
+            <a:ext cx="1097280" cy="368300"/>
+          </a:xfrm>
+          <a:prstGeom prst="rect">
+            <a:avLst/>
+          </a:prstGeom>
+          <a:noFill/>
+        </p:spPr>
+        <p:txBody>
+          <a:bodyPr wrap="none" rtlCol="0">
+            <a:spAutoFit/>
+          </a:bodyPr>
+          <a:p>
+            <a:r>
+              <a:rPr lang="zh-CN" altLang="en-US"/>
+              <a:t>数据共享</a:t>
+            </a:r>
+            <a:endParaRPr lang="zh-CN" altLang="en-US"/>
+          </a:p>
+        </p:txBody>
+      </p:sp>
+      <p:sp>
+        <p:nvSpPr>
+          <p:cNvPr id="36" name="文本框 35"/>
+          <p:cNvSpPr txBox="1"/>
+          <p:nvPr/>
+        </p:nvSpPr>
+        <p:spPr>
+          <a:xfrm>
+            <a:off x="998855" y="3493135"/>
+            <a:ext cx="1097280" cy="645160"/>
+          </a:xfrm>
+          <a:prstGeom prst="rect">
+            <a:avLst/>
+          </a:prstGeom>
+          <a:noFill/>
+        </p:spPr>
+        <p:txBody>
+          <a:bodyPr wrap="none" rtlCol="0">
+            <a:spAutoFit/>
+          </a:bodyPr>
+          <a:p>
+            <a:r>
+              <a:rPr lang="zh-CN" altLang="en-US"/>
+              <a:t>数据存储</a:t>
+            </a:r>
+            <a:endParaRPr lang="zh-CN" altLang="en-US"/>
+          </a:p>
+          <a:p>
+            <a:r>
+              <a:rPr lang="zh-CN" altLang="en-US"/>
+              <a:t>数据分析</a:t>
+            </a:r>
+            <a:endParaRPr lang="zh-CN" altLang="en-US"/>
+          </a:p>
+        </p:txBody>
+      </p:sp>
+      <p:sp>
+        <p:nvSpPr>
+          <p:cNvPr id="37" name="文本框 36"/>
+          <p:cNvSpPr txBox="1"/>
+          <p:nvPr/>
+        </p:nvSpPr>
+        <p:spPr>
+          <a:xfrm>
+            <a:off x="998855" y="5141595"/>
+            <a:ext cx="1097280" cy="368300"/>
+          </a:xfrm>
+          <a:prstGeom prst="rect">
+            <a:avLst/>
+          </a:prstGeom>
+          <a:noFill/>
+        </p:spPr>
+        <p:txBody>
+          <a:bodyPr wrap="none" rtlCol="0">
+            <a:spAutoFit/>
+          </a:bodyPr>
+          <a:p>
+            <a:r>
+              <a:rPr lang="zh-CN" altLang="en-US"/>
+              <a:t>数据采集</a:t>
+            </a:r>
+            <a:endParaRPr lang="zh-CN" altLang="en-US"/>
+          </a:p>
+        </p:txBody>
+      </p:sp>
+      <p:cxnSp>
+        <p:nvCxnSpPr>
+          <p:cNvPr id="38" name="直接连接符 37"/>
+          <p:cNvCxnSpPr/>
+          <p:nvPr/>
+        </p:nvCxnSpPr>
+        <p:spPr>
+          <a:xfrm flipV="1">
+            <a:off x="692150" y="4732655"/>
+            <a:ext cx="8115300" cy="5715"/>
+          </a:xfrm>
+          <a:prstGeom prst="line">
+            <a:avLst/>
+          </a:prstGeom>
+        </p:spPr>
+        <p:style>
+          <a:lnRef idx="1">
+            <a:schemeClr val="accent1"/>
+          </a:lnRef>
+          <a:fillRef idx="0">
+            <a:schemeClr val="accent1"/>
+          </a:fillRef>
+          <a:effectRef idx="0">
+            <a:schemeClr val="accent1"/>
+          </a:effectRef>
+          <a:fontRef idx="minor">
+            <a:schemeClr val="tx1"/>
+          </a:fontRef>
+        </p:style>
+      </p:cxnSp>
+      <p:cxnSp>
+        <p:nvCxnSpPr>
+          <p:cNvPr id="39" name="直接连接符 38"/>
+          <p:cNvCxnSpPr/>
+          <p:nvPr/>
+        </p:nvCxnSpPr>
+        <p:spPr>
+          <a:xfrm flipV="1">
+            <a:off x="692150" y="2917825"/>
+            <a:ext cx="8039735" cy="13335"/>
+          </a:xfrm>
+          <a:prstGeom prst="line">
+            <a:avLst/>
+          </a:prstGeom>
+        </p:spPr>
+        <p:style>
+          <a:lnRef idx="1">
+            <a:schemeClr val="accent1"/>
+          </a:lnRef>
+          <a:fillRef idx="0">
+            <a:schemeClr val="accent1"/>
+          </a:fillRef>
+          <a:effectRef idx="0">
+            <a:schemeClr val="accent1"/>
+          </a:effectRef>
+          <a:fontRef idx="minor">
+            <a:schemeClr val="tx1"/>
+          </a:fontRef>
+        </p:style>
+      </p:cxnSp>
+      <p:cxnSp>
+        <p:nvCxnSpPr>
+          <p:cNvPr id="40" name="直接连接符 39"/>
+          <p:cNvCxnSpPr/>
+          <p:nvPr/>
+        </p:nvCxnSpPr>
+        <p:spPr>
+          <a:xfrm flipV="1">
+            <a:off x="692150" y="1776730"/>
+            <a:ext cx="8105775" cy="23495"/>
+          </a:xfrm>
+          <a:prstGeom prst="line">
+            <a:avLst/>
+          </a:prstGeom>
+        </p:spPr>
+        <p:style>
+          <a:lnRef idx="1">
+            <a:schemeClr val="accent1"/>
+          </a:lnRef>
+          <a:fillRef idx="0">
+            <a:schemeClr val="accent1"/>
+          </a:fillRef>
+          <a:effectRef idx="0">
+            <a:schemeClr val="accent1"/>
+          </a:effectRef>
+          <a:fontRef idx="minor">
+            <a:schemeClr val="tx1"/>
+          </a:fontRef>
+        </p:style>
+      </p:cxnSp>
+      <p:sp>
+        <p:nvSpPr>
+          <p:cNvPr id="2" name="圆角矩形 1"/>
           <p:cNvSpPr/>
           <p:nvPr/>
         </p:nvSpPr>
         <p:spPr>
           <a:xfrm>
-            <a:off x="2560955" y="5636895"/>
-            <a:ext cx="6155690" cy="675640"/>
-          </a:xfrm>
-          <a:prstGeom prst="rect">
+            <a:off x="2701290" y="1152525"/>
+            <a:ext cx="1232535" cy="444500"/>
+          </a:xfrm>
+          <a:prstGeom prst="roundRect">
             <a:avLst/>
           </a:prstGeom>
           <a:solidFill>
-            <a:schemeClr val="accent4">
+            <a:schemeClr val="accent1">
               <a:lumMod val="40000"/>
               <a:lumOff val="60000"/>
             </a:schemeClr>
           </a:solidFill>
-          <a:ln>
-            <a:solidFill>
-              <a:schemeClr val="accent1"/>
-            </a:solidFill>
-          </a:ln>
         </p:spPr>
         <p:style>
           <a:lnRef idx="2">
-            <a:schemeClr val="accent6"/>
+            <a:schemeClr val="accent1">
+              <a:shade val="50000"/>
+            </a:schemeClr>
           </a:lnRef>
           <a:fillRef idx="1">
+            <a:schemeClr val="accent1"/>
+          </a:fillRef>
+          <a:effectRef idx="0">
+            <a:schemeClr val="accent1"/>
+          </a:effectRef>
+          <a:fontRef idx="minor">
             <a:schemeClr val="lt1"/>
+          </a:fontRef>
+        </p:style>
+        <p:txBody>
+          <a:bodyPr rtlCol="0" anchor="ctr"/>
+          <a:p>
+            <a:pPr algn="ctr"/>
+            <a:r>
+              <a:rPr lang="zh-CN" altLang="en-US"/>
+              <a:t>报表统计</a:t>
+            </a:r>
+            <a:endParaRPr lang="zh-CN" altLang="en-US"/>
+          </a:p>
+        </p:txBody>
+      </p:sp>
+      <p:sp>
+        <p:nvSpPr>
+          <p:cNvPr id="3" name="圆角矩形 2"/>
+          <p:cNvSpPr/>
+          <p:nvPr/>
+        </p:nvSpPr>
+        <p:spPr>
+          <a:xfrm>
+            <a:off x="4062730" y="1152525"/>
+            <a:ext cx="1398270" cy="444500"/>
+          </a:xfrm>
+          <a:prstGeom prst="roundRect">
+            <a:avLst/>
+          </a:prstGeom>
+          <a:solidFill>
+            <a:schemeClr val="accent1">
+              <a:lumMod val="40000"/>
+              <a:lumOff val="60000"/>
+            </a:schemeClr>
+          </a:solidFill>
+        </p:spPr>
+        <p:style>
+          <a:lnRef idx="2">
+            <a:schemeClr val="accent1">
+              <a:shade val="50000"/>
+            </a:schemeClr>
+          </a:lnRef>
+          <a:fillRef idx="1">
+            <a:schemeClr val="accent1"/>
           </a:fillRef>
           <a:effectRef idx="0">
-            <a:schemeClr val="accent6"/>
-          </a:effectRef>
-          <a:fontRef idx="minor">
-            <a:schemeClr val="dk1"/>
+            <a:schemeClr val="accent1"/>
+          </a:effectRef>
+          <a:fontRef idx="minor">
+            <a:schemeClr val="lt1"/>
           </a:fontRef>
         </p:style>
         <p:txBody>
           <a:bodyPr rtlCol="0" anchor="ctr"/>
           <a:p>
             <a:pPr algn="ctr"/>
+            <a:r>
+              <a:rPr lang="zh-CN" altLang="en-US"/>
+              <a:t>数据可视化</a:t>
+            </a:r>
             <a:endParaRPr lang="zh-CN" altLang="en-US"/>
           </a:p>
         </p:txBody>
       </p:sp>
       <p:sp>
         <p:nvSpPr>
-          <p:cNvPr id="11" name="矩形 10"/>
+          <p:cNvPr id="9" name="圆角矩形 8"/>
           <p:cNvSpPr/>
           <p:nvPr/>
         </p:nvSpPr>
         <p:spPr>
           <a:xfrm>
-            <a:off x="2687320" y="5753735"/>
-            <a:ext cx="1078230" cy="441960"/>
-          </a:xfrm>
-          <a:prstGeom prst="rect">
+            <a:off x="5572760" y="1152525"/>
+            <a:ext cx="1139825" cy="444500"/>
+          </a:xfrm>
+          <a:prstGeom prst="roundRect">
             <a:avLst/>
           </a:prstGeom>
           <a:solidFill>
-            <a:schemeClr val="bg1"/>
+            <a:schemeClr val="accent1">
+              <a:lumMod val="40000"/>
+              <a:lumOff val="60000"/>
+            </a:schemeClr>
           </a:solidFill>
+        </p:spPr>
+        <p:style>
+          <a:lnRef idx="2">
+            <a:schemeClr val="accent1">
+              <a:shade val="50000"/>
+            </a:schemeClr>
+          </a:lnRef>
+          <a:fillRef idx="1">
+            <a:schemeClr val="accent1"/>
+          </a:fillRef>
+          <a:effectRef idx="0">
+            <a:schemeClr val="accent1"/>
+          </a:effectRef>
+          <a:fontRef idx="minor">
+            <a:schemeClr val="lt1"/>
+          </a:fontRef>
+        </p:style>
+        <p:txBody>
+          <a:bodyPr rtlCol="0" anchor="ctr"/>
+          <a:p>
+            <a:pPr algn="ctr"/>
+            <a:r>
+              <a:rPr lang="en-US" altLang="zh-CN"/>
+              <a:t>API</a:t>
+            </a:r>
+            <a:r>
+              <a:rPr lang="zh-CN" altLang="en-US"/>
+              <a:t>接口</a:t>
+            </a:r>
+            <a:endParaRPr lang="zh-CN" altLang="en-US"/>
+          </a:p>
+        </p:txBody>
+      </p:sp>
+      <p:sp>
+        <p:nvSpPr>
+          <p:cNvPr id="10" name="圆角矩形 9"/>
+          <p:cNvSpPr/>
+          <p:nvPr/>
+        </p:nvSpPr>
+        <p:spPr>
+          <a:xfrm>
+            <a:off x="6838315" y="1152525"/>
+            <a:ext cx="1153160" cy="444500"/>
+          </a:xfrm>
+          <a:prstGeom prst="roundRect">
+            <a:avLst/>
+          </a:prstGeom>
+          <a:solidFill>
+            <a:schemeClr val="accent1">
+              <a:lumMod val="40000"/>
+              <a:lumOff val="60000"/>
+            </a:schemeClr>
+          </a:solidFill>
+        </p:spPr>
+        <p:style>
+          <a:lnRef idx="2">
+            <a:schemeClr val="accent1">
+              <a:shade val="50000"/>
+            </a:schemeClr>
+          </a:lnRef>
+          <a:fillRef idx="1">
+            <a:schemeClr val="accent1"/>
+          </a:fillRef>
+          <a:effectRef idx="0">
+            <a:schemeClr val="accent1"/>
+          </a:effectRef>
+          <a:fontRef idx="minor">
+            <a:schemeClr val="lt1"/>
+          </a:fontRef>
+        </p:style>
+        <p:txBody>
+          <a:bodyPr rtlCol="0" anchor="ctr"/>
+          <a:p>
+            <a:pPr algn="ctr"/>
+            <a:r>
+              <a:rPr lang="zh-CN" altLang="en-US"/>
+              <a:t>实时查询</a:t>
+            </a:r>
+            <a:endParaRPr lang="zh-CN" altLang="en-US"/>
+          </a:p>
+        </p:txBody>
+      </p:sp>
+      <p:sp>
+        <p:nvSpPr>
+          <p:cNvPr id="15" name="圆角矩形 14"/>
+          <p:cNvSpPr/>
+          <p:nvPr/>
+        </p:nvSpPr>
+        <p:spPr>
+          <a:xfrm>
+            <a:off x="2618105" y="1971040"/>
+            <a:ext cx="5496560" cy="647065"/>
+          </a:xfrm>
+          <a:prstGeom prst="roundRect">
+            <a:avLst/>
+          </a:prstGeom>
           <a:ln w="12700" cmpd="sng">
             <a:solidFill>
               <a:schemeClr val="accent1">
                 <a:shade val="50000"/>
               </a:schemeClr>
             </a:solidFill>
-            <a:prstDash val="solid"/>
+            <a:prstDash val="lgDashDot"/>
           </a:ln>
+        </p:spPr>
+        <p:style>
+          <a:lnRef idx="2">
+            <a:schemeClr val="accent1"/>
+          </a:lnRef>
+          <a:fillRef idx="1">
+            <a:schemeClr val="lt1"/>
+          </a:fillRef>
+          <a:effectRef idx="0">
+            <a:schemeClr val="accent1"/>
+          </a:effectRef>
+          <a:fontRef idx="minor">
+            <a:schemeClr val="dk1"/>
+          </a:fontRef>
+        </p:style>
+        <p:txBody>
+          <a:bodyPr rtlCol="0" anchor="ctr"/>
+          <a:p>
+            <a:pPr algn="ctr"/>
+            <a:endParaRPr lang="zh-CN" altLang="en-US" dirty="0"/>
+          </a:p>
+        </p:txBody>
+      </p:sp>
+      <p:sp>
+        <p:nvSpPr>
+          <p:cNvPr id="33" name="圆角矩形 32"/>
+          <p:cNvSpPr/>
+          <p:nvPr/>
+        </p:nvSpPr>
+        <p:spPr>
+          <a:xfrm>
+            <a:off x="2701290" y="2079625"/>
+            <a:ext cx="1232535" cy="444500"/>
+          </a:xfrm>
+          <a:prstGeom prst="roundRect">
+            <a:avLst/>
+          </a:prstGeom>
+          <a:solidFill>
+            <a:schemeClr val="accent1">
+              <a:lumMod val="40000"/>
+              <a:lumOff val="60000"/>
+            </a:schemeClr>
+          </a:solidFill>
         </p:spPr>
         <p:style>
           <a:lnRef idx="2">
@@ -11618,37 +13083,32 @@
           <a:p>
             <a:pPr algn="ctr"/>
             <a:r>
-              <a:rPr lang="en-US" altLang="zh-CN">
-                <a:solidFill>
-                  <a:schemeClr val="tx1"/>
-                </a:solidFill>
-              </a:rPr>
+              <a:rPr lang="en-US" altLang="zh-CN"/>
               <a:t>RDBMS</a:t>
             </a:r>
-            <a:endParaRPr lang="en-US" altLang="zh-CN">
-              <a:solidFill>
-                <a:schemeClr val="tx1"/>
-              </a:solidFill>
-            </a:endParaRPr>
-          </a:p>
-        </p:txBody>
-      </p:sp>
-      <p:sp>
-        <p:nvSpPr>
-          <p:cNvPr id="12" name="矩形 11"/>
+            <a:endParaRPr lang="en-US" altLang="zh-CN"/>
+          </a:p>
+        </p:txBody>
+      </p:sp>
+      <p:sp>
+        <p:nvSpPr>
+          <p:cNvPr id="44" name="圆角矩形 43"/>
           <p:cNvSpPr/>
           <p:nvPr/>
         </p:nvSpPr>
         <p:spPr>
           <a:xfrm>
-            <a:off x="3893820" y="5753735"/>
-            <a:ext cx="1078230" cy="441960"/>
-          </a:xfrm>
-          <a:prstGeom prst="rect">
+            <a:off x="4062730" y="2079625"/>
+            <a:ext cx="1398270" cy="444500"/>
+          </a:xfrm>
+          <a:prstGeom prst="roundRect">
             <a:avLst/>
           </a:prstGeom>
           <a:solidFill>
-            <a:schemeClr val="bg1"/>
+            <a:schemeClr val="accent1">
+              <a:lumMod val="40000"/>
+              <a:lumOff val="60000"/>
+            </a:schemeClr>
           </a:solidFill>
         </p:spPr>
         <p:style>
@@ -11672,37 +13132,32 @@
           <a:p>
             <a:pPr algn="ctr"/>
             <a:r>
-              <a:rPr lang="zh-CN" altLang="en-US">
-                <a:solidFill>
-                  <a:schemeClr val="tx1"/>
-                </a:solidFill>
-              </a:rPr>
-              <a:t>日志</a:t>
-            </a:r>
-            <a:endParaRPr lang="zh-CN" altLang="en-US">
-              <a:solidFill>
-                <a:schemeClr val="tx1"/>
-              </a:solidFill>
-            </a:endParaRPr>
-          </a:p>
-        </p:txBody>
-      </p:sp>
-      <p:sp>
-        <p:nvSpPr>
-          <p:cNvPr id="13" name="矩形 12"/>
+              <a:rPr lang="en-US" altLang="zh-CN"/>
+              <a:t>Redis</a:t>
+            </a:r>
+            <a:endParaRPr lang="en-US" altLang="zh-CN"/>
+          </a:p>
+        </p:txBody>
+      </p:sp>
+      <p:sp>
+        <p:nvSpPr>
+          <p:cNvPr id="45" name="圆角矩形 44"/>
           <p:cNvSpPr/>
           <p:nvPr/>
         </p:nvSpPr>
         <p:spPr>
           <a:xfrm>
-            <a:off x="5100955" y="5753735"/>
-            <a:ext cx="1349375" cy="441960"/>
-          </a:xfrm>
-          <a:prstGeom prst="rect">
+            <a:off x="5572760" y="2079625"/>
+            <a:ext cx="1155700" cy="444500"/>
+          </a:xfrm>
+          <a:prstGeom prst="roundRect">
             <a:avLst/>
           </a:prstGeom>
           <a:solidFill>
-            <a:schemeClr val="bg1"/>
+            <a:schemeClr val="accent1">
+              <a:lumMod val="40000"/>
+              <a:lumOff val="60000"/>
+            </a:schemeClr>
           </a:solidFill>
         </p:spPr>
         <p:style>
@@ -11726,133 +13181,127 @@
           <a:p>
             <a:pPr algn="ctr"/>
             <a:r>
-              <a:rPr lang="en-US" altLang="zh-CN">
-                <a:solidFill>
-                  <a:schemeClr val="tx1"/>
-                </a:solidFill>
-              </a:rPr>
-              <a:t>HTTP/FTP</a:t>
-            </a:r>
-            <a:endParaRPr lang="zh-CN" altLang="en-US">
-              <a:solidFill>
-                <a:schemeClr val="tx1"/>
-              </a:solidFill>
-            </a:endParaRPr>
-          </a:p>
-        </p:txBody>
-      </p:sp>
-      <p:sp>
-        <p:nvSpPr>
-          <p:cNvPr id="14" name="矩形 13"/>
+              <a:rPr lang="en-US" altLang="zh-CN"/>
+              <a:t>MongoDB</a:t>
+            </a:r>
+            <a:endParaRPr lang="en-US" altLang="zh-CN"/>
+          </a:p>
+        </p:txBody>
+      </p:sp>
+      <p:sp>
+        <p:nvSpPr>
+          <p:cNvPr id="46" name="圆角矩形 45"/>
           <p:cNvSpPr/>
           <p:nvPr/>
         </p:nvSpPr>
         <p:spPr>
           <a:xfrm>
-            <a:off x="2534285" y="1395095"/>
-            <a:ext cx="6155055" cy="675640"/>
-          </a:xfrm>
-          <a:prstGeom prst="rect">
+            <a:off x="6838315" y="2079625"/>
+            <a:ext cx="1153160" cy="444500"/>
+          </a:xfrm>
+          <a:prstGeom prst="roundRect">
             <a:avLst/>
           </a:prstGeom>
           <a:solidFill>
-            <a:schemeClr val="accent4">
+            <a:schemeClr val="accent1">
               <a:lumMod val="40000"/>
               <a:lumOff val="60000"/>
             </a:schemeClr>
           </a:solidFill>
-          <a:ln>
-            <a:solidFill>
-              <a:schemeClr val="accent1"/>
-            </a:solidFill>
-          </a:ln>
         </p:spPr>
         <p:style>
           <a:lnRef idx="2">
-            <a:schemeClr val="accent6"/>
+            <a:schemeClr val="accent1">
+              <a:shade val="50000"/>
+            </a:schemeClr>
           </a:lnRef>
           <a:fillRef idx="1">
+            <a:schemeClr val="accent1"/>
+          </a:fillRef>
+          <a:effectRef idx="0">
+            <a:schemeClr val="accent1"/>
+          </a:effectRef>
+          <a:fontRef idx="minor">
             <a:schemeClr val="lt1"/>
-          </a:fillRef>
-          <a:effectRef idx="0">
-            <a:schemeClr val="accent6"/>
-          </a:effectRef>
-          <a:fontRef idx="minor">
-            <a:schemeClr val="dk1"/>
           </a:fontRef>
         </p:style>
         <p:txBody>
           <a:bodyPr rtlCol="0" anchor="ctr"/>
           <a:p>
             <a:pPr algn="ctr"/>
-            <a:endParaRPr lang="zh-CN" altLang="en-US"/>
-          </a:p>
-        </p:txBody>
-      </p:sp>
-      <p:sp>
-        <p:nvSpPr>
-          <p:cNvPr id="16" name="矩形 15"/>
+            <a:r>
+              <a:rPr lang="en-US" altLang="zh-CN"/>
+              <a:t>HBase</a:t>
+            </a:r>
+            <a:endParaRPr lang="en-US" altLang="zh-CN"/>
+          </a:p>
+        </p:txBody>
+      </p:sp>
+      <p:sp>
+        <p:nvSpPr>
+          <p:cNvPr id="47" name="圆角矩形 46"/>
           <p:cNvSpPr/>
           <p:nvPr/>
         </p:nvSpPr>
         <p:spPr>
           <a:xfrm>
-            <a:off x="2533650" y="2625090"/>
-            <a:ext cx="6155690" cy="675640"/>
-          </a:xfrm>
-          <a:prstGeom prst="rect">
+            <a:off x="2687320" y="2713355"/>
+            <a:ext cx="1053465" cy="375285"/>
+          </a:xfrm>
+          <a:prstGeom prst="roundRect">
             <a:avLst/>
           </a:prstGeom>
           <a:solidFill>
-            <a:schemeClr val="accent4">
+            <a:schemeClr val="accent1">
               <a:lumMod val="40000"/>
               <a:lumOff val="60000"/>
             </a:schemeClr>
           </a:solidFill>
-          <a:ln>
-            <a:solidFill>
-              <a:schemeClr val="accent1"/>
-            </a:solidFill>
-          </a:ln>
         </p:spPr>
         <p:style>
           <a:lnRef idx="2">
-            <a:schemeClr val="accent6"/>
+            <a:schemeClr val="accent1">
+              <a:shade val="50000"/>
+            </a:schemeClr>
           </a:lnRef>
           <a:fillRef idx="1">
+            <a:schemeClr val="accent1"/>
+          </a:fillRef>
+          <a:effectRef idx="0">
+            <a:schemeClr val="accent1"/>
+          </a:effectRef>
+          <a:fontRef idx="minor">
             <a:schemeClr val="lt1"/>
-          </a:fillRef>
-          <a:effectRef idx="0">
-            <a:schemeClr val="accent6"/>
-          </a:effectRef>
-          <a:fontRef idx="minor">
-            <a:schemeClr val="dk1"/>
           </a:fontRef>
         </p:style>
         <p:txBody>
           <a:bodyPr rtlCol="0" anchor="ctr"/>
           <a:p>
             <a:pPr algn="ctr"/>
-            <a:endParaRPr lang="zh-CN" altLang="en-US"/>
-          </a:p>
-        </p:txBody>
-      </p:sp>
-      <p:sp>
-        <p:nvSpPr>
-          <p:cNvPr id="17" name="矩形 16"/>
+            <a:r>
+              <a:rPr lang="en-US" altLang="zh-CN"/>
+              <a:t>Sqoop</a:t>
+            </a:r>
+            <a:endParaRPr lang="en-US" altLang="zh-CN"/>
+          </a:p>
+        </p:txBody>
+      </p:sp>
+      <p:sp>
+        <p:nvSpPr>
+          <p:cNvPr id="49" name="圆角矩形 48"/>
           <p:cNvSpPr/>
           <p:nvPr/>
         </p:nvSpPr>
         <p:spPr>
           <a:xfrm>
-            <a:off x="2534285" y="3813810"/>
-            <a:ext cx="3854450" cy="1266190"/>
-          </a:xfrm>
-          <a:prstGeom prst="rect">
+            <a:off x="2767965" y="3851910"/>
+            <a:ext cx="3521710" cy="444500"/>
+          </a:xfrm>
+          <a:prstGeom prst="roundRect">
             <a:avLst/>
           </a:prstGeom>
           <a:solidFill>
-            <a:schemeClr val="accent4">
+            <a:schemeClr val="accent1">
               <a:lumMod val="40000"/>
               <a:lumOff val="60000"/>
             </a:schemeClr>
@@ -11878,38 +13327,226 @@
           <a:bodyPr rtlCol="0" anchor="ctr"/>
           <a:p>
             <a:pPr algn="ctr"/>
-            <a:endParaRPr lang="zh-CN" altLang="en-US"/>
-          </a:p>
-        </p:txBody>
-      </p:sp>
-      <p:sp>
-        <p:nvSpPr>
-          <p:cNvPr id="18" name="矩形 17"/>
+            <a:r>
+              <a:rPr lang="en-US" altLang="zh-CN"/>
+              <a:t>HDFS</a:t>
+            </a:r>
+            <a:endParaRPr lang="en-US" altLang="zh-CN"/>
+          </a:p>
+        </p:txBody>
+      </p:sp>
+      <p:sp>
+        <p:nvSpPr>
+          <p:cNvPr id="50" name="圆角矩形 49"/>
           <p:cNvSpPr/>
           <p:nvPr/>
         </p:nvSpPr>
         <p:spPr>
           <a:xfrm>
-            <a:off x="6672580" y="3813810"/>
-            <a:ext cx="2017395" cy="1266190"/>
-          </a:xfrm>
-          <a:prstGeom prst="rect">
+            <a:off x="2753995" y="3326765"/>
+            <a:ext cx="788670" cy="444500"/>
+          </a:xfrm>
+          <a:prstGeom prst="roundRect">
             <a:avLst/>
           </a:prstGeom>
           <a:solidFill>
-            <a:schemeClr val="accent4">
+            <a:schemeClr val="accent1">
               <a:lumMod val="40000"/>
               <a:lumOff val="60000"/>
             </a:schemeClr>
           </a:solidFill>
-          <a:ln w="28575" cmpd="sng">
+        </p:spPr>
+        <p:style>
+          <a:lnRef idx="2">
+            <a:schemeClr val="accent1">
+              <a:shade val="50000"/>
+            </a:schemeClr>
+          </a:lnRef>
+          <a:fillRef idx="1">
+            <a:schemeClr val="accent1"/>
+          </a:fillRef>
+          <a:effectRef idx="0">
+            <a:schemeClr val="accent1"/>
+          </a:effectRef>
+          <a:fontRef idx="minor">
+            <a:schemeClr val="lt1"/>
+          </a:fontRef>
+        </p:style>
+        <p:txBody>
+          <a:bodyPr rtlCol="0" anchor="ctr"/>
+          <a:p>
+            <a:pPr algn="ctr"/>
+            <a:r>
+              <a:rPr lang="en-US" altLang="zh-CN"/>
+              <a:t>Hive</a:t>
+            </a:r>
+            <a:endParaRPr lang="en-US" altLang="zh-CN"/>
+          </a:p>
+        </p:txBody>
+      </p:sp>
+      <p:sp>
+        <p:nvSpPr>
+          <p:cNvPr id="51" name="圆角矩形 50"/>
+          <p:cNvSpPr/>
+          <p:nvPr/>
+        </p:nvSpPr>
+        <p:spPr>
+          <a:xfrm>
+            <a:off x="3669030" y="3326765"/>
+            <a:ext cx="1141095" cy="444500"/>
+          </a:xfrm>
+          <a:prstGeom prst="roundRect">
+            <a:avLst/>
+          </a:prstGeom>
+          <a:solidFill>
+            <a:schemeClr val="accent1">
+              <a:lumMod val="40000"/>
+              <a:lumOff val="60000"/>
+            </a:schemeClr>
+          </a:solidFill>
+        </p:spPr>
+        <p:style>
+          <a:lnRef idx="2">
+            <a:schemeClr val="accent1">
+              <a:shade val="50000"/>
+            </a:schemeClr>
+          </a:lnRef>
+          <a:fillRef idx="1">
+            <a:schemeClr val="accent1"/>
+          </a:fillRef>
+          <a:effectRef idx="0">
+            <a:schemeClr val="accent1"/>
+          </a:effectRef>
+          <a:fontRef idx="minor">
+            <a:schemeClr val="lt1"/>
+          </a:fontRef>
+        </p:style>
+        <p:txBody>
+          <a:bodyPr rtlCol="0" anchor="ctr"/>
+          <a:p>
+            <a:pPr algn="ctr"/>
+            <a:r>
+              <a:rPr lang="en-US" altLang="zh-CN"/>
+              <a:t>SparkSQL</a:t>
+            </a:r>
+            <a:endParaRPr lang="en-US" altLang="zh-CN"/>
+          </a:p>
+        </p:txBody>
+      </p:sp>
+      <p:sp>
+        <p:nvSpPr>
+          <p:cNvPr id="52" name="圆角矩形 51"/>
+          <p:cNvSpPr/>
+          <p:nvPr/>
+        </p:nvSpPr>
+        <p:spPr>
+          <a:xfrm>
+            <a:off x="4886325" y="3326765"/>
+            <a:ext cx="1402715" cy="444500"/>
+          </a:xfrm>
+          <a:prstGeom prst="roundRect">
+            <a:avLst/>
+          </a:prstGeom>
+          <a:solidFill>
+            <a:schemeClr val="accent1">
+              <a:lumMod val="40000"/>
+              <a:lumOff val="60000"/>
+            </a:schemeClr>
+          </a:solidFill>
+        </p:spPr>
+        <p:style>
+          <a:lnRef idx="2">
+            <a:schemeClr val="accent1">
+              <a:shade val="50000"/>
+            </a:schemeClr>
+          </a:lnRef>
+          <a:fillRef idx="1">
+            <a:schemeClr val="accent1"/>
+          </a:fillRef>
+          <a:effectRef idx="0">
+            <a:schemeClr val="accent1"/>
+          </a:effectRef>
+          <a:fontRef idx="minor">
+            <a:schemeClr val="lt1"/>
+          </a:fontRef>
+        </p:style>
+        <p:txBody>
+          <a:bodyPr rtlCol="0" anchor="ctr"/>
+          <a:p>
+            <a:pPr algn="ctr"/>
+            <a:r>
+              <a:rPr lang="en-US" altLang="zh-CN"/>
+              <a:t>MapReduce</a:t>
+            </a:r>
+            <a:endParaRPr lang="en-US" altLang="zh-CN"/>
+          </a:p>
+        </p:txBody>
+      </p:sp>
+      <p:sp>
+        <p:nvSpPr>
+          <p:cNvPr id="54" name="圆角矩形 53"/>
+          <p:cNvSpPr/>
+          <p:nvPr/>
+        </p:nvSpPr>
+        <p:spPr>
+          <a:xfrm>
+            <a:off x="2618105" y="5065395"/>
+            <a:ext cx="4234180" cy="647065"/>
+          </a:xfrm>
+          <a:prstGeom prst="roundRect">
+            <a:avLst/>
+          </a:prstGeom>
+          <a:ln w="12700" cmpd="sng">
             <a:solidFill>
               <a:schemeClr val="accent1">
                 <a:shade val="50000"/>
               </a:schemeClr>
             </a:solidFill>
-            <a:prstDash val="sysDot"/>
+            <a:prstDash val="lgDashDot"/>
           </a:ln>
+        </p:spPr>
+        <p:style>
+          <a:lnRef idx="2">
+            <a:schemeClr val="accent1"/>
+          </a:lnRef>
+          <a:fillRef idx="1">
+            <a:schemeClr val="lt1"/>
+          </a:fillRef>
+          <a:effectRef idx="0">
+            <a:schemeClr val="accent1"/>
+          </a:effectRef>
+          <a:fontRef idx="minor">
+            <a:schemeClr val="dk1"/>
+          </a:fontRef>
+        </p:style>
+        <p:txBody>
+          <a:bodyPr rtlCol="0" anchor="ctr"/>
+          <a:p>
+            <a:pPr algn="ctr"/>
+            <a:endParaRPr lang="zh-CN" altLang="en-US" dirty="0"/>
+          </a:p>
+        </p:txBody>
+      </p:sp>
+      <p:sp>
+        <p:nvSpPr>
+          <p:cNvPr id="55" name="圆角矩形 54"/>
+          <p:cNvSpPr/>
+          <p:nvPr/>
+        </p:nvSpPr>
+        <p:spPr>
+          <a:xfrm>
+            <a:off x="2701290" y="5173980"/>
+            <a:ext cx="1232535" cy="444500"/>
+          </a:xfrm>
+          <a:prstGeom prst="roundRect">
+            <a:avLst/>
+          </a:prstGeom>
+          <a:solidFill>
+            <a:schemeClr val="accent1">
+              <a:lumMod val="40000"/>
+              <a:lumOff val="60000"/>
+            </a:schemeClr>
+          </a:solidFill>
         </p:spPr>
         <p:style>
           <a:lnRef idx="2">
@@ -11931,26 +13568,33 @@
           <a:bodyPr rtlCol="0" anchor="ctr"/>
           <a:p>
             <a:pPr algn="ctr"/>
-            <a:endParaRPr lang="zh-CN" altLang="en-US"/>
-          </a:p>
-        </p:txBody>
-      </p:sp>
-      <p:sp>
-        <p:nvSpPr>
-          <p:cNvPr id="19" name="矩形 18"/>
+            <a:r>
+              <a:rPr lang="en-US" altLang="zh-CN"/>
+              <a:t>RDBMS</a:t>
+            </a:r>
+            <a:endParaRPr lang="en-US" altLang="zh-CN"/>
+          </a:p>
+        </p:txBody>
+      </p:sp>
+      <p:sp>
+        <p:nvSpPr>
+          <p:cNvPr id="56" name="圆角矩形 55"/>
           <p:cNvSpPr/>
           <p:nvPr/>
         </p:nvSpPr>
         <p:spPr>
           <a:xfrm>
-            <a:off x="2660650" y="4525645"/>
-            <a:ext cx="3491865" cy="441960"/>
-          </a:xfrm>
-          <a:prstGeom prst="rect">
+            <a:off x="4062730" y="5173980"/>
+            <a:ext cx="1398270" cy="444500"/>
+          </a:xfrm>
+          <a:prstGeom prst="roundRect">
             <a:avLst/>
           </a:prstGeom>
           <a:solidFill>
-            <a:schemeClr val="bg1"/>
+            <a:schemeClr val="accent1">
+              <a:lumMod val="40000"/>
+              <a:lumOff val="60000"/>
+            </a:schemeClr>
           </a:solidFill>
         </p:spPr>
         <p:style>
@@ -11974,37 +13618,32 @@
           <a:p>
             <a:pPr algn="ctr"/>
             <a:r>
-              <a:rPr lang="en-US" altLang="zh-CN">
-                <a:solidFill>
-                  <a:schemeClr val="tx1"/>
-                </a:solidFill>
-              </a:rPr>
-              <a:t>HDFS</a:t>
-            </a:r>
-            <a:endParaRPr lang="en-US" altLang="zh-CN">
-              <a:solidFill>
-                <a:schemeClr val="tx1"/>
-              </a:solidFill>
-            </a:endParaRPr>
-          </a:p>
-        </p:txBody>
-      </p:sp>
-      <p:sp>
-        <p:nvSpPr>
-          <p:cNvPr id="20" name="矩形 19"/>
+              <a:rPr lang="zh-CN" altLang="en-US"/>
+              <a:t>日志</a:t>
+            </a:r>
+            <a:endParaRPr lang="zh-CN" altLang="en-US"/>
+          </a:p>
+        </p:txBody>
+      </p:sp>
+      <p:sp>
+        <p:nvSpPr>
+          <p:cNvPr id="57" name="圆角矩形 56"/>
           <p:cNvSpPr/>
           <p:nvPr/>
         </p:nvSpPr>
         <p:spPr>
           <a:xfrm>
-            <a:off x="2660650" y="3971290"/>
-            <a:ext cx="1078230" cy="441960"/>
-          </a:xfrm>
-          <a:prstGeom prst="rect">
+            <a:off x="5572760" y="5173980"/>
+            <a:ext cx="1155700" cy="444500"/>
+          </a:xfrm>
+          <a:prstGeom prst="roundRect">
             <a:avLst/>
           </a:prstGeom>
           <a:solidFill>
-            <a:schemeClr val="bg1"/>
+            <a:schemeClr val="accent1">
+              <a:lumMod val="40000"/>
+              <a:lumOff val="60000"/>
+            </a:schemeClr>
           </a:solidFill>
         </p:spPr>
         <p:style>
@@ -12028,46 +13667,33 @@
           <a:p>
             <a:pPr algn="ctr"/>
             <a:r>
-              <a:rPr lang="en-US" altLang="zh-CN">
-                <a:solidFill>
-                  <a:schemeClr val="tx1"/>
-                </a:solidFill>
-              </a:rPr>
-              <a:t>Hive</a:t>
-            </a:r>
-            <a:endParaRPr lang="en-US" altLang="zh-CN">
-              <a:solidFill>
-                <a:schemeClr val="tx1"/>
-              </a:solidFill>
-            </a:endParaRPr>
-          </a:p>
-        </p:txBody>
-      </p:sp>
-      <p:sp>
-        <p:nvSpPr>
-          <p:cNvPr id="21" name="矩形 20"/>
+              <a:rPr lang="en-US" altLang="zh-CN"/>
+              <a:t>HTTP/FTP</a:t>
+            </a:r>
+            <a:endParaRPr lang="zh-CN" altLang="en-US"/>
+          </a:p>
+        </p:txBody>
+      </p:sp>
+      <p:sp>
+        <p:nvSpPr>
+          <p:cNvPr id="59" name="圆角矩形 58"/>
           <p:cNvSpPr/>
           <p:nvPr/>
         </p:nvSpPr>
         <p:spPr>
           <a:xfrm>
-            <a:off x="3837305" y="3971290"/>
-            <a:ext cx="1078230" cy="441960"/>
-          </a:xfrm>
-          <a:prstGeom prst="rect">
+            <a:off x="6929120" y="3306445"/>
+            <a:ext cx="1053465" cy="520065"/>
+          </a:xfrm>
+          <a:prstGeom prst="roundRect">
             <a:avLst/>
           </a:prstGeom>
           <a:solidFill>
-            <a:schemeClr val="bg1"/>
+            <a:schemeClr val="accent1">
+              <a:lumMod val="40000"/>
+              <a:lumOff val="60000"/>
+            </a:schemeClr>
           </a:solidFill>
-          <a:ln w="28575" cmpd="sng">
-            <a:solidFill>
-              <a:schemeClr val="accent1">
-                <a:shade val="50000"/>
-              </a:schemeClr>
-            </a:solidFill>
-            <a:prstDash val="sysDot"/>
-          </a:ln>
         </p:spPr>
         <p:style>
           <a:lnRef idx="2">
@@ -12090,62 +13716,33 @@
           <a:p>
             <a:pPr algn="ctr"/>
             <a:r>
-              <a:rPr lang="en-US" altLang="zh-CN">
-                <a:solidFill>
-                  <a:schemeClr val="tx1"/>
-                </a:solidFill>
-              </a:rPr>
-              <a:t>Spark</a:t>
-            </a:r>
-            <a:endParaRPr lang="en-US" altLang="zh-CN">
-              <a:solidFill>
-                <a:schemeClr val="tx1"/>
-              </a:solidFill>
-            </a:endParaRPr>
-          </a:p>
-          <a:p>
-            <a:pPr algn="ctr"/>
-            <a:r>
-              <a:rPr lang="en-US" altLang="zh-CN">
-                <a:solidFill>
-                  <a:schemeClr val="tx1"/>
-                </a:solidFill>
-              </a:rPr>
-              <a:t>SQL</a:t>
-            </a:r>
-            <a:endParaRPr lang="en-US" altLang="zh-CN">
-              <a:solidFill>
-                <a:schemeClr val="tx1"/>
-              </a:solidFill>
-            </a:endParaRPr>
-          </a:p>
-        </p:txBody>
-      </p:sp>
-      <p:sp>
-        <p:nvSpPr>
-          <p:cNvPr id="22" name="矩形 21"/>
+              <a:rPr lang="en-US" altLang="zh-CN"/>
+              <a:t>Spark Stremin</a:t>
+            </a:r>
+            <a:endParaRPr lang="en-US" altLang="zh-CN"/>
+          </a:p>
+        </p:txBody>
+      </p:sp>
+      <p:sp>
+        <p:nvSpPr>
+          <p:cNvPr id="61" name="圆角矩形 60"/>
           <p:cNvSpPr/>
           <p:nvPr/>
         </p:nvSpPr>
         <p:spPr>
           <a:xfrm>
-            <a:off x="5074285" y="3971290"/>
-            <a:ext cx="1078230" cy="441960"/>
-          </a:xfrm>
-          <a:prstGeom prst="rect">
+            <a:off x="6938010" y="3883025"/>
+            <a:ext cx="1053465" cy="426085"/>
+          </a:xfrm>
+          <a:prstGeom prst="roundRect">
             <a:avLst/>
           </a:prstGeom>
           <a:solidFill>
-            <a:schemeClr val="bg1"/>
+            <a:schemeClr val="accent1">
+              <a:lumMod val="40000"/>
+              <a:lumOff val="60000"/>
+            </a:schemeClr>
           </a:solidFill>
-          <a:ln w="28575" cmpd="sng">
-            <a:solidFill>
-              <a:schemeClr val="accent1">
-                <a:shade val="50000"/>
-              </a:schemeClr>
-            </a:solidFill>
-            <a:prstDash val="sysDot"/>
-          </a:ln>
         </p:spPr>
         <p:style>
           <a:lnRef idx="2">
@@ -12168,53 +13765,32 @@
           <a:p>
             <a:pPr algn="ctr"/>
             <a:r>
-              <a:rPr lang="en-US" altLang="zh-CN">
-                <a:solidFill>
-                  <a:schemeClr val="tx1"/>
-                </a:solidFill>
-              </a:rPr>
-              <a:t>Spark</a:t>
-            </a:r>
-            <a:endParaRPr lang="en-US" altLang="zh-CN">
-              <a:solidFill>
-                <a:schemeClr val="tx1"/>
-              </a:solidFill>
-            </a:endParaRPr>
-          </a:p>
-          <a:p>
-            <a:pPr algn="ctr"/>
-            <a:r>
-              <a:rPr lang="en-US" altLang="zh-CN">
-                <a:solidFill>
-                  <a:schemeClr val="tx1"/>
-                </a:solidFill>
-              </a:rPr>
-              <a:t>SQL</a:t>
-            </a:r>
-            <a:endParaRPr lang="en-US" altLang="zh-CN">
-              <a:solidFill>
-                <a:schemeClr val="tx1"/>
-              </a:solidFill>
-            </a:endParaRPr>
-          </a:p>
-        </p:txBody>
-      </p:sp>
-      <p:sp>
-        <p:nvSpPr>
-          <p:cNvPr id="23" name="矩形 22"/>
+              <a:rPr lang="en-US" altLang="zh-CN"/>
+              <a:t>Kafka</a:t>
+            </a:r>
+            <a:endParaRPr lang="en-US" altLang="zh-CN"/>
+          </a:p>
+        </p:txBody>
+      </p:sp>
+      <p:sp>
+        <p:nvSpPr>
+          <p:cNvPr id="63" name="圆角矩形 62"/>
           <p:cNvSpPr/>
           <p:nvPr/>
         </p:nvSpPr>
         <p:spPr>
           <a:xfrm>
-            <a:off x="6983095" y="3971290"/>
-            <a:ext cx="1373505" cy="441960"/>
-          </a:xfrm>
-          <a:prstGeom prst="rect">
+            <a:off x="2936875" y="4545965"/>
+            <a:ext cx="1053465" cy="375285"/>
+          </a:xfrm>
+          <a:prstGeom prst="roundRect">
             <a:avLst/>
           </a:prstGeom>
           <a:solidFill>
-            <a:schemeClr val="bg1"/>
+            <a:schemeClr val="accent1">
+              <a:lumMod val="40000"/>
+              <a:lumOff val="60000"/>
+            </a:schemeClr>
           </a:solidFill>
         </p:spPr>
         <p:style>
@@ -12238,53 +13814,32 @@
           <a:p>
             <a:pPr algn="ctr"/>
             <a:r>
-              <a:rPr lang="en-US" altLang="zh-CN">
-                <a:solidFill>
-                  <a:schemeClr val="tx1"/>
-                </a:solidFill>
-              </a:rPr>
-              <a:t>Spark</a:t>
-            </a:r>
-            <a:endParaRPr lang="en-US" altLang="zh-CN">
-              <a:solidFill>
-                <a:schemeClr val="tx1"/>
-              </a:solidFill>
-            </a:endParaRPr>
-          </a:p>
-          <a:p>
-            <a:pPr algn="ctr"/>
-            <a:r>
-              <a:rPr lang="en-US" altLang="zh-CN">
-                <a:solidFill>
-                  <a:schemeClr val="tx1"/>
-                </a:solidFill>
-              </a:rPr>
-              <a:t>Streming</a:t>
-            </a:r>
-            <a:endParaRPr lang="en-US" altLang="zh-CN">
-              <a:solidFill>
-                <a:schemeClr val="tx1"/>
-              </a:solidFill>
-            </a:endParaRPr>
-          </a:p>
-        </p:txBody>
-      </p:sp>
-      <p:sp>
-        <p:nvSpPr>
-          <p:cNvPr id="24" name="矩形 23"/>
+              <a:rPr lang="en-US" altLang="zh-CN"/>
+              <a:t>Sqoop</a:t>
+            </a:r>
+            <a:endParaRPr lang="en-US" altLang="zh-CN"/>
+          </a:p>
+        </p:txBody>
+      </p:sp>
+      <p:sp>
+        <p:nvSpPr>
+          <p:cNvPr id="64" name="圆角矩形 63"/>
           <p:cNvSpPr/>
           <p:nvPr/>
         </p:nvSpPr>
         <p:spPr>
           <a:xfrm>
-            <a:off x="6983095" y="4525645"/>
-            <a:ext cx="1374140" cy="441960"/>
-          </a:xfrm>
-          <a:prstGeom prst="rect">
+            <a:off x="4942840" y="4547870"/>
+            <a:ext cx="1053465" cy="375285"/>
+          </a:xfrm>
+          <a:prstGeom prst="roundRect">
             <a:avLst/>
           </a:prstGeom>
           <a:solidFill>
-            <a:schemeClr val="bg1"/>
+            <a:schemeClr val="accent1">
+              <a:lumMod val="40000"/>
+              <a:lumOff val="60000"/>
+            </a:schemeClr>
           </a:solidFill>
         </p:spPr>
         <p:style>
@@ -12308,833 +13863,10 @@
           <a:p>
             <a:pPr algn="ctr"/>
             <a:r>
-              <a:rPr lang="en-US" altLang="zh-CN">
-                <a:solidFill>
-                  <a:schemeClr val="tx1"/>
-                </a:solidFill>
-              </a:rPr>
-              <a:t>Kafka</a:t>
-            </a:r>
-            <a:endParaRPr lang="en-US" altLang="zh-CN">
-              <a:solidFill>
-                <a:schemeClr val="tx1"/>
-              </a:solidFill>
-            </a:endParaRPr>
-          </a:p>
-        </p:txBody>
-      </p:sp>
-      <p:sp>
-        <p:nvSpPr>
-          <p:cNvPr id="25" name="矩形 24"/>
-          <p:cNvSpPr/>
-          <p:nvPr/>
-        </p:nvSpPr>
-        <p:spPr>
-          <a:xfrm>
-            <a:off x="2660650" y="2741930"/>
-            <a:ext cx="1078230" cy="441960"/>
-          </a:xfrm>
-          <a:prstGeom prst="rect">
-            <a:avLst/>
-          </a:prstGeom>
-          <a:solidFill>
-            <a:schemeClr val="bg1"/>
-          </a:solidFill>
-        </p:spPr>
-        <p:style>
-          <a:lnRef idx="2">
-            <a:schemeClr val="accent1">
-              <a:shade val="50000"/>
-            </a:schemeClr>
-          </a:lnRef>
-          <a:fillRef idx="1">
-            <a:schemeClr val="accent1"/>
-          </a:fillRef>
-          <a:effectRef idx="0">
-            <a:schemeClr val="accent1"/>
-          </a:effectRef>
-          <a:fontRef idx="minor">
-            <a:schemeClr val="lt1"/>
-          </a:fontRef>
-        </p:style>
-        <p:txBody>
-          <a:bodyPr rtlCol="0" anchor="ctr"/>
-          <a:p>
-            <a:pPr algn="ctr"/>
-            <a:r>
-              <a:rPr lang="en-US" altLang="zh-CN">
-                <a:solidFill>
-                  <a:schemeClr val="tx1"/>
-                </a:solidFill>
-              </a:rPr>
-              <a:t>RDBMS</a:t>
-            </a:r>
-            <a:endParaRPr lang="en-US" altLang="zh-CN">
-              <a:solidFill>
-                <a:schemeClr val="tx1"/>
-              </a:solidFill>
-            </a:endParaRPr>
-          </a:p>
-        </p:txBody>
-      </p:sp>
-      <p:sp>
-        <p:nvSpPr>
-          <p:cNvPr id="26" name="矩形 25"/>
-          <p:cNvSpPr/>
-          <p:nvPr/>
-        </p:nvSpPr>
-        <p:spPr>
-          <a:xfrm>
-            <a:off x="3837305" y="2741930"/>
-            <a:ext cx="1078230" cy="441960"/>
-          </a:xfrm>
-          <a:prstGeom prst="rect">
-            <a:avLst/>
-          </a:prstGeom>
-          <a:solidFill>
-            <a:schemeClr val="bg1"/>
-          </a:solidFill>
-        </p:spPr>
-        <p:style>
-          <a:lnRef idx="2">
-            <a:schemeClr val="accent1">
-              <a:shade val="50000"/>
-            </a:schemeClr>
-          </a:lnRef>
-          <a:fillRef idx="1">
-            <a:schemeClr val="accent1"/>
-          </a:fillRef>
-          <a:effectRef idx="0">
-            <a:schemeClr val="accent1"/>
-          </a:effectRef>
-          <a:fontRef idx="minor">
-            <a:schemeClr val="lt1"/>
-          </a:fontRef>
-        </p:style>
-        <p:txBody>
-          <a:bodyPr rtlCol="0" anchor="ctr"/>
-          <a:p>
-            <a:pPr algn="ctr"/>
-            <a:r>
-              <a:rPr lang="en-US" altLang="zh-CN">
-                <a:solidFill>
-                  <a:schemeClr val="tx1"/>
-                </a:solidFill>
-              </a:rPr>
-              <a:t>Redis</a:t>
-            </a:r>
-            <a:endParaRPr lang="en-US" altLang="zh-CN">
-              <a:solidFill>
-                <a:schemeClr val="tx1"/>
-              </a:solidFill>
-            </a:endParaRPr>
-          </a:p>
-        </p:txBody>
-      </p:sp>
-      <p:sp>
-        <p:nvSpPr>
-          <p:cNvPr id="27" name="矩形 26"/>
-          <p:cNvSpPr/>
-          <p:nvPr/>
-        </p:nvSpPr>
-        <p:spPr>
-          <a:xfrm>
-            <a:off x="5074285" y="2741930"/>
-            <a:ext cx="1078230" cy="441960"/>
-          </a:xfrm>
-          <a:prstGeom prst="rect">
-            <a:avLst/>
-          </a:prstGeom>
-          <a:solidFill>
-            <a:schemeClr val="bg1"/>
-          </a:solidFill>
-        </p:spPr>
-        <p:style>
-          <a:lnRef idx="2">
-            <a:schemeClr val="accent1">
-              <a:shade val="50000"/>
-            </a:schemeClr>
-          </a:lnRef>
-          <a:fillRef idx="1">
-            <a:schemeClr val="accent1"/>
-          </a:fillRef>
-          <a:effectRef idx="0">
-            <a:schemeClr val="accent1"/>
-          </a:effectRef>
-          <a:fontRef idx="minor">
-            <a:schemeClr val="lt1"/>
-          </a:fontRef>
-        </p:style>
-        <p:txBody>
-          <a:bodyPr rtlCol="0" anchor="ctr"/>
-          <a:p>
-            <a:pPr algn="ctr"/>
-            <a:r>
-              <a:rPr lang="en-US" altLang="zh-CN">
-                <a:solidFill>
-                  <a:schemeClr val="tx1"/>
-                </a:solidFill>
-              </a:rPr>
-              <a:t>Mongo</a:t>
-            </a:r>
-            <a:endParaRPr lang="en-US" altLang="zh-CN">
-              <a:solidFill>
-                <a:schemeClr val="tx1"/>
-              </a:solidFill>
-            </a:endParaRPr>
-          </a:p>
-        </p:txBody>
-      </p:sp>
-      <p:sp>
-        <p:nvSpPr>
-          <p:cNvPr id="28" name="矩形 27"/>
-          <p:cNvSpPr/>
-          <p:nvPr/>
-        </p:nvSpPr>
-        <p:spPr>
-          <a:xfrm>
-            <a:off x="6484620" y="2741930"/>
-            <a:ext cx="1078230" cy="441960"/>
-          </a:xfrm>
-          <a:prstGeom prst="rect">
-            <a:avLst/>
-          </a:prstGeom>
-          <a:solidFill>
-            <a:schemeClr val="bg1"/>
-          </a:solidFill>
-          <a:ln w="28575" cmpd="dbl">
-            <a:solidFill>
-              <a:schemeClr val="accent1">
-                <a:shade val="50000"/>
-              </a:schemeClr>
-            </a:solidFill>
-            <a:prstDash val="sysDot"/>
-          </a:ln>
-        </p:spPr>
-        <p:style>
-          <a:lnRef idx="2">
-            <a:schemeClr val="accent1">
-              <a:shade val="50000"/>
-            </a:schemeClr>
-          </a:lnRef>
-          <a:fillRef idx="1">
-            <a:schemeClr val="accent1"/>
-          </a:fillRef>
-          <a:effectRef idx="0">
-            <a:schemeClr val="accent1"/>
-          </a:effectRef>
-          <a:fontRef idx="minor">
-            <a:schemeClr val="lt1"/>
-          </a:fontRef>
-        </p:style>
-        <p:txBody>
-          <a:bodyPr rtlCol="0" anchor="ctr"/>
-          <a:p>
-            <a:pPr algn="ctr"/>
-            <a:r>
-              <a:rPr lang="en-US" altLang="zh-CN">
-                <a:solidFill>
-                  <a:schemeClr val="tx1"/>
-                </a:solidFill>
-              </a:rPr>
-              <a:t>Hbase</a:t>
-            </a:r>
-            <a:endParaRPr lang="en-US" altLang="zh-CN">
-              <a:solidFill>
-                <a:schemeClr val="tx1"/>
-              </a:solidFill>
-            </a:endParaRPr>
-          </a:p>
-        </p:txBody>
-      </p:sp>
-      <p:sp>
-        <p:nvSpPr>
-          <p:cNvPr id="29" name="矩形 28"/>
-          <p:cNvSpPr/>
-          <p:nvPr/>
-        </p:nvSpPr>
-        <p:spPr>
-          <a:xfrm>
-            <a:off x="2660650" y="1513840"/>
-            <a:ext cx="1078230" cy="441960"/>
-          </a:xfrm>
-          <a:prstGeom prst="rect">
-            <a:avLst/>
-          </a:prstGeom>
-          <a:solidFill>
-            <a:schemeClr val="bg1"/>
-          </a:solidFill>
-        </p:spPr>
-        <p:style>
-          <a:lnRef idx="2">
-            <a:schemeClr val="accent1">
-              <a:shade val="50000"/>
-            </a:schemeClr>
-          </a:lnRef>
-          <a:fillRef idx="1">
-            <a:schemeClr val="accent1"/>
-          </a:fillRef>
-          <a:effectRef idx="0">
-            <a:schemeClr val="accent1"/>
-          </a:effectRef>
-          <a:fontRef idx="minor">
-            <a:schemeClr val="lt1"/>
-          </a:fontRef>
-        </p:style>
-        <p:txBody>
-          <a:bodyPr rtlCol="0" anchor="ctr"/>
-          <a:p>
-            <a:pPr algn="ctr"/>
-            <a:r>
-              <a:rPr lang="zh-CN" altLang="en-US">
-                <a:solidFill>
-                  <a:schemeClr val="tx1"/>
-                </a:solidFill>
-              </a:rPr>
-              <a:t>报表</a:t>
-            </a:r>
-            <a:endParaRPr lang="zh-CN" altLang="en-US">
-              <a:solidFill>
-                <a:schemeClr val="tx1"/>
-              </a:solidFill>
-            </a:endParaRPr>
-          </a:p>
-        </p:txBody>
-      </p:sp>
-      <p:sp>
-        <p:nvSpPr>
-          <p:cNvPr id="30" name="矩形 29"/>
-          <p:cNvSpPr/>
-          <p:nvPr/>
-        </p:nvSpPr>
-        <p:spPr>
-          <a:xfrm>
-            <a:off x="3837305" y="1513840"/>
-            <a:ext cx="1415415" cy="441960"/>
-          </a:xfrm>
-          <a:prstGeom prst="rect">
-            <a:avLst/>
-          </a:prstGeom>
-          <a:solidFill>
-            <a:schemeClr val="bg1"/>
-          </a:solidFill>
-        </p:spPr>
-        <p:style>
-          <a:lnRef idx="2">
-            <a:schemeClr val="accent1">
-              <a:shade val="50000"/>
-            </a:schemeClr>
-          </a:lnRef>
-          <a:fillRef idx="1">
-            <a:schemeClr val="accent1"/>
-          </a:fillRef>
-          <a:effectRef idx="0">
-            <a:schemeClr val="accent1"/>
-          </a:effectRef>
-          <a:fontRef idx="minor">
-            <a:schemeClr val="lt1"/>
-          </a:fontRef>
-        </p:style>
-        <p:txBody>
-          <a:bodyPr rtlCol="0" anchor="ctr"/>
-          <a:p>
-            <a:pPr algn="ctr"/>
-            <a:r>
-              <a:rPr lang="zh-CN" altLang="en-US">
-                <a:solidFill>
-                  <a:schemeClr val="tx1"/>
-                </a:solidFill>
-              </a:rPr>
-              <a:t>数据可视化</a:t>
-            </a:r>
-            <a:endParaRPr lang="zh-CN" altLang="en-US">
-              <a:solidFill>
-                <a:schemeClr val="tx1"/>
-              </a:solidFill>
-            </a:endParaRPr>
-          </a:p>
-        </p:txBody>
-      </p:sp>
-      <p:sp>
-        <p:nvSpPr>
-          <p:cNvPr id="31" name="矩形 30"/>
-          <p:cNvSpPr/>
-          <p:nvPr/>
-        </p:nvSpPr>
-        <p:spPr>
-          <a:xfrm>
-            <a:off x="5441315" y="1512570"/>
-            <a:ext cx="1106170" cy="441960"/>
-          </a:xfrm>
-          <a:prstGeom prst="rect">
-            <a:avLst/>
-          </a:prstGeom>
-          <a:solidFill>
-            <a:schemeClr val="bg1"/>
-          </a:solidFill>
-        </p:spPr>
-        <p:style>
-          <a:lnRef idx="2">
-            <a:schemeClr val="accent1">
-              <a:shade val="50000"/>
-            </a:schemeClr>
-          </a:lnRef>
-          <a:fillRef idx="1">
-            <a:schemeClr val="accent1"/>
-          </a:fillRef>
-          <a:effectRef idx="0">
-            <a:schemeClr val="accent1"/>
-          </a:effectRef>
-          <a:fontRef idx="minor">
-            <a:schemeClr val="lt1"/>
-          </a:fontRef>
-        </p:style>
-        <p:txBody>
-          <a:bodyPr rtlCol="0" anchor="ctr"/>
-          <a:p>
-            <a:pPr algn="ctr"/>
-            <a:r>
-              <a:rPr lang="zh-CN" altLang="en-US">
-                <a:solidFill>
-                  <a:schemeClr val="tx1"/>
-                </a:solidFill>
-              </a:rPr>
-              <a:t>接口</a:t>
-            </a:r>
-            <a:endParaRPr lang="zh-CN" altLang="en-US">
-              <a:solidFill>
-                <a:schemeClr val="tx1"/>
-              </a:solidFill>
-            </a:endParaRPr>
-          </a:p>
-        </p:txBody>
-      </p:sp>
-      <p:sp>
-        <p:nvSpPr>
-          <p:cNvPr id="32" name="矩形 31"/>
-          <p:cNvSpPr/>
-          <p:nvPr/>
-        </p:nvSpPr>
-        <p:spPr>
-          <a:xfrm>
-            <a:off x="6672580" y="1513840"/>
-            <a:ext cx="1106170" cy="441960"/>
-          </a:xfrm>
-          <a:prstGeom prst="rect">
-            <a:avLst/>
-          </a:prstGeom>
-          <a:solidFill>
-            <a:schemeClr val="bg1"/>
-          </a:solidFill>
-        </p:spPr>
-        <p:style>
-          <a:lnRef idx="2">
-            <a:schemeClr val="accent1">
-              <a:shade val="50000"/>
-            </a:schemeClr>
-          </a:lnRef>
-          <a:fillRef idx="1">
-            <a:schemeClr val="accent1"/>
-          </a:fillRef>
-          <a:effectRef idx="0">
-            <a:schemeClr val="accent1"/>
-          </a:effectRef>
-          <a:fontRef idx="minor">
-            <a:schemeClr val="lt1"/>
-          </a:fontRef>
-        </p:style>
-        <p:txBody>
-          <a:bodyPr rtlCol="0" anchor="ctr"/>
-          <a:p>
-            <a:pPr algn="ctr"/>
-            <a:r>
-              <a:rPr lang="zh-CN" altLang="en-US">
-                <a:solidFill>
-                  <a:schemeClr val="tx1"/>
-                </a:solidFill>
-              </a:rPr>
-              <a:t>实时查询</a:t>
-            </a:r>
-            <a:endParaRPr lang="zh-CN" altLang="en-US">
-              <a:solidFill>
-                <a:schemeClr val="tx1"/>
-              </a:solidFill>
-            </a:endParaRPr>
-          </a:p>
-        </p:txBody>
-      </p:sp>
-      <p:sp>
-        <p:nvSpPr>
-          <p:cNvPr id="34" name="文本框 33"/>
-          <p:cNvSpPr txBox="1"/>
-          <p:nvPr/>
-        </p:nvSpPr>
-        <p:spPr>
-          <a:xfrm>
-            <a:off x="776605" y="1646555"/>
-            <a:ext cx="1097280" cy="368300"/>
-          </a:xfrm>
-          <a:prstGeom prst="rect">
-            <a:avLst/>
-          </a:prstGeom>
-          <a:noFill/>
-        </p:spPr>
-        <p:txBody>
-          <a:bodyPr wrap="none" rtlCol="0">
-            <a:spAutoFit/>
-          </a:bodyPr>
-          <a:p>
-            <a:r>
-              <a:rPr lang="zh-CN" altLang="en-US"/>
-              <a:t>数据应用</a:t>
-            </a:r>
-            <a:endParaRPr lang="zh-CN" altLang="en-US"/>
-          </a:p>
-        </p:txBody>
-      </p:sp>
-      <p:sp>
-        <p:nvSpPr>
-          <p:cNvPr id="35" name="文本框 34"/>
-          <p:cNvSpPr txBox="1"/>
-          <p:nvPr/>
-        </p:nvSpPr>
-        <p:spPr>
-          <a:xfrm>
-            <a:off x="776605" y="2741930"/>
-            <a:ext cx="1097280" cy="368300"/>
-          </a:xfrm>
-          <a:prstGeom prst="rect">
-            <a:avLst/>
-          </a:prstGeom>
-          <a:noFill/>
-        </p:spPr>
-        <p:txBody>
-          <a:bodyPr wrap="none" rtlCol="0">
-            <a:spAutoFit/>
-          </a:bodyPr>
-          <a:p>
-            <a:r>
-              <a:rPr lang="zh-CN" altLang="en-US"/>
-              <a:t>数据共享</a:t>
-            </a:r>
-            <a:endParaRPr lang="zh-CN" altLang="en-US"/>
-          </a:p>
-        </p:txBody>
-      </p:sp>
-      <p:sp>
-        <p:nvSpPr>
-          <p:cNvPr id="36" name="文本框 35"/>
-          <p:cNvSpPr txBox="1"/>
-          <p:nvPr/>
-        </p:nvSpPr>
-        <p:spPr>
-          <a:xfrm>
-            <a:off x="776605" y="4124325"/>
-            <a:ext cx="1097280" cy="645160"/>
-          </a:xfrm>
-          <a:prstGeom prst="rect">
-            <a:avLst/>
-          </a:prstGeom>
-          <a:noFill/>
-        </p:spPr>
-        <p:txBody>
-          <a:bodyPr wrap="none" rtlCol="0">
-            <a:spAutoFit/>
-          </a:bodyPr>
-          <a:p>
-            <a:r>
-              <a:rPr lang="zh-CN" altLang="en-US"/>
-              <a:t>数据存储</a:t>
-            </a:r>
-            <a:endParaRPr lang="zh-CN" altLang="en-US"/>
-          </a:p>
-          <a:p>
-            <a:r>
-              <a:rPr lang="zh-CN" altLang="en-US"/>
-              <a:t>数据分析</a:t>
-            </a:r>
-            <a:endParaRPr lang="zh-CN" altLang="en-US"/>
-          </a:p>
-        </p:txBody>
-      </p:sp>
-      <p:sp>
-        <p:nvSpPr>
-          <p:cNvPr id="37" name="文本框 36"/>
-          <p:cNvSpPr txBox="1"/>
-          <p:nvPr/>
-        </p:nvSpPr>
-        <p:spPr>
-          <a:xfrm>
-            <a:off x="776605" y="5790565"/>
-            <a:ext cx="1097280" cy="368300"/>
-          </a:xfrm>
-          <a:prstGeom prst="rect">
-            <a:avLst/>
-          </a:prstGeom>
-          <a:noFill/>
-        </p:spPr>
-        <p:txBody>
-          <a:bodyPr wrap="none" rtlCol="0">
-            <a:spAutoFit/>
-          </a:bodyPr>
-          <a:p>
-            <a:r>
-              <a:rPr lang="zh-CN" altLang="en-US"/>
-              <a:t>数据采集</a:t>
-            </a:r>
-            <a:endParaRPr lang="zh-CN" altLang="en-US"/>
-          </a:p>
-        </p:txBody>
-      </p:sp>
-      <p:cxnSp>
-        <p:nvCxnSpPr>
-          <p:cNvPr id="38" name="直接连接符 37"/>
-          <p:cNvCxnSpPr/>
-          <p:nvPr/>
-        </p:nvCxnSpPr>
-        <p:spPr>
-          <a:xfrm flipV="1">
-            <a:off x="692150" y="5360035"/>
-            <a:ext cx="8825230" cy="9525"/>
-          </a:xfrm>
-          <a:prstGeom prst="line">
-            <a:avLst/>
-          </a:prstGeom>
-        </p:spPr>
-        <p:style>
-          <a:lnRef idx="1">
-            <a:schemeClr val="accent1"/>
-          </a:lnRef>
-          <a:fillRef idx="0">
-            <a:schemeClr val="accent1"/>
-          </a:fillRef>
-          <a:effectRef idx="0">
-            <a:schemeClr val="accent1"/>
-          </a:effectRef>
-          <a:fontRef idx="minor">
-            <a:schemeClr val="tx1"/>
-          </a:fontRef>
-        </p:style>
-      </p:cxnSp>
-      <p:cxnSp>
-        <p:nvCxnSpPr>
-          <p:cNvPr id="39" name="直接连接符 38"/>
-          <p:cNvCxnSpPr/>
-          <p:nvPr/>
-        </p:nvCxnSpPr>
-        <p:spPr>
-          <a:xfrm flipV="1">
-            <a:off x="692150" y="3552825"/>
-            <a:ext cx="8825230" cy="9525"/>
-          </a:xfrm>
-          <a:prstGeom prst="line">
-            <a:avLst/>
-          </a:prstGeom>
-        </p:spPr>
-        <p:style>
-          <a:lnRef idx="1">
-            <a:schemeClr val="accent1"/>
-          </a:lnRef>
-          <a:fillRef idx="0">
-            <a:schemeClr val="accent1"/>
-          </a:fillRef>
-          <a:effectRef idx="0">
-            <a:schemeClr val="accent1"/>
-          </a:effectRef>
-          <a:fontRef idx="minor">
-            <a:schemeClr val="tx1"/>
-          </a:fontRef>
-        </p:style>
-      </p:cxnSp>
-      <p:cxnSp>
-        <p:nvCxnSpPr>
-          <p:cNvPr id="40" name="直接连接符 39"/>
-          <p:cNvCxnSpPr/>
-          <p:nvPr/>
-        </p:nvCxnSpPr>
-        <p:spPr>
-          <a:xfrm flipV="1">
-            <a:off x="692150" y="2315210"/>
-            <a:ext cx="8825230" cy="9525"/>
-          </a:xfrm>
-          <a:prstGeom prst="line">
-            <a:avLst/>
-          </a:prstGeom>
-        </p:spPr>
-        <p:style>
-          <a:lnRef idx="1">
-            <a:schemeClr val="accent1"/>
-          </a:lnRef>
-          <a:fillRef idx="0">
-            <a:schemeClr val="accent1"/>
-          </a:fillRef>
-          <a:effectRef idx="0">
-            <a:schemeClr val="accent1"/>
-          </a:effectRef>
-          <a:fontRef idx="minor">
-            <a:schemeClr val="tx1"/>
-          </a:fontRef>
-        </p:style>
-      </p:cxnSp>
-      <p:sp>
-        <p:nvSpPr>
-          <p:cNvPr id="41" name="矩形 40"/>
-          <p:cNvSpPr/>
-          <p:nvPr/>
-        </p:nvSpPr>
-        <p:spPr>
-          <a:xfrm>
-            <a:off x="2687320" y="5195570"/>
-            <a:ext cx="1078230" cy="335915"/>
-          </a:xfrm>
-          <a:prstGeom prst="rect">
-            <a:avLst/>
-          </a:prstGeom>
-          <a:solidFill>
-            <a:schemeClr val="bg1"/>
-          </a:solidFill>
-        </p:spPr>
-        <p:style>
-          <a:lnRef idx="2">
-            <a:schemeClr val="accent1">
-              <a:shade val="50000"/>
-            </a:schemeClr>
-          </a:lnRef>
-          <a:fillRef idx="1">
-            <a:schemeClr val="accent1"/>
-          </a:fillRef>
-          <a:effectRef idx="0">
-            <a:schemeClr val="accent1"/>
-          </a:effectRef>
-          <a:fontRef idx="minor">
-            <a:schemeClr val="lt1"/>
-          </a:fontRef>
-        </p:style>
-        <p:txBody>
-          <a:bodyPr rtlCol="0" anchor="ctr"/>
-          <a:p>
-            <a:pPr algn="ctr"/>
-            <a:r>
-              <a:rPr lang="en-US" altLang="zh-CN">
-                <a:solidFill>
-                  <a:schemeClr val="tx1"/>
-                </a:solidFill>
-              </a:rPr>
-              <a:t>Sqoop</a:t>
-            </a:r>
-            <a:endParaRPr lang="en-US" altLang="zh-CN">
-              <a:solidFill>
-                <a:schemeClr val="tx1"/>
-              </a:solidFill>
-            </a:endParaRPr>
-          </a:p>
-        </p:txBody>
-      </p:sp>
-      <p:sp>
-        <p:nvSpPr>
-          <p:cNvPr id="42" name="矩形 41"/>
-          <p:cNvSpPr/>
-          <p:nvPr/>
-        </p:nvSpPr>
-        <p:spPr>
-          <a:xfrm>
-            <a:off x="4006215" y="5196840"/>
-            <a:ext cx="1078230" cy="335915"/>
-          </a:xfrm>
-          <a:prstGeom prst="rect">
-            <a:avLst/>
-          </a:prstGeom>
-          <a:solidFill>
-            <a:schemeClr val="bg1"/>
-          </a:solidFill>
-        </p:spPr>
-        <p:style>
-          <a:lnRef idx="2">
-            <a:schemeClr val="accent1">
-              <a:shade val="50000"/>
-            </a:schemeClr>
-          </a:lnRef>
-          <a:fillRef idx="1">
-            <a:schemeClr val="accent1"/>
-          </a:fillRef>
-          <a:effectRef idx="0">
-            <a:schemeClr val="accent1"/>
-          </a:effectRef>
-          <a:fontRef idx="minor">
-            <a:schemeClr val="lt1"/>
-          </a:fontRef>
-        </p:style>
-        <p:txBody>
-          <a:bodyPr rtlCol="0" anchor="ctr"/>
-          <a:p>
-            <a:pPr algn="ctr"/>
-            <a:r>
-              <a:rPr lang="en-US" altLang="zh-CN">
-                <a:solidFill>
-                  <a:schemeClr val="tx1"/>
-                </a:solidFill>
-              </a:rPr>
+              <a:rPr lang="en-US" altLang="zh-CN"/>
               <a:t>Flume</a:t>
             </a:r>
-            <a:endParaRPr lang="en-US" altLang="zh-CN">
-              <a:solidFill>
-                <a:schemeClr val="tx1"/>
-              </a:solidFill>
-            </a:endParaRPr>
-          </a:p>
-        </p:txBody>
-      </p:sp>
-      <p:sp>
-        <p:nvSpPr>
-          <p:cNvPr id="43" name="矩形 42"/>
-          <p:cNvSpPr/>
-          <p:nvPr/>
-        </p:nvSpPr>
-        <p:spPr>
-          <a:xfrm>
-            <a:off x="2533650" y="3389630"/>
-            <a:ext cx="1078230" cy="335915"/>
-          </a:xfrm>
-          <a:prstGeom prst="rect">
-            <a:avLst/>
-          </a:prstGeom>
-          <a:solidFill>
-            <a:schemeClr val="bg1"/>
-          </a:solidFill>
-        </p:spPr>
-        <p:style>
-          <a:lnRef idx="2">
-            <a:schemeClr val="accent1">
-              <a:shade val="50000"/>
-            </a:schemeClr>
-          </a:lnRef>
-          <a:fillRef idx="1">
-            <a:schemeClr val="accent1"/>
-          </a:fillRef>
-          <a:effectRef idx="0">
-            <a:schemeClr val="accent1"/>
-          </a:effectRef>
-          <a:fontRef idx="minor">
-            <a:schemeClr val="lt1"/>
-          </a:fontRef>
-        </p:style>
-        <p:txBody>
-          <a:bodyPr rtlCol="0" anchor="ctr"/>
-          <a:p>
-            <a:pPr algn="ctr"/>
-            <a:r>
-              <a:rPr lang="en-US" altLang="zh-CN">
-                <a:solidFill>
-                  <a:schemeClr val="tx1"/>
-                </a:solidFill>
-              </a:rPr>
-              <a:t>Sqoop</a:t>
-            </a:r>
-            <a:endParaRPr lang="en-US" altLang="zh-CN">
-              <a:solidFill>
-                <a:schemeClr val="tx1"/>
-              </a:solidFill>
-            </a:endParaRPr>
+            <a:endParaRPr lang="en-US" altLang="zh-CN"/>
           </a:p>
         </p:txBody>
       </p:sp>
@@ -13603,7 +14335,7 @@
         <p:spPr>
           <a:xfrm>
             <a:off x="2534285" y="3813810"/>
-            <a:ext cx="6154420" cy="1266190"/>
+            <a:ext cx="3854450" cy="1266190"/>
           </a:xfrm>
           <a:prstGeom prst="rect">
             <a:avLst/>
@@ -13641,6 +14373,59 @@
       </p:sp>
       <p:sp>
         <p:nvSpPr>
+          <p:cNvPr id="18" name="矩形 17"/>
+          <p:cNvSpPr/>
+          <p:nvPr/>
+        </p:nvSpPr>
+        <p:spPr>
+          <a:xfrm>
+            <a:off x="6672580" y="3813810"/>
+            <a:ext cx="2017395" cy="1266190"/>
+          </a:xfrm>
+          <a:prstGeom prst="rect">
+            <a:avLst/>
+          </a:prstGeom>
+          <a:solidFill>
+            <a:schemeClr val="accent4">
+              <a:lumMod val="40000"/>
+              <a:lumOff val="60000"/>
+            </a:schemeClr>
+          </a:solidFill>
+          <a:ln w="28575" cmpd="sng">
+            <a:solidFill>
+              <a:schemeClr val="accent1">
+                <a:shade val="50000"/>
+              </a:schemeClr>
+            </a:solidFill>
+            <a:prstDash val="sysDot"/>
+          </a:ln>
+        </p:spPr>
+        <p:style>
+          <a:lnRef idx="2">
+            <a:schemeClr val="accent1">
+              <a:shade val="50000"/>
+            </a:schemeClr>
+          </a:lnRef>
+          <a:fillRef idx="1">
+            <a:schemeClr val="accent1"/>
+          </a:fillRef>
+          <a:effectRef idx="0">
+            <a:schemeClr val="accent1"/>
+          </a:effectRef>
+          <a:fontRef idx="minor">
+            <a:schemeClr val="lt1"/>
+          </a:fontRef>
+        </p:style>
+        <p:txBody>
+          <a:bodyPr rtlCol="0" anchor="ctr"/>
+          <a:p>
+            <a:pPr algn="ctr"/>
+            <a:endParaRPr lang="zh-CN" altLang="en-US"/>
+          </a:p>
+        </p:txBody>
+      </p:sp>
+      <p:sp>
+        <p:nvSpPr>
           <p:cNvPr id="19" name="矩形 18"/>
           <p:cNvSpPr/>
           <p:nvPr/>
@@ -13648,7 +14433,7 @@
         <p:spPr>
           <a:xfrm>
             <a:off x="2660650" y="4525645"/>
-            <a:ext cx="5695315" cy="441960"/>
+            <a:ext cx="3491865" cy="441960"/>
           </a:xfrm>
           <a:prstGeom prst="rect">
             <a:avLst/>
@@ -13702,7 +14487,7 @@
         <p:spPr>
           <a:xfrm>
             <a:off x="2660650" y="3971290"/>
-            <a:ext cx="2780030" cy="441960"/>
+            <a:ext cx="1078230" cy="441960"/>
           </a:xfrm>
           <a:prstGeom prst="rect">
             <a:avLst/>
@@ -13749,13 +14534,293 @@
       </p:sp>
       <p:sp>
         <p:nvSpPr>
+          <p:cNvPr id="21" name="矩形 20"/>
+          <p:cNvSpPr/>
+          <p:nvPr/>
+        </p:nvSpPr>
+        <p:spPr>
+          <a:xfrm>
+            <a:off x="3837305" y="3971290"/>
+            <a:ext cx="1078230" cy="441960"/>
+          </a:xfrm>
+          <a:prstGeom prst="rect">
+            <a:avLst/>
+          </a:prstGeom>
+          <a:solidFill>
+            <a:schemeClr val="bg1"/>
+          </a:solidFill>
+          <a:ln w="28575" cmpd="sng">
+            <a:solidFill>
+              <a:schemeClr val="accent1">
+                <a:shade val="50000"/>
+              </a:schemeClr>
+            </a:solidFill>
+            <a:prstDash val="sysDot"/>
+          </a:ln>
+        </p:spPr>
+        <p:style>
+          <a:lnRef idx="2">
+            <a:schemeClr val="accent1">
+              <a:shade val="50000"/>
+            </a:schemeClr>
+          </a:lnRef>
+          <a:fillRef idx="1">
+            <a:schemeClr val="accent1"/>
+          </a:fillRef>
+          <a:effectRef idx="0">
+            <a:schemeClr val="accent1"/>
+          </a:effectRef>
+          <a:fontRef idx="minor">
+            <a:schemeClr val="lt1"/>
+          </a:fontRef>
+        </p:style>
+        <p:txBody>
+          <a:bodyPr rtlCol="0" anchor="ctr"/>
+          <a:p>
+            <a:pPr algn="ctr"/>
+            <a:r>
+              <a:rPr lang="en-US" altLang="zh-CN">
+                <a:solidFill>
+                  <a:schemeClr val="tx1"/>
+                </a:solidFill>
+              </a:rPr>
+              <a:t>Spark</a:t>
+            </a:r>
+            <a:endParaRPr lang="en-US" altLang="zh-CN">
+              <a:solidFill>
+                <a:schemeClr val="tx1"/>
+              </a:solidFill>
+            </a:endParaRPr>
+          </a:p>
+          <a:p>
+            <a:pPr algn="ctr"/>
+            <a:r>
+              <a:rPr lang="en-US" altLang="zh-CN">
+                <a:solidFill>
+                  <a:schemeClr val="tx1"/>
+                </a:solidFill>
+              </a:rPr>
+              <a:t>SQL</a:t>
+            </a:r>
+            <a:endParaRPr lang="en-US" altLang="zh-CN">
+              <a:solidFill>
+                <a:schemeClr val="tx1"/>
+              </a:solidFill>
+            </a:endParaRPr>
+          </a:p>
+        </p:txBody>
+      </p:sp>
+      <p:sp>
+        <p:nvSpPr>
+          <p:cNvPr id="22" name="矩形 21"/>
+          <p:cNvSpPr/>
+          <p:nvPr/>
+        </p:nvSpPr>
+        <p:spPr>
+          <a:xfrm>
+            <a:off x="5074285" y="3971290"/>
+            <a:ext cx="1078230" cy="441960"/>
+          </a:xfrm>
+          <a:prstGeom prst="rect">
+            <a:avLst/>
+          </a:prstGeom>
+          <a:solidFill>
+            <a:schemeClr val="bg1"/>
+          </a:solidFill>
+          <a:ln w="28575" cmpd="sng">
+            <a:solidFill>
+              <a:schemeClr val="accent1">
+                <a:shade val="50000"/>
+              </a:schemeClr>
+            </a:solidFill>
+            <a:prstDash val="sysDot"/>
+          </a:ln>
+        </p:spPr>
+        <p:style>
+          <a:lnRef idx="2">
+            <a:schemeClr val="accent1">
+              <a:shade val="50000"/>
+            </a:schemeClr>
+          </a:lnRef>
+          <a:fillRef idx="1">
+            <a:schemeClr val="accent1"/>
+          </a:fillRef>
+          <a:effectRef idx="0">
+            <a:schemeClr val="accent1"/>
+          </a:effectRef>
+          <a:fontRef idx="minor">
+            <a:schemeClr val="lt1"/>
+          </a:fontRef>
+        </p:style>
+        <p:txBody>
+          <a:bodyPr rtlCol="0" anchor="ctr"/>
+          <a:p>
+            <a:pPr algn="ctr"/>
+            <a:r>
+              <a:rPr lang="en-US" altLang="zh-CN">
+                <a:solidFill>
+                  <a:schemeClr val="tx1"/>
+                </a:solidFill>
+              </a:rPr>
+              <a:t>Spark</a:t>
+            </a:r>
+            <a:endParaRPr lang="en-US" altLang="zh-CN">
+              <a:solidFill>
+                <a:schemeClr val="tx1"/>
+              </a:solidFill>
+            </a:endParaRPr>
+          </a:p>
+          <a:p>
+            <a:pPr algn="ctr"/>
+            <a:r>
+              <a:rPr lang="en-US" altLang="zh-CN">
+                <a:solidFill>
+                  <a:schemeClr val="tx1"/>
+                </a:solidFill>
+              </a:rPr>
+              <a:t>SQL</a:t>
+            </a:r>
+            <a:endParaRPr lang="en-US" altLang="zh-CN">
+              <a:solidFill>
+                <a:schemeClr val="tx1"/>
+              </a:solidFill>
+            </a:endParaRPr>
+          </a:p>
+        </p:txBody>
+      </p:sp>
+      <p:sp>
+        <p:nvSpPr>
+          <p:cNvPr id="23" name="矩形 22"/>
+          <p:cNvSpPr/>
+          <p:nvPr/>
+        </p:nvSpPr>
+        <p:spPr>
+          <a:xfrm>
+            <a:off x="6983095" y="3971290"/>
+            <a:ext cx="1373505" cy="441960"/>
+          </a:xfrm>
+          <a:prstGeom prst="rect">
+            <a:avLst/>
+          </a:prstGeom>
+          <a:solidFill>
+            <a:schemeClr val="bg1"/>
+          </a:solidFill>
+        </p:spPr>
+        <p:style>
+          <a:lnRef idx="2">
+            <a:schemeClr val="accent1">
+              <a:shade val="50000"/>
+            </a:schemeClr>
+          </a:lnRef>
+          <a:fillRef idx="1">
+            <a:schemeClr val="accent1"/>
+          </a:fillRef>
+          <a:effectRef idx="0">
+            <a:schemeClr val="accent1"/>
+          </a:effectRef>
+          <a:fontRef idx="minor">
+            <a:schemeClr val="lt1"/>
+          </a:fontRef>
+        </p:style>
+        <p:txBody>
+          <a:bodyPr rtlCol="0" anchor="ctr"/>
+          <a:p>
+            <a:pPr algn="ctr"/>
+            <a:r>
+              <a:rPr lang="en-US" altLang="zh-CN">
+                <a:solidFill>
+                  <a:schemeClr val="tx1"/>
+                </a:solidFill>
+              </a:rPr>
+              <a:t>Spark</a:t>
+            </a:r>
+            <a:endParaRPr lang="en-US" altLang="zh-CN">
+              <a:solidFill>
+                <a:schemeClr val="tx1"/>
+              </a:solidFill>
+            </a:endParaRPr>
+          </a:p>
+          <a:p>
+            <a:pPr algn="ctr"/>
+            <a:r>
+              <a:rPr lang="en-US" altLang="zh-CN">
+                <a:solidFill>
+                  <a:schemeClr val="tx1"/>
+                </a:solidFill>
+              </a:rPr>
+              <a:t>Streming</a:t>
+            </a:r>
+            <a:endParaRPr lang="en-US" altLang="zh-CN">
+              <a:solidFill>
+                <a:schemeClr val="tx1"/>
+              </a:solidFill>
+            </a:endParaRPr>
+          </a:p>
+        </p:txBody>
+      </p:sp>
+      <p:sp>
+        <p:nvSpPr>
+          <p:cNvPr id="24" name="矩形 23"/>
+          <p:cNvSpPr/>
+          <p:nvPr/>
+        </p:nvSpPr>
+        <p:spPr>
+          <a:xfrm>
+            <a:off x="6983095" y="4525645"/>
+            <a:ext cx="1374140" cy="441960"/>
+          </a:xfrm>
+          <a:prstGeom prst="rect">
+            <a:avLst/>
+          </a:prstGeom>
+          <a:solidFill>
+            <a:schemeClr val="bg1"/>
+          </a:solidFill>
+        </p:spPr>
+        <p:style>
+          <a:lnRef idx="2">
+            <a:schemeClr val="accent1">
+              <a:shade val="50000"/>
+            </a:schemeClr>
+          </a:lnRef>
+          <a:fillRef idx="1">
+            <a:schemeClr val="accent1"/>
+          </a:fillRef>
+          <a:effectRef idx="0">
+            <a:schemeClr val="accent1"/>
+          </a:effectRef>
+          <a:fontRef idx="minor">
+            <a:schemeClr val="lt1"/>
+          </a:fontRef>
+        </p:style>
+        <p:txBody>
+          <a:bodyPr rtlCol="0" anchor="ctr"/>
+          <a:p>
+            <a:pPr algn="ctr"/>
+            <a:r>
+              <a:rPr lang="en-US" altLang="zh-CN">
+                <a:solidFill>
+                  <a:schemeClr val="tx1"/>
+                </a:solidFill>
+              </a:rPr>
+              <a:t>Kafka</a:t>
+            </a:r>
+            <a:endParaRPr lang="en-US" altLang="zh-CN">
+              <a:solidFill>
+                <a:schemeClr val="tx1"/>
+              </a:solidFill>
+            </a:endParaRPr>
+          </a:p>
+        </p:txBody>
+      </p:sp>
+      <p:sp>
+        <p:nvSpPr>
           <p:cNvPr id="25" name="矩形 24"/>
           <p:cNvSpPr/>
           <p:nvPr/>
         </p:nvSpPr>
         <p:spPr>
           <a:xfrm>
-            <a:off x="2815590" y="2741930"/>
+            <a:off x="2660650" y="2741930"/>
             <a:ext cx="1078230" cy="441960"/>
           </a:xfrm>
           <a:prstGeom prst="rect">
@@ -13809,7 +14874,7 @@
         </p:nvSpPr>
         <p:spPr>
           <a:xfrm>
-            <a:off x="4727575" y="2741930"/>
+            <a:off x="3837305" y="2741930"/>
             <a:ext cx="1078230" cy="441960"/>
           </a:xfrm>
           <a:prstGeom prst="rect">
@@ -13863,7 +14928,7 @@
         </p:nvSpPr>
         <p:spPr>
           <a:xfrm>
-            <a:off x="6793230" y="2741930"/>
+            <a:off x="5074285" y="2741930"/>
             <a:ext cx="1078230" cy="441960"/>
           </a:xfrm>
           <a:prstGeom prst="rect">
@@ -13911,6 +14976,68 @@
       </p:sp>
       <p:sp>
         <p:nvSpPr>
+          <p:cNvPr id="28" name="矩形 27"/>
+          <p:cNvSpPr/>
+          <p:nvPr/>
+        </p:nvSpPr>
+        <p:spPr>
+          <a:xfrm>
+            <a:off x="6484620" y="2741930"/>
+            <a:ext cx="1078230" cy="441960"/>
+          </a:xfrm>
+          <a:prstGeom prst="rect">
+            <a:avLst/>
+          </a:prstGeom>
+          <a:solidFill>
+            <a:schemeClr val="bg1"/>
+          </a:solidFill>
+          <a:ln w="28575" cmpd="dbl">
+            <a:solidFill>
+              <a:schemeClr val="accent1">
+                <a:shade val="50000"/>
+              </a:schemeClr>
+            </a:solidFill>
+            <a:prstDash val="sysDot"/>
+          </a:ln>
+        </p:spPr>
+        <p:style>
+          <a:lnRef idx="2">
+            <a:schemeClr val="accent1">
+              <a:shade val="50000"/>
+            </a:schemeClr>
+          </a:lnRef>
+          <a:fillRef idx="1">
+            <a:schemeClr val="accent1"/>
+          </a:fillRef>
+          <a:effectRef idx="0">
+            <a:schemeClr val="accent1"/>
+          </a:effectRef>
+          <a:fontRef idx="minor">
+            <a:schemeClr val="lt1"/>
+          </a:fontRef>
+        </p:style>
+        <p:txBody>
+          <a:bodyPr rtlCol="0" anchor="ctr"/>
+          <a:p>
+            <a:pPr algn="ctr"/>
+            <a:r>
+              <a:rPr lang="en-US" altLang="zh-CN">
+                <a:solidFill>
+                  <a:schemeClr val="tx1"/>
+                </a:solidFill>
+              </a:rPr>
+              <a:t>Hbase</a:t>
+            </a:r>
+            <a:endParaRPr lang="en-US" altLang="zh-CN">
+              <a:solidFill>
+                <a:schemeClr val="tx1"/>
+              </a:solidFill>
+            </a:endParaRPr>
+          </a:p>
+        </p:txBody>
+      </p:sp>
+      <p:sp>
+        <p:nvSpPr>
           <p:cNvPr id="29" name="矩形 28"/>
           <p:cNvSpPr/>
           <p:nvPr/>
@@ -14491,60 +15618,6 @@
                 </a:solidFill>
               </a:rPr>
               <a:t>Sqoop</a:t>
-            </a:r>
-            <a:endParaRPr lang="en-US" altLang="zh-CN">
-              <a:solidFill>
-                <a:schemeClr val="tx1"/>
-              </a:solidFill>
-            </a:endParaRPr>
-          </a:p>
-        </p:txBody>
-      </p:sp>
-      <p:sp>
-        <p:nvSpPr>
-          <p:cNvPr id="2" name="矩形 1"/>
-          <p:cNvSpPr/>
-          <p:nvPr/>
-        </p:nvSpPr>
-        <p:spPr>
-          <a:xfrm>
-            <a:off x="5805805" y="3971290"/>
-            <a:ext cx="2550160" cy="441960"/>
-          </a:xfrm>
-          <a:prstGeom prst="rect">
-            <a:avLst/>
-          </a:prstGeom>
-          <a:solidFill>
-            <a:schemeClr val="bg1"/>
-          </a:solidFill>
-        </p:spPr>
-        <p:style>
-          <a:lnRef idx="2">
-            <a:schemeClr val="accent1">
-              <a:shade val="50000"/>
-            </a:schemeClr>
-          </a:lnRef>
-          <a:fillRef idx="1">
-            <a:schemeClr val="accent1"/>
-          </a:fillRef>
-          <a:effectRef idx="0">
-            <a:schemeClr val="accent1"/>
-          </a:effectRef>
-          <a:fontRef idx="minor">
-            <a:schemeClr val="lt1"/>
-          </a:fontRef>
-        </p:style>
-        <p:txBody>
-          <a:bodyPr rtlCol="0" anchor="ctr"/>
-          <a:p>
-            <a:pPr algn="ctr"/>
-            <a:r>
-              <a:rPr lang="en-US" altLang="zh-CN">
-                <a:solidFill>
-                  <a:schemeClr val="tx1"/>
-                </a:solidFill>
-              </a:rPr>
-              <a:t>MapReduce</a:t>
             </a:r>
             <a:endParaRPr lang="en-US" altLang="zh-CN">
               <a:solidFill>
